--- a/Cartel.pptx
+++ b/Cartel.pptx
@@ -198,13 +198,61 @@
 <file path=ppt/revisionInfo.xml><?xml version="1.0" encoding="utf-8"?>
 <p1510:revInfo xmlns:a="http://schemas.openxmlformats.org/drawingml/2006/main" xmlns:r="http://schemas.openxmlformats.org/officeDocument/2006/relationships" xmlns:p1510="http://schemas.microsoft.com/office/powerpoint/2015/10/main">
   <p1510:revLst>
-    <p1510:client id="{ADB1AFEA-F82A-4A54-A848-C9F0D36D1597}" v="1" dt="2019-04-05T09:28:28.940"/>
+    <p1510:client id="{92E67234-618A-4926-B56E-B721E5CE024C}" v="469" dt="2019-04-30T16:24:59.098"/>
   </p1510:revLst>
 </p1510:revInfo>
 </file>
 
 <file path=ppt/changesInfos/changesInfo1.xml><?xml version="1.0" encoding="utf-8"?>
 <pc:chgInfo xmlns:a="http://schemas.openxmlformats.org/drawingml/2006/main" xmlns:r="http://schemas.openxmlformats.org/officeDocument/2006/relationships" xmlns:ac="http://schemas.microsoft.com/office/drawing/2013/main/command" xmlns:pc="http://schemas.microsoft.com/office/powerpoint/2013/main/command">
+  <pc:docChgLst>
+    <pc:chgData name="Mariam Rodriguez" userId="c09470932690718e" providerId="LiveId" clId="{92E67234-618A-4926-B56E-B721E5CE024C}"/>
+    <pc:docChg chg="undo custSel modSld">
+      <pc:chgData name="Mariam Rodriguez" userId="c09470932690718e" providerId="LiveId" clId="{92E67234-618A-4926-B56E-B721E5CE024C}" dt="2019-04-30T16:24:59.098" v="468" actId="478"/>
+      <pc:docMkLst>
+        <pc:docMk/>
+      </pc:docMkLst>
+      <pc:sldChg chg="delSp modSp">
+        <pc:chgData name="Mariam Rodriguez" userId="c09470932690718e" providerId="LiveId" clId="{92E67234-618A-4926-B56E-B721E5CE024C}" dt="2019-04-30T16:24:59.098" v="468" actId="478"/>
+        <pc:sldMkLst>
+          <pc:docMk/>
+          <pc:sldMk cId="0" sldId="256"/>
+        </pc:sldMkLst>
+        <pc:spChg chg="del">
+          <ac:chgData name="Mariam Rodriguez" userId="c09470932690718e" providerId="LiveId" clId="{92E67234-618A-4926-B56E-B721E5CE024C}" dt="2019-04-30T16:24:59.098" v="468" actId="478"/>
+          <ac:spMkLst>
+            <pc:docMk/>
+            <pc:sldMk cId="0" sldId="256"/>
+            <ac:spMk id="9" creationId="{CC29E72F-A2F9-4EEB-AA11-F5F067EF78D3}"/>
+          </ac:spMkLst>
+        </pc:spChg>
+        <pc:spChg chg="mod">
+          <ac:chgData name="Mariam Rodriguez" userId="c09470932690718e" providerId="LiveId" clId="{92E67234-618A-4926-B56E-B721E5CE024C}" dt="2019-04-30T16:16:53.193" v="70" actId="20577"/>
+          <ac:spMkLst>
+            <pc:docMk/>
+            <pc:sldMk cId="0" sldId="256"/>
+            <ac:spMk id="40" creationId="{B086BEB9-538E-4287-812F-736F388B5EA6}"/>
+          </ac:spMkLst>
+        </pc:spChg>
+        <pc:spChg chg="mod">
+          <ac:chgData name="Mariam Rodriguez" userId="c09470932690718e" providerId="LiveId" clId="{92E67234-618A-4926-B56E-B721E5CE024C}" dt="2019-04-30T16:22:45.319" v="375" actId="14100"/>
+          <ac:spMkLst>
+            <pc:docMk/>
+            <pc:sldMk cId="0" sldId="256"/>
+            <ac:spMk id="42" creationId="{161F8EE5-A5CC-458C-8F37-7B2BB19AB344}"/>
+          </ac:spMkLst>
+        </pc:spChg>
+        <pc:spChg chg="mod">
+          <ac:chgData name="Mariam Rodriguez" userId="c09470932690718e" providerId="LiveId" clId="{92E67234-618A-4926-B56E-B721E5CE024C}" dt="2019-04-30T16:24:23.299" v="467" actId="20577"/>
+          <ac:spMkLst>
+            <pc:docMk/>
+            <pc:sldMk cId="0" sldId="256"/>
+            <ac:spMk id="3098" creationId="{0625BF84-9B77-4851-BF01-8419FB142D3B}"/>
+          </ac:spMkLst>
+        </pc:spChg>
+      </pc:sldChg>
+    </pc:docChg>
+  </pc:docChgLst>
   <pc:docChgLst>
     <pc:chgData name="Arturo García" userId="cab6745f3316cc59" providerId="LiveId" clId="{ADB1AFEA-F82A-4A54-A848-C9F0D36D1597}"/>
     <pc:docChg chg="modSld">
@@ -14057,7 +14105,7 @@
         </p:nvSpPr>
         <p:spPr bwMode="auto">
           <a:xfrm>
-            <a:off x="2593975" y="1344613"/>
+            <a:off x="2593232" y="1344613"/>
             <a:ext cx="16773525" cy="460375"/>
           </a:xfrm>
           <a:prstGeom prst="rect">
@@ -14544,8 +14592,8 @@
               <a:buNone/>
             </a:pPr>
             <a:r>
-              <a:rPr lang="es-ES" altLang="es-MX" sz="2400" b="1"/>
-              <a:t>García-Pérez A. ; Hernández-Alonso A. ; </a:t>
+              <a:rPr lang="es-ES" altLang="es-MX" sz="2400" b="1" dirty="0"/>
+              <a:t>García-Pérez A. ; Hernández-Alonso A. ; Rodriguez-Rodriguez M. ; Rojas-Colorado I.J. ; Barajas-Rangel J.D.</a:t>
             </a:r>
           </a:p>
         </p:txBody>
@@ -15907,7 +15955,7 @@
         <p:spPr>
           <a:xfrm>
             <a:off x="563958" y="4021635"/>
-            <a:ext cx="9936162" cy="3539430"/>
+            <a:ext cx="9936162" cy="3046988"/>
           </a:xfrm>
           <a:prstGeom prst="rect">
             <a:avLst/>
@@ -15929,7 +15977,27 @@
                 <a:latin typeface="Calibri" panose="020F0502020204030204" pitchFamily="34" charset="0"/>
                 <a:cs typeface="Calibri" panose="020F0502020204030204" pitchFamily="34" charset="0"/>
               </a:rPr>
-              <a:t>El Sistema de Venta –Inventario (SVI) desarrollado para la empresa &lt;INSERTE NOMBRE DE LA EMPRESA&gt; esta construido en los lenguajes &lt;INSERTE LENGUAJES UTILIZADOS&gt; y funge como una herramienta que va a facilitar la interacción Interfaz-Usuario en situaciones de la vida cotidiana para poder agilizar el trabajo realizado en la empresa.</a:t>
+              <a:t>El Sistema de Venta –Inventario (SVI) desarrollado para la empresa </a:t>
+            </a:r>
+            <a:r>
+              <a:rPr lang="es-ES" sz="3200" dirty="0" err="1">
+                <a:solidFill>
+                  <a:schemeClr val="tx1"/>
+                </a:solidFill>
+                <a:latin typeface="Calibri" panose="020F0502020204030204" pitchFamily="34" charset="0"/>
+                <a:cs typeface="Calibri" panose="020F0502020204030204" pitchFamily="34" charset="0"/>
+              </a:rPr>
+              <a:t>SyOdM</a:t>
+            </a:r>
+            <a:r>
+              <a:rPr lang="es-ES" altLang="es-MX" sz="3200" dirty="0">
+                <a:solidFill>
+                  <a:srgbClr val="000000"/>
+                </a:solidFill>
+                <a:latin typeface="Calibri" panose="020F0502020204030204" pitchFamily="34" charset="0"/>
+                <a:cs typeface="Calibri" panose="020F0502020204030204" pitchFamily="34" charset="0"/>
+              </a:rPr>
+              <a:t> esta construido en los lenguajes HTML, JAVA SCRIPT, CSS,PHP y funge como una herramienta que va a facilitar la interacción Interfaz-Usuario en situaciones de la vida cotidiana para poder agilizar el trabajo realizado en la empresa.</a:t>
             </a:r>
           </a:p>
         </p:txBody>
@@ -16375,7 +16443,7 @@
         <p:spPr>
           <a:xfrm>
             <a:off x="505000" y="9073233"/>
-            <a:ext cx="9936162" cy="1569660"/>
+            <a:ext cx="9936162" cy="2062103"/>
           </a:xfrm>
           <a:prstGeom prst="rect">
             <a:avLst/>
@@ -16388,6 +16456,7 @@
           </a:bodyPr>
           <a:lstStyle/>
           <a:p>
+            <a:pPr algn="just"/>
             <a:r>
               <a:rPr lang="es-ES" altLang="es-MX" sz="3200" dirty="0">
                 <a:solidFill>
@@ -16396,7 +16465,7 @@
                 <a:latin typeface="Calibri" panose="020F0502020204030204" pitchFamily="34" charset="0"/>
                 <a:cs typeface="Calibri" panose="020F0502020204030204" pitchFamily="34" charset="0"/>
               </a:rPr>
-              <a:t>Desarrollar un SVI para aplicar los conocimientos de la materia de Ingeniería de Software B e integrar de manera interdisciplinaria diferentes áreas de trabajo.</a:t>
+              <a:t>Desarrollar un SVI, no solo con las especificaciones del cliente, si no también el poder optimizar el flujo, la interfaz y el mantenimiento para diferentes áreas de trabajo del sistema futuras.</a:t>
             </a:r>
           </a:p>
         </p:txBody>
@@ -16922,38 +16991,6 @@
           </a:graphicData>
         </a:graphic>
       </p:graphicFrame>
-      <p:sp>
-        <p:nvSpPr>
-          <p:cNvPr id="9" name="CuadroTexto 8">
-            <a:extLst>
-              <a:ext uri="{FF2B5EF4-FFF2-40B4-BE49-F238E27FC236}">
-                <a16:creationId xmlns:a16="http://schemas.microsoft.com/office/drawing/2014/main" id="{CC29E72F-A2F9-4EEB-AA11-F5F067EF78D3}"/>
-              </a:ext>
-            </a:extLst>
-          </p:cNvPr>
-          <p:cNvSpPr txBox="1"/>
-          <p:nvPr/>
-        </p:nvSpPr>
-        <p:spPr>
-          <a:xfrm>
-            <a:off x="572284" y="26275453"/>
-            <a:ext cx="9868878" cy="4302525"/>
-          </a:xfrm>
-          <a:prstGeom prst="rect">
-            <a:avLst/>
-          </a:prstGeom>
-          <a:noFill/>
-        </p:spPr>
-        <p:txBody>
-          <a:bodyPr wrap="square" rtlCol="0">
-            <a:spAutoFit/>
-          </a:bodyPr>
-          <a:lstStyle/>
-          <a:p>
-            <a:endParaRPr lang="es-MX" dirty="0"/>
-          </a:p>
-        </p:txBody>
-      </p:sp>
       <p:sp>
         <p:nvSpPr>
           <p:cNvPr id="50" name="Rectangle 23">

--- a/Cartel.pptx
+++ b/Cartel.pptx
@@ -198,7 +198,7 @@
 <file path=ppt/revisionInfo.xml><?xml version="1.0" encoding="utf-8"?>
 <p1510:revInfo xmlns:a="http://schemas.openxmlformats.org/drawingml/2006/main" xmlns:r="http://schemas.openxmlformats.org/officeDocument/2006/relationships" xmlns:p1510="http://schemas.microsoft.com/office/powerpoint/2015/10/main">
   <p1510:revLst>
-    <p1510:client id="{92E67234-618A-4926-B56E-B721E5CE024C}" v="469" dt="2019-04-30T16:24:59.098"/>
+    <p1510:client id="{92E67234-618A-4926-B56E-B721E5CE024C}" v="523" dt="2019-05-02T21:48:57.062"/>
   </p1510:revLst>
 </p1510:revInfo>
 </file>
@@ -208,16 +208,24 @@
   <pc:docChgLst>
     <pc:chgData name="Mariam Rodriguez" userId="c09470932690718e" providerId="LiveId" clId="{92E67234-618A-4926-B56E-B721E5CE024C}"/>
     <pc:docChg chg="undo custSel modSld">
-      <pc:chgData name="Mariam Rodriguez" userId="c09470932690718e" providerId="LiveId" clId="{92E67234-618A-4926-B56E-B721E5CE024C}" dt="2019-04-30T16:24:59.098" v="468" actId="478"/>
+      <pc:chgData name="Mariam Rodriguez" userId="c09470932690718e" providerId="LiveId" clId="{92E67234-618A-4926-B56E-B721E5CE024C}" dt="2019-05-02T21:48:57.062" v="522" actId="1037"/>
       <pc:docMkLst>
         <pc:docMk/>
       </pc:docMkLst>
-      <pc:sldChg chg="delSp modSp">
-        <pc:chgData name="Mariam Rodriguez" userId="c09470932690718e" providerId="LiveId" clId="{92E67234-618A-4926-B56E-B721E5CE024C}" dt="2019-04-30T16:24:59.098" v="468" actId="478"/>
+      <pc:sldChg chg="addSp delSp modSp">
+        <pc:chgData name="Mariam Rodriguez" userId="c09470932690718e" providerId="LiveId" clId="{92E67234-618A-4926-B56E-B721E5CE024C}" dt="2019-05-02T21:48:57.062" v="522" actId="1037"/>
         <pc:sldMkLst>
           <pc:docMk/>
           <pc:sldMk cId="0" sldId="256"/>
         </pc:sldMkLst>
+        <pc:spChg chg="add del mod">
+          <ac:chgData name="Mariam Rodriguez" userId="c09470932690718e" providerId="LiveId" clId="{92E67234-618A-4926-B56E-B721E5CE024C}" dt="2019-05-02T14:08:23.753" v="474"/>
+          <ac:spMkLst>
+            <pc:docMk/>
+            <pc:sldMk cId="0" sldId="256"/>
+            <ac:spMk id="4" creationId="{572F305F-271C-45EE-BCCE-98ECF1F9F00A}"/>
+          </ac:spMkLst>
+        </pc:spChg>
         <pc:spChg chg="del">
           <ac:chgData name="Mariam Rodriguez" userId="c09470932690718e" providerId="LiveId" clId="{92E67234-618A-4926-B56E-B721E5CE024C}" dt="2019-04-30T16:24:59.098" v="468" actId="478"/>
           <ac:spMkLst>
@@ -235,11 +243,27 @@
           </ac:spMkLst>
         </pc:spChg>
         <pc:spChg chg="mod">
-          <ac:chgData name="Mariam Rodriguez" userId="c09470932690718e" providerId="LiveId" clId="{92E67234-618A-4926-B56E-B721E5CE024C}" dt="2019-04-30T16:22:45.319" v="375" actId="14100"/>
+          <ac:chgData name="Mariam Rodriguez" userId="c09470932690718e" providerId="LiveId" clId="{92E67234-618A-4926-B56E-B721E5CE024C}" dt="2019-05-02T14:08:40.066" v="481" actId="1037"/>
+          <ac:spMkLst>
+            <pc:docMk/>
+            <pc:sldMk cId="0" sldId="256"/>
+            <ac:spMk id="41" creationId="{EC5740EC-249A-4E5B-B18F-D829F98D4C41}"/>
+          </ac:spMkLst>
+        </pc:spChg>
+        <pc:spChg chg="mod">
+          <ac:chgData name="Mariam Rodriguez" userId="c09470932690718e" providerId="LiveId" clId="{92E67234-618A-4926-B56E-B721E5CE024C}" dt="2019-05-02T14:08:39.674" v="480" actId="1038"/>
           <ac:spMkLst>
             <pc:docMk/>
             <pc:sldMk cId="0" sldId="256"/>
             <ac:spMk id="42" creationId="{161F8EE5-A5CC-458C-8F37-7B2BB19AB344}"/>
+          </ac:spMkLst>
+        </pc:spChg>
+        <pc:spChg chg="mod">
+          <ac:chgData name="Mariam Rodriguez" userId="c09470932690718e" providerId="LiveId" clId="{92E67234-618A-4926-B56E-B721E5CE024C}" dt="2019-05-02T21:40:06.292" v="508" actId="14100"/>
+          <ac:spMkLst>
+            <pc:docMk/>
+            <pc:sldMk cId="0" sldId="256"/>
+            <ac:spMk id="65" creationId="{4B5F695F-2FDB-4332-874C-6B5E9BF5D063}"/>
           </ac:spMkLst>
         </pc:spChg>
         <pc:spChg chg="mod">
@@ -250,6 +274,54 @@
             <ac:spMk id="3098" creationId="{0625BF84-9B77-4851-BF01-8419FB142D3B}"/>
           </ac:spMkLst>
         </pc:spChg>
+        <pc:graphicFrameChg chg="mod">
+          <ac:chgData name="Mariam Rodriguez" userId="c09470932690718e" providerId="LiveId" clId="{92E67234-618A-4926-B56E-B721E5CE024C}" dt="2019-05-02T21:43:11.798" v="514" actId="14100"/>
+          <ac:graphicFrameMkLst>
+            <pc:docMk/>
+            <pc:sldMk cId="0" sldId="256"/>
+            <ac:graphicFrameMk id="3" creationId="{606B08ED-7B1F-433B-9398-EE0115AF9617}"/>
+          </ac:graphicFrameMkLst>
+        </pc:graphicFrameChg>
+        <pc:picChg chg="add mod modCrop">
+          <ac:chgData name="Mariam Rodriguez" userId="c09470932690718e" providerId="LiveId" clId="{92E67234-618A-4926-B56E-B721E5CE024C}" dt="2019-05-02T21:48:57.062" v="522" actId="1037"/>
+          <ac:picMkLst>
+            <pc:docMk/>
+            <pc:sldMk cId="0" sldId="256"/>
+            <ac:picMk id="2" creationId="{063E2B06-D435-40B2-B516-A8EFF33F3AC2}"/>
+          </ac:picMkLst>
+        </pc:picChg>
+        <pc:picChg chg="del">
+          <ac:chgData name="Mariam Rodriguez" userId="c09470932690718e" providerId="LiveId" clId="{92E67234-618A-4926-B56E-B721E5CE024C}" dt="2019-05-02T21:20:03.352" v="493" actId="478"/>
+          <ac:picMkLst>
+            <pc:docMk/>
+            <pc:sldMk cId="0" sldId="256"/>
+            <ac:picMk id="2" creationId="{20D45C40-257F-4871-AAEA-67D748D810A1}"/>
+          </ac:picMkLst>
+        </pc:picChg>
+        <pc:picChg chg="add mod">
+          <ac:chgData name="Mariam Rodriguez" userId="c09470932690718e" providerId="LiveId" clId="{92E67234-618A-4926-B56E-B721E5CE024C}" dt="2019-05-02T21:48:51.356" v="521" actId="1076"/>
+          <ac:picMkLst>
+            <pc:docMk/>
+            <pc:sldMk cId="0" sldId="256"/>
+            <ac:picMk id="4" creationId="{CA9308A7-553E-4ADA-9A82-24019B85F9F8}"/>
+          </ac:picMkLst>
+        </pc:picChg>
+        <pc:picChg chg="mod">
+          <ac:chgData name="Mariam Rodriguez" userId="c09470932690718e" providerId="LiveId" clId="{92E67234-618A-4926-B56E-B721E5CE024C}" dt="2019-05-02T21:43:05.994" v="513" actId="1076"/>
+          <ac:picMkLst>
+            <pc:docMk/>
+            <pc:sldMk cId="0" sldId="256"/>
+            <ac:picMk id="5" creationId="{F1576D08-4598-4464-A157-BAEE1AC5C4EE}"/>
+          </ac:picMkLst>
+        </pc:picChg>
+        <pc:picChg chg="add mod">
+          <ac:chgData name="Mariam Rodriguez" userId="c09470932690718e" providerId="LiveId" clId="{92E67234-618A-4926-B56E-B721E5CE024C}" dt="2019-05-02T21:24:29.768" v="496" actId="1035"/>
+          <ac:picMkLst>
+            <pc:docMk/>
+            <pc:sldMk cId="0" sldId="256"/>
+            <ac:picMk id="6" creationId="{47BA8253-BC67-4A2A-B46D-DF9D0309F7F5}"/>
+          </ac:picMkLst>
+        </pc:picChg>
       </pc:sldChg>
     </pc:docChg>
   </pc:docChgLst>
@@ -3121,8 +3193,8 @@
       </dsp:nvSpPr>
       <dsp:spPr>
         <a:xfrm>
-          <a:off x="3240989" y="2509552"/>
-          <a:ext cx="1773622" cy="615637"/>
+          <a:off x="3106930" y="2194637"/>
+          <a:ext cx="1700259" cy="590172"/>
         </a:xfrm>
         <a:custGeom>
           <a:avLst/>
@@ -3136,13 +3208,13 @@
                 <a:pt x="0" y="0"/>
               </a:moveTo>
               <a:lnTo>
-                <a:pt x="0" y="307818"/>
+                <a:pt x="0" y="295086"/>
               </a:lnTo>
               <a:lnTo>
-                <a:pt x="1773622" y="307818"/>
+                <a:pt x="1700259" y="295086"/>
               </a:lnTo>
               <a:lnTo>
-                <a:pt x="1773622" y="615637"/>
+                <a:pt x="1700259" y="590172"/>
               </a:lnTo>
             </a:path>
           </a:pathLst>
@@ -3182,8 +3254,8 @@
       </dsp:nvSpPr>
       <dsp:spPr>
         <a:xfrm>
-          <a:off x="1467366" y="2509552"/>
-          <a:ext cx="1773622" cy="615637"/>
+          <a:off x="1406671" y="2194637"/>
+          <a:ext cx="1700259" cy="590172"/>
         </a:xfrm>
         <a:custGeom>
           <a:avLst/>
@@ -3194,16 +3266,16 @@
           <a:pathLst>
             <a:path>
               <a:moveTo>
-                <a:pt x="1773622" y="0"/>
+                <a:pt x="1700259" y="0"/>
               </a:moveTo>
               <a:lnTo>
-                <a:pt x="1773622" y="307818"/>
+                <a:pt x="1700259" y="295086"/>
               </a:lnTo>
               <a:lnTo>
-                <a:pt x="0" y="307818"/>
+                <a:pt x="0" y="295086"/>
               </a:lnTo>
               <a:lnTo>
-                <a:pt x="0" y="615637"/>
+                <a:pt x="0" y="590172"/>
               </a:lnTo>
             </a:path>
           </a:pathLst>
@@ -3243,8 +3315,8 @@
       </dsp:nvSpPr>
       <dsp:spPr>
         <a:xfrm>
-          <a:off x="1775185" y="1043748"/>
-          <a:ext cx="2931607" cy="1465803"/>
+          <a:off x="1701757" y="789464"/>
+          <a:ext cx="2810346" cy="1405173"/>
         </a:xfrm>
         <a:prstGeom prst="rect">
           <a:avLst/>
@@ -3286,12 +3358,12 @@
         </a:fontRef>
       </dsp:style>
       <dsp:txBody>
-        <a:bodyPr spcFirstLastPara="0" vert="horz" wrap="square" lIns="22860" tIns="22860" rIns="22860" bIns="22860" numCol="1" spcCol="1270" anchor="ctr" anchorCtr="0">
+        <a:bodyPr spcFirstLastPara="0" vert="horz" wrap="square" lIns="21590" tIns="21590" rIns="21590" bIns="21590" numCol="1" spcCol="1270" anchor="ctr" anchorCtr="0">
           <a:noAutofit/>
         </a:bodyPr>
         <a:lstStyle/>
         <a:p>
-          <a:pPr marL="0" lvl="0" indent="0" algn="ctr" defTabSz="1600200">
+          <a:pPr marL="0" lvl="0" indent="0" algn="ctr" defTabSz="1511300">
             <a:lnSpc>
               <a:spcPct val="90000"/>
             </a:lnSpc>
@@ -3304,14 +3376,14 @@
             <a:buNone/>
           </a:pPr>
           <a:r>
-            <a:rPr lang="es-MX" sz="3600" kern="1200" dirty="0"/>
+            <a:rPr lang="es-MX" sz="3400" kern="1200" dirty="0"/>
             <a:t>Sistema Venta-Inventario</a:t>
           </a:r>
         </a:p>
       </dsp:txBody>
       <dsp:txXfrm>
-        <a:off x="1775185" y="1043748"/>
-        <a:ext cx="2931607" cy="1465803"/>
+        <a:off x="1701757" y="789464"/>
+        <a:ext cx="2810346" cy="1405173"/>
       </dsp:txXfrm>
     </dsp:sp>
     <dsp:sp modelId="{9EFFCF27-5CB6-4B49-ABDF-AE27F06CD480}">
@@ -3321,8 +3393,8 @@
       </dsp:nvSpPr>
       <dsp:spPr>
         <a:xfrm>
-          <a:off x="1562" y="3125190"/>
-          <a:ext cx="2931607" cy="1465803"/>
+          <a:off x="1498" y="2784810"/>
+          <a:ext cx="2810346" cy="1405173"/>
         </a:xfrm>
         <a:prstGeom prst="rect">
           <a:avLst/>
@@ -3388,8 +3460,8 @@
         </a:p>
       </dsp:txBody>
       <dsp:txXfrm>
-        <a:off x="1562" y="3125190"/>
-        <a:ext cx="2931607" cy="1465803"/>
+        <a:off x="1498" y="2784810"/>
+        <a:ext cx="2810346" cy="1405173"/>
       </dsp:txXfrm>
     </dsp:sp>
     <dsp:sp modelId="{764A5E31-AEBD-4102-AB83-9D6E5DC76939}">
@@ -3399,8 +3471,8 @@
       </dsp:nvSpPr>
       <dsp:spPr>
         <a:xfrm>
-          <a:off x="3548808" y="3125190"/>
-          <a:ext cx="2931607" cy="1465803"/>
+          <a:off x="3402016" y="2784810"/>
+          <a:ext cx="2810346" cy="1405173"/>
         </a:xfrm>
         <a:prstGeom prst="rect">
           <a:avLst/>
@@ -3466,8 +3538,8 @@
         </a:p>
       </dsp:txBody>
       <dsp:txXfrm>
-        <a:off x="3548808" y="3125190"/>
-        <a:ext cx="2931607" cy="1465803"/>
+        <a:off x="3402016" y="2784810"/>
+        <a:ext cx="2810346" cy="1405173"/>
       </dsp:txXfrm>
     </dsp:sp>
   </dsp:spTree>
@@ -8164,7 +8236,7 @@
           <a:bodyPr wrap="none" anchor="ctr"/>
           <a:lstStyle/>
           <a:p>
-            <a:endParaRPr lang="es-MX" altLang="es-MX"/>
+            <a:endParaRPr lang="es-MX" altLang="es-MX" dirty="0"/>
           </a:p>
         </p:txBody>
       </p:sp>
@@ -15021,14 +15093,14 @@
           <p:nvPr>
             <p:extLst>
               <p:ext uri="{D42A27DB-BD31-4B8C-83A1-F6EECF244321}">
-                <p14:modId xmlns:p14="http://schemas.microsoft.com/office/powerpoint/2010/main" val="267341336"/>
+                <p14:modId xmlns:p14="http://schemas.microsoft.com/office/powerpoint/2010/main" val="3956292971"/>
               </p:ext>
             </p:extLst>
           </p:nvPr>
         </p:nvGraphicFramePr>
         <p:xfrm>
-          <a:off x="4033392" y="21530617"/>
-          <a:ext cx="6481979" cy="5634743"/>
+          <a:off x="4209009" y="26114998"/>
+          <a:ext cx="6213861" cy="4979448"/>
         </p:xfrm>
         <a:graphic>
           <a:graphicData uri="http://schemas.openxmlformats.org/drawingml/2006/diagram">
@@ -15067,7 +15139,7 @@
         </p:blipFill>
         <p:spPr>
           <a:xfrm>
-            <a:off x="501241" y="23349150"/>
+            <a:off x="1043204" y="26693310"/>
             <a:ext cx="3165805" cy="1780766"/>
           </a:xfrm>
           <a:prstGeom prst="rect">
@@ -18188,7 +18260,7 @@
         <p:spPr bwMode="auto">
           <a:xfrm>
             <a:off x="11002181" y="21205751"/>
-            <a:ext cx="10180750" cy="3924165"/>
+            <a:ext cx="10180750" cy="4429322"/>
           </a:xfrm>
           <a:prstGeom prst="rect">
             <a:avLst/>
@@ -19092,10 +19164,10 @@
       </p:sp>
       <p:pic>
         <p:nvPicPr>
-          <p:cNvPr id="2" name="Imagen 1">
+          <p:cNvPr id="6" name="Imagen 5">
             <a:extLst>
               <a:ext uri="{FF2B5EF4-FFF2-40B4-BE49-F238E27FC236}">
-                <a16:creationId xmlns:a16="http://schemas.microsoft.com/office/drawing/2014/main" id="{20D45C40-257F-4871-AAEA-67D748D810A1}"/>
+                <a16:creationId xmlns:a16="http://schemas.microsoft.com/office/drawing/2014/main" id="{47BA8253-BC67-4A2A-B46D-DF9D0309F7F5}"/>
               </a:ext>
             </a:extLst>
           </p:cNvPr>
@@ -19105,15 +19177,80 @@
           <p:nvPr/>
         </p:nvPicPr>
         <p:blipFill>
-          <a:blip r:embed="rId20"/>
+          <a:blip r:embed="rId20">
+            <a:extLst>
+              <a:ext uri="{28A0092B-C50C-407E-A947-70E740481C1C}">
+                <a14:useLocalDpi xmlns:a14="http://schemas.microsoft.com/office/drawing/2010/main" val="0"/>
+              </a:ext>
+            </a:extLst>
+          </a:blip>
           <a:stretch>
             <a:fillRect/>
           </a:stretch>
         </p:blipFill>
         <p:spPr>
           <a:xfrm>
-            <a:off x="11118562" y="21348558"/>
-            <a:ext cx="4305300" cy="3638550"/>
+            <a:off x="525461" y="22610737"/>
+            <a:ext cx="9915701" cy="3394615"/>
+          </a:xfrm>
+          <a:prstGeom prst="rect">
+            <a:avLst/>
+          </a:prstGeom>
+        </p:spPr>
+      </p:pic>
+      <p:pic>
+        <p:nvPicPr>
+          <p:cNvPr id="2" name="Imagen 1">
+            <a:extLst>
+              <a:ext uri="{FF2B5EF4-FFF2-40B4-BE49-F238E27FC236}">
+                <a16:creationId xmlns:a16="http://schemas.microsoft.com/office/drawing/2014/main" id="{063E2B06-D435-40B2-B516-A8EFF33F3AC2}"/>
+              </a:ext>
+            </a:extLst>
+          </p:cNvPr>
+          <p:cNvPicPr>
+            <a:picLocks noChangeAspect="1"/>
+          </p:cNvPicPr>
+          <p:nvPr/>
+        </p:nvPicPr>
+        <p:blipFill rotWithShape="1">
+          <a:blip r:embed="rId21"/>
+          <a:srcRect l="14125" t="32902" r="8876" b="26085"/>
+          <a:stretch/>
+        </p:blipFill>
+        <p:spPr>
+          <a:xfrm>
+            <a:off x="11090176" y="21335732"/>
+            <a:ext cx="3960441" cy="4219136"/>
+          </a:xfrm>
+          <a:prstGeom prst="rect">
+            <a:avLst/>
+          </a:prstGeom>
+        </p:spPr>
+      </p:pic>
+      <p:pic>
+        <p:nvPicPr>
+          <p:cNvPr id="4" name="Imagen 3">
+            <a:extLst>
+              <a:ext uri="{FF2B5EF4-FFF2-40B4-BE49-F238E27FC236}">
+                <a16:creationId xmlns:a16="http://schemas.microsoft.com/office/drawing/2014/main" id="{CA9308A7-553E-4ADA-9A82-24019B85F9F8}"/>
+              </a:ext>
+            </a:extLst>
+          </p:cNvPr>
+          <p:cNvPicPr>
+            <a:picLocks noChangeAspect="1"/>
+          </p:cNvPicPr>
+          <p:nvPr/>
+        </p:nvPicPr>
+        <p:blipFill>
+          <a:blip r:embed="rId22"/>
+          <a:stretch>
+            <a:fillRect/>
+          </a:stretch>
+        </p:blipFill>
+        <p:spPr>
+          <a:xfrm>
+            <a:off x="15016439" y="21930549"/>
+            <a:ext cx="6062388" cy="3597215"/>
           </a:xfrm>
           <a:prstGeom prst="rect">
             <a:avLst/>

--- a/Cartel.pptx
+++ b/Cartel.pptx
@@ -198,166 +198,9 @@
 <file path=ppt/revisionInfo.xml><?xml version="1.0" encoding="utf-8"?>
 <p1510:revInfo xmlns:a="http://schemas.openxmlformats.org/drawingml/2006/main" xmlns:r="http://schemas.openxmlformats.org/officeDocument/2006/relationships" xmlns:p1510="http://schemas.microsoft.com/office/powerpoint/2015/10/main">
   <p1510:revLst>
-    <p1510:client id="{92E67234-618A-4926-B56E-B721E5CE024C}" v="523" dt="2019-05-02T21:48:57.062"/>
+    <p1510:client id="{92E67234-618A-4926-B56E-B721E5CE024C}" v="548" dt="2019-05-02T22:10:52.757"/>
   </p1510:revLst>
 </p1510:revInfo>
-</file>
-
-<file path=ppt/changesInfos/changesInfo1.xml><?xml version="1.0" encoding="utf-8"?>
-<pc:chgInfo xmlns:a="http://schemas.openxmlformats.org/drawingml/2006/main" xmlns:r="http://schemas.openxmlformats.org/officeDocument/2006/relationships" xmlns:ac="http://schemas.microsoft.com/office/drawing/2013/main/command" xmlns:pc="http://schemas.microsoft.com/office/powerpoint/2013/main/command">
-  <pc:docChgLst>
-    <pc:chgData name="Mariam Rodriguez" userId="c09470932690718e" providerId="LiveId" clId="{92E67234-618A-4926-B56E-B721E5CE024C}"/>
-    <pc:docChg chg="undo custSel modSld">
-      <pc:chgData name="Mariam Rodriguez" userId="c09470932690718e" providerId="LiveId" clId="{92E67234-618A-4926-B56E-B721E5CE024C}" dt="2019-05-02T21:48:57.062" v="522" actId="1037"/>
-      <pc:docMkLst>
-        <pc:docMk/>
-      </pc:docMkLst>
-      <pc:sldChg chg="addSp delSp modSp">
-        <pc:chgData name="Mariam Rodriguez" userId="c09470932690718e" providerId="LiveId" clId="{92E67234-618A-4926-B56E-B721E5CE024C}" dt="2019-05-02T21:48:57.062" v="522" actId="1037"/>
-        <pc:sldMkLst>
-          <pc:docMk/>
-          <pc:sldMk cId="0" sldId="256"/>
-        </pc:sldMkLst>
-        <pc:spChg chg="add del mod">
-          <ac:chgData name="Mariam Rodriguez" userId="c09470932690718e" providerId="LiveId" clId="{92E67234-618A-4926-B56E-B721E5CE024C}" dt="2019-05-02T14:08:23.753" v="474"/>
-          <ac:spMkLst>
-            <pc:docMk/>
-            <pc:sldMk cId="0" sldId="256"/>
-            <ac:spMk id="4" creationId="{572F305F-271C-45EE-BCCE-98ECF1F9F00A}"/>
-          </ac:spMkLst>
-        </pc:spChg>
-        <pc:spChg chg="del">
-          <ac:chgData name="Mariam Rodriguez" userId="c09470932690718e" providerId="LiveId" clId="{92E67234-618A-4926-B56E-B721E5CE024C}" dt="2019-04-30T16:24:59.098" v="468" actId="478"/>
-          <ac:spMkLst>
-            <pc:docMk/>
-            <pc:sldMk cId="0" sldId="256"/>
-            <ac:spMk id="9" creationId="{CC29E72F-A2F9-4EEB-AA11-F5F067EF78D3}"/>
-          </ac:spMkLst>
-        </pc:spChg>
-        <pc:spChg chg="mod">
-          <ac:chgData name="Mariam Rodriguez" userId="c09470932690718e" providerId="LiveId" clId="{92E67234-618A-4926-B56E-B721E5CE024C}" dt="2019-04-30T16:16:53.193" v="70" actId="20577"/>
-          <ac:spMkLst>
-            <pc:docMk/>
-            <pc:sldMk cId="0" sldId="256"/>
-            <ac:spMk id="40" creationId="{B086BEB9-538E-4287-812F-736F388B5EA6}"/>
-          </ac:spMkLst>
-        </pc:spChg>
-        <pc:spChg chg="mod">
-          <ac:chgData name="Mariam Rodriguez" userId="c09470932690718e" providerId="LiveId" clId="{92E67234-618A-4926-B56E-B721E5CE024C}" dt="2019-05-02T14:08:40.066" v="481" actId="1037"/>
-          <ac:spMkLst>
-            <pc:docMk/>
-            <pc:sldMk cId="0" sldId="256"/>
-            <ac:spMk id="41" creationId="{EC5740EC-249A-4E5B-B18F-D829F98D4C41}"/>
-          </ac:spMkLst>
-        </pc:spChg>
-        <pc:spChg chg="mod">
-          <ac:chgData name="Mariam Rodriguez" userId="c09470932690718e" providerId="LiveId" clId="{92E67234-618A-4926-B56E-B721E5CE024C}" dt="2019-05-02T14:08:39.674" v="480" actId="1038"/>
-          <ac:spMkLst>
-            <pc:docMk/>
-            <pc:sldMk cId="0" sldId="256"/>
-            <ac:spMk id="42" creationId="{161F8EE5-A5CC-458C-8F37-7B2BB19AB344}"/>
-          </ac:spMkLst>
-        </pc:spChg>
-        <pc:spChg chg="mod">
-          <ac:chgData name="Mariam Rodriguez" userId="c09470932690718e" providerId="LiveId" clId="{92E67234-618A-4926-B56E-B721E5CE024C}" dt="2019-05-02T21:40:06.292" v="508" actId="14100"/>
-          <ac:spMkLst>
-            <pc:docMk/>
-            <pc:sldMk cId="0" sldId="256"/>
-            <ac:spMk id="65" creationId="{4B5F695F-2FDB-4332-874C-6B5E9BF5D063}"/>
-          </ac:spMkLst>
-        </pc:spChg>
-        <pc:spChg chg="mod">
-          <ac:chgData name="Mariam Rodriguez" userId="c09470932690718e" providerId="LiveId" clId="{92E67234-618A-4926-B56E-B721E5CE024C}" dt="2019-04-30T16:24:23.299" v="467" actId="20577"/>
-          <ac:spMkLst>
-            <pc:docMk/>
-            <pc:sldMk cId="0" sldId="256"/>
-            <ac:spMk id="3098" creationId="{0625BF84-9B77-4851-BF01-8419FB142D3B}"/>
-          </ac:spMkLst>
-        </pc:spChg>
-        <pc:graphicFrameChg chg="mod">
-          <ac:chgData name="Mariam Rodriguez" userId="c09470932690718e" providerId="LiveId" clId="{92E67234-618A-4926-B56E-B721E5CE024C}" dt="2019-05-02T21:43:11.798" v="514" actId="14100"/>
-          <ac:graphicFrameMkLst>
-            <pc:docMk/>
-            <pc:sldMk cId="0" sldId="256"/>
-            <ac:graphicFrameMk id="3" creationId="{606B08ED-7B1F-433B-9398-EE0115AF9617}"/>
-          </ac:graphicFrameMkLst>
-        </pc:graphicFrameChg>
-        <pc:picChg chg="add mod modCrop">
-          <ac:chgData name="Mariam Rodriguez" userId="c09470932690718e" providerId="LiveId" clId="{92E67234-618A-4926-B56E-B721E5CE024C}" dt="2019-05-02T21:48:57.062" v="522" actId="1037"/>
-          <ac:picMkLst>
-            <pc:docMk/>
-            <pc:sldMk cId="0" sldId="256"/>
-            <ac:picMk id="2" creationId="{063E2B06-D435-40B2-B516-A8EFF33F3AC2}"/>
-          </ac:picMkLst>
-        </pc:picChg>
-        <pc:picChg chg="del">
-          <ac:chgData name="Mariam Rodriguez" userId="c09470932690718e" providerId="LiveId" clId="{92E67234-618A-4926-B56E-B721E5CE024C}" dt="2019-05-02T21:20:03.352" v="493" actId="478"/>
-          <ac:picMkLst>
-            <pc:docMk/>
-            <pc:sldMk cId="0" sldId="256"/>
-            <ac:picMk id="2" creationId="{20D45C40-257F-4871-AAEA-67D748D810A1}"/>
-          </ac:picMkLst>
-        </pc:picChg>
-        <pc:picChg chg="add mod">
-          <ac:chgData name="Mariam Rodriguez" userId="c09470932690718e" providerId="LiveId" clId="{92E67234-618A-4926-B56E-B721E5CE024C}" dt="2019-05-02T21:48:51.356" v="521" actId="1076"/>
-          <ac:picMkLst>
-            <pc:docMk/>
-            <pc:sldMk cId="0" sldId="256"/>
-            <ac:picMk id="4" creationId="{CA9308A7-553E-4ADA-9A82-24019B85F9F8}"/>
-          </ac:picMkLst>
-        </pc:picChg>
-        <pc:picChg chg="mod">
-          <ac:chgData name="Mariam Rodriguez" userId="c09470932690718e" providerId="LiveId" clId="{92E67234-618A-4926-B56E-B721E5CE024C}" dt="2019-05-02T21:43:05.994" v="513" actId="1076"/>
-          <ac:picMkLst>
-            <pc:docMk/>
-            <pc:sldMk cId="0" sldId="256"/>
-            <ac:picMk id="5" creationId="{F1576D08-4598-4464-A157-BAEE1AC5C4EE}"/>
-          </ac:picMkLst>
-        </pc:picChg>
-        <pc:picChg chg="add mod">
-          <ac:chgData name="Mariam Rodriguez" userId="c09470932690718e" providerId="LiveId" clId="{92E67234-618A-4926-B56E-B721E5CE024C}" dt="2019-05-02T21:24:29.768" v="496" actId="1035"/>
-          <ac:picMkLst>
-            <pc:docMk/>
-            <pc:sldMk cId="0" sldId="256"/>
-            <ac:picMk id="6" creationId="{47BA8253-BC67-4A2A-B46D-DF9D0309F7F5}"/>
-          </ac:picMkLst>
-        </pc:picChg>
-      </pc:sldChg>
-    </pc:docChg>
-  </pc:docChgLst>
-  <pc:docChgLst>
-    <pc:chgData name="Arturo García" userId="cab6745f3316cc59" providerId="LiveId" clId="{ADB1AFEA-F82A-4A54-A848-C9F0D36D1597}"/>
-    <pc:docChg chg="modSld">
-      <pc:chgData name="Arturo García" userId="cab6745f3316cc59" providerId="LiveId" clId="{ADB1AFEA-F82A-4A54-A848-C9F0D36D1597}" dt="2019-04-05T09:28:36.390" v="3" actId="1076"/>
-      <pc:docMkLst>
-        <pc:docMk/>
-      </pc:docMkLst>
-      <pc:sldChg chg="addSp modSp">
-        <pc:chgData name="Arturo García" userId="cab6745f3316cc59" providerId="LiveId" clId="{ADB1AFEA-F82A-4A54-A848-C9F0D36D1597}" dt="2019-04-05T09:28:36.390" v="3" actId="1076"/>
-        <pc:sldMkLst>
-          <pc:docMk/>
-          <pc:sldMk cId="0" sldId="256"/>
-        </pc:sldMkLst>
-        <pc:spChg chg="mod">
-          <ac:chgData name="Arturo García" userId="cab6745f3316cc59" providerId="LiveId" clId="{ADB1AFEA-F82A-4A54-A848-C9F0D36D1597}" dt="2019-04-05T09:26:15.589" v="0" actId="14100"/>
-          <ac:spMkLst>
-            <pc:docMk/>
-            <pc:sldMk cId="0" sldId="256"/>
-            <ac:spMk id="65" creationId="{4B5F695F-2FDB-4332-874C-6B5E9BF5D063}"/>
-          </ac:spMkLst>
-        </pc:spChg>
-        <pc:picChg chg="add mod">
-          <ac:chgData name="Arturo García" userId="cab6745f3316cc59" providerId="LiveId" clId="{ADB1AFEA-F82A-4A54-A848-C9F0D36D1597}" dt="2019-04-05T09:28:36.390" v="3" actId="1076"/>
-          <ac:picMkLst>
-            <pc:docMk/>
-            <pc:sldMk cId="0" sldId="256"/>
-            <ac:picMk id="2" creationId="{20D45C40-257F-4871-AAEA-67D748D810A1}"/>
-          </ac:picMkLst>
-        </pc:picChg>
-      </pc:sldChg>
-    </pc:docChg>
-  </pc:docChgLst>
-</pc:chgInfo>
 </file>
 
 <file path=ppt/diagrams/colors1.xml><?xml version="1.0" encoding="utf-8"?>
@@ -2197,7 +2040,7 @@
       <dgm:spPr/>
     </dgm:pt>
     <dgm:pt modelId="{9EFFCF27-5CB6-4B49-ABDF-AE27F06CD480}" type="pres">
-      <dgm:prSet presAssocID="{991DC526-00D8-4F5C-BE12-7AE939AAB9A1}" presName="rootText" presStyleLbl="node2" presStyleIdx="0" presStyleCnt="2">
+      <dgm:prSet presAssocID="{991DC526-00D8-4F5C-BE12-7AE939AAB9A1}" presName="rootText" presStyleLbl="node2" presStyleIdx="0" presStyleCnt="2" custScaleY="129300">
         <dgm:presLayoutVars>
           <dgm:chPref val="3"/>
         </dgm:presLayoutVars>
@@ -2233,7 +2076,7 @@
       <dgm:spPr/>
     </dgm:pt>
     <dgm:pt modelId="{764A5E31-AEBD-4102-AB83-9D6E5DC76939}" type="pres">
-      <dgm:prSet presAssocID="{F3331FD7-BA1E-495E-BBC2-566C220EAF91}" presName="rootText" presStyleLbl="node2" presStyleIdx="1" presStyleCnt="2">
+      <dgm:prSet presAssocID="{F3331FD7-BA1E-495E-BBC2-566C220EAF91}" presName="rootText" presStyleLbl="node2" presStyleIdx="1" presStyleCnt="2" custScaleY="153720">
         <dgm:presLayoutVars>
           <dgm:chPref val="3"/>
         </dgm:presLayoutVars>
@@ -2926,42 +2769,6 @@
         </a:p>
       </dgm:t>
     </dgm:pt>
-    <dgm:pt modelId="{0A2B5362-003E-4FE0-B986-AA3E85289BB9}">
-      <dgm:prSet custT="1"/>
-      <dgm:spPr/>
-      <dgm:t>
-        <a:bodyPr/>
-        <a:lstStyle/>
-        <a:p>
-          <a:r>
-            <a:rPr lang="es-MX" sz="2500" dirty="0"/>
-            <a:t>Pagar con tarjeta de crédito.</a:t>
-          </a:r>
-        </a:p>
-      </dgm:t>
-    </dgm:pt>
-    <dgm:pt modelId="{D067877C-1C6E-4199-809A-5BC4FC84383A}" type="parTrans" cxnId="{71B8B585-983B-4B86-B079-8444C0CD5AC4}">
-      <dgm:prSet/>
-      <dgm:spPr/>
-      <dgm:t>
-        <a:bodyPr/>
-        <a:lstStyle/>
-        <a:p>
-          <a:endParaRPr lang="es-MX"/>
-        </a:p>
-      </dgm:t>
-    </dgm:pt>
-    <dgm:pt modelId="{434E7C94-C956-405A-AD9C-C7957E2F8F7B}" type="sibTrans" cxnId="{71B8B585-983B-4B86-B079-8444C0CD5AC4}">
-      <dgm:prSet/>
-      <dgm:spPr/>
-      <dgm:t>
-        <a:bodyPr/>
-        <a:lstStyle/>
-        <a:p>
-          <a:endParaRPr lang="es-MX"/>
-        </a:p>
-      </dgm:t>
-    </dgm:pt>
     <dgm:pt modelId="{A8DC12C3-2D76-4EC5-86B8-6CF9375E9C4B}">
       <dgm:prSet custT="1"/>
       <dgm:spPr/>
@@ -3021,6 +2828,42 @@
       </dgm:t>
     </dgm:pt>
     <dgm:pt modelId="{3FE12EB0-EEB6-4D53-B4F8-CF09EE94C368}" type="sibTrans" cxnId="{F41C8B28-279D-4865-AF0E-C3C9272C9E6D}">
+      <dgm:prSet/>
+      <dgm:spPr/>
+      <dgm:t>
+        <a:bodyPr/>
+        <a:lstStyle/>
+        <a:p>
+          <a:endParaRPr lang="es-MX"/>
+        </a:p>
+      </dgm:t>
+    </dgm:pt>
+    <dgm:pt modelId="{64D47972-2D0B-4520-9449-0525D304C318}">
+      <dgm:prSet custT="1"/>
+      <dgm:spPr/>
+      <dgm:t>
+        <a:bodyPr/>
+        <a:lstStyle/>
+        <a:p>
+          <a:r>
+            <a:rPr lang="es-MX" sz="2500" dirty="0"/>
+            <a:t>Comprar productos con envió a domicilio.</a:t>
+          </a:r>
+        </a:p>
+      </dgm:t>
+    </dgm:pt>
+    <dgm:pt modelId="{A4372A2E-99A1-4DBA-8E22-78F712403E30}" type="parTrans" cxnId="{4F297430-37FF-44DD-9D0E-EB152D0768C5}">
+      <dgm:prSet/>
+      <dgm:spPr/>
+      <dgm:t>
+        <a:bodyPr/>
+        <a:lstStyle/>
+        <a:p>
+          <a:endParaRPr lang="es-MX"/>
+        </a:p>
+      </dgm:t>
+    </dgm:pt>
+    <dgm:pt modelId="{93F1F744-8DB1-42F6-A78E-5714E0264275}" type="sibTrans" cxnId="{4F297430-37FF-44DD-9D0E-EB152D0768C5}">
       <dgm:prSet/>
       <dgm:spPr/>
       <dgm:t>
@@ -3126,6 +2969,7 @@
     <dgm:cxn modelId="{F41C8B28-279D-4865-AF0E-C3C9272C9E6D}" srcId="{FBE6A38B-1BC4-4867-BA26-86058E6B9ED5}" destId="{D61834E0-2386-4EBA-9ECA-DFDF3AE2FBAA}" srcOrd="6" destOrd="0" parTransId="{DB457248-91FA-4BFA-A711-0076EF30380A}" sibTransId="{3FE12EB0-EEB6-4D53-B4F8-CF09EE94C368}"/>
     <dgm:cxn modelId="{9C73352C-54D9-4116-A1C2-1566C9B13491}" srcId="{0F9FD61B-0D1C-4D86-A3A3-3123C97081EB}" destId="{E9E93329-BB5C-401E-B742-4D4B866F2ED0}" srcOrd="1" destOrd="0" parTransId="{709360CD-E89B-4E3B-83FA-A85743C3F7EA}" sibTransId="{80D784CC-ED01-4B8F-A212-0836F8ED5E27}"/>
     <dgm:cxn modelId="{0096702E-674F-4A62-9AD2-3AFD36330001}" type="presOf" srcId="{0561E54F-4B62-4023-B976-48D103032141}" destId="{034DC3FB-7D67-427B-9A7E-71B54A3F4D9F}" srcOrd="0" destOrd="1" presId="urn:microsoft.com/office/officeart/2005/8/layout/hList1"/>
+    <dgm:cxn modelId="{4F297430-37FF-44DD-9D0E-EB152D0768C5}" srcId="{FBE6A38B-1BC4-4867-BA26-86058E6B9ED5}" destId="{64D47972-2D0B-4520-9449-0525D304C318}" srcOrd="4" destOrd="0" parTransId="{A4372A2E-99A1-4DBA-8E22-78F712403E30}" sibTransId="{93F1F744-8DB1-42F6-A78E-5714E0264275}"/>
     <dgm:cxn modelId="{2A549432-FECD-4222-8657-DEA23DEB446E}" type="presOf" srcId="{270591CF-5558-4217-A1C8-5AEEFF7565E6}" destId="{F23AD199-D6EE-4A92-887A-86605E1FF420}" srcOrd="0" destOrd="1" presId="urn:microsoft.com/office/officeart/2005/8/layout/hList1"/>
     <dgm:cxn modelId="{2A212936-99C6-4287-BA1E-8365C0AB5CA8}" type="presOf" srcId="{A66B916E-4E31-41F1-8836-32ECE2E45965}" destId="{0EC3E2E7-DF79-477F-A22F-2DD46E92E92D}" srcOrd="0" destOrd="0" presId="urn:microsoft.com/office/officeart/2005/8/layout/hList1"/>
     <dgm:cxn modelId="{E1138738-1084-42A4-8214-06407C5C3BE0}" type="presOf" srcId="{A8DC12C3-2D76-4EC5-86B8-6CF9375E9C4B}" destId="{0EC3E2E7-DF79-477F-A22F-2DD46E92E92D}" srcOrd="0" destOrd="5" presId="urn:microsoft.com/office/officeart/2005/8/layout/hList1"/>
@@ -3133,10 +2977,10 @@
     <dgm:cxn modelId="{0C79EB41-57C7-4609-B50A-80FD04F9DF5E}" type="presOf" srcId="{126DA0C9-6DF7-43A4-99CD-4E2CA99A5079}" destId="{034DC3FB-7D67-427B-9A7E-71B54A3F4D9F}" srcOrd="0" destOrd="3" presId="urn:microsoft.com/office/officeart/2005/8/layout/hList1"/>
     <dgm:cxn modelId="{FAF9CE63-B549-4BD9-8815-E660F21F1A9F}" srcId="{E9E93329-BB5C-401E-B742-4D4B866F2ED0}" destId="{FE8AEC88-2D05-4279-B5F0-8F84C6FD6E55}" srcOrd="2" destOrd="0" parTransId="{40E2E056-5513-4291-BB59-7D22D25BBCCD}" sibTransId="{6F683528-A6A6-49B2-9CB0-6694880A7352}"/>
     <dgm:cxn modelId="{C670944F-FD66-4BF9-86BE-8B0CAA98CF9B}" type="presOf" srcId="{FBE6A38B-1BC4-4867-BA26-86058E6B9ED5}" destId="{387CD1B5-3B2B-4293-BD78-A8E27837B94F}" srcOrd="0" destOrd="0" presId="urn:microsoft.com/office/officeart/2005/8/layout/hList1"/>
+    <dgm:cxn modelId="{D6C2765A-EBED-4EF3-A3A3-D0C6B84F7C36}" type="presOf" srcId="{64D47972-2D0B-4520-9449-0525D304C318}" destId="{0EC3E2E7-DF79-477F-A22F-2DD46E92E92D}" srcOrd="0" destOrd="4" presId="urn:microsoft.com/office/officeart/2005/8/layout/hList1"/>
     <dgm:cxn modelId="{79DED67A-C2E8-4297-A91B-5D507D53807F}" type="presOf" srcId="{1D11E08A-5CFE-4A9A-B5D8-BC259DDDCFE6}" destId="{F23AD199-D6EE-4A92-887A-86605E1FF420}" srcOrd="0" destOrd="0" presId="urn:microsoft.com/office/officeart/2005/8/layout/hList1"/>
     <dgm:cxn modelId="{27F12F7F-9062-4AED-B8EE-ABCE0E473854}" type="presOf" srcId="{EF490650-6ED7-4BC7-A5E4-4F913FA628ED}" destId="{0EC3E2E7-DF79-477F-A22F-2DD46E92E92D}" srcOrd="0" destOrd="3" presId="urn:microsoft.com/office/officeart/2005/8/layout/hList1"/>
     <dgm:cxn modelId="{359B7084-C3E6-4064-8286-0DA7CC3F0B30}" srcId="{6D6C6C8F-6977-4CE1-9938-CA5A7353EC48}" destId="{DDC5967D-1E8C-4B8F-AEA5-24A5F76CDFF5}" srcOrd="3" destOrd="0" parTransId="{25A5F329-E88A-435D-85EB-0F34BCBE0744}" sibTransId="{78FF0700-3B3E-4BF7-B660-91623FB2F5E3}"/>
-    <dgm:cxn modelId="{71B8B585-983B-4B86-B079-8444C0CD5AC4}" srcId="{FBE6A38B-1BC4-4867-BA26-86058E6B9ED5}" destId="{0A2B5362-003E-4FE0-B986-AA3E85289BB9}" srcOrd="4" destOrd="0" parTransId="{D067877C-1C6E-4199-809A-5BC4FC84383A}" sibTransId="{434E7C94-C956-405A-AD9C-C7957E2F8F7B}"/>
     <dgm:cxn modelId="{4D51AF86-BF3C-4C65-84A5-69428085AFC5}" srcId="{FBE6A38B-1BC4-4867-BA26-86058E6B9ED5}" destId="{96A5B4DF-FE96-4091-BCEA-D07D40CA01CE}" srcOrd="2" destOrd="0" parTransId="{D22B5AC1-56BD-4482-BB11-B100972FA600}" sibTransId="{E3E5655D-1304-4B46-843B-8CE14D4F35BE}"/>
     <dgm:cxn modelId="{A6BC0E9F-D310-458E-BEF4-E3A5B0C5EF58}" srcId="{0F9FD61B-0D1C-4D86-A3A3-3123C97081EB}" destId="{FBE6A38B-1BC4-4867-BA26-86058E6B9ED5}" srcOrd="2" destOrd="0" parTransId="{A21095ED-6033-4293-8B91-C26A477F6A90}" sibTransId="{9F5446FE-4E64-44EF-8E14-1B45FFB4868D}"/>
     <dgm:cxn modelId="{4D6A68A4-2B90-46E0-B8EE-983BC18C6547}" srcId="{FBE6A38B-1BC4-4867-BA26-86058E6B9ED5}" destId="{C108898C-0BD3-4426-A5B6-1270D4C19880}" srcOrd="1" destOrd="0" parTransId="{EC52DFB4-B110-4D71-863A-D39B65C7DC36}" sibTransId="{4986E67E-E0D5-4381-AE1F-E72B5E6EEE3A}"/>
@@ -3150,7 +2994,6 @@
     <dgm:cxn modelId="{D764FCC6-FB10-4FA0-82AC-5328F7BCB5D2}" type="presOf" srcId="{1FAAD2CB-2071-457A-B952-536BAEDA2ED2}" destId="{F23AD199-D6EE-4A92-887A-86605E1FF420}" srcOrd="0" destOrd="4" presId="urn:microsoft.com/office/officeart/2005/8/layout/hList1"/>
     <dgm:cxn modelId="{4EE405C7-27C1-491E-8F99-01BF3FA4B93C}" srcId="{6D6C6C8F-6977-4CE1-9938-CA5A7353EC48}" destId="{270591CF-5558-4217-A1C8-5AEEFF7565E6}" srcOrd="1" destOrd="0" parTransId="{A37A7A76-84C7-4E39-87AF-7DCF91702361}" sibTransId="{A92DE960-194E-4CEE-8F90-984BF8EE9954}"/>
     <dgm:cxn modelId="{C72C08D3-52F5-464F-A1B3-3A9E37B78CFF}" srcId="{6D6C6C8F-6977-4CE1-9938-CA5A7353EC48}" destId="{1FAAD2CB-2071-457A-B952-536BAEDA2ED2}" srcOrd="4" destOrd="0" parTransId="{5BF09284-5F8A-4E29-A0C9-751497F56DD3}" sibTransId="{417B1209-AE41-4E52-B329-119022E55E6A}"/>
-    <dgm:cxn modelId="{0333FDD8-2E4B-417A-8713-1157544E0324}" type="presOf" srcId="{0A2B5362-003E-4FE0-B986-AA3E85289BB9}" destId="{0EC3E2E7-DF79-477F-A22F-2DD46E92E92D}" srcOrd="0" destOrd="4" presId="urn:microsoft.com/office/officeart/2005/8/layout/hList1"/>
     <dgm:cxn modelId="{0EB24CEA-15F1-4109-96A9-B314339304D2}" srcId="{6D6C6C8F-6977-4CE1-9938-CA5A7353EC48}" destId="{5048FA7F-3263-4AC5-BA07-3F3454DFD9CE}" srcOrd="2" destOrd="0" parTransId="{5EC6CCCE-336B-4951-BA56-AC35EEDDB760}" sibTransId="{4298E21F-B921-4DD4-B6ED-46334B75F5A4}"/>
     <dgm:cxn modelId="{99B61DEB-B120-4637-90D5-97230F692408}" srcId="{FBE6A38B-1BC4-4867-BA26-86058E6B9ED5}" destId="{A66B916E-4E31-41F1-8836-32ECE2E45965}" srcOrd="0" destOrd="0" parTransId="{B958472B-8AB0-4E66-AE06-4E80D059B536}" sibTransId="{014D3DDF-E20C-4FBF-BCFB-B91C7AD9924F}"/>
     <dgm:cxn modelId="{440CD7EF-1D0C-4104-B66B-77013F1AF759}" srcId="{FBE6A38B-1BC4-4867-BA26-86058E6B9ED5}" destId="{A8DC12C3-2D76-4EC5-86B8-6CF9375E9C4B}" srcOrd="5" destOrd="0" parTransId="{49409081-9E33-40C8-821C-99A801455540}" sibTransId="{377F808D-0F7F-4A04-AFCC-370873B1B208}"/>
@@ -3193,8 +3036,8 @@
       </dsp:nvSpPr>
       <dsp:spPr>
         <a:xfrm>
-          <a:off x="3106930" y="2194637"/>
-          <a:ext cx="1700259" cy="590172"/>
+          <a:off x="2402651" y="1395716"/>
+          <a:ext cx="1314844" cy="456392"/>
         </a:xfrm>
         <a:custGeom>
           <a:avLst/>
@@ -3208,13 +3051,13 @@
                 <a:pt x="0" y="0"/>
               </a:moveTo>
               <a:lnTo>
-                <a:pt x="0" y="295086"/>
+                <a:pt x="0" y="228196"/>
               </a:lnTo>
               <a:lnTo>
-                <a:pt x="1700259" y="295086"/>
+                <a:pt x="1314844" y="228196"/>
               </a:lnTo>
               <a:lnTo>
-                <a:pt x="1700259" y="590172"/>
+                <a:pt x="1314844" y="456392"/>
               </a:lnTo>
             </a:path>
           </a:pathLst>
@@ -3254,8 +3097,8 @@
       </dsp:nvSpPr>
       <dsp:spPr>
         <a:xfrm>
-          <a:off x="1406671" y="2194637"/>
-          <a:ext cx="1700259" cy="590172"/>
+          <a:off x="1087806" y="1395716"/>
+          <a:ext cx="1314844" cy="456392"/>
         </a:xfrm>
         <a:custGeom>
           <a:avLst/>
@@ -3266,16 +3109,16 @@
           <a:pathLst>
             <a:path>
               <a:moveTo>
-                <a:pt x="1700259" y="0"/>
+                <a:pt x="1314844" y="0"/>
               </a:moveTo>
               <a:lnTo>
-                <a:pt x="1700259" y="295086"/>
+                <a:pt x="1314844" y="228196"/>
               </a:lnTo>
               <a:lnTo>
-                <a:pt x="0" y="295086"/>
+                <a:pt x="0" y="228196"/>
               </a:lnTo>
               <a:lnTo>
-                <a:pt x="0" y="590172"/>
+                <a:pt x="0" y="456392"/>
               </a:lnTo>
             </a:path>
           </a:pathLst>
@@ -3315,8 +3158,8 @@
       </dsp:nvSpPr>
       <dsp:spPr>
         <a:xfrm>
-          <a:off x="1701757" y="789464"/>
-          <a:ext cx="2810346" cy="1405173"/>
+          <a:off x="1316002" y="309067"/>
+          <a:ext cx="2173296" cy="1086648"/>
         </a:xfrm>
         <a:prstGeom prst="rect">
           <a:avLst/>
@@ -3358,12 +3201,12 @@
         </a:fontRef>
       </dsp:style>
       <dsp:txBody>
-        <a:bodyPr spcFirstLastPara="0" vert="horz" wrap="square" lIns="21590" tIns="21590" rIns="21590" bIns="21590" numCol="1" spcCol="1270" anchor="ctr" anchorCtr="0">
+        <a:bodyPr spcFirstLastPara="0" vert="horz" wrap="square" lIns="16510" tIns="16510" rIns="16510" bIns="16510" numCol="1" spcCol="1270" anchor="ctr" anchorCtr="0">
           <a:noAutofit/>
         </a:bodyPr>
         <a:lstStyle/>
         <a:p>
-          <a:pPr marL="0" lvl="0" indent="0" algn="ctr" defTabSz="1511300">
+          <a:pPr marL="0" lvl="0" indent="0" algn="ctr" defTabSz="1155700">
             <a:lnSpc>
               <a:spcPct val="90000"/>
             </a:lnSpc>
@@ -3376,14 +3219,14 @@
             <a:buNone/>
           </a:pPr>
           <a:r>
-            <a:rPr lang="es-MX" sz="3400" kern="1200" dirty="0"/>
+            <a:rPr lang="es-MX" sz="2600" kern="1200" dirty="0"/>
             <a:t>Sistema Venta-Inventario</a:t>
           </a:r>
         </a:p>
       </dsp:txBody>
       <dsp:txXfrm>
-        <a:off x="1701757" y="789464"/>
-        <a:ext cx="2810346" cy="1405173"/>
+        <a:off x="1316002" y="309067"/>
+        <a:ext cx="2173296" cy="1086648"/>
       </dsp:txXfrm>
     </dsp:sp>
     <dsp:sp modelId="{9EFFCF27-5CB6-4B49-ABDF-AE27F06CD480}">
@@ -3393,8 +3236,8 @@
       </dsp:nvSpPr>
       <dsp:spPr>
         <a:xfrm>
-          <a:off x="1498" y="2784810"/>
-          <a:ext cx="2810346" cy="1405173"/>
+          <a:off x="1158" y="1852108"/>
+          <a:ext cx="2173296" cy="1405036"/>
         </a:xfrm>
         <a:prstGeom prst="rect">
           <a:avLst/>
@@ -3460,8 +3303,8 @@
         </a:p>
       </dsp:txBody>
       <dsp:txXfrm>
-        <a:off x="1498" y="2784810"/>
-        <a:ext cx="2810346" cy="1405173"/>
+        <a:off x="1158" y="1852108"/>
+        <a:ext cx="2173296" cy="1405036"/>
       </dsp:txXfrm>
     </dsp:sp>
     <dsp:sp modelId="{764A5E31-AEBD-4102-AB83-9D6E5DC76939}">
@@ -3471,8 +3314,8 @@
       </dsp:nvSpPr>
       <dsp:spPr>
         <a:xfrm>
-          <a:off x="3402016" y="2784810"/>
-          <a:ext cx="2810346" cy="1405173"/>
+          <a:off x="2630847" y="1852108"/>
+          <a:ext cx="2173296" cy="1670395"/>
         </a:xfrm>
         <a:prstGeom prst="rect">
           <a:avLst/>
@@ -3538,8 +3381,8 @@
         </a:p>
       </dsp:txBody>
       <dsp:txXfrm>
-        <a:off x="3402016" y="2784810"/>
-        <a:ext cx="2810346" cy="1405173"/>
+        <a:off x="2630847" y="1852108"/>
+        <a:ext cx="2173296" cy="1670395"/>
       </dsp:txXfrm>
     </dsp:sp>
   </dsp:spTree>
@@ -3561,7 +3404,7 @@
       </dsp:nvSpPr>
       <dsp:spPr>
         <a:xfrm>
-          <a:off x="3147" y="631333"/>
+          <a:off x="3147" y="522820"/>
           <a:ext cx="3068420" cy="1156747"/>
         </a:xfrm>
         <a:prstGeom prst="rect">
@@ -3644,7 +3487,7 @@
         </a:p>
       </dsp:txBody>
       <dsp:txXfrm>
-        <a:off x="3147" y="631333"/>
+        <a:off x="3147" y="522820"/>
         <a:ext cx="3068420" cy="1156747"/>
       </dsp:txXfrm>
     </dsp:sp>
@@ -3655,8 +3498,8 @@
       </dsp:nvSpPr>
       <dsp:spPr>
         <a:xfrm>
-          <a:off x="3147" y="1788081"/>
-          <a:ext cx="3068420" cy="6944849"/>
+          <a:off x="3147" y="1679567"/>
+          <a:ext cx="3068420" cy="7161876"/>
         </a:xfrm>
         <a:prstGeom prst="rect">
           <a:avLst/>
@@ -3811,8 +3654,8 @@
         </a:p>
       </dsp:txBody>
       <dsp:txXfrm>
-        <a:off x="3147" y="1788081"/>
-        <a:ext cx="3068420" cy="6944849"/>
+        <a:off x="3147" y="1679567"/>
+        <a:ext cx="3068420" cy="7161876"/>
       </dsp:txXfrm>
     </dsp:sp>
     <dsp:sp modelId="{7BA505DF-318F-47B4-881B-F8BC2B2E8A7F}">
@@ -3822,7 +3665,7 @@
       </dsp:nvSpPr>
       <dsp:spPr>
         <a:xfrm>
-          <a:off x="3501145" y="631333"/>
+          <a:off x="3501145" y="522820"/>
           <a:ext cx="3068420" cy="1156747"/>
         </a:xfrm>
         <a:prstGeom prst="rect">
@@ -3894,7 +3737,7 @@
         </a:p>
       </dsp:txBody>
       <dsp:txXfrm>
-        <a:off x="3501145" y="631333"/>
+        <a:off x="3501145" y="522820"/>
         <a:ext cx="3068420" cy="1156747"/>
       </dsp:txXfrm>
     </dsp:sp>
@@ -3905,8 +3748,8 @@
       </dsp:nvSpPr>
       <dsp:spPr>
         <a:xfrm>
-          <a:off x="3501145" y="1788081"/>
-          <a:ext cx="3068420" cy="6944849"/>
+          <a:off x="3501145" y="1679567"/>
+          <a:ext cx="3068420" cy="7161876"/>
         </a:xfrm>
         <a:prstGeom prst="rect">
           <a:avLst/>
@@ -4028,8 +3871,8 @@
         </a:p>
       </dsp:txBody>
       <dsp:txXfrm>
-        <a:off x="3501145" y="1788081"/>
-        <a:ext cx="3068420" cy="6944849"/>
+        <a:off x="3501145" y="1679567"/>
+        <a:ext cx="3068420" cy="7161876"/>
       </dsp:txXfrm>
     </dsp:sp>
     <dsp:sp modelId="{387CD1B5-3B2B-4293-BD78-A8E27837B94F}">
@@ -4039,7 +3882,7 @@
       </dsp:nvSpPr>
       <dsp:spPr>
         <a:xfrm>
-          <a:off x="6999144" y="631333"/>
+          <a:off x="6999144" y="522820"/>
           <a:ext cx="3068420" cy="1156747"/>
         </a:xfrm>
         <a:prstGeom prst="rect">
@@ -4111,7 +3954,7 @@
         </a:p>
       </dsp:txBody>
       <dsp:txXfrm>
-        <a:off x="6999144" y="631333"/>
+        <a:off x="6999144" y="522820"/>
         <a:ext cx="3068420" cy="1156747"/>
       </dsp:txXfrm>
     </dsp:sp>
@@ -4122,8 +3965,8 @@
       </dsp:nvSpPr>
       <dsp:spPr>
         <a:xfrm>
-          <a:off x="6999144" y="1788081"/>
-          <a:ext cx="3068420" cy="6944849"/>
+          <a:off x="6999144" y="1679567"/>
+          <a:ext cx="3068420" cy="7161876"/>
         </a:xfrm>
         <a:prstGeom prst="rect">
           <a:avLst/>
@@ -4258,7 +4101,7 @@
           </a:pPr>
           <a:r>
             <a:rPr lang="es-MX" sz="2500" kern="1200" dirty="0"/>
-            <a:t>Pagar con tarjeta de crédito.</a:t>
+            <a:t>Comprar productos con envió a domicilio.</a:t>
           </a:r>
         </a:p>
         <a:p>
@@ -4296,8 +4139,8 @@
         </a:p>
       </dsp:txBody>
       <dsp:txXfrm>
-        <a:off x="6999144" y="1788081"/>
-        <a:ext cx="3068420" cy="6944849"/>
+        <a:off x="6999144" y="1679567"/>
+        <a:ext cx="3068420" cy="7161876"/>
       </dsp:txXfrm>
     </dsp:sp>
   </dsp:spTree>
@@ -11260,6 +11103,858 @@
       </p:grpSpPr>
       <p:sp>
         <p:nvSpPr>
+          <p:cNvPr id="64" name="Rectangle 23">
+            <a:extLst>
+              <a:ext uri="{FF2B5EF4-FFF2-40B4-BE49-F238E27FC236}">
+                <a16:creationId xmlns:a16="http://schemas.microsoft.com/office/drawing/2014/main" id="{8561955E-3F3B-42FF-B45A-2D7DDD34F97F}"/>
+              </a:ext>
+            </a:extLst>
+          </p:cNvPr>
+          <p:cNvSpPr>
+            <a:spLocks noChangeArrowheads="1"/>
+          </p:cNvSpPr>
+          <p:nvPr/>
+        </p:nvSpPr>
+        <p:spPr bwMode="auto">
+          <a:xfrm>
+            <a:off x="402155" y="3945533"/>
+            <a:ext cx="10164763" cy="4262913"/>
+          </a:xfrm>
+          <a:prstGeom prst="rect">
+            <a:avLst/>
+          </a:prstGeom>
+          <a:solidFill>
+            <a:srgbClr val="FFFFFF"/>
+          </a:solidFill>
+          <a:ln w="9360" cap="sq">
+            <a:solidFill>
+              <a:srgbClr val="000000"/>
+            </a:solidFill>
+            <a:miter lim="800000"/>
+            <a:headEnd/>
+            <a:tailEnd/>
+          </a:ln>
+          <a:effectLst>
+            <a:outerShdw dist="153010" dir="2906018" algn="ctr" rotWithShape="0">
+              <a:srgbClr val="292929">
+                <a:alpha val="50027"/>
+              </a:srgbClr>
+            </a:outerShdw>
+          </a:effectLst>
+        </p:spPr>
+        <p:txBody>
+          <a:bodyPr wrap="none" lIns="90000" tIns="46800" rIns="90000" bIns="46800" anchor="ctr"/>
+          <a:lstStyle>
+            <a:lvl1pPr>
+              <a:tabLst>
+                <a:tab pos="0" algn="l"/>
+                <a:tab pos="447675" algn="l"/>
+                <a:tab pos="896938" algn="l"/>
+                <a:tab pos="1346200" algn="l"/>
+                <a:tab pos="1795463" algn="l"/>
+                <a:tab pos="2244725" algn="l"/>
+                <a:tab pos="2693988" algn="l"/>
+                <a:tab pos="3143250" algn="l"/>
+                <a:tab pos="3592513" algn="l"/>
+                <a:tab pos="4041775" algn="l"/>
+                <a:tab pos="4491038" algn="l"/>
+                <a:tab pos="4940300" algn="l"/>
+                <a:tab pos="5389563" algn="l"/>
+                <a:tab pos="5838825" algn="l"/>
+                <a:tab pos="6288088" algn="l"/>
+                <a:tab pos="6737350" algn="l"/>
+                <a:tab pos="7186613" algn="l"/>
+                <a:tab pos="7635875" algn="l"/>
+                <a:tab pos="8085138" algn="l"/>
+                <a:tab pos="8534400" algn="l"/>
+                <a:tab pos="8983663" algn="l"/>
+                <a:tab pos="8985250" algn="l"/>
+                <a:tab pos="9434513" algn="l"/>
+                <a:tab pos="9883775" algn="l"/>
+              </a:tabLst>
+              <a:defRPr>
+                <a:solidFill>
+                  <a:srgbClr val="FFFFFF"/>
+                </a:solidFill>
+                <a:latin typeface="Arial" panose="020B0604020202020204" pitchFamily="34" charset="0"/>
+                <a:cs typeface="Arial" panose="020B0604020202020204" pitchFamily="34" charset="0"/>
+              </a:defRPr>
+            </a:lvl1pPr>
+            <a:lvl2pPr>
+              <a:tabLst>
+                <a:tab pos="0" algn="l"/>
+                <a:tab pos="447675" algn="l"/>
+                <a:tab pos="896938" algn="l"/>
+                <a:tab pos="1346200" algn="l"/>
+                <a:tab pos="1795463" algn="l"/>
+                <a:tab pos="2244725" algn="l"/>
+                <a:tab pos="2693988" algn="l"/>
+                <a:tab pos="3143250" algn="l"/>
+                <a:tab pos="3592513" algn="l"/>
+                <a:tab pos="4041775" algn="l"/>
+                <a:tab pos="4491038" algn="l"/>
+                <a:tab pos="4940300" algn="l"/>
+                <a:tab pos="5389563" algn="l"/>
+                <a:tab pos="5838825" algn="l"/>
+                <a:tab pos="6288088" algn="l"/>
+                <a:tab pos="6737350" algn="l"/>
+                <a:tab pos="7186613" algn="l"/>
+                <a:tab pos="7635875" algn="l"/>
+                <a:tab pos="8085138" algn="l"/>
+                <a:tab pos="8534400" algn="l"/>
+                <a:tab pos="8983663" algn="l"/>
+                <a:tab pos="8985250" algn="l"/>
+                <a:tab pos="9434513" algn="l"/>
+                <a:tab pos="9883775" algn="l"/>
+              </a:tabLst>
+              <a:defRPr>
+                <a:solidFill>
+                  <a:srgbClr val="FFFFFF"/>
+                </a:solidFill>
+                <a:latin typeface="Arial" panose="020B0604020202020204" pitchFamily="34" charset="0"/>
+                <a:cs typeface="Arial" panose="020B0604020202020204" pitchFamily="34" charset="0"/>
+              </a:defRPr>
+            </a:lvl2pPr>
+            <a:lvl3pPr>
+              <a:tabLst>
+                <a:tab pos="0" algn="l"/>
+                <a:tab pos="447675" algn="l"/>
+                <a:tab pos="896938" algn="l"/>
+                <a:tab pos="1346200" algn="l"/>
+                <a:tab pos="1795463" algn="l"/>
+                <a:tab pos="2244725" algn="l"/>
+                <a:tab pos="2693988" algn="l"/>
+                <a:tab pos="3143250" algn="l"/>
+                <a:tab pos="3592513" algn="l"/>
+                <a:tab pos="4041775" algn="l"/>
+                <a:tab pos="4491038" algn="l"/>
+                <a:tab pos="4940300" algn="l"/>
+                <a:tab pos="5389563" algn="l"/>
+                <a:tab pos="5838825" algn="l"/>
+                <a:tab pos="6288088" algn="l"/>
+                <a:tab pos="6737350" algn="l"/>
+                <a:tab pos="7186613" algn="l"/>
+                <a:tab pos="7635875" algn="l"/>
+                <a:tab pos="8085138" algn="l"/>
+                <a:tab pos="8534400" algn="l"/>
+                <a:tab pos="8983663" algn="l"/>
+                <a:tab pos="8985250" algn="l"/>
+                <a:tab pos="9434513" algn="l"/>
+                <a:tab pos="9883775" algn="l"/>
+              </a:tabLst>
+              <a:defRPr>
+                <a:solidFill>
+                  <a:srgbClr val="FFFFFF"/>
+                </a:solidFill>
+                <a:latin typeface="Arial" panose="020B0604020202020204" pitchFamily="34" charset="0"/>
+                <a:cs typeface="Arial" panose="020B0604020202020204" pitchFamily="34" charset="0"/>
+              </a:defRPr>
+            </a:lvl3pPr>
+            <a:lvl4pPr>
+              <a:tabLst>
+                <a:tab pos="0" algn="l"/>
+                <a:tab pos="447675" algn="l"/>
+                <a:tab pos="896938" algn="l"/>
+                <a:tab pos="1346200" algn="l"/>
+                <a:tab pos="1795463" algn="l"/>
+                <a:tab pos="2244725" algn="l"/>
+                <a:tab pos="2693988" algn="l"/>
+                <a:tab pos="3143250" algn="l"/>
+                <a:tab pos="3592513" algn="l"/>
+                <a:tab pos="4041775" algn="l"/>
+                <a:tab pos="4491038" algn="l"/>
+                <a:tab pos="4940300" algn="l"/>
+                <a:tab pos="5389563" algn="l"/>
+                <a:tab pos="5838825" algn="l"/>
+                <a:tab pos="6288088" algn="l"/>
+                <a:tab pos="6737350" algn="l"/>
+                <a:tab pos="7186613" algn="l"/>
+                <a:tab pos="7635875" algn="l"/>
+                <a:tab pos="8085138" algn="l"/>
+                <a:tab pos="8534400" algn="l"/>
+                <a:tab pos="8983663" algn="l"/>
+                <a:tab pos="8985250" algn="l"/>
+                <a:tab pos="9434513" algn="l"/>
+                <a:tab pos="9883775" algn="l"/>
+              </a:tabLst>
+              <a:defRPr>
+                <a:solidFill>
+                  <a:srgbClr val="FFFFFF"/>
+                </a:solidFill>
+                <a:latin typeface="Arial" panose="020B0604020202020204" pitchFamily="34" charset="0"/>
+                <a:cs typeface="Arial" panose="020B0604020202020204" pitchFamily="34" charset="0"/>
+              </a:defRPr>
+            </a:lvl4pPr>
+            <a:lvl5pPr>
+              <a:tabLst>
+                <a:tab pos="0" algn="l"/>
+                <a:tab pos="447675" algn="l"/>
+                <a:tab pos="896938" algn="l"/>
+                <a:tab pos="1346200" algn="l"/>
+                <a:tab pos="1795463" algn="l"/>
+                <a:tab pos="2244725" algn="l"/>
+                <a:tab pos="2693988" algn="l"/>
+                <a:tab pos="3143250" algn="l"/>
+                <a:tab pos="3592513" algn="l"/>
+                <a:tab pos="4041775" algn="l"/>
+                <a:tab pos="4491038" algn="l"/>
+                <a:tab pos="4940300" algn="l"/>
+                <a:tab pos="5389563" algn="l"/>
+                <a:tab pos="5838825" algn="l"/>
+                <a:tab pos="6288088" algn="l"/>
+                <a:tab pos="6737350" algn="l"/>
+                <a:tab pos="7186613" algn="l"/>
+                <a:tab pos="7635875" algn="l"/>
+                <a:tab pos="8085138" algn="l"/>
+                <a:tab pos="8534400" algn="l"/>
+                <a:tab pos="8983663" algn="l"/>
+                <a:tab pos="8985250" algn="l"/>
+                <a:tab pos="9434513" algn="l"/>
+                <a:tab pos="9883775" algn="l"/>
+              </a:tabLst>
+              <a:defRPr>
+                <a:solidFill>
+                  <a:srgbClr val="FFFFFF"/>
+                </a:solidFill>
+                <a:latin typeface="Arial" panose="020B0604020202020204" pitchFamily="34" charset="0"/>
+                <a:cs typeface="Arial" panose="020B0604020202020204" pitchFamily="34" charset="0"/>
+              </a:defRPr>
+            </a:lvl5pPr>
+            <a:lvl6pPr marL="2514600" indent="-228600" defTabSz="449263" eaLnBrk="0" fontAlgn="base" hangingPunct="0">
+              <a:spcBef>
+                <a:spcPct val="0"/>
+              </a:spcBef>
+              <a:spcAft>
+                <a:spcPct val="0"/>
+              </a:spcAft>
+              <a:buClr>
+                <a:srgbClr val="000000"/>
+              </a:buClr>
+              <a:buSzPct val="100000"/>
+              <a:buFont typeface="Times New Roman" panose="02020603050405020304" pitchFamily="18" charset="0"/>
+              <a:tabLst>
+                <a:tab pos="0" algn="l"/>
+                <a:tab pos="447675" algn="l"/>
+                <a:tab pos="896938" algn="l"/>
+                <a:tab pos="1346200" algn="l"/>
+                <a:tab pos="1795463" algn="l"/>
+                <a:tab pos="2244725" algn="l"/>
+                <a:tab pos="2693988" algn="l"/>
+                <a:tab pos="3143250" algn="l"/>
+                <a:tab pos="3592513" algn="l"/>
+                <a:tab pos="4041775" algn="l"/>
+                <a:tab pos="4491038" algn="l"/>
+                <a:tab pos="4940300" algn="l"/>
+                <a:tab pos="5389563" algn="l"/>
+                <a:tab pos="5838825" algn="l"/>
+                <a:tab pos="6288088" algn="l"/>
+                <a:tab pos="6737350" algn="l"/>
+                <a:tab pos="7186613" algn="l"/>
+                <a:tab pos="7635875" algn="l"/>
+                <a:tab pos="8085138" algn="l"/>
+                <a:tab pos="8534400" algn="l"/>
+                <a:tab pos="8983663" algn="l"/>
+                <a:tab pos="8985250" algn="l"/>
+                <a:tab pos="9434513" algn="l"/>
+                <a:tab pos="9883775" algn="l"/>
+              </a:tabLst>
+              <a:defRPr>
+                <a:solidFill>
+                  <a:srgbClr val="FFFFFF"/>
+                </a:solidFill>
+                <a:latin typeface="Arial" panose="020B0604020202020204" pitchFamily="34" charset="0"/>
+                <a:cs typeface="Arial" panose="020B0604020202020204" pitchFamily="34" charset="0"/>
+              </a:defRPr>
+            </a:lvl6pPr>
+            <a:lvl7pPr marL="2971800" indent="-228600" defTabSz="449263" eaLnBrk="0" fontAlgn="base" hangingPunct="0">
+              <a:spcBef>
+                <a:spcPct val="0"/>
+              </a:spcBef>
+              <a:spcAft>
+                <a:spcPct val="0"/>
+              </a:spcAft>
+              <a:buClr>
+                <a:srgbClr val="000000"/>
+              </a:buClr>
+              <a:buSzPct val="100000"/>
+              <a:buFont typeface="Times New Roman" panose="02020603050405020304" pitchFamily="18" charset="0"/>
+              <a:tabLst>
+                <a:tab pos="0" algn="l"/>
+                <a:tab pos="447675" algn="l"/>
+                <a:tab pos="896938" algn="l"/>
+                <a:tab pos="1346200" algn="l"/>
+                <a:tab pos="1795463" algn="l"/>
+                <a:tab pos="2244725" algn="l"/>
+                <a:tab pos="2693988" algn="l"/>
+                <a:tab pos="3143250" algn="l"/>
+                <a:tab pos="3592513" algn="l"/>
+                <a:tab pos="4041775" algn="l"/>
+                <a:tab pos="4491038" algn="l"/>
+                <a:tab pos="4940300" algn="l"/>
+                <a:tab pos="5389563" algn="l"/>
+                <a:tab pos="5838825" algn="l"/>
+                <a:tab pos="6288088" algn="l"/>
+                <a:tab pos="6737350" algn="l"/>
+                <a:tab pos="7186613" algn="l"/>
+                <a:tab pos="7635875" algn="l"/>
+                <a:tab pos="8085138" algn="l"/>
+                <a:tab pos="8534400" algn="l"/>
+                <a:tab pos="8983663" algn="l"/>
+                <a:tab pos="8985250" algn="l"/>
+                <a:tab pos="9434513" algn="l"/>
+                <a:tab pos="9883775" algn="l"/>
+              </a:tabLst>
+              <a:defRPr>
+                <a:solidFill>
+                  <a:srgbClr val="FFFFFF"/>
+                </a:solidFill>
+                <a:latin typeface="Arial" panose="020B0604020202020204" pitchFamily="34" charset="0"/>
+                <a:cs typeface="Arial" panose="020B0604020202020204" pitchFamily="34" charset="0"/>
+              </a:defRPr>
+            </a:lvl7pPr>
+            <a:lvl8pPr marL="3429000" indent="-228600" defTabSz="449263" eaLnBrk="0" fontAlgn="base" hangingPunct="0">
+              <a:spcBef>
+                <a:spcPct val="0"/>
+              </a:spcBef>
+              <a:spcAft>
+                <a:spcPct val="0"/>
+              </a:spcAft>
+              <a:buClr>
+                <a:srgbClr val="000000"/>
+              </a:buClr>
+              <a:buSzPct val="100000"/>
+              <a:buFont typeface="Times New Roman" panose="02020603050405020304" pitchFamily="18" charset="0"/>
+              <a:tabLst>
+                <a:tab pos="0" algn="l"/>
+                <a:tab pos="447675" algn="l"/>
+                <a:tab pos="896938" algn="l"/>
+                <a:tab pos="1346200" algn="l"/>
+                <a:tab pos="1795463" algn="l"/>
+                <a:tab pos="2244725" algn="l"/>
+                <a:tab pos="2693988" algn="l"/>
+                <a:tab pos="3143250" algn="l"/>
+                <a:tab pos="3592513" algn="l"/>
+                <a:tab pos="4041775" algn="l"/>
+                <a:tab pos="4491038" algn="l"/>
+                <a:tab pos="4940300" algn="l"/>
+                <a:tab pos="5389563" algn="l"/>
+                <a:tab pos="5838825" algn="l"/>
+                <a:tab pos="6288088" algn="l"/>
+                <a:tab pos="6737350" algn="l"/>
+                <a:tab pos="7186613" algn="l"/>
+                <a:tab pos="7635875" algn="l"/>
+                <a:tab pos="8085138" algn="l"/>
+                <a:tab pos="8534400" algn="l"/>
+                <a:tab pos="8983663" algn="l"/>
+                <a:tab pos="8985250" algn="l"/>
+                <a:tab pos="9434513" algn="l"/>
+                <a:tab pos="9883775" algn="l"/>
+              </a:tabLst>
+              <a:defRPr>
+                <a:solidFill>
+                  <a:srgbClr val="FFFFFF"/>
+                </a:solidFill>
+                <a:latin typeface="Arial" panose="020B0604020202020204" pitchFamily="34" charset="0"/>
+                <a:cs typeface="Arial" panose="020B0604020202020204" pitchFamily="34" charset="0"/>
+              </a:defRPr>
+            </a:lvl8pPr>
+            <a:lvl9pPr marL="3886200" indent="-228600" defTabSz="449263" eaLnBrk="0" fontAlgn="base" hangingPunct="0">
+              <a:spcBef>
+                <a:spcPct val="0"/>
+              </a:spcBef>
+              <a:spcAft>
+                <a:spcPct val="0"/>
+              </a:spcAft>
+              <a:buClr>
+                <a:srgbClr val="000000"/>
+              </a:buClr>
+              <a:buSzPct val="100000"/>
+              <a:buFont typeface="Times New Roman" panose="02020603050405020304" pitchFamily="18" charset="0"/>
+              <a:tabLst>
+                <a:tab pos="0" algn="l"/>
+                <a:tab pos="447675" algn="l"/>
+                <a:tab pos="896938" algn="l"/>
+                <a:tab pos="1346200" algn="l"/>
+                <a:tab pos="1795463" algn="l"/>
+                <a:tab pos="2244725" algn="l"/>
+                <a:tab pos="2693988" algn="l"/>
+                <a:tab pos="3143250" algn="l"/>
+                <a:tab pos="3592513" algn="l"/>
+                <a:tab pos="4041775" algn="l"/>
+                <a:tab pos="4491038" algn="l"/>
+                <a:tab pos="4940300" algn="l"/>
+                <a:tab pos="5389563" algn="l"/>
+                <a:tab pos="5838825" algn="l"/>
+                <a:tab pos="6288088" algn="l"/>
+                <a:tab pos="6737350" algn="l"/>
+                <a:tab pos="7186613" algn="l"/>
+                <a:tab pos="7635875" algn="l"/>
+                <a:tab pos="8085138" algn="l"/>
+                <a:tab pos="8534400" algn="l"/>
+                <a:tab pos="8983663" algn="l"/>
+                <a:tab pos="8985250" algn="l"/>
+                <a:tab pos="9434513" algn="l"/>
+                <a:tab pos="9883775" algn="l"/>
+              </a:tabLst>
+              <a:defRPr>
+                <a:solidFill>
+                  <a:srgbClr val="FFFFFF"/>
+                </a:solidFill>
+                <a:latin typeface="Arial" panose="020B0604020202020204" pitchFamily="34" charset="0"/>
+                <a:cs typeface="Arial" panose="020B0604020202020204" pitchFamily="34" charset="0"/>
+              </a:defRPr>
+            </a:lvl9pPr>
+          </a:lstStyle>
+          <a:p>
+            <a:pPr algn="just" eaLnBrk="1" hangingPunct="1">
+              <a:buClrTx/>
+              <a:buFontTx/>
+              <a:buNone/>
+            </a:pPr>
+            <a:r>
+              <a:rPr lang="es-ES" altLang="es-MX">
+                <a:solidFill>
+                  <a:srgbClr val="000000"/>
+                </a:solidFill>
+              </a:rPr>
+              <a:t>.</a:t>
+            </a:r>
+            <a:endParaRPr lang="es-ES" altLang="es-MX" dirty="0">
+              <a:solidFill>
+                <a:srgbClr val="000000"/>
+              </a:solidFill>
+            </a:endParaRPr>
+          </a:p>
+        </p:txBody>
+      </p:sp>
+      <p:sp>
+        <p:nvSpPr>
+          <p:cNvPr id="49" name="Rectangle 23">
+            <a:extLst>
+              <a:ext uri="{FF2B5EF4-FFF2-40B4-BE49-F238E27FC236}">
+                <a16:creationId xmlns:a16="http://schemas.microsoft.com/office/drawing/2014/main" id="{F2AC18CD-E87F-4904-A63E-AB5E7648897A}"/>
+              </a:ext>
+            </a:extLst>
+          </p:cNvPr>
+          <p:cNvSpPr>
+            <a:spLocks noChangeArrowheads="1"/>
+          </p:cNvSpPr>
+          <p:nvPr/>
+        </p:nvSpPr>
+        <p:spPr bwMode="auto">
+          <a:xfrm>
+            <a:off x="11032990" y="10948914"/>
+            <a:ext cx="10220561" cy="5958627"/>
+          </a:xfrm>
+          <a:prstGeom prst="rect">
+            <a:avLst/>
+          </a:prstGeom>
+          <a:solidFill>
+            <a:srgbClr val="FFFFFF"/>
+          </a:solidFill>
+          <a:ln w="9360" cap="sq">
+            <a:solidFill>
+              <a:srgbClr val="000000"/>
+            </a:solidFill>
+            <a:miter lim="800000"/>
+            <a:headEnd/>
+            <a:tailEnd/>
+          </a:ln>
+          <a:effectLst>
+            <a:outerShdw dist="153010" dir="2906018" algn="ctr" rotWithShape="0">
+              <a:srgbClr val="292929">
+                <a:alpha val="50027"/>
+              </a:srgbClr>
+            </a:outerShdw>
+          </a:effectLst>
+        </p:spPr>
+        <p:txBody>
+          <a:bodyPr wrap="none" lIns="90000" tIns="46800" rIns="90000" bIns="46800" anchor="ctr"/>
+          <a:lstStyle>
+            <a:lvl1pPr>
+              <a:tabLst>
+                <a:tab pos="0" algn="l"/>
+                <a:tab pos="447675" algn="l"/>
+                <a:tab pos="896938" algn="l"/>
+                <a:tab pos="1346200" algn="l"/>
+                <a:tab pos="1795463" algn="l"/>
+                <a:tab pos="2244725" algn="l"/>
+                <a:tab pos="2693988" algn="l"/>
+                <a:tab pos="3143250" algn="l"/>
+                <a:tab pos="3592513" algn="l"/>
+                <a:tab pos="4041775" algn="l"/>
+                <a:tab pos="4491038" algn="l"/>
+                <a:tab pos="4940300" algn="l"/>
+                <a:tab pos="5389563" algn="l"/>
+                <a:tab pos="5838825" algn="l"/>
+                <a:tab pos="6288088" algn="l"/>
+                <a:tab pos="6737350" algn="l"/>
+                <a:tab pos="7186613" algn="l"/>
+                <a:tab pos="7635875" algn="l"/>
+                <a:tab pos="8085138" algn="l"/>
+                <a:tab pos="8534400" algn="l"/>
+                <a:tab pos="8983663" algn="l"/>
+                <a:tab pos="8985250" algn="l"/>
+                <a:tab pos="9434513" algn="l"/>
+                <a:tab pos="9883775" algn="l"/>
+              </a:tabLst>
+              <a:defRPr>
+                <a:solidFill>
+                  <a:srgbClr val="FFFFFF"/>
+                </a:solidFill>
+                <a:latin typeface="Arial" panose="020B0604020202020204" pitchFamily="34" charset="0"/>
+                <a:cs typeface="Arial" panose="020B0604020202020204" pitchFamily="34" charset="0"/>
+              </a:defRPr>
+            </a:lvl1pPr>
+            <a:lvl2pPr>
+              <a:tabLst>
+                <a:tab pos="0" algn="l"/>
+                <a:tab pos="447675" algn="l"/>
+                <a:tab pos="896938" algn="l"/>
+                <a:tab pos="1346200" algn="l"/>
+                <a:tab pos="1795463" algn="l"/>
+                <a:tab pos="2244725" algn="l"/>
+                <a:tab pos="2693988" algn="l"/>
+                <a:tab pos="3143250" algn="l"/>
+                <a:tab pos="3592513" algn="l"/>
+                <a:tab pos="4041775" algn="l"/>
+                <a:tab pos="4491038" algn="l"/>
+                <a:tab pos="4940300" algn="l"/>
+                <a:tab pos="5389563" algn="l"/>
+                <a:tab pos="5838825" algn="l"/>
+                <a:tab pos="6288088" algn="l"/>
+                <a:tab pos="6737350" algn="l"/>
+                <a:tab pos="7186613" algn="l"/>
+                <a:tab pos="7635875" algn="l"/>
+                <a:tab pos="8085138" algn="l"/>
+                <a:tab pos="8534400" algn="l"/>
+                <a:tab pos="8983663" algn="l"/>
+                <a:tab pos="8985250" algn="l"/>
+                <a:tab pos="9434513" algn="l"/>
+                <a:tab pos="9883775" algn="l"/>
+              </a:tabLst>
+              <a:defRPr>
+                <a:solidFill>
+                  <a:srgbClr val="FFFFFF"/>
+                </a:solidFill>
+                <a:latin typeface="Arial" panose="020B0604020202020204" pitchFamily="34" charset="0"/>
+                <a:cs typeface="Arial" panose="020B0604020202020204" pitchFamily="34" charset="0"/>
+              </a:defRPr>
+            </a:lvl2pPr>
+            <a:lvl3pPr>
+              <a:tabLst>
+                <a:tab pos="0" algn="l"/>
+                <a:tab pos="447675" algn="l"/>
+                <a:tab pos="896938" algn="l"/>
+                <a:tab pos="1346200" algn="l"/>
+                <a:tab pos="1795463" algn="l"/>
+                <a:tab pos="2244725" algn="l"/>
+                <a:tab pos="2693988" algn="l"/>
+                <a:tab pos="3143250" algn="l"/>
+                <a:tab pos="3592513" algn="l"/>
+                <a:tab pos="4041775" algn="l"/>
+                <a:tab pos="4491038" algn="l"/>
+                <a:tab pos="4940300" algn="l"/>
+                <a:tab pos="5389563" algn="l"/>
+                <a:tab pos="5838825" algn="l"/>
+                <a:tab pos="6288088" algn="l"/>
+                <a:tab pos="6737350" algn="l"/>
+                <a:tab pos="7186613" algn="l"/>
+                <a:tab pos="7635875" algn="l"/>
+                <a:tab pos="8085138" algn="l"/>
+                <a:tab pos="8534400" algn="l"/>
+                <a:tab pos="8983663" algn="l"/>
+                <a:tab pos="8985250" algn="l"/>
+                <a:tab pos="9434513" algn="l"/>
+                <a:tab pos="9883775" algn="l"/>
+              </a:tabLst>
+              <a:defRPr>
+                <a:solidFill>
+                  <a:srgbClr val="FFFFFF"/>
+                </a:solidFill>
+                <a:latin typeface="Arial" panose="020B0604020202020204" pitchFamily="34" charset="0"/>
+                <a:cs typeface="Arial" panose="020B0604020202020204" pitchFamily="34" charset="0"/>
+              </a:defRPr>
+            </a:lvl3pPr>
+            <a:lvl4pPr>
+              <a:tabLst>
+                <a:tab pos="0" algn="l"/>
+                <a:tab pos="447675" algn="l"/>
+                <a:tab pos="896938" algn="l"/>
+                <a:tab pos="1346200" algn="l"/>
+                <a:tab pos="1795463" algn="l"/>
+                <a:tab pos="2244725" algn="l"/>
+                <a:tab pos="2693988" algn="l"/>
+                <a:tab pos="3143250" algn="l"/>
+                <a:tab pos="3592513" algn="l"/>
+                <a:tab pos="4041775" algn="l"/>
+                <a:tab pos="4491038" algn="l"/>
+                <a:tab pos="4940300" algn="l"/>
+                <a:tab pos="5389563" algn="l"/>
+                <a:tab pos="5838825" algn="l"/>
+                <a:tab pos="6288088" algn="l"/>
+                <a:tab pos="6737350" algn="l"/>
+                <a:tab pos="7186613" algn="l"/>
+                <a:tab pos="7635875" algn="l"/>
+                <a:tab pos="8085138" algn="l"/>
+                <a:tab pos="8534400" algn="l"/>
+                <a:tab pos="8983663" algn="l"/>
+                <a:tab pos="8985250" algn="l"/>
+                <a:tab pos="9434513" algn="l"/>
+                <a:tab pos="9883775" algn="l"/>
+              </a:tabLst>
+              <a:defRPr>
+                <a:solidFill>
+                  <a:srgbClr val="FFFFFF"/>
+                </a:solidFill>
+                <a:latin typeface="Arial" panose="020B0604020202020204" pitchFamily="34" charset="0"/>
+                <a:cs typeface="Arial" panose="020B0604020202020204" pitchFamily="34" charset="0"/>
+              </a:defRPr>
+            </a:lvl4pPr>
+            <a:lvl5pPr>
+              <a:tabLst>
+                <a:tab pos="0" algn="l"/>
+                <a:tab pos="447675" algn="l"/>
+                <a:tab pos="896938" algn="l"/>
+                <a:tab pos="1346200" algn="l"/>
+                <a:tab pos="1795463" algn="l"/>
+                <a:tab pos="2244725" algn="l"/>
+                <a:tab pos="2693988" algn="l"/>
+                <a:tab pos="3143250" algn="l"/>
+                <a:tab pos="3592513" algn="l"/>
+                <a:tab pos="4041775" algn="l"/>
+                <a:tab pos="4491038" algn="l"/>
+                <a:tab pos="4940300" algn="l"/>
+                <a:tab pos="5389563" algn="l"/>
+                <a:tab pos="5838825" algn="l"/>
+                <a:tab pos="6288088" algn="l"/>
+                <a:tab pos="6737350" algn="l"/>
+                <a:tab pos="7186613" algn="l"/>
+                <a:tab pos="7635875" algn="l"/>
+                <a:tab pos="8085138" algn="l"/>
+                <a:tab pos="8534400" algn="l"/>
+                <a:tab pos="8983663" algn="l"/>
+                <a:tab pos="8985250" algn="l"/>
+                <a:tab pos="9434513" algn="l"/>
+                <a:tab pos="9883775" algn="l"/>
+              </a:tabLst>
+              <a:defRPr>
+                <a:solidFill>
+                  <a:srgbClr val="FFFFFF"/>
+                </a:solidFill>
+                <a:latin typeface="Arial" panose="020B0604020202020204" pitchFamily="34" charset="0"/>
+                <a:cs typeface="Arial" panose="020B0604020202020204" pitchFamily="34" charset="0"/>
+              </a:defRPr>
+            </a:lvl5pPr>
+            <a:lvl6pPr marL="2514600" indent="-228600" defTabSz="449263" eaLnBrk="0" fontAlgn="base" hangingPunct="0">
+              <a:spcBef>
+                <a:spcPct val="0"/>
+              </a:spcBef>
+              <a:spcAft>
+                <a:spcPct val="0"/>
+              </a:spcAft>
+              <a:buClr>
+                <a:srgbClr val="000000"/>
+              </a:buClr>
+              <a:buSzPct val="100000"/>
+              <a:buFont typeface="Times New Roman" panose="02020603050405020304" pitchFamily="18" charset="0"/>
+              <a:tabLst>
+                <a:tab pos="0" algn="l"/>
+                <a:tab pos="447675" algn="l"/>
+                <a:tab pos="896938" algn="l"/>
+                <a:tab pos="1346200" algn="l"/>
+                <a:tab pos="1795463" algn="l"/>
+                <a:tab pos="2244725" algn="l"/>
+                <a:tab pos="2693988" algn="l"/>
+                <a:tab pos="3143250" algn="l"/>
+                <a:tab pos="3592513" algn="l"/>
+                <a:tab pos="4041775" algn="l"/>
+                <a:tab pos="4491038" algn="l"/>
+                <a:tab pos="4940300" algn="l"/>
+                <a:tab pos="5389563" algn="l"/>
+                <a:tab pos="5838825" algn="l"/>
+                <a:tab pos="6288088" algn="l"/>
+                <a:tab pos="6737350" algn="l"/>
+                <a:tab pos="7186613" algn="l"/>
+                <a:tab pos="7635875" algn="l"/>
+                <a:tab pos="8085138" algn="l"/>
+                <a:tab pos="8534400" algn="l"/>
+                <a:tab pos="8983663" algn="l"/>
+                <a:tab pos="8985250" algn="l"/>
+                <a:tab pos="9434513" algn="l"/>
+                <a:tab pos="9883775" algn="l"/>
+              </a:tabLst>
+              <a:defRPr>
+                <a:solidFill>
+                  <a:srgbClr val="FFFFFF"/>
+                </a:solidFill>
+                <a:latin typeface="Arial" panose="020B0604020202020204" pitchFamily="34" charset="0"/>
+                <a:cs typeface="Arial" panose="020B0604020202020204" pitchFamily="34" charset="0"/>
+              </a:defRPr>
+            </a:lvl6pPr>
+            <a:lvl7pPr marL="2971800" indent="-228600" defTabSz="449263" eaLnBrk="0" fontAlgn="base" hangingPunct="0">
+              <a:spcBef>
+                <a:spcPct val="0"/>
+              </a:spcBef>
+              <a:spcAft>
+                <a:spcPct val="0"/>
+              </a:spcAft>
+              <a:buClr>
+                <a:srgbClr val="000000"/>
+              </a:buClr>
+              <a:buSzPct val="100000"/>
+              <a:buFont typeface="Times New Roman" panose="02020603050405020304" pitchFamily="18" charset="0"/>
+              <a:tabLst>
+                <a:tab pos="0" algn="l"/>
+                <a:tab pos="447675" algn="l"/>
+                <a:tab pos="896938" algn="l"/>
+                <a:tab pos="1346200" algn="l"/>
+                <a:tab pos="1795463" algn="l"/>
+                <a:tab pos="2244725" algn="l"/>
+                <a:tab pos="2693988" algn="l"/>
+                <a:tab pos="3143250" algn="l"/>
+                <a:tab pos="3592513" algn="l"/>
+                <a:tab pos="4041775" algn="l"/>
+                <a:tab pos="4491038" algn="l"/>
+                <a:tab pos="4940300" algn="l"/>
+                <a:tab pos="5389563" algn="l"/>
+                <a:tab pos="5838825" algn="l"/>
+                <a:tab pos="6288088" algn="l"/>
+                <a:tab pos="6737350" algn="l"/>
+                <a:tab pos="7186613" algn="l"/>
+                <a:tab pos="7635875" algn="l"/>
+                <a:tab pos="8085138" algn="l"/>
+                <a:tab pos="8534400" algn="l"/>
+                <a:tab pos="8983663" algn="l"/>
+                <a:tab pos="8985250" algn="l"/>
+                <a:tab pos="9434513" algn="l"/>
+                <a:tab pos="9883775" algn="l"/>
+              </a:tabLst>
+              <a:defRPr>
+                <a:solidFill>
+                  <a:srgbClr val="FFFFFF"/>
+                </a:solidFill>
+                <a:latin typeface="Arial" panose="020B0604020202020204" pitchFamily="34" charset="0"/>
+                <a:cs typeface="Arial" panose="020B0604020202020204" pitchFamily="34" charset="0"/>
+              </a:defRPr>
+            </a:lvl7pPr>
+            <a:lvl8pPr marL="3429000" indent="-228600" defTabSz="449263" eaLnBrk="0" fontAlgn="base" hangingPunct="0">
+              <a:spcBef>
+                <a:spcPct val="0"/>
+              </a:spcBef>
+              <a:spcAft>
+                <a:spcPct val="0"/>
+              </a:spcAft>
+              <a:buClr>
+                <a:srgbClr val="000000"/>
+              </a:buClr>
+              <a:buSzPct val="100000"/>
+              <a:buFont typeface="Times New Roman" panose="02020603050405020304" pitchFamily="18" charset="0"/>
+              <a:tabLst>
+                <a:tab pos="0" algn="l"/>
+                <a:tab pos="447675" algn="l"/>
+                <a:tab pos="896938" algn="l"/>
+                <a:tab pos="1346200" algn="l"/>
+                <a:tab pos="1795463" algn="l"/>
+                <a:tab pos="2244725" algn="l"/>
+                <a:tab pos="2693988" algn="l"/>
+                <a:tab pos="3143250" algn="l"/>
+                <a:tab pos="3592513" algn="l"/>
+                <a:tab pos="4041775" algn="l"/>
+                <a:tab pos="4491038" algn="l"/>
+                <a:tab pos="4940300" algn="l"/>
+                <a:tab pos="5389563" algn="l"/>
+                <a:tab pos="5838825" algn="l"/>
+                <a:tab pos="6288088" algn="l"/>
+                <a:tab pos="6737350" algn="l"/>
+                <a:tab pos="7186613" algn="l"/>
+                <a:tab pos="7635875" algn="l"/>
+                <a:tab pos="8085138" algn="l"/>
+                <a:tab pos="8534400" algn="l"/>
+                <a:tab pos="8983663" algn="l"/>
+                <a:tab pos="8985250" algn="l"/>
+                <a:tab pos="9434513" algn="l"/>
+                <a:tab pos="9883775" algn="l"/>
+              </a:tabLst>
+              <a:defRPr>
+                <a:solidFill>
+                  <a:srgbClr val="FFFFFF"/>
+                </a:solidFill>
+                <a:latin typeface="Arial" panose="020B0604020202020204" pitchFamily="34" charset="0"/>
+                <a:cs typeface="Arial" panose="020B0604020202020204" pitchFamily="34" charset="0"/>
+              </a:defRPr>
+            </a:lvl8pPr>
+            <a:lvl9pPr marL="3886200" indent="-228600" defTabSz="449263" eaLnBrk="0" fontAlgn="base" hangingPunct="0">
+              <a:spcBef>
+                <a:spcPct val="0"/>
+              </a:spcBef>
+              <a:spcAft>
+                <a:spcPct val="0"/>
+              </a:spcAft>
+              <a:buClr>
+                <a:srgbClr val="000000"/>
+              </a:buClr>
+              <a:buSzPct val="100000"/>
+              <a:buFont typeface="Times New Roman" panose="02020603050405020304" pitchFamily="18" charset="0"/>
+              <a:tabLst>
+                <a:tab pos="0" algn="l"/>
+                <a:tab pos="447675" algn="l"/>
+                <a:tab pos="896938" algn="l"/>
+                <a:tab pos="1346200" algn="l"/>
+                <a:tab pos="1795463" algn="l"/>
+                <a:tab pos="2244725" algn="l"/>
+                <a:tab pos="2693988" algn="l"/>
+                <a:tab pos="3143250" algn="l"/>
+                <a:tab pos="3592513" algn="l"/>
+                <a:tab pos="4041775" algn="l"/>
+                <a:tab pos="4491038" algn="l"/>
+                <a:tab pos="4940300" algn="l"/>
+                <a:tab pos="5389563" algn="l"/>
+                <a:tab pos="5838825" algn="l"/>
+                <a:tab pos="6288088" algn="l"/>
+                <a:tab pos="6737350" algn="l"/>
+                <a:tab pos="7186613" algn="l"/>
+                <a:tab pos="7635875" algn="l"/>
+                <a:tab pos="8085138" algn="l"/>
+                <a:tab pos="8534400" algn="l"/>
+                <a:tab pos="8983663" algn="l"/>
+                <a:tab pos="8985250" algn="l"/>
+                <a:tab pos="9434513" algn="l"/>
+                <a:tab pos="9883775" algn="l"/>
+              </a:tabLst>
+              <a:defRPr>
+                <a:solidFill>
+                  <a:srgbClr val="FFFFFF"/>
+                </a:solidFill>
+                <a:latin typeface="Arial" panose="020B0604020202020204" pitchFamily="34" charset="0"/>
+                <a:cs typeface="Arial" panose="020B0604020202020204" pitchFamily="34" charset="0"/>
+              </a:defRPr>
+            </a:lvl9pPr>
+          </a:lstStyle>
+          <a:p>
+            <a:pPr algn="just" eaLnBrk="1" hangingPunct="1">
+              <a:buClrTx/>
+              <a:buFontTx/>
+              <a:buNone/>
+            </a:pPr>
+            <a:r>
+              <a:rPr lang="es-ES" altLang="es-MX">
+                <a:solidFill>
+                  <a:srgbClr val="000000"/>
+                </a:solidFill>
+              </a:rPr>
+              <a:t>.</a:t>
+            </a:r>
+            <a:endParaRPr lang="es-ES" altLang="es-MX" dirty="0">
+              <a:solidFill>
+                <a:srgbClr val="000000"/>
+              </a:solidFill>
+            </a:endParaRPr>
+          </a:p>
+        </p:txBody>
+      </p:sp>
+      <p:sp>
+        <p:nvSpPr>
           <p:cNvPr id="61" name="Rectangle 23">
             <a:extLst>
               <a:ext uri="{FF2B5EF4-FFF2-40B4-BE49-F238E27FC236}">
@@ -11274,7 +11969,7 @@
         </p:nvSpPr>
         <p:spPr bwMode="auto">
           <a:xfrm>
-            <a:off x="11018168" y="14329817"/>
+            <a:off x="11079667" y="18846816"/>
             <a:ext cx="10164763" cy="5681048"/>
           </a:xfrm>
           <a:prstGeom prst="rect">
@@ -11700,8 +12395,8 @@
         </p:nvSpPr>
         <p:spPr bwMode="auto">
           <a:xfrm>
-            <a:off x="420686" y="22466722"/>
-            <a:ext cx="10164763" cy="8424936"/>
+            <a:off x="420686" y="23779862"/>
+            <a:ext cx="10164763" cy="7111795"/>
           </a:xfrm>
           <a:prstGeom prst="rect">
             <a:avLst/>
@@ -12126,7 +12821,7 @@
         </p:nvSpPr>
         <p:spPr bwMode="auto">
           <a:xfrm>
-            <a:off x="406537" y="12601624"/>
+            <a:off x="406537" y="13969776"/>
             <a:ext cx="10164763" cy="8626461"/>
           </a:xfrm>
           <a:prstGeom prst="rect">
@@ -13630,8 +14325,8 @@
         </p:nvSpPr>
         <p:spPr bwMode="auto">
           <a:xfrm>
-            <a:off x="420688" y="7993113"/>
-            <a:ext cx="10164763" cy="1017040"/>
+            <a:off x="420688" y="8402508"/>
+            <a:ext cx="10164763" cy="1711195"/>
           </a:xfrm>
           <a:prstGeom prst="rect">
             <a:avLst/>
@@ -13684,7 +14379,7 @@
         </p:nvSpPr>
         <p:spPr bwMode="auto">
           <a:xfrm>
-            <a:off x="429409" y="21443601"/>
+            <a:off x="406722" y="22790298"/>
             <a:ext cx="10166350" cy="1044575"/>
           </a:xfrm>
           <a:prstGeom prst="rect">
@@ -13738,7 +14433,7 @@
         </p:nvSpPr>
         <p:spPr bwMode="auto">
           <a:xfrm>
-            <a:off x="572284" y="21659501"/>
+            <a:off x="549597" y="23006198"/>
             <a:ext cx="10088562" cy="642938"/>
           </a:xfrm>
           <a:prstGeom prst="rect">
@@ -14686,8 +15381,8 @@
         </p:nvSpPr>
         <p:spPr bwMode="auto">
           <a:xfrm>
-            <a:off x="6643688" y="2016125"/>
-            <a:ext cx="8323262" cy="368300"/>
+            <a:off x="6535990" y="2016125"/>
+            <a:ext cx="8538661" cy="371513"/>
           </a:xfrm>
           <a:prstGeom prst="rect">
             <a:avLst/>
@@ -15074,8 +15769,8 @@
               <a:buNone/>
             </a:pPr>
             <a:r>
-              <a:rPr lang="es-ES" altLang="es-MX" b="1"/>
-              <a:t>ÁREA DE COMPUTACIÓN E INFORMÁTICA, INGENIERÍA DE SOFTWARE B</a:t>
+              <a:rPr lang="es-ES" altLang="es-MX" b="1" dirty="0"/>
+              <a:t>ÁREA DE CIENCIAS DE LA COMPUTACIÓN, INGENIERÍA DE SOFTWARE B</a:t>
             </a:r>
           </a:p>
         </p:txBody>
@@ -15093,14 +15788,14 @@
           <p:nvPr>
             <p:extLst>
               <p:ext uri="{D42A27DB-BD31-4B8C-83A1-F6EECF244321}">
-                <p14:modId xmlns:p14="http://schemas.microsoft.com/office/powerpoint/2010/main" val="3956292971"/>
+                <p14:modId xmlns:p14="http://schemas.microsoft.com/office/powerpoint/2010/main" val="2292032853"/>
               </p:ext>
             </p:extLst>
           </p:nvPr>
         </p:nvGraphicFramePr>
         <p:xfrm>
-          <a:off x="4209009" y="26114998"/>
-          <a:ext cx="6213861" cy="4979448"/>
+          <a:off x="5473552" y="27289974"/>
+          <a:ext cx="4805302" cy="3831572"/>
         </p:xfrm>
         <a:graphic>
           <a:graphicData uri="http://schemas.openxmlformats.org/drawingml/2006/diagram">
@@ -15139,7 +15834,7 @@
         </p:blipFill>
         <p:spPr>
           <a:xfrm>
-            <a:off x="1043204" y="26693310"/>
+            <a:off x="1350212" y="28176272"/>
             <a:ext cx="3165805" cy="1780766"/>
           </a:xfrm>
           <a:prstGeom prst="rect">
@@ -15163,7 +15858,7 @@
         </p:nvSpPr>
         <p:spPr bwMode="auto">
           <a:xfrm>
-            <a:off x="497558" y="8152903"/>
+            <a:off x="497558" y="8562299"/>
             <a:ext cx="10088562" cy="642937"/>
           </a:xfrm>
           <a:prstGeom prst="rect">
@@ -15588,10 +16283,112 @@
       </p:sp>
       <p:sp>
         <p:nvSpPr>
-          <p:cNvPr id="39" name="Rectangle 23">
+          <p:cNvPr id="40" name="CuadroTexto 39">
             <a:extLst>
               <a:ext uri="{FF2B5EF4-FFF2-40B4-BE49-F238E27FC236}">
-                <a16:creationId xmlns:a16="http://schemas.microsoft.com/office/drawing/2014/main" id="{8066EFCD-2E0E-42CA-972E-13210FCBA92E}"/>
+                <a16:creationId xmlns:a16="http://schemas.microsoft.com/office/drawing/2014/main" id="{B086BEB9-538E-4287-812F-736F388B5EA6}"/>
+              </a:ext>
+            </a:extLst>
+          </p:cNvPr>
+          <p:cNvSpPr txBox="1"/>
+          <p:nvPr/>
+        </p:nvSpPr>
+        <p:spPr>
+          <a:xfrm>
+            <a:off x="563958" y="4021635"/>
+            <a:ext cx="9936162" cy="2554545"/>
+          </a:xfrm>
+          <a:prstGeom prst="rect">
+            <a:avLst/>
+          </a:prstGeom>
+          <a:noFill/>
+        </p:spPr>
+        <p:txBody>
+          <a:bodyPr wrap="square" rtlCol="0">
+            <a:spAutoFit/>
+          </a:bodyPr>
+          <a:lstStyle/>
+          <a:p>
+            <a:pPr algn="just"/>
+            <a:r>
+              <a:rPr lang="es-ES" altLang="es-MX" sz="3200" dirty="0">
+                <a:solidFill>
+                  <a:srgbClr val="000000"/>
+                </a:solidFill>
+                <a:latin typeface="Calibri" panose="020F0502020204030204" pitchFamily="34" charset="0"/>
+                <a:cs typeface="Calibri" panose="020F0502020204030204" pitchFamily="34" charset="0"/>
+              </a:rPr>
+              <a:t>El Sistema de Venta –Inventario (SVI) desarrollado para la empresa </a:t>
+            </a:r>
+            <a:r>
+              <a:rPr lang="es-ES" sz="3200" dirty="0" err="1">
+                <a:solidFill>
+                  <a:schemeClr val="tx1"/>
+                </a:solidFill>
+                <a:latin typeface="Calibri" panose="020F0502020204030204" pitchFamily="34" charset="0"/>
+                <a:cs typeface="Calibri" panose="020F0502020204030204" pitchFamily="34" charset="0"/>
+              </a:rPr>
+              <a:t>SyOdIM</a:t>
+            </a:r>
+            <a:r>
+              <a:rPr lang="es-ES" altLang="es-MX" sz="3200" dirty="0">
+                <a:solidFill>
+                  <a:srgbClr val="000000"/>
+                </a:solidFill>
+                <a:latin typeface="Calibri" panose="020F0502020204030204" pitchFamily="34" charset="0"/>
+                <a:cs typeface="Calibri" panose="020F0502020204030204" pitchFamily="34" charset="0"/>
+              </a:rPr>
+              <a:t> esta construido en los lenguajes HTML, JAVASCRIPT, CSS y PHP apoyándonos en </a:t>
+            </a:r>
+            <a:r>
+              <a:rPr lang="es-ES" altLang="es-MX" sz="3200" u="sng" dirty="0">
+                <a:solidFill>
+                  <a:srgbClr val="000000"/>
+                </a:solidFill>
+                <a:latin typeface="Calibri" panose="020F0502020204030204" pitchFamily="34" charset="0"/>
+                <a:cs typeface="Calibri" panose="020F0502020204030204" pitchFamily="34" charset="0"/>
+              </a:rPr>
+              <a:t>el</a:t>
+            </a:r>
+            <a:r>
+              <a:rPr lang="es-ES" altLang="es-MX" sz="3200" dirty="0">
+                <a:solidFill>
+                  <a:srgbClr val="000000"/>
+                </a:solidFill>
+                <a:latin typeface="Calibri" panose="020F0502020204030204" pitchFamily="34" charset="0"/>
+                <a:cs typeface="Calibri" panose="020F0502020204030204" pitchFamily="34" charset="0"/>
+              </a:rPr>
+              <a:t> </a:t>
+            </a:r>
+            <a:r>
+              <a:rPr lang="es-ES" altLang="es-MX" sz="3200" dirty="0" err="1">
+                <a:solidFill>
+                  <a:srgbClr val="000000"/>
+                </a:solidFill>
+                <a:latin typeface="Calibri" panose="020F0502020204030204" pitchFamily="34" charset="0"/>
+                <a:cs typeface="Calibri" panose="020F0502020204030204" pitchFamily="34" charset="0"/>
+              </a:rPr>
+              <a:t>framework</a:t>
+            </a:r>
+            <a:r>
+              <a:rPr lang="es-ES" altLang="es-MX" sz="3200" dirty="0">
+                <a:solidFill>
+                  <a:srgbClr val="000000"/>
+                </a:solidFill>
+                <a:latin typeface="Calibri" panose="020F0502020204030204" pitchFamily="34" charset="0"/>
+                <a:cs typeface="Calibri" panose="020F0502020204030204" pitchFamily="34" charset="0"/>
+              </a:rPr>
+              <a:t> XAMPP, y utilizando la plataforma GITHUB para el control de versiones. </a:t>
+            </a:r>
+          </a:p>
+        </p:txBody>
+      </p:sp>
+      <p:sp>
+        <p:nvSpPr>
+          <p:cNvPr id="41" name="Rectangle 23">
+            <a:extLst>
+              <a:ext uri="{FF2B5EF4-FFF2-40B4-BE49-F238E27FC236}">
+                <a16:creationId xmlns:a16="http://schemas.microsoft.com/office/drawing/2014/main" id="{EC5740EC-249A-4E5B-B18F-D829F98D4C41}"/>
               </a:ext>
             </a:extLst>
           </p:cNvPr>
@@ -15602,8 +16399,8 @@
         </p:nvSpPr>
         <p:spPr bwMode="auto">
           <a:xfrm>
-            <a:off x="420687" y="3963043"/>
-            <a:ext cx="10164763" cy="3742038"/>
+            <a:off x="421357" y="9410621"/>
+            <a:ext cx="10164763" cy="3100956"/>
           </a:xfrm>
           <a:prstGeom prst="rect">
             <a:avLst/>
@@ -16014,10 +16811,10 @@
       </p:sp>
       <p:sp>
         <p:nvSpPr>
-          <p:cNvPr id="40" name="CuadroTexto 39">
+          <p:cNvPr id="42" name="CuadroTexto 41">
             <a:extLst>
               <a:ext uri="{FF2B5EF4-FFF2-40B4-BE49-F238E27FC236}">
-                <a16:creationId xmlns:a16="http://schemas.microsoft.com/office/drawing/2014/main" id="{B086BEB9-538E-4287-812F-736F388B5EA6}"/>
+                <a16:creationId xmlns:a16="http://schemas.microsoft.com/office/drawing/2014/main" id="{161F8EE5-A5CC-458C-8F37-7B2BB19AB344}"/>
               </a:ext>
             </a:extLst>
           </p:cNvPr>
@@ -16026,7 +16823,7 @@
         </p:nvSpPr>
         <p:spPr>
           <a:xfrm>
-            <a:off x="563958" y="4021635"/>
+            <a:off x="505000" y="9482629"/>
             <a:ext cx="9936162" cy="3046988"/>
           </a:xfrm>
           <a:prstGeom prst="rect">
@@ -16049,37 +16846,30 @@
                 <a:latin typeface="Calibri" panose="020F0502020204030204" pitchFamily="34" charset="0"/>
                 <a:cs typeface="Calibri" panose="020F0502020204030204" pitchFamily="34" charset="0"/>
               </a:rPr>
-              <a:t>El Sistema de Venta –Inventario (SVI) desarrollado para la empresa </a:t>
+              <a:t>Desarrollar un SVI con las especificaciones pedidas del cliente, con un diseño intuitivo, rapidez y fiabilidad y así poder asegurar el aumento de ventas.</a:t>
             </a:r>
+          </a:p>
+          <a:p>
+            <a:pPr algn="just"/>
             <a:r>
-              <a:rPr lang="es-ES" sz="3200" dirty="0" err="1">
-                <a:solidFill>
-                  <a:schemeClr val="tx1"/>
+              <a:rPr lang="es-ES" altLang="es-MX" sz="3200" dirty="0">
+                <a:solidFill>
+                  <a:srgbClr val="000000"/>
                 </a:solidFill>
                 <a:latin typeface="Calibri" panose="020F0502020204030204" pitchFamily="34" charset="0"/>
                 <a:cs typeface="Calibri" panose="020F0502020204030204" pitchFamily="34" charset="0"/>
               </a:rPr>
-              <a:t>SyOdM</a:t>
-            </a:r>
-            <a:r>
-              <a:rPr lang="es-ES" altLang="es-MX" sz="3200" dirty="0">
-                <a:solidFill>
-                  <a:srgbClr val="000000"/>
-                </a:solidFill>
-                <a:latin typeface="Calibri" panose="020F0502020204030204" pitchFamily="34" charset="0"/>
-                <a:cs typeface="Calibri" panose="020F0502020204030204" pitchFamily="34" charset="0"/>
-              </a:rPr>
-              <a:t> esta construido en los lenguajes HTML, JAVA SCRIPT, CSS,PHP y funge como una herramienta que va a facilitar la interacción Interfaz-Usuario en situaciones de la vida cotidiana para poder agilizar el trabajo realizado en la empresa.</a:t>
+              <a:t>El sistema funge como una herramienta que va a facilitar y aumentar la venta de productos, alcanzando a mas clientes y facilitando su interacción con la tienda.</a:t>
             </a:r>
           </a:p>
         </p:txBody>
       </p:sp>
       <p:sp>
         <p:nvSpPr>
-          <p:cNvPr id="41" name="Rectangle 23">
+          <p:cNvPr id="43" name="Rectangle 6">
             <a:extLst>
               <a:ext uri="{FF2B5EF4-FFF2-40B4-BE49-F238E27FC236}">
-                <a16:creationId xmlns:a16="http://schemas.microsoft.com/office/drawing/2014/main" id="{EC5740EC-249A-4E5B-B18F-D829F98D4C41}"/>
+                <a16:creationId xmlns:a16="http://schemas.microsoft.com/office/drawing/2014/main" id="{B32FB1F6-6F24-40BE-A4EE-50D46C5F857A}"/>
               </a:ext>
             </a:extLst>
           </p:cNvPr>
@@ -16090,8 +16880,529 @@
         </p:nvSpPr>
         <p:spPr bwMode="auto">
           <a:xfrm>
-            <a:off x="421357" y="9001225"/>
-            <a:ext cx="10164763" cy="2174740"/>
+            <a:off x="420688" y="12961665"/>
+            <a:ext cx="10164763" cy="1017040"/>
+          </a:xfrm>
+          <a:prstGeom prst="rect">
+            <a:avLst/>
+          </a:prstGeom>
+          <a:solidFill>
+            <a:srgbClr val="0F355A"/>
+          </a:solidFill>
+          <a:ln w="9360" cap="sq">
+            <a:solidFill>
+              <a:srgbClr val="000000"/>
+            </a:solidFill>
+            <a:miter lim="800000"/>
+            <a:headEnd/>
+            <a:tailEnd/>
+          </a:ln>
+          <a:effectLst/>
+          <a:extLst>
+            <a:ext uri="{AF507438-7753-43E0-B8FC-AC1667EBCBE1}">
+              <a14:hiddenEffects xmlns:a14="http://schemas.microsoft.com/office/drawing/2010/main">
+                <a:effectLst>
+                  <a:outerShdw dist="35921" dir="2700000" algn="ctr" rotWithShape="0">
+                    <a:srgbClr val="808080"/>
+                  </a:outerShdw>
+                </a:effectLst>
+              </a14:hiddenEffects>
+            </a:ext>
+          </a:extLst>
+        </p:spPr>
+        <p:txBody>
+          <a:bodyPr wrap="none" anchor="ctr"/>
+          <a:lstStyle/>
+          <a:p>
+            <a:endParaRPr lang="es-MX"/>
+          </a:p>
+        </p:txBody>
+      </p:sp>
+      <p:sp>
+        <p:nvSpPr>
+          <p:cNvPr id="44" name="Text Box 4">
+            <a:extLst>
+              <a:ext uri="{FF2B5EF4-FFF2-40B4-BE49-F238E27FC236}">
+                <a16:creationId xmlns:a16="http://schemas.microsoft.com/office/drawing/2014/main" id="{EFBC4037-6067-4824-AC68-9733786CE250}"/>
+              </a:ext>
+            </a:extLst>
+          </p:cNvPr>
+          <p:cNvSpPr txBox="1">
+            <a:spLocks noChangeArrowheads="1"/>
+          </p:cNvSpPr>
+          <p:nvPr/>
+        </p:nvSpPr>
+        <p:spPr bwMode="auto">
+          <a:xfrm>
+            <a:off x="497558" y="13121455"/>
+            <a:ext cx="10088562" cy="642937"/>
+          </a:xfrm>
+          <a:prstGeom prst="rect">
+            <a:avLst/>
+          </a:prstGeom>
+          <a:noFill/>
+          <a:ln>
+            <a:noFill/>
+          </a:ln>
+          <a:effectLst/>
+          <a:extLst>
+            <a:ext uri="{909E8E84-426E-40DD-AFC4-6F175D3DCCD1}">
+              <a14:hiddenFill xmlns:a14="http://schemas.microsoft.com/office/drawing/2010/main">
+                <a:solidFill>
+                  <a:srgbClr val="FFFFFF"/>
+                </a:solidFill>
+              </a14:hiddenFill>
+            </a:ext>
+            <a:ext uri="{91240B29-F687-4F45-9708-019B960494DF}">
+              <a14:hiddenLine xmlns:a14="http://schemas.microsoft.com/office/drawing/2010/main" w="9525" cap="flat">
+                <a:solidFill>
+                  <a:srgbClr val="3465A4"/>
+                </a:solidFill>
+                <a:round/>
+                <a:headEnd/>
+                <a:tailEnd/>
+              </a14:hiddenLine>
+            </a:ext>
+            <a:ext uri="{AF507438-7753-43E0-B8FC-AC1667EBCBE1}">
+              <a14:hiddenEffects xmlns:a14="http://schemas.microsoft.com/office/drawing/2010/main">
+                <a:effectLst>
+                  <a:outerShdw dist="35921" dir="2700000" algn="ctr" rotWithShape="0">
+                    <a:srgbClr val="808080"/>
+                  </a:outerShdw>
+                </a:effectLst>
+              </a14:hiddenEffects>
+            </a:ext>
+          </a:extLst>
+        </p:spPr>
+        <p:txBody>
+          <a:bodyPr lIns="90000" tIns="46800" rIns="90000" bIns="46800">
+            <a:spAutoFit/>
+          </a:bodyPr>
+          <a:lstStyle>
+            <a:lvl1pPr>
+              <a:tabLst>
+                <a:tab pos="0" algn="l"/>
+                <a:tab pos="447675" algn="l"/>
+                <a:tab pos="896938" algn="l"/>
+                <a:tab pos="1346200" algn="l"/>
+                <a:tab pos="1795463" algn="l"/>
+                <a:tab pos="2244725" algn="l"/>
+                <a:tab pos="2693988" algn="l"/>
+                <a:tab pos="3143250" algn="l"/>
+                <a:tab pos="3592513" algn="l"/>
+                <a:tab pos="4041775" algn="l"/>
+                <a:tab pos="4491038" algn="l"/>
+                <a:tab pos="4940300" algn="l"/>
+                <a:tab pos="5389563" algn="l"/>
+                <a:tab pos="5838825" algn="l"/>
+                <a:tab pos="6288088" algn="l"/>
+                <a:tab pos="6737350" algn="l"/>
+                <a:tab pos="7186613" algn="l"/>
+                <a:tab pos="7635875" algn="l"/>
+                <a:tab pos="8085138" algn="l"/>
+                <a:tab pos="8534400" algn="l"/>
+                <a:tab pos="8983663" algn="l"/>
+                <a:tab pos="8985250" algn="l"/>
+                <a:tab pos="9434513" algn="l"/>
+                <a:tab pos="9883775" algn="l"/>
+              </a:tabLst>
+              <a:defRPr>
+                <a:solidFill>
+                  <a:srgbClr val="FFFFFF"/>
+                </a:solidFill>
+                <a:latin typeface="Arial" panose="020B0604020202020204" pitchFamily="34" charset="0"/>
+                <a:cs typeface="Arial" panose="020B0604020202020204" pitchFamily="34" charset="0"/>
+              </a:defRPr>
+            </a:lvl1pPr>
+            <a:lvl2pPr>
+              <a:tabLst>
+                <a:tab pos="0" algn="l"/>
+                <a:tab pos="447675" algn="l"/>
+                <a:tab pos="896938" algn="l"/>
+                <a:tab pos="1346200" algn="l"/>
+                <a:tab pos="1795463" algn="l"/>
+                <a:tab pos="2244725" algn="l"/>
+                <a:tab pos="2693988" algn="l"/>
+                <a:tab pos="3143250" algn="l"/>
+                <a:tab pos="3592513" algn="l"/>
+                <a:tab pos="4041775" algn="l"/>
+                <a:tab pos="4491038" algn="l"/>
+                <a:tab pos="4940300" algn="l"/>
+                <a:tab pos="5389563" algn="l"/>
+                <a:tab pos="5838825" algn="l"/>
+                <a:tab pos="6288088" algn="l"/>
+                <a:tab pos="6737350" algn="l"/>
+                <a:tab pos="7186613" algn="l"/>
+                <a:tab pos="7635875" algn="l"/>
+                <a:tab pos="8085138" algn="l"/>
+                <a:tab pos="8534400" algn="l"/>
+                <a:tab pos="8983663" algn="l"/>
+                <a:tab pos="8985250" algn="l"/>
+                <a:tab pos="9434513" algn="l"/>
+                <a:tab pos="9883775" algn="l"/>
+              </a:tabLst>
+              <a:defRPr>
+                <a:solidFill>
+                  <a:srgbClr val="FFFFFF"/>
+                </a:solidFill>
+                <a:latin typeface="Arial" panose="020B0604020202020204" pitchFamily="34" charset="0"/>
+                <a:cs typeface="Arial" panose="020B0604020202020204" pitchFamily="34" charset="0"/>
+              </a:defRPr>
+            </a:lvl2pPr>
+            <a:lvl3pPr>
+              <a:tabLst>
+                <a:tab pos="0" algn="l"/>
+                <a:tab pos="447675" algn="l"/>
+                <a:tab pos="896938" algn="l"/>
+                <a:tab pos="1346200" algn="l"/>
+                <a:tab pos="1795463" algn="l"/>
+                <a:tab pos="2244725" algn="l"/>
+                <a:tab pos="2693988" algn="l"/>
+                <a:tab pos="3143250" algn="l"/>
+                <a:tab pos="3592513" algn="l"/>
+                <a:tab pos="4041775" algn="l"/>
+                <a:tab pos="4491038" algn="l"/>
+                <a:tab pos="4940300" algn="l"/>
+                <a:tab pos="5389563" algn="l"/>
+                <a:tab pos="5838825" algn="l"/>
+                <a:tab pos="6288088" algn="l"/>
+                <a:tab pos="6737350" algn="l"/>
+                <a:tab pos="7186613" algn="l"/>
+                <a:tab pos="7635875" algn="l"/>
+                <a:tab pos="8085138" algn="l"/>
+                <a:tab pos="8534400" algn="l"/>
+                <a:tab pos="8983663" algn="l"/>
+                <a:tab pos="8985250" algn="l"/>
+                <a:tab pos="9434513" algn="l"/>
+                <a:tab pos="9883775" algn="l"/>
+              </a:tabLst>
+              <a:defRPr>
+                <a:solidFill>
+                  <a:srgbClr val="FFFFFF"/>
+                </a:solidFill>
+                <a:latin typeface="Arial" panose="020B0604020202020204" pitchFamily="34" charset="0"/>
+                <a:cs typeface="Arial" panose="020B0604020202020204" pitchFamily="34" charset="0"/>
+              </a:defRPr>
+            </a:lvl3pPr>
+            <a:lvl4pPr>
+              <a:tabLst>
+                <a:tab pos="0" algn="l"/>
+                <a:tab pos="447675" algn="l"/>
+                <a:tab pos="896938" algn="l"/>
+                <a:tab pos="1346200" algn="l"/>
+                <a:tab pos="1795463" algn="l"/>
+                <a:tab pos="2244725" algn="l"/>
+                <a:tab pos="2693988" algn="l"/>
+                <a:tab pos="3143250" algn="l"/>
+                <a:tab pos="3592513" algn="l"/>
+                <a:tab pos="4041775" algn="l"/>
+                <a:tab pos="4491038" algn="l"/>
+                <a:tab pos="4940300" algn="l"/>
+                <a:tab pos="5389563" algn="l"/>
+                <a:tab pos="5838825" algn="l"/>
+                <a:tab pos="6288088" algn="l"/>
+                <a:tab pos="6737350" algn="l"/>
+                <a:tab pos="7186613" algn="l"/>
+                <a:tab pos="7635875" algn="l"/>
+                <a:tab pos="8085138" algn="l"/>
+                <a:tab pos="8534400" algn="l"/>
+                <a:tab pos="8983663" algn="l"/>
+                <a:tab pos="8985250" algn="l"/>
+                <a:tab pos="9434513" algn="l"/>
+                <a:tab pos="9883775" algn="l"/>
+              </a:tabLst>
+              <a:defRPr>
+                <a:solidFill>
+                  <a:srgbClr val="FFFFFF"/>
+                </a:solidFill>
+                <a:latin typeface="Arial" panose="020B0604020202020204" pitchFamily="34" charset="0"/>
+                <a:cs typeface="Arial" panose="020B0604020202020204" pitchFamily="34" charset="0"/>
+              </a:defRPr>
+            </a:lvl4pPr>
+            <a:lvl5pPr>
+              <a:tabLst>
+                <a:tab pos="0" algn="l"/>
+                <a:tab pos="447675" algn="l"/>
+                <a:tab pos="896938" algn="l"/>
+                <a:tab pos="1346200" algn="l"/>
+                <a:tab pos="1795463" algn="l"/>
+                <a:tab pos="2244725" algn="l"/>
+                <a:tab pos="2693988" algn="l"/>
+                <a:tab pos="3143250" algn="l"/>
+                <a:tab pos="3592513" algn="l"/>
+                <a:tab pos="4041775" algn="l"/>
+                <a:tab pos="4491038" algn="l"/>
+                <a:tab pos="4940300" algn="l"/>
+                <a:tab pos="5389563" algn="l"/>
+                <a:tab pos="5838825" algn="l"/>
+                <a:tab pos="6288088" algn="l"/>
+                <a:tab pos="6737350" algn="l"/>
+                <a:tab pos="7186613" algn="l"/>
+                <a:tab pos="7635875" algn="l"/>
+                <a:tab pos="8085138" algn="l"/>
+                <a:tab pos="8534400" algn="l"/>
+                <a:tab pos="8983663" algn="l"/>
+                <a:tab pos="8985250" algn="l"/>
+                <a:tab pos="9434513" algn="l"/>
+                <a:tab pos="9883775" algn="l"/>
+              </a:tabLst>
+              <a:defRPr>
+                <a:solidFill>
+                  <a:srgbClr val="FFFFFF"/>
+                </a:solidFill>
+                <a:latin typeface="Arial" panose="020B0604020202020204" pitchFamily="34" charset="0"/>
+                <a:cs typeface="Arial" panose="020B0604020202020204" pitchFamily="34" charset="0"/>
+              </a:defRPr>
+            </a:lvl5pPr>
+            <a:lvl6pPr marL="2514600" indent="-228600" defTabSz="449263" eaLnBrk="0" fontAlgn="base" hangingPunct="0">
+              <a:spcBef>
+                <a:spcPct val="0"/>
+              </a:spcBef>
+              <a:spcAft>
+                <a:spcPct val="0"/>
+              </a:spcAft>
+              <a:buClr>
+                <a:srgbClr val="000000"/>
+              </a:buClr>
+              <a:buSzPct val="100000"/>
+              <a:buFont typeface="Times New Roman" panose="02020603050405020304" pitchFamily="18" charset="0"/>
+              <a:tabLst>
+                <a:tab pos="0" algn="l"/>
+                <a:tab pos="447675" algn="l"/>
+                <a:tab pos="896938" algn="l"/>
+                <a:tab pos="1346200" algn="l"/>
+                <a:tab pos="1795463" algn="l"/>
+                <a:tab pos="2244725" algn="l"/>
+                <a:tab pos="2693988" algn="l"/>
+                <a:tab pos="3143250" algn="l"/>
+                <a:tab pos="3592513" algn="l"/>
+                <a:tab pos="4041775" algn="l"/>
+                <a:tab pos="4491038" algn="l"/>
+                <a:tab pos="4940300" algn="l"/>
+                <a:tab pos="5389563" algn="l"/>
+                <a:tab pos="5838825" algn="l"/>
+                <a:tab pos="6288088" algn="l"/>
+                <a:tab pos="6737350" algn="l"/>
+                <a:tab pos="7186613" algn="l"/>
+                <a:tab pos="7635875" algn="l"/>
+                <a:tab pos="8085138" algn="l"/>
+                <a:tab pos="8534400" algn="l"/>
+                <a:tab pos="8983663" algn="l"/>
+                <a:tab pos="8985250" algn="l"/>
+                <a:tab pos="9434513" algn="l"/>
+                <a:tab pos="9883775" algn="l"/>
+              </a:tabLst>
+              <a:defRPr>
+                <a:solidFill>
+                  <a:srgbClr val="FFFFFF"/>
+                </a:solidFill>
+                <a:latin typeface="Arial" panose="020B0604020202020204" pitchFamily="34" charset="0"/>
+                <a:cs typeface="Arial" panose="020B0604020202020204" pitchFamily="34" charset="0"/>
+              </a:defRPr>
+            </a:lvl6pPr>
+            <a:lvl7pPr marL="2971800" indent="-228600" defTabSz="449263" eaLnBrk="0" fontAlgn="base" hangingPunct="0">
+              <a:spcBef>
+                <a:spcPct val="0"/>
+              </a:spcBef>
+              <a:spcAft>
+                <a:spcPct val="0"/>
+              </a:spcAft>
+              <a:buClr>
+                <a:srgbClr val="000000"/>
+              </a:buClr>
+              <a:buSzPct val="100000"/>
+              <a:buFont typeface="Times New Roman" panose="02020603050405020304" pitchFamily="18" charset="0"/>
+              <a:tabLst>
+                <a:tab pos="0" algn="l"/>
+                <a:tab pos="447675" algn="l"/>
+                <a:tab pos="896938" algn="l"/>
+                <a:tab pos="1346200" algn="l"/>
+                <a:tab pos="1795463" algn="l"/>
+                <a:tab pos="2244725" algn="l"/>
+                <a:tab pos="2693988" algn="l"/>
+                <a:tab pos="3143250" algn="l"/>
+                <a:tab pos="3592513" algn="l"/>
+                <a:tab pos="4041775" algn="l"/>
+                <a:tab pos="4491038" algn="l"/>
+                <a:tab pos="4940300" algn="l"/>
+                <a:tab pos="5389563" algn="l"/>
+                <a:tab pos="5838825" algn="l"/>
+                <a:tab pos="6288088" algn="l"/>
+                <a:tab pos="6737350" algn="l"/>
+                <a:tab pos="7186613" algn="l"/>
+                <a:tab pos="7635875" algn="l"/>
+                <a:tab pos="8085138" algn="l"/>
+                <a:tab pos="8534400" algn="l"/>
+                <a:tab pos="8983663" algn="l"/>
+                <a:tab pos="8985250" algn="l"/>
+                <a:tab pos="9434513" algn="l"/>
+                <a:tab pos="9883775" algn="l"/>
+              </a:tabLst>
+              <a:defRPr>
+                <a:solidFill>
+                  <a:srgbClr val="FFFFFF"/>
+                </a:solidFill>
+                <a:latin typeface="Arial" panose="020B0604020202020204" pitchFamily="34" charset="0"/>
+                <a:cs typeface="Arial" panose="020B0604020202020204" pitchFamily="34" charset="0"/>
+              </a:defRPr>
+            </a:lvl7pPr>
+            <a:lvl8pPr marL="3429000" indent="-228600" defTabSz="449263" eaLnBrk="0" fontAlgn="base" hangingPunct="0">
+              <a:spcBef>
+                <a:spcPct val="0"/>
+              </a:spcBef>
+              <a:spcAft>
+                <a:spcPct val="0"/>
+              </a:spcAft>
+              <a:buClr>
+                <a:srgbClr val="000000"/>
+              </a:buClr>
+              <a:buSzPct val="100000"/>
+              <a:buFont typeface="Times New Roman" panose="02020603050405020304" pitchFamily="18" charset="0"/>
+              <a:tabLst>
+                <a:tab pos="0" algn="l"/>
+                <a:tab pos="447675" algn="l"/>
+                <a:tab pos="896938" algn="l"/>
+                <a:tab pos="1346200" algn="l"/>
+                <a:tab pos="1795463" algn="l"/>
+                <a:tab pos="2244725" algn="l"/>
+                <a:tab pos="2693988" algn="l"/>
+                <a:tab pos="3143250" algn="l"/>
+                <a:tab pos="3592513" algn="l"/>
+                <a:tab pos="4041775" algn="l"/>
+                <a:tab pos="4491038" algn="l"/>
+                <a:tab pos="4940300" algn="l"/>
+                <a:tab pos="5389563" algn="l"/>
+                <a:tab pos="5838825" algn="l"/>
+                <a:tab pos="6288088" algn="l"/>
+                <a:tab pos="6737350" algn="l"/>
+                <a:tab pos="7186613" algn="l"/>
+                <a:tab pos="7635875" algn="l"/>
+                <a:tab pos="8085138" algn="l"/>
+                <a:tab pos="8534400" algn="l"/>
+                <a:tab pos="8983663" algn="l"/>
+                <a:tab pos="8985250" algn="l"/>
+                <a:tab pos="9434513" algn="l"/>
+                <a:tab pos="9883775" algn="l"/>
+              </a:tabLst>
+              <a:defRPr>
+                <a:solidFill>
+                  <a:srgbClr val="FFFFFF"/>
+                </a:solidFill>
+                <a:latin typeface="Arial" panose="020B0604020202020204" pitchFamily="34" charset="0"/>
+                <a:cs typeface="Arial" panose="020B0604020202020204" pitchFamily="34" charset="0"/>
+              </a:defRPr>
+            </a:lvl8pPr>
+            <a:lvl9pPr marL="3886200" indent="-228600" defTabSz="449263" eaLnBrk="0" fontAlgn="base" hangingPunct="0">
+              <a:spcBef>
+                <a:spcPct val="0"/>
+              </a:spcBef>
+              <a:spcAft>
+                <a:spcPct val="0"/>
+              </a:spcAft>
+              <a:buClr>
+                <a:srgbClr val="000000"/>
+              </a:buClr>
+              <a:buSzPct val="100000"/>
+              <a:buFont typeface="Times New Roman" panose="02020603050405020304" pitchFamily="18" charset="0"/>
+              <a:tabLst>
+                <a:tab pos="0" algn="l"/>
+                <a:tab pos="447675" algn="l"/>
+                <a:tab pos="896938" algn="l"/>
+                <a:tab pos="1346200" algn="l"/>
+                <a:tab pos="1795463" algn="l"/>
+                <a:tab pos="2244725" algn="l"/>
+                <a:tab pos="2693988" algn="l"/>
+                <a:tab pos="3143250" algn="l"/>
+                <a:tab pos="3592513" algn="l"/>
+                <a:tab pos="4041775" algn="l"/>
+                <a:tab pos="4491038" algn="l"/>
+                <a:tab pos="4940300" algn="l"/>
+                <a:tab pos="5389563" algn="l"/>
+                <a:tab pos="5838825" algn="l"/>
+                <a:tab pos="6288088" algn="l"/>
+                <a:tab pos="6737350" algn="l"/>
+                <a:tab pos="7186613" algn="l"/>
+                <a:tab pos="7635875" algn="l"/>
+                <a:tab pos="8085138" algn="l"/>
+                <a:tab pos="8534400" algn="l"/>
+                <a:tab pos="8983663" algn="l"/>
+                <a:tab pos="8985250" algn="l"/>
+                <a:tab pos="9434513" algn="l"/>
+                <a:tab pos="9883775" algn="l"/>
+              </a:tabLst>
+              <a:defRPr>
+                <a:solidFill>
+                  <a:srgbClr val="FFFFFF"/>
+                </a:solidFill>
+                <a:latin typeface="Arial" panose="020B0604020202020204" pitchFamily="34" charset="0"/>
+                <a:cs typeface="Arial" panose="020B0604020202020204" pitchFamily="34" charset="0"/>
+              </a:defRPr>
+            </a:lvl9pPr>
+          </a:lstStyle>
+          <a:p>
+            <a:pPr eaLnBrk="1" hangingPunct="1">
+              <a:spcBef>
+                <a:spcPts val="2250"/>
+              </a:spcBef>
+              <a:buClrTx/>
+              <a:buFontTx/>
+              <a:buNone/>
+            </a:pPr>
+            <a:r>
+              <a:rPr lang="es-ES" altLang="es-MX" sz="3600" b="1" dirty="0">
+                <a:latin typeface="Myriad Pro" pitchFamily="32" charset="0"/>
+              </a:rPr>
+              <a:t>Requerimientos</a:t>
+            </a:r>
+          </a:p>
+        </p:txBody>
+      </p:sp>
+      <p:graphicFrame>
+        <p:nvGraphicFramePr>
+          <p:cNvPr id="8" name="Diagrama 7">
+            <a:extLst>
+              <a:ext uri="{FF2B5EF4-FFF2-40B4-BE49-F238E27FC236}">
+                <a16:creationId xmlns:a16="http://schemas.microsoft.com/office/drawing/2014/main" id="{B0BE0EBE-8A86-4ADC-B00B-A7B498738E24}"/>
+              </a:ext>
+            </a:extLst>
+          </p:cNvPr>
+          <p:cNvGraphicFramePr/>
+          <p:nvPr>
+            <p:extLst>
+              <p:ext uri="{D42A27DB-BD31-4B8C-83A1-F6EECF244321}">
+                <p14:modId xmlns:p14="http://schemas.microsoft.com/office/powerpoint/2010/main" val="1073476286"/>
+              </p:ext>
+            </p:extLst>
+          </p:nvPr>
+        </p:nvGraphicFramePr>
+        <p:xfrm>
+          <a:off x="429409" y="13534504"/>
+          <a:ext cx="10070712" cy="9364265"/>
+        </p:xfrm>
+        <a:graphic>
+          <a:graphicData uri="http://schemas.openxmlformats.org/drawingml/2006/diagram">
+            <dgm:relIds xmlns:dgm="http://schemas.openxmlformats.org/drawingml/2006/diagram" xmlns:r="http://schemas.openxmlformats.org/officeDocument/2006/relationships" r:dm="rId11" r:lo="rId12" r:qs="rId13" r:cs="rId14"/>
+          </a:graphicData>
+        </a:graphic>
+      </p:graphicFrame>
+      <p:sp>
+        <p:nvSpPr>
+          <p:cNvPr id="50" name="Rectangle 23">
+            <a:extLst>
+              <a:ext uri="{FF2B5EF4-FFF2-40B4-BE49-F238E27FC236}">
+                <a16:creationId xmlns:a16="http://schemas.microsoft.com/office/drawing/2014/main" id="{B31FDD89-95C9-4890-B3FD-EDC50FB2EFA4}"/>
+              </a:ext>
+            </a:extLst>
+          </p:cNvPr>
+          <p:cNvSpPr>
+            <a:spLocks noChangeArrowheads="1"/>
+          </p:cNvSpPr>
+          <p:nvPr/>
+        </p:nvSpPr>
+        <p:spPr bwMode="auto">
+          <a:xfrm>
+            <a:off x="11018170" y="2773363"/>
+            <a:ext cx="10164763" cy="6784945"/>
           </a:xfrm>
           <a:prstGeom prst="rect">
             <a:avLst/>
@@ -16500,12 +17811,59 @@
           </a:p>
         </p:txBody>
       </p:sp>
+      <p:pic>
+        <p:nvPicPr>
+          <p:cNvPr id="3103" name="Picture 31" descr="https://lh6.googleusercontent.com/b7N5obfXFbQ1IMWEsR01sESR4XfKWyyboMyg5bpXW75l2cTCEHzK0RymBMvLm1lHYJO5AMHUiEila4S3ZWZ_ZORjfXFMZliZMoKg7TJuroUd7f15HS2mzgYkwAWVtlpD__ZZ_iE3">
+            <a:extLst>
+              <a:ext uri="{FF2B5EF4-FFF2-40B4-BE49-F238E27FC236}">
+                <a16:creationId xmlns:a16="http://schemas.microsoft.com/office/drawing/2014/main" id="{CB75E84D-C5D7-46D1-A536-F99B159E286B}"/>
+              </a:ext>
+            </a:extLst>
+          </p:cNvPr>
+          <p:cNvPicPr>
+            <a:picLocks noChangeAspect="1" noChangeArrowheads="1"/>
+          </p:cNvPicPr>
+          <p:nvPr/>
+        </p:nvPicPr>
+        <p:blipFill>
+          <a:blip r:embed="rId16">
+            <a:extLst>
+              <a:ext uri="{28A0092B-C50C-407E-A947-70E740481C1C}">
+                <a14:useLocalDpi xmlns:a14="http://schemas.microsoft.com/office/drawing/2010/main" val="0"/>
+              </a:ext>
+            </a:extLst>
+          </a:blip>
+          <a:srcRect/>
+          <a:stretch>
+            <a:fillRect/>
+          </a:stretch>
+        </p:blipFill>
+        <p:spPr bwMode="auto">
+          <a:xfrm>
+            <a:off x="11090176" y="3460503"/>
+            <a:ext cx="9921700" cy="5814646"/>
+          </a:xfrm>
+          <a:prstGeom prst="rect">
+            <a:avLst/>
+          </a:prstGeom>
+          <a:noFill/>
+          <a:extLst>
+            <a:ext uri="{909E8E84-426E-40DD-AFC4-6F175D3DCCD1}">
+              <a14:hiddenFill xmlns:a14="http://schemas.microsoft.com/office/drawing/2010/main">
+                <a:solidFill>
+                  <a:srgbClr val="FFFFFF"/>
+                </a:solidFill>
+              </a14:hiddenFill>
+            </a:ext>
+          </a:extLst>
+        </p:spPr>
+      </p:pic>
       <p:sp>
         <p:nvSpPr>
-          <p:cNvPr id="42" name="CuadroTexto 41">
+          <p:cNvPr id="10" name="CuadroTexto 9">
             <a:extLst>
               <a:ext uri="{FF2B5EF4-FFF2-40B4-BE49-F238E27FC236}">
-                <a16:creationId xmlns:a16="http://schemas.microsoft.com/office/drawing/2014/main" id="{161F8EE5-A5CC-458C-8F37-7B2BB19AB344}"/>
+                <a16:creationId xmlns:a16="http://schemas.microsoft.com/office/drawing/2014/main" id="{199FB6B8-2B2B-4016-A3B6-CF5AF17E4F60}"/>
               </a:ext>
             </a:extLst>
           </p:cNvPr>
@@ -16514,8 +17872,8 @@
         </p:nvSpPr>
         <p:spPr>
           <a:xfrm>
-            <a:off x="505000" y="9073233"/>
-            <a:ext cx="9936162" cy="2062103"/>
+            <a:off x="11096875" y="2919413"/>
+            <a:ext cx="9931150" cy="584775"/>
           </a:xfrm>
           <a:prstGeom prst="rect">
             <a:avLst/>
@@ -16528,26 +17886,26 @@
           </a:bodyPr>
           <a:lstStyle/>
           <a:p>
-            <a:pPr algn="just"/>
+            <a:pPr algn="ctr"/>
             <a:r>
-              <a:rPr lang="es-ES" altLang="es-MX" sz="3200" dirty="0">
-                <a:solidFill>
-                  <a:srgbClr val="000000"/>
+              <a:rPr lang="es-MX" sz="3200" b="1" dirty="0">
+                <a:solidFill>
+                  <a:schemeClr val="tx1"/>
                 </a:solidFill>
                 <a:latin typeface="Calibri" panose="020F0502020204030204" pitchFamily="34" charset="0"/>
                 <a:cs typeface="Calibri" panose="020F0502020204030204" pitchFamily="34" charset="0"/>
               </a:rPr>
-              <a:t>Desarrollar un SVI, no solo con las especificaciones del cliente, si no también el poder optimizar el flujo, la interfaz y el mantenimiento para diferentes áreas de trabajo del sistema futuras.</a:t>
+              <a:t>Diagrama de base de datos</a:t>
             </a:r>
           </a:p>
         </p:txBody>
       </p:sp>
       <p:sp>
         <p:nvSpPr>
-          <p:cNvPr id="43" name="Rectangle 6">
+          <p:cNvPr id="56" name="Rectangle 12">
             <a:extLst>
               <a:ext uri="{FF2B5EF4-FFF2-40B4-BE49-F238E27FC236}">
-                <a16:creationId xmlns:a16="http://schemas.microsoft.com/office/drawing/2014/main" id="{B32FB1F6-6F24-40BE-A4EE-50D46C5F857A}"/>
+                <a16:creationId xmlns:a16="http://schemas.microsoft.com/office/drawing/2014/main" id="{08386481-5C24-4CB5-995B-CFD5ACA6037C}"/>
               </a:ext>
             </a:extLst>
           </p:cNvPr>
@@ -16558,8 +17916,8 @@
         </p:nvSpPr>
         <p:spPr bwMode="auto">
           <a:xfrm>
-            <a:off x="420688" y="11593513"/>
-            <a:ext cx="10164763" cy="1017040"/>
+            <a:off x="11070069" y="17803854"/>
+            <a:ext cx="10166350" cy="1044575"/>
           </a:xfrm>
           <a:prstGeom prst="rect">
             <a:avLst/>
@@ -16598,10 +17956,10 @@
       </p:sp>
       <p:sp>
         <p:nvSpPr>
-          <p:cNvPr id="44" name="Text Box 4">
+          <p:cNvPr id="57" name="Text Box 13">
             <a:extLst>
               <a:ext uri="{FF2B5EF4-FFF2-40B4-BE49-F238E27FC236}">
-                <a16:creationId xmlns:a16="http://schemas.microsoft.com/office/drawing/2014/main" id="{EFBC4037-6067-4824-AC68-9733786CE250}"/>
+                <a16:creationId xmlns:a16="http://schemas.microsoft.com/office/drawing/2014/main" id="{DC1A17CE-A063-4189-926C-0612DB57E211}"/>
               </a:ext>
             </a:extLst>
           </p:cNvPr>
@@ -16612,8 +17970,8 @@
         </p:nvSpPr>
         <p:spPr bwMode="auto">
           <a:xfrm>
-            <a:off x="497558" y="11753303"/>
-            <a:ext cx="10088562" cy="642937"/>
+            <a:off x="11212944" y="18019754"/>
+            <a:ext cx="10088562" cy="642938"/>
           </a:xfrm>
           <a:prstGeom prst="rect">
             <a:avLst/>
@@ -17030,45 +18388,53 @@
               <a:rPr lang="es-ES" altLang="es-MX" sz="3600" b="1" dirty="0">
                 <a:latin typeface="Myriad Pro" pitchFamily="32" charset="0"/>
               </a:rPr>
-              <a:t>Requerimientos</a:t>
+              <a:t>Análisis de riesgos</a:t>
             </a:r>
           </a:p>
         </p:txBody>
       </p:sp>
-      <p:graphicFrame>
-        <p:nvGraphicFramePr>
-          <p:cNvPr id="8" name="Diagrama 7">
+      <p:pic>
+        <p:nvPicPr>
+          <p:cNvPr id="12" name="Imagen 11">
             <a:extLst>
               <a:ext uri="{FF2B5EF4-FFF2-40B4-BE49-F238E27FC236}">
-                <a16:creationId xmlns:a16="http://schemas.microsoft.com/office/drawing/2014/main" id="{B0BE0EBE-8A86-4ADC-B00B-A7B498738E24}"/>
+                <a16:creationId xmlns:a16="http://schemas.microsoft.com/office/drawing/2014/main" id="{171FB81C-B528-4D9C-A7F0-B3E3C49377A6}"/>
               </a:ext>
             </a:extLst>
           </p:cNvPr>
-          <p:cNvGraphicFramePr/>
-          <p:nvPr>
-            <p:extLst>
-              <p:ext uri="{D42A27DB-BD31-4B8C-83A1-F6EECF244321}">
-                <p14:modId xmlns:p14="http://schemas.microsoft.com/office/powerpoint/2010/main" val="224009172"/>
-              </p:ext>
-            </p:extLst>
-          </p:nvPr>
-        </p:nvGraphicFramePr>
-        <p:xfrm>
-          <a:off x="429409" y="12166352"/>
-          <a:ext cx="10070712" cy="9364265"/>
-        </p:xfrm>
-        <a:graphic>
-          <a:graphicData uri="http://schemas.openxmlformats.org/drawingml/2006/diagram">
-            <dgm:relIds xmlns:dgm="http://schemas.openxmlformats.org/drawingml/2006/diagram" xmlns:r="http://schemas.openxmlformats.org/officeDocument/2006/relationships" r:dm="rId11" r:lo="rId12" r:qs="rId13" r:cs="rId14"/>
-          </a:graphicData>
-        </a:graphic>
-      </p:graphicFrame>
+          <p:cNvPicPr>
+            <a:picLocks noChangeAspect="1"/>
+          </p:cNvPicPr>
+          <p:nvPr/>
+        </p:nvPicPr>
+        <p:blipFill>
+          <a:blip r:embed="rId17">
+            <a:extLst>
+              <a:ext uri="{28A0092B-C50C-407E-A947-70E740481C1C}">
+                <a14:useLocalDpi xmlns:a14="http://schemas.microsoft.com/office/drawing/2010/main" val="0"/>
+              </a:ext>
+            </a:extLst>
+          </a:blip>
+          <a:stretch>
+            <a:fillRect/>
+          </a:stretch>
+        </p:blipFill>
+        <p:spPr>
+          <a:xfrm>
+            <a:off x="11175305" y="18878592"/>
+            <a:ext cx="9903521" cy="5514333"/>
+          </a:xfrm>
+          <a:prstGeom prst="rect">
+            <a:avLst/>
+          </a:prstGeom>
+        </p:spPr>
+      </p:pic>
       <p:sp>
         <p:nvSpPr>
-          <p:cNvPr id="50" name="Rectangle 23">
+          <p:cNvPr id="65" name="Rectangle 23">
             <a:extLst>
               <a:ext uri="{FF2B5EF4-FFF2-40B4-BE49-F238E27FC236}">
-                <a16:creationId xmlns:a16="http://schemas.microsoft.com/office/drawing/2014/main" id="{B31FDD89-95C9-4890-B3FD-EDC50FB2EFA4}"/>
+                <a16:creationId xmlns:a16="http://schemas.microsoft.com/office/drawing/2014/main" id="{4B5F695F-2FDB-4332-874C-6B5E9BF5D063}"/>
               </a:ext>
             </a:extLst>
           </p:cNvPr>
@@ -17079,8 +18445,8 @@
         </p:nvSpPr>
         <p:spPr bwMode="auto">
           <a:xfrm>
-            <a:off x="11018170" y="2773363"/>
-            <a:ext cx="10164763" cy="10188302"/>
+            <a:off x="11063680" y="25722750"/>
+            <a:ext cx="10180750" cy="5089728"/>
           </a:xfrm>
           <a:prstGeom prst="rect">
             <a:avLst/>
@@ -17489,1186 +18855,6 @@
           </a:p>
         </p:txBody>
       </p:sp>
-      <p:pic>
-        <p:nvPicPr>
-          <p:cNvPr id="3103" name="Picture 31" descr="https://lh6.googleusercontent.com/b7N5obfXFbQ1IMWEsR01sESR4XfKWyyboMyg5bpXW75l2cTCEHzK0RymBMvLm1lHYJO5AMHUiEila4S3ZWZ_ZORjfXFMZliZMoKg7TJuroUd7f15HS2mzgYkwAWVtlpD__ZZ_iE3">
-            <a:extLst>
-              <a:ext uri="{FF2B5EF4-FFF2-40B4-BE49-F238E27FC236}">
-                <a16:creationId xmlns:a16="http://schemas.microsoft.com/office/drawing/2014/main" id="{CB75E84D-C5D7-46D1-A536-F99B159E286B}"/>
-              </a:ext>
-            </a:extLst>
-          </p:cNvPr>
-          <p:cNvPicPr>
-            <a:picLocks noChangeAspect="1" noChangeArrowheads="1"/>
-          </p:cNvPicPr>
-          <p:nvPr/>
-        </p:nvPicPr>
-        <p:blipFill>
-          <a:blip r:embed="rId16">
-            <a:extLst>
-              <a:ext uri="{28A0092B-C50C-407E-A947-70E740481C1C}">
-                <a14:useLocalDpi xmlns:a14="http://schemas.microsoft.com/office/drawing/2010/main" val="0"/>
-              </a:ext>
-            </a:extLst>
-          </a:blip>
-          <a:srcRect/>
-          <a:stretch>
-            <a:fillRect/>
-          </a:stretch>
-        </p:blipFill>
-        <p:spPr bwMode="auto">
-          <a:xfrm>
-            <a:off x="11090176" y="3460503"/>
-            <a:ext cx="9921700" cy="5814646"/>
-          </a:xfrm>
-          <a:prstGeom prst="rect">
-            <a:avLst/>
-          </a:prstGeom>
-          <a:noFill/>
-          <a:extLst>
-            <a:ext uri="{909E8E84-426E-40DD-AFC4-6F175D3DCCD1}">
-              <a14:hiddenFill xmlns:a14="http://schemas.microsoft.com/office/drawing/2010/main">
-                <a:solidFill>
-                  <a:srgbClr val="FFFFFF"/>
-                </a:solidFill>
-              </a14:hiddenFill>
-            </a:ext>
-          </a:extLst>
-        </p:spPr>
-      </p:pic>
-      <p:sp>
-        <p:nvSpPr>
-          <p:cNvPr id="10" name="CuadroTexto 9">
-            <a:extLst>
-              <a:ext uri="{FF2B5EF4-FFF2-40B4-BE49-F238E27FC236}">
-                <a16:creationId xmlns:a16="http://schemas.microsoft.com/office/drawing/2014/main" id="{199FB6B8-2B2B-4016-A3B6-CF5AF17E4F60}"/>
-              </a:ext>
-            </a:extLst>
-          </p:cNvPr>
-          <p:cNvSpPr txBox="1"/>
-          <p:nvPr/>
-        </p:nvSpPr>
-        <p:spPr>
-          <a:xfrm>
-            <a:off x="11096875" y="2919413"/>
-            <a:ext cx="9931150" cy="584775"/>
-          </a:xfrm>
-          <a:prstGeom prst="rect">
-            <a:avLst/>
-          </a:prstGeom>
-          <a:noFill/>
-        </p:spPr>
-        <p:txBody>
-          <a:bodyPr wrap="square" rtlCol="0">
-            <a:spAutoFit/>
-          </a:bodyPr>
-          <a:lstStyle/>
-          <a:p>
-            <a:pPr algn="ctr"/>
-            <a:r>
-              <a:rPr lang="es-MX" sz="3200" b="1" dirty="0">
-                <a:solidFill>
-                  <a:schemeClr val="tx1"/>
-                </a:solidFill>
-                <a:latin typeface="Calibri" panose="020F0502020204030204" pitchFamily="34" charset="0"/>
-                <a:cs typeface="Calibri" panose="020F0502020204030204" pitchFamily="34" charset="0"/>
-              </a:rPr>
-              <a:t>Diagrama de base de datos</a:t>
-            </a:r>
-          </a:p>
-        </p:txBody>
-      </p:sp>
-      <p:pic>
-        <p:nvPicPr>
-          <p:cNvPr id="3105" name="Picture 33" descr="https://lh4.googleusercontent.com/_F-4_lnSR7VBuesg9am-U5klZ7vSgyfTF6Us2HWvCajizBGv0BKsaLkBIoMjI9zufd1TAkWef12zeZhZQyXFw-PgxuL5zWwTtryWWP5GgiU1C1a4Jfe5Q2guqXbG8zJGOM5sZ7d6">
-            <a:extLst>
-              <a:ext uri="{FF2B5EF4-FFF2-40B4-BE49-F238E27FC236}">
-                <a16:creationId xmlns:a16="http://schemas.microsoft.com/office/drawing/2014/main" id="{A3BCBF4F-8896-45ED-AF23-7B70CB9D797A}"/>
-              </a:ext>
-            </a:extLst>
-          </p:cNvPr>
-          <p:cNvPicPr>
-            <a:picLocks noChangeAspect="1" noChangeArrowheads="1"/>
-          </p:cNvPicPr>
-          <p:nvPr/>
-        </p:nvPicPr>
-        <p:blipFill>
-          <a:blip r:embed="rId17">
-            <a:extLst>
-              <a:ext uri="{28A0092B-C50C-407E-A947-70E740481C1C}">
-                <a14:useLocalDpi xmlns:a14="http://schemas.microsoft.com/office/drawing/2010/main" val="0"/>
-              </a:ext>
-            </a:extLst>
-          </a:blip>
-          <a:srcRect/>
-          <a:stretch>
-            <a:fillRect/>
-          </a:stretch>
-        </p:blipFill>
-        <p:spPr bwMode="auto">
-          <a:xfrm>
-            <a:off x="11109575" y="10009337"/>
-            <a:ext cx="4922198" cy="2705998"/>
-          </a:xfrm>
-          <a:prstGeom prst="rect">
-            <a:avLst/>
-          </a:prstGeom>
-          <a:noFill/>
-          <a:extLst>
-            <a:ext uri="{909E8E84-426E-40DD-AFC4-6F175D3DCCD1}">
-              <a14:hiddenFill xmlns:a14="http://schemas.microsoft.com/office/drawing/2010/main">
-                <a:solidFill>
-                  <a:srgbClr val="FFFFFF"/>
-                </a:solidFill>
-              </a14:hiddenFill>
-            </a:ext>
-          </a:extLst>
-        </p:spPr>
-      </p:pic>
-      <p:sp>
-        <p:nvSpPr>
-          <p:cNvPr id="54" name="CuadroTexto 53">
-            <a:extLst>
-              <a:ext uri="{FF2B5EF4-FFF2-40B4-BE49-F238E27FC236}">
-                <a16:creationId xmlns:a16="http://schemas.microsoft.com/office/drawing/2014/main" id="{126FDAE1-1CD1-438E-A64C-FDB6CF40D05B}"/>
-              </a:ext>
-            </a:extLst>
-          </p:cNvPr>
-          <p:cNvSpPr txBox="1"/>
-          <p:nvPr/>
-        </p:nvSpPr>
-        <p:spPr>
-          <a:xfrm>
-            <a:off x="11162184" y="9496570"/>
-            <a:ext cx="9931150" cy="584775"/>
-          </a:xfrm>
-          <a:prstGeom prst="rect">
-            <a:avLst/>
-          </a:prstGeom>
-          <a:noFill/>
-        </p:spPr>
-        <p:txBody>
-          <a:bodyPr wrap="square" rtlCol="0">
-            <a:spAutoFit/>
-          </a:bodyPr>
-          <a:lstStyle/>
-          <a:p>
-            <a:pPr algn="ctr"/>
-            <a:r>
-              <a:rPr lang="es-MX" sz="3200" b="1" dirty="0">
-                <a:solidFill>
-                  <a:schemeClr val="tx1"/>
-                </a:solidFill>
-                <a:latin typeface="Calibri" panose="020F0502020204030204" pitchFamily="34" charset="0"/>
-                <a:cs typeface="Calibri" panose="020F0502020204030204" pitchFamily="34" charset="0"/>
-              </a:rPr>
-              <a:t>Pantallas</a:t>
-            </a:r>
-          </a:p>
-        </p:txBody>
-      </p:sp>
-      <p:pic>
-        <p:nvPicPr>
-          <p:cNvPr id="3107" name="Picture 35" descr="https://lh3.googleusercontent.com/Pd9C1KTigLBhJ1hCwHlahO45p8lYHp3U3JTQ59hEYjY_t637ANNxwA-OQE4RCvz-fWiww5y0HM0R36JBinzCgZaYMTH-0XXsITfUA1_l_0suva_64lLMqk3h440fX1xx8zgRWJYR">
-            <a:extLst>
-              <a:ext uri="{FF2B5EF4-FFF2-40B4-BE49-F238E27FC236}">
-                <a16:creationId xmlns:a16="http://schemas.microsoft.com/office/drawing/2014/main" id="{3ABA1A5B-D2C9-475E-8968-014EA5E74845}"/>
-              </a:ext>
-            </a:extLst>
-          </p:cNvPr>
-          <p:cNvPicPr>
-            <a:picLocks noChangeAspect="1" noChangeArrowheads="1"/>
-          </p:cNvPicPr>
-          <p:nvPr/>
-        </p:nvPicPr>
-        <p:blipFill>
-          <a:blip r:embed="rId18">
-            <a:extLst>
-              <a:ext uri="{28A0092B-C50C-407E-A947-70E740481C1C}">
-                <a14:useLocalDpi xmlns:a14="http://schemas.microsoft.com/office/drawing/2010/main" val="0"/>
-              </a:ext>
-            </a:extLst>
-          </a:blip>
-          <a:srcRect/>
-          <a:stretch>
-            <a:fillRect/>
-          </a:stretch>
-        </p:blipFill>
-        <p:spPr bwMode="auto">
-          <a:xfrm>
-            <a:off x="16202744" y="9980340"/>
-            <a:ext cx="4809218" cy="2734995"/>
-          </a:xfrm>
-          <a:prstGeom prst="rect">
-            <a:avLst/>
-          </a:prstGeom>
-          <a:noFill/>
-          <a:extLst>
-            <a:ext uri="{909E8E84-426E-40DD-AFC4-6F175D3DCCD1}">
-              <a14:hiddenFill xmlns:a14="http://schemas.microsoft.com/office/drawing/2010/main">
-                <a:solidFill>
-                  <a:srgbClr val="FFFFFF"/>
-                </a:solidFill>
-              </a14:hiddenFill>
-            </a:ext>
-          </a:extLst>
-        </p:spPr>
-      </p:pic>
-      <p:sp>
-        <p:nvSpPr>
-          <p:cNvPr id="56" name="Rectangle 12">
-            <a:extLst>
-              <a:ext uri="{FF2B5EF4-FFF2-40B4-BE49-F238E27FC236}">
-                <a16:creationId xmlns:a16="http://schemas.microsoft.com/office/drawing/2014/main" id="{08386481-5C24-4CB5-995B-CFD5ACA6037C}"/>
-              </a:ext>
-            </a:extLst>
-          </p:cNvPr>
-          <p:cNvSpPr>
-            <a:spLocks noChangeArrowheads="1"/>
-          </p:cNvSpPr>
-          <p:nvPr/>
-        </p:nvSpPr>
-        <p:spPr bwMode="auto">
-          <a:xfrm>
-            <a:off x="11008570" y="13286855"/>
-            <a:ext cx="10166350" cy="1044575"/>
-          </a:xfrm>
-          <a:prstGeom prst="rect">
-            <a:avLst/>
-          </a:prstGeom>
-          <a:solidFill>
-            <a:srgbClr val="0F355A"/>
-          </a:solidFill>
-          <a:ln w="9360" cap="sq">
-            <a:solidFill>
-              <a:srgbClr val="000000"/>
-            </a:solidFill>
-            <a:miter lim="800000"/>
-            <a:headEnd/>
-            <a:tailEnd/>
-          </a:ln>
-          <a:effectLst/>
-          <a:extLst>
-            <a:ext uri="{AF507438-7753-43E0-B8FC-AC1667EBCBE1}">
-              <a14:hiddenEffects xmlns:a14="http://schemas.microsoft.com/office/drawing/2010/main">
-                <a:effectLst>
-                  <a:outerShdw dist="35921" dir="2700000" algn="ctr" rotWithShape="0">
-                    <a:srgbClr val="808080"/>
-                  </a:outerShdw>
-                </a:effectLst>
-              </a14:hiddenEffects>
-            </a:ext>
-          </a:extLst>
-        </p:spPr>
-        <p:txBody>
-          <a:bodyPr wrap="none" anchor="ctr"/>
-          <a:lstStyle/>
-          <a:p>
-            <a:endParaRPr lang="es-MX"/>
-          </a:p>
-        </p:txBody>
-      </p:sp>
-      <p:sp>
-        <p:nvSpPr>
-          <p:cNvPr id="57" name="Text Box 13">
-            <a:extLst>
-              <a:ext uri="{FF2B5EF4-FFF2-40B4-BE49-F238E27FC236}">
-                <a16:creationId xmlns:a16="http://schemas.microsoft.com/office/drawing/2014/main" id="{DC1A17CE-A063-4189-926C-0612DB57E211}"/>
-              </a:ext>
-            </a:extLst>
-          </p:cNvPr>
-          <p:cNvSpPr txBox="1">
-            <a:spLocks noChangeArrowheads="1"/>
-          </p:cNvSpPr>
-          <p:nvPr/>
-        </p:nvSpPr>
-        <p:spPr bwMode="auto">
-          <a:xfrm>
-            <a:off x="11151445" y="13502755"/>
-            <a:ext cx="10088562" cy="642938"/>
-          </a:xfrm>
-          <a:prstGeom prst="rect">
-            <a:avLst/>
-          </a:prstGeom>
-          <a:noFill/>
-          <a:ln>
-            <a:noFill/>
-          </a:ln>
-          <a:effectLst/>
-          <a:extLst>
-            <a:ext uri="{909E8E84-426E-40DD-AFC4-6F175D3DCCD1}">
-              <a14:hiddenFill xmlns:a14="http://schemas.microsoft.com/office/drawing/2010/main">
-                <a:solidFill>
-                  <a:srgbClr val="FFFFFF"/>
-                </a:solidFill>
-              </a14:hiddenFill>
-            </a:ext>
-            <a:ext uri="{91240B29-F687-4F45-9708-019B960494DF}">
-              <a14:hiddenLine xmlns:a14="http://schemas.microsoft.com/office/drawing/2010/main" w="9525" cap="flat">
-                <a:solidFill>
-                  <a:srgbClr val="3465A4"/>
-                </a:solidFill>
-                <a:round/>
-                <a:headEnd/>
-                <a:tailEnd/>
-              </a14:hiddenLine>
-            </a:ext>
-            <a:ext uri="{AF507438-7753-43E0-B8FC-AC1667EBCBE1}">
-              <a14:hiddenEffects xmlns:a14="http://schemas.microsoft.com/office/drawing/2010/main">
-                <a:effectLst>
-                  <a:outerShdw dist="35921" dir="2700000" algn="ctr" rotWithShape="0">
-                    <a:srgbClr val="808080"/>
-                  </a:outerShdw>
-                </a:effectLst>
-              </a14:hiddenEffects>
-            </a:ext>
-          </a:extLst>
-        </p:spPr>
-        <p:txBody>
-          <a:bodyPr lIns="90000" tIns="46800" rIns="90000" bIns="46800">
-            <a:spAutoFit/>
-          </a:bodyPr>
-          <a:lstStyle>
-            <a:lvl1pPr>
-              <a:tabLst>
-                <a:tab pos="0" algn="l"/>
-                <a:tab pos="447675" algn="l"/>
-                <a:tab pos="896938" algn="l"/>
-                <a:tab pos="1346200" algn="l"/>
-                <a:tab pos="1795463" algn="l"/>
-                <a:tab pos="2244725" algn="l"/>
-                <a:tab pos="2693988" algn="l"/>
-                <a:tab pos="3143250" algn="l"/>
-                <a:tab pos="3592513" algn="l"/>
-                <a:tab pos="4041775" algn="l"/>
-                <a:tab pos="4491038" algn="l"/>
-                <a:tab pos="4940300" algn="l"/>
-                <a:tab pos="5389563" algn="l"/>
-                <a:tab pos="5838825" algn="l"/>
-                <a:tab pos="6288088" algn="l"/>
-                <a:tab pos="6737350" algn="l"/>
-                <a:tab pos="7186613" algn="l"/>
-                <a:tab pos="7635875" algn="l"/>
-                <a:tab pos="8085138" algn="l"/>
-                <a:tab pos="8534400" algn="l"/>
-                <a:tab pos="8983663" algn="l"/>
-                <a:tab pos="8985250" algn="l"/>
-                <a:tab pos="9434513" algn="l"/>
-                <a:tab pos="9883775" algn="l"/>
-              </a:tabLst>
-              <a:defRPr>
-                <a:solidFill>
-                  <a:srgbClr val="FFFFFF"/>
-                </a:solidFill>
-                <a:latin typeface="Arial" panose="020B0604020202020204" pitchFamily="34" charset="0"/>
-                <a:cs typeface="Arial" panose="020B0604020202020204" pitchFamily="34" charset="0"/>
-              </a:defRPr>
-            </a:lvl1pPr>
-            <a:lvl2pPr>
-              <a:tabLst>
-                <a:tab pos="0" algn="l"/>
-                <a:tab pos="447675" algn="l"/>
-                <a:tab pos="896938" algn="l"/>
-                <a:tab pos="1346200" algn="l"/>
-                <a:tab pos="1795463" algn="l"/>
-                <a:tab pos="2244725" algn="l"/>
-                <a:tab pos="2693988" algn="l"/>
-                <a:tab pos="3143250" algn="l"/>
-                <a:tab pos="3592513" algn="l"/>
-                <a:tab pos="4041775" algn="l"/>
-                <a:tab pos="4491038" algn="l"/>
-                <a:tab pos="4940300" algn="l"/>
-                <a:tab pos="5389563" algn="l"/>
-                <a:tab pos="5838825" algn="l"/>
-                <a:tab pos="6288088" algn="l"/>
-                <a:tab pos="6737350" algn="l"/>
-                <a:tab pos="7186613" algn="l"/>
-                <a:tab pos="7635875" algn="l"/>
-                <a:tab pos="8085138" algn="l"/>
-                <a:tab pos="8534400" algn="l"/>
-                <a:tab pos="8983663" algn="l"/>
-                <a:tab pos="8985250" algn="l"/>
-                <a:tab pos="9434513" algn="l"/>
-                <a:tab pos="9883775" algn="l"/>
-              </a:tabLst>
-              <a:defRPr>
-                <a:solidFill>
-                  <a:srgbClr val="FFFFFF"/>
-                </a:solidFill>
-                <a:latin typeface="Arial" panose="020B0604020202020204" pitchFamily="34" charset="0"/>
-                <a:cs typeface="Arial" panose="020B0604020202020204" pitchFamily="34" charset="0"/>
-              </a:defRPr>
-            </a:lvl2pPr>
-            <a:lvl3pPr>
-              <a:tabLst>
-                <a:tab pos="0" algn="l"/>
-                <a:tab pos="447675" algn="l"/>
-                <a:tab pos="896938" algn="l"/>
-                <a:tab pos="1346200" algn="l"/>
-                <a:tab pos="1795463" algn="l"/>
-                <a:tab pos="2244725" algn="l"/>
-                <a:tab pos="2693988" algn="l"/>
-                <a:tab pos="3143250" algn="l"/>
-                <a:tab pos="3592513" algn="l"/>
-                <a:tab pos="4041775" algn="l"/>
-                <a:tab pos="4491038" algn="l"/>
-                <a:tab pos="4940300" algn="l"/>
-                <a:tab pos="5389563" algn="l"/>
-                <a:tab pos="5838825" algn="l"/>
-                <a:tab pos="6288088" algn="l"/>
-                <a:tab pos="6737350" algn="l"/>
-                <a:tab pos="7186613" algn="l"/>
-                <a:tab pos="7635875" algn="l"/>
-                <a:tab pos="8085138" algn="l"/>
-                <a:tab pos="8534400" algn="l"/>
-                <a:tab pos="8983663" algn="l"/>
-                <a:tab pos="8985250" algn="l"/>
-                <a:tab pos="9434513" algn="l"/>
-                <a:tab pos="9883775" algn="l"/>
-              </a:tabLst>
-              <a:defRPr>
-                <a:solidFill>
-                  <a:srgbClr val="FFFFFF"/>
-                </a:solidFill>
-                <a:latin typeface="Arial" panose="020B0604020202020204" pitchFamily="34" charset="0"/>
-                <a:cs typeface="Arial" panose="020B0604020202020204" pitchFamily="34" charset="0"/>
-              </a:defRPr>
-            </a:lvl3pPr>
-            <a:lvl4pPr>
-              <a:tabLst>
-                <a:tab pos="0" algn="l"/>
-                <a:tab pos="447675" algn="l"/>
-                <a:tab pos="896938" algn="l"/>
-                <a:tab pos="1346200" algn="l"/>
-                <a:tab pos="1795463" algn="l"/>
-                <a:tab pos="2244725" algn="l"/>
-                <a:tab pos="2693988" algn="l"/>
-                <a:tab pos="3143250" algn="l"/>
-                <a:tab pos="3592513" algn="l"/>
-                <a:tab pos="4041775" algn="l"/>
-                <a:tab pos="4491038" algn="l"/>
-                <a:tab pos="4940300" algn="l"/>
-                <a:tab pos="5389563" algn="l"/>
-                <a:tab pos="5838825" algn="l"/>
-                <a:tab pos="6288088" algn="l"/>
-                <a:tab pos="6737350" algn="l"/>
-                <a:tab pos="7186613" algn="l"/>
-                <a:tab pos="7635875" algn="l"/>
-                <a:tab pos="8085138" algn="l"/>
-                <a:tab pos="8534400" algn="l"/>
-                <a:tab pos="8983663" algn="l"/>
-                <a:tab pos="8985250" algn="l"/>
-                <a:tab pos="9434513" algn="l"/>
-                <a:tab pos="9883775" algn="l"/>
-              </a:tabLst>
-              <a:defRPr>
-                <a:solidFill>
-                  <a:srgbClr val="FFFFFF"/>
-                </a:solidFill>
-                <a:latin typeface="Arial" panose="020B0604020202020204" pitchFamily="34" charset="0"/>
-                <a:cs typeface="Arial" panose="020B0604020202020204" pitchFamily="34" charset="0"/>
-              </a:defRPr>
-            </a:lvl4pPr>
-            <a:lvl5pPr>
-              <a:tabLst>
-                <a:tab pos="0" algn="l"/>
-                <a:tab pos="447675" algn="l"/>
-                <a:tab pos="896938" algn="l"/>
-                <a:tab pos="1346200" algn="l"/>
-                <a:tab pos="1795463" algn="l"/>
-                <a:tab pos="2244725" algn="l"/>
-                <a:tab pos="2693988" algn="l"/>
-                <a:tab pos="3143250" algn="l"/>
-                <a:tab pos="3592513" algn="l"/>
-                <a:tab pos="4041775" algn="l"/>
-                <a:tab pos="4491038" algn="l"/>
-                <a:tab pos="4940300" algn="l"/>
-                <a:tab pos="5389563" algn="l"/>
-                <a:tab pos="5838825" algn="l"/>
-                <a:tab pos="6288088" algn="l"/>
-                <a:tab pos="6737350" algn="l"/>
-                <a:tab pos="7186613" algn="l"/>
-                <a:tab pos="7635875" algn="l"/>
-                <a:tab pos="8085138" algn="l"/>
-                <a:tab pos="8534400" algn="l"/>
-                <a:tab pos="8983663" algn="l"/>
-                <a:tab pos="8985250" algn="l"/>
-                <a:tab pos="9434513" algn="l"/>
-                <a:tab pos="9883775" algn="l"/>
-              </a:tabLst>
-              <a:defRPr>
-                <a:solidFill>
-                  <a:srgbClr val="FFFFFF"/>
-                </a:solidFill>
-                <a:latin typeface="Arial" panose="020B0604020202020204" pitchFamily="34" charset="0"/>
-                <a:cs typeface="Arial" panose="020B0604020202020204" pitchFamily="34" charset="0"/>
-              </a:defRPr>
-            </a:lvl5pPr>
-            <a:lvl6pPr marL="2514600" indent="-228600" defTabSz="449263" eaLnBrk="0" fontAlgn="base" hangingPunct="0">
-              <a:spcBef>
-                <a:spcPct val="0"/>
-              </a:spcBef>
-              <a:spcAft>
-                <a:spcPct val="0"/>
-              </a:spcAft>
-              <a:buClr>
-                <a:srgbClr val="000000"/>
-              </a:buClr>
-              <a:buSzPct val="100000"/>
-              <a:buFont typeface="Times New Roman" panose="02020603050405020304" pitchFamily="18" charset="0"/>
-              <a:tabLst>
-                <a:tab pos="0" algn="l"/>
-                <a:tab pos="447675" algn="l"/>
-                <a:tab pos="896938" algn="l"/>
-                <a:tab pos="1346200" algn="l"/>
-                <a:tab pos="1795463" algn="l"/>
-                <a:tab pos="2244725" algn="l"/>
-                <a:tab pos="2693988" algn="l"/>
-                <a:tab pos="3143250" algn="l"/>
-                <a:tab pos="3592513" algn="l"/>
-                <a:tab pos="4041775" algn="l"/>
-                <a:tab pos="4491038" algn="l"/>
-                <a:tab pos="4940300" algn="l"/>
-                <a:tab pos="5389563" algn="l"/>
-                <a:tab pos="5838825" algn="l"/>
-                <a:tab pos="6288088" algn="l"/>
-                <a:tab pos="6737350" algn="l"/>
-                <a:tab pos="7186613" algn="l"/>
-                <a:tab pos="7635875" algn="l"/>
-                <a:tab pos="8085138" algn="l"/>
-                <a:tab pos="8534400" algn="l"/>
-                <a:tab pos="8983663" algn="l"/>
-                <a:tab pos="8985250" algn="l"/>
-                <a:tab pos="9434513" algn="l"/>
-                <a:tab pos="9883775" algn="l"/>
-              </a:tabLst>
-              <a:defRPr>
-                <a:solidFill>
-                  <a:srgbClr val="FFFFFF"/>
-                </a:solidFill>
-                <a:latin typeface="Arial" panose="020B0604020202020204" pitchFamily="34" charset="0"/>
-                <a:cs typeface="Arial" panose="020B0604020202020204" pitchFamily="34" charset="0"/>
-              </a:defRPr>
-            </a:lvl6pPr>
-            <a:lvl7pPr marL="2971800" indent="-228600" defTabSz="449263" eaLnBrk="0" fontAlgn="base" hangingPunct="0">
-              <a:spcBef>
-                <a:spcPct val="0"/>
-              </a:spcBef>
-              <a:spcAft>
-                <a:spcPct val="0"/>
-              </a:spcAft>
-              <a:buClr>
-                <a:srgbClr val="000000"/>
-              </a:buClr>
-              <a:buSzPct val="100000"/>
-              <a:buFont typeface="Times New Roman" panose="02020603050405020304" pitchFamily="18" charset="0"/>
-              <a:tabLst>
-                <a:tab pos="0" algn="l"/>
-                <a:tab pos="447675" algn="l"/>
-                <a:tab pos="896938" algn="l"/>
-                <a:tab pos="1346200" algn="l"/>
-                <a:tab pos="1795463" algn="l"/>
-                <a:tab pos="2244725" algn="l"/>
-                <a:tab pos="2693988" algn="l"/>
-                <a:tab pos="3143250" algn="l"/>
-                <a:tab pos="3592513" algn="l"/>
-                <a:tab pos="4041775" algn="l"/>
-                <a:tab pos="4491038" algn="l"/>
-                <a:tab pos="4940300" algn="l"/>
-                <a:tab pos="5389563" algn="l"/>
-                <a:tab pos="5838825" algn="l"/>
-                <a:tab pos="6288088" algn="l"/>
-                <a:tab pos="6737350" algn="l"/>
-                <a:tab pos="7186613" algn="l"/>
-                <a:tab pos="7635875" algn="l"/>
-                <a:tab pos="8085138" algn="l"/>
-                <a:tab pos="8534400" algn="l"/>
-                <a:tab pos="8983663" algn="l"/>
-                <a:tab pos="8985250" algn="l"/>
-                <a:tab pos="9434513" algn="l"/>
-                <a:tab pos="9883775" algn="l"/>
-              </a:tabLst>
-              <a:defRPr>
-                <a:solidFill>
-                  <a:srgbClr val="FFFFFF"/>
-                </a:solidFill>
-                <a:latin typeface="Arial" panose="020B0604020202020204" pitchFamily="34" charset="0"/>
-                <a:cs typeface="Arial" panose="020B0604020202020204" pitchFamily="34" charset="0"/>
-              </a:defRPr>
-            </a:lvl7pPr>
-            <a:lvl8pPr marL="3429000" indent="-228600" defTabSz="449263" eaLnBrk="0" fontAlgn="base" hangingPunct="0">
-              <a:spcBef>
-                <a:spcPct val="0"/>
-              </a:spcBef>
-              <a:spcAft>
-                <a:spcPct val="0"/>
-              </a:spcAft>
-              <a:buClr>
-                <a:srgbClr val="000000"/>
-              </a:buClr>
-              <a:buSzPct val="100000"/>
-              <a:buFont typeface="Times New Roman" panose="02020603050405020304" pitchFamily="18" charset="0"/>
-              <a:tabLst>
-                <a:tab pos="0" algn="l"/>
-                <a:tab pos="447675" algn="l"/>
-                <a:tab pos="896938" algn="l"/>
-                <a:tab pos="1346200" algn="l"/>
-                <a:tab pos="1795463" algn="l"/>
-                <a:tab pos="2244725" algn="l"/>
-                <a:tab pos="2693988" algn="l"/>
-                <a:tab pos="3143250" algn="l"/>
-                <a:tab pos="3592513" algn="l"/>
-                <a:tab pos="4041775" algn="l"/>
-                <a:tab pos="4491038" algn="l"/>
-                <a:tab pos="4940300" algn="l"/>
-                <a:tab pos="5389563" algn="l"/>
-                <a:tab pos="5838825" algn="l"/>
-                <a:tab pos="6288088" algn="l"/>
-                <a:tab pos="6737350" algn="l"/>
-                <a:tab pos="7186613" algn="l"/>
-                <a:tab pos="7635875" algn="l"/>
-                <a:tab pos="8085138" algn="l"/>
-                <a:tab pos="8534400" algn="l"/>
-                <a:tab pos="8983663" algn="l"/>
-                <a:tab pos="8985250" algn="l"/>
-                <a:tab pos="9434513" algn="l"/>
-                <a:tab pos="9883775" algn="l"/>
-              </a:tabLst>
-              <a:defRPr>
-                <a:solidFill>
-                  <a:srgbClr val="FFFFFF"/>
-                </a:solidFill>
-                <a:latin typeface="Arial" panose="020B0604020202020204" pitchFamily="34" charset="0"/>
-                <a:cs typeface="Arial" panose="020B0604020202020204" pitchFamily="34" charset="0"/>
-              </a:defRPr>
-            </a:lvl8pPr>
-            <a:lvl9pPr marL="3886200" indent="-228600" defTabSz="449263" eaLnBrk="0" fontAlgn="base" hangingPunct="0">
-              <a:spcBef>
-                <a:spcPct val="0"/>
-              </a:spcBef>
-              <a:spcAft>
-                <a:spcPct val="0"/>
-              </a:spcAft>
-              <a:buClr>
-                <a:srgbClr val="000000"/>
-              </a:buClr>
-              <a:buSzPct val="100000"/>
-              <a:buFont typeface="Times New Roman" panose="02020603050405020304" pitchFamily="18" charset="0"/>
-              <a:tabLst>
-                <a:tab pos="0" algn="l"/>
-                <a:tab pos="447675" algn="l"/>
-                <a:tab pos="896938" algn="l"/>
-                <a:tab pos="1346200" algn="l"/>
-                <a:tab pos="1795463" algn="l"/>
-                <a:tab pos="2244725" algn="l"/>
-                <a:tab pos="2693988" algn="l"/>
-                <a:tab pos="3143250" algn="l"/>
-                <a:tab pos="3592513" algn="l"/>
-                <a:tab pos="4041775" algn="l"/>
-                <a:tab pos="4491038" algn="l"/>
-                <a:tab pos="4940300" algn="l"/>
-                <a:tab pos="5389563" algn="l"/>
-                <a:tab pos="5838825" algn="l"/>
-                <a:tab pos="6288088" algn="l"/>
-                <a:tab pos="6737350" algn="l"/>
-                <a:tab pos="7186613" algn="l"/>
-                <a:tab pos="7635875" algn="l"/>
-                <a:tab pos="8085138" algn="l"/>
-                <a:tab pos="8534400" algn="l"/>
-                <a:tab pos="8983663" algn="l"/>
-                <a:tab pos="8985250" algn="l"/>
-                <a:tab pos="9434513" algn="l"/>
-                <a:tab pos="9883775" algn="l"/>
-              </a:tabLst>
-              <a:defRPr>
-                <a:solidFill>
-                  <a:srgbClr val="FFFFFF"/>
-                </a:solidFill>
-                <a:latin typeface="Arial" panose="020B0604020202020204" pitchFamily="34" charset="0"/>
-                <a:cs typeface="Arial" panose="020B0604020202020204" pitchFamily="34" charset="0"/>
-              </a:defRPr>
-            </a:lvl9pPr>
-          </a:lstStyle>
-          <a:p>
-            <a:pPr eaLnBrk="1" hangingPunct="1">
-              <a:spcBef>
-                <a:spcPts val="2250"/>
-              </a:spcBef>
-              <a:buClrTx/>
-              <a:buFontTx/>
-              <a:buNone/>
-            </a:pPr>
-            <a:r>
-              <a:rPr lang="es-ES" altLang="es-MX" sz="3600" b="1" dirty="0">
-                <a:latin typeface="Myriad Pro" pitchFamily="32" charset="0"/>
-              </a:rPr>
-              <a:t>Análisis de riesgos</a:t>
-            </a:r>
-          </a:p>
-        </p:txBody>
-      </p:sp>
-      <p:pic>
-        <p:nvPicPr>
-          <p:cNvPr id="12" name="Imagen 11">
-            <a:extLst>
-              <a:ext uri="{FF2B5EF4-FFF2-40B4-BE49-F238E27FC236}">
-                <a16:creationId xmlns:a16="http://schemas.microsoft.com/office/drawing/2014/main" id="{171FB81C-B528-4D9C-A7F0-B3E3C49377A6}"/>
-              </a:ext>
-            </a:extLst>
-          </p:cNvPr>
-          <p:cNvPicPr>
-            <a:picLocks noChangeAspect="1"/>
-          </p:cNvPicPr>
-          <p:nvPr/>
-        </p:nvPicPr>
-        <p:blipFill>
-          <a:blip r:embed="rId19">
-            <a:extLst>
-              <a:ext uri="{28A0092B-C50C-407E-A947-70E740481C1C}">
-                <a14:useLocalDpi xmlns:a14="http://schemas.microsoft.com/office/drawing/2010/main" val="0"/>
-              </a:ext>
-            </a:extLst>
-          </a:blip>
-          <a:stretch>
-            <a:fillRect/>
-          </a:stretch>
-        </p:blipFill>
-        <p:spPr>
-          <a:xfrm>
-            <a:off x="11032990" y="14361593"/>
-            <a:ext cx="10153363" cy="5681048"/>
-          </a:xfrm>
-          <a:prstGeom prst="rect">
-            <a:avLst/>
-          </a:prstGeom>
-        </p:spPr>
-      </p:pic>
-      <p:sp>
-        <p:nvSpPr>
-          <p:cNvPr id="65" name="Rectangle 23">
-            <a:extLst>
-              <a:ext uri="{FF2B5EF4-FFF2-40B4-BE49-F238E27FC236}">
-                <a16:creationId xmlns:a16="http://schemas.microsoft.com/office/drawing/2014/main" id="{4B5F695F-2FDB-4332-874C-6B5E9BF5D063}"/>
-              </a:ext>
-            </a:extLst>
-          </p:cNvPr>
-          <p:cNvSpPr>
-            <a:spLocks noChangeArrowheads="1"/>
-          </p:cNvSpPr>
-          <p:nvPr/>
-        </p:nvSpPr>
-        <p:spPr bwMode="auto">
-          <a:xfrm>
-            <a:off x="11002181" y="21205751"/>
-            <a:ext cx="10180750" cy="4429322"/>
-          </a:xfrm>
-          <a:prstGeom prst="rect">
-            <a:avLst/>
-          </a:prstGeom>
-          <a:solidFill>
-            <a:srgbClr val="FFFFFF"/>
-          </a:solidFill>
-          <a:ln w="9360" cap="sq">
-            <a:solidFill>
-              <a:srgbClr val="000000"/>
-            </a:solidFill>
-            <a:miter lim="800000"/>
-            <a:headEnd/>
-            <a:tailEnd/>
-          </a:ln>
-          <a:effectLst>
-            <a:outerShdw dist="153010" dir="2906018" algn="ctr" rotWithShape="0">
-              <a:srgbClr val="292929">
-                <a:alpha val="50027"/>
-              </a:srgbClr>
-            </a:outerShdw>
-          </a:effectLst>
-        </p:spPr>
-        <p:txBody>
-          <a:bodyPr wrap="none" lIns="90000" tIns="46800" rIns="90000" bIns="46800" anchor="ctr"/>
-          <a:lstStyle>
-            <a:lvl1pPr>
-              <a:tabLst>
-                <a:tab pos="0" algn="l"/>
-                <a:tab pos="447675" algn="l"/>
-                <a:tab pos="896938" algn="l"/>
-                <a:tab pos="1346200" algn="l"/>
-                <a:tab pos="1795463" algn="l"/>
-                <a:tab pos="2244725" algn="l"/>
-                <a:tab pos="2693988" algn="l"/>
-                <a:tab pos="3143250" algn="l"/>
-                <a:tab pos="3592513" algn="l"/>
-                <a:tab pos="4041775" algn="l"/>
-                <a:tab pos="4491038" algn="l"/>
-                <a:tab pos="4940300" algn="l"/>
-                <a:tab pos="5389563" algn="l"/>
-                <a:tab pos="5838825" algn="l"/>
-                <a:tab pos="6288088" algn="l"/>
-                <a:tab pos="6737350" algn="l"/>
-                <a:tab pos="7186613" algn="l"/>
-                <a:tab pos="7635875" algn="l"/>
-                <a:tab pos="8085138" algn="l"/>
-                <a:tab pos="8534400" algn="l"/>
-                <a:tab pos="8983663" algn="l"/>
-                <a:tab pos="8985250" algn="l"/>
-                <a:tab pos="9434513" algn="l"/>
-                <a:tab pos="9883775" algn="l"/>
-              </a:tabLst>
-              <a:defRPr>
-                <a:solidFill>
-                  <a:srgbClr val="FFFFFF"/>
-                </a:solidFill>
-                <a:latin typeface="Arial" panose="020B0604020202020204" pitchFamily="34" charset="0"/>
-                <a:cs typeface="Arial" panose="020B0604020202020204" pitchFamily="34" charset="0"/>
-              </a:defRPr>
-            </a:lvl1pPr>
-            <a:lvl2pPr>
-              <a:tabLst>
-                <a:tab pos="0" algn="l"/>
-                <a:tab pos="447675" algn="l"/>
-                <a:tab pos="896938" algn="l"/>
-                <a:tab pos="1346200" algn="l"/>
-                <a:tab pos="1795463" algn="l"/>
-                <a:tab pos="2244725" algn="l"/>
-                <a:tab pos="2693988" algn="l"/>
-                <a:tab pos="3143250" algn="l"/>
-                <a:tab pos="3592513" algn="l"/>
-                <a:tab pos="4041775" algn="l"/>
-                <a:tab pos="4491038" algn="l"/>
-                <a:tab pos="4940300" algn="l"/>
-                <a:tab pos="5389563" algn="l"/>
-                <a:tab pos="5838825" algn="l"/>
-                <a:tab pos="6288088" algn="l"/>
-                <a:tab pos="6737350" algn="l"/>
-                <a:tab pos="7186613" algn="l"/>
-                <a:tab pos="7635875" algn="l"/>
-                <a:tab pos="8085138" algn="l"/>
-                <a:tab pos="8534400" algn="l"/>
-                <a:tab pos="8983663" algn="l"/>
-                <a:tab pos="8985250" algn="l"/>
-                <a:tab pos="9434513" algn="l"/>
-                <a:tab pos="9883775" algn="l"/>
-              </a:tabLst>
-              <a:defRPr>
-                <a:solidFill>
-                  <a:srgbClr val="FFFFFF"/>
-                </a:solidFill>
-                <a:latin typeface="Arial" panose="020B0604020202020204" pitchFamily="34" charset="0"/>
-                <a:cs typeface="Arial" panose="020B0604020202020204" pitchFamily="34" charset="0"/>
-              </a:defRPr>
-            </a:lvl2pPr>
-            <a:lvl3pPr>
-              <a:tabLst>
-                <a:tab pos="0" algn="l"/>
-                <a:tab pos="447675" algn="l"/>
-                <a:tab pos="896938" algn="l"/>
-                <a:tab pos="1346200" algn="l"/>
-                <a:tab pos="1795463" algn="l"/>
-                <a:tab pos="2244725" algn="l"/>
-                <a:tab pos="2693988" algn="l"/>
-                <a:tab pos="3143250" algn="l"/>
-                <a:tab pos="3592513" algn="l"/>
-                <a:tab pos="4041775" algn="l"/>
-                <a:tab pos="4491038" algn="l"/>
-                <a:tab pos="4940300" algn="l"/>
-                <a:tab pos="5389563" algn="l"/>
-                <a:tab pos="5838825" algn="l"/>
-                <a:tab pos="6288088" algn="l"/>
-                <a:tab pos="6737350" algn="l"/>
-                <a:tab pos="7186613" algn="l"/>
-                <a:tab pos="7635875" algn="l"/>
-                <a:tab pos="8085138" algn="l"/>
-                <a:tab pos="8534400" algn="l"/>
-                <a:tab pos="8983663" algn="l"/>
-                <a:tab pos="8985250" algn="l"/>
-                <a:tab pos="9434513" algn="l"/>
-                <a:tab pos="9883775" algn="l"/>
-              </a:tabLst>
-              <a:defRPr>
-                <a:solidFill>
-                  <a:srgbClr val="FFFFFF"/>
-                </a:solidFill>
-                <a:latin typeface="Arial" panose="020B0604020202020204" pitchFamily="34" charset="0"/>
-                <a:cs typeface="Arial" panose="020B0604020202020204" pitchFamily="34" charset="0"/>
-              </a:defRPr>
-            </a:lvl3pPr>
-            <a:lvl4pPr>
-              <a:tabLst>
-                <a:tab pos="0" algn="l"/>
-                <a:tab pos="447675" algn="l"/>
-                <a:tab pos="896938" algn="l"/>
-                <a:tab pos="1346200" algn="l"/>
-                <a:tab pos="1795463" algn="l"/>
-                <a:tab pos="2244725" algn="l"/>
-                <a:tab pos="2693988" algn="l"/>
-                <a:tab pos="3143250" algn="l"/>
-                <a:tab pos="3592513" algn="l"/>
-                <a:tab pos="4041775" algn="l"/>
-                <a:tab pos="4491038" algn="l"/>
-                <a:tab pos="4940300" algn="l"/>
-                <a:tab pos="5389563" algn="l"/>
-                <a:tab pos="5838825" algn="l"/>
-                <a:tab pos="6288088" algn="l"/>
-                <a:tab pos="6737350" algn="l"/>
-                <a:tab pos="7186613" algn="l"/>
-                <a:tab pos="7635875" algn="l"/>
-                <a:tab pos="8085138" algn="l"/>
-                <a:tab pos="8534400" algn="l"/>
-                <a:tab pos="8983663" algn="l"/>
-                <a:tab pos="8985250" algn="l"/>
-                <a:tab pos="9434513" algn="l"/>
-                <a:tab pos="9883775" algn="l"/>
-              </a:tabLst>
-              <a:defRPr>
-                <a:solidFill>
-                  <a:srgbClr val="FFFFFF"/>
-                </a:solidFill>
-                <a:latin typeface="Arial" panose="020B0604020202020204" pitchFamily="34" charset="0"/>
-                <a:cs typeface="Arial" panose="020B0604020202020204" pitchFamily="34" charset="0"/>
-              </a:defRPr>
-            </a:lvl4pPr>
-            <a:lvl5pPr>
-              <a:tabLst>
-                <a:tab pos="0" algn="l"/>
-                <a:tab pos="447675" algn="l"/>
-                <a:tab pos="896938" algn="l"/>
-                <a:tab pos="1346200" algn="l"/>
-                <a:tab pos="1795463" algn="l"/>
-                <a:tab pos="2244725" algn="l"/>
-                <a:tab pos="2693988" algn="l"/>
-                <a:tab pos="3143250" algn="l"/>
-                <a:tab pos="3592513" algn="l"/>
-                <a:tab pos="4041775" algn="l"/>
-                <a:tab pos="4491038" algn="l"/>
-                <a:tab pos="4940300" algn="l"/>
-                <a:tab pos="5389563" algn="l"/>
-                <a:tab pos="5838825" algn="l"/>
-                <a:tab pos="6288088" algn="l"/>
-                <a:tab pos="6737350" algn="l"/>
-                <a:tab pos="7186613" algn="l"/>
-                <a:tab pos="7635875" algn="l"/>
-                <a:tab pos="8085138" algn="l"/>
-                <a:tab pos="8534400" algn="l"/>
-                <a:tab pos="8983663" algn="l"/>
-                <a:tab pos="8985250" algn="l"/>
-                <a:tab pos="9434513" algn="l"/>
-                <a:tab pos="9883775" algn="l"/>
-              </a:tabLst>
-              <a:defRPr>
-                <a:solidFill>
-                  <a:srgbClr val="FFFFFF"/>
-                </a:solidFill>
-                <a:latin typeface="Arial" panose="020B0604020202020204" pitchFamily="34" charset="0"/>
-                <a:cs typeface="Arial" panose="020B0604020202020204" pitchFamily="34" charset="0"/>
-              </a:defRPr>
-            </a:lvl5pPr>
-            <a:lvl6pPr marL="2514600" indent="-228600" defTabSz="449263" eaLnBrk="0" fontAlgn="base" hangingPunct="0">
-              <a:spcBef>
-                <a:spcPct val="0"/>
-              </a:spcBef>
-              <a:spcAft>
-                <a:spcPct val="0"/>
-              </a:spcAft>
-              <a:buClr>
-                <a:srgbClr val="000000"/>
-              </a:buClr>
-              <a:buSzPct val="100000"/>
-              <a:buFont typeface="Times New Roman" panose="02020603050405020304" pitchFamily="18" charset="0"/>
-              <a:tabLst>
-                <a:tab pos="0" algn="l"/>
-                <a:tab pos="447675" algn="l"/>
-                <a:tab pos="896938" algn="l"/>
-                <a:tab pos="1346200" algn="l"/>
-                <a:tab pos="1795463" algn="l"/>
-                <a:tab pos="2244725" algn="l"/>
-                <a:tab pos="2693988" algn="l"/>
-                <a:tab pos="3143250" algn="l"/>
-                <a:tab pos="3592513" algn="l"/>
-                <a:tab pos="4041775" algn="l"/>
-                <a:tab pos="4491038" algn="l"/>
-                <a:tab pos="4940300" algn="l"/>
-                <a:tab pos="5389563" algn="l"/>
-                <a:tab pos="5838825" algn="l"/>
-                <a:tab pos="6288088" algn="l"/>
-                <a:tab pos="6737350" algn="l"/>
-                <a:tab pos="7186613" algn="l"/>
-                <a:tab pos="7635875" algn="l"/>
-                <a:tab pos="8085138" algn="l"/>
-                <a:tab pos="8534400" algn="l"/>
-                <a:tab pos="8983663" algn="l"/>
-                <a:tab pos="8985250" algn="l"/>
-                <a:tab pos="9434513" algn="l"/>
-                <a:tab pos="9883775" algn="l"/>
-              </a:tabLst>
-              <a:defRPr>
-                <a:solidFill>
-                  <a:srgbClr val="FFFFFF"/>
-                </a:solidFill>
-                <a:latin typeface="Arial" panose="020B0604020202020204" pitchFamily="34" charset="0"/>
-                <a:cs typeface="Arial" panose="020B0604020202020204" pitchFamily="34" charset="0"/>
-              </a:defRPr>
-            </a:lvl6pPr>
-            <a:lvl7pPr marL="2971800" indent="-228600" defTabSz="449263" eaLnBrk="0" fontAlgn="base" hangingPunct="0">
-              <a:spcBef>
-                <a:spcPct val="0"/>
-              </a:spcBef>
-              <a:spcAft>
-                <a:spcPct val="0"/>
-              </a:spcAft>
-              <a:buClr>
-                <a:srgbClr val="000000"/>
-              </a:buClr>
-              <a:buSzPct val="100000"/>
-              <a:buFont typeface="Times New Roman" panose="02020603050405020304" pitchFamily="18" charset="0"/>
-              <a:tabLst>
-                <a:tab pos="0" algn="l"/>
-                <a:tab pos="447675" algn="l"/>
-                <a:tab pos="896938" algn="l"/>
-                <a:tab pos="1346200" algn="l"/>
-                <a:tab pos="1795463" algn="l"/>
-                <a:tab pos="2244725" algn="l"/>
-                <a:tab pos="2693988" algn="l"/>
-                <a:tab pos="3143250" algn="l"/>
-                <a:tab pos="3592513" algn="l"/>
-                <a:tab pos="4041775" algn="l"/>
-                <a:tab pos="4491038" algn="l"/>
-                <a:tab pos="4940300" algn="l"/>
-                <a:tab pos="5389563" algn="l"/>
-                <a:tab pos="5838825" algn="l"/>
-                <a:tab pos="6288088" algn="l"/>
-                <a:tab pos="6737350" algn="l"/>
-                <a:tab pos="7186613" algn="l"/>
-                <a:tab pos="7635875" algn="l"/>
-                <a:tab pos="8085138" algn="l"/>
-                <a:tab pos="8534400" algn="l"/>
-                <a:tab pos="8983663" algn="l"/>
-                <a:tab pos="8985250" algn="l"/>
-                <a:tab pos="9434513" algn="l"/>
-                <a:tab pos="9883775" algn="l"/>
-              </a:tabLst>
-              <a:defRPr>
-                <a:solidFill>
-                  <a:srgbClr val="FFFFFF"/>
-                </a:solidFill>
-                <a:latin typeface="Arial" panose="020B0604020202020204" pitchFamily="34" charset="0"/>
-                <a:cs typeface="Arial" panose="020B0604020202020204" pitchFamily="34" charset="0"/>
-              </a:defRPr>
-            </a:lvl7pPr>
-            <a:lvl8pPr marL="3429000" indent="-228600" defTabSz="449263" eaLnBrk="0" fontAlgn="base" hangingPunct="0">
-              <a:spcBef>
-                <a:spcPct val="0"/>
-              </a:spcBef>
-              <a:spcAft>
-                <a:spcPct val="0"/>
-              </a:spcAft>
-              <a:buClr>
-                <a:srgbClr val="000000"/>
-              </a:buClr>
-              <a:buSzPct val="100000"/>
-              <a:buFont typeface="Times New Roman" panose="02020603050405020304" pitchFamily="18" charset="0"/>
-              <a:tabLst>
-                <a:tab pos="0" algn="l"/>
-                <a:tab pos="447675" algn="l"/>
-                <a:tab pos="896938" algn="l"/>
-                <a:tab pos="1346200" algn="l"/>
-                <a:tab pos="1795463" algn="l"/>
-                <a:tab pos="2244725" algn="l"/>
-                <a:tab pos="2693988" algn="l"/>
-                <a:tab pos="3143250" algn="l"/>
-                <a:tab pos="3592513" algn="l"/>
-                <a:tab pos="4041775" algn="l"/>
-                <a:tab pos="4491038" algn="l"/>
-                <a:tab pos="4940300" algn="l"/>
-                <a:tab pos="5389563" algn="l"/>
-                <a:tab pos="5838825" algn="l"/>
-                <a:tab pos="6288088" algn="l"/>
-                <a:tab pos="6737350" algn="l"/>
-                <a:tab pos="7186613" algn="l"/>
-                <a:tab pos="7635875" algn="l"/>
-                <a:tab pos="8085138" algn="l"/>
-                <a:tab pos="8534400" algn="l"/>
-                <a:tab pos="8983663" algn="l"/>
-                <a:tab pos="8985250" algn="l"/>
-                <a:tab pos="9434513" algn="l"/>
-                <a:tab pos="9883775" algn="l"/>
-              </a:tabLst>
-              <a:defRPr>
-                <a:solidFill>
-                  <a:srgbClr val="FFFFFF"/>
-                </a:solidFill>
-                <a:latin typeface="Arial" panose="020B0604020202020204" pitchFamily="34" charset="0"/>
-                <a:cs typeface="Arial" panose="020B0604020202020204" pitchFamily="34" charset="0"/>
-              </a:defRPr>
-            </a:lvl8pPr>
-            <a:lvl9pPr marL="3886200" indent="-228600" defTabSz="449263" eaLnBrk="0" fontAlgn="base" hangingPunct="0">
-              <a:spcBef>
-                <a:spcPct val="0"/>
-              </a:spcBef>
-              <a:spcAft>
-                <a:spcPct val="0"/>
-              </a:spcAft>
-              <a:buClr>
-                <a:srgbClr val="000000"/>
-              </a:buClr>
-              <a:buSzPct val="100000"/>
-              <a:buFont typeface="Times New Roman" panose="02020603050405020304" pitchFamily="18" charset="0"/>
-              <a:tabLst>
-                <a:tab pos="0" algn="l"/>
-                <a:tab pos="447675" algn="l"/>
-                <a:tab pos="896938" algn="l"/>
-                <a:tab pos="1346200" algn="l"/>
-                <a:tab pos="1795463" algn="l"/>
-                <a:tab pos="2244725" algn="l"/>
-                <a:tab pos="2693988" algn="l"/>
-                <a:tab pos="3143250" algn="l"/>
-                <a:tab pos="3592513" algn="l"/>
-                <a:tab pos="4041775" algn="l"/>
-                <a:tab pos="4491038" algn="l"/>
-                <a:tab pos="4940300" algn="l"/>
-                <a:tab pos="5389563" algn="l"/>
-                <a:tab pos="5838825" algn="l"/>
-                <a:tab pos="6288088" algn="l"/>
-                <a:tab pos="6737350" algn="l"/>
-                <a:tab pos="7186613" algn="l"/>
-                <a:tab pos="7635875" algn="l"/>
-                <a:tab pos="8085138" algn="l"/>
-                <a:tab pos="8534400" algn="l"/>
-                <a:tab pos="8983663" algn="l"/>
-                <a:tab pos="8985250" algn="l"/>
-                <a:tab pos="9434513" algn="l"/>
-                <a:tab pos="9883775" algn="l"/>
-              </a:tabLst>
-              <a:defRPr>
-                <a:solidFill>
-                  <a:srgbClr val="FFFFFF"/>
-                </a:solidFill>
-                <a:latin typeface="Arial" panose="020B0604020202020204" pitchFamily="34" charset="0"/>
-                <a:cs typeface="Arial" panose="020B0604020202020204" pitchFamily="34" charset="0"/>
-              </a:defRPr>
-            </a:lvl9pPr>
-          </a:lstStyle>
-          <a:p>
-            <a:pPr algn="just" eaLnBrk="1" hangingPunct="1">
-              <a:buClrTx/>
-              <a:buFontTx/>
-              <a:buNone/>
-            </a:pPr>
-            <a:r>
-              <a:rPr lang="es-ES" altLang="es-MX">
-                <a:solidFill>
-                  <a:srgbClr val="000000"/>
-                </a:solidFill>
-              </a:rPr>
-              <a:t>.</a:t>
-            </a:r>
-            <a:endParaRPr lang="es-ES" altLang="es-MX" dirty="0">
-              <a:solidFill>
-                <a:srgbClr val="000000"/>
-              </a:solidFill>
-            </a:endParaRPr>
-          </a:p>
-        </p:txBody>
-      </p:sp>
       <p:sp>
         <p:nvSpPr>
           <p:cNvPr id="66" name="Rectangle 12">
@@ -18685,7 +18871,7 @@
         </p:nvSpPr>
         <p:spPr bwMode="auto">
           <a:xfrm>
-            <a:off x="11010904" y="20182630"/>
+            <a:off x="11072403" y="24699629"/>
             <a:ext cx="10166350" cy="1044575"/>
           </a:xfrm>
           <a:prstGeom prst="rect">
@@ -18739,7 +18925,7 @@
         </p:nvSpPr>
         <p:spPr bwMode="auto">
           <a:xfrm>
-            <a:off x="11153779" y="20398530"/>
+            <a:off x="11215278" y="24915529"/>
             <a:ext cx="10088562" cy="642938"/>
           </a:xfrm>
           <a:prstGeom prst="rect">
@@ -19154,11 +19340,14 @@
               <a:buNone/>
             </a:pPr>
             <a:r>
-              <a:rPr lang="es-ES" altLang="es-MX" sz="3600" b="1" dirty="0">
+              <a:rPr lang="es-ES" altLang="es-MX" sz="3600" b="1" dirty="0" err="1">
                 <a:latin typeface="Myriad Pro" pitchFamily="32" charset="0"/>
               </a:rPr>
-              <a:t>Pruebas</a:t>
+              <a:t>Dashboard</a:t>
             </a:r>
+            <a:endParaRPr lang="es-ES" altLang="es-MX" sz="3600" b="1" dirty="0">
+              <a:latin typeface="Myriad Pro" pitchFamily="32" charset="0"/>
+            </a:endParaRPr>
           </a:p>
         </p:txBody>
       </p:sp>
@@ -19177,7 +19366,7 @@
           <p:nvPr/>
         </p:nvPicPr>
         <p:blipFill>
-          <a:blip r:embed="rId20">
+          <a:blip r:embed="rId18">
             <a:extLst>
               <a:ext uri="{28A0092B-C50C-407E-A947-70E740481C1C}">
                 <a14:useLocalDpi xmlns:a14="http://schemas.microsoft.com/office/drawing/2010/main" val="0"/>
@@ -19190,7 +19379,7 @@
         </p:blipFill>
         <p:spPr>
           <a:xfrm>
-            <a:off x="525461" y="22610737"/>
+            <a:off x="545216" y="23895359"/>
             <a:ext cx="9915701" cy="3394615"/>
           </a:xfrm>
           <a:prstGeom prst="rect">
@@ -19200,39 +19389,241 @@
       </p:pic>
       <p:pic>
         <p:nvPicPr>
-          <p:cNvPr id="2" name="Imagen 1">
+          <p:cNvPr id="1026" name="Picture 2" descr="https://lh5.googleusercontent.com/bq4Tv0AjBhppA1lNvuA7INmefR9lyfBSyo8ANWK6HllsevLiP2jm-uoyY_F0qZBoXsOSCwP2P8MDDVxkkuXRJxaODhJDwGU2NLTVqxuCQG_jwGRNxI8NOQyMurSfW1AqnnMN9RD8">
             <a:extLst>
               <a:ext uri="{FF2B5EF4-FFF2-40B4-BE49-F238E27FC236}">
-                <a16:creationId xmlns:a16="http://schemas.microsoft.com/office/drawing/2014/main" id="{063E2B06-D435-40B2-B516-A8EFF33F3AC2}"/>
+                <a16:creationId xmlns:a16="http://schemas.microsoft.com/office/drawing/2014/main" id="{46B3584F-1B22-4DC3-829A-85A65FCEAA7E}"/>
               </a:ext>
             </a:extLst>
           </p:cNvPr>
           <p:cNvPicPr>
-            <a:picLocks noChangeAspect="1"/>
+            <a:picLocks noChangeAspect="1" noChangeArrowheads="1"/>
           </p:cNvPicPr>
           <p:nvPr/>
         </p:nvPicPr>
-        <p:blipFill rotWithShape="1">
-          <a:blip r:embed="rId21"/>
-          <a:srcRect l="14125" t="32902" r="8876" b="26085"/>
-          <a:stretch/>
+        <p:blipFill>
+          <a:blip r:embed="rId19">
+            <a:extLst>
+              <a:ext uri="{28A0092B-C50C-407E-A947-70E740481C1C}">
+                <a14:useLocalDpi xmlns:a14="http://schemas.microsoft.com/office/drawing/2010/main" val="0"/>
+              </a:ext>
+            </a:extLst>
+          </a:blip>
+          <a:srcRect/>
+          <a:stretch>
+            <a:fillRect/>
+          </a:stretch>
         </p:blipFill>
-        <p:spPr>
+        <p:spPr bwMode="auto">
           <a:xfrm>
-            <a:off x="11090176" y="21335732"/>
-            <a:ext cx="3960441" cy="4219136"/>
+            <a:off x="11320034" y="11312349"/>
+            <a:ext cx="4215062" cy="2520000"/>
           </a:xfrm>
           <a:prstGeom prst="rect">
             <a:avLst/>
           </a:prstGeom>
+          <a:noFill/>
+          <a:extLst>
+            <a:ext uri="{909E8E84-426E-40DD-AFC4-6F175D3DCCD1}">
+              <a14:hiddenFill xmlns:a14="http://schemas.microsoft.com/office/drawing/2010/main">
+                <a:solidFill>
+                  <a:srgbClr val="FFFFFF"/>
+                </a:solidFill>
+              </a14:hiddenFill>
+            </a:ext>
+          </a:extLst>
+        </p:spPr>
+      </p:pic>
+      <p:sp>
+        <p:nvSpPr>
+          <p:cNvPr id="4" name="AutoShape 4" descr="https://lh6.googleusercontent.com/jBOA9bmR5b0G3f2Gt8kk_v0Do-A9fA98nE0yeY5-IVraHTiQ9mZfiSGfIq4rV2eKyua8QUmY2UBJoDUqkBm8Z_eYyQW5NJu43IcZfruNn_MzU9W8ZfsxfAwC7AGRt-ObH2w8ELJE">
+            <a:extLst>
+              <a:ext uri="{FF2B5EF4-FFF2-40B4-BE49-F238E27FC236}">
+                <a16:creationId xmlns:a16="http://schemas.microsoft.com/office/drawing/2014/main" id="{FC779700-8BF5-43F0-8D4E-744A4F55004C}"/>
+              </a:ext>
+            </a:extLst>
+          </p:cNvPr>
+          <p:cNvSpPr>
+            <a:spLocks noChangeAspect="1" noChangeArrowheads="1"/>
+          </p:cNvSpPr>
+          <p:nvPr/>
+        </p:nvSpPr>
+        <p:spPr bwMode="auto">
+          <a:xfrm>
+            <a:off x="8339138" y="14968538"/>
+            <a:ext cx="4924425" cy="2466975"/>
+          </a:xfrm>
+          <a:prstGeom prst="rect">
+            <a:avLst/>
+          </a:prstGeom>
+          <a:noFill/>
+          <a:extLst>
+            <a:ext uri="{909E8E84-426E-40DD-AFC4-6F175D3DCCD1}">
+              <a14:hiddenFill xmlns:a14="http://schemas.microsoft.com/office/drawing/2010/main">
+                <a:solidFill>
+                  <a:srgbClr val="FFFFFF"/>
+                </a:solidFill>
+              </a14:hiddenFill>
+            </a:ext>
+          </a:extLst>
+        </p:spPr>
+        <p:txBody>
+          <a:bodyPr vert="horz" wrap="square" lIns="91440" tIns="45720" rIns="91440" bIns="45720" numCol="1" anchor="t" anchorCtr="0" compatLnSpc="1">
+            <a:prstTxWarp prst="textNoShape">
+              <a:avLst/>
+            </a:prstTxWarp>
+          </a:bodyPr>
+          <a:lstStyle/>
+          <a:p>
+            <a:endParaRPr lang="es-MX"/>
+          </a:p>
+        </p:txBody>
+      </p:sp>
+      <p:pic>
+        <p:nvPicPr>
+          <p:cNvPr id="1030" name="Picture 6" descr="https://lh6.googleusercontent.com/jBOA9bmR5b0G3f2Gt8kk_v0Do-A9fA98nE0yeY5-IVraHTiQ9mZfiSGfIq4rV2eKyua8QUmY2UBJoDUqkBm8Z_eYyQW5NJu43IcZfruNn_MzU9W8ZfsxfAwC7AGRt-ObH2w8ELJE">
+            <a:extLst>
+              <a:ext uri="{FF2B5EF4-FFF2-40B4-BE49-F238E27FC236}">
+                <a16:creationId xmlns:a16="http://schemas.microsoft.com/office/drawing/2014/main" id="{04F50968-4D9A-4B47-BC0D-EFC1BDEC4A4B}"/>
+              </a:ext>
+            </a:extLst>
+          </p:cNvPr>
+          <p:cNvPicPr>
+            <a:picLocks noChangeAspect="1" noChangeArrowheads="1"/>
+          </p:cNvPicPr>
+          <p:nvPr/>
+        </p:nvPicPr>
+        <p:blipFill>
+          <a:blip r:embed="rId20">
+            <a:extLst>
+              <a:ext uri="{28A0092B-C50C-407E-A947-70E740481C1C}">
+                <a14:useLocalDpi xmlns:a14="http://schemas.microsoft.com/office/drawing/2010/main" val="0"/>
+              </a:ext>
+            </a:extLst>
+          </a:blip>
+          <a:srcRect/>
+          <a:stretch>
+            <a:fillRect/>
+          </a:stretch>
+        </p:blipFill>
+        <p:spPr bwMode="auto">
+          <a:xfrm>
+            <a:off x="15867803" y="11284648"/>
+            <a:ext cx="5030271" cy="2520000"/>
+          </a:xfrm>
+          <a:prstGeom prst="rect">
+            <a:avLst/>
+          </a:prstGeom>
+          <a:noFill/>
+          <a:extLst>
+            <a:ext uri="{909E8E84-426E-40DD-AFC4-6F175D3DCCD1}">
+              <a14:hiddenFill xmlns:a14="http://schemas.microsoft.com/office/drawing/2010/main">
+                <a:solidFill>
+                  <a:srgbClr val="FFFFFF"/>
+                </a:solidFill>
+              </a14:hiddenFill>
+            </a:ext>
+          </a:extLst>
+        </p:spPr>
+      </p:pic>
+      <p:sp>
+        <p:nvSpPr>
+          <p:cNvPr id="7" name="AutoShape 8" descr="https://lh5.googleusercontent.com/e7hV6Jlb2KSf-Mg0oiuqFaQFEvzpiZnblQoDpU1pXVxnlHJ7Jzmu-K70bsUaJvhYmjAB6pCTLuX7FyfjXeiJyTcv1UI6ah1462No_xHp_6uUeEmwstuK4_7aSg-gy0K1zSpXJDfy">
+            <a:extLst>
+              <a:ext uri="{FF2B5EF4-FFF2-40B4-BE49-F238E27FC236}">
+                <a16:creationId xmlns:a16="http://schemas.microsoft.com/office/drawing/2014/main" id="{30F8A150-3525-4323-9B39-71ACFDE93B38}"/>
+              </a:ext>
+            </a:extLst>
+          </p:cNvPr>
+          <p:cNvSpPr>
+            <a:spLocks noChangeAspect="1" noChangeArrowheads="1"/>
+          </p:cNvSpPr>
+          <p:nvPr/>
+        </p:nvSpPr>
+        <p:spPr bwMode="auto">
+          <a:xfrm>
+            <a:off x="7600950" y="14658975"/>
+            <a:ext cx="6400800" cy="3086100"/>
+          </a:xfrm>
+          <a:prstGeom prst="rect">
+            <a:avLst/>
+          </a:prstGeom>
+          <a:noFill/>
+          <a:extLst>
+            <a:ext uri="{909E8E84-426E-40DD-AFC4-6F175D3DCCD1}">
+              <a14:hiddenFill xmlns:a14="http://schemas.microsoft.com/office/drawing/2010/main">
+                <a:solidFill>
+                  <a:srgbClr val="FFFFFF"/>
+                </a:solidFill>
+              </a14:hiddenFill>
+            </a:ext>
+          </a:extLst>
+        </p:spPr>
+        <p:txBody>
+          <a:bodyPr vert="horz" wrap="square" lIns="91440" tIns="45720" rIns="91440" bIns="45720" numCol="1" anchor="t" anchorCtr="0" compatLnSpc="1">
+            <a:prstTxWarp prst="textNoShape">
+              <a:avLst/>
+            </a:prstTxWarp>
+          </a:bodyPr>
+          <a:lstStyle/>
+          <a:p>
+            <a:endParaRPr lang="es-MX"/>
+          </a:p>
+        </p:txBody>
+      </p:sp>
+      <p:pic>
+        <p:nvPicPr>
+          <p:cNvPr id="1034" name="Picture 10" descr="https://lh5.googleusercontent.com/e7hV6Jlb2KSf-Mg0oiuqFaQFEvzpiZnblQoDpU1pXVxnlHJ7Jzmu-K70bsUaJvhYmjAB6pCTLuX7FyfjXeiJyTcv1UI6ah1462No_xHp_6uUeEmwstuK4_7aSg-gy0K1zSpXJDfy">
+            <a:extLst>
+              <a:ext uri="{FF2B5EF4-FFF2-40B4-BE49-F238E27FC236}">
+                <a16:creationId xmlns:a16="http://schemas.microsoft.com/office/drawing/2014/main" id="{3B99A050-B316-4558-832F-BDCC92D6FACD}"/>
+              </a:ext>
+            </a:extLst>
+          </p:cNvPr>
+          <p:cNvPicPr>
+            <a:picLocks noChangeAspect="1" noChangeArrowheads="1"/>
+          </p:cNvPicPr>
+          <p:nvPr/>
+        </p:nvPicPr>
+        <p:blipFill>
+          <a:blip r:embed="rId21">
+            <a:extLst>
+              <a:ext uri="{28A0092B-C50C-407E-A947-70E740481C1C}">
+                <a14:useLocalDpi xmlns:a14="http://schemas.microsoft.com/office/drawing/2010/main" val="0"/>
+              </a:ext>
+            </a:extLst>
+          </a:blip>
+          <a:srcRect/>
+          <a:stretch>
+            <a:fillRect/>
+          </a:stretch>
+        </p:blipFill>
+        <p:spPr bwMode="auto">
+          <a:xfrm>
+            <a:off x="16136269" y="14062882"/>
+            <a:ext cx="4680000" cy="2344526"/>
+          </a:xfrm>
+          <a:prstGeom prst="rect">
+            <a:avLst/>
+          </a:prstGeom>
+          <a:noFill/>
+          <a:extLst>
+            <a:ext uri="{909E8E84-426E-40DD-AFC4-6F175D3DCCD1}">
+              <a14:hiddenFill xmlns:a14="http://schemas.microsoft.com/office/drawing/2010/main">
+                <a:solidFill>
+                  <a:srgbClr val="FFFFFF"/>
+                </a:solidFill>
+              </a14:hiddenFill>
+            </a:ext>
+          </a:extLst>
         </p:spPr>
       </p:pic>
       <p:pic>
         <p:nvPicPr>
-          <p:cNvPr id="4" name="Imagen 3">
+          <p:cNvPr id="11" name="Imagen 10">
             <a:extLst>
               <a:ext uri="{FF2B5EF4-FFF2-40B4-BE49-F238E27FC236}">
-                <a16:creationId xmlns:a16="http://schemas.microsoft.com/office/drawing/2014/main" id="{CA9308A7-553E-4ADA-9A82-24019B85F9F8}"/>
+                <a16:creationId xmlns:a16="http://schemas.microsoft.com/office/drawing/2014/main" id="{A95317F3-A128-4DF9-AC13-9292A8CB22AD}"/>
               </a:ext>
             </a:extLst>
           </p:cNvPr>
@@ -19249,8 +19640,770 @@
         </p:blipFill>
         <p:spPr>
           <a:xfrm>
-            <a:off x="15016439" y="21930549"/>
-            <a:ext cx="6062388" cy="3597215"/>
+            <a:off x="11215278" y="26050908"/>
+            <a:ext cx="9926840" cy="4132828"/>
+          </a:xfrm>
+          <a:prstGeom prst="rect">
+            <a:avLst/>
+          </a:prstGeom>
+        </p:spPr>
+      </p:pic>
+      <p:sp>
+        <p:nvSpPr>
+          <p:cNvPr id="13" name="CuadroTexto 12">
+            <a:extLst>
+              <a:ext uri="{FF2B5EF4-FFF2-40B4-BE49-F238E27FC236}">
+                <a16:creationId xmlns:a16="http://schemas.microsoft.com/office/drawing/2014/main" id="{1141F914-1F08-4A81-B6AE-F331B36CF0A6}"/>
+              </a:ext>
+            </a:extLst>
+          </p:cNvPr>
+          <p:cNvSpPr txBox="1"/>
+          <p:nvPr/>
+        </p:nvSpPr>
+        <p:spPr>
+          <a:xfrm>
+            <a:off x="11537032" y="29957038"/>
+            <a:ext cx="9289032" cy="861774"/>
+          </a:xfrm>
+          <a:prstGeom prst="rect">
+            <a:avLst/>
+          </a:prstGeom>
+          <a:noFill/>
+        </p:spPr>
+        <p:txBody>
+          <a:bodyPr wrap="square" rtlCol="0">
+            <a:spAutoFit/>
+          </a:bodyPr>
+          <a:lstStyle/>
+          <a:p>
+            <a:pPr algn="ctr"/>
+            <a:r>
+              <a:rPr lang="es-MX" sz="2500" dirty="0">
+                <a:solidFill>
+                  <a:schemeClr val="tx1"/>
+                </a:solidFill>
+                <a:latin typeface="Calibri" panose="020F0502020204030204" pitchFamily="34" charset="0"/>
+                <a:cs typeface="Calibri" panose="020F0502020204030204" pitchFamily="34" charset="0"/>
+              </a:rPr>
+              <a:t>Porcentaje de incremento de ventas desde la implementación del sistema</a:t>
+            </a:r>
+          </a:p>
+        </p:txBody>
+      </p:sp>
+      <p:pic>
+        <p:nvPicPr>
+          <p:cNvPr id="14" name="Picture 2" descr="https://lh6.googleusercontent.com/f5yahBwFo3UM3fUsOqv72boL5pgGB59Wc1wqb9JryLpdxdiiYgUVpDCwvRbWOpOiORq8sAYBqxEEJvH_Fg71gxblsbEYwHCGoxXGyFwmaTrGPbnku2_oke-kmII60krI7qxYbJrg">
+            <a:extLst>
+              <a:ext uri="{FF2B5EF4-FFF2-40B4-BE49-F238E27FC236}">
+                <a16:creationId xmlns:a16="http://schemas.microsoft.com/office/drawing/2014/main" id="{ED92A821-3211-4DAD-85A1-4478A8C42430}"/>
+              </a:ext>
+            </a:extLst>
+          </p:cNvPr>
+          <p:cNvPicPr>
+            <a:picLocks noChangeAspect="1" noChangeArrowheads="1"/>
+          </p:cNvPicPr>
+          <p:nvPr/>
+        </p:nvPicPr>
+        <p:blipFill>
+          <a:blip r:embed="rId23">
+            <a:extLst>
+              <a:ext uri="{28A0092B-C50C-407E-A947-70E740481C1C}">
+                <a14:useLocalDpi xmlns:a14="http://schemas.microsoft.com/office/drawing/2010/main" val="0"/>
+              </a:ext>
+            </a:extLst>
+          </a:blip>
+          <a:srcRect/>
+          <a:stretch>
+            <a:fillRect/>
+          </a:stretch>
+        </p:blipFill>
+        <p:spPr bwMode="auto">
+          <a:xfrm>
+            <a:off x="11089605" y="14385549"/>
+            <a:ext cx="4680000" cy="2032500"/>
+          </a:xfrm>
+          <a:prstGeom prst="rect">
+            <a:avLst/>
+          </a:prstGeom>
+          <a:noFill/>
+          <a:extLst>
+            <a:ext uri="{909E8E84-426E-40DD-AFC4-6F175D3DCCD1}">
+              <a14:hiddenFill xmlns:a14="http://schemas.microsoft.com/office/drawing/2010/main">
+                <a:solidFill>
+                  <a:srgbClr val="FFFFFF"/>
+                </a:solidFill>
+              </a14:hiddenFill>
+            </a:ext>
+          </a:extLst>
+        </p:spPr>
+      </p:pic>
+      <p:sp>
+        <p:nvSpPr>
+          <p:cNvPr id="45" name="Rectangle 12">
+            <a:extLst>
+              <a:ext uri="{FF2B5EF4-FFF2-40B4-BE49-F238E27FC236}">
+                <a16:creationId xmlns:a16="http://schemas.microsoft.com/office/drawing/2014/main" id="{9D338671-1A2A-4D3F-B40C-AA22C0705BC1}"/>
+              </a:ext>
+            </a:extLst>
+          </p:cNvPr>
+          <p:cNvSpPr>
+            <a:spLocks noChangeArrowheads="1"/>
+          </p:cNvSpPr>
+          <p:nvPr/>
+        </p:nvSpPr>
+        <p:spPr bwMode="auto">
+          <a:xfrm>
+            <a:off x="11070069" y="10013915"/>
+            <a:ext cx="10166350" cy="1044575"/>
+          </a:xfrm>
+          <a:prstGeom prst="rect">
+            <a:avLst/>
+          </a:prstGeom>
+          <a:solidFill>
+            <a:srgbClr val="0F355A"/>
+          </a:solidFill>
+          <a:ln w="9360" cap="sq">
+            <a:solidFill>
+              <a:srgbClr val="000000"/>
+            </a:solidFill>
+            <a:miter lim="800000"/>
+            <a:headEnd/>
+            <a:tailEnd/>
+          </a:ln>
+          <a:effectLst/>
+          <a:extLst>
+            <a:ext uri="{AF507438-7753-43E0-B8FC-AC1667EBCBE1}">
+              <a14:hiddenEffects xmlns:a14="http://schemas.microsoft.com/office/drawing/2010/main">
+                <a:effectLst>
+                  <a:outerShdw dist="35921" dir="2700000" algn="ctr" rotWithShape="0">
+                    <a:srgbClr val="808080"/>
+                  </a:outerShdw>
+                </a:effectLst>
+              </a14:hiddenEffects>
+            </a:ext>
+          </a:extLst>
+        </p:spPr>
+        <p:txBody>
+          <a:bodyPr wrap="none" anchor="ctr"/>
+          <a:lstStyle/>
+          <a:p>
+            <a:endParaRPr lang="es-MX"/>
+          </a:p>
+        </p:txBody>
+      </p:sp>
+      <p:sp>
+        <p:nvSpPr>
+          <p:cNvPr id="47" name="Text Box 13">
+            <a:extLst>
+              <a:ext uri="{FF2B5EF4-FFF2-40B4-BE49-F238E27FC236}">
+                <a16:creationId xmlns:a16="http://schemas.microsoft.com/office/drawing/2014/main" id="{3913B90B-B1E8-4F3E-9C68-F20E453D885C}"/>
+              </a:ext>
+            </a:extLst>
+          </p:cNvPr>
+          <p:cNvSpPr txBox="1">
+            <a:spLocks noChangeArrowheads="1"/>
+          </p:cNvSpPr>
+          <p:nvPr/>
+        </p:nvSpPr>
+        <p:spPr bwMode="auto">
+          <a:xfrm>
+            <a:off x="11212944" y="10229815"/>
+            <a:ext cx="10088562" cy="642938"/>
+          </a:xfrm>
+          <a:prstGeom prst="rect">
+            <a:avLst/>
+          </a:prstGeom>
+          <a:noFill/>
+          <a:ln>
+            <a:noFill/>
+          </a:ln>
+          <a:effectLst/>
+          <a:extLst>
+            <a:ext uri="{909E8E84-426E-40DD-AFC4-6F175D3DCCD1}">
+              <a14:hiddenFill xmlns:a14="http://schemas.microsoft.com/office/drawing/2010/main">
+                <a:solidFill>
+                  <a:srgbClr val="FFFFFF"/>
+                </a:solidFill>
+              </a14:hiddenFill>
+            </a:ext>
+            <a:ext uri="{91240B29-F687-4F45-9708-019B960494DF}">
+              <a14:hiddenLine xmlns:a14="http://schemas.microsoft.com/office/drawing/2010/main" w="9525" cap="flat">
+                <a:solidFill>
+                  <a:srgbClr val="3465A4"/>
+                </a:solidFill>
+                <a:round/>
+                <a:headEnd/>
+                <a:tailEnd/>
+              </a14:hiddenLine>
+            </a:ext>
+            <a:ext uri="{AF507438-7753-43E0-B8FC-AC1667EBCBE1}">
+              <a14:hiddenEffects xmlns:a14="http://schemas.microsoft.com/office/drawing/2010/main">
+                <a:effectLst>
+                  <a:outerShdw dist="35921" dir="2700000" algn="ctr" rotWithShape="0">
+                    <a:srgbClr val="808080"/>
+                  </a:outerShdw>
+                </a:effectLst>
+              </a14:hiddenEffects>
+            </a:ext>
+          </a:extLst>
+        </p:spPr>
+        <p:txBody>
+          <a:bodyPr lIns="90000" tIns="46800" rIns="90000" bIns="46800">
+            <a:spAutoFit/>
+          </a:bodyPr>
+          <a:lstStyle>
+            <a:lvl1pPr>
+              <a:tabLst>
+                <a:tab pos="0" algn="l"/>
+                <a:tab pos="447675" algn="l"/>
+                <a:tab pos="896938" algn="l"/>
+                <a:tab pos="1346200" algn="l"/>
+                <a:tab pos="1795463" algn="l"/>
+                <a:tab pos="2244725" algn="l"/>
+                <a:tab pos="2693988" algn="l"/>
+                <a:tab pos="3143250" algn="l"/>
+                <a:tab pos="3592513" algn="l"/>
+                <a:tab pos="4041775" algn="l"/>
+                <a:tab pos="4491038" algn="l"/>
+                <a:tab pos="4940300" algn="l"/>
+                <a:tab pos="5389563" algn="l"/>
+                <a:tab pos="5838825" algn="l"/>
+                <a:tab pos="6288088" algn="l"/>
+                <a:tab pos="6737350" algn="l"/>
+                <a:tab pos="7186613" algn="l"/>
+                <a:tab pos="7635875" algn="l"/>
+                <a:tab pos="8085138" algn="l"/>
+                <a:tab pos="8534400" algn="l"/>
+                <a:tab pos="8983663" algn="l"/>
+                <a:tab pos="8985250" algn="l"/>
+                <a:tab pos="9434513" algn="l"/>
+                <a:tab pos="9883775" algn="l"/>
+              </a:tabLst>
+              <a:defRPr>
+                <a:solidFill>
+                  <a:srgbClr val="FFFFFF"/>
+                </a:solidFill>
+                <a:latin typeface="Arial" panose="020B0604020202020204" pitchFamily="34" charset="0"/>
+                <a:cs typeface="Arial" panose="020B0604020202020204" pitchFamily="34" charset="0"/>
+              </a:defRPr>
+            </a:lvl1pPr>
+            <a:lvl2pPr>
+              <a:tabLst>
+                <a:tab pos="0" algn="l"/>
+                <a:tab pos="447675" algn="l"/>
+                <a:tab pos="896938" algn="l"/>
+                <a:tab pos="1346200" algn="l"/>
+                <a:tab pos="1795463" algn="l"/>
+                <a:tab pos="2244725" algn="l"/>
+                <a:tab pos="2693988" algn="l"/>
+                <a:tab pos="3143250" algn="l"/>
+                <a:tab pos="3592513" algn="l"/>
+                <a:tab pos="4041775" algn="l"/>
+                <a:tab pos="4491038" algn="l"/>
+                <a:tab pos="4940300" algn="l"/>
+                <a:tab pos="5389563" algn="l"/>
+                <a:tab pos="5838825" algn="l"/>
+                <a:tab pos="6288088" algn="l"/>
+                <a:tab pos="6737350" algn="l"/>
+                <a:tab pos="7186613" algn="l"/>
+                <a:tab pos="7635875" algn="l"/>
+                <a:tab pos="8085138" algn="l"/>
+                <a:tab pos="8534400" algn="l"/>
+                <a:tab pos="8983663" algn="l"/>
+                <a:tab pos="8985250" algn="l"/>
+                <a:tab pos="9434513" algn="l"/>
+                <a:tab pos="9883775" algn="l"/>
+              </a:tabLst>
+              <a:defRPr>
+                <a:solidFill>
+                  <a:srgbClr val="FFFFFF"/>
+                </a:solidFill>
+                <a:latin typeface="Arial" panose="020B0604020202020204" pitchFamily="34" charset="0"/>
+                <a:cs typeface="Arial" panose="020B0604020202020204" pitchFamily="34" charset="0"/>
+              </a:defRPr>
+            </a:lvl2pPr>
+            <a:lvl3pPr>
+              <a:tabLst>
+                <a:tab pos="0" algn="l"/>
+                <a:tab pos="447675" algn="l"/>
+                <a:tab pos="896938" algn="l"/>
+                <a:tab pos="1346200" algn="l"/>
+                <a:tab pos="1795463" algn="l"/>
+                <a:tab pos="2244725" algn="l"/>
+                <a:tab pos="2693988" algn="l"/>
+                <a:tab pos="3143250" algn="l"/>
+                <a:tab pos="3592513" algn="l"/>
+                <a:tab pos="4041775" algn="l"/>
+                <a:tab pos="4491038" algn="l"/>
+                <a:tab pos="4940300" algn="l"/>
+                <a:tab pos="5389563" algn="l"/>
+                <a:tab pos="5838825" algn="l"/>
+                <a:tab pos="6288088" algn="l"/>
+                <a:tab pos="6737350" algn="l"/>
+                <a:tab pos="7186613" algn="l"/>
+                <a:tab pos="7635875" algn="l"/>
+                <a:tab pos="8085138" algn="l"/>
+                <a:tab pos="8534400" algn="l"/>
+                <a:tab pos="8983663" algn="l"/>
+                <a:tab pos="8985250" algn="l"/>
+                <a:tab pos="9434513" algn="l"/>
+                <a:tab pos="9883775" algn="l"/>
+              </a:tabLst>
+              <a:defRPr>
+                <a:solidFill>
+                  <a:srgbClr val="FFFFFF"/>
+                </a:solidFill>
+                <a:latin typeface="Arial" panose="020B0604020202020204" pitchFamily="34" charset="0"/>
+                <a:cs typeface="Arial" panose="020B0604020202020204" pitchFamily="34" charset="0"/>
+              </a:defRPr>
+            </a:lvl3pPr>
+            <a:lvl4pPr>
+              <a:tabLst>
+                <a:tab pos="0" algn="l"/>
+                <a:tab pos="447675" algn="l"/>
+                <a:tab pos="896938" algn="l"/>
+                <a:tab pos="1346200" algn="l"/>
+                <a:tab pos="1795463" algn="l"/>
+                <a:tab pos="2244725" algn="l"/>
+                <a:tab pos="2693988" algn="l"/>
+                <a:tab pos="3143250" algn="l"/>
+                <a:tab pos="3592513" algn="l"/>
+                <a:tab pos="4041775" algn="l"/>
+                <a:tab pos="4491038" algn="l"/>
+                <a:tab pos="4940300" algn="l"/>
+                <a:tab pos="5389563" algn="l"/>
+                <a:tab pos="5838825" algn="l"/>
+                <a:tab pos="6288088" algn="l"/>
+                <a:tab pos="6737350" algn="l"/>
+                <a:tab pos="7186613" algn="l"/>
+                <a:tab pos="7635875" algn="l"/>
+                <a:tab pos="8085138" algn="l"/>
+                <a:tab pos="8534400" algn="l"/>
+                <a:tab pos="8983663" algn="l"/>
+                <a:tab pos="8985250" algn="l"/>
+                <a:tab pos="9434513" algn="l"/>
+                <a:tab pos="9883775" algn="l"/>
+              </a:tabLst>
+              <a:defRPr>
+                <a:solidFill>
+                  <a:srgbClr val="FFFFFF"/>
+                </a:solidFill>
+                <a:latin typeface="Arial" panose="020B0604020202020204" pitchFamily="34" charset="0"/>
+                <a:cs typeface="Arial" panose="020B0604020202020204" pitchFamily="34" charset="0"/>
+              </a:defRPr>
+            </a:lvl4pPr>
+            <a:lvl5pPr>
+              <a:tabLst>
+                <a:tab pos="0" algn="l"/>
+                <a:tab pos="447675" algn="l"/>
+                <a:tab pos="896938" algn="l"/>
+                <a:tab pos="1346200" algn="l"/>
+                <a:tab pos="1795463" algn="l"/>
+                <a:tab pos="2244725" algn="l"/>
+                <a:tab pos="2693988" algn="l"/>
+                <a:tab pos="3143250" algn="l"/>
+                <a:tab pos="3592513" algn="l"/>
+                <a:tab pos="4041775" algn="l"/>
+                <a:tab pos="4491038" algn="l"/>
+                <a:tab pos="4940300" algn="l"/>
+                <a:tab pos="5389563" algn="l"/>
+                <a:tab pos="5838825" algn="l"/>
+                <a:tab pos="6288088" algn="l"/>
+                <a:tab pos="6737350" algn="l"/>
+                <a:tab pos="7186613" algn="l"/>
+                <a:tab pos="7635875" algn="l"/>
+                <a:tab pos="8085138" algn="l"/>
+                <a:tab pos="8534400" algn="l"/>
+                <a:tab pos="8983663" algn="l"/>
+                <a:tab pos="8985250" algn="l"/>
+                <a:tab pos="9434513" algn="l"/>
+                <a:tab pos="9883775" algn="l"/>
+              </a:tabLst>
+              <a:defRPr>
+                <a:solidFill>
+                  <a:srgbClr val="FFFFFF"/>
+                </a:solidFill>
+                <a:latin typeface="Arial" panose="020B0604020202020204" pitchFamily="34" charset="0"/>
+                <a:cs typeface="Arial" panose="020B0604020202020204" pitchFamily="34" charset="0"/>
+              </a:defRPr>
+            </a:lvl5pPr>
+            <a:lvl6pPr marL="2514600" indent="-228600" defTabSz="449263" eaLnBrk="0" fontAlgn="base" hangingPunct="0">
+              <a:spcBef>
+                <a:spcPct val="0"/>
+              </a:spcBef>
+              <a:spcAft>
+                <a:spcPct val="0"/>
+              </a:spcAft>
+              <a:buClr>
+                <a:srgbClr val="000000"/>
+              </a:buClr>
+              <a:buSzPct val="100000"/>
+              <a:buFont typeface="Times New Roman" panose="02020603050405020304" pitchFamily="18" charset="0"/>
+              <a:tabLst>
+                <a:tab pos="0" algn="l"/>
+                <a:tab pos="447675" algn="l"/>
+                <a:tab pos="896938" algn="l"/>
+                <a:tab pos="1346200" algn="l"/>
+                <a:tab pos="1795463" algn="l"/>
+                <a:tab pos="2244725" algn="l"/>
+                <a:tab pos="2693988" algn="l"/>
+                <a:tab pos="3143250" algn="l"/>
+                <a:tab pos="3592513" algn="l"/>
+                <a:tab pos="4041775" algn="l"/>
+                <a:tab pos="4491038" algn="l"/>
+                <a:tab pos="4940300" algn="l"/>
+                <a:tab pos="5389563" algn="l"/>
+                <a:tab pos="5838825" algn="l"/>
+                <a:tab pos="6288088" algn="l"/>
+                <a:tab pos="6737350" algn="l"/>
+                <a:tab pos="7186613" algn="l"/>
+                <a:tab pos="7635875" algn="l"/>
+                <a:tab pos="8085138" algn="l"/>
+                <a:tab pos="8534400" algn="l"/>
+                <a:tab pos="8983663" algn="l"/>
+                <a:tab pos="8985250" algn="l"/>
+                <a:tab pos="9434513" algn="l"/>
+                <a:tab pos="9883775" algn="l"/>
+              </a:tabLst>
+              <a:defRPr>
+                <a:solidFill>
+                  <a:srgbClr val="FFFFFF"/>
+                </a:solidFill>
+                <a:latin typeface="Arial" panose="020B0604020202020204" pitchFamily="34" charset="0"/>
+                <a:cs typeface="Arial" panose="020B0604020202020204" pitchFamily="34" charset="0"/>
+              </a:defRPr>
+            </a:lvl6pPr>
+            <a:lvl7pPr marL="2971800" indent="-228600" defTabSz="449263" eaLnBrk="0" fontAlgn="base" hangingPunct="0">
+              <a:spcBef>
+                <a:spcPct val="0"/>
+              </a:spcBef>
+              <a:spcAft>
+                <a:spcPct val="0"/>
+              </a:spcAft>
+              <a:buClr>
+                <a:srgbClr val="000000"/>
+              </a:buClr>
+              <a:buSzPct val="100000"/>
+              <a:buFont typeface="Times New Roman" panose="02020603050405020304" pitchFamily="18" charset="0"/>
+              <a:tabLst>
+                <a:tab pos="0" algn="l"/>
+                <a:tab pos="447675" algn="l"/>
+                <a:tab pos="896938" algn="l"/>
+                <a:tab pos="1346200" algn="l"/>
+                <a:tab pos="1795463" algn="l"/>
+                <a:tab pos="2244725" algn="l"/>
+                <a:tab pos="2693988" algn="l"/>
+                <a:tab pos="3143250" algn="l"/>
+                <a:tab pos="3592513" algn="l"/>
+                <a:tab pos="4041775" algn="l"/>
+                <a:tab pos="4491038" algn="l"/>
+                <a:tab pos="4940300" algn="l"/>
+                <a:tab pos="5389563" algn="l"/>
+                <a:tab pos="5838825" algn="l"/>
+                <a:tab pos="6288088" algn="l"/>
+                <a:tab pos="6737350" algn="l"/>
+                <a:tab pos="7186613" algn="l"/>
+                <a:tab pos="7635875" algn="l"/>
+                <a:tab pos="8085138" algn="l"/>
+                <a:tab pos="8534400" algn="l"/>
+                <a:tab pos="8983663" algn="l"/>
+                <a:tab pos="8985250" algn="l"/>
+                <a:tab pos="9434513" algn="l"/>
+                <a:tab pos="9883775" algn="l"/>
+              </a:tabLst>
+              <a:defRPr>
+                <a:solidFill>
+                  <a:srgbClr val="FFFFFF"/>
+                </a:solidFill>
+                <a:latin typeface="Arial" panose="020B0604020202020204" pitchFamily="34" charset="0"/>
+                <a:cs typeface="Arial" panose="020B0604020202020204" pitchFamily="34" charset="0"/>
+              </a:defRPr>
+            </a:lvl7pPr>
+            <a:lvl8pPr marL="3429000" indent="-228600" defTabSz="449263" eaLnBrk="0" fontAlgn="base" hangingPunct="0">
+              <a:spcBef>
+                <a:spcPct val="0"/>
+              </a:spcBef>
+              <a:spcAft>
+                <a:spcPct val="0"/>
+              </a:spcAft>
+              <a:buClr>
+                <a:srgbClr val="000000"/>
+              </a:buClr>
+              <a:buSzPct val="100000"/>
+              <a:buFont typeface="Times New Roman" panose="02020603050405020304" pitchFamily="18" charset="0"/>
+              <a:tabLst>
+                <a:tab pos="0" algn="l"/>
+                <a:tab pos="447675" algn="l"/>
+                <a:tab pos="896938" algn="l"/>
+                <a:tab pos="1346200" algn="l"/>
+                <a:tab pos="1795463" algn="l"/>
+                <a:tab pos="2244725" algn="l"/>
+                <a:tab pos="2693988" algn="l"/>
+                <a:tab pos="3143250" algn="l"/>
+                <a:tab pos="3592513" algn="l"/>
+                <a:tab pos="4041775" algn="l"/>
+                <a:tab pos="4491038" algn="l"/>
+                <a:tab pos="4940300" algn="l"/>
+                <a:tab pos="5389563" algn="l"/>
+                <a:tab pos="5838825" algn="l"/>
+                <a:tab pos="6288088" algn="l"/>
+                <a:tab pos="6737350" algn="l"/>
+                <a:tab pos="7186613" algn="l"/>
+                <a:tab pos="7635875" algn="l"/>
+                <a:tab pos="8085138" algn="l"/>
+                <a:tab pos="8534400" algn="l"/>
+                <a:tab pos="8983663" algn="l"/>
+                <a:tab pos="8985250" algn="l"/>
+                <a:tab pos="9434513" algn="l"/>
+                <a:tab pos="9883775" algn="l"/>
+              </a:tabLst>
+              <a:defRPr>
+                <a:solidFill>
+                  <a:srgbClr val="FFFFFF"/>
+                </a:solidFill>
+                <a:latin typeface="Arial" panose="020B0604020202020204" pitchFamily="34" charset="0"/>
+                <a:cs typeface="Arial" panose="020B0604020202020204" pitchFamily="34" charset="0"/>
+              </a:defRPr>
+            </a:lvl8pPr>
+            <a:lvl9pPr marL="3886200" indent="-228600" defTabSz="449263" eaLnBrk="0" fontAlgn="base" hangingPunct="0">
+              <a:spcBef>
+                <a:spcPct val="0"/>
+              </a:spcBef>
+              <a:spcAft>
+                <a:spcPct val="0"/>
+              </a:spcAft>
+              <a:buClr>
+                <a:srgbClr val="000000"/>
+              </a:buClr>
+              <a:buSzPct val="100000"/>
+              <a:buFont typeface="Times New Roman" panose="02020603050405020304" pitchFamily="18" charset="0"/>
+              <a:tabLst>
+                <a:tab pos="0" algn="l"/>
+                <a:tab pos="447675" algn="l"/>
+                <a:tab pos="896938" algn="l"/>
+                <a:tab pos="1346200" algn="l"/>
+                <a:tab pos="1795463" algn="l"/>
+                <a:tab pos="2244725" algn="l"/>
+                <a:tab pos="2693988" algn="l"/>
+                <a:tab pos="3143250" algn="l"/>
+                <a:tab pos="3592513" algn="l"/>
+                <a:tab pos="4041775" algn="l"/>
+                <a:tab pos="4491038" algn="l"/>
+                <a:tab pos="4940300" algn="l"/>
+                <a:tab pos="5389563" algn="l"/>
+                <a:tab pos="5838825" algn="l"/>
+                <a:tab pos="6288088" algn="l"/>
+                <a:tab pos="6737350" algn="l"/>
+                <a:tab pos="7186613" algn="l"/>
+                <a:tab pos="7635875" algn="l"/>
+                <a:tab pos="8085138" algn="l"/>
+                <a:tab pos="8534400" algn="l"/>
+                <a:tab pos="8983663" algn="l"/>
+                <a:tab pos="8985250" algn="l"/>
+                <a:tab pos="9434513" algn="l"/>
+                <a:tab pos="9883775" algn="l"/>
+              </a:tabLst>
+              <a:defRPr>
+                <a:solidFill>
+                  <a:srgbClr val="FFFFFF"/>
+                </a:solidFill>
+                <a:latin typeface="Arial" panose="020B0604020202020204" pitchFamily="34" charset="0"/>
+                <a:cs typeface="Arial" panose="020B0604020202020204" pitchFamily="34" charset="0"/>
+              </a:defRPr>
+            </a:lvl9pPr>
+          </a:lstStyle>
+          <a:p>
+            <a:pPr eaLnBrk="1" hangingPunct="1">
+              <a:spcBef>
+                <a:spcPts val="2250"/>
+              </a:spcBef>
+              <a:buClrTx/>
+              <a:buFontTx/>
+              <a:buNone/>
+            </a:pPr>
+            <a:r>
+              <a:rPr lang="es-ES" altLang="es-MX" sz="3600" b="1" dirty="0">
+                <a:latin typeface="Myriad Pro" pitchFamily="32" charset="0"/>
+              </a:rPr>
+              <a:t>Pantallas</a:t>
+            </a:r>
+          </a:p>
+        </p:txBody>
+      </p:sp>
+      <p:pic>
+        <p:nvPicPr>
+          <p:cNvPr id="18" name="Imagen 17">
+            <a:extLst>
+              <a:ext uri="{FF2B5EF4-FFF2-40B4-BE49-F238E27FC236}">
+                <a16:creationId xmlns:a16="http://schemas.microsoft.com/office/drawing/2014/main" id="{D6369CC1-8688-45D7-9468-853034EAA4A2}"/>
+              </a:ext>
+            </a:extLst>
+          </p:cNvPr>
+          <p:cNvPicPr>
+            <a:picLocks noChangeAspect="1"/>
+          </p:cNvPicPr>
+          <p:nvPr/>
+        </p:nvPicPr>
+        <p:blipFill>
+          <a:blip r:embed="rId24">
+            <a:extLst>
+              <a:ext uri="{28A0092B-C50C-407E-A947-70E740481C1C}">
+                <a14:useLocalDpi xmlns:a14="http://schemas.microsoft.com/office/drawing/2010/main" val="0"/>
+              </a:ext>
+            </a:extLst>
+          </a:blip>
+          <a:stretch>
+            <a:fillRect/>
+          </a:stretch>
+        </p:blipFill>
+        <p:spPr>
+          <a:xfrm>
+            <a:off x="3950210" y="6417975"/>
+            <a:ext cx="1667358" cy="1667358"/>
+          </a:xfrm>
+          <a:prstGeom prst="rect">
+            <a:avLst/>
+          </a:prstGeom>
+        </p:spPr>
+      </p:pic>
+      <p:pic>
+        <p:nvPicPr>
+          <p:cNvPr id="16" name="Imagen 15">
+            <a:extLst>
+              <a:ext uri="{FF2B5EF4-FFF2-40B4-BE49-F238E27FC236}">
+                <a16:creationId xmlns:a16="http://schemas.microsoft.com/office/drawing/2014/main" id="{C643B774-ABED-4517-8B20-F4EA551022BC}"/>
+              </a:ext>
+            </a:extLst>
+          </p:cNvPr>
+          <p:cNvPicPr>
+            <a:picLocks noChangeAspect="1"/>
+          </p:cNvPicPr>
+          <p:nvPr/>
+        </p:nvPicPr>
+        <p:blipFill>
+          <a:blip r:embed="rId25">
+            <a:extLst>
+              <a:ext uri="{28A0092B-C50C-407E-A947-70E740481C1C}">
+                <a14:useLocalDpi xmlns:a14="http://schemas.microsoft.com/office/drawing/2010/main" val="0"/>
+              </a:ext>
+            </a:extLst>
+          </a:blip>
+          <a:stretch>
+            <a:fillRect/>
+          </a:stretch>
+        </p:blipFill>
+        <p:spPr>
+          <a:xfrm>
+            <a:off x="441699" y="6109260"/>
+            <a:ext cx="2002951" cy="2002951"/>
+          </a:xfrm>
+          <a:prstGeom prst="rect">
+            <a:avLst/>
+          </a:prstGeom>
+        </p:spPr>
+      </p:pic>
+      <p:pic>
+        <p:nvPicPr>
+          <p:cNvPr id="20" name="Imagen 19">
+            <a:extLst>
+              <a:ext uri="{FF2B5EF4-FFF2-40B4-BE49-F238E27FC236}">
+                <a16:creationId xmlns:a16="http://schemas.microsoft.com/office/drawing/2014/main" id="{B4386303-69C0-4AEE-80E1-D8195E1635CB}"/>
+              </a:ext>
+            </a:extLst>
+          </p:cNvPr>
+          <p:cNvPicPr>
+            <a:picLocks noChangeAspect="1"/>
+          </p:cNvPicPr>
+          <p:nvPr/>
+        </p:nvPicPr>
+        <p:blipFill>
+          <a:blip r:embed="rId26">
+            <a:extLst>
+              <a:ext uri="{28A0092B-C50C-407E-A947-70E740481C1C}">
+                <a14:useLocalDpi xmlns:a14="http://schemas.microsoft.com/office/drawing/2010/main" val="0"/>
+              </a:ext>
+            </a:extLst>
+          </a:blip>
+          <a:stretch>
+            <a:fillRect/>
+          </a:stretch>
+        </p:blipFill>
+        <p:spPr>
+          <a:xfrm>
+            <a:off x="2595997" y="6406365"/>
+            <a:ext cx="1182128" cy="1666800"/>
+          </a:xfrm>
+          <a:prstGeom prst="rect">
+            <a:avLst/>
+          </a:prstGeom>
+        </p:spPr>
+      </p:pic>
+      <p:pic>
+        <p:nvPicPr>
+          <p:cNvPr id="26" name="Imagen 25">
+            <a:extLst>
+              <a:ext uri="{FF2B5EF4-FFF2-40B4-BE49-F238E27FC236}">
+                <a16:creationId xmlns:a16="http://schemas.microsoft.com/office/drawing/2014/main" id="{631816E2-73C9-4D35-B5A9-3905A2A608D4}"/>
+              </a:ext>
+            </a:extLst>
+          </p:cNvPr>
+          <p:cNvPicPr>
+            <a:picLocks noChangeAspect="1"/>
+          </p:cNvPicPr>
+          <p:nvPr/>
+        </p:nvPicPr>
+        <p:blipFill>
+          <a:blip r:embed="rId27">
+            <a:extLst>
+              <a:ext uri="{28A0092B-C50C-407E-A947-70E740481C1C}">
+                <a14:useLocalDpi xmlns:a14="http://schemas.microsoft.com/office/drawing/2010/main" val="0"/>
+              </a:ext>
+            </a:extLst>
+          </a:blip>
+          <a:stretch>
+            <a:fillRect/>
+          </a:stretch>
+        </p:blipFill>
+        <p:spPr>
+          <a:xfrm>
+            <a:off x="5826895" y="6376387"/>
+            <a:ext cx="1183428" cy="1666800"/>
+          </a:xfrm>
+          <a:prstGeom prst="rect">
+            <a:avLst/>
+          </a:prstGeom>
+        </p:spPr>
+      </p:pic>
+      <p:pic>
+        <p:nvPicPr>
+          <p:cNvPr id="28" name="Imagen 27">
+            <a:extLst>
+              <a:ext uri="{FF2B5EF4-FFF2-40B4-BE49-F238E27FC236}">
+                <a16:creationId xmlns:a16="http://schemas.microsoft.com/office/drawing/2014/main" id="{9F558F55-5FD7-4176-B7E1-7353D77FCBF5}"/>
+              </a:ext>
+            </a:extLst>
+          </p:cNvPr>
+          <p:cNvPicPr>
+            <a:picLocks noChangeAspect="1"/>
+          </p:cNvPicPr>
+          <p:nvPr/>
+        </p:nvPicPr>
+        <p:blipFill>
+          <a:blip r:embed="rId28">
+            <a:extLst>
+              <a:ext uri="{28A0092B-C50C-407E-A947-70E740481C1C}">
+                <a14:useLocalDpi xmlns:a14="http://schemas.microsoft.com/office/drawing/2010/main" val="0"/>
+              </a:ext>
+            </a:extLst>
+          </a:blip>
+          <a:stretch>
+            <a:fillRect/>
+          </a:stretch>
+        </p:blipFill>
+        <p:spPr>
+          <a:xfrm>
+            <a:off x="6914383" y="6648188"/>
+            <a:ext cx="3599729" cy="1196910"/>
           </a:xfrm>
           <a:prstGeom prst="rect">
             <a:avLst/>

--- a/Cartel.pptx
+++ b/Cartel.pptx
@@ -198,7 +198,7 @@
 <file path=ppt/revisionInfo.xml><?xml version="1.0" encoding="utf-8"?>
 <p1510:revInfo xmlns:a="http://schemas.openxmlformats.org/drawingml/2006/main" xmlns:r="http://schemas.openxmlformats.org/officeDocument/2006/relationships" xmlns:p1510="http://schemas.microsoft.com/office/powerpoint/2015/10/main">
   <p1510:revLst>
-    <p1510:client id="{92E67234-618A-4926-B56E-B721E5CE024C}" v="1066" dt="2019-05-09T23:46:17.191"/>
+    <p1510:client id="{92E67234-618A-4926-B56E-B721E5CE024C}" v="1486" dt="2019-05-13T13:49:40.567"/>
   </p1510:revLst>
 </p1510:revInfo>
 </file>
@@ -208,12 +208,12 @@
   <pc:docChgLst>
     <pc:chgData name="Mariam Rodriguez" userId="c09470932690718e" providerId="LiveId" clId="{92E67234-618A-4926-B56E-B721E5CE024C}"/>
     <pc:docChg chg="undo custSel modSld">
-      <pc:chgData name="Mariam Rodriguez" userId="c09470932690718e" providerId="LiveId" clId="{92E67234-618A-4926-B56E-B721E5CE024C}" dt="2019-05-09T23:46:17.189" v="511" actId="478"/>
+      <pc:chgData name="Mariam Rodriguez" userId="c09470932690718e" providerId="LiveId" clId="{92E67234-618A-4926-B56E-B721E5CE024C}" dt="2019-05-13T13:49:40.567" v="931" actId="108"/>
       <pc:docMkLst>
         <pc:docMk/>
       </pc:docMkLst>
       <pc:sldChg chg="addSp delSp modSp">
-        <pc:chgData name="Mariam Rodriguez" userId="c09470932690718e" providerId="LiveId" clId="{92E67234-618A-4926-B56E-B721E5CE024C}" dt="2019-05-09T23:46:17.189" v="511" actId="478"/>
+        <pc:chgData name="Mariam Rodriguez" userId="c09470932690718e" providerId="LiveId" clId="{92E67234-618A-4926-B56E-B721E5CE024C}" dt="2019-05-13T13:49:40.567" v="931" actId="108"/>
         <pc:sldMkLst>
           <pc:docMk/>
           <pc:sldMk cId="0" sldId="256"/>
@@ -275,7 +275,7 @@
           </ac:spMkLst>
         </pc:spChg>
         <pc:spChg chg="mod">
-          <ac:chgData name="Mariam Rodriguez" userId="c09470932690718e" providerId="LiveId" clId="{92E67234-618A-4926-B56E-B721E5CE024C}" dt="2019-05-09T23:08:43.912" v="191" actId="1076"/>
+          <ac:chgData name="Mariam Rodriguez" userId="c09470932690718e" providerId="LiveId" clId="{92E67234-618A-4926-B56E-B721E5CE024C}" dt="2019-05-13T13:44:10.932" v="636" actId="108"/>
           <ac:spMkLst>
             <pc:docMk/>
             <pc:sldMk cId="0" sldId="256"/>
@@ -378,8 +378,8 @@
             <ac:spMk id="57" creationId="{DC1A17CE-A063-4189-926C-0612DB57E211}"/>
           </ac:spMkLst>
         </pc:spChg>
-        <pc:spChg chg="add">
-          <ac:chgData name="Mariam Rodriguez" userId="c09470932690718e" providerId="LiveId" clId="{92E67234-618A-4926-B56E-B721E5CE024C}" dt="2019-05-09T23:14:32.962" v="278"/>
+        <pc:spChg chg="add mod">
+          <ac:chgData name="Mariam Rodriguez" userId="c09470932690718e" providerId="LiveId" clId="{92E67234-618A-4926-B56E-B721E5CE024C}" dt="2019-05-13T13:48:29.026" v="929" actId="1076"/>
           <ac:spMkLst>
             <pc:docMk/>
             <pc:sldMk cId="0" sldId="256"/>
@@ -387,7 +387,7 @@
           </ac:spMkLst>
         </pc:spChg>
         <pc:spChg chg="add mod">
-          <ac:chgData name="Mariam Rodriguez" userId="c09470932690718e" providerId="LiveId" clId="{92E67234-618A-4926-B56E-B721E5CE024C}" dt="2019-05-09T23:15:10.836" v="288" actId="14100"/>
+          <ac:chgData name="Mariam Rodriguez" userId="c09470932690718e" providerId="LiveId" clId="{92E67234-618A-4926-B56E-B721E5CE024C}" dt="2019-05-13T13:49:40.567" v="931" actId="108"/>
           <ac:spMkLst>
             <pc:docMk/>
             <pc:sldMk cId="0" sldId="256"/>
@@ -611,7 +611,7 @@
           </ac:picMkLst>
         </pc:picChg>
         <pc:picChg chg="mod">
-          <ac:chgData name="Mariam Rodriguez" userId="c09470932690718e" providerId="LiveId" clId="{92E67234-618A-4926-B56E-B721E5CE024C}" dt="2019-05-09T23:44:17.728" v="505" actId="207"/>
+          <ac:chgData name="Mariam Rodriguez" userId="c09470932690718e" providerId="LiveId" clId="{92E67234-618A-4926-B56E-B721E5CE024C}" dt="2019-05-13T05:43:13.439" v="512" actId="208"/>
           <ac:picMkLst>
             <pc:docMk/>
             <pc:sldMk cId="0" sldId="256"/>
@@ -6321,8 +6321,13 @@
             <a:avLst/>
           </a:prstGeom>
           <a:noFill/>
-          <a:ln>
-            <a:noFill/>
+          <a:ln w="9525" cap="flat">
+            <a:solidFill>
+              <a:srgbClr val="3465A4"/>
+            </a:solidFill>
+            <a:round/>
+            <a:headEnd/>
+            <a:tailEnd/>
           </a:ln>
           <a:effectLst/>
           <a:extLst>
@@ -6336,16 +6341,6 @@
                   </a:stretch>
                 </a:blipFill>
               </a14:hiddenFill>
-            </a:ext>
-            <a:ext uri="{91240B29-F687-4F45-9708-019B960494DF}">
-              <a14:hiddenLine xmlns:a14="http://schemas.microsoft.com/office/drawing/2010/main" w="9525" cap="flat">
-                <a:solidFill>
-                  <a:srgbClr val="3465A4"/>
-                </a:solidFill>
-                <a:round/>
-                <a:headEnd/>
-                <a:tailEnd/>
-              </a14:hiddenLine>
             </a:ext>
             <a:ext uri="{AF507438-7753-43E0-B8FC-AC1667EBCBE1}">
               <a14:hiddenEffects xmlns:a14="http://schemas.microsoft.com/office/drawing/2010/main">
@@ -13488,10 +13483,10 @@
         </p:nvGrpSpPr>
         <p:grpSpPr>
           <a:xfrm>
-            <a:off x="717364" y="9804681"/>
-            <a:ext cx="9244570" cy="4699392"/>
-            <a:chOff x="5364817" y="0"/>
-            <a:chExt cx="4705894" cy="4322345"/>
+            <a:off x="890649" y="9718610"/>
+            <a:ext cx="9305103" cy="4901451"/>
+            <a:chOff x="5453027" y="-79165"/>
+            <a:chExt cx="4736708" cy="4508192"/>
           </a:xfrm>
         </p:grpSpPr>
         <p:sp>
@@ -13508,7 +13503,7 @@
           </p:nvSpPr>
           <p:spPr>
             <a:xfrm>
-              <a:off x="5364817" y="0"/>
+              <a:off x="5453027" y="0"/>
               <a:ext cx="4705894" cy="4322345"/>
             </a:xfrm>
             <a:prstGeom prst="rect">
@@ -13570,8 +13565,8 @@
           </p:nvSpPr>
           <p:spPr>
             <a:xfrm>
-              <a:off x="5364817" y="0"/>
-              <a:ext cx="4705894" cy="4322345"/>
+              <a:off x="5483841" y="-79165"/>
+              <a:ext cx="4705894" cy="4508192"/>
             </a:xfrm>
             <a:prstGeom prst="rect">
               <a:avLst/>
@@ -13602,7 +13597,7 @@
             </a:bodyPr>
             <a:lstStyle/>
             <a:p>
-              <a:pPr marL="228600" lvl="1" indent="-228600" algn="l" defTabSz="1111250">
+              <a:pPr marL="457200" lvl="1" indent="-457200" algn="l" defTabSz="1111250">
                 <a:lnSpc>
                   <a:spcPct val="90000"/>
                 </a:lnSpc>
@@ -13612,7 +13607,8 @@
                 <a:spcAft>
                   <a:spcPct val="15000"/>
                 </a:spcAft>
-                <a:buChar char="•"/>
+                <a:buFont typeface="Wingdings" panose="05000000000000000000" pitchFamily="2" charset="2"/>
+                <a:buChar char="ü"/>
               </a:pPr>
               <a:r>
                 <a:rPr lang="es-MX" sz="3200" dirty="0">
@@ -13622,11 +13618,11 @@
                   <a:latin typeface="Calibri" panose="020F0502020204030204" pitchFamily="34" charset="0"/>
                   <a:cs typeface="Calibri" panose="020F0502020204030204" pitchFamily="34" charset="0"/>
                 </a:rPr>
-                <a:t>Un usuario (Jefe de inventario) pueda aprobar cambios en el inventario de un producto.</a:t>
+                <a:t>Pueda crear, poder modificar y eliminar cuentas de usuarios.</a:t>
               </a:r>
             </a:p>
             <a:p>
-              <a:pPr marL="228600" lvl="1" indent="-228600" algn="l" defTabSz="1111250">
+              <a:pPr marL="457200" lvl="1" indent="-457200" algn="l" defTabSz="1111250">
                 <a:lnSpc>
                   <a:spcPct val="90000"/>
                 </a:lnSpc>
@@ -13636,7 +13632,8 @@
                 <a:spcAft>
                   <a:spcPct val="15000"/>
                 </a:spcAft>
-                <a:buChar char="•"/>
+                <a:buFont typeface="Wingdings" panose="05000000000000000000" pitchFamily="2" charset="2"/>
+                <a:buChar char="ü"/>
               </a:pPr>
               <a:r>
                 <a:rPr lang="es-MX" sz="3200" dirty="0">
@@ -13646,11 +13643,11 @@
                   <a:latin typeface="Calibri" panose="020F0502020204030204" pitchFamily="34" charset="0"/>
                   <a:cs typeface="Calibri" panose="020F0502020204030204" pitchFamily="34" charset="0"/>
                 </a:rPr>
-                <a:t>Múltiples usuarios (auditor) que tengan la capacidad de solicitar un cambio del SI en la cantidad de un producto.</a:t>
+                <a:t>Usuario Principal pueda aprobar cambios en el inventario de un producto. </a:t>
               </a:r>
             </a:p>
             <a:p>
-              <a:pPr marL="228600" lvl="1" indent="-228600" algn="l" defTabSz="1111250">
+              <a:pPr marL="457200" lvl="1" indent="-457200" algn="l" defTabSz="1111250">
                 <a:lnSpc>
                   <a:spcPct val="90000"/>
                 </a:lnSpc>
@@ -13660,7 +13657,8 @@
                 <a:spcAft>
                   <a:spcPct val="15000"/>
                 </a:spcAft>
-                <a:buChar char="•"/>
+                <a:buFont typeface="Wingdings" panose="05000000000000000000" pitchFamily="2" charset="2"/>
+                <a:buChar char="ü"/>
               </a:pPr>
               <a:r>
                 <a:rPr lang="es-MX" sz="3200" dirty="0">
@@ -13670,7 +13668,54 @@
                   <a:latin typeface="Calibri" panose="020F0502020204030204" pitchFamily="34" charset="0"/>
                   <a:cs typeface="Calibri" panose="020F0502020204030204" pitchFamily="34" charset="0"/>
                 </a:rPr>
-                <a:t>La capacidad de crear y eliminar productos.</a:t>
+                <a:t>Usuario Principal tenga la capacidad de crear y eliminar productos.</a:t>
+              </a:r>
+            </a:p>
+            <a:p>
+              <a:pPr marL="457200" lvl="1" indent="-457200" algn="l" defTabSz="1111250">
+                <a:lnSpc>
+                  <a:spcPct val="90000"/>
+                </a:lnSpc>
+                <a:spcBef>
+                  <a:spcPct val="0"/>
+                </a:spcBef>
+                <a:spcAft>
+                  <a:spcPct val="15000"/>
+                </a:spcAft>
+                <a:buFont typeface="Wingdings" panose="05000000000000000000" pitchFamily="2" charset="2"/>
+                <a:buChar char="ü"/>
+              </a:pPr>
+              <a:r>
+                <a:rPr lang="es-MX" sz="3200" dirty="0">
+                  <a:solidFill>
+                    <a:srgbClr val="000000"/>
+                  </a:solidFill>
+                  <a:latin typeface="Calibri" panose="020F0502020204030204" pitchFamily="34" charset="0"/>
+                  <a:cs typeface="Calibri" panose="020F0502020204030204" pitchFamily="34" charset="0"/>
+                </a:rPr>
+                <a:t>Poder genera un carrito de compras, y en este pueda generar el costo final.</a:t>
+              </a:r>
+            </a:p>
+            <a:p>
+              <a:pPr marL="457200" lvl="1" indent="-457200" defTabSz="1111250">
+                <a:lnSpc>
+                  <a:spcPct val="90000"/>
+                </a:lnSpc>
+                <a:spcAft>
+                  <a:spcPct val="15000"/>
+                </a:spcAft>
+                <a:buFont typeface="Wingdings" panose="05000000000000000000" pitchFamily="2" charset="2"/>
+                <a:buChar char="ü"/>
+              </a:pPr>
+              <a:r>
+                <a:rPr lang="es-MX" sz="3200" dirty="0">
+                  <a:solidFill>
+                    <a:srgbClr val="000000"/>
+                  </a:solidFill>
+                  <a:latin typeface="Calibri" panose="020F0502020204030204" pitchFamily="34" charset="0"/>
+                  <a:cs typeface="Calibri" panose="020F0502020204030204" pitchFamily="34" charset="0"/>
+                </a:rPr>
+                <a:t>Sistema en línea que ayude a que se conozca en más lugares, la empresa.</a:t>
               </a:r>
             </a:p>
           </p:txBody>

--- a/Cartel.pptx
+++ b/Cartel.pptx
@@ -2,7 +2,7 @@
 <file path=ppt/presentation.xml><?xml version="1.0" encoding="utf-8"?>
 <p:presentation xmlns:a="http://schemas.openxmlformats.org/drawingml/2006/main" xmlns:r="http://schemas.openxmlformats.org/officeDocument/2006/relationships" xmlns:p="http://schemas.openxmlformats.org/presentationml/2006/main" strictFirstAndLastChars="0" saveSubsetFonts="1">
   <p:sldMasterIdLst>
-    <p:sldMasterId id="2147483648" r:id="rId1"/>
+    <p:sldMasterId id="2147483660" r:id="rId1"/>
   </p:sldMasterIdLst>
   <p:notesMasterIdLst>
     <p:notesMasterId r:id="rId3"/>
@@ -10,167 +10,112 @@
   <p:sldIdLst>
     <p:sldId id="256" r:id="rId2"/>
   </p:sldIdLst>
-  <p:sldSz cx="21604288" cy="32404050"/>
+  <p:sldSz cx="28800425" cy="43200638"/>
   <p:notesSz cx="6858000" cy="9144000"/>
   <p:defaultTextStyle>
     <a:defPPr>
-      <a:defRPr lang="en-GB"/>
+      <a:defRPr lang="en-US"/>
     </a:defPPr>
-    <a:lvl1pPr algn="l" defTabSz="449263" rtl="0" eaLnBrk="0" fontAlgn="base" hangingPunct="0">
-      <a:spcBef>
-        <a:spcPct val="0"/>
-      </a:spcBef>
-      <a:spcAft>
-        <a:spcPct val="0"/>
-      </a:spcAft>
-      <a:buClr>
-        <a:srgbClr val="000000"/>
-      </a:buClr>
-      <a:buSzPct val="100000"/>
-      <a:buFont typeface="Times New Roman" panose="02020603050405020304" pitchFamily="18" charset="0"/>
-      <a:defRPr kern="1200">
+    <a:lvl1pPr marL="0" algn="l" defTabSz="457200" rtl="0" eaLnBrk="1" latinLnBrk="0" hangingPunct="1">
+      <a:defRPr sz="1800" kern="1200">
         <a:solidFill>
-          <a:schemeClr val="bg1"/>
+          <a:schemeClr val="tx1"/>
         </a:solidFill>
-        <a:latin typeface="Arial" panose="020B0604020202020204" pitchFamily="34" charset="0"/>
+        <a:latin typeface="+mn-lt"/>
         <a:ea typeface="+mn-ea"/>
-        <a:cs typeface="Arial" panose="020B0604020202020204" pitchFamily="34" charset="0"/>
+        <a:cs typeface="+mn-cs"/>
       </a:defRPr>
     </a:lvl1pPr>
-    <a:lvl2pPr marL="742950" indent="-285750" algn="l" defTabSz="449263" rtl="0" eaLnBrk="0" fontAlgn="base" hangingPunct="0">
-      <a:spcBef>
-        <a:spcPct val="0"/>
-      </a:spcBef>
-      <a:spcAft>
-        <a:spcPct val="0"/>
-      </a:spcAft>
-      <a:buClr>
-        <a:srgbClr val="000000"/>
-      </a:buClr>
-      <a:buSzPct val="100000"/>
-      <a:buFont typeface="Times New Roman" panose="02020603050405020304" pitchFamily="18" charset="0"/>
-      <a:defRPr kern="1200">
+    <a:lvl2pPr marL="457200" algn="l" defTabSz="457200" rtl="0" eaLnBrk="1" latinLnBrk="0" hangingPunct="1">
+      <a:defRPr sz="1800" kern="1200">
         <a:solidFill>
-          <a:schemeClr val="bg1"/>
+          <a:schemeClr val="tx1"/>
         </a:solidFill>
-        <a:latin typeface="Arial" panose="020B0604020202020204" pitchFamily="34" charset="0"/>
+        <a:latin typeface="+mn-lt"/>
         <a:ea typeface="+mn-ea"/>
-        <a:cs typeface="Arial" panose="020B0604020202020204" pitchFamily="34" charset="0"/>
+        <a:cs typeface="+mn-cs"/>
       </a:defRPr>
     </a:lvl2pPr>
-    <a:lvl3pPr marL="1143000" indent="-228600" algn="l" defTabSz="449263" rtl="0" eaLnBrk="0" fontAlgn="base" hangingPunct="0">
-      <a:spcBef>
-        <a:spcPct val="0"/>
-      </a:spcBef>
-      <a:spcAft>
-        <a:spcPct val="0"/>
-      </a:spcAft>
-      <a:buClr>
-        <a:srgbClr val="000000"/>
-      </a:buClr>
-      <a:buSzPct val="100000"/>
-      <a:buFont typeface="Times New Roman" panose="02020603050405020304" pitchFamily="18" charset="0"/>
-      <a:defRPr kern="1200">
+    <a:lvl3pPr marL="914400" algn="l" defTabSz="457200" rtl="0" eaLnBrk="1" latinLnBrk="0" hangingPunct="1">
+      <a:defRPr sz="1800" kern="1200">
         <a:solidFill>
-          <a:schemeClr val="bg1"/>
+          <a:schemeClr val="tx1"/>
         </a:solidFill>
-        <a:latin typeface="Arial" panose="020B0604020202020204" pitchFamily="34" charset="0"/>
+        <a:latin typeface="+mn-lt"/>
         <a:ea typeface="+mn-ea"/>
-        <a:cs typeface="Arial" panose="020B0604020202020204" pitchFamily="34" charset="0"/>
+        <a:cs typeface="+mn-cs"/>
       </a:defRPr>
     </a:lvl3pPr>
-    <a:lvl4pPr marL="1600200" indent="-228600" algn="l" defTabSz="449263" rtl="0" eaLnBrk="0" fontAlgn="base" hangingPunct="0">
-      <a:spcBef>
-        <a:spcPct val="0"/>
-      </a:spcBef>
-      <a:spcAft>
-        <a:spcPct val="0"/>
-      </a:spcAft>
-      <a:buClr>
-        <a:srgbClr val="000000"/>
-      </a:buClr>
-      <a:buSzPct val="100000"/>
-      <a:buFont typeface="Times New Roman" panose="02020603050405020304" pitchFamily="18" charset="0"/>
-      <a:defRPr kern="1200">
+    <a:lvl4pPr marL="1371600" algn="l" defTabSz="457200" rtl="0" eaLnBrk="1" latinLnBrk="0" hangingPunct="1">
+      <a:defRPr sz="1800" kern="1200">
         <a:solidFill>
-          <a:schemeClr val="bg1"/>
+          <a:schemeClr val="tx1"/>
         </a:solidFill>
-        <a:latin typeface="Arial" panose="020B0604020202020204" pitchFamily="34" charset="0"/>
+        <a:latin typeface="+mn-lt"/>
         <a:ea typeface="+mn-ea"/>
-        <a:cs typeface="Arial" panose="020B0604020202020204" pitchFamily="34" charset="0"/>
+        <a:cs typeface="+mn-cs"/>
       </a:defRPr>
     </a:lvl4pPr>
-    <a:lvl5pPr marL="2057400" indent="-228600" algn="l" defTabSz="449263" rtl="0" eaLnBrk="0" fontAlgn="base" hangingPunct="0">
-      <a:spcBef>
-        <a:spcPct val="0"/>
-      </a:spcBef>
-      <a:spcAft>
-        <a:spcPct val="0"/>
-      </a:spcAft>
-      <a:buClr>
-        <a:srgbClr val="000000"/>
-      </a:buClr>
-      <a:buSzPct val="100000"/>
-      <a:buFont typeface="Times New Roman" panose="02020603050405020304" pitchFamily="18" charset="0"/>
-      <a:defRPr kern="1200">
+    <a:lvl5pPr marL="1828800" algn="l" defTabSz="457200" rtl="0" eaLnBrk="1" latinLnBrk="0" hangingPunct="1">
+      <a:defRPr sz="1800" kern="1200">
         <a:solidFill>
-          <a:schemeClr val="bg1"/>
+          <a:schemeClr val="tx1"/>
         </a:solidFill>
-        <a:latin typeface="Arial" panose="020B0604020202020204" pitchFamily="34" charset="0"/>
+        <a:latin typeface="+mn-lt"/>
         <a:ea typeface="+mn-ea"/>
-        <a:cs typeface="Arial" panose="020B0604020202020204" pitchFamily="34" charset="0"/>
+        <a:cs typeface="+mn-cs"/>
       </a:defRPr>
     </a:lvl5pPr>
-    <a:lvl6pPr marL="2286000" algn="l" defTabSz="914400" rtl="0" eaLnBrk="1" latinLnBrk="0" hangingPunct="1">
-      <a:defRPr kern="1200">
+    <a:lvl6pPr marL="2286000" algn="l" defTabSz="457200" rtl="0" eaLnBrk="1" latinLnBrk="0" hangingPunct="1">
+      <a:defRPr sz="1800" kern="1200">
         <a:solidFill>
-          <a:schemeClr val="bg1"/>
+          <a:schemeClr val="tx1"/>
         </a:solidFill>
-        <a:latin typeface="Arial" panose="020B0604020202020204" pitchFamily="34" charset="0"/>
+        <a:latin typeface="+mn-lt"/>
         <a:ea typeface="+mn-ea"/>
-        <a:cs typeface="Arial" panose="020B0604020202020204" pitchFamily="34" charset="0"/>
+        <a:cs typeface="+mn-cs"/>
       </a:defRPr>
     </a:lvl6pPr>
-    <a:lvl7pPr marL="2743200" algn="l" defTabSz="914400" rtl="0" eaLnBrk="1" latinLnBrk="0" hangingPunct="1">
-      <a:defRPr kern="1200">
+    <a:lvl7pPr marL="2743200" algn="l" defTabSz="457200" rtl="0" eaLnBrk="1" latinLnBrk="0" hangingPunct="1">
+      <a:defRPr sz="1800" kern="1200">
         <a:solidFill>
-          <a:schemeClr val="bg1"/>
+          <a:schemeClr val="tx1"/>
         </a:solidFill>
-        <a:latin typeface="Arial" panose="020B0604020202020204" pitchFamily="34" charset="0"/>
+        <a:latin typeface="+mn-lt"/>
         <a:ea typeface="+mn-ea"/>
-        <a:cs typeface="Arial" panose="020B0604020202020204" pitchFamily="34" charset="0"/>
+        <a:cs typeface="+mn-cs"/>
       </a:defRPr>
     </a:lvl7pPr>
-    <a:lvl8pPr marL="3200400" algn="l" defTabSz="914400" rtl="0" eaLnBrk="1" latinLnBrk="0" hangingPunct="1">
-      <a:defRPr kern="1200">
+    <a:lvl8pPr marL="3200400" algn="l" defTabSz="457200" rtl="0" eaLnBrk="1" latinLnBrk="0" hangingPunct="1">
+      <a:defRPr sz="1800" kern="1200">
         <a:solidFill>
-          <a:schemeClr val="bg1"/>
+          <a:schemeClr val="tx1"/>
         </a:solidFill>
-        <a:latin typeface="Arial" panose="020B0604020202020204" pitchFamily="34" charset="0"/>
+        <a:latin typeface="+mn-lt"/>
         <a:ea typeface="+mn-ea"/>
-        <a:cs typeface="Arial" panose="020B0604020202020204" pitchFamily="34" charset="0"/>
+        <a:cs typeface="+mn-cs"/>
       </a:defRPr>
     </a:lvl8pPr>
-    <a:lvl9pPr marL="3657600" algn="l" defTabSz="914400" rtl="0" eaLnBrk="1" latinLnBrk="0" hangingPunct="1">
-      <a:defRPr kern="1200">
+    <a:lvl9pPr marL="3657600" algn="l" defTabSz="457200" rtl="0" eaLnBrk="1" latinLnBrk="0" hangingPunct="1">
+      <a:defRPr sz="1800" kern="1200">
         <a:solidFill>
-          <a:schemeClr val="bg1"/>
+          <a:schemeClr val="tx1"/>
         </a:solidFill>
-        <a:latin typeface="Arial" panose="020B0604020202020204" pitchFamily="34" charset="0"/>
+        <a:latin typeface="+mn-lt"/>
         <a:ea typeface="+mn-ea"/>
-        <a:cs typeface="Arial" panose="020B0604020202020204" pitchFamily="34" charset="0"/>
+        <a:cs typeface="+mn-cs"/>
       </a:defRPr>
     </a:lvl9pPr>
   </p:defaultTextStyle>
   <p:extLst>
     <p:ext uri="{EFAFB233-063F-42B5-8137-9DF3F51BA10A}">
       <p15:sldGuideLst xmlns:p15="http://schemas.microsoft.com/office/powerpoint/2012/main">
-        <p15:guide id="1" orient="horz" pos="2160">
+        <p15:guide id="1" orient="horz" pos="2880" userDrawn="1">
           <p15:clr>
             <a:srgbClr val="A4A3A4"/>
           </p15:clr>
         </p15:guide>
-        <p15:guide id="2" pos="2880">
+        <p15:guide id="2" pos="3839" userDrawn="1">
           <p15:clr>
             <a:srgbClr val="A4A3A4"/>
           </p15:clr>
@@ -852,7 +797,7 @@
   </p:cSld>
   <p:clrMap bg1="lt1" tx1="dk1" bg2="lt2" tx2="dk2" accent1="accent1" accent2="accent2" accent3="accent3" accent4="accent4" accent5="accent5" accent6="accent6" hlink="hlink" folHlink="folHlink"/>
   <p:notesStyle>
-    <a:lvl1pPr algn="l" defTabSz="449263" rtl="0" eaLnBrk="0" fontAlgn="base" hangingPunct="0">
+    <a:lvl1pPr algn="l" defTabSz="598913" rtl="0" eaLnBrk="0" fontAlgn="base" hangingPunct="0">
       <a:spcBef>
         <a:spcPct val="30000"/>
       </a:spcBef>
@@ -864,7 +809,7 @@
       </a:buClr>
       <a:buSzPct val="100000"/>
       <a:buFont typeface="Times New Roman" panose="02020603050405020304" pitchFamily="18" charset="0"/>
-      <a:defRPr sz="1200" kern="1200">
+      <a:defRPr sz="1600" kern="1200">
         <a:solidFill>
           <a:srgbClr val="000000"/>
         </a:solidFill>
@@ -873,7 +818,7 @@
         <a:cs typeface="+mn-cs"/>
       </a:defRPr>
     </a:lvl1pPr>
-    <a:lvl2pPr marL="742950" indent="-285750" algn="l" defTabSz="449263" rtl="0" eaLnBrk="0" fontAlgn="base" hangingPunct="0">
+    <a:lvl2pPr marL="990427" indent="-380933" algn="l" defTabSz="598913" rtl="0" eaLnBrk="0" fontAlgn="base" hangingPunct="0">
       <a:spcBef>
         <a:spcPct val="30000"/>
       </a:spcBef>
@@ -885,7 +830,7 @@
       </a:buClr>
       <a:buSzPct val="100000"/>
       <a:buFont typeface="Times New Roman" panose="02020603050405020304" pitchFamily="18" charset="0"/>
-      <a:defRPr sz="1200" kern="1200">
+      <a:defRPr sz="1600" kern="1200">
         <a:solidFill>
           <a:srgbClr val="000000"/>
         </a:solidFill>
@@ -894,7 +839,7 @@
         <a:cs typeface="+mn-cs"/>
       </a:defRPr>
     </a:lvl2pPr>
-    <a:lvl3pPr marL="1143000" indent="-228600" algn="l" defTabSz="449263" rtl="0" eaLnBrk="0" fontAlgn="base" hangingPunct="0">
+    <a:lvl3pPr marL="1523733" indent="-304747" algn="l" defTabSz="598913" rtl="0" eaLnBrk="0" fontAlgn="base" hangingPunct="0">
       <a:spcBef>
         <a:spcPct val="30000"/>
       </a:spcBef>
@@ -906,7 +851,7 @@
       </a:buClr>
       <a:buSzPct val="100000"/>
       <a:buFont typeface="Times New Roman" panose="02020603050405020304" pitchFamily="18" charset="0"/>
-      <a:defRPr sz="1200" kern="1200">
+      <a:defRPr sz="1600" kern="1200">
         <a:solidFill>
           <a:srgbClr val="000000"/>
         </a:solidFill>
@@ -915,7 +860,7 @@
         <a:cs typeface="+mn-cs"/>
       </a:defRPr>
     </a:lvl3pPr>
-    <a:lvl4pPr marL="1600200" indent="-228600" algn="l" defTabSz="449263" rtl="0" eaLnBrk="0" fontAlgn="base" hangingPunct="0">
+    <a:lvl4pPr marL="2133227" indent="-304747" algn="l" defTabSz="598913" rtl="0" eaLnBrk="0" fontAlgn="base" hangingPunct="0">
       <a:spcBef>
         <a:spcPct val="30000"/>
       </a:spcBef>
@@ -927,7 +872,7 @@
       </a:buClr>
       <a:buSzPct val="100000"/>
       <a:buFont typeface="Times New Roman" panose="02020603050405020304" pitchFamily="18" charset="0"/>
-      <a:defRPr sz="1200" kern="1200">
+      <a:defRPr sz="1600" kern="1200">
         <a:solidFill>
           <a:srgbClr val="000000"/>
         </a:solidFill>
@@ -936,7 +881,7 @@
         <a:cs typeface="+mn-cs"/>
       </a:defRPr>
     </a:lvl4pPr>
-    <a:lvl5pPr marL="2057400" indent="-228600" algn="l" defTabSz="449263" rtl="0" eaLnBrk="0" fontAlgn="base" hangingPunct="0">
+    <a:lvl5pPr marL="2742720" indent="-304747" algn="l" defTabSz="598913" rtl="0" eaLnBrk="0" fontAlgn="base" hangingPunct="0">
       <a:spcBef>
         <a:spcPct val="30000"/>
       </a:spcBef>
@@ -948,7 +893,7 @@
       </a:buClr>
       <a:buSzPct val="100000"/>
       <a:buFont typeface="Times New Roman" panose="02020603050405020304" pitchFamily="18" charset="0"/>
-      <a:defRPr sz="1200" kern="1200">
+      <a:defRPr sz="1600" kern="1200">
         <a:solidFill>
           <a:srgbClr val="000000"/>
         </a:solidFill>
@@ -957,8 +902,8 @@
         <a:cs typeface="+mn-cs"/>
       </a:defRPr>
     </a:lvl5pPr>
-    <a:lvl6pPr marL="2286000" algn="l" defTabSz="914400" rtl="0" eaLnBrk="1" latinLnBrk="0" hangingPunct="1">
-      <a:defRPr sz="1200" kern="1200">
+    <a:lvl6pPr marL="3047467" algn="l" defTabSz="1218987" rtl="0" eaLnBrk="1" latinLnBrk="0" hangingPunct="1">
+      <a:defRPr sz="1600" kern="1200">
         <a:solidFill>
           <a:schemeClr val="tx1"/>
         </a:solidFill>
@@ -967,8 +912,8 @@
         <a:cs typeface="+mn-cs"/>
       </a:defRPr>
     </a:lvl6pPr>
-    <a:lvl7pPr marL="2743200" algn="l" defTabSz="914400" rtl="0" eaLnBrk="1" latinLnBrk="0" hangingPunct="1">
-      <a:defRPr sz="1200" kern="1200">
+    <a:lvl7pPr marL="3656960" algn="l" defTabSz="1218987" rtl="0" eaLnBrk="1" latinLnBrk="0" hangingPunct="1">
+      <a:defRPr sz="1600" kern="1200">
         <a:solidFill>
           <a:schemeClr val="tx1"/>
         </a:solidFill>
@@ -977,8 +922,8 @@
         <a:cs typeface="+mn-cs"/>
       </a:defRPr>
     </a:lvl7pPr>
-    <a:lvl8pPr marL="3200400" algn="l" defTabSz="914400" rtl="0" eaLnBrk="1" latinLnBrk="0" hangingPunct="1">
-      <a:defRPr sz="1200" kern="1200">
+    <a:lvl8pPr marL="4266453" algn="l" defTabSz="1218987" rtl="0" eaLnBrk="1" latinLnBrk="0" hangingPunct="1">
+      <a:defRPr sz="1600" kern="1200">
         <a:solidFill>
           <a:schemeClr val="tx1"/>
         </a:solidFill>
@@ -987,8 +932,8 @@
         <a:cs typeface="+mn-cs"/>
       </a:defRPr>
     </a:lvl8pPr>
-    <a:lvl9pPr marL="3657600" algn="l" defTabSz="914400" rtl="0" eaLnBrk="1" latinLnBrk="0" hangingPunct="1">
-      <a:defRPr sz="1200" kern="1200">
+    <a:lvl9pPr marL="4875947" algn="l" defTabSz="1218987" rtl="0" eaLnBrk="1" latinLnBrk="0" hangingPunct="1">
+      <a:defRPr sz="1600" kern="1200">
         <a:solidFill>
           <a:schemeClr val="tx1"/>
         </a:solidFill>
@@ -1164,13 +1109,7 @@
       </p:grpSpPr>
       <p:sp>
         <p:nvSpPr>
-          <p:cNvPr id="2" name="Título 1">
-            <a:extLst>
-              <a:ext uri="{FF2B5EF4-FFF2-40B4-BE49-F238E27FC236}">
-                <a16:creationId xmlns:a16="http://schemas.microsoft.com/office/drawing/2014/main" id="{463A29D8-C998-48EF-82E5-9D5A38A93FB7}"/>
-              </a:ext>
-            </a:extLst>
-          </p:cNvPr>
+          <p:cNvPr id="2" name="Title 1"/>
           <p:cNvSpPr>
             <a:spLocks noGrp="1"/>
           </p:cNvSpPr>
@@ -1180,15 +1119,15 @@
         </p:nvSpPr>
         <p:spPr>
           <a:xfrm>
-            <a:off x="2700338" y="5303838"/>
-            <a:ext cx="16203612" cy="11280775"/>
+            <a:off x="2160032" y="7070108"/>
+            <a:ext cx="24480361" cy="15040222"/>
           </a:xfrm>
         </p:spPr>
         <p:txBody>
           <a:bodyPr anchor="b"/>
           <a:lstStyle>
             <a:lvl1pPr algn="ctr">
-              <a:defRPr sz="6000"/>
+              <a:defRPr sz="18898"/>
             </a:lvl1pPr>
           </a:lstStyle>
           <a:p>
@@ -1196,19 +1135,13 @@
               <a:rPr lang="es-ES"/>
               <a:t>Haga clic para modificar el estilo de título del patrón</a:t>
             </a:r>
-            <a:endParaRPr lang="es-MX"/>
+            <a:endParaRPr lang="en-US" dirty="0"/>
           </a:p>
         </p:txBody>
       </p:sp>
       <p:sp>
         <p:nvSpPr>
-          <p:cNvPr id="3" name="Subtítulo 2">
-            <a:extLst>
-              <a:ext uri="{FF2B5EF4-FFF2-40B4-BE49-F238E27FC236}">
-                <a16:creationId xmlns:a16="http://schemas.microsoft.com/office/drawing/2014/main" id="{CE78CDB8-4D5F-41C8-B1F1-53E9FB57778C}"/>
-              </a:ext>
-            </a:extLst>
-          </p:cNvPr>
+          <p:cNvPr id="3" name="Subtitle 2"/>
           <p:cNvSpPr>
             <a:spLocks noGrp="1"/>
           </p:cNvSpPr>
@@ -1218,8 +1151,8 @@
         </p:nvSpPr>
         <p:spPr>
           <a:xfrm>
-            <a:off x="2700338" y="17019588"/>
-            <a:ext cx="16203612" cy="7823200"/>
+            <a:off x="3600053" y="22690338"/>
+            <a:ext cx="21600319" cy="10430151"/>
           </a:xfrm>
         </p:spPr>
         <p:txBody>
@@ -1227,39 +1160,39 @@
           <a:lstStyle>
             <a:lvl1pPr marL="0" indent="0" algn="ctr">
               <a:buNone/>
-              <a:defRPr sz="2400"/>
+              <a:defRPr sz="7559"/>
             </a:lvl1pPr>
-            <a:lvl2pPr marL="457200" indent="0" algn="ctr">
+            <a:lvl2pPr marL="1440043" indent="0" algn="ctr">
               <a:buNone/>
-              <a:defRPr sz="2000"/>
+              <a:defRPr sz="6299"/>
             </a:lvl2pPr>
-            <a:lvl3pPr marL="914400" indent="0" algn="ctr">
+            <a:lvl3pPr marL="2880086" indent="0" algn="ctr">
               <a:buNone/>
-              <a:defRPr sz="1800"/>
+              <a:defRPr sz="5669"/>
             </a:lvl3pPr>
-            <a:lvl4pPr marL="1371600" indent="0" algn="ctr">
+            <a:lvl4pPr marL="4320129" indent="0" algn="ctr">
               <a:buNone/>
-              <a:defRPr sz="1600"/>
+              <a:defRPr sz="5040"/>
             </a:lvl4pPr>
-            <a:lvl5pPr marL="1828800" indent="0" algn="ctr">
+            <a:lvl5pPr marL="5760171" indent="0" algn="ctr">
               <a:buNone/>
-              <a:defRPr sz="1600"/>
+              <a:defRPr sz="5040"/>
             </a:lvl5pPr>
-            <a:lvl6pPr marL="2286000" indent="0" algn="ctr">
+            <a:lvl6pPr marL="7200214" indent="0" algn="ctr">
               <a:buNone/>
-              <a:defRPr sz="1600"/>
+              <a:defRPr sz="5040"/>
             </a:lvl6pPr>
-            <a:lvl7pPr marL="2743200" indent="0" algn="ctr">
+            <a:lvl7pPr marL="8640257" indent="0" algn="ctr">
               <a:buNone/>
-              <a:defRPr sz="1600"/>
+              <a:defRPr sz="5040"/>
             </a:lvl7pPr>
-            <a:lvl8pPr marL="3200400" indent="0" algn="ctr">
+            <a:lvl8pPr marL="10080300" indent="0" algn="ctr">
               <a:buNone/>
-              <a:defRPr sz="1600"/>
+              <a:defRPr sz="5040"/>
             </a:lvl8pPr>
-            <a:lvl9pPr marL="3657600" indent="0" algn="ctr">
+            <a:lvl9pPr marL="11520343" indent="0" algn="ctr">
               <a:buNone/>
-              <a:defRPr sz="1600"/>
+              <a:defRPr sz="5040"/>
             </a:lvl9pPr>
           </a:lstStyle>
           <a:p>
@@ -1267,37 +1200,69 @@
               <a:rPr lang="es-ES"/>
               <a:t>Haga clic para modificar el estilo de subtítulo del patrón</a:t>
             </a:r>
-            <a:endParaRPr lang="es-MX"/>
+            <a:endParaRPr lang="en-US" dirty="0"/>
           </a:p>
         </p:txBody>
       </p:sp>
       <p:sp>
         <p:nvSpPr>
-          <p:cNvPr id="4" name="Marcador de número de diapositiva 3">
-            <a:extLst>
-              <a:ext uri="{FF2B5EF4-FFF2-40B4-BE49-F238E27FC236}">
-                <a16:creationId xmlns:a16="http://schemas.microsoft.com/office/drawing/2014/main" id="{7A5DC7C4-263F-4D91-9FA8-17415A4DCFA1}"/>
-              </a:ext>
-            </a:extLst>
-          </p:cNvPr>
+          <p:cNvPr id="4" name="Date Placeholder 3"/>
           <p:cNvSpPr>
             <a:spLocks noGrp="1"/>
           </p:cNvSpPr>
           <p:nvPr>
-            <p:ph type="sldNum" idx="10"/>
+            <p:ph type="dt" sz="half" idx="10"/>
           </p:nvPr>
         </p:nvSpPr>
         <p:spPr/>
         <p:txBody>
           <a:bodyPr/>
-          <a:lstStyle>
-            <a:lvl1pPr>
-              <a:defRPr/>
-            </a:lvl1pPr>
-          </a:lstStyle>
+          <a:lstStyle/>
+          <a:p>
+            <a:fld id="{C764DE79-268F-4C1A-8933-263129D2AF90}" type="datetimeFigureOut">
+              <a:rPr lang="en-US" dirty="0"/>
+              <a:t>5/13/2019</a:t>
+            </a:fld>
+            <a:endParaRPr lang="en-US" dirty="0"/>
+          </a:p>
+        </p:txBody>
+      </p:sp>
+      <p:sp>
+        <p:nvSpPr>
+          <p:cNvPr id="5" name="Footer Placeholder 4"/>
+          <p:cNvSpPr>
+            <a:spLocks noGrp="1"/>
+          </p:cNvSpPr>
+          <p:nvPr>
+            <p:ph type="ftr" sz="quarter" idx="11"/>
+          </p:nvPr>
+        </p:nvSpPr>
+        <p:spPr/>
+        <p:txBody>
+          <a:bodyPr/>
+          <a:lstStyle/>
+          <a:p>
+            <a:endParaRPr lang="en-US" dirty="0"/>
+          </a:p>
+        </p:txBody>
+      </p:sp>
+      <p:sp>
+        <p:nvSpPr>
+          <p:cNvPr id="6" name="Slide Number Placeholder 5"/>
+          <p:cNvSpPr>
+            <a:spLocks noGrp="1"/>
+          </p:cNvSpPr>
+          <p:nvPr>
+            <p:ph type="sldNum" sz="quarter" idx="12"/>
+          </p:nvPr>
+        </p:nvSpPr>
+        <p:spPr/>
+        <p:txBody>
+          <a:bodyPr/>
+          <a:lstStyle/>
           <a:p>
             <a:fld id="{2C9C759A-D9DC-45B7-AAB5-9C3EA96C2E8D}" type="slidenum">
-              <a:rPr lang="es-MX" altLang="es-MX"/>
+              <a:rPr lang="es-MX" altLang="es-MX" smtClean="0"/>
               <a:pPr/>
               <a:t>‹Nº›</a:t>
             </a:fld>
@@ -1308,7 +1273,7 @@
     </p:spTree>
     <p:extLst>
       <p:ext uri="{BB962C8B-B14F-4D97-AF65-F5344CB8AC3E}">
-        <p14:creationId xmlns:p14="http://schemas.microsoft.com/office/powerpoint/2010/main" val="1680792175"/>
+        <p14:creationId xmlns:p14="http://schemas.microsoft.com/office/powerpoint/2010/main" val="1015859566"/>
       </p:ext>
     </p:extLst>
   </p:cSld>
@@ -1337,13 +1302,7 @@
       </p:grpSpPr>
       <p:sp>
         <p:nvSpPr>
-          <p:cNvPr id="2" name="Título 1">
-            <a:extLst>
-              <a:ext uri="{FF2B5EF4-FFF2-40B4-BE49-F238E27FC236}">
-                <a16:creationId xmlns:a16="http://schemas.microsoft.com/office/drawing/2014/main" id="{1E416235-8A9A-424A-897A-9C644E5B6618}"/>
-              </a:ext>
-            </a:extLst>
-          </p:cNvPr>
+          <p:cNvPr id="2" name="Title 1"/>
           <p:cNvSpPr>
             <a:spLocks noGrp="1"/>
           </p:cNvSpPr>
@@ -1360,19 +1319,13 @@
               <a:rPr lang="es-ES"/>
               <a:t>Haga clic para modificar el estilo de título del patrón</a:t>
             </a:r>
-            <a:endParaRPr lang="es-MX"/>
+            <a:endParaRPr lang="en-US" dirty="0"/>
           </a:p>
         </p:txBody>
       </p:sp>
       <p:sp>
         <p:nvSpPr>
-          <p:cNvPr id="3" name="Marcador de texto vertical 2">
-            <a:extLst>
-              <a:ext uri="{FF2B5EF4-FFF2-40B4-BE49-F238E27FC236}">
-                <a16:creationId xmlns:a16="http://schemas.microsoft.com/office/drawing/2014/main" id="{D36463BE-D5D1-4593-BEC4-BC52D09D9494}"/>
-              </a:ext>
-            </a:extLst>
-          </p:cNvPr>
+          <p:cNvPr id="3" name="Vertical Text Placeholder 2"/>
           <p:cNvSpPr>
             <a:spLocks noGrp="1"/>
           </p:cNvSpPr>
@@ -1418,37 +1371,69 @@
               <a:rPr lang="es-ES"/>
               <a:t>Quinto nivel</a:t>
             </a:r>
-            <a:endParaRPr lang="es-MX"/>
+            <a:endParaRPr lang="en-US" dirty="0"/>
           </a:p>
         </p:txBody>
       </p:sp>
       <p:sp>
         <p:nvSpPr>
-          <p:cNvPr id="4" name="Marcador de número de diapositiva 3">
-            <a:extLst>
-              <a:ext uri="{FF2B5EF4-FFF2-40B4-BE49-F238E27FC236}">
-                <a16:creationId xmlns:a16="http://schemas.microsoft.com/office/drawing/2014/main" id="{35B79610-532F-4A2E-9FF0-82A55BC224CF}"/>
-              </a:ext>
-            </a:extLst>
-          </p:cNvPr>
+          <p:cNvPr id="4" name="Date Placeholder 3"/>
           <p:cNvSpPr>
             <a:spLocks noGrp="1"/>
           </p:cNvSpPr>
           <p:nvPr>
-            <p:ph type="sldNum" idx="10"/>
+            <p:ph type="dt" sz="half" idx="10"/>
           </p:nvPr>
         </p:nvSpPr>
         <p:spPr/>
         <p:txBody>
           <a:bodyPr/>
-          <a:lstStyle>
-            <a:lvl1pPr>
-              <a:defRPr/>
-            </a:lvl1pPr>
-          </a:lstStyle>
+          <a:lstStyle/>
+          <a:p>
+            <a:fld id="{C764DE79-268F-4C1A-8933-263129D2AF90}" type="datetimeFigureOut">
+              <a:rPr lang="en-US" dirty="0"/>
+              <a:t>5/13/2019</a:t>
+            </a:fld>
+            <a:endParaRPr lang="en-US" dirty="0"/>
+          </a:p>
+        </p:txBody>
+      </p:sp>
+      <p:sp>
+        <p:nvSpPr>
+          <p:cNvPr id="5" name="Footer Placeholder 4"/>
+          <p:cNvSpPr>
+            <a:spLocks noGrp="1"/>
+          </p:cNvSpPr>
+          <p:nvPr>
+            <p:ph type="ftr" sz="quarter" idx="11"/>
+          </p:nvPr>
+        </p:nvSpPr>
+        <p:spPr/>
+        <p:txBody>
+          <a:bodyPr/>
+          <a:lstStyle/>
+          <a:p>
+            <a:endParaRPr lang="en-US" dirty="0"/>
+          </a:p>
+        </p:txBody>
+      </p:sp>
+      <p:sp>
+        <p:nvSpPr>
+          <p:cNvPr id="6" name="Slide Number Placeholder 5"/>
+          <p:cNvSpPr>
+            <a:spLocks noGrp="1"/>
+          </p:cNvSpPr>
+          <p:nvPr>
+            <p:ph type="sldNum" sz="quarter" idx="12"/>
+          </p:nvPr>
+        </p:nvSpPr>
+        <p:spPr/>
+        <p:txBody>
+          <a:bodyPr/>
+          <a:lstStyle/>
           <a:p>
             <a:fld id="{A9B92C32-E65E-445A-B320-6DE0DA959D4C}" type="slidenum">
-              <a:rPr lang="es-MX" altLang="es-MX"/>
+              <a:rPr lang="es-MX" altLang="es-MX" smtClean="0"/>
               <a:pPr/>
               <a:t>‹Nº›</a:t>
             </a:fld>
@@ -1459,7 +1444,7 @@
     </p:spTree>
     <p:extLst>
       <p:ext uri="{BB962C8B-B14F-4D97-AF65-F5344CB8AC3E}">
-        <p14:creationId xmlns:p14="http://schemas.microsoft.com/office/powerpoint/2010/main" val="2744764810"/>
+        <p14:creationId xmlns:p14="http://schemas.microsoft.com/office/powerpoint/2010/main" val="4087587327"/>
       </p:ext>
     </p:extLst>
   </p:cSld>
@@ -1488,13 +1473,7 @@
       </p:grpSpPr>
       <p:sp>
         <p:nvSpPr>
-          <p:cNvPr id="2" name="Título vertical 1">
-            <a:extLst>
-              <a:ext uri="{FF2B5EF4-FFF2-40B4-BE49-F238E27FC236}">
-                <a16:creationId xmlns:a16="http://schemas.microsoft.com/office/drawing/2014/main" id="{560176DF-02BA-40C0-87E0-F146CC9262E1}"/>
-              </a:ext>
-            </a:extLst>
-          </p:cNvPr>
+          <p:cNvPr id="2" name="Vertical Title 1"/>
           <p:cNvSpPr>
             <a:spLocks noGrp="1"/>
           </p:cNvSpPr>
@@ -1504,8 +1483,8 @@
         </p:nvSpPr>
         <p:spPr>
           <a:xfrm>
-            <a:off x="15660688" y="1296988"/>
-            <a:ext cx="4859337" cy="27646312"/>
+            <a:off x="20610306" y="2300034"/>
+            <a:ext cx="6210092" cy="36610544"/>
           </a:xfrm>
         </p:spPr>
         <p:txBody>
@@ -1516,19 +1495,13 @@
               <a:rPr lang="es-ES"/>
               <a:t>Haga clic para modificar el estilo de título del patrón</a:t>
             </a:r>
-            <a:endParaRPr lang="es-MX"/>
+            <a:endParaRPr lang="en-US" dirty="0"/>
           </a:p>
         </p:txBody>
       </p:sp>
       <p:sp>
         <p:nvSpPr>
-          <p:cNvPr id="3" name="Marcador de texto vertical 2">
-            <a:extLst>
-              <a:ext uri="{FF2B5EF4-FFF2-40B4-BE49-F238E27FC236}">
-                <a16:creationId xmlns:a16="http://schemas.microsoft.com/office/drawing/2014/main" id="{1A05ED9C-4CB4-45A1-ACCE-6912189A581B}"/>
-              </a:ext>
-            </a:extLst>
-          </p:cNvPr>
+          <p:cNvPr id="3" name="Vertical Text Placeholder 2"/>
           <p:cNvSpPr>
             <a:spLocks noGrp="1"/>
           </p:cNvSpPr>
@@ -1538,8 +1511,8 @@
         </p:nvSpPr>
         <p:spPr>
           <a:xfrm>
-            <a:off x="1079500" y="1296988"/>
-            <a:ext cx="14428788" cy="27646312"/>
+            <a:off x="1980031" y="2300034"/>
+            <a:ext cx="18270270" cy="36610544"/>
           </a:xfrm>
         </p:spPr>
         <p:txBody>
@@ -1579,37 +1552,69 @@
               <a:rPr lang="es-ES"/>
               <a:t>Quinto nivel</a:t>
             </a:r>
-            <a:endParaRPr lang="es-MX"/>
+            <a:endParaRPr lang="en-US" dirty="0"/>
           </a:p>
         </p:txBody>
       </p:sp>
       <p:sp>
         <p:nvSpPr>
-          <p:cNvPr id="4" name="Marcador de número de diapositiva 3">
-            <a:extLst>
-              <a:ext uri="{FF2B5EF4-FFF2-40B4-BE49-F238E27FC236}">
-                <a16:creationId xmlns:a16="http://schemas.microsoft.com/office/drawing/2014/main" id="{5514C178-76A6-4061-B0CB-79F83EEE4D36}"/>
-              </a:ext>
-            </a:extLst>
-          </p:cNvPr>
+          <p:cNvPr id="4" name="Date Placeholder 3"/>
           <p:cNvSpPr>
             <a:spLocks noGrp="1"/>
           </p:cNvSpPr>
           <p:nvPr>
-            <p:ph type="sldNum" idx="10"/>
+            <p:ph type="dt" sz="half" idx="10"/>
           </p:nvPr>
         </p:nvSpPr>
         <p:spPr/>
         <p:txBody>
           <a:bodyPr/>
-          <a:lstStyle>
-            <a:lvl1pPr>
-              <a:defRPr/>
-            </a:lvl1pPr>
-          </a:lstStyle>
+          <a:lstStyle/>
+          <a:p>
+            <a:fld id="{C764DE79-268F-4C1A-8933-263129D2AF90}" type="datetimeFigureOut">
+              <a:rPr lang="en-US" dirty="0"/>
+              <a:t>5/13/2019</a:t>
+            </a:fld>
+            <a:endParaRPr lang="en-US" dirty="0"/>
+          </a:p>
+        </p:txBody>
+      </p:sp>
+      <p:sp>
+        <p:nvSpPr>
+          <p:cNvPr id="5" name="Footer Placeholder 4"/>
+          <p:cNvSpPr>
+            <a:spLocks noGrp="1"/>
+          </p:cNvSpPr>
+          <p:nvPr>
+            <p:ph type="ftr" sz="quarter" idx="11"/>
+          </p:nvPr>
+        </p:nvSpPr>
+        <p:spPr/>
+        <p:txBody>
+          <a:bodyPr/>
+          <a:lstStyle/>
+          <a:p>
+            <a:endParaRPr lang="en-US" dirty="0"/>
+          </a:p>
+        </p:txBody>
+      </p:sp>
+      <p:sp>
+        <p:nvSpPr>
+          <p:cNvPr id="6" name="Slide Number Placeholder 5"/>
+          <p:cNvSpPr>
+            <a:spLocks noGrp="1"/>
+          </p:cNvSpPr>
+          <p:nvPr>
+            <p:ph type="sldNum" sz="quarter" idx="12"/>
+          </p:nvPr>
+        </p:nvSpPr>
+        <p:spPr/>
+        <p:txBody>
+          <a:bodyPr/>
+          <a:lstStyle/>
           <a:p>
             <a:fld id="{63E5EC8B-ED9D-440B-A094-0CAF11499961}" type="slidenum">
-              <a:rPr lang="es-MX" altLang="es-MX"/>
+              <a:rPr lang="es-MX" altLang="es-MX" smtClean="0"/>
               <a:pPr/>
               <a:t>‹Nº›</a:t>
             </a:fld>
@@ -1620,7 +1625,7 @@
     </p:spTree>
     <p:extLst>
       <p:ext uri="{BB962C8B-B14F-4D97-AF65-F5344CB8AC3E}">
-        <p14:creationId xmlns:p14="http://schemas.microsoft.com/office/powerpoint/2010/main" val="3007149907"/>
+        <p14:creationId xmlns:p14="http://schemas.microsoft.com/office/powerpoint/2010/main" val="1272450455"/>
       </p:ext>
     </p:extLst>
   </p:cSld>
@@ -1649,13 +1654,7 @@
       </p:grpSpPr>
       <p:sp>
         <p:nvSpPr>
-          <p:cNvPr id="2" name="Título 1">
-            <a:extLst>
-              <a:ext uri="{FF2B5EF4-FFF2-40B4-BE49-F238E27FC236}">
-                <a16:creationId xmlns:a16="http://schemas.microsoft.com/office/drawing/2014/main" id="{84FF07A5-FCCF-4C89-B5B3-663A4228579B}"/>
-              </a:ext>
-            </a:extLst>
-          </p:cNvPr>
+          <p:cNvPr id="2" name="Title 1"/>
           <p:cNvSpPr>
             <a:spLocks noGrp="1"/>
           </p:cNvSpPr>
@@ -1672,19 +1671,13 @@
               <a:rPr lang="es-ES"/>
               <a:t>Haga clic para modificar el estilo de título del patrón</a:t>
             </a:r>
-            <a:endParaRPr lang="es-MX"/>
+            <a:endParaRPr lang="en-US" dirty="0"/>
           </a:p>
         </p:txBody>
       </p:sp>
       <p:sp>
         <p:nvSpPr>
-          <p:cNvPr id="3" name="Marcador de contenido 2">
-            <a:extLst>
-              <a:ext uri="{FF2B5EF4-FFF2-40B4-BE49-F238E27FC236}">
-                <a16:creationId xmlns:a16="http://schemas.microsoft.com/office/drawing/2014/main" id="{92DD7C60-68F7-46F5-8C78-45D6F7A52C9B}"/>
-              </a:ext>
-            </a:extLst>
-          </p:cNvPr>
+          <p:cNvPr id="3" name="Content Placeholder 2"/>
           <p:cNvSpPr>
             <a:spLocks noGrp="1"/>
           </p:cNvSpPr>
@@ -1730,37 +1723,69 @@
               <a:rPr lang="es-ES"/>
               <a:t>Quinto nivel</a:t>
             </a:r>
-            <a:endParaRPr lang="es-MX"/>
+            <a:endParaRPr lang="en-US" dirty="0"/>
           </a:p>
         </p:txBody>
       </p:sp>
       <p:sp>
         <p:nvSpPr>
-          <p:cNvPr id="4" name="Marcador de número de diapositiva 3">
-            <a:extLst>
-              <a:ext uri="{FF2B5EF4-FFF2-40B4-BE49-F238E27FC236}">
-                <a16:creationId xmlns:a16="http://schemas.microsoft.com/office/drawing/2014/main" id="{EF6E520D-3B41-4203-A157-F540C59EAEF2}"/>
-              </a:ext>
-            </a:extLst>
-          </p:cNvPr>
+          <p:cNvPr id="4" name="Date Placeholder 3"/>
           <p:cNvSpPr>
             <a:spLocks noGrp="1"/>
           </p:cNvSpPr>
           <p:nvPr>
-            <p:ph type="sldNum" idx="10"/>
+            <p:ph type="dt" sz="half" idx="10"/>
           </p:nvPr>
         </p:nvSpPr>
         <p:spPr/>
         <p:txBody>
           <a:bodyPr/>
-          <a:lstStyle>
-            <a:lvl1pPr>
-              <a:defRPr/>
-            </a:lvl1pPr>
-          </a:lstStyle>
+          <a:lstStyle/>
+          <a:p>
+            <a:fld id="{C764DE79-268F-4C1A-8933-263129D2AF90}" type="datetimeFigureOut">
+              <a:rPr lang="en-US" dirty="0"/>
+              <a:t>5/13/2019</a:t>
+            </a:fld>
+            <a:endParaRPr lang="en-US" dirty="0"/>
+          </a:p>
+        </p:txBody>
+      </p:sp>
+      <p:sp>
+        <p:nvSpPr>
+          <p:cNvPr id="5" name="Footer Placeholder 4"/>
+          <p:cNvSpPr>
+            <a:spLocks noGrp="1"/>
+          </p:cNvSpPr>
+          <p:nvPr>
+            <p:ph type="ftr" sz="quarter" idx="11"/>
+          </p:nvPr>
+        </p:nvSpPr>
+        <p:spPr/>
+        <p:txBody>
+          <a:bodyPr/>
+          <a:lstStyle/>
+          <a:p>
+            <a:endParaRPr lang="en-US" dirty="0"/>
+          </a:p>
+        </p:txBody>
+      </p:sp>
+      <p:sp>
+        <p:nvSpPr>
+          <p:cNvPr id="6" name="Slide Number Placeholder 5"/>
+          <p:cNvSpPr>
+            <a:spLocks noGrp="1"/>
+          </p:cNvSpPr>
+          <p:nvPr>
+            <p:ph type="sldNum" sz="quarter" idx="12"/>
+          </p:nvPr>
+        </p:nvSpPr>
+        <p:spPr/>
+        <p:txBody>
+          <a:bodyPr/>
+          <a:lstStyle/>
           <a:p>
             <a:fld id="{FDEC6743-FCCA-41EC-BB67-104B79651A10}" type="slidenum">
-              <a:rPr lang="es-MX" altLang="es-MX"/>
+              <a:rPr lang="es-MX" altLang="es-MX" smtClean="0"/>
               <a:pPr/>
               <a:t>‹Nº›</a:t>
             </a:fld>
@@ -1771,7 +1796,7 @@
     </p:spTree>
     <p:extLst>
       <p:ext uri="{BB962C8B-B14F-4D97-AF65-F5344CB8AC3E}">
-        <p14:creationId xmlns:p14="http://schemas.microsoft.com/office/powerpoint/2010/main" val="2801909937"/>
+        <p14:creationId xmlns:p14="http://schemas.microsoft.com/office/powerpoint/2010/main" val="560592141"/>
       </p:ext>
     </p:extLst>
   </p:cSld>
@@ -1800,13 +1825,7 @@
       </p:grpSpPr>
       <p:sp>
         <p:nvSpPr>
-          <p:cNvPr id="2" name="Título 1">
-            <a:extLst>
-              <a:ext uri="{FF2B5EF4-FFF2-40B4-BE49-F238E27FC236}">
-                <a16:creationId xmlns:a16="http://schemas.microsoft.com/office/drawing/2014/main" id="{29412A18-18F2-4138-90E2-EA001B06E759}"/>
-              </a:ext>
-            </a:extLst>
-          </p:cNvPr>
+          <p:cNvPr id="2" name="Title 1"/>
           <p:cNvSpPr>
             <a:spLocks noGrp="1"/>
           </p:cNvSpPr>
@@ -1816,15 +1835,15 @@
         </p:nvSpPr>
         <p:spPr>
           <a:xfrm>
-            <a:off x="1474788" y="8078788"/>
-            <a:ext cx="18632487" cy="13479462"/>
+            <a:off x="1965030" y="10770172"/>
+            <a:ext cx="24840367" cy="17970262"/>
           </a:xfrm>
         </p:spPr>
         <p:txBody>
           <a:bodyPr anchor="b"/>
           <a:lstStyle>
             <a:lvl1pPr>
-              <a:defRPr sz="6000"/>
+              <a:defRPr sz="18898"/>
             </a:lvl1pPr>
           </a:lstStyle>
           <a:p>
@@ -1832,19 +1851,13 @@
               <a:rPr lang="es-ES"/>
               <a:t>Haga clic para modificar el estilo de título del patrón</a:t>
             </a:r>
-            <a:endParaRPr lang="es-MX"/>
+            <a:endParaRPr lang="en-US" dirty="0"/>
           </a:p>
         </p:txBody>
       </p:sp>
       <p:sp>
         <p:nvSpPr>
-          <p:cNvPr id="3" name="Marcador de texto 2">
-            <a:extLst>
-              <a:ext uri="{FF2B5EF4-FFF2-40B4-BE49-F238E27FC236}">
-                <a16:creationId xmlns:a16="http://schemas.microsoft.com/office/drawing/2014/main" id="{242678F5-7462-4F0F-9EA6-36AEA431692A}"/>
-              </a:ext>
-            </a:extLst>
-          </p:cNvPr>
+          <p:cNvPr id="3" name="Text Placeholder 2"/>
           <p:cNvSpPr>
             <a:spLocks noGrp="1"/>
           </p:cNvSpPr>
@@ -1854,8 +1867,8 @@
         </p:nvSpPr>
         <p:spPr>
           <a:xfrm>
-            <a:off x="1474788" y="21685250"/>
-            <a:ext cx="18632487" cy="7088188"/>
+            <a:off x="1965030" y="28910440"/>
+            <a:ext cx="24840367" cy="9450136"/>
           </a:xfrm>
         </p:spPr>
         <p:txBody>
@@ -1863,39 +1876,91 @@
           <a:lstStyle>
             <a:lvl1pPr marL="0" indent="0">
               <a:buNone/>
-              <a:defRPr sz="2400"/>
+              <a:defRPr sz="7559">
+                <a:solidFill>
+                  <a:schemeClr val="tx1"/>
+                </a:solidFill>
+              </a:defRPr>
             </a:lvl1pPr>
-            <a:lvl2pPr marL="457200" indent="0">
+            <a:lvl2pPr marL="1440043" indent="0">
               <a:buNone/>
-              <a:defRPr sz="2000"/>
+              <a:defRPr sz="6299">
+                <a:solidFill>
+                  <a:schemeClr val="tx1">
+                    <a:tint val="75000"/>
+                  </a:schemeClr>
+                </a:solidFill>
+              </a:defRPr>
             </a:lvl2pPr>
-            <a:lvl3pPr marL="914400" indent="0">
+            <a:lvl3pPr marL="2880086" indent="0">
               <a:buNone/>
-              <a:defRPr sz="1800"/>
+              <a:defRPr sz="5669">
+                <a:solidFill>
+                  <a:schemeClr val="tx1">
+                    <a:tint val="75000"/>
+                  </a:schemeClr>
+                </a:solidFill>
+              </a:defRPr>
             </a:lvl3pPr>
-            <a:lvl4pPr marL="1371600" indent="0">
+            <a:lvl4pPr marL="4320129" indent="0">
               <a:buNone/>
-              <a:defRPr sz="1600"/>
+              <a:defRPr sz="5040">
+                <a:solidFill>
+                  <a:schemeClr val="tx1">
+                    <a:tint val="75000"/>
+                  </a:schemeClr>
+                </a:solidFill>
+              </a:defRPr>
             </a:lvl4pPr>
-            <a:lvl5pPr marL="1828800" indent="0">
+            <a:lvl5pPr marL="5760171" indent="0">
               <a:buNone/>
-              <a:defRPr sz="1600"/>
+              <a:defRPr sz="5040">
+                <a:solidFill>
+                  <a:schemeClr val="tx1">
+                    <a:tint val="75000"/>
+                  </a:schemeClr>
+                </a:solidFill>
+              </a:defRPr>
             </a:lvl5pPr>
-            <a:lvl6pPr marL="2286000" indent="0">
+            <a:lvl6pPr marL="7200214" indent="0">
               <a:buNone/>
-              <a:defRPr sz="1600"/>
+              <a:defRPr sz="5040">
+                <a:solidFill>
+                  <a:schemeClr val="tx1">
+                    <a:tint val="75000"/>
+                  </a:schemeClr>
+                </a:solidFill>
+              </a:defRPr>
             </a:lvl6pPr>
-            <a:lvl7pPr marL="2743200" indent="0">
+            <a:lvl7pPr marL="8640257" indent="0">
               <a:buNone/>
-              <a:defRPr sz="1600"/>
+              <a:defRPr sz="5040">
+                <a:solidFill>
+                  <a:schemeClr val="tx1">
+                    <a:tint val="75000"/>
+                  </a:schemeClr>
+                </a:solidFill>
+              </a:defRPr>
             </a:lvl7pPr>
-            <a:lvl8pPr marL="3200400" indent="0">
+            <a:lvl8pPr marL="10080300" indent="0">
               <a:buNone/>
-              <a:defRPr sz="1600"/>
+              <a:defRPr sz="5040">
+                <a:solidFill>
+                  <a:schemeClr val="tx1">
+                    <a:tint val="75000"/>
+                  </a:schemeClr>
+                </a:solidFill>
+              </a:defRPr>
             </a:lvl8pPr>
-            <a:lvl9pPr marL="3657600" indent="0">
+            <a:lvl9pPr marL="11520343" indent="0">
               <a:buNone/>
-              <a:defRPr sz="1600"/>
+              <a:defRPr sz="5040">
+                <a:solidFill>
+                  <a:schemeClr val="tx1">
+                    <a:tint val="75000"/>
+                  </a:schemeClr>
+                </a:solidFill>
+              </a:defRPr>
             </a:lvl9pPr>
           </a:lstStyle>
           <a:p>
@@ -1909,31 +1974,63 @@
       </p:sp>
       <p:sp>
         <p:nvSpPr>
-          <p:cNvPr id="4" name="Marcador de número de diapositiva 3">
-            <a:extLst>
-              <a:ext uri="{FF2B5EF4-FFF2-40B4-BE49-F238E27FC236}">
-                <a16:creationId xmlns:a16="http://schemas.microsoft.com/office/drawing/2014/main" id="{8D188757-CF44-469E-A252-881602156242}"/>
-              </a:ext>
-            </a:extLst>
-          </p:cNvPr>
+          <p:cNvPr id="4" name="Date Placeholder 3"/>
           <p:cNvSpPr>
             <a:spLocks noGrp="1"/>
           </p:cNvSpPr>
           <p:nvPr>
-            <p:ph type="sldNum" idx="10"/>
+            <p:ph type="dt" sz="half" idx="10"/>
           </p:nvPr>
         </p:nvSpPr>
         <p:spPr/>
         <p:txBody>
           <a:bodyPr/>
-          <a:lstStyle>
-            <a:lvl1pPr>
-              <a:defRPr/>
-            </a:lvl1pPr>
-          </a:lstStyle>
+          <a:lstStyle/>
+          <a:p>
+            <a:fld id="{C764DE79-268F-4C1A-8933-263129D2AF90}" type="datetimeFigureOut">
+              <a:rPr lang="en-US" dirty="0"/>
+              <a:t>5/13/2019</a:t>
+            </a:fld>
+            <a:endParaRPr lang="en-US" dirty="0"/>
+          </a:p>
+        </p:txBody>
+      </p:sp>
+      <p:sp>
+        <p:nvSpPr>
+          <p:cNvPr id="5" name="Footer Placeholder 4"/>
+          <p:cNvSpPr>
+            <a:spLocks noGrp="1"/>
+          </p:cNvSpPr>
+          <p:nvPr>
+            <p:ph type="ftr" sz="quarter" idx="11"/>
+          </p:nvPr>
+        </p:nvSpPr>
+        <p:spPr/>
+        <p:txBody>
+          <a:bodyPr/>
+          <a:lstStyle/>
+          <a:p>
+            <a:endParaRPr lang="en-US" dirty="0"/>
+          </a:p>
+        </p:txBody>
+      </p:sp>
+      <p:sp>
+        <p:nvSpPr>
+          <p:cNvPr id="6" name="Slide Number Placeholder 5"/>
+          <p:cNvSpPr>
+            <a:spLocks noGrp="1"/>
+          </p:cNvSpPr>
+          <p:nvPr>
+            <p:ph type="sldNum" sz="quarter" idx="12"/>
+          </p:nvPr>
+        </p:nvSpPr>
+        <p:spPr/>
+        <p:txBody>
+          <a:bodyPr/>
+          <a:lstStyle/>
           <a:p>
             <a:fld id="{3AF8EA42-9BDB-4F58-81DC-5F08BACB49DC}" type="slidenum">
-              <a:rPr lang="es-MX" altLang="es-MX"/>
+              <a:rPr lang="es-MX" altLang="es-MX" smtClean="0"/>
               <a:pPr/>
               <a:t>‹Nº›</a:t>
             </a:fld>
@@ -1944,7 +2041,7 @@
     </p:spTree>
     <p:extLst>
       <p:ext uri="{BB962C8B-B14F-4D97-AF65-F5344CB8AC3E}">
-        <p14:creationId xmlns:p14="http://schemas.microsoft.com/office/powerpoint/2010/main" val="3719116646"/>
+        <p14:creationId xmlns:p14="http://schemas.microsoft.com/office/powerpoint/2010/main" val="215585216"/>
       </p:ext>
     </p:extLst>
   </p:cSld>
@@ -1973,13 +2070,7 @@
       </p:grpSpPr>
       <p:sp>
         <p:nvSpPr>
-          <p:cNvPr id="2" name="Título 1">
-            <a:extLst>
-              <a:ext uri="{FF2B5EF4-FFF2-40B4-BE49-F238E27FC236}">
-                <a16:creationId xmlns:a16="http://schemas.microsoft.com/office/drawing/2014/main" id="{59F8F506-9A53-48D7-8989-8EC7ADA268D4}"/>
-              </a:ext>
-            </a:extLst>
-          </p:cNvPr>
+          <p:cNvPr id="2" name="Title 1"/>
           <p:cNvSpPr>
             <a:spLocks noGrp="1"/>
           </p:cNvSpPr>
@@ -1996,19 +2087,13 @@
               <a:rPr lang="es-ES"/>
               <a:t>Haga clic para modificar el estilo de título del patrón</a:t>
             </a:r>
-            <a:endParaRPr lang="es-MX"/>
+            <a:endParaRPr lang="en-US" dirty="0"/>
           </a:p>
         </p:txBody>
       </p:sp>
       <p:sp>
         <p:nvSpPr>
-          <p:cNvPr id="3" name="Marcador de contenido 2">
-            <a:extLst>
-              <a:ext uri="{FF2B5EF4-FFF2-40B4-BE49-F238E27FC236}">
-                <a16:creationId xmlns:a16="http://schemas.microsoft.com/office/drawing/2014/main" id="{37A796AC-A291-463C-85F8-E1A592DAF906}"/>
-              </a:ext>
-            </a:extLst>
-          </p:cNvPr>
+          <p:cNvPr id="3" name="Content Placeholder 2"/>
           <p:cNvSpPr>
             <a:spLocks noGrp="1"/>
           </p:cNvSpPr>
@@ -2018,8 +2103,8 @@
         </p:nvSpPr>
         <p:spPr>
           <a:xfrm>
-            <a:off x="1079500" y="7561263"/>
-            <a:ext cx="9644063" cy="21382037"/>
+            <a:off x="1980029" y="11500170"/>
+            <a:ext cx="12240181" cy="27410408"/>
           </a:xfrm>
         </p:spPr>
         <p:txBody>
@@ -2059,19 +2144,13 @@
               <a:rPr lang="es-ES"/>
               <a:t>Quinto nivel</a:t>
             </a:r>
-            <a:endParaRPr lang="es-MX"/>
+            <a:endParaRPr lang="en-US" dirty="0"/>
           </a:p>
         </p:txBody>
       </p:sp>
       <p:sp>
         <p:nvSpPr>
-          <p:cNvPr id="4" name="Marcador de contenido 3">
-            <a:extLst>
-              <a:ext uri="{FF2B5EF4-FFF2-40B4-BE49-F238E27FC236}">
-                <a16:creationId xmlns:a16="http://schemas.microsoft.com/office/drawing/2014/main" id="{CFE2411E-411D-4307-A8C2-1D5E7923CEB6}"/>
-              </a:ext>
-            </a:extLst>
-          </p:cNvPr>
+          <p:cNvPr id="4" name="Content Placeholder 3"/>
           <p:cNvSpPr>
             <a:spLocks noGrp="1"/>
           </p:cNvSpPr>
@@ -2081,8 +2160,8 @@
         </p:nvSpPr>
         <p:spPr>
           <a:xfrm>
-            <a:off x="10875963" y="7561263"/>
-            <a:ext cx="9644062" cy="21382037"/>
+            <a:off x="14580215" y="11500170"/>
+            <a:ext cx="12240181" cy="27410408"/>
           </a:xfrm>
         </p:spPr>
         <p:txBody>
@@ -2122,37 +2201,69 @@
               <a:rPr lang="es-ES"/>
               <a:t>Quinto nivel</a:t>
             </a:r>
-            <a:endParaRPr lang="es-MX"/>
+            <a:endParaRPr lang="en-US" dirty="0"/>
           </a:p>
         </p:txBody>
       </p:sp>
       <p:sp>
         <p:nvSpPr>
-          <p:cNvPr id="5" name="Marcador de número de diapositiva 4">
-            <a:extLst>
-              <a:ext uri="{FF2B5EF4-FFF2-40B4-BE49-F238E27FC236}">
-                <a16:creationId xmlns:a16="http://schemas.microsoft.com/office/drawing/2014/main" id="{5D866C4B-8AF1-4180-962F-DEC055E24CD9}"/>
-              </a:ext>
-            </a:extLst>
-          </p:cNvPr>
+          <p:cNvPr id="5" name="Date Placeholder 4"/>
           <p:cNvSpPr>
             <a:spLocks noGrp="1"/>
           </p:cNvSpPr>
           <p:nvPr>
-            <p:ph type="sldNum" idx="10"/>
+            <p:ph type="dt" sz="half" idx="10"/>
           </p:nvPr>
         </p:nvSpPr>
         <p:spPr/>
         <p:txBody>
           <a:bodyPr/>
-          <a:lstStyle>
-            <a:lvl1pPr>
-              <a:defRPr/>
-            </a:lvl1pPr>
-          </a:lstStyle>
+          <a:lstStyle/>
+          <a:p>
+            <a:fld id="{C764DE79-268F-4C1A-8933-263129D2AF90}" type="datetimeFigureOut">
+              <a:rPr lang="en-US" dirty="0"/>
+              <a:t>5/13/2019</a:t>
+            </a:fld>
+            <a:endParaRPr lang="en-US" dirty="0"/>
+          </a:p>
+        </p:txBody>
+      </p:sp>
+      <p:sp>
+        <p:nvSpPr>
+          <p:cNvPr id="6" name="Footer Placeholder 5"/>
+          <p:cNvSpPr>
+            <a:spLocks noGrp="1"/>
+          </p:cNvSpPr>
+          <p:nvPr>
+            <p:ph type="ftr" sz="quarter" idx="11"/>
+          </p:nvPr>
+        </p:nvSpPr>
+        <p:spPr/>
+        <p:txBody>
+          <a:bodyPr/>
+          <a:lstStyle/>
+          <a:p>
+            <a:endParaRPr lang="en-US" dirty="0"/>
+          </a:p>
+        </p:txBody>
+      </p:sp>
+      <p:sp>
+        <p:nvSpPr>
+          <p:cNvPr id="7" name="Slide Number Placeholder 6"/>
+          <p:cNvSpPr>
+            <a:spLocks noGrp="1"/>
+          </p:cNvSpPr>
+          <p:nvPr>
+            <p:ph type="sldNum" sz="quarter" idx="12"/>
+          </p:nvPr>
+        </p:nvSpPr>
+        <p:spPr/>
+        <p:txBody>
+          <a:bodyPr/>
+          <a:lstStyle/>
           <a:p>
             <a:fld id="{AB2B05FB-A084-4AE6-AEF7-65D98DEC2BA7}" type="slidenum">
-              <a:rPr lang="es-MX" altLang="es-MX"/>
+              <a:rPr lang="es-MX" altLang="es-MX" smtClean="0"/>
               <a:pPr/>
               <a:t>‹Nº›</a:t>
             </a:fld>
@@ -2163,7 +2274,7 @@
     </p:spTree>
     <p:extLst>
       <p:ext uri="{BB962C8B-B14F-4D97-AF65-F5344CB8AC3E}">
-        <p14:creationId xmlns:p14="http://schemas.microsoft.com/office/powerpoint/2010/main" val="1940054387"/>
+        <p14:creationId xmlns:p14="http://schemas.microsoft.com/office/powerpoint/2010/main" val="2178549245"/>
       </p:ext>
     </p:extLst>
   </p:cSld>
@@ -2192,13 +2303,7 @@
       </p:grpSpPr>
       <p:sp>
         <p:nvSpPr>
-          <p:cNvPr id="2" name="Título 1">
-            <a:extLst>
-              <a:ext uri="{FF2B5EF4-FFF2-40B4-BE49-F238E27FC236}">
-                <a16:creationId xmlns:a16="http://schemas.microsoft.com/office/drawing/2014/main" id="{F4AC52D8-FABD-4789-B6BC-AF9202E1CF88}"/>
-              </a:ext>
-            </a:extLst>
-          </p:cNvPr>
+          <p:cNvPr id="2" name="Title 1"/>
           <p:cNvSpPr>
             <a:spLocks noGrp="1"/>
           </p:cNvSpPr>
@@ -2208,8 +2313,8 @@
         </p:nvSpPr>
         <p:spPr>
           <a:xfrm>
-            <a:off x="1487488" y="1725613"/>
-            <a:ext cx="18634075" cy="6262687"/>
+            <a:off x="1983780" y="2300044"/>
+            <a:ext cx="24840367" cy="8350126"/>
           </a:xfrm>
         </p:spPr>
         <p:txBody>
@@ -2220,19 +2325,13 @@
               <a:rPr lang="es-ES"/>
               <a:t>Haga clic para modificar el estilo de título del patrón</a:t>
             </a:r>
-            <a:endParaRPr lang="es-MX"/>
+            <a:endParaRPr lang="en-US" dirty="0"/>
           </a:p>
         </p:txBody>
       </p:sp>
       <p:sp>
         <p:nvSpPr>
-          <p:cNvPr id="3" name="Marcador de texto 2">
-            <a:extLst>
-              <a:ext uri="{FF2B5EF4-FFF2-40B4-BE49-F238E27FC236}">
-                <a16:creationId xmlns:a16="http://schemas.microsoft.com/office/drawing/2014/main" id="{2C13B57F-6976-485F-8149-28F5E55BC9A6}"/>
-              </a:ext>
-            </a:extLst>
-          </p:cNvPr>
+          <p:cNvPr id="3" name="Text Placeholder 2"/>
           <p:cNvSpPr>
             <a:spLocks noGrp="1"/>
           </p:cNvSpPr>
@@ -2242,8 +2341,8 @@
         </p:nvSpPr>
         <p:spPr>
           <a:xfrm>
-            <a:off x="1487488" y="7943850"/>
-            <a:ext cx="9140825" cy="3892550"/>
+            <a:off x="1983784" y="10590160"/>
+            <a:ext cx="12183928" cy="5190073"/>
           </a:xfrm>
         </p:spPr>
         <p:txBody>
@@ -2251,39 +2350,39 @@
           <a:lstStyle>
             <a:lvl1pPr marL="0" indent="0">
               <a:buNone/>
-              <a:defRPr sz="2400" b="1"/>
+              <a:defRPr sz="7559" b="1"/>
             </a:lvl1pPr>
-            <a:lvl2pPr marL="457200" indent="0">
+            <a:lvl2pPr marL="1440043" indent="0">
               <a:buNone/>
-              <a:defRPr sz="2000" b="1"/>
+              <a:defRPr sz="6299" b="1"/>
             </a:lvl2pPr>
-            <a:lvl3pPr marL="914400" indent="0">
+            <a:lvl3pPr marL="2880086" indent="0">
               <a:buNone/>
-              <a:defRPr sz="1800" b="1"/>
+              <a:defRPr sz="5669" b="1"/>
             </a:lvl3pPr>
-            <a:lvl4pPr marL="1371600" indent="0">
+            <a:lvl4pPr marL="4320129" indent="0">
               <a:buNone/>
-              <a:defRPr sz="1600" b="1"/>
+              <a:defRPr sz="5040" b="1"/>
             </a:lvl4pPr>
-            <a:lvl5pPr marL="1828800" indent="0">
+            <a:lvl5pPr marL="5760171" indent="0">
               <a:buNone/>
-              <a:defRPr sz="1600" b="1"/>
+              <a:defRPr sz="5040" b="1"/>
             </a:lvl5pPr>
-            <a:lvl6pPr marL="2286000" indent="0">
+            <a:lvl6pPr marL="7200214" indent="0">
               <a:buNone/>
-              <a:defRPr sz="1600" b="1"/>
+              <a:defRPr sz="5040" b="1"/>
             </a:lvl6pPr>
-            <a:lvl7pPr marL="2743200" indent="0">
+            <a:lvl7pPr marL="8640257" indent="0">
               <a:buNone/>
-              <a:defRPr sz="1600" b="1"/>
+              <a:defRPr sz="5040" b="1"/>
             </a:lvl7pPr>
-            <a:lvl8pPr marL="3200400" indent="0">
+            <a:lvl8pPr marL="10080300" indent="0">
               <a:buNone/>
-              <a:defRPr sz="1600" b="1"/>
+              <a:defRPr sz="5040" b="1"/>
             </a:lvl8pPr>
-            <a:lvl9pPr marL="3657600" indent="0">
+            <a:lvl9pPr marL="11520343" indent="0">
               <a:buNone/>
-              <a:defRPr sz="1600" b="1"/>
+              <a:defRPr sz="5040" b="1"/>
             </a:lvl9pPr>
           </a:lstStyle>
           <a:p>
@@ -2297,13 +2396,7 @@
       </p:sp>
       <p:sp>
         <p:nvSpPr>
-          <p:cNvPr id="4" name="Marcador de contenido 3">
-            <a:extLst>
-              <a:ext uri="{FF2B5EF4-FFF2-40B4-BE49-F238E27FC236}">
-                <a16:creationId xmlns:a16="http://schemas.microsoft.com/office/drawing/2014/main" id="{0C0FE64F-A1A1-4C9A-96B9-2C071C26CBA3}"/>
-              </a:ext>
-            </a:extLst>
-          </p:cNvPr>
+          <p:cNvPr id="4" name="Content Placeholder 3"/>
           <p:cNvSpPr>
             <a:spLocks noGrp="1"/>
           </p:cNvSpPr>
@@ -2313,8 +2406,8 @@
         </p:nvSpPr>
         <p:spPr>
           <a:xfrm>
-            <a:off x="1487488" y="11836400"/>
-            <a:ext cx="9140825" cy="17410113"/>
+            <a:off x="1983784" y="15780233"/>
+            <a:ext cx="12183928" cy="23210346"/>
           </a:xfrm>
         </p:spPr>
         <p:txBody>
@@ -2354,19 +2447,13 @@
               <a:rPr lang="es-ES"/>
               <a:t>Quinto nivel</a:t>
             </a:r>
-            <a:endParaRPr lang="es-MX"/>
+            <a:endParaRPr lang="en-US" dirty="0"/>
           </a:p>
         </p:txBody>
       </p:sp>
       <p:sp>
         <p:nvSpPr>
-          <p:cNvPr id="5" name="Marcador de texto 4">
-            <a:extLst>
-              <a:ext uri="{FF2B5EF4-FFF2-40B4-BE49-F238E27FC236}">
-                <a16:creationId xmlns:a16="http://schemas.microsoft.com/office/drawing/2014/main" id="{DD4B627A-4DFF-45A1-99C5-AD66F70C933F}"/>
-              </a:ext>
-            </a:extLst>
-          </p:cNvPr>
+          <p:cNvPr id="5" name="Text Placeholder 4"/>
           <p:cNvSpPr>
             <a:spLocks noGrp="1"/>
           </p:cNvSpPr>
@@ -2376,8 +2463,8 @@
         </p:nvSpPr>
         <p:spPr>
           <a:xfrm>
-            <a:off x="10937875" y="7943850"/>
-            <a:ext cx="9183688" cy="3892550"/>
+            <a:off x="14580217" y="10590160"/>
+            <a:ext cx="12243932" cy="5190073"/>
           </a:xfrm>
         </p:spPr>
         <p:txBody>
@@ -2385,39 +2472,39 @@
           <a:lstStyle>
             <a:lvl1pPr marL="0" indent="0">
               <a:buNone/>
-              <a:defRPr sz="2400" b="1"/>
+              <a:defRPr sz="7559" b="1"/>
             </a:lvl1pPr>
-            <a:lvl2pPr marL="457200" indent="0">
+            <a:lvl2pPr marL="1440043" indent="0">
               <a:buNone/>
-              <a:defRPr sz="2000" b="1"/>
+              <a:defRPr sz="6299" b="1"/>
             </a:lvl2pPr>
-            <a:lvl3pPr marL="914400" indent="0">
+            <a:lvl3pPr marL="2880086" indent="0">
               <a:buNone/>
-              <a:defRPr sz="1800" b="1"/>
+              <a:defRPr sz="5669" b="1"/>
             </a:lvl3pPr>
-            <a:lvl4pPr marL="1371600" indent="0">
+            <a:lvl4pPr marL="4320129" indent="0">
               <a:buNone/>
-              <a:defRPr sz="1600" b="1"/>
+              <a:defRPr sz="5040" b="1"/>
             </a:lvl4pPr>
-            <a:lvl5pPr marL="1828800" indent="0">
+            <a:lvl5pPr marL="5760171" indent="0">
               <a:buNone/>
-              <a:defRPr sz="1600" b="1"/>
+              <a:defRPr sz="5040" b="1"/>
             </a:lvl5pPr>
-            <a:lvl6pPr marL="2286000" indent="0">
+            <a:lvl6pPr marL="7200214" indent="0">
               <a:buNone/>
-              <a:defRPr sz="1600" b="1"/>
+              <a:defRPr sz="5040" b="1"/>
             </a:lvl6pPr>
-            <a:lvl7pPr marL="2743200" indent="0">
+            <a:lvl7pPr marL="8640257" indent="0">
               <a:buNone/>
-              <a:defRPr sz="1600" b="1"/>
+              <a:defRPr sz="5040" b="1"/>
             </a:lvl7pPr>
-            <a:lvl8pPr marL="3200400" indent="0">
+            <a:lvl8pPr marL="10080300" indent="0">
               <a:buNone/>
-              <a:defRPr sz="1600" b="1"/>
+              <a:defRPr sz="5040" b="1"/>
             </a:lvl8pPr>
-            <a:lvl9pPr marL="3657600" indent="0">
+            <a:lvl9pPr marL="11520343" indent="0">
               <a:buNone/>
-              <a:defRPr sz="1600" b="1"/>
+              <a:defRPr sz="5040" b="1"/>
             </a:lvl9pPr>
           </a:lstStyle>
           <a:p>
@@ -2431,13 +2518,7 @@
       </p:sp>
       <p:sp>
         <p:nvSpPr>
-          <p:cNvPr id="6" name="Marcador de contenido 5">
-            <a:extLst>
-              <a:ext uri="{FF2B5EF4-FFF2-40B4-BE49-F238E27FC236}">
-                <a16:creationId xmlns:a16="http://schemas.microsoft.com/office/drawing/2014/main" id="{869938B3-44B7-49DD-A265-BDBAECF41A49}"/>
-              </a:ext>
-            </a:extLst>
-          </p:cNvPr>
+          <p:cNvPr id="6" name="Content Placeholder 5"/>
           <p:cNvSpPr>
             <a:spLocks noGrp="1"/>
           </p:cNvSpPr>
@@ -2447,8 +2528,8 @@
         </p:nvSpPr>
         <p:spPr>
           <a:xfrm>
-            <a:off x="10937875" y="11836400"/>
-            <a:ext cx="9183688" cy="17410113"/>
+            <a:off x="14580217" y="15780233"/>
+            <a:ext cx="12243932" cy="23210346"/>
           </a:xfrm>
         </p:spPr>
         <p:txBody>
@@ -2488,37 +2569,69 @@
               <a:rPr lang="es-ES"/>
               <a:t>Quinto nivel</a:t>
             </a:r>
-            <a:endParaRPr lang="es-MX"/>
+            <a:endParaRPr lang="en-US" dirty="0"/>
           </a:p>
         </p:txBody>
       </p:sp>
       <p:sp>
         <p:nvSpPr>
-          <p:cNvPr id="7" name="Marcador de número de diapositiva 6">
-            <a:extLst>
-              <a:ext uri="{FF2B5EF4-FFF2-40B4-BE49-F238E27FC236}">
-                <a16:creationId xmlns:a16="http://schemas.microsoft.com/office/drawing/2014/main" id="{1EBAB2E8-6597-4F9B-BC7E-FB2A6686EBD3}"/>
-              </a:ext>
-            </a:extLst>
-          </p:cNvPr>
+          <p:cNvPr id="7" name="Date Placeholder 6"/>
           <p:cNvSpPr>
             <a:spLocks noGrp="1"/>
           </p:cNvSpPr>
           <p:nvPr>
-            <p:ph type="sldNum" idx="10"/>
+            <p:ph type="dt" sz="half" idx="10"/>
           </p:nvPr>
         </p:nvSpPr>
         <p:spPr/>
         <p:txBody>
           <a:bodyPr/>
-          <a:lstStyle>
-            <a:lvl1pPr>
-              <a:defRPr/>
-            </a:lvl1pPr>
-          </a:lstStyle>
+          <a:lstStyle/>
+          <a:p>
+            <a:fld id="{C764DE79-268F-4C1A-8933-263129D2AF90}" type="datetimeFigureOut">
+              <a:rPr lang="en-US" dirty="0"/>
+              <a:t>5/13/2019</a:t>
+            </a:fld>
+            <a:endParaRPr lang="en-US" dirty="0"/>
+          </a:p>
+        </p:txBody>
+      </p:sp>
+      <p:sp>
+        <p:nvSpPr>
+          <p:cNvPr id="8" name="Footer Placeholder 7"/>
+          <p:cNvSpPr>
+            <a:spLocks noGrp="1"/>
+          </p:cNvSpPr>
+          <p:nvPr>
+            <p:ph type="ftr" sz="quarter" idx="11"/>
+          </p:nvPr>
+        </p:nvSpPr>
+        <p:spPr/>
+        <p:txBody>
+          <a:bodyPr/>
+          <a:lstStyle/>
+          <a:p>
+            <a:endParaRPr lang="en-US" dirty="0"/>
+          </a:p>
+        </p:txBody>
+      </p:sp>
+      <p:sp>
+        <p:nvSpPr>
+          <p:cNvPr id="9" name="Slide Number Placeholder 8"/>
+          <p:cNvSpPr>
+            <a:spLocks noGrp="1"/>
+          </p:cNvSpPr>
+          <p:nvPr>
+            <p:ph type="sldNum" sz="quarter" idx="12"/>
+          </p:nvPr>
+        </p:nvSpPr>
+        <p:spPr/>
+        <p:txBody>
+          <a:bodyPr/>
+          <a:lstStyle/>
           <a:p>
             <a:fld id="{C12B1AC8-EB20-4C39-A09A-B1E0E554351F}" type="slidenum">
-              <a:rPr lang="es-MX" altLang="es-MX"/>
+              <a:rPr lang="es-MX" altLang="es-MX" smtClean="0"/>
               <a:pPr/>
               <a:t>‹Nº›</a:t>
             </a:fld>
@@ -2529,7 +2642,7 @@
     </p:spTree>
     <p:extLst>
       <p:ext uri="{BB962C8B-B14F-4D97-AF65-F5344CB8AC3E}">
-        <p14:creationId xmlns:p14="http://schemas.microsoft.com/office/powerpoint/2010/main" val="420776245"/>
+        <p14:creationId xmlns:p14="http://schemas.microsoft.com/office/powerpoint/2010/main" val="3511119077"/>
       </p:ext>
     </p:extLst>
   </p:cSld>
@@ -2558,13 +2671,7 @@
       </p:grpSpPr>
       <p:sp>
         <p:nvSpPr>
-          <p:cNvPr id="2" name="Título 1">
-            <a:extLst>
-              <a:ext uri="{FF2B5EF4-FFF2-40B4-BE49-F238E27FC236}">
-                <a16:creationId xmlns:a16="http://schemas.microsoft.com/office/drawing/2014/main" id="{68C1582F-7628-4258-864D-A7FBC25D6564}"/>
-              </a:ext>
-            </a:extLst>
-          </p:cNvPr>
+          <p:cNvPr id="2" name="Title 1"/>
           <p:cNvSpPr>
             <a:spLocks noGrp="1"/>
           </p:cNvSpPr>
@@ -2581,37 +2688,69 @@
               <a:rPr lang="es-ES"/>
               <a:t>Haga clic para modificar el estilo de título del patrón</a:t>
             </a:r>
-            <a:endParaRPr lang="es-MX"/>
+            <a:endParaRPr lang="en-US" dirty="0"/>
           </a:p>
         </p:txBody>
       </p:sp>
       <p:sp>
         <p:nvSpPr>
-          <p:cNvPr id="3" name="Marcador de número de diapositiva 2">
-            <a:extLst>
-              <a:ext uri="{FF2B5EF4-FFF2-40B4-BE49-F238E27FC236}">
-                <a16:creationId xmlns:a16="http://schemas.microsoft.com/office/drawing/2014/main" id="{852F4C9C-2A58-46D5-A2C4-FB90CEFB5E29}"/>
-              </a:ext>
-            </a:extLst>
-          </p:cNvPr>
+          <p:cNvPr id="3" name="Date Placeholder 2"/>
           <p:cNvSpPr>
             <a:spLocks noGrp="1"/>
           </p:cNvSpPr>
           <p:nvPr>
-            <p:ph type="sldNum" idx="10"/>
+            <p:ph type="dt" sz="half" idx="10"/>
           </p:nvPr>
         </p:nvSpPr>
         <p:spPr/>
         <p:txBody>
           <a:bodyPr/>
-          <a:lstStyle>
-            <a:lvl1pPr>
-              <a:defRPr/>
-            </a:lvl1pPr>
-          </a:lstStyle>
+          <a:lstStyle/>
+          <a:p>
+            <a:fld id="{C764DE79-268F-4C1A-8933-263129D2AF90}" type="datetimeFigureOut">
+              <a:rPr lang="en-US" dirty="0"/>
+              <a:t>5/13/2019</a:t>
+            </a:fld>
+            <a:endParaRPr lang="en-US" dirty="0"/>
+          </a:p>
+        </p:txBody>
+      </p:sp>
+      <p:sp>
+        <p:nvSpPr>
+          <p:cNvPr id="4" name="Footer Placeholder 3"/>
+          <p:cNvSpPr>
+            <a:spLocks noGrp="1"/>
+          </p:cNvSpPr>
+          <p:nvPr>
+            <p:ph type="ftr" sz="quarter" idx="11"/>
+          </p:nvPr>
+        </p:nvSpPr>
+        <p:spPr/>
+        <p:txBody>
+          <a:bodyPr/>
+          <a:lstStyle/>
+          <a:p>
+            <a:endParaRPr lang="en-US" dirty="0"/>
+          </a:p>
+        </p:txBody>
+      </p:sp>
+      <p:sp>
+        <p:nvSpPr>
+          <p:cNvPr id="5" name="Slide Number Placeholder 4"/>
+          <p:cNvSpPr>
+            <a:spLocks noGrp="1"/>
+          </p:cNvSpPr>
+          <p:nvPr>
+            <p:ph type="sldNum" sz="quarter" idx="12"/>
+          </p:nvPr>
+        </p:nvSpPr>
+        <p:spPr/>
+        <p:txBody>
+          <a:bodyPr/>
+          <a:lstStyle/>
           <a:p>
             <a:fld id="{E22E157E-4D71-4742-AE3B-1A729AADE299}" type="slidenum">
-              <a:rPr lang="es-MX" altLang="es-MX"/>
+              <a:rPr lang="es-MX" altLang="es-MX" smtClean="0"/>
               <a:pPr/>
               <a:t>‹Nº›</a:t>
             </a:fld>
@@ -2622,7 +2761,7 @@
     </p:spTree>
     <p:extLst>
       <p:ext uri="{BB962C8B-B14F-4D97-AF65-F5344CB8AC3E}">
-        <p14:creationId xmlns:p14="http://schemas.microsoft.com/office/powerpoint/2010/main" val="1722726257"/>
+        <p14:creationId xmlns:p14="http://schemas.microsoft.com/office/powerpoint/2010/main" val="3118654402"/>
       </p:ext>
     </p:extLst>
   </p:cSld>
@@ -2651,31 +2790,63 @@
       </p:grpSpPr>
       <p:sp>
         <p:nvSpPr>
-          <p:cNvPr id="2" name="Marcador de número de diapositiva 1">
-            <a:extLst>
-              <a:ext uri="{FF2B5EF4-FFF2-40B4-BE49-F238E27FC236}">
-                <a16:creationId xmlns:a16="http://schemas.microsoft.com/office/drawing/2014/main" id="{954E2D92-E954-4DD3-932A-91E58905C3B6}"/>
-              </a:ext>
-            </a:extLst>
-          </p:cNvPr>
+          <p:cNvPr id="2" name="Date Placeholder 1"/>
           <p:cNvSpPr>
             <a:spLocks noGrp="1"/>
           </p:cNvSpPr>
           <p:nvPr>
-            <p:ph type="sldNum" idx="10"/>
+            <p:ph type="dt" sz="half" idx="10"/>
           </p:nvPr>
         </p:nvSpPr>
         <p:spPr/>
         <p:txBody>
           <a:bodyPr/>
-          <a:lstStyle>
-            <a:lvl1pPr>
-              <a:defRPr/>
-            </a:lvl1pPr>
-          </a:lstStyle>
+          <a:lstStyle/>
+          <a:p>
+            <a:fld id="{C764DE79-268F-4C1A-8933-263129D2AF90}" type="datetimeFigureOut">
+              <a:rPr lang="en-US" dirty="0"/>
+              <a:t>5/13/2019</a:t>
+            </a:fld>
+            <a:endParaRPr lang="en-US" dirty="0"/>
+          </a:p>
+        </p:txBody>
+      </p:sp>
+      <p:sp>
+        <p:nvSpPr>
+          <p:cNvPr id="3" name="Footer Placeholder 2"/>
+          <p:cNvSpPr>
+            <a:spLocks noGrp="1"/>
+          </p:cNvSpPr>
+          <p:nvPr>
+            <p:ph type="ftr" sz="quarter" idx="11"/>
+          </p:nvPr>
+        </p:nvSpPr>
+        <p:spPr/>
+        <p:txBody>
+          <a:bodyPr/>
+          <a:lstStyle/>
+          <a:p>
+            <a:endParaRPr lang="en-US" dirty="0"/>
+          </a:p>
+        </p:txBody>
+      </p:sp>
+      <p:sp>
+        <p:nvSpPr>
+          <p:cNvPr id="4" name="Slide Number Placeholder 3"/>
+          <p:cNvSpPr>
+            <a:spLocks noGrp="1"/>
+          </p:cNvSpPr>
+          <p:nvPr>
+            <p:ph type="sldNum" sz="quarter" idx="12"/>
+          </p:nvPr>
+        </p:nvSpPr>
+        <p:spPr/>
+        <p:txBody>
+          <a:bodyPr/>
+          <a:lstStyle/>
           <a:p>
             <a:fld id="{1FAE718E-A7F6-4334-9836-FE33FE2820F7}" type="slidenum">
-              <a:rPr lang="es-MX" altLang="es-MX"/>
+              <a:rPr lang="es-MX" altLang="es-MX" smtClean="0"/>
               <a:pPr/>
               <a:t>‹Nº›</a:t>
             </a:fld>
@@ -2686,7 +2857,7 @@
     </p:spTree>
     <p:extLst>
       <p:ext uri="{BB962C8B-B14F-4D97-AF65-F5344CB8AC3E}">
-        <p14:creationId xmlns:p14="http://schemas.microsoft.com/office/powerpoint/2010/main" val="1655608919"/>
+        <p14:creationId xmlns:p14="http://schemas.microsoft.com/office/powerpoint/2010/main" val="1694651795"/>
       </p:ext>
     </p:extLst>
   </p:cSld>
@@ -2715,13 +2886,7 @@
       </p:grpSpPr>
       <p:sp>
         <p:nvSpPr>
-          <p:cNvPr id="2" name="Título 1">
-            <a:extLst>
-              <a:ext uri="{FF2B5EF4-FFF2-40B4-BE49-F238E27FC236}">
-                <a16:creationId xmlns:a16="http://schemas.microsoft.com/office/drawing/2014/main" id="{9E8CD499-DC77-46F0-A8F1-F92B7EC0EC35}"/>
-              </a:ext>
-            </a:extLst>
-          </p:cNvPr>
+          <p:cNvPr id="2" name="Title 1"/>
           <p:cNvSpPr>
             <a:spLocks noGrp="1"/>
           </p:cNvSpPr>
@@ -2731,15 +2896,15 @@
         </p:nvSpPr>
         <p:spPr>
           <a:xfrm>
-            <a:off x="1487488" y="2160588"/>
-            <a:ext cx="6969125" cy="7561262"/>
+            <a:off x="1983780" y="2880042"/>
+            <a:ext cx="9288887" cy="10080149"/>
           </a:xfrm>
         </p:spPr>
         <p:txBody>
           <a:bodyPr anchor="b"/>
           <a:lstStyle>
             <a:lvl1pPr>
-              <a:defRPr sz="3200"/>
+              <a:defRPr sz="10079"/>
             </a:lvl1pPr>
           </a:lstStyle>
           <a:p>
@@ -2747,19 +2912,13 @@
               <a:rPr lang="es-ES"/>
               <a:t>Haga clic para modificar el estilo de título del patrón</a:t>
             </a:r>
-            <a:endParaRPr lang="es-MX"/>
+            <a:endParaRPr lang="en-US" dirty="0"/>
           </a:p>
         </p:txBody>
       </p:sp>
       <p:sp>
         <p:nvSpPr>
-          <p:cNvPr id="3" name="Marcador de contenido 2">
-            <a:extLst>
-              <a:ext uri="{FF2B5EF4-FFF2-40B4-BE49-F238E27FC236}">
-                <a16:creationId xmlns:a16="http://schemas.microsoft.com/office/drawing/2014/main" id="{E56A47EB-3182-410A-9940-6AD028F75511}"/>
-              </a:ext>
-            </a:extLst>
-          </p:cNvPr>
+          <p:cNvPr id="3" name="Content Placeholder 2"/>
           <p:cNvSpPr>
             <a:spLocks noGrp="1"/>
           </p:cNvSpPr>
@@ -2769,39 +2928,39 @@
         </p:nvSpPr>
         <p:spPr>
           <a:xfrm>
-            <a:off x="9185275" y="4665663"/>
-            <a:ext cx="10936288" cy="23028275"/>
+            <a:off x="12243932" y="6220102"/>
+            <a:ext cx="14580215" cy="30700453"/>
           </a:xfrm>
         </p:spPr>
         <p:txBody>
           <a:bodyPr/>
           <a:lstStyle>
             <a:lvl1pPr>
-              <a:defRPr sz="3200"/>
+              <a:defRPr sz="10079"/>
             </a:lvl1pPr>
             <a:lvl2pPr>
-              <a:defRPr sz="2800"/>
+              <a:defRPr sz="8819"/>
             </a:lvl2pPr>
             <a:lvl3pPr>
-              <a:defRPr sz="2400"/>
+              <a:defRPr sz="7559"/>
             </a:lvl3pPr>
             <a:lvl4pPr>
-              <a:defRPr sz="2000"/>
+              <a:defRPr sz="6299"/>
             </a:lvl4pPr>
             <a:lvl5pPr>
-              <a:defRPr sz="2000"/>
+              <a:defRPr sz="6299"/>
             </a:lvl5pPr>
             <a:lvl6pPr>
-              <a:defRPr sz="2000"/>
+              <a:defRPr sz="6299"/>
             </a:lvl6pPr>
             <a:lvl7pPr>
-              <a:defRPr sz="2000"/>
+              <a:defRPr sz="6299"/>
             </a:lvl7pPr>
             <a:lvl8pPr>
-              <a:defRPr sz="2000"/>
+              <a:defRPr sz="6299"/>
             </a:lvl8pPr>
             <a:lvl9pPr>
-              <a:defRPr sz="2000"/>
+              <a:defRPr sz="6299"/>
             </a:lvl9pPr>
           </a:lstStyle>
           <a:p>
@@ -2838,19 +2997,13 @@
               <a:rPr lang="es-ES"/>
               <a:t>Quinto nivel</a:t>
             </a:r>
-            <a:endParaRPr lang="es-MX"/>
+            <a:endParaRPr lang="en-US" dirty="0"/>
           </a:p>
         </p:txBody>
       </p:sp>
       <p:sp>
         <p:nvSpPr>
-          <p:cNvPr id="4" name="Marcador de texto 3">
-            <a:extLst>
-              <a:ext uri="{FF2B5EF4-FFF2-40B4-BE49-F238E27FC236}">
-                <a16:creationId xmlns:a16="http://schemas.microsoft.com/office/drawing/2014/main" id="{9A50A235-813D-4258-B7A0-3924FC1153A8}"/>
-              </a:ext>
-            </a:extLst>
-          </p:cNvPr>
+          <p:cNvPr id="4" name="Text Placeholder 3"/>
           <p:cNvSpPr>
             <a:spLocks noGrp="1"/>
           </p:cNvSpPr>
@@ -2860,8 +3013,8 @@
         </p:nvSpPr>
         <p:spPr>
           <a:xfrm>
-            <a:off x="1487488" y="9721850"/>
-            <a:ext cx="6969125" cy="18008600"/>
+            <a:off x="1983780" y="12960191"/>
+            <a:ext cx="9288887" cy="24010358"/>
           </a:xfrm>
         </p:spPr>
         <p:txBody>
@@ -2869,39 +3022,39 @@
           <a:lstStyle>
             <a:lvl1pPr marL="0" indent="0">
               <a:buNone/>
-              <a:defRPr sz="1600"/>
+              <a:defRPr sz="5040"/>
             </a:lvl1pPr>
-            <a:lvl2pPr marL="457200" indent="0">
+            <a:lvl2pPr marL="1440043" indent="0">
               <a:buNone/>
-              <a:defRPr sz="1400"/>
+              <a:defRPr sz="4410"/>
             </a:lvl2pPr>
-            <a:lvl3pPr marL="914400" indent="0">
+            <a:lvl3pPr marL="2880086" indent="0">
               <a:buNone/>
-              <a:defRPr sz="1200"/>
+              <a:defRPr sz="3780"/>
             </a:lvl3pPr>
-            <a:lvl4pPr marL="1371600" indent="0">
+            <a:lvl4pPr marL="4320129" indent="0">
               <a:buNone/>
-              <a:defRPr sz="1000"/>
+              <a:defRPr sz="3150"/>
             </a:lvl4pPr>
-            <a:lvl5pPr marL="1828800" indent="0">
+            <a:lvl5pPr marL="5760171" indent="0">
               <a:buNone/>
-              <a:defRPr sz="1000"/>
+              <a:defRPr sz="3150"/>
             </a:lvl5pPr>
-            <a:lvl6pPr marL="2286000" indent="0">
+            <a:lvl6pPr marL="7200214" indent="0">
               <a:buNone/>
-              <a:defRPr sz="1000"/>
+              <a:defRPr sz="3150"/>
             </a:lvl6pPr>
-            <a:lvl7pPr marL="2743200" indent="0">
+            <a:lvl7pPr marL="8640257" indent="0">
               <a:buNone/>
-              <a:defRPr sz="1000"/>
+              <a:defRPr sz="3150"/>
             </a:lvl7pPr>
-            <a:lvl8pPr marL="3200400" indent="0">
+            <a:lvl8pPr marL="10080300" indent="0">
               <a:buNone/>
-              <a:defRPr sz="1000"/>
+              <a:defRPr sz="3150"/>
             </a:lvl8pPr>
-            <a:lvl9pPr marL="3657600" indent="0">
+            <a:lvl9pPr marL="11520343" indent="0">
               <a:buNone/>
-              <a:defRPr sz="1000"/>
+              <a:defRPr sz="3150"/>
             </a:lvl9pPr>
           </a:lstStyle>
           <a:p>
@@ -2915,31 +3068,63 @@
       </p:sp>
       <p:sp>
         <p:nvSpPr>
-          <p:cNvPr id="5" name="Marcador de número de diapositiva 4">
-            <a:extLst>
-              <a:ext uri="{FF2B5EF4-FFF2-40B4-BE49-F238E27FC236}">
-                <a16:creationId xmlns:a16="http://schemas.microsoft.com/office/drawing/2014/main" id="{1CA5F77C-3F02-48C0-9BB2-0568ED93B2CA}"/>
-              </a:ext>
-            </a:extLst>
-          </p:cNvPr>
+          <p:cNvPr id="5" name="Date Placeholder 4"/>
           <p:cNvSpPr>
             <a:spLocks noGrp="1"/>
           </p:cNvSpPr>
           <p:nvPr>
-            <p:ph type="sldNum" idx="10"/>
+            <p:ph type="dt" sz="half" idx="10"/>
           </p:nvPr>
         </p:nvSpPr>
         <p:spPr/>
         <p:txBody>
           <a:bodyPr/>
-          <a:lstStyle>
-            <a:lvl1pPr>
-              <a:defRPr/>
-            </a:lvl1pPr>
-          </a:lstStyle>
+          <a:lstStyle/>
+          <a:p>
+            <a:fld id="{C764DE79-268F-4C1A-8933-263129D2AF90}" type="datetimeFigureOut">
+              <a:rPr lang="en-US" dirty="0"/>
+              <a:t>5/13/2019</a:t>
+            </a:fld>
+            <a:endParaRPr lang="en-US" dirty="0"/>
+          </a:p>
+        </p:txBody>
+      </p:sp>
+      <p:sp>
+        <p:nvSpPr>
+          <p:cNvPr id="6" name="Footer Placeholder 5"/>
+          <p:cNvSpPr>
+            <a:spLocks noGrp="1"/>
+          </p:cNvSpPr>
+          <p:nvPr>
+            <p:ph type="ftr" sz="quarter" idx="11"/>
+          </p:nvPr>
+        </p:nvSpPr>
+        <p:spPr/>
+        <p:txBody>
+          <a:bodyPr/>
+          <a:lstStyle/>
+          <a:p>
+            <a:endParaRPr lang="en-US" dirty="0"/>
+          </a:p>
+        </p:txBody>
+      </p:sp>
+      <p:sp>
+        <p:nvSpPr>
+          <p:cNvPr id="7" name="Slide Number Placeholder 6"/>
+          <p:cNvSpPr>
+            <a:spLocks noGrp="1"/>
+          </p:cNvSpPr>
+          <p:nvPr>
+            <p:ph type="sldNum" sz="quarter" idx="12"/>
+          </p:nvPr>
+        </p:nvSpPr>
+        <p:spPr/>
+        <p:txBody>
+          <a:bodyPr/>
+          <a:lstStyle/>
           <a:p>
             <a:fld id="{17C05259-53CA-4D56-B100-5F8812E9B99B}" type="slidenum">
-              <a:rPr lang="es-MX" altLang="es-MX"/>
+              <a:rPr lang="es-MX" altLang="es-MX" smtClean="0"/>
               <a:pPr/>
               <a:t>‹Nº›</a:t>
             </a:fld>
@@ -2950,7 +3135,7 @@
     </p:spTree>
     <p:extLst>
       <p:ext uri="{BB962C8B-B14F-4D97-AF65-F5344CB8AC3E}">
-        <p14:creationId xmlns:p14="http://schemas.microsoft.com/office/powerpoint/2010/main" val="2516080161"/>
+        <p14:creationId xmlns:p14="http://schemas.microsoft.com/office/powerpoint/2010/main" val="2248138819"/>
       </p:ext>
     </p:extLst>
   </p:cSld>
@@ -2979,13 +3164,7 @@
       </p:grpSpPr>
       <p:sp>
         <p:nvSpPr>
-          <p:cNvPr id="2" name="Título 1">
-            <a:extLst>
-              <a:ext uri="{FF2B5EF4-FFF2-40B4-BE49-F238E27FC236}">
-                <a16:creationId xmlns:a16="http://schemas.microsoft.com/office/drawing/2014/main" id="{79CAB5F7-0892-429D-A921-12E129F44BB8}"/>
-              </a:ext>
-            </a:extLst>
-          </p:cNvPr>
+          <p:cNvPr id="2" name="Title 1"/>
           <p:cNvSpPr>
             <a:spLocks noGrp="1"/>
           </p:cNvSpPr>
@@ -2995,15 +3174,15 @@
         </p:nvSpPr>
         <p:spPr>
           <a:xfrm>
-            <a:off x="1487488" y="2160588"/>
-            <a:ext cx="6969125" cy="7561262"/>
+            <a:off x="1983780" y="2880042"/>
+            <a:ext cx="9288887" cy="10080149"/>
           </a:xfrm>
         </p:spPr>
         <p:txBody>
           <a:bodyPr anchor="b"/>
           <a:lstStyle>
             <a:lvl1pPr>
-              <a:defRPr sz="3200"/>
+              <a:defRPr sz="10079"/>
             </a:lvl1pPr>
           </a:lstStyle>
           <a:p>
@@ -3011,21 +3190,15 @@
               <a:rPr lang="es-ES"/>
               <a:t>Haga clic para modificar el estilo de título del patrón</a:t>
             </a:r>
-            <a:endParaRPr lang="es-MX"/>
+            <a:endParaRPr lang="en-US" dirty="0"/>
           </a:p>
         </p:txBody>
       </p:sp>
       <p:sp>
         <p:nvSpPr>
-          <p:cNvPr id="3" name="Marcador de posición de imagen 2">
-            <a:extLst>
-              <a:ext uri="{FF2B5EF4-FFF2-40B4-BE49-F238E27FC236}">
-                <a16:creationId xmlns:a16="http://schemas.microsoft.com/office/drawing/2014/main" id="{3756C5D0-F171-49E0-BE41-AE67C06D1A82}"/>
-              </a:ext>
-            </a:extLst>
-          </p:cNvPr>
+          <p:cNvPr id="3" name="Picture Placeholder 2"/>
           <p:cNvSpPr>
-            <a:spLocks noGrp="1"/>
+            <a:spLocks noGrp="1" noChangeAspect="1"/>
           </p:cNvSpPr>
           <p:nvPr>
             <p:ph type="pic" idx="1"/>
@@ -3033,64 +3206,62 @@
         </p:nvSpPr>
         <p:spPr>
           <a:xfrm>
-            <a:off x="9185275" y="4665663"/>
-            <a:ext cx="10936288" cy="23028275"/>
+            <a:off x="12243932" y="6220102"/>
+            <a:ext cx="14580215" cy="30700453"/>
           </a:xfrm>
         </p:spPr>
         <p:txBody>
-          <a:bodyPr/>
+          <a:bodyPr anchor="t"/>
           <a:lstStyle>
             <a:lvl1pPr marL="0" indent="0">
               <a:buNone/>
-              <a:defRPr sz="3200"/>
+              <a:defRPr sz="10079"/>
             </a:lvl1pPr>
-            <a:lvl2pPr marL="457200" indent="0">
+            <a:lvl2pPr marL="1440043" indent="0">
               <a:buNone/>
-              <a:defRPr sz="2800"/>
+              <a:defRPr sz="8819"/>
             </a:lvl2pPr>
-            <a:lvl3pPr marL="914400" indent="0">
+            <a:lvl3pPr marL="2880086" indent="0">
               <a:buNone/>
-              <a:defRPr sz="2400"/>
+              <a:defRPr sz="7559"/>
             </a:lvl3pPr>
-            <a:lvl4pPr marL="1371600" indent="0">
+            <a:lvl4pPr marL="4320129" indent="0">
               <a:buNone/>
-              <a:defRPr sz="2000"/>
+              <a:defRPr sz="6299"/>
             </a:lvl4pPr>
-            <a:lvl5pPr marL="1828800" indent="0">
+            <a:lvl5pPr marL="5760171" indent="0">
               <a:buNone/>
-              <a:defRPr sz="2000"/>
+              <a:defRPr sz="6299"/>
             </a:lvl5pPr>
-            <a:lvl6pPr marL="2286000" indent="0">
+            <a:lvl6pPr marL="7200214" indent="0">
               <a:buNone/>
-              <a:defRPr sz="2000"/>
+              <a:defRPr sz="6299"/>
             </a:lvl6pPr>
-            <a:lvl7pPr marL="2743200" indent="0">
+            <a:lvl7pPr marL="8640257" indent="0">
               <a:buNone/>
-              <a:defRPr sz="2000"/>
+              <a:defRPr sz="6299"/>
             </a:lvl7pPr>
-            <a:lvl8pPr marL="3200400" indent="0">
+            <a:lvl8pPr marL="10080300" indent="0">
               <a:buNone/>
-              <a:defRPr sz="2000"/>
+              <a:defRPr sz="6299"/>
             </a:lvl8pPr>
-            <a:lvl9pPr marL="3657600" indent="0">
+            <a:lvl9pPr marL="11520343" indent="0">
               <a:buNone/>
-              <a:defRPr sz="2000"/>
+              <a:defRPr sz="6299"/>
             </a:lvl9pPr>
           </a:lstStyle>
           <a:p>
-            <a:endParaRPr lang="es-MX"/>
+            <a:r>
+              <a:rPr lang="es-ES"/>
+              <a:t>Haga clic en el icono para agregar una imagen</a:t>
+            </a:r>
+            <a:endParaRPr lang="en-US" dirty="0"/>
           </a:p>
         </p:txBody>
       </p:sp>
       <p:sp>
         <p:nvSpPr>
-          <p:cNvPr id="4" name="Marcador de texto 3">
-            <a:extLst>
-              <a:ext uri="{FF2B5EF4-FFF2-40B4-BE49-F238E27FC236}">
-                <a16:creationId xmlns:a16="http://schemas.microsoft.com/office/drawing/2014/main" id="{60829A97-71D6-4642-BEA6-954CF796B131}"/>
-              </a:ext>
-            </a:extLst>
-          </p:cNvPr>
+          <p:cNvPr id="4" name="Text Placeholder 3"/>
           <p:cNvSpPr>
             <a:spLocks noGrp="1"/>
           </p:cNvSpPr>
@@ -3100,8 +3271,8 @@
         </p:nvSpPr>
         <p:spPr>
           <a:xfrm>
-            <a:off x="1487488" y="9721850"/>
-            <a:ext cx="6969125" cy="18008600"/>
+            <a:off x="1983780" y="12960191"/>
+            <a:ext cx="9288887" cy="24010358"/>
           </a:xfrm>
         </p:spPr>
         <p:txBody>
@@ -3109,39 +3280,39 @@
           <a:lstStyle>
             <a:lvl1pPr marL="0" indent="0">
               <a:buNone/>
-              <a:defRPr sz="1600"/>
+              <a:defRPr sz="5040"/>
             </a:lvl1pPr>
-            <a:lvl2pPr marL="457200" indent="0">
+            <a:lvl2pPr marL="1440043" indent="0">
               <a:buNone/>
-              <a:defRPr sz="1400"/>
+              <a:defRPr sz="4410"/>
             </a:lvl2pPr>
-            <a:lvl3pPr marL="914400" indent="0">
+            <a:lvl3pPr marL="2880086" indent="0">
               <a:buNone/>
-              <a:defRPr sz="1200"/>
+              <a:defRPr sz="3780"/>
             </a:lvl3pPr>
-            <a:lvl4pPr marL="1371600" indent="0">
+            <a:lvl4pPr marL="4320129" indent="0">
               <a:buNone/>
-              <a:defRPr sz="1000"/>
+              <a:defRPr sz="3150"/>
             </a:lvl4pPr>
-            <a:lvl5pPr marL="1828800" indent="0">
+            <a:lvl5pPr marL="5760171" indent="0">
               <a:buNone/>
-              <a:defRPr sz="1000"/>
+              <a:defRPr sz="3150"/>
             </a:lvl5pPr>
-            <a:lvl6pPr marL="2286000" indent="0">
+            <a:lvl6pPr marL="7200214" indent="0">
               <a:buNone/>
-              <a:defRPr sz="1000"/>
+              <a:defRPr sz="3150"/>
             </a:lvl6pPr>
-            <a:lvl7pPr marL="2743200" indent="0">
+            <a:lvl7pPr marL="8640257" indent="0">
               <a:buNone/>
-              <a:defRPr sz="1000"/>
+              <a:defRPr sz="3150"/>
             </a:lvl7pPr>
-            <a:lvl8pPr marL="3200400" indent="0">
+            <a:lvl8pPr marL="10080300" indent="0">
               <a:buNone/>
-              <a:defRPr sz="1000"/>
+              <a:defRPr sz="3150"/>
             </a:lvl8pPr>
-            <a:lvl9pPr marL="3657600" indent="0">
+            <a:lvl9pPr marL="11520343" indent="0">
               <a:buNone/>
-              <a:defRPr sz="1000"/>
+              <a:defRPr sz="3150"/>
             </a:lvl9pPr>
           </a:lstStyle>
           <a:p>
@@ -3155,31 +3326,63 @@
       </p:sp>
       <p:sp>
         <p:nvSpPr>
-          <p:cNvPr id="5" name="Marcador de número de diapositiva 4">
-            <a:extLst>
-              <a:ext uri="{FF2B5EF4-FFF2-40B4-BE49-F238E27FC236}">
-                <a16:creationId xmlns:a16="http://schemas.microsoft.com/office/drawing/2014/main" id="{D4BAB6A8-C481-40BF-988B-D2F5B0EB07F7}"/>
-              </a:ext>
-            </a:extLst>
-          </p:cNvPr>
+          <p:cNvPr id="5" name="Date Placeholder 4"/>
           <p:cNvSpPr>
             <a:spLocks noGrp="1"/>
           </p:cNvSpPr>
           <p:nvPr>
-            <p:ph type="sldNum" idx="10"/>
+            <p:ph type="dt" sz="half" idx="10"/>
           </p:nvPr>
         </p:nvSpPr>
         <p:spPr/>
         <p:txBody>
           <a:bodyPr/>
-          <a:lstStyle>
-            <a:lvl1pPr>
-              <a:defRPr/>
-            </a:lvl1pPr>
-          </a:lstStyle>
+          <a:lstStyle/>
+          <a:p>
+            <a:fld id="{C764DE79-268F-4C1A-8933-263129D2AF90}" type="datetimeFigureOut">
+              <a:rPr lang="en-US" dirty="0"/>
+              <a:t>5/13/2019</a:t>
+            </a:fld>
+            <a:endParaRPr lang="en-US" dirty="0"/>
+          </a:p>
+        </p:txBody>
+      </p:sp>
+      <p:sp>
+        <p:nvSpPr>
+          <p:cNvPr id="6" name="Footer Placeholder 5"/>
+          <p:cNvSpPr>
+            <a:spLocks noGrp="1"/>
+          </p:cNvSpPr>
+          <p:nvPr>
+            <p:ph type="ftr" sz="quarter" idx="11"/>
+          </p:nvPr>
+        </p:nvSpPr>
+        <p:spPr/>
+        <p:txBody>
+          <a:bodyPr/>
+          <a:lstStyle/>
+          <a:p>
+            <a:endParaRPr lang="en-US" dirty="0"/>
+          </a:p>
+        </p:txBody>
+      </p:sp>
+      <p:sp>
+        <p:nvSpPr>
+          <p:cNvPr id="7" name="Slide Number Placeholder 6"/>
+          <p:cNvSpPr>
+            <a:spLocks noGrp="1"/>
+          </p:cNvSpPr>
+          <p:nvPr>
+            <p:ph type="sldNum" sz="quarter" idx="12"/>
+          </p:nvPr>
+        </p:nvSpPr>
+        <p:spPr/>
+        <p:txBody>
+          <a:bodyPr/>
+          <a:lstStyle/>
           <a:p>
             <a:fld id="{4177AD55-CCA2-4FF3-925C-88D859C9E5CA}" type="slidenum">
-              <a:rPr lang="es-MX" altLang="es-MX"/>
+              <a:rPr lang="es-MX" altLang="es-MX" smtClean="0"/>
               <a:pPr/>
               <a:t>‹Nº›</a:t>
             </a:fld>
@@ -3190,7 +3393,7 @@
     </p:spTree>
     <p:extLst>
       <p:ext uri="{BB962C8B-B14F-4D97-AF65-F5344CB8AC3E}">
-        <p14:creationId xmlns:p14="http://schemas.microsoft.com/office/powerpoint/2010/main" val="2650886207"/>
+        <p14:creationId xmlns:p14="http://schemas.microsoft.com/office/powerpoint/2010/main" val="2131831917"/>
       </p:ext>
     </p:extLst>
   </p:cSld>
@@ -3204,12 +3407,9 @@
 <p:sldMaster xmlns:a="http://schemas.openxmlformats.org/drawingml/2006/main" xmlns:r="http://schemas.openxmlformats.org/officeDocument/2006/relationships" xmlns:p="http://schemas.openxmlformats.org/presentationml/2006/main">
   <p:cSld>
     <p:bg>
-      <p:bgPr>
-        <a:solidFill>
-          <a:srgbClr val="FFFFFF"/>
-        </a:solidFill>
-        <a:effectLst/>
-      </p:bgPr>
+      <p:bgRef idx="1001">
+        <a:schemeClr val="bg1"/>
+      </p:bgRef>
     </p:bg>
     <p:spTree>
       <p:nvGrpSpPr>
@@ -3227,424 +3427,212 @@
       </p:grpSpPr>
       <p:sp>
         <p:nvSpPr>
-          <p:cNvPr id="1025" name="Rectangle 1">
-            <a:extLst>
-              <a:ext uri="{FF2B5EF4-FFF2-40B4-BE49-F238E27FC236}">
-                <a16:creationId xmlns:a16="http://schemas.microsoft.com/office/drawing/2014/main" id="{415CFCBF-9FF9-42B8-BAB5-AB9F91D87BE8}"/>
-              </a:ext>
-            </a:extLst>
-          </p:cNvPr>
+          <p:cNvPr id="2" name="Title Placeholder 1"/>
           <p:cNvSpPr>
-            <a:spLocks noGrp="1" noChangeArrowheads="1"/>
+            <a:spLocks noGrp="1"/>
           </p:cNvSpPr>
           <p:nvPr>
             <p:ph type="title"/>
           </p:nvPr>
         </p:nvSpPr>
-        <p:spPr bwMode="auto">
+        <p:spPr>
           <a:xfrm>
-            <a:off x="1079500" y="1296988"/>
-            <a:ext cx="19440525" cy="5397500"/>
+            <a:off x="1980029" y="2300044"/>
+            <a:ext cx="24840367" cy="8350126"/>
           </a:xfrm>
           <a:prstGeom prst="rect">
             <a:avLst/>
           </a:prstGeom>
-          <a:noFill/>
-          <a:ln>
-            <a:noFill/>
-          </a:ln>
-          <a:effectLst/>
-          <a:extLst>
-            <a:ext uri="{909E8E84-426E-40DD-AFC4-6F175D3DCCD1}">
-              <a14:hiddenFill xmlns:a14="http://schemas.microsoft.com/office/drawing/2010/main">
-                <a:solidFill>
-                  <a:srgbClr val="FFFFFF"/>
-                </a:solidFill>
-              </a14:hiddenFill>
-            </a:ext>
-            <a:ext uri="{91240B29-F687-4F45-9708-019B960494DF}">
-              <a14:hiddenLine xmlns:a14="http://schemas.microsoft.com/office/drawing/2010/main" w="9525" cap="flat">
-                <a:solidFill>
-                  <a:srgbClr val="3465A4"/>
-                </a:solidFill>
-                <a:round/>
-                <a:headEnd/>
-                <a:tailEnd/>
-              </a14:hiddenLine>
-            </a:ext>
-            <a:ext uri="{AF507438-7753-43E0-B8FC-AC1667EBCBE1}">
-              <a14:hiddenEffects xmlns:a14="http://schemas.microsoft.com/office/drawing/2010/main">
-                <a:effectLst>
-                  <a:outerShdw dist="35921" dir="2700000" algn="ctr" rotWithShape="0">
-                    <a:schemeClr val="bg2"/>
-                  </a:outerShdw>
-                </a:effectLst>
-              </a14:hiddenEffects>
-            </a:ext>
-          </a:extLst>
         </p:spPr>
         <p:txBody>
-          <a:bodyPr vert="horz" wrap="square" lIns="308520" tIns="154440" rIns="308520" bIns="154440" numCol="1" anchor="ctr" anchorCtr="0" compatLnSpc="1">
-            <a:prstTxWarp prst="textNoShape">
-              <a:avLst/>
-            </a:prstTxWarp>
+          <a:bodyPr vert="horz" lIns="91440" tIns="45720" rIns="91440" bIns="45720" rtlCol="0" anchor="ctr">
+            <a:normAutofit/>
+          </a:bodyPr>
+          <a:lstStyle/>
+          <a:p>
+            <a:r>
+              <a:rPr lang="es-ES"/>
+              <a:t>Haga clic para modificar el estilo de título del patrón</a:t>
+            </a:r>
+            <a:endParaRPr lang="en-US" dirty="0"/>
+          </a:p>
+        </p:txBody>
+      </p:sp>
+      <p:sp>
+        <p:nvSpPr>
+          <p:cNvPr id="3" name="Text Placeholder 2"/>
+          <p:cNvSpPr>
+            <a:spLocks noGrp="1"/>
+          </p:cNvSpPr>
+          <p:nvPr>
+            <p:ph type="body" idx="1"/>
+          </p:nvPr>
+        </p:nvSpPr>
+        <p:spPr>
+          <a:xfrm>
+            <a:off x="1980029" y="11500170"/>
+            <a:ext cx="24840367" cy="27410408"/>
+          </a:xfrm>
+          <a:prstGeom prst="rect">
+            <a:avLst/>
+          </a:prstGeom>
+        </p:spPr>
+        <p:txBody>
+          <a:bodyPr vert="horz" lIns="91440" tIns="45720" rIns="91440" bIns="45720" rtlCol="0">
+            <a:normAutofit/>
           </a:bodyPr>
           <a:lstStyle/>
           <a:p>
             <a:pPr lvl="0"/>
             <a:r>
-              <a:rPr lang="en-GB" altLang="es-MX"/>
-              <a:t>Pulse para editar el formato del texto de título</a:t>
+              <a:rPr lang="es-ES"/>
+              <a:t>Haga clic para modificar los estilos de texto del patrón</a:t>
             </a:r>
+          </a:p>
+          <a:p>
+            <a:pPr lvl="1"/>
+            <a:r>
+              <a:rPr lang="es-ES"/>
+              <a:t>Segundo nivel</a:t>
+            </a:r>
+          </a:p>
+          <a:p>
+            <a:pPr lvl="2"/>
+            <a:r>
+              <a:rPr lang="es-ES"/>
+              <a:t>Tercer nivel</a:t>
+            </a:r>
+          </a:p>
+          <a:p>
+            <a:pPr lvl="3"/>
+            <a:r>
+              <a:rPr lang="es-ES"/>
+              <a:t>Cuarto nivel</a:t>
+            </a:r>
+          </a:p>
+          <a:p>
+            <a:pPr lvl="4"/>
+            <a:r>
+              <a:rPr lang="es-ES"/>
+              <a:t>Quinto nivel</a:t>
+            </a:r>
+            <a:endParaRPr lang="en-US" dirty="0"/>
           </a:p>
         </p:txBody>
       </p:sp>
       <p:sp>
         <p:nvSpPr>
-          <p:cNvPr id="1026" name="Rectangle 2">
-            <a:extLst>
-              <a:ext uri="{FF2B5EF4-FFF2-40B4-BE49-F238E27FC236}">
-                <a16:creationId xmlns:a16="http://schemas.microsoft.com/office/drawing/2014/main" id="{716A7500-DA5C-4884-A7BF-982DEFE8D992}"/>
-              </a:ext>
-            </a:extLst>
-          </p:cNvPr>
+          <p:cNvPr id="4" name="Date Placeholder 3"/>
           <p:cNvSpPr>
-            <a:spLocks noGrp="1" noChangeArrowheads="1"/>
+            <a:spLocks noGrp="1"/>
           </p:cNvSpPr>
           <p:nvPr>
-            <p:ph type="body" idx="1"/>
+            <p:ph type="dt" sz="half" idx="2"/>
           </p:nvPr>
         </p:nvSpPr>
-        <p:spPr bwMode="auto">
+        <p:spPr>
           <a:xfrm>
-            <a:off x="1079500" y="7561263"/>
-            <a:ext cx="19440525" cy="21382037"/>
+            <a:off x="1980029" y="40040601"/>
+            <a:ext cx="6480096" cy="2300034"/>
           </a:xfrm>
           <a:prstGeom prst="rect">
             <a:avLst/>
           </a:prstGeom>
-          <a:noFill/>
-          <a:ln>
-            <a:noFill/>
-          </a:ln>
-          <a:effectLst/>
-          <a:extLst>
-            <a:ext uri="{909E8E84-426E-40DD-AFC4-6F175D3DCCD1}">
-              <a14:hiddenFill xmlns:a14="http://schemas.microsoft.com/office/drawing/2010/main">
-                <a:solidFill>
-                  <a:srgbClr val="FFFFFF"/>
-                </a:solidFill>
-              </a14:hiddenFill>
-            </a:ext>
-            <a:ext uri="{91240B29-F687-4F45-9708-019B960494DF}">
-              <a14:hiddenLine xmlns:a14="http://schemas.microsoft.com/office/drawing/2010/main" w="9525" cap="flat">
-                <a:solidFill>
-                  <a:srgbClr val="3465A4"/>
-                </a:solidFill>
-                <a:round/>
-                <a:headEnd/>
-                <a:tailEnd/>
-              </a14:hiddenLine>
-            </a:ext>
-            <a:ext uri="{AF507438-7753-43E0-B8FC-AC1667EBCBE1}">
-              <a14:hiddenEffects xmlns:a14="http://schemas.microsoft.com/office/drawing/2010/main">
-                <a:effectLst>
-                  <a:outerShdw dist="35921" dir="2700000" algn="ctr" rotWithShape="0">
-                    <a:schemeClr val="bg2"/>
-                  </a:outerShdw>
-                </a:effectLst>
-              </a14:hiddenEffects>
-            </a:ext>
-          </a:extLst>
         </p:spPr>
         <p:txBody>
-          <a:bodyPr vert="horz" wrap="square" lIns="308520" tIns="154440" rIns="308520" bIns="154440" numCol="1" anchor="t" anchorCtr="0" compatLnSpc="1">
-            <a:prstTxWarp prst="textNoShape">
-              <a:avLst/>
-            </a:prstTxWarp>
-          </a:bodyPr>
-          <a:lstStyle/>
+          <a:bodyPr vert="horz" lIns="91440" tIns="45720" rIns="91440" bIns="45720" rtlCol="0" anchor="ctr"/>
+          <a:lstStyle>
+            <a:lvl1pPr algn="l">
+              <a:defRPr sz="3780">
+                <a:solidFill>
+                  <a:schemeClr val="tx1">
+                    <a:tint val="75000"/>
+                  </a:schemeClr>
+                </a:solidFill>
+              </a:defRPr>
+            </a:lvl1pPr>
+          </a:lstStyle>
           <a:p>
-            <a:pPr lvl="0"/>
-            <a:r>
-              <a:rPr lang="en-GB" altLang="es-MX"/>
-              <a:t>Pulse para editar el formato de esquema del texto</a:t>
-            </a:r>
-          </a:p>
-          <a:p>
-            <a:pPr lvl="1"/>
-            <a:r>
-              <a:rPr lang="en-GB" altLang="es-MX"/>
-              <a:t>Segundo nivel del esquema</a:t>
-            </a:r>
-          </a:p>
-          <a:p>
-            <a:pPr lvl="2"/>
-            <a:r>
-              <a:rPr lang="en-GB" altLang="es-MX"/>
-              <a:t>Tercer nivel del esquema</a:t>
-            </a:r>
-          </a:p>
-          <a:p>
-            <a:pPr lvl="3"/>
-            <a:r>
-              <a:rPr lang="en-GB" altLang="es-MX"/>
-              <a:t>Cuarto nivel del esquema</a:t>
-            </a:r>
-          </a:p>
-          <a:p>
-            <a:pPr lvl="4"/>
-            <a:r>
-              <a:rPr lang="en-GB" altLang="es-MX"/>
-              <a:t>Quinto nivel del esquema</a:t>
-            </a:r>
-          </a:p>
-          <a:p>
-            <a:pPr lvl="4"/>
-            <a:r>
-              <a:rPr lang="en-GB" altLang="es-MX"/>
-              <a:t>Sexto nivel del esquema</a:t>
-            </a:r>
-          </a:p>
-          <a:p>
-            <a:pPr lvl="4"/>
-            <a:r>
-              <a:rPr lang="en-GB" altLang="es-MX"/>
-              <a:t>Séptimo nivel del esquema</a:t>
-            </a:r>
+            <a:fld id="{C764DE79-268F-4C1A-8933-263129D2AF90}" type="datetimeFigureOut">
+              <a:rPr lang="en-US" dirty="0"/>
+              <a:t>5/13/2019</a:t>
+            </a:fld>
+            <a:endParaRPr lang="en-US" dirty="0"/>
           </a:p>
         </p:txBody>
       </p:sp>
       <p:sp>
         <p:nvSpPr>
-          <p:cNvPr id="1027" name="Text Box 3">
-            <a:extLst>
-              <a:ext uri="{FF2B5EF4-FFF2-40B4-BE49-F238E27FC236}">
-                <a16:creationId xmlns:a16="http://schemas.microsoft.com/office/drawing/2014/main" id="{231267A7-2A8C-494C-86E8-CCD6CA5E9096}"/>
-              </a:ext>
-            </a:extLst>
-          </p:cNvPr>
-          <p:cNvSpPr txBox="1">
-            <a:spLocks noChangeArrowheads="1"/>
+          <p:cNvPr id="5" name="Footer Placeholder 4"/>
+          <p:cNvSpPr>
+            <a:spLocks noGrp="1"/>
           </p:cNvSpPr>
-          <p:nvPr/>
+          <p:nvPr>
+            <p:ph type="ftr" sz="quarter" idx="3"/>
+          </p:nvPr>
         </p:nvSpPr>
-        <p:spPr bwMode="auto">
+        <p:spPr>
           <a:xfrm>
-            <a:off x="1079500" y="29508450"/>
-            <a:ext cx="5040313" cy="2249488"/>
+            <a:off x="9540141" y="40040601"/>
+            <a:ext cx="9720143" cy="2300034"/>
           </a:xfrm>
           <a:prstGeom prst="rect">
             <a:avLst/>
           </a:prstGeom>
-          <a:noFill/>
-          <a:ln>
-            <a:noFill/>
-          </a:ln>
-          <a:effectLst/>
-          <a:extLst>
-            <a:ext uri="{909E8E84-426E-40DD-AFC4-6F175D3DCCD1}">
-              <a14:hiddenFill xmlns:a14="http://schemas.microsoft.com/office/drawing/2010/main">
-                <a:solidFill>
-                  <a:srgbClr val="FFFFFF"/>
-                </a:solidFill>
-              </a14:hiddenFill>
-            </a:ext>
-            <a:ext uri="{91240B29-F687-4F45-9708-019B960494DF}">
-              <a14:hiddenLine xmlns:a14="http://schemas.microsoft.com/office/drawing/2010/main" w="9525" cap="flat">
-                <a:solidFill>
-                  <a:srgbClr val="3465A4"/>
-                </a:solidFill>
-                <a:round/>
-                <a:headEnd/>
-                <a:tailEnd/>
-              </a14:hiddenLine>
-            </a:ext>
-            <a:ext uri="{AF507438-7753-43E0-B8FC-AC1667EBCBE1}">
-              <a14:hiddenEffects xmlns:a14="http://schemas.microsoft.com/office/drawing/2010/main">
-                <a:effectLst>
-                  <a:outerShdw dist="35921" dir="2700000" algn="ctr" rotWithShape="0">
-                    <a:srgbClr val="808080"/>
-                  </a:outerShdw>
-                </a:effectLst>
-              </a14:hiddenEffects>
-            </a:ext>
-          </a:extLst>
         </p:spPr>
         <p:txBody>
-          <a:bodyPr wrap="none" anchor="ctr"/>
-          <a:lstStyle/>
+          <a:bodyPr vert="horz" lIns="91440" tIns="45720" rIns="91440" bIns="45720" rtlCol="0" anchor="ctr"/>
+          <a:lstStyle>
+            <a:lvl1pPr algn="ctr">
+              <a:defRPr sz="3780">
+                <a:solidFill>
+                  <a:schemeClr val="tx1">
+                    <a:tint val="75000"/>
+                  </a:schemeClr>
+                </a:solidFill>
+              </a:defRPr>
+            </a:lvl1pPr>
+          </a:lstStyle>
           <a:p>
-            <a:endParaRPr lang="es-MX"/>
+            <a:endParaRPr lang="en-US" dirty="0"/>
           </a:p>
         </p:txBody>
       </p:sp>
       <p:sp>
         <p:nvSpPr>
-          <p:cNvPr id="1028" name="Text Box 4">
-            <a:extLst>
-              <a:ext uri="{FF2B5EF4-FFF2-40B4-BE49-F238E27FC236}">
-                <a16:creationId xmlns:a16="http://schemas.microsoft.com/office/drawing/2014/main" id="{DE509CCD-9276-4DD7-88DD-E4C5DAFD743B}"/>
-              </a:ext>
-            </a:extLst>
-          </p:cNvPr>
-          <p:cNvSpPr txBox="1">
-            <a:spLocks noChangeArrowheads="1"/>
+          <p:cNvPr id="6" name="Slide Number Placeholder 5"/>
+          <p:cNvSpPr>
+            <a:spLocks noGrp="1"/>
           </p:cNvSpPr>
-          <p:nvPr/>
+          <p:nvPr>
+            <p:ph type="sldNum" sz="quarter" idx="4"/>
+          </p:nvPr>
         </p:nvSpPr>
-        <p:spPr bwMode="auto">
+        <p:spPr>
           <a:xfrm>
-            <a:off x="7380288" y="29508450"/>
-            <a:ext cx="6840537" cy="2249488"/>
+            <a:off x="20340300" y="40040601"/>
+            <a:ext cx="6480096" cy="2300034"/>
           </a:xfrm>
           <a:prstGeom prst="rect">
             <a:avLst/>
           </a:prstGeom>
-          <a:noFill/>
-          <a:ln>
-            <a:noFill/>
-          </a:ln>
-          <a:effectLst/>
-          <a:extLst>
-            <a:ext uri="{909E8E84-426E-40DD-AFC4-6F175D3DCCD1}">
-              <a14:hiddenFill xmlns:a14="http://schemas.microsoft.com/office/drawing/2010/main">
-                <a:solidFill>
-                  <a:srgbClr val="FFFFFF"/>
-                </a:solidFill>
-              </a14:hiddenFill>
-            </a:ext>
-            <a:ext uri="{91240B29-F687-4F45-9708-019B960494DF}">
-              <a14:hiddenLine xmlns:a14="http://schemas.microsoft.com/office/drawing/2010/main" w="9525" cap="flat">
-                <a:solidFill>
-                  <a:srgbClr val="3465A4"/>
-                </a:solidFill>
-                <a:round/>
-                <a:headEnd/>
-                <a:tailEnd/>
-              </a14:hiddenLine>
-            </a:ext>
-            <a:ext uri="{AF507438-7753-43E0-B8FC-AC1667EBCBE1}">
-              <a14:hiddenEffects xmlns:a14="http://schemas.microsoft.com/office/drawing/2010/main">
-                <a:effectLst>
-                  <a:outerShdw dist="35921" dir="2700000" algn="ctr" rotWithShape="0">
-                    <a:srgbClr val="808080"/>
-                  </a:outerShdw>
-                </a:effectLst>
-              </a14:hiddenEffects>
-            </a:ext>
-          </a:extLst>
         </p:spPr>
         <p:txBody>
-          <a:bodyPr wrap="none" anchor="ctr"/>
-          <a:lstStyle/>
-          <a:p>
-            <a:endParaRPr lang="es-MX"/>
-          </a:p>
-        </p:txBody>
-      </p:sp>
-      <p:sp>
-        <p:nvSpPr>
-          <p:cNvPr id="1029" name="Rectangle 5">
-            <a:extLst>
-              <a:ext uri="{FF2B5EF4-FFF2-40B4-BE49-F238E27FC236}">
-                <a16:creationId xmlns:a16="http://schemas.microsoft.com/office/drawing/2014/main" id="{07A13FB0-4413-4E4F-BAC7-2155D744E9B1}"/>
-              </a:ext>
-            </a:extLst>
-          </p:cNvPr>
-          <p:cNvSpPr>
-            <a:spLocks noGrp="1" noChangeArrowheads="1"/>
-          </p:cNvSpPr>
-          <p:nvPr>
-            <p:ph type="sldNum"/>
-          </p:nvPr>
-        </p:nvSpPr>
-        <p:spPr bwMode="auto">
-          <a:xfrm>
-            <a:off x="15481300" y="29508450"/>
-            <a:ext cx="5038725" cy="2247900"/>
-          </a:xfrm>
-          <a:prstGeom prst="rect">
-            <a:avLst/>
-          </a:prstGeom>
-          <a:noFill/>
-          <a:ln>
-            <a:noFill/>
-          </a:ln>
-          <a:effectLst/>
-          <a:extLst>
-            <a:ext uri="{909E8E84-426E-40DD-AFC4-6F175D3DCCD1}">
-              <a14:hiddenFill xmlns:a14="http://schemas.microsoft.com/office/drawing/2010/main">
-                <a:solidFill>
-                  <a:srgbClr val="FFFFFF"/>
-                </a:solidFill>
-              </a14:hiddenFill>
-            </a:ext>
-            <a:ext uri="{91240B29-F687-4F45-9708-019B960494DF}">
-              <a14:hiddenLine xmlns:a14="http://schemas.microsoft.com/office/drawing/2010/main" w="9525" cap="flat">
-                <a:solidFill>
-                  <a:srgbClr val="3465A4"/>
-                </a:solidFill>
-                <a:round/>
-                <a:headEnd/>
-                <a:tailEnd/>
-              </a14:hiddenLine>
-            </a:ext>
-            <a:ext uri="{AF507438-7753-43E0-B8FC-AC1667EBCBE1}">
-              <a14:hiddenEffects xmlns:a14="http://schemas.microsoft.com/office/drawing/2010/main">
-                <a:effectLst>
-                  <a:outerShdw dist="35921" dir="2700000" algn="ctr" rotWithShape="0">
-                    <a:schemeClr val="bg2"/>
-                  </a:outerShdw>
-                </a:effectLst>
-              </a14:hiddenEffects>
-            </a:ext>
-          </a:extLst>
-        </p:spPr>
-        <p:txBody>
-          <a:bodyPr vert="horz" wrap="square" lIns="308520" tIns="154440" rIns="308520" bIns="154440" numCol="1" anchor="t" anchorCtr="0" compatLnSpc="1">
-            <a:prstTxWarp prst="textNoShape">
-              <a:avLst/>
-            </a:prstTxWarp>
-          </a:bodyPr>
+          <a:bodyPr vert="horz" lIns="91440" tIns="45720" rIns="91440" bIns="45720" rtlCol="0" anchor="ctr"/>
           <a:lstStyle>
-            <a:lvl1pPr eaLnBrk="1" hangingPunct="1">
-              <a:buClrTx/>
-              <a:buFontTx/>
-              <a:buNone/>
-              <a:tabLst>
-                <a:tab pos="0" algn="l"/>
-                <a:tab pos="447675" algn="l"/>
-                <a:tab pos="896938" algn="l"/>
-                <a:tab pos="1346200" algn="l"/>
-                <a:tab pos="1795463" algn="l"/>
-                <a:tab pos="2244725" algn="l"/>
-                <a:tab pos="2693988" algn="l"/>
-                <a:tab pos="3143250" algn="l"/>
-                <a:tab pos="3592513" algn="l"/>
-                <a:tab pos="4041775" algn="l"/>
-                <a:tab pos="4491038" algn="l"/>
-                <a:tab pos="4940300" algn="l"/>
-                <a:tab pos="5389563" algn="l"/>
-                <a:tab pos="5838825" algn="l"/>
-                <a:tab pos="6288088" algn="l"/>
-                <a:tab pos="6737350" algn="l"/>
-                <a:tab pos="7186613" algn="l"/>
-                <a:tab pos="7635875" algn="l"/>
-                <a:tab pos="8085138" algn="l"/>
-                <a:tab pos="8534400" algn="l"/>
-                <a:tab pos="8983663" algn="l"/>
-              </a:tabLst>
-              <a:defRPr>
-                <a:solidFill>
-                  <a:srgbClr val="000000"/>
+            <a:lvl1pPr algn="r">
+              <a:defRPr sz="3780">
+                <a:solidFill>
+                  <a:schemeClr val="tx1">
+                    <a:tint val="75000"/>
+                  </a:schemeClr>
                 </a:solidFill>
               </a:defRPr>
             </a:lvl1pPr>
           </a:lstStyle>
           <a:p>
             <a:fld id="{8AE04677-D634-4DBF-B464-B0E07B2D958A}" type="slidenum">
-              <a:rPr lang="es-MX" altLang="es-MX"/>
+              <a:rPr lang="es-MX" altLang="es-MX" smtClean="0"/>
               <a:pPr/>
               <a:t>‹Nº›</a:t>
             </a:fld>
@@ -3653,321 +3641,147 @@
         </p:txBody>
       </p:sp>
     </p:spTree>
+    <p:extLst>
+      <p:ext uri="{BB962C8B-B14F-4D97-AF65-F5344CB8AC3E}">
+        <p14:creationId xmlns:p14="http://schemas.microsoft.com/office/powerpoint/2010/main" val="2201228225"/>
+      </p:ext>
+    </p:extLst>
   </p:cSld>
   <p:clrMap bg1="lt1" tx1="dk1" bg2="lt2" tx2="dk2" accent1="accent1" accent2="accent2" accent3="accent3" accent4="accent4" accent5="accent5" accent6="accent6" hlink="hlink" folHlink="folHlink"/>
   <p:sldLayoutIdLst>
-    <p:sldLayoutId id="2147483649" r:id="rId1"/>
-    <p:sldLayoutId id="2147483650" r:id="rId2"/>
-    <p:sldLayoutId id="2147483651" r:id="rId3"/>
-    <p:sldLayoutId id="2147483652" r:id="rId4"/>
-    <p:sldLayoutId id="2147483653" r:id="rId5"/>
-    <p:sldLayoutId id="2147483654" r:id="rId6"/>
-    <p:sldLayoutId id="2147483655" r:id="rId7"/>
-    <p:sldLayoutId id="2147483656" r:id="rId8"/>
-    <p:sldLayoutId id="2147483657" r:id="rId9"/>
-    <p:sldLayoutId id="2147483658" r:id="rId10"/>
-    <p:sldLayoutId id="2147483659" r:id="rId11"/>
+    <p:sldLayoutId id="2147483661" r:id="rId1"/>
+    <p:sldLayoutId id="2147483662" r:id="rId2"/>
+    <p:sldLayoutId id="2147483663" r:id="rId3"/>
+    <p:sldLayoutId id="2147483664" r:id="rId4"/>
+    <p:sldLayoutId id="2147483665" r:id="rId5"/>
+    <p:sldLayoutId id="2147483666" r:id="rId6"/>
+    <p:sldLayoutId id="2147483667" r:id="rId7"/>
+    <p:sldLayoutId id="2147483668" r:id="rId8"/>
+    <p:sldLayoutId id="2147483669" r:id="rId9"/>
+    <p:sldLayoutId id="2147483670" r:id="rId10"/>
+    <p:sldLayoutId id="2147483671" r:id="rId11"/>
   </p:sldLayoutIdLst>
   <p:txStyles>
     <p:titleStyle>
-      <a:lvl1pPr algn="ctr" defTabSz="449263" rtl="0" eaLnBrk="0" fontAlgn="base" hangingPunct="0">
+      <a:lvl1pPr algn="l" defTabSz="2880086" rtl="0" eaLnBrk="1" latinLnBrk="0" hangingPunct="1">
+        <a:lnSpc>
+          <a:spcPct val="90000"/>
+        </a:lnSpc>
         <a:spcBef>
           <a:spcPct val="0"/>
         </a:spcBef>
-        <a:spcAft>
-          <a:spcPct val="0"/>
-        </a:spcAft>
-        <a:buClr>
-          <a:srgbClr val="000000"/>
-        </a:buClr>
-        <a:buSzPct val="100000"/>
-        <a:buFont typeface="Times New Roman" panose="02020603050405020304" pitchFamily="18" charset="0"/>
-        <a:defRPr sz="14900" kern="1200">
+        <a:buNone/>
+        <a:defRPr sz="13859" kern="1200">
           <a:solidFill>
-            <a:srgbClr val="000000"/>
+            <a:schemeClr val="tx1"/>
           </a:solidFill>
           <a:latin typeface="+mj-lt"/>
           <a:ea typeface="+mj-ea"/>
           <a:cs typeface="+mj-cs"/>
         </a:defRPr>
       </a:lvl1pPr>
-      <a:lvl2pPr marL="742950" indent="-285750" algn="ctr" defTabSz="449263" rtl="0" eaLnBrk="0" fontAlgn="base" hangingPunct="0">
-        <a:spcBef>
-          <a:spcPct val="0"/>
-        </a:spcBef>
-        <a:spcAft>
-          <a:spcPct val="0"/>
-        </a:spcAft>
-        <a:buClr>
-          <a:srgbClr val="000000"/>
-        </a:buClr>
-        <a:buSzPct val="100000"/>
-        <a:buFont typeface="Times New Roman" panose="02020603050405020304" pitchFamily="18" charset="0"/>
-        <a:defRPr sz="14900">
-          <a:solidFill>
-            <a:srgbClr val="000000"/>
-          </a:solidFill>
-          <a:latin typeface="Arial" panose="020B0604020202020204" pitchFamily="34" charset="0"/>
-          <a:cs typeface="Arial" panose="020B0604020202020204" pitchFamily="34" charset="0"/>
-        </a:defRPr>
-      </a:lvl2pPr>
-      <a:lvl3pPr marL="1143000" indent="-228600" algn="ctr" defTabSz="449263" rtl="0" eaLnBrk="0" fontAlgn="base" hangingPunct="0">
-        <a:spcBef>
-          <a:spcPct val="0"/>
-        </a:spcBef>
-        <a:spcAft>
-          <a:spcPct val="0"/>
-        </a:spcAft>
-        <a:buClr>
-          <a:srgbClr val="000000"/>
-        </a:buClr>
-        <a:buSzPct val="100000"/>
-        <a:buFont typeface="Times New Roman" panose="02020603050405020304" pitchFamily="18" charset="0"/>
-        <a:defRPr sz="14900">
-          <a:solidFill>
-            <a:srgbClr val="000000"/>
-          </a:solidFill>
-          <a:latin typeface="Arial" panose="020B0604020202020204" pitchFamily="34" charset="0"/>
-          <a:cs typeface="Arial" panose="020B0604020202020204" pitchFamily="34" charset="0"/>
-        </a:defRPr>
-      </a:lvl3pPr>
-      <a:lvl4pPr marL="1600200" indent="-228600" algn="ctr" defTabSz="449263" rtl="0" eaLnBrk="0" fontAlgn="base" hangingPunct="0">
-        <a:spcBef>
-          <a:spcPct val="0"/>
-        </a:spcBef>
-        <a:spcAft>
-          <a:spcPct val="0"/>
-        </a:spcAft>
-        <a:buClr>
-          <a:srgbClr val="000000"/>
-        </a:buClr>
-        <a:buSzPct val="100000"/>
-        <a:buFont typeface="Times New Roman" panose="02020603050405020304" pitchFamily="18" charset="0"/>
-        <a:defRPr sz="14900">
-          <a:solidFill>
-            <a:srgbClr val="000000"/>
-          </a:solidFill>
-          <a:latin typeface="Arial" panose="020B0604020202020204" pitchFamily="34" charset="0"/>
-          <a:cs typeface="Arial" panose="020B0604020202020204" pitchFamily="34" charset="0"/>
-        </a:defRPr>
-      </a:lvl4pPr>
-      <a:lvl5pPr marL="2057400" indent="-228600" algn="ctr" defTabSz="449263" rtl="0" eaLnBrk="0" fontAlgn="base" hangingPunct="0">
-        <a:spcBef>
-          <a:spcPct val="0"/>
-        </a:spcBef>
-        <a:spcAft>
-          <a:spcPct val="0"/>
-        </a:spcAft>
-        <a:buClr>
-          <a:srgbClr val="000000"/>
-        </a:buClr>
-        <a:buSzPct val="100000"/>
-        <a:buFont typeface="Times New Roman" panose="02020603050405020304" pitchFamily="18" charset="0"/>
-        <a:defRPr sz="14900">
-          <a:solidFill>
-            <a:srgbClr val="000000"/>
-          </a:solidFill>
-          <a:latin typeface="Arial" panose="020B0604020202020204" pitchFamily="34" charset="0"/>
-          <a:cs typeface="Arial" panose="020B0604020202020204" pitchFamily="34" charset="0"/>
-        </a:defRPr>
-      </a:lvl5pPr>
-      <a:lvl6pPr marL="2514600" indent="-228600" algn="ctr" defTabSz="449263" rtl="0" eaLnBrk="0" fontAlgn="base" hangingPunct="0">
-        <a:spcBef>
-          <a:spcPct val="0"/>
-        </a:spcBef>
-        <a:spcAft>
-          <a:spcPct val="0"/>
-        </a:spcAft>
-        <a:buClr>
-          <a:srgbClr val="000000"/>
-        </a:buClr>
-        <a:buSzPct val="100000"/>
-        <a:buFont typeface="Times New Roman" panose="02020603050405020304" pitchFamily="18" charset="0"/>
-        <a:defRPr sz="14900">
-          <a:solidFill>
-            <a:srgbClr val="000000"/>
-          </a:solidFill>
-          <a:latin typeface="Arial" panose="020B0604020202020204" pitchFamily="34" charset="0"/>
-          <a:cs typeface="Arial" panose="020B0604020202020204" pitchFamily="34" charset="0"/>
-        </a:defRPr>
-      </a:lvl6pPr>
-      <a:lvl7pPr marL="2971800" indent="-228600" algn="ctr" defTabSz="449263" rtl="0" eaLnBrk="0" fontAlgn="base" hangingPunct="0">
-        <a:spcBef>
-          <a:spcPct val="0"/>
-        </a:spcBef>
-        <a:spcAft>
-          <a:spcPct val="0"/>
-        </a:spcAft>
-        <a:buClr>
-          <a:srgbClr val="000000"/>
-        </a:buClr>
-        <a:buSzPct val="100000"/>
-        <a:buFont typeface="Times New Roman" panose="02020603050405020304" pitchFamily="18" charset="0"/>
-        <a:defRPr sz="14900">
-          <a:solidFill>
-            <a:srgbClr val="000000"/>
-          </a:solidFill>
-          <a:latin typeface="Arial" panose="020B0604020202020204" pitchFamily="34" charset="0"/>
-          <a:cs typeface="Arial" panose="020B0604020202020204" pitchFamily="34" charset="0"/>
-        </a:defRPr>
-      </a:lvl7pPr>
-      <a:lvl8pPr marL="3429000" indent="-228600" algn="ctr" defTabSz="449263" rtl="0" eaLnBrk="0" fontAlgn="base" hangingPunct="0">
-        <a:spcBef>
-          <a:spcPct val="0"/>
-        </a:spcBef>
-        <a:spcAft>
-          <a:spcPct val="0"/>
-        </a:spcAft>
-        <a:buClr>
-          <a:srgbClr val="000000"/>
-        </a:buClr>
-        <a:buSzPct val="100000"/>
-        <a:buFont typeface="Times New Roman" panose="02020603050405020304" pitchFamily="18" charset="0"/>
-        <a:defRPr sz="14900">
-          <a:solidFill>
-            <a:srgbClr val="000000"/>
-          </a:solidFill>
-          <a:latin typeface="Arial" panose="020B0604020202020204" pitchFamily="34" charset="0"/>
-          <a:cs typeface="Arial" panose="020B0604020202020204" pitchFamily="34" charset="0"/>
-        </a:defRPr>
-      </a:lvl8pPr>
-      <a:lvl9pPr marL="3886200" indent="-228600" algn="ctr" defTabSz="449263" rtl="0" eaLnBrk="0" fontAlgn="base" hangingPunct="0">
-        <a:spcBef>
-          <a:spcPct val="0"/>
-        </a:spcBef>
-        <a:spcAft>
-          <a:spcPct val="0"/>
-        </a:spcAft>
-        <a:buClr>
-          <a:srgbClr val="000000"/>
-        </a:buClr>
-        <a:buSzPct val="100000"/>
-        <a:buFont typeface="Times New Roman" panose="02020603050405020304" pitchFamily="18" charset="0"/>
-        <a:defRPr sz="14900">
-          <a:solidFill>
-            <a:srgbClr val="000000"/>
-          </a:solidFill>
-          <a:latin typeface="Arial" panose="020B0604020202020204" pitchFamily="34" charset="0"/>
-          <a:cs typeface="Arial" panose="020B0604020202020204" pitchFamily="34" charset="0"/>
-        </a:defRPr>
-      </a:lvl9pPr>
     </p:titleStyle>
     <p:bodyStyle>
-      <a:lvl1pPr marL="342900" indent="-342900" algn="l" defTabSz="449263" rtl="0" eaLnBrk="0" fontAlgn="base" hangingPunct="0">
+      <a:lvl1pPr marL="720021" indent="-720021" algn="l" defTabSz="2880086" rtl="0" eaLnBrk="1" latinLnBrk="0" hangingPunct="1">
+        <a:lnSpc>
+          <a:spcPct val="90000"/>
+        </a:lnSpc>
         <a:spcBef>
-          <a:spcPts val="2700"/>
+          <a:spcPts val="3150"/>
         </a:spcBef>
-        <a:spcAft>
-          <a:spcPct val="0"/>
-        </a:spcAft>
-        <a:buClr>
-          <a:srgbClr val="000000"/>
-        </a:buClr>
-        <a:buSzPct val="100000"/>
-        <a:buFont typeface="Times New Roman" panose="02020603050405020304" pitchFamily="18" charset="0"/>
-        <a:defRPr sz="10800" kern="1200">
+        <a:buFont typeface="Arial" panose="020B0604020202020204" pitchFamily="34" charset="0"/>
+        <a:buChar char="•"/>
+        <a:defRPr sz="8819" kern="1200">
           <a:solidFill>
-            <a:srgbClr val="000000"/>
+            <a:schemeClr val="tx1"/>
           </a:solidFill>
           <a:latin typeface="+mn-lt"/>
           <a:ea typeface="+mn-ea"/>
           <a:cs typeface="+mn-cs"/>
         </a:defRPr>
       </a:lvl1pPr>
-      <a:lvl2pPr marL="742950" indent="-285750" algn="l" defTabSz="449263" rtl="0" eaLnBrk="0" fontAlgn="base" hangingPunct="0">
+      <a:lvl2pPr marL="2160064" indent="-720021" algn="l" defTabSz="2880086" rtl="0" eaLnBrk="1" latinLnBrk="0" hangingPunct="1">
+        <a:lnSpc>
+          <a:spcPct val="90000"/>
+        </a:lnSpc>
         <a:spcBef>
-          <a:spcPts val="2375"/>
+          <a:spcPts val="1575"/>
         </a:spcBef>
-        <a:spcAft>
-          <a:spcPct val="0"/>
-        </a:spcAft>
-        <a:buClr>
-          <a:srgbClr val="000000"/>
-        </a:buClr>
-        <a:buSzPct val="100000"/>
-        <a:buFont typeface="Times New Roman" panose="02020603050405020304" pitchFamily="18" charset="0"/>
-        <a:defRPr sz="9500" kern="1200">
+        <a:buFont typeface="Arial" panose="020B0604020202020204" pitchFamily="34" charset="0"/>
+        <a:buChar char="•"/>
+        <a:defRPr sz="7559" kern="1200">
           <a:solidFill>
-            <a:srgbClr val="000000"/>
+            <a:schemeClr val="tx1"/>
           </a:solidFill>
           <a:latin typeface="+mn-lt"/>
           <a:ea typeface="+mn-ea"/>
           <a:cs typeface="+mn-cs"/>
         </a:defRPr>
       </a:lvl2pPr>
-      <a:lvl3pPr marL="1143000" indent="-228600" algn="l" defTabSz="449263" rtl="0" eaLnBrk="0" fontAlgn="base" hangingPunct="0">
+      <a:lvl3pPr marL="3600107" indent="-720021" algn="l" defTabSz="2880086" rtl="0" eaLnBrk="1" latinLnBrk="0" hangingPunct="1">
+        <a:lnSpc>
+          <a:spcPct val="90000"/>
+        </a:lnSpc>
         <a:spcBef>
-          <a:spcPts val="2025"/>
+          <a:spcPts val="1575"/>
         </a:spcBef>
-        <a:spcAft>
-          <a:spcPct val="0"/>
-        </a:spcAft>
-        <a:buClr>
-          <a:srgbClr val="000000"/>
-        </a:buClr>
-        <a:buSzPct val="100000"/>
-        <a:buFont typeface="Times New Roman" panose="02020603050405020304" pitchFamily="18" charset="0"/>
-        <a:defRPr sz="8100" kern="1200">
+        <a:buFont typeface="Arial" panose="020B0604020202020204" pitchFamily="34" charset="0"/>
+        <a:buChar char="•"/>
+        <a:defRPr sz="6299" kern="1200">
           <a:solidFill>
-            <a:srgbClr val="000000"/>
+            <a:schemeClr val="tx1"/>
           </a:solidFill>
           <a:latin typeface="+mn-lt"/>
           <a:ea typeface="+mn-ea"/>
           <a:cs typeface="+mn-cs"/>
         </a:defRPr>
       </a:lvl3pPr>
-      <a:lvl4pPr marL="1600200" indent="-228600" algn="l" defTabSz="449263" rtl="0" eaLnBrk="0" fontAlgn="base" hangingPunct="0">
+      <a:lvl4pPr marL="5040150" indent="-720021" algn="l" defTabSz="2880086" rtl="0" eaLnBrk="1" latinLnBrk="0" hangingPunct="1">
+        <a:lnSpc>
+          <a:spcPct val="90000"/>
+        </a:lnSpc>
         <a:spcBef>
-          <a:spcPts val="1700"/>
+          <a:spcPts val="1575"/>
         </a:spcBef>
-        <a:spcAft>
-          <a:spcPct val="0"/>
-        </a:spcAft>
-        <a:buClr>
-          <a:srgbClr val="000000"/>
-        </a:buClr>
-        <a:buSzPct val="100000"/>
-        <a:buFont typeface="Times New Roman" panose="02020603050405020304" pitchFamily="18" charset="0"/>
-        <a:defRPr sz="6800" kern="1200">
+        <a:buFont typeface="Arial" panose="020B0604020202020204" pitchFamily="34" charset="0"/>
+        <a:buChar char="•"/>
+        <a:defRPr sz="5669" kern="1200">
           <a:solidFill>
-            <a:srgbClr val="000000"/>
+            <a:schemeClr val="tx1"/>
           </a:solidFill>
           <a:latin typeface="+mn-lt"/>
           <a:ea typeface="+mn-ea"/>
           <a:cs typeface="+mn-cs"/>
         </a:defRPr>
       </a:lvl4pPr>
-      <a:lvl5pPr marL="2057400" indent="-228600" algn="l" defTabSz="449263" rtl="0" eaLnBrk="0" fontAlgn="base" hangingPunct="0">
+      <a:lvl5pPr marL="6480193" indent="-720021" algn="l" defTabSz="2880086" rtl="0" eaLnBrk="1" latinLnBrk="0" hangingPunct="1">
+        <a:lnSpc>
+          <a:spcPct val="90000"/>
+        </a:lnSpc>
         <a:spcBef>
-          <a:spcPts val="1700"/>
+          <a:spcPts val="1575"/>
         </a:spcBef>
-        <a:spcAft>
-          <a:spcPct val="0"/>
-        </a:spcAft>
-        <a:buClr>
-          <a:srgbClr val="000000"/>
-        </a:buClr>
-        <a:buSzPct val="100000"/>
-        <a:buFont typeface="Times New Roman" panose="02020603050405020304" pitchFamily="18" charset="0"/>
-        <a:defRPr sz="6800" kern="1200">
+        <a:buFont typeface="Arial" panose="020B0604020202020204" pitchFamily="34" charset="0"/>
+        <a:buChar char="•"/>
+        <a:defRPr sz="5669" kern="1200">
           <a:solidFill>
-            <a:srgbClr val="000000"/>
+            <a:schemeClr val="tx1"/>
           </a:solidFill>
           <a:latin typeface="+mn-lt"/>
           <a:ea typeface="+mn-ea"/>
           <a:cs typeface="+mn-cs"/>
         </a:defRPr>
       </a:lvl5pPr>
-      <a:lvl6pPr marL="2514600" indent="-228600" algn="l" defTabSz="914400" rtl="0" eaLnBrk="1" latinLnBrk="0" hangingPunct="1">
+      <a:lvl6pPr marL="7920236" indent="-720021" algn="l" defTabSz="2880086" rtl="0" eaLnBrk="1" latinLnBrk="0" hangingPunct="1">
         <a:lnSpc>
           <a:spcPct val="90000"/>
         </a:lnSpc>
         <a:spcBef>
-          <a:spcPts val="500"/>
+          <a:spcPts val="1575"/>
         </a:spcBef>
         <a:buFont typeface="Arial" panose="020B0604020202020204" pitchFamily="34" charset="0"/>
         <a:buChar char="•"/>
-        <a:defRPr sz="1800" kern="1200">
+        <a:defRPr sz="5669" kern="1200">
           <a:solidFill>
             <a:schemeClr val="tx1"/>
           </a:solidFill>
@@ -3976,16 +3790,16 @@
           <a:cs typeface="+mn-cs"/>
         </a:defRPr>
       </a:lvl6pPr>
-      <a:lvl7pPr marL="2971800" indent="-228600" algn="l" defTabSz="914400" rtl="0" eaLnBrk="1" latinLnBrk="0" hangingPunct="1">
+      <a:lvl7pPr marL="9360278" indent="-720021" algn="l" defTabSz="2880086" rtl="0" eaLnBrk="1" latinLnBrk="0" hangingPunct="1">
         <a:lnSpc>
           <a:spcPct val="90000"/>
         </a:lnSpc>
         <a:spcBef>
-          <a:spcPts val="500"/>
+          <a:spcPts val="1575"/>
         </a:spcBef>
         <a:buFont typeface="Arial" panose="020B0604020202020204" pitchFamily="34" charset="0"/>
         <a:buChar char="•"/>
-        <a:defRPr sz="1800" kern="1200">
+        <a:defRPr sz="5669" kern="1200">
           <a:solidFill>
             <a:schemeClr val="tx1"/>
           </a:solidFill>
@@ -3994,16 +3808,16 @@
           <a:cs typeface="+mn-cs"/>
         </a:defRPr>
       </a:lvl7pPr>
-      <a:lvl8pPr marL="3429000" indent="-228600" algn="l" defTabSz="914400" rtl="0" eaLnBrk="1" latinLnBrk="0" hangingPunct="1">
+      <a:lvl8pPr marL="10800321" indent="-720021" algn="l" defTabSz="2880086" rtl="0" eaLnBrk="1" latinLnBrk="0" hangingPunct="1">
         <a:lnSpc>
           <a:spcPct val="90000"/>
         </a:lnSpc>
         <a:spcBef>
-          <a:spcPts val="500"/>
+          <a:spcPts val="1575"/>
         </a:spcBef>
         <a:buFont typeface="Arial" panose="020B0604020202020204" pitchFamily="34" charset="0"/>
         <a:buChar char="•"/>
-        <a:defRPr sz="1800" kern="1200">
+        <a:defRPr sz="5669" kern="1200">
           <a:solidFill>
             <a:schemeClr val="tx1"/>
           </a:solidFill>
@@ -4012,16 +3826,16 @@
           <a:cs typeface="+mn-cs"/>
         </a:defRPr>
       </a:lvl8pPr>
-      <a:lvl9pPr marL="3886200" indent="-228600" algn="l" defTabSz="914400" rtl="0" eaLnBrk="1" latinLnBrk="0" hangingPunct="1">
+      <a:lvl9pPr marL="12240364" indent="-720021" algn="l" defTabSz="2880086" rtl="0" eaLnBrk="1" latinLnBrk="0" hangingPunct="1">
         <a:lnSpc>
           <a:spcPct val="90000"/>
         </a:lnSpc>
         <a:spcBef>
-          <a:spcPts val="500"/>
+          <a:spcPts val="1575"/>
         </a:spcBef>
         <a:buFont typeface="Arial" panose="020B0604020202020204" pitchFamily="34" charset="0"/>
         <a:buChar char="•"/>
-        <a:defRPr sz="1800" kern="1200">
+        <a:defRPr sz="5669" kern="1200">
           <a:solidFill>
             <a:schemeClr val="tx1"/>
           </a:solidFill>
@@ -4033,10 +3847,10 @@
     </p:bodyStyle>
     <p:otherStyle>
       <a:defPPr>
-        <a:defRPr lang="es-MX"/>
+        <a:defRPr lang="en-US"/>
       </a:defPPr>
-      <a:lvl1pPr marL="0" algn="l" defTabSz="914400" rtl="0" eaLnBrk="1" latinLnBrk="0" hangingPunct="1">
-        <a:defRPr sz="1800" kern="1200">
+      <a:lvl1pPr marL="0" algn="l" defTabSz="2880086" rtl="0" eaLnBrk="1" latinLnBrk="0" hangingPunct="1">
+        <a:defRPr sz="5669" kern="1200">
           <a:solidFill>
             <a:schemeClr val="tx1"/>
           </a:solidFill>
@@ -4045,8 +3859,8 @@
           <a:cs typeface="+mn-cs"/>
         </a:defRPr>
       </a:lvl1pPr>
-      <a:lvl2pPr marL="457200" algn="l" defTabSz="914400" rtl="0" eaLnBrk="1" latinLnBrk="0" hangingPunct="1">
-        <a:defRPr sz="1800" kern="1200">
+      <a:lvl2pPr marL="1440043" algn="l" defTabSz="2880086" rtl="0" eaLnBrk="1" latinLnBrk="0" hangingPunct="1">
+        <a:defRPr sz="5669" kern="1200">
           <a:solidFill>
             <a:schemeClr val="tx1"/>
           </a:solidFill>
@@ -4055,8 +3869,8 @@
           <a:cs typeface="+mn-cs"/>
         </a:defRPr>
       </a:lvl2pPr>
-      <a:lvl3pPr marL="914400" algn="l" defTabSz="914400" rtl="0" eaLnBrk="1" latinLnBrk="0" hangingPunct="1">
-        <a:defRPr sz="1800" kern="1200">
+      <a:lvl3pPr marL="2880086" algn="l" defTabSz="2880086" rtl="0" eaLnBrk="1" latinLnBrk="0" hangingPunct="1">
+        <a:defRPr sz="5669" kern="1200">
           <a:solidFill>
             <a:schemeClr val="tx1"/>
           </a:solidFill>
@@ -4065,8 +3879,8 @@
           <a:cs typeface="+mn-cs"/>
         </a:defRPr>
       </a:lvl3pPr>
-      <a:lvl4pPr marL="1371600" algn="l" defTabSz="914400" rtl="0" eaLnBrk="1" latinLnBrk="0" hangingPunct="1">
-        <a:defRPr sz="1800" kern="1200">
+      <a:lvl4pPr marL="4320129" algn="l" defTabSz="2880086" rtl="0" eaLnBrk="1" latinLnBrk="0" hangingPunct="1">
+        <a:defRPr sz="5669" kern="1200">
           <a:solidFill>
             <a:schemeClr val="tx1"/>
           </a:solidFill>
@@ -4075,8 +3889,8 @@
           <a:cs typeface="+mn-cs"/>
         </a:defRPr>
       </a:lvl4pPr>
-      <a:lvl5pPr marL="1828800" algn="l" defTabSz="914400" rtl="0" eaLnBrk="1" latinLnBrk="0" hangingPunct="1">
-        <a:defRPr sz="1800" kern="1200">
+      <a:lvl5pPr marL="5760171" algn="l" defTabSz="2880086" rtl="0" eaLnBrk="1" latinLnBrk="0" hangingPunct="1">
+        <a:defRPr sz="5669" kern="1200">
           <a:solidFill>
             <a:schemeClr val="tx1"/>
           </a:solidFill>
@@ -4085,8 +3899,8 @@
           <a:cs typeface="+mn-cs"/>
         </a:defRPr>
       </a:lvl5pPr>
-      <a:lvl6pPr marL="2286000" algn="l" defTabSz="914400" rtl="0" eaLnBrk="1" latinLnBrk="0" hangingPunct="1">
-        <a:defRPr sz="1800" kern="1200">
+      <a:lvl6pPr marL="7200214" algn="l" defTabSz="2880086" rtl="0" eaLnBrk="1" latinLnBrk="0" hangingPunct="1">
+        <a:defRPr sz="5669" kern="1200">
           <a:solidFill>
             <a:schemeClr val="tx1"/>
           </a:solidFill>
@@ -4095,8 +3909,8 @@
           <a:cs typeface="+mn-cs"/>
         </a:defRPr>
       </a:lvl6pPr>
-      <a:lvl7pPr marL="2743200" algn="l" defTabSz="914400" rtl="0" eaLnBrk="1" latinLnBrk="0" hangingPunct="1">
-        <a:defRPr sz="1800" kern="1200">
+      <a:lvl7pPr marL="8640257" algn="l" defTabSz="2880086" rtl="0" eaLnBrk="1" latinLnBrk="0" hangingPunct="1">
+        <a:defRPr sz="5669" kern="1200">
           <a:solidFill>
             <a:schemeClr val="tx1"/>
           </a:solidFill>
@@ -4105,8 +3919,8 @@
           <a:cs typeface="+mn-cs"/>
         </a:defRPr>
       </a:lvl7pPr>
-      <a:lvl8pPr marL="3200400" algn="l" defTabSz="914400" rtl="0" eaLnBrk="1" latinLnBrk="0" hangingPunct="1">
-        <a:defRPr sz="1800" kern="1200">
+      <a:lvl8pPr marL="10080300" algn="l" defTabSz="2880086" rtl="0" eaLnBrk="1" latinLnBrk="0" hangingPunct="1">
+        <a:defRPr sz="5669" kern="1200">
           <a:solidFill>
             <a:schemeClr val="tx1"/>
           </a:solidFill>
@@ -4115,8 +3929,8 @@
           <a:cs typeface="+mn-cs"/>
         </a:defRPr>
       </a:lvl8pPr>
-      <a:lvl9pPr marL="3657600" algn="l" defTabSz="914400" rtl="0" eaLnBrk="1" latinLnBrk="0" hangingPunct="1">
-        <a:defRPr sz="1800" kern="1200">
+      <a:lvl9pPr marL="11520343" algn="l" defTabSz="2880086" rtl="0" eaLnBrk="1" latinLnBrk="0" hangingPunct="1">
+        <a:defRPr sz="5669" kern="1200">
           <a:solidFill>
             <a:schemeClr val="tx1"/>
           </a:solidFill>
@@ -4157,10 +3971,10 @@
       </p:grpSpPr>
       <p:sp>
         <p:nvSpPr>
-          <p:cNvPr id="49" name="Rectangle 23">
+          <p:cNvPr id="69" name="Rectangle 23">
             <a:extLst>
               <a:ext uri="{FF2B5EF4-FFF2-40B4-BE49-F238E27FC236}">
-                <a16:creationId xmlns:a16="http://schemas.microsoft.com/office/drawing/2014/main" id="{F2AC18CD-E87F-4904-A63E-AB5E7648897A}"/>
+                <a16:creationId xmlns:a16="http://schemas.microsoft.com/office/drawing/2014/main" id="{6C5B1A62-295C-4085-8F61-87C2498D3A52}"/>
               </a:ext>
             </a:extLst>
           </p:cNvPr>
@@ -4171,8 +3985,8 @@
         </p:nvSpPr>
         <p:spPr bwMode="auto">
           <a:xfrm>
-            <a:off x="10944225" y="8499546"/>
-            <a:ext cx="10220561" cy="5958627"/>
+            <a:off x="14585083" y="3947971"/>
+            <a:ext cx="13913468" cy="12704232"/>
           </a:xfrm>
           <a:prstGeom prst="rect">
             <a:avLst/>
@@ -4583,10 +4397,10 @@
       </p:sp>
       <p:sp>
         <p:nvSpPr>
-          <p:cNvPr id="64" name="Rectangle 23">
+          <p:cNvPr id="70" name="Rectangle 12">
             <a:extLst>
               <a:ext uri="{FF2B5EF4-FFF2-40B4-BE49-F238E27FC236}">
-                <a16:creationId xmlns:a16="http://schemas.microsoft.com/office/drawing/2014/main" id="{8561955E-3F3B-42FF-B45A-2D7DDD34F97F}"/>
+                <a16:creationId xmlns:a16="http://schemas.microsoft.com/office/drawing/2014/main" id="{1E5494CE-72A8-41A1-877D-C54F691BF676}"/>
               </a:ext>
             </a:extLst>
           </p:cNvPr>
@@ -4597,8 +4411,535 @@
         </p:nvSpPr>
         <p:spPr bwMode="auto">
           <a:xfrm>
-            <a:off x="379903" y="3963988"/>
-            <a:ext cx="10164763" cy="4262913"/>
+            <a:off x="14583494" y="2939452"/>
+            <a:ext cx="13915057" cy="1044575"/>
+          </a:xfrm>
+          <a:prstGeom prst="rect">
+            <a:avLst/>
+          </a:prstGeom>
+          <a:solidFill>
+            <a:srgbClr val="0F355A"/>
+          </a:solidFill>
+          <a:ln w="9360" cap="sq">
+            <a:solidFill>
+              <a:srgbClr val="000000"/>
+            </a:solidFill>
+            <a:miter lim="800000"/>
+            <a:headEnd/>
+            <a:tailEnd/>
+          </a:ln>
+          <a:effectLst/>
+          <a:extLst>
+            <a:ext uri="{AF507438-7753-43E0-B8FC-AC1667EBCBE1}">
+              <a14:hiddenEffects xmlns:a14="http://schemas.microsoft.com/office/drawing/2010/main">
+                <a:effectLst>
+                  <a:outerShdw dist="35921" dir="2700000" algn="ctr" rotWithShape="0">
+                    <a:srgbClr val="808080"/>
+                  </a:outerShdw>
+                </a:effectLst>
+              </a14:hiddenEffects>
+            </a:ext>
+          </a:extLst>
+        </p:spPr>
+        <p:txBody>
+          <a:bodyPr wrap="none" anchor="ctr"/>
+          <a:lstStyle/>
+          <a:p>
+            <a:endParaRPr lang="es-MX"/>
+          </a:p>
+        </p:txBody>
+      </p:sp>
+      <p:sp>
+        <p:nvSpPr>
+          <p:cNvPr id="71" name="Text Box 13">
+            <a:extLst>
+              <a:ext uri="{FF2B5EF4-FFF2-40B4-BE49-F238E27FC236}">
+                <a16:creationId xmlns:a16="http://schemas.microsoft.com/office/drawing/2014/main" id="{51587575-1A00-4292-A3C6-61ACA41138B2}"/>
+              </a:ext>
+            </a:extLst>
+          </p:cNvPr>
+          <p:cNvSpPr txBox="1">
+            <a:spLocks noChangeArrowheads="1"/>
+          </p:cNvSpPr>
+          <p:nvPr/>
+        </p:nvSpPr>
+        <p:spPr bwMode="auto">
+          <a:xfrm>
+            <a:off x="14721615" y="3125697"/>
+            <a:ext cx="10088562" cy="710067"/>
+          </a:xfrm>
+          <a:prstGeom prst="rect">
+            <a:avLst/>
+          </a:prstGeom>
+          <a:noFill/>
+          <a:ln>
+            <a:noFill/>
+          </a:ln>
+          <a:effectLst/>
+          <a:extLst>
+            <a:ext uri="{909E8E84-426E-40DD-AFC4-6F175D3DCCD1}">
+              <a14:hiddenFill xmlns:a14="http://schemas.microsoft.com/office/drawing/2010/main">
+                <a:solidFill>
+                  <a:srgbClr val="FFFFFF"/>
+                </a:solidFill>
+              </a14:hiddenFill>
+            </a:ext>
+            <a:ext uri="{91240B29-F687-4F45-9708-019B960494DF}">
+              <a14:hiddenLine xmlns:a14="http://schemas.microsoft.com/office/drawing/2010/main" w="9525" cap="flat">
+                <a:solidFill>
+                  <a:srgbClr val="3465A4"/>
+                </a:solidFill>
+                <a:round/>
+                <a:headEnd/>
+                <a:tailEnd/>
+              </a14:hiddenLine>
+            </a:ext>
+            <a:ext uri="{AF507438-7753-43E0-B8FC-AC1667EBCBE1}">
+              <a14:hiddenEffects xmlns:a14="http://schemas.microsoft.com/office/drawing/2010/main">
+                <a:effectLst>
+                  <a:outerShdw dist="35921" dir="2700000" algn="ctr" rotWithShape="0">
+                    <a:srgbClr val="808080"/>
+                  </a:outerShdw>
+                </a:effectLst>
+              </a14:hiddenEffects>
+            </a:ext>
+          </a:extLst>
+        </p:spPr>
+        <p:txBody>
+          <a:bodyPr lIns="90000" tIns="46800" rIns="90000" bIns="46800">
+            <a:spAutoFit/>
+          </a:bodyPr>
+          <a:lstStyle>
+            <a:lvl1pPr>
+              <a:tabLst>
+                <a:tab pos="0" algn="l"/>
+                <a:tab pos="447675" algn="l"/>
+                <a:tab pos="896938" algn="l"/>
+                <a:tab pos="1346200" algn="l"/>
+                <a:tab pos="1795463" algn="l"/>
+                <a:tab pos="2244725" algn="l"/>
+                <a:tab pos="2693988" algn="l"/>
+                <a:tab pos="3143250" algn="l"/>
+                <a:tab pos="3592513" algn="l"/>
+                <a:tab pos="4041775" algn="l"/>
+                <a:tab pos="4491038" algn="l"/>
+                <a:tab pos="4940300" algn="l"/>
+                <a:tab pos="5389563" algn="l"/>
+                <a:tab pos="5838825" algn="l"/>
+                <a:tab pos="6288088" algn="l"/>
+                <a:tab pos="6737350" algn="l"/>
+                <a:tab pos="7186613" algn="l"/>
+                <a:tab pos="7635875" algn="l"/>
+                <a:tab pos="8085138" algn="l"/>
+                <a:tab pos="8534400" algn="l"/>
+                <a:tab pos="8983663" algn="l"/>
+                <a:tab pos="8985250" algn="l"/>
+                <a:tab pos="9434513" algn="l"/>
+                <a:tab pos="9883775" algn="l"/>
+              </a:tabLst>
+              <a:defRPr>
+                <a:solidFill>
+                  <a:srgbClr val="FFFFFF"/>
+                </a:solidFill>
+                <a:latin typeface="Arial" panose="020B0604020202020204" pitchFamily="34" charset="0"/>
+                <a:cs typeface="Arial" panose="020B0604020202020204" pitchFamily="34" charset="0"/>
+              </a:defRPr>
+            </a:lvl1pPr>
+            <a:lvl2pPr>
+              <a:tabLst>
+                <a:tab pos="0" algn="l"/>
+                <a:tab pos="447675" algn="l"/>
+                <a:tab pos="896938" algn="l"/>
+                <a:tab pos="1346200" algn="l"/>
+                <a:tab pos="1795463" algn="l"/>
+                <a:tab pos="2244725" algn="l"/>
+                <a:tab pos="2693988" algn="l"/>
+                <a:tab pos="3143250" algn="l"/>
+                <a:tab pos="3592513" algn="l"/>
+                <a:tab pos="4041775" algn="l"/>
+                <a:tab pos="4491038" algn="l"/>
+                <a:tab pos="4940300" algn="l"/>
+                <a:tab pos="5389563" algn="l"/>
+                <a:tab pos="5838825" algn="l"/>
+                <a:tab pos="6288088" algn="l"/>
+                <a:tab pos="6737350" algn="l"/>
+                <a:tab pos="7186613" algn="l"/>
+                <a:tab pos="7635875" algn="l"/>
+                <a:tab pos="8085138" algn="l"/>
+                <a:tab pos="8534400" algn="l"/>
+                <a:tab pos="8983663" algn="l"/>
+                <a:tab pos="8985250" algn="l"/>
+                <a:tab pos="9434513" algn="l"/>
+                <a:tab pos="9883775" algn="l"/>
+              </a:tabLst>
+              <a:defRPr>
+                <a:solidFill>
+                  <a:srgbClr val="FFFFFF"/>
+                </a:solidFill>
+                <a:latin typeface="Arial" panose="020B0604020202020204" pitchFamily="34" charset="0"/>
+                <a:cs typeface="Arial" panose="020B0604020202020204" pitchFamily="34" charset="0"/>
+              </a:defRPr>
+            </a:lvl2pPr>
+            <a:lvl3pPr>
+              <a:tabLst>
+                <a:tab pos="0" algn="l"/>
+                <a:tab pos="447675" algn="l"/>
+                <a:tab pos="896938" algn="l"/>
+                <a:tab pos="1346200" algn="l"/>
+                <a:tab pos="1795463" algn="l"/>
+                <a:tab pos="2244725" algn="l"/>
+                <a:tab pos="2693988" algn="l"/>
+                <a:tab pos="3143250" algn="l"/>
+                <a:tab pos="3592513" algn="l"/>
+                <a:tab pos="4041775" algn="l"/>
+                <a:tab pos="4491038" algn="l"/>
+                <a:tab pos="4940300" algn="l"/>
+                <a:tab pos="5389563" algn="l"/>
+                <a:tab pos="5838825" algn="l"/>
+                <a:tab pos="6288088" algn="l"/>
+                <a:tab pos="6737350" algn="l"/>
+                <a:tab pos="7186613" algn="l"/>
+                <a:tab pos="7635875" algn="l"/>
+                <a:tab pos="8085138" algn="l"/>
+                <a:tab pos="8534400" algn="l"/>
+                <a:tab pos="8983663" algn="l"/>
+                <a:tab pos="8985250" algn="l"/>
+                <a:tab pos="9434513" algn="l"/>
+                <a:tab pos="9883775" algn="l"/>
+              </a:tabLst>
+              <a:defRPr>
+                <a:solidFill>
+                  <a:srgbClr val="FFFFFF"/>
+                </a:solidFill>
+                <a:latin typeface="Arial" panose="020B0604020202020204" pitchFamily="34" charset="0"/>
+                <a:cs typeface="Arial" panose="020B0604020202020204" pitchFamily="34" charset="0"/>
+              </a:defRPr>
+            </a:lvl3pPr>
+            <a:lvl4pPr>
+              <a:tabLst>
+                <a:tab pos="0" algn="l"/>
+                <a:tab pos="447675" algn="l"/>
+                <a:tab pos="896938" algn="l"/>
+                <a:tab pos="1346200" algn="l"/>
+                <a:tab pos="1795463" algn="l"/>
+                <a:tab pos="2244725" algn="l"/>
+                <a:tab pos="2693988" algn="l"/>
+                <a:tab pos="3143250" algn="l"/>
+                <a:tab pos="3592513" algn="l"/>
+                <a:tab pos="4041775" algn="l"/>
+                <a:tab pos="4491038" algn="l"/>
+                <a:tab pos="4940300" algn="l"/>
+                <a:tab pos="5389563" algn="l"/>
+                <a:tab pos="5838825" algn="l"/>
+                <a:tab pos="6288088" algn="l"/>
+                <a:tab pos="6737350" algn="l"/>
+                <a:tab pos="7186613" algn="l"/>
+                <a:tab pos="7635875" algn="l"/>
+                <a:tab pos="8085138" algn="l"/>
+                <a:tab pos="8534400" algn="l"/>
+                <a:tab pos="8983663" algn="l"/>
+                <a:tab pos="8985250" algn="l"/>
+                <a:tab pos="9434513" algn="l"/>
+                <a:tab pos="9883775" algn="l"/>
+              </a:tabLst>
+              <a:defRPr>
+                <a:solidFill>
+                  <a:srgbClr val="FFFFFF"/>
+                </a:solidFill>
+                <a:latin typeface="Arial" panose="020B0604020202020204" pitchFamily="34" charset="0"/>
+                <a:cs typeface="Arial" panose="020B0604020202020204" pitchFamily="34" charset="0"/>
+              </a:defRPr>
+            </a:lvl4pPr>
+            <a:lvl5pPr>
+              <a:tabLst>
+                <a:tab pos="0" algn="l"/>
+                <a:tab pos="447675" algn="l"/>
+                <a:tab pos="896938" algn="l"/>
+                <a:tab pos="1346200" algn="l"/>
+                <a:tab pos="1795463" algn="l"/>
+                <a:tab pos="2244725" algn="l"/>
+                <a:tab pos="2693988" algn="l"/>
+                <a:tab pos="3143250" algn="l"/>
+                <a:tab pos="3592513" algn="l"/>
+                <a:tab pos="4041775" algn="l"/>
+                <a:tab pos="4491038" algn="l"/>
+                <a:tab pos="4940300" algn="l"/>
+                <a:tab pos="5389563" algn="l"/>
+                <a:tab pos="5838825" algn="l"/>
+                <a:tab pos="6288088" algn="l"/>
+                <a:tab pos="6737350" algn="l"/>
+                <a:tab pos="7186613" algn="l"/>
+                <a:tab pos="7635875" algn="l"/>
+                <a:tab pos="8085138" algn="l"/>
+                <a:tab pos="8534400" algn="l"/>
+                <a:tab pos="8983663" algn="l"/>
+                <a:tab pos="8985250" algn="l"/>
+                <a:tab pos="9434513" algn="l"/>
+                <a:tab pos="9883775" algn="l"/>
+              </a:tabLst>
+              <a:defRPr>
+                <a:solidFill>
+                  <a:srgbClr val="FFFFFF"/>
+                </a:solidFill>
+                <a:latin typeface="Arial" panose="020B0604020202020204" pitchFamily="34" charset="0"/>
+                <a:cs typeface="Arial" panose="020B0604020202020204" pitchFamily="34" charset="0"/>
+              </a:defRPr>
+            </a:lvl5pPr>
+            <a:lvl6pPr marL="2514600" indent="-228600" defTabSz="449263" eaLnBrk="0" fontAlgn="base" hangingPunct="0">
+              <a:spcBef>
+                <a:spcPct val="0"/>
+              </a:spcBef>
+              <a:spcAft>
+                <a:spcPct val="0"/>
+              </a:spcAft>
+              <a:buClr>
+                <a:srgbClr val="000000"/>
+              </a:buClr>
+              <a:buSzPct val="100000"/>
+              <a:buFont typeface="Times New Roman" panose="02020603050405020304" pitchFamily="18" charset="0"/>
+              <a:tabLst>
+                <a:tab pos="0" algn="l"/>
+                <a:tab pos="447675" algn="l"/>
+                <a:tab pos="896938" algn="l"/>
+                <a:tab pos="1346200" algn="l"/>
+                <a:tab pos="1795463" algn="l"/>
+                <a:tab pos="2244725" algn="l"/>
+                <a:tab pos="2693988" algn="l"/>
+                <a:tab pos="3143250" algn="l"/>
+                <a:tab pos="3592513" algn="l"/>
+                <a:tab pos="4041775" algn="l"/>
+                <a:tab pos="4491038" algn="l"/>
+                <a:tab pos="4940300" algn="l"/>
+                <a:tab pos="5389563" algn="l"/>
+                <a:tab pos="5838825" algn="l"/>
+                <a:tab pos="6288088" algn="l"/>
+                <a:tab pos="6737350" algn="l"/>
+                <a:tab pos="7186613" algn="l"/>
+                <a:tab pos="7635875" algn="l"/>
+                <a:tab pos="8085138" algn="l"/>
+                <a:tab pos="8534400" algn="l"/>
+                <a:tab pos="8983663" algn="l"/>
+                <a:tab pos="8985250" algn="l"/>
+                <a:tab pos="9434513" algn="l"/>
+                <a:tab pos="9883775" algn="l"/>
+              </a:tabLst>
+              <a:defRPr>
+                <a:solidFill>
+                  <a:srgbClr val="FFFFFF"/>
+                </a:solidFill>
+                <a:latin typeface="Arial" panose="020B0604020202020204" pitchFamily="34" charset="0"/>
+                <a:cs typeface="Arial" panose="020B0604020202020204" pitchFamily="34" charset="0"/>
+              </a:defRPr>
+            </a:lvl6pPr>
+            <a:lvl7pPr marL="2971800" indent="-228600" defTabSz="449263" eaLnBrk="0" fontAlgn="base" hangingPunct="0">
+              <a:spcBef>
+                <a:spcPct val="0"/>
+              </a:spcBef>
+              <a:spcAft>
+                <a:spcPct val="0"/>
+              </a:spcAft>
+              <a:buClr>
+                <a:srgbClr val="000000"/>
+              </a:buClr>
+              <a:buSzPct val="100000"/>
+              <a:buFont typeface="Times New Roman" panose="02020603050405020304" pitchFamily="18" charset="0"/>
+              <a:tabLst>
+                <a:tab pos="0" algn="l"/>
+                <a:tab pos="447675" algn="l"/>
+                <a:tab pos="896938" algn="l"/>
+                <a:tab pos="1346200" algn="l"/>
+                <a:tab pos="1795463" algn="l"/>
+                <a:tab pos="2244725" algn="l"/>
+                <a:tab pos="2693988" algn="l"/>
+                <a:tab pos="3143250" algn="l"/>
+                <a:tab pos="3592513" algn="l"/>
+                <a:tab pos="4041775" algn="l"/>
+                <a:tab pos="4491038" algn="l"/>
+                <a:tab pos="4940300" algn="l"/>
+                <a:tab pos="5389563" algn="l"/>
+                <a:tab pos="5838825" algn="l"/>
+                <a:tab pos="6288088" algn="l"/>
+                <a:tab pos="6737350" algn="l"/>
+                <a:tab pos="7186613" algn="l"/>
+                <a:tab pos="7635875" algn="l"/>
+                <a:tab pos="8085138" algn="l"/>
+                <a:tab pos="8534400" algn="l"/>
+                <a:tab pos="8983663" algn="l"/>
+                <a:tab pos="8985250" algn="l"/>
+                <a:tab pos="9434513" algn="l"/>
+                <a:tab pos="9883775" algn="l"/>
+              </a:tabLst>
+              <a:defRPr>
+                <a:solidFill>
+                  <a:srgbClr val="FFFFFF"/>
+                </a:solidFill>
+                <a:latin typeface="Arial" panose="020B0604020202020204" pitchFamily="34" charset="0"/>
+                <a:cs typeface="Arial" panose="020B0604020202020204" pitchFamily="34" charset="0"/>
+              </a:defRPr>
+            </a:lvl7pPr>
+            <a:lvl8pPr marL="3429000" indent="-228600" defTabSz="449263" eaLnBrk="0" fontAlgn="base" hangingPunct="0">
+              <a:spcBef>
+                <a:spcPct val="0"/>
+              </a:spcBef>
+              <a:spcAft>
+                <a:spcPct val="0"/>
+              </a:spcAft>
+              <a:buClr>
+                <a:srgbClr val="000000"/>
+              </a:buClr>
+              <a:buSzPct val="100000"/>
+              <a:buFont typeface="Times New Roman" panose="02020603050405020304" pitchFamily="18" charset="0"/>
+              <a:tabLst>
+                <a:tab pos="0" algn="l"/>
+                <a:tab pos="447675" algn="l"/>
+                <a:tab pos="896938" algn="l"/>
+                <a:tab pos="1346200" algn="l"/>
+                <a:tab pos="1795463" algn="l"/>
+                <a:tab pos="2244725" algn="l"/>
+                <a:tab pos="2693988" algn="l"/>
+                <a:tab pos="3143250" algn="l"/>
+                <a:tab pos="3592513" algn="l"/>
+                <a:tab pos="4041775" algn="l"/>
+                <a:tab pos="4491038" algn="l"/>
+                <a:tab pos="4940300" algn="l"/>
+                <a:tab pos="5389563" algn="l"/>
+                <a:tab pos="5838825" algn="l"/>
+                <a:tab pos="6288088" algn="l"/>
+                <a:tab pos="6737350" algn="l"/>
+                <a:tab pos="7186613" algn="l"/>
+                <a:tab pos="7635875" algn="l"/>
+                <a:tab pos="8085138" algn="l"/>
+                <a:tab pos="8534400" algn="l"/>
+                <a:tab pos="8983663" algn="l"/>
+                <a:tab pos="8985250" algn="l"/>
+                <a:tab pos="9434513" algn="l"/>
+                <a:tab pos="9883775" algn="l"/>
+              </a:tabLst>
+              <a:defRPr>
+                <a:solidFill>
+                  <a:srgbClr val="FFFFFF"/>
+                </a:solidFill>
+                <a:latin typeface="Arial" panose="020B0604020202020204" pitchFamily="34" charset="0"/>
+                <a:cs typeface="Arial" panose="020B0604020202020204" pitchFamily="34" charset="0"/>
+              </a:defRPr>
+            </a:lvl8pPr>
+            <a:lvl9pPr marL="3886200" indent="-228600" defTabSz="449263" eaLnBrk="0" fontAlgn="base" hangingPunct="0">
+              <a:spcBef>
+                <a:spcPct val="0"/>
+              </a:spcBef>
+              <a:spcAft>
+                <a:spcPct val="0"/>
+              </a:spcAft>
+              <a:buClr>
+                <a:srgbClr val="000000"/>
+              </a:buClr>
+              <a:buSzPct val="100000"/>
+              <a:buFont typeface="Times New Roman" panose="02020603050405020304" pitchFamily="18" charset="0"/>
+              <a:tabLst>
+                <a:tab pos="0" algn="l"/>
+                <a:tab pos="447675" algn="l"/>
+                <a:tab pos="896938" algn="l"/>
+                <a:tab pos="1346200" algn="l"/>
+                <a:tab pos="1795463" algn="l"/>
+                <a:tab pos="2244725" algn="l"/>
+                <a:tab pos="2693988" algn="l"/>
+                <a:tab pos="3143250" algn="l"/>
+                <a:tab pos="3592513" algn="l"/>
+                <a:tab pos="4041775" algn="l"/>
+                <a:tab pos="4491038" algn="l"/>
+                <a:tab pos="4940300" algn="l"/>
+                <a:tab pos="5389563" algn="l"/>
+                <a:tab pos="5838825" algn="l"/>
+                <a:tab pos="6288088" algn="l"/>
+                <a:tab pos="6737350" algn="l"/>
+                <a:tab pos="7186613" algn="l"/>
+                <a:tab pos="7635875" algn="l"/>
+                <a:tab pos="8085138" algn="l"/>
+                <a:tab pos="8534400" algn="l"/>
+                <a:tab pos="8983663" algn="l"/>
+                <a:tab pos="8985250" algn="l"/>
+                <a:tab pos="9434513" algn="l"/>
+                <a:tab pos="9883775" algn="l"/>
+              </a:tabLst>
+              <a:defRPr>
+                <a:solidFill>
+                  <a:srgbClr val="FFFFFF"/>
+                </a:solidFill>
+                <a:latin typeface="Arial" panose="020B0604020202020204" pitchFamily="34" charset="0"/>
+                <a:cs typeface="Arial" panose="020B0604020202020204" pitchFamily="34" charset="0"/>
+              </a:defRPr>
+            </a:lvl9pPr>
+          </a:lstStyle>
+          <a:p>
+            <a:pPr eaLnBrk="1" hangingPunct="1">
+              <a:spcBef>
+                <a:spcPts val="2250"/>
+              </a:spcBef>
+              <a:buClrTx/>
+            </a:pPr>
+            <a:r>
+              <a:rPr lang="es-ES" altLang="es-MX" sz="4000" b="1" dirty="0">
+                <a:latin typeface="Myriad Pro" pitchFamily="32" charset="0"/>
+              </a:rPr>
+              <a:t>Desarrollo</a:t>
+            </a:r>
+          </a:p>
+        </p:txBody>
+      </p:sp>
+      <p:pic>
+        <p:nvPicPr>
+          <p:cNvPr id="72" name="Imagen 71">
+            <a:extLst>
+              <a:ext uri="{FF2B5EF4-FFF2-40B4-BE49-F238E27FC236}">
+                <a16:creationId xmlns:a16="http://schemas.microsoft.com/office/drawing/2014/main" id="{B2DFEAF3-D590-47FF-97CC-03F0CD0AE63A}"/>
+              </a:ext>
+            </a:extLst>
+          </p:cNvPr>
+          <p:cNvPicPr>
+            <a:picLocks noChangeAspect="1"/>
+          </p:cNvPicPr>
+          <p:nvPr/>
+        </p:nvPicPr>
+        <p:blipFill>
+          <a:blip r:embed="rId3">
+            <a:extLst>
+              <a:ext uri="{28A0092B-C50C-407E-A947-70E740481C1C}">
+                <a14:useLocalDpi xmlns:a14="http://schemas.microsoft.com/office/drawing/2010/main" val="0"/>
+              </a:ext>
+            </a:extLst>
+          </a:blip>
+          <a:stretch>
+            <a:fillRect/>
+          </a:stretch>
+        </p:blipFill>
+        <p:spPr>
+          <a:xfrm>
+            <a:off x="14690571" y="4087983"/>
+            <a:ext cx="13079750" cy="4455449"/>
+          </a:xfrm>
+          <a:prstGeom prst="rect">
+            <a:avLst/>
+          </a:prstGeom>
+        </p:spPr>
+      </p:pic>
+      <p:sp>
+        <p:nvSpPr>
+          <p:cNvPr id="49" name="Rectangle 23">
+            <a:extLst>
+              <a:ext uri="{FF2B5EF4-FFF2-40B4-BE49-F238E27FC236}">
+                <a16:creationId xmlns:a16="http://schemas.microsoft.com/office/drawing/2014/main" id="{F2AC18CD-E87F-4904-A63E-AB5E7648897A}"/>
+              </a:ext>
+            </a:extLst>
+          </p:cNvPr>
+          <p:cNvSpPr>
+            <a:spLocks noChangeArrowheads="1"/>
+          </p:cNvSpPr>
+          <p:nvPr/>
+        </p:nvSpPr>
+        <p:spPr bwMode="auto">
+          <a:xfrm>
+            <a:off x="14821644" y="20913620"/>
+            <a:ext cx="13961321" cy="5234245"/>
           </a:xfrm>
           <a:prstGeom prst="rect">
             <a:avLst/>
@@ -5009,10 +5350,10 @@
       </p:sp>
       <p:sp>
         <p:nvSpPr>
-          <p:cNvPr id="61" name="Rectangle 23">
+          <p:cNvPr id="50" name="Rectangle 23">
             <a:extLst>
               <a:ext uri="{FF2B5EF4-FFF2-40B4-BE49-F238E27FC236}">
-                <a16:creationId xmlns:a16="http://schemas.microsoft.com/office/drawing/2014/main" id="{E36FC201-14E0-4EFB-B8B7-2F2C3EFF4D02}"/>
+                <a16:creationId xmlns:a16="http://schemas.microsoft.com/office/drawing/2014/main" id="{B31FDD89-95C9-4890-B3FD-EDC50FB2EFA4}"/>
               </a:ext>
             </a:extLst>
           </p:cNvPr>
@@ -5023,8 +5364,8 @@
         </p:nvSpPr>
         <p:spPr bwMode="auto">
           <a:xfrm>
-            <a:off x="405011" y="16168943"/>
-            <a:ext cx="10164763" cy="5681048"/>
+            <a:off x="401015" y="29176670"/>
+            <a:ext cx="13901893" cy="6784945"/>
           </a:xfrm>
           <a:prstGeom prst="rect">
             <a:avLst/>
@@ -5435,10 +5776,10 @@
       </p:sp>
       <p:sp>
         <p:nvSpPr>
-          <p:cNvPr id="48" name="Rectangle 23">
+          <p:cNvPr id="64" name="Rectangle 23">
             <a:extLst>
               <a:ext uri="{FF2B5EF4-FFF2-40B4-BE49-F238E27FC236}">
-                <a16:creationId xmlns:a16="http://schemas.microsoft.com/office/drawing/2014/main" id="{7CB397D9-C27F-45A7-AF78-76B957EADB4B}"/>
+                <a16:creationId xmlns:a16="http://schemas.microsoft.com/office/drawing/2014/main" id="{8561955E-3F3B-42FF-B45A-2D7DDD34F97F}"/>
               </a:ext>
             </a:extLst>
           </p:cNvPr>
@@ -5449,8 +5790,8 @@
         </p:nvSpPr>
         <p:spPr bwMode="auto">
           <a:xfrm>
-            <a:off x="397534" y="23367280"/>
-            <a:ext cx="10164763" cy="7524377"/>
+            <a:off x="297312" y="4103961"/>
+            <a:ext cx="13918029" cy="6477150"/>
           </a:xfrm>
           <a:prstGeom prst="rect">
             <a:avLst/>
@@ -5861,10 +6202,10 @@
       </p:sp>
       <p:sp>
         <p:nvSpPr>
-          <p:cNvPr id="46" name="Rectangle 23">
+          <p:cNvPr id="61" name="Rectangle 23">
             <a:extLst>
               <a:ext uri="{FF2B5EF4-FFF2-40B4-BE49-F238E27FC236}">
-                <a16:creationId xmlns:a16="http://schemas.microsoft.com/office/drawing/2014/main" id="{914C3AD4-A9CD-4EEC-94DD-D5A3E2D4061C}"/>
+                <a16:creationId xmlns:a16="http://schemas.microsoft.com/office/drawing/2014/main" id="{E36FC201-14E0-4EFB-B8B7-2F2C3EFF4D02}"/>
               </a:ext>
             </a:extLst>
           </p:cNvPr>
@@ -5875,8 +6216,8 @@
         </p:nvSpPr>
         <p:spPr bwMode="auto">
           <a:xfrm>
-            <a:off x="397534" y="9487228"/>
-            <a:ext cx="10164763" cy="5378621"/>
+            <a:off x="364776" y="21823526"/>
+            <a:ext cx="13967937" cy="5923625"/>
           </a:xfrm>
           <a:prstGeom prst="rect">
             <a:avLst/>
@@ -6285,6 +6626,432 @@
           </a:p>
         </p:txBody>
       </p:sp>
+      <p:sp>
+        <p:nvSpPr>
+          <p:cNvPr id="46" name="Rectangle 23">
+            <a:extLst>
+              <a:ext uri="{FF2B5EF4-FFF2-40B4-BE49-F238E27FC236}">
+                <a16:creationId xmlns:a16="http://schemas.microsoft.com/office/drawing/2014/main" id="{914C3AD4-A9CD-4EEC-94DD-D5A3E2D4061C}"/>
+              </a:ext>
+            </a:extLst>
+          </p:cNvPr>
+          <p:cNvSpPr>
+            <a:spLocks noChangeArrowheads="1"/>
+          </p:cNvSpPr>
+          <p:nvPr/>
+        </p:nvSpPr>
+        <p:spPr bwMode="auto">
+          <a:xfrm>
+            <a:off x="333992" y="15266727"/>
+            <a:ext cx="13977559" cy="5378621"/>
+          </a:xfrm>
+          <a:prstGeom prst="rect">
+            <a:avLst/>
+          </a:prstGeom>
+          <a:solidFill>
+            <a:srgbClr val="FFFFFF"/>
+          </a:solidFill>
+          <a:ln w="9360" cap="sq">
+            <a:solidFill>
+              <a:srgbClr val="000000"/>
+            </a:solidFill>
+            <a:miter lim="800000"/>
+            <a:headEnd/>
+            <a:tailEnd/>
+          </a:ln>
+          <a:effectLst>
+            <a:outerShdw dist="153010" dir="2906018" algn="ctr" rotWithShape="0">
+              <a:srgbClr val="292929">
+                <a:alpha val="50027"/>
+              </a:srgbClr>
+            </a:outerShdw>
+          </a:effectLst>
+        </p:spPr>
+        <p:txBody>
+          <a:bodyPr wrap="none" lIns="90000" tIns="46800" rIns="90000" bIns="46800" anchor="ctr"/>
+          <a:lstStyle>
+            <a:lvl1pPr>
+              <a:tabLst>
+                <a:tab pos="0" algn="l"/>
+                <a:tab pos="447675" algn="l"/>
+                <a:tab pos="896938" algn="l"/>
+                <a:tab pos="1346200" algn="l"/>
+                <a:tab pos="1795463" algn="l"/>
+                <a:tab pos="2244725" algn="l"/>
+                <a:tab pos="2693988" algn="l"/>
+                <a:tab pos="3143250" algn="l"/>
+                <a:tab pos="3592513" algn="l"/>
+                <a:tab pos="4041775" algn="l"/>
+                <a:tab pos="4491038" algn="l"/>
+                <a:tab pos="4940300" algn="l"/>
+                <a:tab pos="5389563" algn="l"/>
+                <a:tab pos="5838825" algn="l"/>
+                <a:tab pos="6288088" algn="l"/>
+                <a:tab pos="6737350" algn="l"/>
+                <a:tab pos="7186613" algn="l"/>
+                <a:tab pos="7635875" algn="l"/>
+                <a:tab pos="8085138" algn="l"/>
+                <a:tab pos="8534400" algn="l"/>
+                <a:tab pos="8983663" algn="l"/>
+                <a:tab pos="8985250" algn="l"/>
+                <a:tab pos="9434513" algn="l"/>
+                <a:tab pos="9883775" algn="l"/>
+              </a:tabLst>
+              <a:defRPr>
+                <a:solidFill>
+                  <a:srgbClr val="FFFFFF"/>
+                </a:solidFill>
+                <a:latin typeface="Arial" panose="020B0604020202020204" pitchFamily="34" charset="0"/>
+                <a:cs typeface="Arial" panose="020B0604020202020204" pitchFamily="34" charset="0"/>
+              </a:defRPr>
+            </a:lvl1pPr>
+            <a:lvl2pPr>
+              <a:tabLst>
+                <a:tab pos="0" algn="l"/>
+                <a:tab pos="447675" algn="l"/>
+                <a:tab pos="896938" algn="l"/>
+                <a:tab pos="1346200" algn="l"/>
+                <a:tab pos="1795463" algn="l"/>
+                <a:tab pos="2244725" algn="l"/>
+                <a:tab pos="2693988" algn="l"/>
+                <a:tab pos="3143250" algn="l"/>
+                <a:tab pos="3592513" algn="l"/>
+                <a:tab pos="4041775" algn="l"/>
+                <a:tab pos="4491038" algn="l"/>
+                <a:tab pos="4940300" algn="l"/>
+                <a:tab pos="5389563" algn="l"/>
+                <a:tab pos="5838825" algn="l"/>
+                <a:tab pos="6288088" algn="l"/>
+                <a:tab pos="6737350" algn="l"/>
+                <a:tab pos="7186613" algn="l"/>
+                <a:tab pos="7635875" algn="l"/>
+                <a:tab pos="8085138" algn="l"/>
+                <a:tab pos="8534400" algn="l"/>
+                <a:tab pos="8983663" algn="l"/>
+                <a:tab pos="8985250" algn="l"/>
+                <a:tab pos="9434513" algn="l"/>
+                <a:tab pos="9883775" algn="l"/>
+              </a:tabLst>
+              <a:defRPr>
+                <a:solidFill>
+                  <a:srgbClr val="FFFFFF"/>
+                </a:solidFill>
+                <a:latin typeface="Arial" panose="020B0604020202020204" pitchFamily="34" charset="0"/>
+                <a:cs typeface="Arial" panose="020B0604020202020204" pitchFamily="34" charset="0"/>
+              </a:defRPr>
+            </a:lvl2pPr>
+            <a:lvl3pPr>
+              <a:tabLst>
+                <a:tab pos="0" algn="l"/>
+                <a:tab pos="447675" algn="l"/>
+                <a:tab pos="896938" algn="l"/>
+                <a:tab pos="1346200" algn="l"/>
+                <a:tab pos="1795463" algn="l"/>
+                <a:tab pos="2244725" algn="l"/>
+                <a:tab pos="2693988" algn="l"/>
+                <a:tab pos="3143250" algn="l"/>
+                <a:tab pos="3592513" algn="l"/>
+                <a:tab pos="4041775" algn="l"/>
+                <a:tab pos="4491038" algn="l"/>
+                <a:tab pos="4940300" algn="l"/>
+                <a:tab pos="5389563" algn="l"/>
+                <a:tab pos="5838825" algn="l"/>
+                <a:tab pos="6288088" algn="l"/>
+                <a:tab pos="6737350" algn="l"/>
+                <a:tab pos="7186613" algn="l"/>
+                <a:tab pos="7635875" algn="l"/>
+                <a:tab pos="8085138" algn="l"/>
+                <a:tab pos="8534400" algn="l"/>
+                <a:tab pos="8983663" algn="l"/>
+                <a:tab pos="8985250" algn="l"/>
+                <a:tab pos="9434513" algn="l"/>
+                <a:tab pos="9883775" algn="l"/>
+              </a:tabLst>
+              <a:defRPr>
+                <a:solidFill>
+                  <a:srgbClr val="FFFFFF"/>
+                </a:solidFill>
+                <a:latin typeface="Arial" panose="020B0604020202020204" pitchFamily="34" charset="0"/>
+                <a:cs typeface="Arial" panose="020B0604020202020204" pitchFamily="34" charset="0"/>
+              </a:defRPr>
+            </a:lvl3pPr>
+            <a:lvl4pPr>
+              <a:tabLst>
+                <a:tab pos="0" algn="l"/>
+                <a:tab pos="447675" algn="l"/>
+                <a:tab pos="896938" algn="l"/>
+                <a:tab pos="1346200" algn="l"/>
+                <a:tab pos="1795463" algn="l"/>
+                <a:tab pos="2244725" algn="l"/>
+                <a:tab pos="2693988" algn="l"/>
+                <a:tab pos="3143250" algn="l"/>
+                <a:tab pos="3592513" algn="l"/>
+                <a:tab pos="4041775" algn="l"/>
+                <a:tab pos="4491038" algn="l"/>
+                <a:tab pos="4940300" algn="l"/>
+                <a:tab pos="5389563" algn="l"/>
+                <a:tab pos="5838825" algn="l"/>
+                <a:tab pos="6288088" algn="l"/>
+                <a:tab pos="6737350" algn="l"/>
+                <a:tab pos="7186613" algn="l"/>
+                <a:tab pos="7635875" algn="l"/>
+                <a:tab pos="8085138" algn="l"/>
+                <a:tab pos="8534400" algn="l"/>
+                <a:tab pos="8983663" algn="l"/>
+                <a:tab pos="8985250" algn="l"/>
+                <a:tab pos="9434513" algn="l"/>
+                <a:tab pos="9883775" algn="l"/>
+              </a:tabLst>
+              <a:defRPr>
+                <a:solidFill>
+                  <a:srgbClr val="FFFFFF"/>
+                </a:solidFill>
+                <a:latin typeface="Arial" panose="020B0604020202020204" pitchFamily="34" charset="0"/>
+                <a:cs typeface="Arial" panose="020B0604020202020204" pitchFamily="34" charset="0"/>
+              </a:defRPr>
+            </a:lvl4pPr>
+            <a:lvl5pPr>
+              <a:tabLst>
+                <a:tab pos="0" algn="l"/>
+                <a:tab pos="447675" algn="l"/>
+                <a:tab pos="896938" algn="l"/>
+                <a:tab pos="1346200" algn="l"/>
+                <a:tab pos="1795463" algn="l"/>
+                <a:tab pos="2244725" algn="l"/>
+                <a:tab pos="2693988" algn="l"/>
+                <a:tab pos="3143250" algn="l"/>
+                <a:tab pos="3592513" algn="l"/>
+                <a:tab pos="4041775" algn="l"/>
+                <a:tab pos="4491038" algn="l"/>
+                <a:tab pos="4940300" algn="l"/>
+                <a:tab pos="5389563" algn="l"/>
+                <a:tab pos="5838825" algn="l"/>
+                <a:tab pos="6288088" algn="l"/>
+                <a:tab pos="6737350" algn="l"/>
+                <a:tab pos="7186613" algn="l"/>
+                <a:tab pos="7635875" algn="l"/>
+                <a:tab pos="8085138" algn="l"/>
+                <a:tab pos="8534400" algn="l"/>
+                <a:tab pos="8983663" algn="l"/>
+                <a:tab pos="8985250" algn="l"/>
+                <a:tab pos="9434513" algn="l"/>
+                <a:tab pos="9883775" algn="l"/>
+              </a:tabLst>
+              <a:defRPr>
+                <a:solidFill>
+                  <a:srgbClr val="FFFFFF"/>
+                </a:solidFill>
+                <a:latin typeface="Arial" panose="020B0604020202020204" pitchFamily="34" charset="0"/>
+                <a:cs typeface="Arial" panose="020B0604020202020204" pitchFamily="34" charset="0"/>
+              </a:defRPr>
+            </a:lvl5pPr>
+            <a:lvl6pPr marL="2514600" indent="-228600" defTabSz="449263" eaLnBrk="0" fontAlgn="base" hangingPunct="0">
+              <a:spcBef>
+                <a:spcPct val="0"/>
+              </a:spcBef>
+              <a:spcAft>
+                <a:spcPct val="0"/>
+              </a:spcAft>
+              <a:buClr>
+                <a:srgbClr val="000000"/>
+              </a:buClr>
+              <a:buSzPct val="100000"/>
+              <a:buFont typeface="Times New Roman" panose="02020603050405020304" pitchFamily="18" charset="0"/>
+              <a:tabLst>
+                <a:tab pos="0" algn="l"/>
+                <a:tab pos="447675" algn="l"/>
+                <a:tab pos="896938" algn="l"/>
+                <a:tab pos="1346200" algn="l"/>
+                <a:tab pos="1795463" algn="l"/>
+                <a:tab pos="2244725" algn="l"/>
+                <a:tab pos="2693988" algn="l"/>
+                <a:tab pos="3143250" algn="l"/>
+                <a:tab pos="3592513" algn="l"/>
+                <a:tab pos="4041775" algn="l"/>
+                <a:tab pos="4491038" algn="l"/>
+                <a:tab pos="4940300" algn="l"/>
+                <a:tab pos="5389563" algn="l"/>
+                <a:tab pos="5838825" algn="l"/>
+                <a:tab pos="6288088" algn="l"/>
+                <a:tab pos="6737350" algn="l"/>
+                <a:tab pos="7186613" algn="l"/>
+                <a:tab pos="7635875" algn="l"/>
+                <a:tab pos="8085138" algn="l"/>
+                <a:tab pos="8534400" algn="l"/>
+                <a:tab pos="8983663" algn="l"/>
+                <a:tab pos="8985250" algn="l"/>
+                <a:tab pos="9434513" algn="l"/>
+                <a:tab pos="9883775" algn="l"/>
+              </a:tabLst>
+              <a:defRPr>
+                <a:solidFill>
+                  <a:srgbClr val="FFFFFF"/>
+                </a:solidFill>
+                <a:latin typeface="Arial" panose="020B0604020202020204" pitchFamily="34" charset="0"/>
+                <a:cs typeface="Arial" panose="020B0604020202020204" pitchFamily="34" charset="0"/>
+              </a:defRPr>
+            </a:lvl6pPr>
+            <a:lvl7pPr marL="2971800" indent="-228600" defTabSz="449263" eaLnBrk="0" fontAlgn="base" hangingPunct="0">
+              <a:spcBef>
+                <a:spcPct val="0"/>
+              </a:spcBef>
+              <a:spcAft>
+                <a:spcPct val="0"/>
+              </a:spcAft>
+              <a:buClr>
+                <a:srgbClr val="000000"/>
+              </a:buClr>
+              <a:buSzPct val="100000"/>
+              <a:buFont typeface="Times New Roman" panose="02020603050405020304" pitchFamily="18" charset="0"/>
+              <a:tabLst>
+                <a:tab pos="0" algn="l"/>
+                <a:tab pos="447675" algn="l"/>
+                <a:tab pos="896938" algn="l"/>
+                <a:tab pos="1346200" algn="l"/>
+                <a:tab pos="1795463" algn="l"/>
+                <a:tab pos="2244725" algn="l"/>
+                <a:tab pos="2693988" algn="l"/>
+                <a:tab pos="3143250" algn="l"/>
+                <a:tab pos="3592513" algn="l"/>
+                <a:tab pos="4041775" algn="l"/>
+                <a:tab pos="4491038" algn="l"/>
+                <a:tab pos="4940300" algn="l"/>
+                <a:tab pos="5389563" algn="l"/>
+                <a:tab pos="5838825" algn="l"/>
+                <a:tab pos="6288088" algn="l"/>
+                <a:tab pos="6737350" algn="l"/>
+                <a:tab pos="7186613" algn="l"/>
+                <a:tab pos="7635875" algn="l"/>
+                <a:tab pos="8085138" algn="l"/>
+                <a:tab pos="8534400" algn="l"/>
+                <a:tab pos="8983663" algn="l"/>
+                <a:tab pos="8985250" algn="l"/>
+                <a:tab pos="9434513" algn="l"/>
+                <a:tab pos="9883775" algn="l"/>
+              </a:tabLst>
+              <a:defRPr>
+                <a:solidFill>
+                  <a:srgbClr val="FFFFFF"/>
+                </a:solidFill>
+                <a:latin typeface="Arial" panose="020B0604020202020204" pitchFamily="34" charset="0"/>
+                <a:cs typeface="Arial" panose="020B0604020202020204" pitchFamily="34" charset="0"/>
+              </a:defRPr>
+            </a:lvl7pPr>
+            <a:lvl8pPr marL="3429000" indent="-228600" defTabSz="449263" eaLnBrk="0" fontAlgn="base" hangingPunct="0">
+              <a:spcBef>
+                <a:spcPct val="0"/>
+              </a:spcBef>
+              <a:spcAft>
+                <a:spcPct val="0"/>
+              </a:spcAft>
+              <a:buClr>
+                <a:srgbClr val="000000"/>
+              </a:buClr>
+              <a:buSzPct val="100000"/>
+              <a:buFont typeface="Times New Roman" panose="02020603050405020304" pitchFamily="18" charset="0"/>
+              <a:tabLst>
+                <a:tab pos="0" algn="l"/>
+                <a:tab pos="447675" algn="l"/>
+                <a:tab pos="896938" algn="l"/>
+                <a:tab pos="1346200" algn="l"/>
+                <a:tab pos="1795463" algn="l"/>
+                <a:tab pos="2244725" algn="l"/>
+                <a:tab pos="2693988" algn="l"/>
+                <a:tab pos="3143250" algn="l"/>
+                <a:tab pos="3592513" algn="l"/>
+                <a:tab pos="4041775" algn="l"/>
+                <a:tab pos="4491038" algn="l"/>
+                <a:tab pos="4940300" algn="l"/>
+                <a:tab pos="5389563" algn="l"/>
+                <a:tab pos="5838825" algn="l"/>
+                <a:tab pos="6288088" algn="l"/>
+                <a:tab pos="6737350" algn="l"/>
+                <a:tab pos="7186613" algn="l"/>
+                <a:tab pos="7635875" algn="l"/>
+                <a:tab pos="8085138" algn="l"/>
+                <a:tab pos="8534400" algn="l"/>
+                <a:tab pos="8983663" algn="l"/>
+                <a:tab pos="8985250" algn="l"/>
+                <a:tab pos="9434513" algn="l"/>
+                <a:tab pos="9883775" algn="l"/>
+              </a:tabLst>
+              <a:defRPr>
+                <a:solidFill>
+                  <a:srgbClr val="FFFFFF"/>
+                </a:solidFill>
+                <a:latin typeface="Arial" panose="020B0604020202020204" pitchFamily="34" charset="0"/>
+                <a:cs typeface="Arial" panose="020B0604020202020204" pitchFamily="34" charset="0"/>
+              </a:defRPr>
+            </a:lvl8pPr>
+            <a:lvl9pPr marL="3886200" indent="-228600" defTabSz="449263" eaLnBrk="0" fontAlgn="base" hangingPunct="0">
+              <a:spcBef>
+                <a:spcPct val="0"/>
+              </a:spcBef>
+              <a:spcAft>
+                <a:spcPct val="0"/>
+              </a:spcAft>
+              <a:buClr>
+                <a:srgbClr val="000000"/>
+              </a:buClr>
+              <a:buSzPct val="100000"/>
+              <a:buFont typeface="Times New Roman" panose="02020603050405020304" pitchFamily="18" charset="0"/>
+              <a:tabLst>
+                <a:tab pos="0" algn="l"/>
+                <a:tab pos="447675" algn="l"/>
+                <a:tab pos="896938" algn="l"/>
+                <a:tab pos="1346200" algn="l"/>
+                <a:tab pos="1795463" algn="l"/>
+                <a:tab pos="2244725" algn="l"/>
+                <a:tab pos="2693988" algn="l"/>
+                <a:tab pos="3143250" algn="l"/>
+                <a:tab pos="3592513" algn="l"/>
+                <a:tab pos="4041775" algn="l"/>
+                <a:tab pos="4491038" algn="l"/>
+                <a:tab pos="4940300" algn="l"/>
+                <a:tab pos="5389563" algn="l"/>
+                <a:tab pos="5838825" algn="l"/>
+                <a:tab pos="6288088" algn="l"/>
+                <a:tab pos="6737350" algn="l"/>
+                <a:tab pos="7186613" algn="l"/>
+                <a:tab pos="7635875" algn="l"/>
+                <a:tab pos="8085138" algn="l"/>
+                <a:tab pos="8534400" algn="l"/>
+                <a:tab pos="8983663" algn="l"/>
+                <a:tab pos="8985250" algn="l"/>
+                <a:tab pos="9434513" algn="l"/>
+                <a:tab pos="9883775" algn="l"/>
+              </a:tabLst>
+              <a:defRPr>
+                <a:solidFill>
+                  <a:srgbClr val="FFFFFF"/>
+                </a:solidFill>
+                <a:latin typeface="Arial" panose="020B0604020202020204" pitchFamily="34" charset="0"/>
+                <a:cs typeface="Arial" panose="020B0604020202020204" pitchFamily="34" charset="0"/>
+              </a:defRPr>
+            </a:lvl9pPr>
+          </a:lstStyle>
+          <a:p>
+            <a:pPr algn="just" eaLnBrk="1" hangingPunct="1">
+              <a:buClrTx/>
+              <a:buFontTx/>
+              <a:buNone/>
+            </a:pPr>
+            <a:r>
+              <a:rPr lang="es-ES" altLang="es-MX">
+                <a:solidFill>
+                  <a:srgbClr val="000000"/>
+                </a:solidFill>
+              </a:rPr>
+              <a:t>.</a:t>
+            </a:r>
+            <a:endParaRPr lang="es-ES" altLang="es-MX" dirty="0">
+              <a:solidFill>
+                <a:srgbClr val="000000"/>
+              </a:solidFill>
+            </a:endParaRPr>
+          </a:p>
+        </p:txBody>
+      </p:sp>
       <p:pic>
         <p:nvPicPr>
           <p:cNvPr id="3073" name="Picture 1">
@@ -6300,7 +7067,7 @@
           <p:nvPr/>
         </p:nvPicPr>
         <p:blipFill>
-          <a:blip r:embed="rId3">
+          <a:blip r:embed="rId4">
             <a:extLst>
               <a:ext uri="{28A0092B-C50C-407E-A947-70E740481C1C}">
                 <a14:useLocalDpi xmlns:a14="http://schemas.microsoft.com/office/drawing/2010/main" val="0"/>
@@ -6314,8 +7081,8 @@
         </p:blipFill>
         <p:spPr bwMode="auto">
           <a:xfrm>
-            <a:off x="3175" y="0"/>
-            <a:ext cx="21599525" cy="2735263"/>
+            <a:off x="358652" y="206062"/>
+            <a:ext cx="28083120" cy="2735263"/>
           </a:xfrm>
           <a:prstGeom prst="rect">
             <a:avLst/>
@@ -6370,8 +7137,8 @@
         </p:nvSpPr>
         <p:spPr bwMode="auto">
           <a:xfrm>
-            <a:off x="420688" y="2919414"/>
-            <a:ext cx="10164762" cy="1026120"/>
+            <a:off x="300283" y="3057970"/>
+            <a:ext cx="13915058" cy="1026120"/>
           </a:xfrm>
           <a:prstGeom prst="rect">
             <a:avLst/>
@@ -6424,8 +7191,8 @@
         </p:nvSpPr>
         <p:spPr bwMode="auto">
           <a:xfrm>
-            <a:off x="2376488" y="38100"/>
-            <a:ext cx="17135475" cy="1312863"/>
+            <a:off x="3459872" y="244162"/>
+            <a:ext cx="22279083" cy="1448731"/>
           </a:xfrm>
           <a:prstGeom prst="rect">
             <a:avLst/>
@@ -6465,7 +7232,7 @@
           </a:extLst>
         </p:spPr>
         <p:txBody>
-          <a:bodyPr lIns="90000" tIns="46800" rIns="90000" bIns="46800">
+          <a:bodyPr wrap="square" lIns="90000" tIns="46800" rIns="90000" bIns="46800">
             <a:spAutoFit/>
           </a:bodyPr>
           <a:lstStyle>
@@ -6903,18 +7670,24 @@
           </a:lstStyle>
           <a:p>
             <a:pPr algn="ctr" eaLnBrk="1" hangingPunct="1">
-              <a:spcBef>
-                <a:spcPts val="3750"/>
-              </a:spcBef>
               <a:buClrTx/>
-              <a:buFontTx/>
-              <a:buNone/>
             </a:pPr>
             <a:r>
-              <a:rPr lang="es-ES" altLang="es-MX" sz="4000" b="1">
+              <a:rPr lang="es-ES" altLang="es-MX" sz="4400" b="1" dirty="0">
                 <a:latin typeface="Myriad Pro" pitchFamily="32" charset="0"/>
               </a:rPr>
-              <a:t>Desarrollo de proyecto para generar un Sistema de Venta-Inventario y su aplicación en un ámbito comercial</a:t>
+              <a:t>Sistema de Venta-Inventario, desarrollo, aplicación y ventajas </a:t>
+            </a:r>
+          </a:p>
+          <a:p>
+            <a:pPr algn="ctr" eaLnBrk="1" hangingPunct="1">
+              <a:buClrTx/>
+            </a:pPr>
+            <a:r>
+              <a:rPr lang="es-ES" altLang="es-MX" sz="4400" b="1" dirty="0">
+                <a:latin typeface="Myriad Pro" pitchFamily="32" charset="0"/>
+              </a:rPr>
+              <a:t>en un ámbito comercial</a:t>
             </a:r>
           </a:p>
         </p:txBody>
@@ -6935,8 +7708,8 @@
         </p:nvSpPr>
         <p:spPr bwMode="auto">
           <a:xfrm>
-            <a:off x="576263" y="3097213"/>
-            <a:ext cx="10088562" cy="642937"/>
+            <a:off x="455857" y="3235770"/>
+            <a:ext cx="9789309" cy="710067"/>
           </a:xfrm>
           <a:prstGeom prst="rect">
             <a:avLst/>
@@ -6976,7 +7749,7 @@
           </a:extLst>
         </p:spPr>
         <p:txBody>
-          <a:bodyPr lIns="90000" tIns="46800" rIns="90000" bIns="46800">
+          <a:bodyPr wrap="square" lIns="90000" tIns="46800" rIns="90000" bIns="46800">
             <a:spAutoFit/>
           </a:bodyPr>
           <a:lstStyle>
@@ -7346,15 +8119,16 @@
                 <a:spcPts val="2250"/>
               </a:spcBef>
               <a:buClrTx/>
-              <a:buFontTx/>
-              <a:buNone/>
             </a:pPr>
             <a:r>
-              <a:rPr lang="es-ES" altLang="es-MX" sz="3600" b="1" dirty="0">
+              <a:rPr lang="es-ES" altLang="es-MX" sz="4000" b="1" dirty="0">
                 <a:latin typeface="Myriad Pro" pitchFamily="32" charset="0"/>
               </a:rPr>
               <a:t>Introducción</a:t>
             </a:r>
+            <a:endParaRPr lang="es-ES" altLang="es-MX" sz="3600" b="1" dirty="0">
+              <a:latin typeface="Myriad Pro" pitchFamily="32" charset="0"/>
+            </a:endParaRPr>
           </a:p>
         </p:txBody>
       </p:sp>
@@ -7374,8 +8148,8 @@
         </p:nvSpPr>
         <p:spPr bwMode="auto">
           <a:xfrm>
-            <a:off x="10987479" y="2887434"/>
-            <a:ext cx="10164763" cy="1058099"/>
+            <a:off x="324816" y="10799119"/>
+            <a:ext cx="13890526" cy="1058099"/>
           </a:xfrm>
           <a:prstGeom prst="rect">
             <a:avLst/>
@@ -7414,64 +8188,10 @@
       </p:sp>
       <p:sp>
         <p:nvSpPr>
-          <p:cNvPr id="3084" name="Rectangle 12">
+          <p:cNvPr id="3098" name="Text Box 26">
             <a:extLst>
               <a:ext uri="{FF2B5EF4-FFF2-40B4-BE49-F238E27FC236}">
-                <a16:creationId xmlns:a16="http://schemas.microsoft.com/office/drawing/2014/main" id="{B47AD51B-281E-4DE3-9B50-692D1B152BF8}"/>
-              </a:ext>
-            </a:extLst>
-          </p:cNvPr>
-          <p:cNvSpPr>
-            <a:spLocks noChangeArrowheads="1"/>
-          </p:cNvSpPr>
-          <p:nvPr/>
-        </p:nvSpPr>
-        <p:spPr bwMode="auto">
-          <a:xfrm>
-            <a:off x="438143" y="22322705"/>
-            <a:ext cx="10166350" cy="1044575"/>
-          </a:xfrm>
-          <a:prstGeom prst="rect">
-            <a:avLst/>
-          </a:prstGeom>
-          <a:solidFill>
-            <a:srgbClr val="0F355A"/>
-          </a:solidFill>
-          <a:ln w="9360" cap="sq">
-            <a:solidFill>
-              <a:srgbClr val="000000"/>
-            </a:solidFill>
-            <a:miter lim="800000"/>
-            <a:headEnd/>
-            <a:tailEnd/>
-          </a:ln>
-          <a:effectLst/>
-          <a:extLst>
-            <a:ext uri="{AF507438-7753-43E0-B8FC-AC1667EBCBE1}">
-              <a14:hiddenEffects xmlns:a14="http://schemas.microsoft.com/office/drawing/2010/main">
-                <a:effectLst>
-                  <a:outerShdw dist="35921" dir="2700000" algn="ctr" rotWithShape="0">
-                    <a:srgbClr val="808080"/>
-                  </a:outerShdw>
-                </a:effectLst>
-              </a14:hiddenEffects>
-            </a:ext>
-          </a:extLst>
-        </p:spPr>
-        <p:txBody>
-          <a:bodyPr wrap="none" anchor="ctr"/>
-          <a:lstStyle/>
-          <a:p>
-            <a:endParaRPr lang="es-MX"/>
-          </a:p>
-        </p:txBody>
-      </p:sp>
-      <p:sp>
-        <p:nvSpPr>
-          <p:cNvPr id="3085" name="Text Box 13">
-            <a:extLst>
-              <a:ext uri="{FF2B5EF4-FFF2-40B4-BE49-F238E27FC236}">
-                <a16:creationId xmlns:a16="http://schemas.microsoft.com/office/drawing/2014/main" id="{85229193-C459-4B9F-90AB-0E9D144DBF89}"/>
+                <a16:creationId xmlns:a16="http://schemas.microsoft.com/office/drawing/2014/main" id="{0625BF84-9B77-4851-BF01-8419FB142D3B}"/>
               </a:ext>
             </a:extLst>
           </p:cNvPr>
@@ -7482,8 +8202,8 @@
         </p:nvSpPr>
         <p:spPr bwMode="auto">
           <a:xfrm>
-            <a:off x="576263" y="22508951"/>
-            <a:ext cx="10088562" cy="642938"/>
+            <a:off x="3735637" y="1697784"/>
+            <a:ext cx="21808484" cy="460375"/>
           </a:xfrm>
           <a:prstGeom prst="rect">
             <a:avLst/>
@@ -7523,446 +8243,7 @@
           </a:extLst>
         </p:spPr>
         <p:txBody>
-          <a:bodyPr lIns="90000" tIns="46800" rIns="90000" bIns="46800">
-            <a:spAutoFit/>
-          </a:bodyPr>
-          <a:lstStyle>
-            <a:lvl1pPr>
-              <a:tabLst>
-                <a:tab pos="0" algn="l"/>
-                <a:tab pos="447675" algn="l"/>
-                <a:tab pos="896938" algn="l"/>
-                <a:tab pos="1346200" algn="l"/>
-                <a:tab pos="1795463" algn="l"/>
-                <a:tab pos="2244725" algn="l"/>
-                <a:tab pos="2693988" algn="l"/>
-                <a:tab pos="3143250" algn="l"/>
-                <a:tab pos="3592513" algn="l"/>
-                <a:tab pos="4041775" algn="l"/>
-                <a:tab pos="4491038" algn="l"/>
-                <a:tab pos="4940300" algn="l"/>
-                <a:tab pos="5389563" algn="l"/>
-                <a:tab pos="5838825" algn="l"/>
-                <a:tab pos="6288088" algn="l"/>
-                <a:tab pos="6737350" algn="l"/>
-                <a:tab pos="7186613" algn="l"/>
-                <a:tab pos="7635875" algn="l"/>
-                <a:tab pos="8085138" algn="l"/>
-                <a:tab pos="8534400" algn="l"/>
-                <a:tab pos="8983663" algn="l"/>
-                <a:tab pos="8985250" algn="l"/>
-                <a:tab pos="9434513" algn="l"/>
-                <a:tab pos="9883775" algn="l"/>
-              </a:tabLst>
-              <a:defRPr>
-                <a:solidFill>
-                  <a:srgbClr val="FFFFFF"/>
-                </a:solidFill>
-                <a:latin typeface="Arial" panose="020B0604020202020204" pitchFamily="34" charset="0"/>
-                <a:cs typeface="Arial" panose="020B0604020202020204" pitchFamily="34" charset="0"/>
-              </a:defRPr>
-            </a:lvl1pPr>
-            <a:lvl2pPr>
-              <a:tabLst>
-                <a:tab pos="0" algn="l"/>
-                <a:tab pos="447675" algn="l"/>
-                <a:tab pos="896938" algn="l"/>
-                <a:tab pos="1346200" algn="l"/>
-                <a:tab pos="1795463" algn="l"/>
-                <a:tab pos="2244725" algn="l"/>
-                <a:tab pos="2693988" algn="l"/>
-                <a:tab pos="3143250" algn="l"/>
-                <a:tab pos="3592513" algn="l"/>
-                <a:tab pos="4041775" algn="l"/>
-                <a:tab pos="4491038" algn="l"/>
-                <a:tab pos="4940300" algn="l"/>
-                <a:tab pos="5389563" algn="l"/>
-                <a:tab pos="5838825" algn="l"/>
-                <a:tab pos="6288088" algn="l"/>
-                <a:tab pos="6737350" algn="l"/>
-                <a:tab pos="7186613" algn="l"/>
-                <a:tab pos="7635875" algn="l"/>
-                <a:tab pos="8085138" algn="l"/>
-                <a:tab pos="8534400" algn="l"/>
-                <a:tab pos="8983663" algn="l"/>
-                <a:tab pos="8985250" algn="l"/>
-                <a:tab pos="9434513" algn="l"/>
-                <a:tab pos="9883775" algn="l"/>
-              </a:tabLst>
-              <a:defRPr>
-                <a:solidFill>
-                  <a:srgbClr val="FFFFFF"/>
-                </a:solidFill>
-                <a:latin typeface="Arial" panose="020B0604020202020204" pitchFamily="34" charset="0"/>
-                <a:cs typeface="Arial" panose="020B0604020202020204" pitchFamily="34" charset="0"/>
-              </a:defRPr>
-            </a:lvl2pPr>
-            <a:lvl3pPr>
-              <a:tabLst>
-                <a:tab pos="0" algn="l"/>
-                <a:tab pos="447675" algn="l"/>
-                <a:tab pos="896938" algn="l"/>
-                <a:tab pos="1346200" algn="l"/>
-                <a:tab pos="1795463" algn="l"/>
-                <a:tab pos="2244725" algn="l"/>
-                <a:tab pos="2693988" algn="l"/>
-                <a:tab pos="3143250" algn="l"/>
-                <a:tab pos="3592513" algn="l"/>
-                <a:tab pos="4041775" algn="l"/>
-                <a:tab pos="4491038" algn="l"/>
-                <a:tab pos="4940300" algn="l"/>
-                <a:tab pos="5389563" algn="l"/>
-                <a:tab pos="5838825" algn="l"/>
-                <a:tab pos="6288088" algn="l"/>
-                <a:tab pos="6737350" algn="l"/>
-                <a:tab pos="7186613" algn="l"/>
-                <a:tab pos="7635875" algn="l"/>
-                <a:tab pos="8085138" algn="l"/>
-                <a:tab pos="8534400" algn="l"/>
-                <a:tab pos="8983663" algn="l"/>
-                <a:tab pos="8985250" algn="l"/>
-                <a:tab pos="9434513" algn="l"/>
-                <a:tab pos="9883775" algn="l"/>
-              </a:tabLst>
-              <a:defRPr>
-                <a:solidFill>
-                  <a:srgbClr val="FFFFFF"/>
-                </a:solidFill>
-                <a:latin typeface="Arial" panose="020B0604020202020204" pitchFamily="34" charset="0"/>
-                <a:cs typeface="Arial" panose="020B0604020202020204" pitchFamily="34" charset="0"/>
-              </a:defRPr>
-            </a:lvl3pPr>
-            <a:lvl4pPr>
-              <a:tabLst>
-                <a:tab pos="0" algn="l"/>
-                <a:tab pos="447675" algn="l"/>
-                <a:tab pos="896938" algn="l"/>
-                <a:tab pos="1346200" algn="l"/>
-                <a:tab pos="1795463" algn="l"/>
-                <a:tab pos="2244725" algn="l"/>
-                <a:tab pos="2693988" algn="l"/>
-                <a:tab pos="3143250" algn="l"/>
-                <a:tab pos="3592513" algn="l"/>
-                <a:tab pos="4041775" algn="l"/>
-                <a:tab pos="4491038" algn="l"/>
-                <a:tab pos="4940300" algn="l"/>
-                <a:tab pos="5389563" algn="l"/>
-                <a:tab pos="5838825" algn="l"/>
-                <a:tab pos="6288088" algn="l"/>
-                <a:tab pos="6737350" algn="l"/>
-                <a:tab pos="7186613" algn="l"/>
-                <a:tab pos="7635875" algn="l"/>
-                <a:tab pos="8085138" algn="l"/>
-                <a:tab pos="8534400" algn="l"/>
-                <a:tab pos="8983663" algn="l"/>
-                <a:tab pos="8985250" algn="l"/>
-                <a:tab pos="9434513" algn="l"/>
-                <a:tab pos="9883775" algn="l"/>
-              </a:tabLst>
-              <a:defRPr>
-                <a:solidFill>
-                  <a:srgbClr val="FFFFFF"/>
-                </a:solidFill>
-                <a:latin typeface="Arial" panose="020B0604020202020204" pitchFamily="34" charset="0"/>
-                <a:cs typeface="Arial" panose="020B0604020202020204" pitchFamily="34" charset="0"/>
-              </a:defRPr>
-            </a:lvl4pPr>
-            <a:lvl5pPr>
-              <a:tabLst>
-                <a:tab pos="0" algn="l"/>
-                <a:tab pos="447675" algn="l"/>
-                <a:tab pos="896938" algn="l"/>
-                <a:tab pos="1346200" algn="l"/>
-                <a:tab pos="1795463" algn="l"/>
-                <a:tab pos="2244725" algn="l"/>
-                <a:tab pos="2693988" algn="l"/>
-                <a:tab pos="3143250" algn="l"/>
-                <a:tab pos="3592513" algn="l"/>
-                <a:tab pos="4041775" algn="l"/>
-                <a:tab pos="4491038" algn="l"/>
-                <a:tab pos="4940300" algn="l"/>
-                <a:tab pos="5389563" algn="l"/>
-                <a:tab pos="5838825" algn="l"/>
-                <a:tab pos="6288088" algn="l"/>
-                <a:tab pos="6737350" algn="l"/>
-                <a:tab pos="7186613" algn="l"/>
-                <a:tab pos="7635875" algn="l"/>
-                <a:tab pos="8085138" algn="l"/>
-                <a:tab pos="8534400" algn="l"/>
-                <a:tab pos="8983663" algn="l"/>
-                <a:tab pos="8985250" algn="l"/>
-                <a:tab pos="9434513" algn="l"/>
-                <a:tab pos="9883775" algn="l"/>
-              </a:tabLst>
-              <a:defRPr>
-                <a:solidFill>
-                  <a:srgbClr val="FFFFFF"/>
-                </a:solidFill>
-                <a:latin typeface="Arial" panose="020B0604020202020204" pitchFamily="34" charset="0"/>
-                <a:cs typeface="Arial" panose="020B0604020202020204" pitchFamily="34" charset="0"/>
-              </a:defRPr>
-            </a:lvl5pPr>
-            <a:lvl6pPr marL="2514600" indent="-228600" defTabSz="449263" eaLnBrk="0" fontAlgn="base" hangingPunct="0">
-              <a:spcBef>
-                <a:spcPct val="0"/>
-              </a:spcBef>
-              <a:spcAft>
-                <a:spcPct val="0"/>
-              </a:spcAft>
-              <a:buClr>
-                <a:srgbClr val="000000"/>
-              </a:buClr>
-              <a:buSzPct val="100000"/>
-              <a:buFont typeface="Times New Roman" panose="02020603050405020304" pitchFamily="18" charset="0"/>
-              <a:tabLst>
-                <a:tab pos="0" algn="l"/>
-                <a:tab pos="447675" algn="l"/>
-                <a:tab pos="896938" algn="l"/>
-                <a:tab pos="1346200" algn="l"/>
-                <a:tab pos="1795463" algn="l"/>
-                <a:tab pos="2244725" algn="l"/>
-                <a:tab pos="2693988" algn="l"/>
-                <a:tab pos="3143250" algn="l"/>
-                <a:tab pos="3592513" algn="l"/>
-                <a:tab pos="4041775" algn="l"/>
-                <a:tab pos="4491038" algn="l"/>
-                <a:tab pos="4940300" algn="l"/>
-                <a:tab pos="5389563" algn="l"/>
-                <a:tab pos="5838825" algn="l"/>
-                <a:tab pos="6288088" algn="l"/>
-                <a:tab pos="6737350" algn="l"/>
-                <a:tab pos="7186613" algn="l"/>
-                <a:tab pos="7635875" algn="l"/>
-                <a:tab pos="8085138" algn="l"/>
-                <a:tab pos="8534400" algn="l"/>
-                <a:tab pos="8983663" algn="l"/>
-                <a:tab pos="8985250" algn="l"/>
-                <a:tab pos="9434513" algn="l"/>
-                <a:tab pos="9883775" algn="l"/>
-              </a:tabLst>
-              <a:defRPr>
-                <a:solidFill>
-                  <a:srgbClr val="FFFFFF"/>
-                </a:solidFill>
-                <a:latin typeface="Arial" panose="020B0604020202020204" pitchFamily="34" charset="0"/>
-                <a:cs typeface="Arial" panose="020B0604020202020204" pitchFamily="34" charset="0"/>
-              </a:defRPr>
-            </a:lvl6pPr>
-            <a:lvl7pPr marL="2971800" indent="-228600" defTabSz="449263" eaLnBrk="0" fontAlgn="base" hangingPunct="0">
-              <a:spcBef>
-                <a:spcPct val="0"/>
-              </a:spcBef>
-              <a:spcAft>
-                <a:spcPct val="0"/>
-              </a:spcAft>
-              <a:buClr>
-                <a:srgbClr val="000000"/>
-              </a:buClr>
-              <a:buSzPct val="100000"/>
-              <a:buFont typeface="Times New Roman" panose="02020603050405020304" pitchFamily="18" charset="0"/>
-              <a:tabLst>
-                <a:tab pos="0" algn="l"/>
-                <a:tab pos="447675" algn="l"/>
-                <a:tab pos="896938" algn="l"/>
-                <a:tab pos="1346200" algn="l"/>
-                <a:tab pos="1795463" algn="l"/>
-                <a:tab pos="2244725" algn="l"/>
-                <a:tab pos="2693988" algn="l"/>
-                <a:tab pos="3143250" algn="l"/>
-                <a:tab pos="3592513" algn="l"/>
-                <a:tab pos="4041775" algn="l"/>
-                <a:tab pos="4491038" algn="l"/>
-                <a:tab pos="4940300" algn="l"/>
-                <a:tab pos="5389563" algn="l"/>
-                <a:tab pos="5838825" algn="l"/>
-                <a:tab pos="6288088" algn="l"/>
-                <a:tab pos="6737350" algn="l"/>
-                <a:tab pos="7186613" algn="l"/>
-                <a:tab pos="7635875" algn="l"/>
-                <a:tab pos="8085138" algn="l"/>
-                <a:tab pos="8534400" algn="l"/>
-                <a:tab pos="8983663" algn="l"/>
-                <a:tab pos="8985250" algn="l"/>
-                <a:tab pos="9434513" algn="l"/>
-                <a:tab pos="9883775" algn="l"/>
-              </a:tabLst>
-              <a:defRPr>
-                <a:solidFill>
-                  <a:srgbClr val="FFFFFF"/>
-                </a:solidFill>
-                <a:latin typeface="Arial" panose="020B0604020202020204" pitchFamily="34" charset="0"/>
-                <a:cs typeface="Arial" panose="020B0604020202020204" pitchFamily="34" charset="0"/>
-              </a:defRPr>
-            </a:lvl7pPr>
-            <a:lvl8pPr marL="3429000" indent="-228600" defTabSz="449263" eaLnBrk="0" fontAlgn="base" hangingPunct="0">
-              <a:spcBef>
-                <a:spcPct val="0"/>
-              </a:spcBef>
-              <a:spcAft>
-                <a:spcPct val="0"/>
-              </a:spcAft>
-              <a:buClr>
-                <a:srgbClr val="000000"/>
-              </a:buClr>
-              <a:buSzPct val="100000"/>
-              <a:buFont typeface="Times New Roman" panose="02020603050405020304" pitchFamily="18" charset="0"/>
-              <a:tabLst>
-                <a:tab pos="0" algn="l"/>
-                <a:tab pos="447675" algn="l"/>
-                <a:tab pos="896938" algn="l"/>
-                <a:tab pos="1346200" algn="l"/>
-                <a:tab pos="1795463" algn="l"/>
-                <a:tab pos="2244725" algn="l"/>
-                <a:tab pos="2693988" algn="l"/>
-                <a:tab pos="3143250" algn="l"/>
-                <a:tab pos="3592513" algn="l"/>
-                <a:tab pos="4041775" algn="l"/>
-                <a:tab pos="4491038" algn="l"/>
-                <a:tab pos="4940300" algn="l"/>
-                <a:tab pos="5389563" algn="l"/>
-                <a:tab pos="5838825" algn="l"/>
-                <a:tab pos="6288088" algn="l"/>
-                <a:tab pos="6737350" algn="l"/>
-                <a:tab pos="7186613" algn="l"/>
-                <a:tab pos="7635875" algn="l"/>
-                <a:tab pos="8085138" algn="l"/>
-                <a:tab pos="8534400" algn="l"/>
-                <a:tab pos="8983663" algn="l"/>
-                <a:tab pos="8985250" algn="l"/>
-                <a:tab pos="9434513" algn="l"/>
-                <a:tab pos="9883775" algn="l"/>
-              </a:tabLst>
-              <a:defRPr>
-                <a:solidFill>
-                  <a:srgbClr val="FFFFFF"/>
-                </a:solidFill>
-                <a:latin typeface="Arial" panose="020B0604020202020204" pitchFamily="34" charset="0"/>
-                <a:cs typeface="Arial" panose="020B0604020202020204" pitchFamily="34" charset="0"/>
-              </a:defRPr>
-            </a:lvl8pPr>
-            <a:lvl9pPr marL="3886200" indent="-228600" defTabSz="449263" eaLnBrk="0" fontAlgn="base" hangingPunct="0">
-              <a:spcBef>
-                <a:spcPct val="0"/>
-              </a:spcBef>
-              <a:spcAft>
-                <a:spcPct val="0"/>
-              </a:spcAft>
-              <a:buClr>
-                <a:srgbClr val="000000"/>
-              </a:buClr>
-              <a:buSzPct val="100000"/>
-              <a:buFont typeface="Times New Roman" panose="02020603050405020304" pitchFamily="18" charset="0"/>
-              <a:tabLst>
-                <a:tab pos="0" algn="l"/>
-                <a:tab pos="447675" algn="l"/>
-                <a:tab pos="896938" algn="l"/>
-                <a:tab pos="1346200" algn="l"/>
-                <a:tab pos="1795463" algn="l"/>
-                <a:tab pos="2244725" algn="l"/>
-                <a:tab pos="2693988" algn="l"/>
-                <a:tab pos="3143250" algn="l"/>
-                <a:tab pos="3592513" algn="l"/>
-                <a:tab pos="4041775" algn="l"/>
-                <a:tab pos="4491038" algn="l"/>
-                <a:tab pos="4940300" algn="l"/>
-                <a:tab pos="5389563" algn="l"/>
-                <a:tab pos="5838825" algn="l"/>
-                <a:tab pos="6288088" algn="l"/>
-                <a:tab pos="6737350" algn="l"/>
-                <a:tab pos="7186613" algn="l"/>
-                <a:tab pos="7635875" algn="l"/>
-                <a:tab pos="8085138" algn="l"/>
-                <a:tab pos="8534400" algn="l"/>
-                <a:tab pos="8983663" algn="l"/>
-                <a:tab pos="8985250" algn="l"/>
-                <a:tab pos="9434513" algn="l"/>
-                <a:tab pos="9883775" algn="l"/>
-              </a:tabLst>
-              <a:defRPr>
-                <a:solidFill>
-                  <a:srgbClr val="FFFFFF"/>
-                </a:solidFill>
-                <a:latin typeface="Arial" panose="020B0604020202020204" pitchFamily="34" charset="0"/>
-                <a:cs typeface="Arial" panose="020B0604020202020204" pitchFamily="34" charset="0"/>
-              </a:defRPr>
-            </a:lvl9pPr>
-          </a:lstStyle>
-          <a:p>
-            <a:pPr eaLnBrk="1" hangingPunct="1">
-              <a:spcBef>
-                <a:spcPts val="2250"/>
-              </a:spcBef>
-              <a:buClrTx/>
-              <a:buFontTx/>
-              <a:buNone/>
-            </a:pPr>
-            <a:r>
-              <a:rPr lang="es-ES" altLang="es-MX" sz="3600" b="1" dirty="0">
-                <a:latin typeface="Myriad Pro" pitchFamily="32" charset="0"/>
-              </a:rPr>
-              <a:t>Desarrollo</a:t>
-            </a:r>
-          </a:p>
-        </p:txBody>
-      </p:sp>
-      <p:sp>
-        <p:nvSpPr>
-          <p:cNvPr id="3098" name="Text Box 26">
-            <a:extLst>
-              <a:ext uri="{FF2B5EF4-FFF2-40B4-BE49-F238E27FC236}">
-                <a16:creationId xmlns:a16="http://schemas.microsoft.com/office/drawing/2014/main" id="{0625BF84-9B77-4851-BF01-8419FB142D3B}"/>
-              </a:ext>
-            </a:extLst>
-          </p:cNvPr>
-          <p:cNvSpPr txBox="1">
-            <a:spLocks noChangeArrowheads="1"/>
-          </p:cNvSpPr>
-          <p:nvPr/>
-        </p:nvSpPr>
-        <p:spPr bwMode="auto">
-          <a:xfrm>
-            <a:off x="2593232" y="1344613"/>
-            <a:ext cx="16773525" cy="460375"/>
-          </a:xfrm>
-          <a:prstGeom prst="rect">
-            <a:avLst/>
-          </a:prstGeom>
-          <a:noFill/>
-          <a:ln>
-            <a:noFill/>
-          </a:ln>
-          <a:effectLst/>
-          <a:extLst>
-            <a:ext uri="{909E8E84-426E-40DD-AFC4-6F175D3DCCD1}">
-              <a14:hiddenFill xmlns:a14="http://schemas.microsoft.com/office/drawing/2010/main">
-                <a:solidFill>
-                  <a:srgbClr val="FFFFFF"/>
-                </a:solidFill>
-              </a14:hiddenFill>
-            </a:ext>
-            <a:ext uri="{91240B29-F687-4F45-9708-019B960494DF}">
-              <a14:hiddenLine xmlns:a14="http://schemas.microsoft.com/office/drawing/2010/main" w="9525" cap="flat">
-                <a:solidFill>
-                  <a:srgbClr val="3465A4"/>
-                </a:solidFill>
-                <a:round/>
-                <a:headEnd/>
-                <a:tailEnd/>
-              </a14:hiddenLine>
-            </a:ext>
-            <a:ext uri="{AF507438-7753-43E0-B8FC-AC1667EBCBE1}">
-              <a14:hiddenEffects xmlns:a14="http://schemas.microsoft.com/office/drawing/2010/main">
-                <a:effectLst>
-                  <a:outerShdw dist="35921" dir="2700000" algn="ctr" rotWithShape="0">
-                    <a:srgbClr val="808080"/>
-                  </a:outerShdw>
-                </a:effectLst>
-              </a14:hiddenEffects>
-            </a:ext>
-          </a:extLst>
-        </p:spPr>
-        <p:txBody>
-          <a:bodyPr lIns="90000" tIns="46800" rIns="90000" bIns="46800">
+          <a:bodyPr wrap="square" lIns="90000" tIns="46800" rIns="90000" bIns="46800">
             <a:spAutoFit/>
           </a:bodyPr>
           <a:lstStyle>
@@ -8404,8 +8685,6 @@
                 <a:spcPts val="3750"/>
               </a:spcBef>
               <a:buClrTx/>
-              <a:buFontTx/>
-              <a:buNone/>
             </a:pPr>
             <a:r>
               <a:rPr lang="es-ES" altLang="es-MX" sz="2400" b="1" dirty="0"/>
@@ -8430,8 +8709,8 @@
         </p:nvSpPr>
         <p:spPr bwMode="auto">
           <a:xfrm>
-            <a:off x="6535990" y="2016125"/>
-            <a:ext cx="8538661" cy="371513"/>
+            <a:off x="9021169" y="2222187"/>
+            <a:ext cx="11101737" cy="371513"/>
           </a:xfrm>
           <a:prstGeom prst="rect">
             <a:avLst/>
@@ -8471,7 +8750,7 @@
           </a:extLst>
         </p:spPr>
         <p:txBody>
-          <a:bodyPr wrap="none" lIns="90000" tIns="46800" rIns="90000" bIns="46800">
+          <a:bodyPr wrap="square" lIns="90000" tIns="46800" rIns="90000" bIns="46800">
             <a:spAutoFit/>
           </a:bodyPr>
           <a:lstStyle>
@@ -8814,8 +9093,6 @@
                 <a:spcPts val="3750"/>
               </a:spcBef>
               <a:buClrTx/>
-              <a:buFontTx/>
-              <a:buNone/>
             </a:pPr>
             <a:r>
               <a:rPr lang="es-ES" altLang="es-MX" b="1" dirty="0"/>
@@ -8840,8 +9117,8 @@
         </p:nvSpPr>
         <p:spPr bwMode="auto">
           <a:xfrm>
-            <a:off x="11063680" y="3077411"/>
-            <a:ext cx="10088562" cy="642937"/>
+            <a:off x="401015" y="10989096"/>
+            <a:ext cx="13804402" cy="710067"/>
           </a:xfrm>
           <a:prstGeom prst="rect">
             <a:avLst/>
@@ -8881,7 +9158,7 @@
           </a:extLst>
         </p:spPr>
         <p:txBody>
-          <a:bodyPr lIns="90000" tIns="46800" rIns="90000" bIns="46800">
+          <a:bodyPr wrap="square" lIns="90000" tIns="46800" rIns="90000" bIns="46800">
             <a:spAutoFit/>
           </a:bodyPr>
           <a:lstStyle>
@@ -9251,11 +9528,9 @@
                 <a:spcPts val="2250"/>
               </a:spcBef>
               <a:buClrTx/>
-              <a:buFontTx/>
-              <a:buNone/>
             </a:pPr>
             <a:r>
-              <a:rPr lang="es-ES" altLang="es-MX" sz="3600" b="1" dirty="0">
+              <a:rPr lang="es-ES" altLang="es-MX" sz="4000" b="1" dirty="0">
                 <a:latin typeface="Myriad Pro" pitchFamily="32" charset="0"/>
               </a:rPr>
               <a:t>Objetivo</a:t>
@@ -9277,8 +9552,8 @@
         </p:nvSpPr>
         <p:spPr>
           <a:xfrm>
-            <a:off x="429409" y="4021138"/>
-            <a:ext cx="9936162" cy="2554545"/>
+            <a:off x="309003" y="4159695"/>
+            <a:ext cx="13691567" cy="6924973"/>
           </a:xfrm>
           <a:prstGeom prst="rect">
             <a:avLst/>
@@ -9293,7 +9568,7 @@
           <a:p>
             <a:pPr algn="just"/>
             <a:r>
-              <a:rPr lang="es-ES" altLang="es-MX" sz="3200" dirty="0">
+              <a:rPr lang="es-ES" altLang="es-MX" sz="3600" dirty="0">
                 <a:solidFill>
                   <a:srgbClr val="000000"/>
                 </a:solidFill>
@@ -9303,7 +9578,7 @@
               <a:t>El Sistema de Venta –Inventario (SVI) desarrollado para la empresa </a:t>
             </a:r>
             <a:r>
-              <a:rPr lang="es-ES" sz="3200" dirty="0" err="1">
+              <a:rPr lang="es-ES" sz="3600" dirty="0" err="1">
                 <a:solidFill>
                   <a:schemeClr val="tx1"/>
                 </a:solidFill>
@@ -9313,35 +9588,88 @@
               <a:t>SyOdIM</a:t>
             </a:r>
             <a:r>
-              <a:rPr lang="es-ES" altLang="es-MX" sz="3200" dirty="0">
+              <a:rPr lang="es-ES" altLang="es-MX" sz="3600" dirty="0">
                 <a:solidFill>
                   <a:srgbClr val="000000"/>
                 </a:solidFill>
                 <a:latin typeface="Calibri" panose="020F0502020204030204" pitchFamily="34" charset="0"/>
                 <a:cs typeface="Calibri" panose="020F0502020204030204" pitchFamily="34" charset="0"/>
               </a:rPr>
-              <a:t> esta construido en los lenguajes HTML, JAVASCRIPT, CSS y PHP apoyándonos en el </a:t>
+              <a:t> esta construido en los lenguajes HTML, JAVASCRIPT, CSS y PHP apoyándonos en el Framework XAMPP, y utilizando la plataforma GITHUB para el control de versiones. </a:t>
             </a:r>
+          </a:p>
+          <a:p>
+            <a:pPr algn="just"/>
+            <a:endParaRPr lang="es-ES" altLang="es-MX" sz="3200" dirty="0">
+              <a:solidFill>
+                <a:srgbClr val="000000"/>
+              </a:solidFill>
+              <a:latin typeface="Calibri" panose="020F0502020204030204" pitchFamily="34" charset="0"/>
+              <a:cs typeface="Calibri" panose="020F0502020204030204" pitchFamily="34" charset="0"/>
+            </a:endParaRPr>
+          </a:p>
+          <a:p>
+            <a:pPr algn="just"/>
+            <a:endParaRPr lang="es-ES" altLang="es-MX" sz="3200" dirty="0">
+              <a:solidFill>
+                <a:srgbClr val="000000"/>
+              </a:solidFill>
+              <a:latin typeface="Calibri" panose="020F0502020204030204" pitchFamily="34" charset="0"/>
+              <a:cs typeface="Calibri" panose="020F0502020204030204" pitchFamily="34" charset="0"/>
+            </a:endParaRPr>
+          </a:p>
+          <a:p>
+            <a:pPr algn="just"/>
+            <a:endParaRPr lang="es-ES" altLang="es-MX" sz="3200" dirty="0">
+              <a:solidFill>
+                <a:srgbClr val="000000"/>
+              </a:solidFill>
+              <a:latin typeface="Calibri" panose="020F0502020204030204" pitchFamily="34" charset="0"/>
+              <a:cs typeface="Calibri" panose="020F0502020204030204" pitchFamily="34" charset="0"/>
+            </a:endParaRPr>
+          </a:p>
+          <a:p>
+            <a:pPr algn="just"/>
+            <a:endParaRPr lang="es-ES" altLang="es-MX" sz="3200" dirty="0">
+              <a:solidFill>
+                <a:srgbClr val="000000"/>
+              </a:solidFill>
+              <a:latin typeface="Calibri" panose="020F0502020204030204" pitchFamily="34" charset="0"/>
+              <a:cs typeface="Calibri" panose="020F0502020204030204" pitchFamily="34" charset="0"/>
+            </a:endParaRPr>
+          </a:p>
+          <a:p>
+            <a:pPr algn="just"/>
+            <a:endParaRPr lang="es-ES" altLang="es-MX" sz="3200" dirty="0">
+              <a:solidFill>
+                <a:srgbClr val="000000"/>
+              </a:solidFill>
+              <a:latin typeface="Calibri" panose="020F0502020204030204" pitchFamily="34" charset="0"/>
+              <a:cs typeface="Calibri" panose="020F0502020204030204" pitchFamily="34" charset="0"/>
+            </a:endParaRPr>
+          </a:p>
+          <a:p>
+            <a:pPr algn="just"/>
             <a:r>
-              <a:rPr lang="es-ES" altLang="es-MX" sz="3200" dirty="0" err="1">
+              <a:rPr lang="es-ES" altLang="es-MX" sz="3600" dirty="0">
                 <a:solidFill>
                   <a:srgbClr val="000000"/>
                 </a:solidFill>
                 <a:latin typeface="Calibri" panose="020F0502020204030204" pitchFamily="34" charset="0"/>
                 <a:cs typeface="Calibri" panose="020F0502020204030204" pitchFamily="34" charset="0"/>
               </a:rPr>
-              <a:t>framework</a:t>
+              <a:t>El sistema funge como una herramienta que va a facilitar y aumentar la venta de productos, alcanzando a mas clientes y facilitando su interacción con la tienda.</a:t>
             </a:r>
-            <a:r>
-              <a:rPr lang="es-ES" altLang="es-MX" sz="3200" dirty="0">
-                <a:solidFill>
-                  <a:srgbClr val="000000"/>
-                </a:solidFill>
-                <a:latin typeface="Calibri" panose="020F0502020204030204" pitchFamily="34" charset="0"/>
-                <a:cs typeface="Calibri" panose="020F0502020204030204" pitchFamily="34" charset="0"/>
-              </a:rPr>
-              <a:t> XAMPP, y utilizando la plataforma GITHUB para el control de versiones. </a:t>
-            </a:r>
+          </a:p>
+          <a:p>
+            <a:pPr algn="just"/>
+            <a:endParaRPr lang="es-ES" altLang="es-MX" sz="3200" dirty="0">
+              <a:solidFill>
+                <a:srgbClr val="000000"/>
+              </a:solidFill>
+              <a:latin typeface="Calibri" panose="020F0502020204030204" pitchFamily="34" charset="0"/>
+              <a:cs typeface="Calibri" panose="020F0502020204030204" pitchFamily="34" charset="0"/>
+            </a:endParaRPr>
           </a:p>
         </p:txBody>
       </p:sp>
@@ -9361,8 +9689,8 @@
         </p:nvSpPr>
         <p:spPr bwMode="auto">
           <a:xfrm>
-            <a:off x="10946160" y="3956053"/>
-            <a:ext cx="10164763" cy="3100956"/>
+            <a:off x="306671" y="11851064"/>
+            <a:ext cx="13908670" cy="2147948"/>
           </a:xfrm>
           <a:prstGeom prst="rect">
             <a:avLst/>
@@ -9785,8 +10113,8 @@
         </p:nvSpPr>
         <p:spPr>
           <a:xfrm>
-            <a:off x="11070069" y="4054428"/>
-            <a:ext cx="9936162" cy="3046988"/>
+            <a:off x="407404" y="11966112"/>
+            <a:ext cx="13773144" cy="1754326"/>
           </a:xfrm>
           <a:prstGeom prst="rect">
             <a:avLst/>
@@ -9801,27 +10129,14 @@
           <a:p>
             <a:pPr algn="just"/>
             <a:r>
-              <a:rPr lang="es-ES" altLang="es-MX" sz="3200" dirty="0">
+              <a:rPr lang="es-ES" altLang="es-MX" sz="3600" dirty="0">
                 <a:solidFill>
                   <a:srgbClr val="000000"/>
                 </a:solidFill>
                 <a:latin typeface="Calibri" panose="020F0502020204030204" pitchFamily="34" charset="0"/>
                 <a:cs typeface="Calibri" panose="020F0502020204030204" pitchFamily="34" charset="0"/>
               </a:rPr>
-              <a:t>Desarrollar un SVI con las especificaciones pedidas del cliente, con un diseño intuitivo, rapidez y fiabilidad y así poder asegurar el aumento de ventas.</a:t>
-            </a:r>
-          </a:p>
-          <a:p>
-            <a:pPr algn="just"/>
-            <a:r>
-              <a:rPr lang="es-ES" altLang="es-MX" sz="3200" dirty="0">
-                <a:solidFill>
-                  <a:srgbClr val="000000"/>
-                </a:solidFill>
-                <a:latin typeface="Calibri" panose="020F0502020204030204" pitchFamily="34" charset="0"/>
-                <a:cs typeface="Calibri" panose="020F0502020204030204" pitchFamily="34" charset="0"/>
-              </a:rPr>
-              <a:t>El sistema funge como una herramienta que va a facilitar y aumentar la venta de productos, alcanzando a mas clientes y facilitando su interacción con la tienda.</a:t>
+              <a:t>Desarrollar un SVI con las especificaciones pedidas del cliente, con un diseño intuitivo, responsivo y fiable, asegurando así el aumento de ventas para el cliente y mayor eficiencia en el manejo de su inventario.</a:t>
             </a:r>
           </a:p>
         </p:txBody>
@@ -9842,8 +10157,8 @@
         </p:nvSpPr>
         <p:spPr bwMode="auto">
           <a:xfrm>
-            <a:off x="430554" y="8553624"/>
-            <a:ext cx="10164763" cy="933604"/>
+            <a:off x="324816" y="14335361"/>
+            <a:ext cx="14007897" cy="933604"/>
           </a:xfrm>
           <a:prstGeom prst="rect">
             <a:avLst/>
@@ -9896,8 +10211,8 @@
         </p:nvSpPr>
         <p:spPr bwMode="auto">
           <a:xfrm>
-            <a:off x="763953" y="8756995"/>
-            <a:ext cx="10088562" cy="642937"/>
+            <a:off x="658213" y="14471527"/>
+            <a:ext cx="13902885" cy="710067"/>
           </a:xfrm>
           <a:prstGeom prst="rect">
             <a:avLst/>
@@ -9937,7 +10252,7 @@
           </a:extLst>
         </p:spPr>
         <p:txBody>
-          <a:bodyPr lIns="90000" tIns="46800" rIns="90000" bIns="46800">
+          <a:bodyPr wrap="square" lIns="90000" tIns="46800" rIns="90000" bIns="46800">
             <a:spAutoFit/>
           </a:bodyPr>
           <a:lstStyle>
@@ -10307,441 +10622,13 @@
                 <a:spcPts val="2250"/>
               </a:spcBef>
               <a:buClrTx/>
-              <a:buFontTx/>
-              <a:buNone/>
             </a:pPr>
             <a:r>
-              <a:rPr lang="es-ES" altLang="es-MX" sz="3600" b="1" dirty="0">
+              <a:rPr lang="es-ES" altLang="es-MX" sz="4000" b="1" dirty="0">
                 <a:latin typeface="Myriad Pro" pitchFamily="32" charset="0"/>
               </a:rPr>
               <a:t>Requerimientos</a:t>
             </a:r>
-          </a:p>
-        </p:txBody>
-      </p:sp>
-      <p:sp>
-        <p:nvSpPr>
-          <p:cNvPr id="50" name="Rectangle 23">
-            <a:extLst>
-              <a:ext uri="{FF2B5EF4-FFF2-40B4-BE49-F238E27FC236}">
-                <a16:creationId xmlns:a16="http://schemas.microsoft.com/office/drawing/2014/main" id="{B31FDD89-95C9-4890-B3FD-EDC50FB2EFA4}"/>
-              </a:ext>
-            </a:extLst>
-          </p:cNvPr>
-          <p:cNvSpPr>
-            <a:spLocks noChangeArrowheads="1"/>
-          </p:cNvSpPr>
-          <p:nvPr/>
-        </p:nvSpPr>
-        <p:spPr bwMode="auto">
-          <a:xfrm>
-            <a:off x="10938957" y="15828591"/>
-            <a:ext cx="10164763" cy="6784945"/>
-          </a:xfrm>
-          <a:prstGeom prst="rect">
-            <a:avLst/>
-          </a:prstGeom>
-          <a:solidFill>
-            <a:srgbClr val="FFFFFF"/>
-          </a:solidFill>
-          <a:ln w="9360" cap="sq">
-            <a:solidFill>
-              <a:srgbClr val="000000"/>
-            </a:solidFill>
-            <a:miter lim="800000"/>
-            <a:headEnd/>
-            <a:tailEnd/>
-          </a:ln>
-          <a:effectLst>
-            <a:outerShdw dist="153010" dir="2906018" algn="ctr" rotWithShape="0">
-              <a:srgbClr val="292929">
-                <a:alpha val="50027"/>
-              </a:srgbClr>
-            </a:outerShdw>
-          </a:effectLst>
-        </p:spPr>
-        <p:txBody>
-          <a:bodyPr wrap="none" lIns="90000" tIns="46800" rIns="90000" bIns="46800" anchor="ctr"/>
-          <a:lstStyle>
-            <a:lvl1pPr>
-              <a:tabLst>
-                <a:tab pos="0" algn="l"/>
-                <a:tab pos="447675" algn="l"/>
-                <a:tab pos="896938" algn="l"/>
-                <a:tab pos="1346200" algn="l"/>
-                <a:tab pos="1795463" algn="l"/>
-                <a:tab pos="2244725" algn="l"/>
-                <a:tab pos="2693988" algn="l"/>
-                <a:tab pos="3143250" algn="l"/>
-                <a:tab pos="3592513" algn="l"/>
-                <a:tab pos="4041775" algn="l"/>
-                <a:tab pos="4491038" algn="l"/>
-                <a:tab pos="4940300" algn="l"/>
-                <a:tab pos="5389563" algn="l"/>
-                <a:tab pos="5838825" algn="l"/>
-                <a:tab pos="6288088" algn="l"/>
-                <a:tab pos="6737350" algn="l"/>
-                <a:tab pos="7186613" algn="l"/>
-                <a:tab pos="7635875" algn="l"/>
-                <a:tab pos="8085138" algn="l"/>
-                <a:tab pos="8534400" algn="l"/>
-                <a:tab pos="8983663" algn="l"/>
-                <a:tab pos="8985250" algn="l"/>
-                <a:tab pos="9434513" algn="l"/>
-                <a:tab pos="9883775" algn="l"/>
-              </a:tabLst>
-              <a:defRPr>
-                <a:solidFill>
-                  <a:srgbClr val="FFFFFF"/>
-                </a:solidFill>
-                <a:latin typeface="Arial" panose="020B0604020202020204" pitchFamily="34" charset="0"/>
-                <a:cs typeface="Arial" panose="020B0604020202020204" pitchFamily="34" charset="0"/>
-              </a:defRPr>
-            </a:lvl1pPr>
-            <a:lvl2pPr>
-              <a:tabLst>
-                <a:tab pos="0" algn="l"/>
-                <a:tab pos="447675" algn="l"/>
-                <a:tab pos="896938" algn="l"/>
-                <a:tab pos="1346200" algn="l"/>
-                <a:tab pos="1795463" algn="l"/>
-                <a:tab pos="2244725" algn="l"/>
-                <a:tab pos="2693988" algn="l"/>
-                <a:tab pos="3143250" algn="l"/>
-                <a:tab pos="3592513" algn="l"/>
-                <a:tab pos="4041775" algn="l"/>
-                <a:tab pos="4491038" algn="l"/>
-                <a:tab pos="4940300" algn="l"/>
-                <a:tab pos="5389563" algn="l"/>
-                <a:tab pos="5838825" algn="l"/>
-                <a:tab pos="6288088" algn="l"/>
-                <a:tab pos="6737350" algn="l"/>
-                <a:tab pos="7186613" algn="l"/>
-                <a:tab pos="7635875" algn="l"/>
-                <a:tab pos="8085138" algn="l"/>
-                <a:tab pos="8534400" algn="l"/>
-                <a:tab pos="8983663" algn="l"/>
-                <a:tab pos="8985250" algn="l"/>
-                <a:tab pos="9434513" algn="l"/>
-                <a:tab pos="9883775" algn="l"/>
-              </a:tabLst>
-              <a:defRPr>
-                <a:solidFill>
-                  <a:srgbClr val="FFFFFF"/>
-                </a:solidFill>
-                <a:latin typeface="Arial" panose="020B0604020202020204" pitchFamily="34" charset="0"/>
-                <a:cs typeface="Arial" panose="020B0604020202020204" pitchFamily="34" charset="0"/>
-              </a:defRPr>
-            </a:lvl2pPr>
-            <a:lvl3pPr>
-              <a:tabLst>
-                <a:tab pos="0" algn="l"/>
-                <a:tab pos="447675" algn="l"/>
-                <a:tab pos="896938" algn="l"/>
-                <a:tab pos="1346200" algn="l"/>
-                <a:tab pos="1795463" algn="l"/>
-                <a:tab pos="2244725" algn="l"/>
-                <a:tab pos="2693988" algn="l"/>
-                <a:tab pos="3143250" algn="l"/>
-                <a:tab pos="3592513" algn="l"/>
-                <a:tab pos="4041775" algn="l"/>
-                <a:tab pos="4491038" algn="l"/>
-                <a:tab pos="4940300" algn="l"/>
-                <a:tab pos="5389563" algn="l"/>
-                <a:tab pos="5838825" algn="l"/>
-                <a:tab pos="6288088" algn="l"/>
-                <a:tab pos="6737350" algn="l"/>
-                <a:tab pos="7186613" algn="l"/>
-                <a:tab pos="7635875" algn="l"/>
-                <a:tab pos="8085138" algn="l"/>
-                <a:tab pos="8534400" algn="l"/>
-                <a:tab pos="8983663" algn="l"/>
-                <a:tab pos="8985250" algn="l"/>
-                <a:tab pos="9434513" algn="l"/>
-                <a:tab pos="9883775" algn="l"/>
-              </a:tabLst>
-              <a:defRPr>
-                <a:solidFill>
-                  <a:srgbClr val="FFFFFF"/>
-                </a:solidFill>
-                <a:latin typeface="Arial" panose="020B0604020202020204" pitchFamily="34" charset="0"/>
-                <a:cs typeface="Arial" panose="020B0604020202020204" pitchFamily="34" charset="0"/>
-              </a:defRPr>
-            </a:lvl3pPr>
-            <a:lvl4pPr>
-              <a:tabLst>
-                <a:tab pos="0" algn="l"/>
-                <a:tab pos="447675" algn="l"/>
-                <a:tab pos="896938" algn="l"/>
-                <a:tab pos="1346200" algn="l"/>
-                <a:tab pos="1795463" algn="l"/>
-                <a:tab pos="2244725" algn="l"/>
-                <a:tab pos="2693988" algn="l"/>
-                <a:tab pos="3143250" algn="l"/>
-                <a:tab pos="3592513" algn="l"/>
-                <a:tab pos="4041775" algn="l"/>
-                <a:tab pos="4491038" algn="l"/>
-                <a:tab pos="4940300" algn="l"/>
-                <a:tab pos="5389563" algn="l"/>
-                <a:tab pos="5838825" algn="l"/>
-                <a:tab pos="6288088" algn="l"/>
-                <a:tab pos="6737350" algn="l"/>
-                <a:tab pos="7186613" algn="l"/>
-                <a:tab pos="7635875" algn="l"/>
-                <a:tab pos="8085138" algn="l"/>
-                <a:tab pos="8534400" algn="l"/>
-                <a:tab pos="8983663" algn="l"/>
-                <a:tab pos="8985250" algn="l"/>
-                <a:tab pos="9434513" algn="l"/>
-                <a:tab pos="9883775" algn="l"/>
-              </a:tabLst>
-              <a:defRPr>
-                <a:solidFill>
-                  <a:srgbClr val="FFFFFF"/>
-                </a:solidFill>
-                <a:latin typeface="Arial" panose="020B0604020202020204" pitchFamily="34" charset="0"/>
-                <a:cs typeface="Arial" panose="020B0604020202020204" pitchFamily="34" charset="0"/>
-              </a:defRPr>
-            </a:lvl4pPr>
-            <a:lvl5pPr>
-              <a:tabLst>
-                <a:tab pos="0" algn="l"/>
-                <a:tab pos="447675" algn="l"/>
-                <a:tab pos="896938" algn="l"/>
-                <a:tab pos="1346200" algn="l"/>
-                <a:tab pos="1795463" algn="l"/>
-                <a:tab pos="2244725" algn="l"/>
-                <a:tab pos="2693988" algn="l"/>
-                <a:tab pos="3143250" algn="l"/>
-                <a:tab pos="3592513" algn="l"/>
-                <a:tab pos="4041775" algn="l"/>
-                <a:tab pos="4491038" algn="l"/>
-                <a:tab pos="4940300" algn="l"/>
-                <a:tab pos="5389563" algn="l"/>
-                <a:tab pos="5838825" algn="l"/>
-                <a:tab pos="6288088" algn="l"/>
-                <a:tab pos="6737350" algn="l"/>
-                <a:tab pos="7186613" algn="l"/>
-                <a:tab pos="7635875" algn="l"/>
-                <a:tab pos="8085138" algn="l"/>
-                <a:tab pos="8534400" algn="l"/>
-                <a:tab pos="8983663" algn="l"/>
-                <a:tab pos="8985250" algn="l"/>
-                <a:tab pos="9434513" algn="l"/>
-                <a:tab pos="9883775" algn="l"/>
-              </a:tabLst>
-              <a:defRPr>
-                <a:solidFill>
-                  <a:srgbClr val="FFFFFF"/>
-                </a:solidFill>
-                <a:latin typeface="Arial" panose="020B0604020202020204" pitchFamily="34" charset="0"/>
-                <a:cs typeface="Arial" panose="020B0604020202020204" pitchFamily="34" charset="0"/>
-              </a:defRPr>
-            </a:lvl5pPr>
-            <a:lvl6pPr marL="2514600" indent="-228600" defTabSz="449263" eaLnBrk="0" fontAlgn="base" hangingPunct="0">
-              <a:spcBef>
-                <a:spcPct val="0"/>
-              </a:spcBef>
-              <a:spcAft>
-                <a:spcPct val="0"/>
-              </a:spcAft>
-              <a:buClr>
-                <a:srgbClr val="000000"/>
-              </a:buClr>
-              <a:buSzPct val="100000"/>
-              <a:buFont typeface="Times New Roman" panose="02020603050405020304" pitchFamily="18" charset="0"/>
-              <a:tabLst>
-                <a:tab pos="0" algn="l"/>
-                <a:tab pos="447675" algn="l"/>
-                <a:tab pos="896938" algn="l"/>
-                <a:tab pos="1346200" algn="l"/>
-                <a:tab pos="1795463" algn="l"/>
-                <a:tab pos="2244725" algn="l"/>
-                <a:tab pos="2693988" algn="l"/>
-                <a:tab pos="3143250" algn="l"/>
-                <a:tab pos="3592513" algn="l"/>
-                <a:tab pos="4041775" algn="l"/>
-                <a:tab pos="4491038" algn="l"/>
-                <a:tab pos="4940300" algn="l"/>
-                <a:tab pos="5389563" algn="l"/>
-                <a:tab pos="5838825" algn="l"/>
-                <a:tab pos="6288088" algn="l"/>
-                <a:tab pos="6737350" algn="l"/>
-                <a:tab pos="7186613" algn="l"/>
-                <a:tab pos="7635875" algn="l"/>
-                <a:tab pos="8085138" algn="l"/>
-                <a:tab pos="8534400" algn="l"/>
-                <a:tab pos="8983663" algn="l"/>
-                <a:tab pos="8985250" algn="l"/>
-                <a:tab pos="9434513" algn="l"/>
-                <a:tab pos="9883775" algn="l"/>
-              </a:tabLst>
-              <a:defRPr>
-                <a:solidFill>
-                  <a:srgbClr val="FFFFFF"/>
-                </a:solidFill>
-                <a:latin typeface="Arial" panose="020B0604020202020204" pitchFamily="34" charset="0"/>
-                <a:cs typeface="Arial" panose="020B0604020202020204" pitchFamily="34" charset="0"/>
-              </a:defRPr>
-            </a:lvl6pPr>
-            <a:lvl7pPr marL="2971800" indent="-228600" defTabSz="449263" eaLnBrk="0" fontAlgn="base" hangingPunct="0">
-              <a:spcBef>
-                <a:spcPct val="0"/>
-              </a:spcBef>
-              <a:spcAft>
-                <a:spcPct val="0"/>
-              </a:spcAft>
-              <a:buClr>
-                <a:srgbClr val="000000"/>
-              </a:buClr>
-              <a:buSzPct val="100000"/>
-              <a:buFont typeface="Times New Roman" panose="02020603050405020304" pitchFamily="18" charset="0"/>
-              <a:tabLst>
-                <a:tab pos="0" algn="l"/>
-                <a:tab pos="447675" algn="l"/>
-                <a:tab pos="896938" algn="l"/>
-                <a:tab pos="1346200" algn="l"/>
-                <a:tab pos="1795463" algn="l"/>
-                <a:tab pos="2244725" algn="l"/>
-                <a:tab pos="2693988" algn="l"/>
-                <a:tab pos="3143250" algn="l"/>
-                <a:tab pos="3592513" algn="l"/>
-                <a:tab pos="4041775" algn="l"/>
-                <a:tab pos="4491038" algn="l"/>
-                <a:tab pos="4940300" algn="l"/>
-                <a:tab pos="5389563" algn="l"/>
-                <a:tab pos="5838825" algn="l"/>
-                <a:tab pos="6288088" algn="l"/>
-                <a:tab pos="6737350" algn="l"/>
-                <a:tab pos="7186613" algn="l"/>
-                <a:tab pos="7635875" algn="l"/>
-                <a:tab pos="8085138" algn="l"/>
-                <a:tab pos="8534400" algn="l"/>
-                <a:tab pos="8983663" algn="l"/>
-                <a:tab pos="8985250" algn="l"/>
-                <a:tab pos="9434513" algn="l"/>
-                <a:tab pos="9883775" algn="l"/>
-              </a:tabLst>
-              <a:defRPr>
-                <a:solidFill>
-                  <a:srgbClr val="FFFFFF"/>
-                </a:solidFill>
-                <a:latin typeface="Arial" panose="020B0604020202020204" pitchFamily="34" charset="0"/>
-                <a:cs typeface="Arial" panose="020B0604020202020204" pitchFamily="34" charset="0"/>
-              </a:defRPr>
-            </a:lvl7pPr>
-            <a:lvl8pPr marL="3429000" indent="-228600" defTabSz="449263" eaLnBrk="0" fontAlgn="base" hangingPunct="0">
-              <a:spcBef>
-                <a:spcPct val="0"/>
-              </a:spcBef>
-              <a:spcAft>
-                <a:spcPct val="0"/>
-              </a:spcAft>
-              <a:buClr>
-                <a:srgbClr val="000000"/>
-              </a:buClr>
-              <a:buSzPct val="100000"/>
-              <a:buFont typeface="Times New Roman" panose="02020603050405020304" pitchFamily="18" charset="0"/>
-              <a:tabLst>
-                <a:tab pos="0" algn="l"/>
-                <a:tab pos="447675" algn="l"/>
-                <a:tab pos="896938" algn="l"/>
-                <a:tab pos="1346200" algn="l"/>
-                <a:tab pos="1795463" algn="l"/>
-                <a:tab pos="2244725" algn="l"/>
-                <a:tab pos="2693988" algn="l"/>
-                <a:tab pos="3143250" algn="l"/>
-                <a:tab pos="3592513" algn="l"/>
-                <a:tab pos="4041775" algn="l"/>
-                <a:tab pos="4491038" algn="l"/>
-                <a:tab pos="4940300" algn="l"/>
-                <a:tab pos="5389563" algn="l"/>
-                <a:tab pos="5838825" algn="l"/>
-                <a:tab pos="6288088" algn="l"/>
-                <a:tab pos="6737350" algn="l"/>
-                <a:tab pos="7186613" algn="l"/>
-                <a:tab pos="7635875" algn="l"/>
-                <a:tab pos="8085138" algn="l"/>
-                <a:tab pos="8534400" algn="l"/>
-                <a:tab pos="8983663" algn="l"/>
-                <a:tab pos="8985250" algn="l"/>
-                <a:tab pos="9434513" algn="l"/>
-                <a:tab pos="9883775" algn="l"/>
-              </a:tabLst>
-              <a:defRPr>
-                <a:solidFill>
-                  <a:srgbClr val="FFFFFF"/>
-                </a:solidFill>
-                <a:latin typeface="Arial" panose="020B0604020202020204" pitchFamily="34" charset="0"/>
-                <a:cs typeface="Arial" panose="020B0604020202020204" pitchFamily="34" charset="0"/>
-              </a:defRPr>
-            </a:lvl8pPr>
-            <a:lvl9pPr marL="3886200" indent="-228600" defTabSz="449263" eaLnBrk="0" fontAlgn="base" hangingPunct="0">
-              <a:spcBef>
-                <a:spcPct val="0"/>
-              </a:spcBef>
-              <a:spcAft>
-                <a:spcPct val="0"/>
-              </a:spcAft>
-              <a:buClr>
-                <a:srgbClr val="000000"/>
-              </a:buClr>
-              <a:buSzPct val="100000"/>
-              <a:buFont typeface="Times New Roman" panose="02020603050405020304" pitchFamily="18" charset="0"/>
-              <a:tabLst>
-                <a:tab pos="0" algn="l"/>
-                <a:tab pos="447675" algn="l"/>
-                <a:tab pos="896938" algn="l"/>
-                <a:tab pos="1346200" algn="l"/>
-                <a:tab pos="1795463" algn="l"/>
-                <a:tab pos="2244725" algn="l"/>
-                <a:tab pos="2693988" algn="l"/>
-                <a:tab pos="3143250" algn="l"/>
-                <a:tab pos="3592513" algn="l"/>
-                <a:tab pos="4041775" algn="l"/>
-                <a:tab pos="4491038" algn="l"/>
-                <a:tab pos="4940300" algn="l"/>
-                <a:tab pos="5389563" algn="l"/>
-                <a:tab pos="5838825" algn="l"/>
-                <a:tab pos="6288088" algn="l"/>
-                <a:tab pos="6737350" algn="l"/>
-                <a:tab pos="7186613" algn="l"/>
-                <a:tab pos="7635875" algn="l"/>
-                <a:tab pos="8085138" algn="l"/>
-                <a:tab pos="8534400" algn="l"/>
-                <a:tab pos="8983663" algn="l"/>
-                <a:tab pos="8985250" algn="l"/>
-                <a:tab pos="9434513" algn="l"/>
-                <a:tab pos="9883775" algn="l"/>
-              </a:tabLst>
-              <a:defRPr>
-                <a:solidFill>
-                  <a:srgbClr val="FFFFFF"/>
-                </a:solidFill>
-                <a:latin typeface="Arial" panose="020B0604020202020204" pitchFamily="34" charset="0"/>
-                <a:cs typeface="Arial" panose="020B0604020202020204" pitchFamily="34" charset="0"/>
-              </a:defRPr>
-            </a:lvl9pPr>
-          </a:lstStyle>
-          <a:p>
-            <a:pPr algn="just" eaLnBrk="1" hangingPunct="1">
-              <a:buClrTx/>
-              <a:buFontTx/>
-              <a:buNone/>
-            </a:pPr>
-            <a:r>
-              <a:rPr lang="es-ES" altLang="es-MX">
-                <a:solidFill>
-                  <a:srgbClr val="000000"/>
-                </a:solidFill>
-              </a:rPr>
-              <a:t>.</a:t>
-            </a:r>
-            <a:endParaRPr lang="es-ES" altLang="es-MX" dirty="0">
-              <a:solidFill>
-                <a:srgbClr val="000000"/>
-              </a:solidFill>
-            </a:endParaRPr>
           </a:p>
         </p:txBody>
       </p:sp>
@@ -10760,7 +10647,7 @@
           <p:nvPr/>
         </p:nvPicPr>
         <p:blipFill>
-          <a:blip r:embed="rId4">
+          <a:blip r:embed="rId5">
             <a:extLst>
               <a:ext uri="{28A0092B-C50C-407E-A947-70E740481C1C}">
                 <a14:useLocalDpi xmlns:a14="http://schemas.microsoft.com/office/drawing/2010/main" val="0"/>
@@ -10774,8 +10661,8 @@
         </p:blipFill>
         <p:spPr bwMode="auto">
           <a:xfrm>
-            <a:off x="11123548" y="16321592"/>
-            <a:ext cx="9921700" cy="5814646"/>
+            <a:off x="590346" y="29305175"/>
+            <a:ext cx="13410224" cy="4811103"/>
           </a:xfrm>
           <a:prstGeom prst="rect">
             <a:avLst/>
@@ -10808,8 +10695,8 @@
         </p:nvSpPr>
         <p:spPr bwMode="auto">
           <a:xfrm>
-            <a:off x="441699" y="15157629"/>
-            <a:ext cx="10166350" cy="1044575"/>
+            <a:off x="366744" y="20868178"/>
+            <a:ext cx="13970118" cy="1044575"/>
           </a:xfrm>
           <a:prstGeom prst="rect">
             <a:avLst/>
@@ -10862,8 +10749,8 @@
         </p:nvSpPr>
         <p:spPr bwMode="auto">
           <a:xfrm>
-            <a:off x="708819" y="15431460"/>
-            <a:ext cx="10088562" cy="642938"/>
+            <a:off x="440976" y="21027403"/>
+            <a:ext cx="13863225" cy="710067"/>
           </a:xfrm>
           <a:prstGeom prst="rect">
             <a:avLst/>
@@ -10903,7 +10790,7 @@
           </a:extLst>
         </p:spPr>
         <p:txBody>
-          <a:bodyPr lIns="90000" tIns="46800" rIns="90000" bIns="46800">
+          <a:bodyPr wrap="square" lIns="90000" tIns="46800" rIns="90000" bIns="46800">
             <a:spAutoFit/>
           </a:bodyPr>
           <a:lstStyle>
@@ -11273,14 +11160,18 @@
                 <a:spcPts val="2250"/>
               </a:spcBef>
               <a:buClrTx/>
-              <a:buFontTx/>
-              <a:buNone/>
             </a:pPr>
+            <a:r>
+              <a:rPr lang="es-ES" altLang="es-MX" sz="4000" b="1" dirty="0">
+                <a:latin typeface="Myriad Pro" pitchFamily="32" charset="0"/>
+              </a:rPr>
+              <a:t>Análisis</a:t>
+            </a:r>
             <a:r>
               <a:rPr lang="es-ES" altLang="es-MX" sz="3600" b="1" dirty="0">
                 <a:latin typeface="Myriad Pro" pitchFamily="32" charset="0"/>
               </a:rPr>
-              <a:t>Análisis de riesgos</a:t>
+              <a:t> de riesgos</a:t>
             </a:r>
           </a:p>
         </p:txBody>
@@ -11300,7 +11191,7 @@
           <p:nvPr/>
         </p:nvPicPr>
         <p:blipFill>
-          <a:blip r:embed="rId5">
+          <a:blip r:embed="rId6">
             <a:extLst>
               <a:ext uri="{28A0092B-C50C-407E-A947-70E740481C1C}">
                 <a14:useLocalDpi xmlns:a14="http://schemas.microsoft.com/office/drawing/2010/main" val="0"/>
@@ -11313,7 +11204,7 @@
         </p:blipFill>
         <p:spPr>
           <a:xfrm>
-            <a:off x="498981" y="16309835"/>
+            <a:off x="2467117" y="21989497"/>
             <a:ext cx="9903521" cy="5514333"/>
           </a:xfrm>
           <a:prstGeom prst="rect">
@@ -11337,8 +11228,8 @@
         </p:nvSpPr>
         <p:spPr bwMode="auto">
           <a:xfrm>
-            <a:off x="10935934" y="23913548"/>
-            <a:ext cx="10129146" cy="6978109"/>
+            <a:off x="14793933" y="35044268"/>
+            <a:ext cx="11593288" cy="4850988"/>
           </a:xfrm>
           <a:prstGeom prst="rect">
             <a:avLst/>
@@ -11763,8 +11654,8 @@
         </p:nvSpPr>
         <p:spPr bwMode="auto">
           <a:xfrm>
-            <a:off x="11031218" y="22868973"/>
-            <a:ext cx="10166350" cy="1044575"/>
+            <a:off x="14782360" y="33999693"/>
+            <a:ext cx="11599385" cy="1044575"/>
           </a:xfrm>
           <a:prstGeom prst="rect">
             <a:avLst/>
@@ -11817,8 +11708,8 @@
         </p:nvSpPr>
         <p:spPr bwMode="auto">
           <a:xfrm>
-            <a:off x="11103324" y="23088117"/>
-            <a:ext cx="9738724" cy="642938"/>
+            <a:off x="14868455" y="34127498"/>
+            <a:ext cx="11466105" cy="648512"/>
           </a:xfrm>
           <a:prstGeom prst="rect">
             <a:avLst/>
@@ -12223,13 +12114,11 @@
             </a:lvl9pPr>
           </a:lstStyle>
           <a:p>
-            <a:pPr eaLnBrk="1" hangingPunct="1">
+            <a:pPr algn="ctr" eaLnBrk="1" hangingPunct="1">
               <a:spcBef>
                 <a:spcPts val="2250"/>
               </a:spcBef>
               <a:buClrTx/>
-              <a:buFontTx/>
-              <a:buNone/>
             </a:pPr>
             <a:r>
               <a:rPr lang="es-ES" altLang="es-MX" sz="3600" b="1" dirty="0">
@@ -12240,320 +12129,6 @@
           </a:p>
         </p:txBody>
       </p:sp>
-      <p:pic>
-        <p:nvPicPr>
-          <p:cNvPr id="6" name="Imagen 5">
-            <a:extLst>
-              <a:ext uri="{FF2B5EF4-FFF2-40B4-BE49-F238E27FC236}">
-                <a16:creationId xmlns:a16="http://schemas.microsoft.com/office/drawing/2014/main" id="{47BA8253-BC67-4A2A-B46D-DF9D0309F7F5}"/>
-              </a:ext>
-            </a:extLst>
-          </p:cNvPr>
-          <p:cNvPicPr>
-            <a:picLocks noChangeAspect="1"/>
-          </p:cNvPicPr>
-          <p:nvPr/>
-        </p:nvPicPr>
-        <p:blipFill>
-          <a:blip r:embed="rId6">
-            <a:extLst>
-              <a:ext uri="{28A0092B-C50C-407E-A947-70E740481C1C}">
-                <a14:useLocalDpi xmlns:a14="http://schemas.microsoft.com/office/drawing/2010/main" val="0"/>
-              </a:ext>
-            </a:extLst>
-          </a:blip>
-          <a:stretch>
-            <a:fillRect/>
-          </a:stretch>
-        </p:blipFill>
-        <p:spPr>
-          <a:xfrm>
-            <a:off x="545218" y="23471236"/>
-            <a:ext cx="9915701" cy="3394615"/>
-          </a:xfrm>
-          <a:prstGeom prst="rect">
-            <a:avLst/>
-          </a:prstGeom>
-        </p:spPr>
-      </p:pic>
-      <p:pic>
-        <p:nvPicPr>
-          <p:cNvPr id="1026" name="Picture 2" descr="https://lh5.googleusercontent.com/bq4Tv0AjBhppA1lNvuA7INmefR9lyfBSyo8ANWK6HllsevLiP2jm-uoyY_F0qZBoXsOSCwP2P8MDDVxkkuXRJxaODhJDwGU2NLTVqxuCQG_jwGRNxI8NOQyMurSfW1AqnnMN9RD8">
-            <a:extLst>
-              <a:ext uri="{FF2B5EF4-FFF2-40B4-BE49-F238E27FC236}">
-                <a16:creationId xmlns:a16="http://schemas.microsoft.com/office/drawing/2014/main" id="{46B3584F-1B22-4DC3-829A-85A65FCEAA7E}"/>
-              </a:ext>
-            </a:extLst>
-          </p:cNvPr>
-          <p:cNvPicPr>
-            <a:picLocks noChangeAspect="1" noChangeArrowheads="1"/>
-          </p:cNvPicPr>
-          <p:nvPr/>
-        </p:nvPicPr>
-        <p:blipFill>
-          <a:blip r:embed="rId7">
-            <a:extLst>
-              <a:ext uri="{28A0092B-C50C-407E-A947-70E740481C1C}">
-                <a14:useLocalDpi xmlns:a14="http://schemas.microsoft.com/office/drawing/2010/main" val="0"/>
-              </a:ext>
-            </a:extLst>
-          </a:blip>
-          <a:srcRect/>
-          <a:stretch>
-            <a:fillRect/>
-          </a:stretch>
-        </p:blipFill>
-        <p:spPr bwMode="auto">
-          <a:xfrm>
-            <a:off x="11345148" y="8657332"/>
-            <a:ext cx="4215062" cy="2520000"/>
-          </a:xfrm>
-          <a:prstGeom prst="rect">
-            <a:avLst/>
-          </a:prstGeom>
-          <a:noFill/>
-          <a:extLst>
-            <a:ext uri="{909E8E84-426E-40DD-AFC4-6F175D3DCCD1}">
-              <a14:hiddenFill xmlns:a14="http://schemas.microsoft.com/office/drawing/2010/main">
-                <a:solidFill>
-                  <a:srgbClr val="FFFFFF"/>
-                </a:solidFill>
-              </a14:hiddenFill>
-            </a:ext>
-          </a:extLst>
-        </p:spPr>
-      </p:pic>
-      <p:sp>
-        <p:nvSpPr>
-          <p:cNvPr id="4" name="AutoShape 4" descr="https://lh6.googleusercontent.com/jBOA9bmR5b0G3f2Gt8kk_v0Do-A9fA98nE0yeY5-IVraHTiQ9mZfiSGfIq4rV2eKyua8QUmY2UBJoDUqkBm8Z_eYyQW5NJu43IcZfruNn_MzU9W8ZfsxfAwC7AGRt-ObH2w8ELJE">
-            <a:extLst>
-              <a:ext uri="{FF2B5EF4-FFF2-40B4-BE49-F238E27FC236}">
-                <a16:creationId xmlns:a16="http://schemas.microsoft.com/office/drawing/2014/main" id="{FC779700-8BF5-43F0-8D4E-744A4F55004C}"/>
-              </a:ext>
-            </a:extLst>
-          </p:cNvPr>
-          <p:cNvSpPr>
-            <a:spLocks noChangeAspect="1" noChangeArrowheads="1"/>
-          </p:cNvSpPr>
-          <p:nvPr/>
-        </p:nvSpPr>
-        <p:spPr bwMode="auto">
-          <a:xfrm>
-            <a:off x="8339138" y="14968538"/>
-            <a:ext cx="4924425" cy="2466975"/>
-          </a:xfrm>
-          <a:prstGeom prst="rect">
-            <a:avLst/>
-          </a:prstGeom>
-          <a:noFill/>
-          <a:extLst>
-            <a:ext uri="{909E8E84-426E-40DD-AFC4-6F175D3DCCD1}">
-              <a14:hiddenFill xmlns:a14="http://schemas.microsoft.com/office/drawing/2010/main">
-                <a:solidFill>
-                  <a:srgbClr val="FFFFFF"/>
-                </a:solidFill>
-              </a14:hiddenFill>
-            </a:ext>
-          </a:extLst>
-        </p:spPr>
-        <p:txBody>
-          <a:bodyPr vert="horz" wrap="square" lIns="91440" tIns="45720" rIns="91440" bIns="45720" numCol="1" anchor="t" anchorCtr="0" compatLnSpc="1">
-            <a:prstTxWarp prst="textNoShape">
-              <a:avLst/>
-            </a:prstTxWarp>
-          </a:bodyPr>
-          <a:lstStyle/>
-          <a:p>
-            <a:endParaRPr lang="es-MX"/>
-          </a:p>
-        </p:txBody>
-      </p:sp>
-      <p:pic>
-        <p:nvPicPr>
-          <p:cNvPr id="1030" name="Picture 6" descr="https://lh6.googleusercontent.com/jBOA9bmR5b0G3f2Gt8kk_v0Do-A9fA98nE0yeY5-IVraHTiQ9mZfiSGfIq4rV2eKyua8QUmY2UBJoDUqkBm8Z_eYyQW5NJu43IcZfruNn_MzU9W8ZfsxfAwC7AGRt-ObH2w8ELJE">
-            <a:extLst>
-              <a:ext uri="{FF2B5EF4-FFF2-40B4-BE49-F238E27FC236}">
-                <a16:creationId xmlns:a16="http://schemas.microsoft.com/office/drawing/2014/main" id="{04F50968-4D9A-4B47-BC0D-EFC1BDEC4A4B}"/>
-              </a:ext>
-            </a:extLst>
-          </p:cNvPr>
-          <p:cNvPicPr>
-            <a:picLocks noChangeAspect="1" noChangeArrowheads="1"/>
-          </p:cNvPicPr>
-          <p:nvPr/>
-        </p:nvPicPr>
-        <p:blipFill>
-          <a:blip r:embed="rId8">
-            <a:extLst>
-              <a:ext uri="{28A0092B-C50C-407E-A947-70E740481C1C}">
-                <a14:useLocalDpi xmlns:a14="http://schemas.microsoft.com/office/drawing/2010/main" val="0"/>
-              </a:ext>
-            </a:extLst>
-          </a:blip>
-          <a:srcRect/>
-          <a:stretch>
-            <a:fillRect/>
-          </a:stretch>
-        </p:blipFill>
-        <p:spPr bwMode="auto">
-          <a:xfrm>
-            <a:off x="15961133" y="8625556"/>
-            <a:ext cx="5030271" cy="2520000"/>
-          </a:xfrm>
-          <a:prstGeom prst="rect">
-            <a:avLst/>
-          </a:prstGeom>
-          <a:noFill/>
-          <a:extLst>
-            <a:ext uri="{909E8E84-426E-40DD-AFC4-6F175D3DCCD1}">
-              <a14:hiddenFill xmlns:a14="http://schemas.microsoft.com/office/drawing/2010/main">
-                <a:solidFill>
-                  <a:srgbClr val="FFFFFF"/>
-                </a:solidFill>
-              </a14:hiddenFill>
-            </a:ext>
-          </a:extLst>
-        </p:spPr>
-      </p:pic>
-      <p:sp>
-        <p:nvSpPr>
-          <p:cNvPr id="7" name="AutoShape 8" descr="https://lh5.googleusercontent.com/e7hV6Jlb2KSf-Mg0oiuqFaQFEvzpiZnblQoDpU1pXVxnlHJ7Jzmu-K70bsUaJvhYmjAB6pCTLuX7FyfjXeiJyTcv1UI6ah1462No_xHp_6uUeEmwstuK4_7aSg-gy0K1zSpXJDfy">
-            <a:extLst>
-              <a:ext uri="{FF2B5EF4-FFF2-40B4-BE49-F238E27FC236}">
-                <a16:creationId xmlns:a16="http://schemas.microsoft.com/office/drawing/2014/main" id="{30F8A150-3525-4323-9B39-71ACFDE93B38}"/>
-              </a:ext>
-            </a:extLst>
-          </p:cNvPr>
-          <p:cNvSpPr>
-            <a:spLocks noChangeAspect="1" noChangeArrowheads="1"/>
-          </p:cNvSpPr>
-          <p:nvPr/>
-        </p:nvSpPr>
-        <p:spPr bwMode="auto">
-          <a:xfrm>
-            <a:off x="22035392" y="13136472"/>
-            <a:ext cx="6400800" cy="3086100"/>
-          </a:xfrm>
-          <a:prstGeom prst="rect">
-            <a:avLst/>
-          </a:prstGeom>
-          <a:noFill/>
-          <a:extLst>
-            <a:ext uri="{909E8E84-426E-40DD-AFC4-6F175D3DCCD1}">
-              <a14:hiddenFill xmlns:a14="http://schemas.microsoft.com/office/drawing/2010/main">
-                <a:solidFill>
-                  <a:srgbClr val="FFFFFF"/>
-                </a:solidFill>
-              </a14:hiddenFill>
-            </a:ext>
-          </a:extLst>
-        </p:spPr>
-        <p:txBody>
-          <a:bodyPr vert="horz" wrap="square" lIns="91440" tIns="45720" rIns="91440" bIns="45720" numCol="1" anchor="t" anchorCtr="0" compatLnSpc="1">
-            <a:prstTxWarp prst="textNoShape">
-              <a:avLst/>
-            </a:prstTxWarp>
-          </a:bodyPr>
-          <a:lstStyle/>
-          <a:p>
-            <a:endParaRPr lang="es-MX"/>
-          </a:p>
-        </p:txBody>
-      </p:sp>
-      <p:pic>
-        <p:nvPicPr>
-          <p:cNvPr id="1034" name="Picture 10" descr="https://lh5.googleusercontent.com/e7hV6Jlb2KSf-Mg0oiuqFaQFEvzpiZnblQoDpU1pXVxnlHJ7Jzmu-K70bsUaJvhYmjAB6pCTLuX7FyfjXeiJyTcv1UI6ah1462No_xHp_6uUeEmwstuK4_7aSg-gy0K1zSpXJDfy">
-            <a:extLst>
-              <a:ext uri="{FF2B5EF4-FFF2-40B4-BE49-F238E27FC236}">
-                <a16:creationId xmlns:a16="http://schemas.microsoft.com/office/drawing/2014/main" id="{3B99A050-B316-4558-832F-BDCC92D6FACD}"/>
-              </a:ext>
-            </a:extLst>
-          </p:cNvPr>
-          <p:cNvPicPr>
-            <a:picLocks noChangeAspect="1" noChangeArrowheads="1"/>
-          </p:cNvPicPr>
-          <p:nvPr/>
-        </p:nvPicPr>
-        <p:blipFill>
-          <a:blip r:embed="rId9">
-            <a:extLst>
-              <a:ext uri="{28A0092B-C50C-407E-A947-70E740481C1C}">
-                <a14:useLocalDpi xmlns:a14="http://schemas.microsoft.com/office/drawing/2010/main" val="0"/>
-              </a:ext>
-            </a:extLst>
-          </a:blip>
-          <a:srcRect/>
-          <a:stretch>
-            <a:fillRect/>
-          </a:stretch>
-        </p:blipFill>
-        <p:spPr bwMode="auto">
-          <a:xfrm>
-            <a:off x="16162048" y="11640747"/>
-            <a:ext cx="4680000" cy="2344526"/>
-          </a:xfrm>
-          <a:prstGeom prst="rect">
-            <a:avLst/>
-          </a:prstGeom>
-          <a:noFill/>
-          <a:extLst>
-            <a:ext uri="{909E8E84-426E-40DD-AFC4-6F175D3DCCD1}">
-              <a14:hiddenFill xmlns:a14="http://schemas.microsoft.com/office/drawing/2010/main">
-                <a:solidFill>
-                  <a:srgbClr val="FFFFFF"/>
-                </a:solidFill>
-              </a14:hiddenFill>
-            </a:ext>
-          </a:extLst>
-        </p:spPr>
-      </p:pic>
-      <p:pic>
-        <p:nvPicPr>
-          <p:cNvPr id="14" name="Picture 2" descr="https://lh6.googleusercontent.com/f5yahBwFo3UM3fUsOqv72boL5pgGB59Wc1wqb9JryLpdxdiiYgUVpDCwvRbWOpOiORq8sAYBqxEEJvH_Fg71gxblsbEYwHCGoxXGyFwmaTrGPbnku2_oke-kmII60krI7qxYbJrg">
-            <a:extLst>
-              <a:ext uri="{FF2B5EF4-FFF2-40B4-BE49-F238E27FC236}">
-                <a16:creationId xmlns:a16="http://schemas.microsoft.com/office/drawing/2014/main" id="{ED92A821-3211-4DAD-85A1-4478A8C42430}"/>
-              </a:ext>
-            </a:extLst>
-          </p:cNvPr>
-          <p:cNvPicPr>
-            <a:picLocks noChangeAspect="1" noChangeArrowheads="1"/>
-          </p:cNvPicPr>
-          <p:nvPr/>
-        </p:nvPicPr>
-        <p:blipFill>
-          <a:blip r:embed="rId10">
-            <a:extLst>
-              <a:ext uri="{28A0092B-C50C-407E-A947-70E740481C1C}">
-                <a14:useLocalDpi xmlns:a14="http://schemas.microsoft.com/office/drawing/2010/main" val="0"/>
-              </a:ext>
-            </a:extLst>
-          </a:blip>
-          <a:srcRect/>
-          <a:stretch>
-            <a:fillRect/>
-          </a:stretch>
-        </p:blipFill>
-        <p:spPr bwMode="auto">
-          <a:xfrm>
-            <a:off x="11212944" y="11719330"/>
-            <a:ext cx="4680000" cy="2032500"/>
-          </a:xfrm>
-          <a:prstGeom prst="rect">
-            <a:avLst/>
-          </a:prstGeom>
-          <a:noFill/>
-          <a:extLst>
-            <a:ext uri="{909E8E84-426E-40DD-AFC4-6F175D3DCCD1}">
-              <a14:hiddenFill xmlns:a14="http://schemas.microsoft.com/office/drawing/2010/main">
-                <a:solidFill>
-                  <a:srgbClr val="FFFFFF"/>
-                </a:solidFill>
-              </a14:hiddenFill>
-            </a:ext>
-          </a:extLst>
-        </p:spPr>
-      </p:pic>
       <p:sp>
         <p:nvSpPr>
           <p:cNvPr id="45" name="Rectangle 12">
@@ -12570,8 +12145,8 @@
         </p:nvSpPr>
         <p:spPr bwMode="auto">
           <a:xfrm>
-            <a:off x="10970167" y="7489082"/>
-            <a:ext cx="10166350" cy="998140"/>
+            <a:off x="14837171" y="19987509"/>
+            <a:ext cx="13940032" cy="998140"/>
           </a:xfrm>
           <a:prstGeom prst="rect">
             <a:avLst/>
@@ -12624,8 +12199,8 @@
         </p:nvSpPr>
         <p:spPr bwMode="auto">
           <a:xfrm>
-            <a:off x="11099612" y="7721749"/>
-            <a:ext cx="10088562" cy="642938"/>
+            <a:off x="14966615" y="20146643"/>
+            <a:ext cx="13833369" cy="710067"/>
           </a:xfrm>
           <a:prstGeom prst="rect">
             <a:avLst/>
@@ -12665,7 +12240,7 @@
           </a:extLst>
         </p:spPr>
         <p:txBody>
-          <a:bodyPr lIns="90000" tIns="46800" rIns="90000" bIns="46800">
+          <a:bodyPr wrap="square" lIns="90000" tIns="46800" rIns="90000" bIns="46800">
             <a:spAutoFit/>
           </a:bodyPr>
           <a:lstStyle>
@@ -13035,11 +12610,9 @@
                 <a:spcPts val="2250"/>
               </a:spcBef>
               <a:buClrTx/>
-              <a:buFontTx/>
-              <a:buNone/>
             </a:pPr>
             <a:r>
-              <a:rPr lang="es-ES" altLang="es-MX" sz="3600" b="1" dirty="0">
+              <a:rPr lang="es-ES" altLang="es-MX" sz="4000" b="1" dirty="0">
                 <a:latin typeface="Myriad Pro" pitchFamily="32" charset="0"/>
               </a:rPr>
               <a:t>Pantallas</a:t>
@@ -13062,7 +12635,7 @@
           <p:nvPr/>
         </p:nvPicPr>
         <p:blipFill>
-          <a:blip r:embed="rId11">
+          <a:blip r:embed="rId7">
             <a:extLst>
               <a:ext uri="{28A0092B-C50C-407E-A947-70E740481C1C}">
                 <a14:useLocalDpi xmlns:a14="http://schemas.microsoft.com/office/drawing/2010/main" val="0"/>
@@ -13075,7 +12648,7 @@
         </p:blipFill>
         <p:spPr>
           <a:xfrm>
-            <a:off x="3950210" y="6417975"/>
+            <a:off x="5751520" y="6459160"/>
             <a:ext cx="1667358" cy="1667358"/>
           </a:xfrm>
           <a:prstGeom prst="rect">
@@ -13098,7 +12671,7 @@
           <p:nvPr/>
         </p:nvPicPr>
         <p:blipFill>
-          <a:blip r:embed="rId12">
+          <a:blip r:embed="rId8">
             <a:extLst>
               <a:ext uri="{28A0092B-C50C-407E-A947-70E740481C1C}">
                 <a14:useLocalDpi xmlns:a14="http://schemas.microsoft.com/office/drawing/2010/main" val="0"/>
@@ -13111,7 +12684,7 @@
         </p:blipFill>
         <p:spPr>
           <a:xfrm>
-            <a:off x="441699" y="6109260"/>
+            <a:off x="1030104" y="6278748"/>
             <a:ext cx="2002951" cy="2002951"/>
           </a:xfrm>
           <a:prstGeom prst="rect">
@@ -13134,7 +12707,7 @@
           <p:nvPr/>
         </p:nvPicPr>
         <p:blipFill>
-          <a:blip r:embed="rId13">
+          <a:blip r:embed="rId9">
             <a:extLst>
               <a:ext uri="{28A0092B-C50C-407E-A947-70E740481C1C}">
                 <a14:useLocalDpi xmlns:a14="http://schemas.microsoft.com/office/drawing/2010/main" val="0"/>
@@ -13147,7 +12720,7 @@
         </p:blipFill>
         <p:spPr>
           <a:xfrm>
-            <a:off x="2595997" y="6406365"/>
+            <a:off x="3842544" y="6446824"/>
             <a:ext cx="1182128" cy="1666800"/>
           </a:xfrm>
           <a:prstGeom prst="rect">
@@ -13170,7 +12743,7 @@
           <p:nvPr/>
         </p:nvPicPr>
         <p:blipFill>
-          <a:blip r:embed="rId14">
+          <a:blip r:embed="rId10">
             <a:extLst>
               <a:ext uri="{28A0092B-C50C-407E-A947-70E740481C1C}">
                 <a14:useLocalDpi xmlns:a14="http://schemas.microsoft.com/office/drawing/2010/main" val="0"/>
@@ -13183,7 +12756,7 @@
         </p:blipFill>
         <p:spPr>
           <a:xfrm>
-            <a:off x="5826895" y="6376387"/>
+            <a:off x="7988108" y="6459718"/>
             <a:ext cx="1183428" cy="1666800"/>
           </a:xfrm>
           <a:prstGeom prst="rect">
@@ -13206,7 +12779,7 @@
           <p:nvPr/>
         </p:nvPicPr>
         <p:blipFill>
-          <a:blip r:embed="rId15">
+          <a:blip r:embed="rId11">
             <a:extLst>
               <a:ext uri="{28A0092B-C50C-407E-A947-70E740481C1C}">
                 <a14:useLocalDpi xmlns:a14="http://schemas.microsoft.com/office/drawing/2010/main" val="0"/>
@@ -13219,43 +12792,8 @@
         </p:blipFill>
         <p:spPr>
           <a:xfrm>
-            <a:off x="6914383" y="6648188"/>
+            <a:off x="10008395" y="6694663"/>
             <a:ext cx="3599729" cy="1196910"/>
-          </a:xfrm>
-          <a:prstGeom prst="rect">
-            <a:avLst/>
-          </a:prstGeom>
-        </p:spPr>
-      </p:pic>
-      <p:pic>
-        <p:nvPicPr>
-          <p:cNvPr id="51" name="Content Placeholder 3">
-            <a:extLst>
-              <a:ext uri="{FF2B5EF4-FFF2-40B4-BE49-F238E27FC236}">
-                <a16:creationId xmlns:a16="http://schemas.microsoft.com/office/drawing/2014/main" id="{DFC873F3-B57B-4A82-B6AE-C352F86A13D6}"/>
-              </a:ext>
-            </a:extLst>
-          </p:cNvPr>
-          <p:cNvPicPr>
-            <a:picLocks noGrp="1" noChangeAspect="1"/>
-          </p:cNvPicPr>
-          <p:nvPr/>
-        </p:nvPicPr>
-        <p:blipFill rotWithShape="1">
-          <a:blip r:embed="rId16">
-            <a:extLst>
-              <a:ext uri="{28A0092B-C50C-407E-A947-70E740481C1C}">
-                <a14:useLocalDpi xmlns:a14="http://schemas.microsoft.com/office/drawing/2010/main" val="0"/>
-              </a:ext>
-            </a:extLst>
-          </a:blip>
-          <a:srcRect l="2097" r="1883"/>
-          <a:stretch/>
-        </p:blipFill>
-        <p:spPr>
-          <a:xfrm>
-            <a:off x="11314922" y="24230326"/>
-            <a:ext cx="9315528" cy="6467756"/>
           </a:xfrm>
           <a:prstGeom prst="rect">
             <a:avLst/>
@@ -13278,8 +12816,8 @@
         </p:nvSpPr>
         <p:spPr bwMode="auto">
           <a:xfrm>
-            <a:off x="0" y="31545213"/>
-            <a:ext cx="21594762" cy="820737"/>
+            <a:off x="0" y="42032707"/>
+            <a:ext cx="28782241" cy="1139174"/>
           </a:xfrm>
           <a:prstGeom prst="rect">
             <a:avLst/>
@@ -13333,8 +12871,8 @@
         </p:nvSpPr>
         <p:spPr bwMode="auto">
           <a:xfrm>
-            <a:off x="244475" y="31602363"/>
-            <a:ext cx="21358225" cy="831850"/>
+            <a:off x="18184" y="42089856"/>
+            <a:ext cx="28423589" cy="1015663"/>
           </a:xfrm>
           <a:prstGeom prst="rect">
             <a:avLst/>
@@ -13364,19 +12902,29 @@
           </a:extLst>
         </p:spPr>
         <p:txBody>
-          <a:bodyPr>
+          <a:bodyPr wrap="square">
             <a:spAutoFit/>
           </a:bodyPr>
           <a:lstStyle/>
           <a:p>
+            <a:pPr algn="just"/>
             <a:r>
-              <a:rPr lang="es-MX" altLang="es-MX" sz="1600" dirty="0"/>
-              <a:t>LA SIGUIENTE EXPOSICIÓN LLAMADA EXPO-CICOMP PRIMAVERA 2019. ES DE CARÁCTER ACADÉMICO Y TIENE LA ÚNICA FINALIDAD DE PRESENTAR TRABAJOS FINALES DE PROYECTOS DE LAS CARRERAS DE INGENIERÍA EN COMPUTACIÓN E INGENIERÍA EN INFORMÁTICA  NO REPRESENTAN DE NINGUNA FORMA ALGÚN TIPO DE SITUACIÓN ADMINISTRATIVA, LEGAL, JURÍDICA, O CUALQUIER OTRA PARECIDA DE ESTAS</a:t>
+              <a:rPr lang="es-MX" altLang="es-MX" sz="2000" dirty="0">
+                <a:solidFill>
+                  <a:schemeClr val="bg1"/>
+                </a:solidFill>
+              </a:rPr>
+              <a:t>LA SIGUIENTE EXPOSICIÓN LLAMADA EXPO-CICOMP PRIMAVERA 2019. ES DE CARÁCTER ACADÉMICO Y TIENE LA ÚNICA FINALIDAD DE PRESENTAR TRABAJOS FINALES DE PROYECTOS DE LAS CARRERAS DE INGENIERÍA EN COMPUTACIÓN E INGENIERÍA EN INFORMÁTICA  NO REPRESENTAN DE NINGUNA FORMA ALGÚN TIPO DE SITUACIÓN ADMINISTRATIVA, LEGAL, JURÍDICA, O CUALQUIER OTRA PARECIDA DE ESTAS.</a:t>
             </a:r>
           </a:p>
           <a:p>
+            <a:pPr algn="just"/>
             <a:r>
-              <a:rPr lang="es-MX" altLang="es-MX" sz="1600" dirty="0"/>
+              <a:rPr lang="es-MX" altLang="es-MX" sz="2000" dirty="0">
+                <a:solidFill>
+                  <a:schemeClr val="bg1"/>
+                </a:solidFill>
+              </a:rPr>
               <a:t> Y CUALQUIER SIMILITUD CON CUALQUIERA AFUERA DE LAS INSTALACIONES DE LA U.A.S.L.P. ES MERA COINCIDENCIA ACCIDENTAL, SIN RESPONSABILIDAD DE NINGÚN TIPO HACIA LOS EXTERNOS DE LA MISMA.</a:t>
             </a:r>
           </a:p>
@@ -13396,8 +12944,8 @@
         </p:nvSpPr>
         <p:spPr>
           <a:xfrm>
-            <a:off x="500469" y="29481656"/>
-            <a:ext cx="5521582" cy="1323439"/>
+            <a:off x="19941970" y="9498335"/>
+            <a:ext cx="7705673" cy="2308324"/>
           </a:xfrm>
           <a:prstGeom prst="rect">
             <a:avLst/>
@@ -13412,10 +12960,12 @@
           <a:p>
             <a:pPr algn="just"/>
             <a:r>
-              <a:rPr lang="es-MX" sz="2000" dirty="0">
-                <a:solidFill>
-                  <a:schemeClr val="tx1"/>
-                </a:solidFill>
+              <a:rPr lang="es-MX" sz="3600" dirty="0">
+                <a:solidFill>
+                  <a:srgbClr val="000000"/>
+                </a:solidFill>
+                <a:latin typeface="Calibri" panose="020F0502020204030204" pitchFamily="34" charset="0"/>
+                <a:cs typeface="Calibri" panose="020F0502020204030204" pitchFamily="34" charset="0"/>
               </a:rPr>
               <a:t>La metodología espiral refleja la relación de tareas con prototipos rápidos, mayor paralelismo y concurrencia en las actividades de diseño y construcción. </a:t>
             </a:r>
@@ -13437,7 +12987,7 @@
           <p:nvPr/>
         </p:nvPicPr>
         <p:blipFill>
-          <a:blip r:embed="rId17">
+          <a:blip r:embed="rId12">
             <a:extLst>
               <a:ext uri="{28A0092B-C50C-407E-A947-70E740481C1C}">
                 <a14:useLocalDpi xmlns:a14="http://schemas.microsoft.com/office/drawing/2010/main" val="0"/>
@@ -13451,8 +13001,8 @@
         </p:blipFill>
         <p:spPr bwMode="auto">
           <a:xfrm>
-            <a:off x="1707105" y="27022884"/>
-            <a:ext cx="3194869" cy="2442454"/>
+            <a:off x="14793933" y="8875562"/>
+            <a:ext cx="4728218" cy="3614688"/>
           </a:xfrm>
           <a:prstGeom prst="rect">
             <a:avLst/>
@@ -13483,8 +13033,8 @@
         </p:nvGrpSpPr>
         <p:grpSpPr>
           <a:xfrm>
-            <a:off x="890649" y="9718610"/>
-            <a:ext cx="9305103" cy="4901451"/>
+            <a:off x="784911" y="15500348"/>
+            <a:ext cx="12823213" cy="4901451"/>
             <a:chOff x="5453027" y="-79165"/>
             <a:chExt cx="4736708" cy="4508192"/>
           </a:xfrm>
@@ -13597,13 +13147,10 @@
             </a:bodyPr>
             <a:lstStyle/>
             <a:p>
-              <a:pPr marL="457200" lvl="1" indent="-457200" algn="l" defTabSz="1111250">
+              <a:pPr marL="457200" lvl="1" indent="-457200" defTabSz="1111250">
                 <a:lnSpc>
                   <a:spcPct val="90000"/>
                 </a:lnSpc>
-                <a:spcBef>
-                  <a:spcPct val="0"/>
-                </a:spcBef>
                 <a:spcAft>
                   <a:spcPct val="15000"/>
                 </a:spcAft>
@@ -13611,7 +13158,7 @@
                 <a:buChar char="ü"/>
               </a:pPr>
               <a:r>
-                <a:rPr lang="es-MX" sz="3200" dirty="0">
+                <a:rPr lang="es-MX" sz="3600" dirty="0">
                   <a:solidFill>
                     <a:srgbClr val="000000"/>
                   </a:solidFill>
@@ -13622,13 +13169,10 @@
               </a:r>
             </a:p>
             <a:p>
-              <a:pPr marL="457200" lvl="1" indent="-457200" algn="l" defTabSz="1111250">
+              <a:pPr marL="457200" lvl="1" indent="-457200" defTabSz="1111250">
                 <a:lnSpc>
                   <a:spcPct val="90000"/>
                 </a:lnSpc>
-                <a:spcBef>
-                  <a:spcPct val="0"/>
-                </a:spcBef>
                 <a:spcAft>
                   <a:spcPct val="15000"/>
                 </a:spcAft>
@@ -13636,7 +13180,7 @@
                 <a:buChar char="ü"/>
               </a:pPr>
               <a:r>
-                <a:rPr lang="es-MX" sz="3200" dirty="0">
+                <a:rPr lang="es-MX" sz="3600" dirty="0">
                   <a:solidFill>
                     <a:srgbClr val="000000"/>
                   </a:solidFill>
@@ -13647,13 +13191,10 @@
               </a:r>
             </a:p>
             <a:p>
-              <a:pPr marL="457200" lvl="1" indent="-457200" algn="l" defTabSz="1111250">
+              <a:pPr marL="457200" lvl="1" indent="-457200" defTabSz="1111250">
                 <a:lnSpc>
                   <a:spcPct val="90000"/>
                 </a:lnSpc>
-                <a:spcBef>
-                  <a:spcPct val="0"/>
-                </a:spcBef>
                 <a:spcAft>
                   <a:spcPct val="15000"/>
                 </a:spcAft>
@@ -13661,7 +13202,7 @@
                 <a:buChar char="ü"/>
               </a:pPr>
               <a:r>
-                <a:rPr lang="es-MX" sz="3200" dirty="0">
+                <a:rPr lang="es-MX" sz="3600" dirty="0">
                   <a:solidFill>
                     <a:srgbClr val="000000"/>
                   </a:solidFill>
@@ -13672,13 +13213,10 @@
               </a:r>
             </a:p>
             <a:p>
-              <a:pPr marL="457200" lvl="1" indent="-457200" algn="l" defTabSz="1111250">
+              <a:pPr marL="457200" lvl="1" indent="-457200" defTabSz="1111250">
                 <a:lnSpc>
                   <a:spcPct val="90000"/>
                 </a:lnSpc>
-                <a:spcBef>
-                  <a:spcPct val="0"/>
-                </a:spcBef>
                 <a:spcAft>
                   <a:spcPct val="15000"/>
                 </a:spcAft>
@@ -13686,7 +13224,7 @@
                 <a:buChar char="ü"/>
               </a:pPr>
               <a:r>
-                <a:rPr lang="es-MX" sz="3200" dirty="0">
+                <a:rPr lang="es-MX" sz="3600" dirty="0">
                   <a:solidFill>
                     <a:srgbClr val="000000"/>
                   </a:solidFill>
@@ -13708,7 +13246,7 @@
                 <a:buChar char="ü"/>
               </a:pPr>
               <a:r>
-                <a:rPr lang="es-MX" sz="3200" dirty="0">
+                <a:rPr lang="es-MX" sz="3600" dirty="0">
                   <a:solidFill>
                     <a:srgbClr val="000000"/>
                   </a:solidFill>
@@ -13721,6 +13259,112 @@
           </p:txBody>
         </p:sp>
       </p:grpSp>
+      <p:sp>
+        <p:nvSpPr>
+          <p:cNvPr id="68" name="CuadroTexto 67">
+            <a:extLst>
+              <a:ext uri="{FF2B5EF4-FFF2-40B4-BE49-F238E27FC236}">
+                <a16:creationId xmlns:a16="http://schemas.microsoft.com/office/drawing/2014/main" id="{FB743777-E4BA-4809-834B-4AF3E8893C05}"/>
+              </a:ext>
+            </a:extLst>
+          </p:cNvPr>
+          <p:cNvSpPr txBox="1"/>
+          <p:nvPr/>
+        </p:nvSpPr>
+        <p:spPr>
+          <a:xfrm>
+            <a:off x="15153043" y="12871808"/>
+            <a:ext cx="12617278" cy="2862322"/>
+          </a:xfrm>
+          <a:prstGeom prst="rect">
+            <a:avLst/>
+          </a:prstGeom>
+          <a:noFill/>
+        </p:spPr>
+        <p:txBody>
+          <a:bodyPr wrap="square" rtlCol="0">
+            <a:spAutoFit/>
+          </a:bodyPr>
+          <a:lstStyle/>
+          <a:p>
+            <a:pPr algn="just"/>
+            <a:r>
+              <a:rPr lang="es-MX" sz="3600" dirty="0">
+                <a:solidFill>
+                  <a:srgbClr val="000000"/>
+                </a:solidFill>
+                <a:latin typeface="Calibri" panose="020F0502020204030204" pitchFamily="34" charset="0"/>
+                <a:cs typeface="Calibri" panose="020F0502020204030204" pitchFamily="34" charset="0"/>
+              </a:rPr>
+              <a:t>Métricas de Calidad:</a:t>
+            </a:r>
+          </a:p>
+          <a:p>
+            <a:pPr marL="457200" indent="-457200" algn="just">
+              <a:buFont typeface="Arial" panose="020B0604020202020204" pitchFamily="34" charset="0"/>
+              <a:buChar char="•"/>
+            </a:pPr>
+            <a:r>
+              <a:rPr lang="es-MX" sz="3600" dirty="0">
+                <a:solidFill>
+                  <a:srgbClr val="000000"/>
+                </a:solidFill>
+                <a:latin typeface="Calibri" panose="020F0502020204030204" pitchFamily="34" charset="0"/>
+                <a:cs typeface="Calibri" panose="020F0502020204030204" pitchFamily="34" charset="0"/>
+              </a:rPr>
+              <a:t>Confiabilidad</a:t>
+            </a:r>
+          </a:p>
+          <a:p>
+            <a:pPr marL="457200" indent="-457200" algn="just">
+              <a:buFont typeface="Arial" panose="020B0604020202020204" pitchFamily="34" charset="0"/>
+              <a:buChar char="•"/>
+            </a:pPr>
+            <a:r>
+              <a:rPr lang="es-MX" sz="3600" dirty="0">
+                <a:solidFill>
+                  <a:srgbClr val="000000"/>
+                </a:solidFill>
+                <a:latin typeface="Calibri" panose="020F0502020204030204" pitchFamily="34" charset="0"/>
+                <a:cs typeface="Calibri" panose="020F0502020204030204" pitchFamily="34" charset="0"/>
+              </a:rPr>
+              <a:t>Capacidad de Mantenimiento</a:t>
+            </a:r>
+          </a:p>
+          <a:p>
+            <a:pPr marL="457200" indent="-457200" algn="just">
+              <a:buFont typeface="Arial" panose="020B0604020202020204" pitchFamily="34" charset="0"/>
+              <a:buChar char="•"/>
+            </a:pPr>
+            <a:r>
+              <a:rPr lang="es-MX" sz="3600" dirty="0">
+                <a:solidFill>
+                  <a:srgbClr val="000000"/>
+                </a:solidFill>
+                <a:latin typeface="Calibri" panose="020F0502020204030204" pitchFamily="34" charset="0"/>
+                <a:cs typeface="Calibri" panose="020F0502020204030204" pitchFamily="34" charset="0"/>
+              </a:rPr>
+              <a:t>Funcionabilidad</a:t>
+            </a:r>
+          </a:p>
+          <a:p>
+            <a:pPr marL="457200" indent="-457200" algn="just">
+              <a:buFont typeface="Arial" panose="020B0604020202020204" pitchFamily="34" charset="0"/>
+              <a:buChar char="•"/>
+            </a:pPr>
+            <a:r>
+              <a:rPr lang="es-MX" sz="3600" dirty="0">
+                <a:solidFill>
+                  <a:srgbClr val="000000"/>
+                </a:solidFill>
+                <a:latin typeface="Calibri" panose="020F0502020204030204" pitchFamily="34" charset="0"/>
+                <a:cs typeface="Calibri" panose="020F0502020204030204" pitchFamily="34" charset="0"/>
+              </a:rPr>
+              <a:t>Usabilidad</a:t>
+            </a:r>
+          </a:p>
+        </p:txBody>
+      </p:sp>
       <p:sp>
         <p:nvSpPr>
           <p:cNvPr id="62" name="Rectangle 12">
@@ -13737,8 +13381,8 @@
         </p:nvSpPr>
         <p:spPr bwMode="auto">
           <a:xfrm>
-            <a:off x="10983402" y="14774951"/>
-            <a:ext cx="10166350" cy="1044575"/>
+            <a:off x="402307" y="28147053"/>
+            <a:ext cx="13901893" cy="1044575"/>
           </a:xfrm>
           <a:prstGeom prst="rect">
             <a:avLst/>
@@ -13791,8 +13435,8 @@
         </p:nvSpPr>
         <p:spPr bwMode="auto">
           <a:xfrm>
-            <a:off x="11035578" y="14969407"/>
-            <a:ext cx="10088562" cy="642938"/>
+            <a:off x="430059" y="28317485"/>
+            <a:ext cx="10088562" cy="710067"/>
           </a:xfrm>
           <a:prstGeom prst="rect">
             <a:avLst/>
@@ -14202,120 +13846,941 @@
                 <a:spcPts val="2250"/>
               </a:spcBef>
               <a:buClrTx/>
-              <a:buFontTx/>
-              <a:buNone/>
             </a:pPr>
             <a:r>
               <a:rPr lang="es-ES" altLang="es-MX" sz="3600" b="1" dirty="0">
                 <a:latin typeface="Myriad Pro" pitchFamily="32" charset="0"/>
               </a:rPr>
-              <a:t>Diagrama de base de datos</a:t>
+              <a:t>Diagrama </a:t>
+            </a:r>
+            <a:r>
+              <a:rPr lang="es-ES" altLang="es-MX" sz="4000" b="1" dirty="0">
+                <a:latin typeface="Myriad Pro" pitchFamily="32" charset="0"/>
+              </a:rPr>
+              <a:t>de</a:t>
+            </a:r>
+            <a:r>
+              <a:rPr lang="es-ES" altLang="es-MX" sz="3600" b="1" dirty="0">
+                <a:latin typeface="Myriad Pro" pitchFamily="32" charset="0"/>
+              </a:rPr>
+              <a:t> base de datos</a:t>
             </a:r>
           </a:p>
         </p:txBody>
       </p:sp>
       <p:sp>
         <p:nvSpPr>
-          <p:cNvPr id="68" name="CuadroTexto 67">
+          <p:cNvPr id="77" name="Rectangle 23">
             <a:extLst>
               <a:ext uri="{FF2B5EF4-FFF2-40B4-BE49-F238E27FC236}">
-                <a16:creationId xmlns:a16="http://schemas.microsoft.com/office/drawing/2014/main" id="{FB743777-E4BA-4809-834B-4AF3E8893C05}"/>
+                <a16:creationId xmlns:a16="http://schemas.microsoft.com/office/drawing/2014/main" id="{542124DF-9E9B-49E3-9B8D-72D4676176EE}"/>
               </a:ext>
             </a:extLst>
           </p:cNvPr>
-          <p:cNvSpPr txBox="1"/>
+          <p:cNvSpPr>
+            <a:spLocks noChangeArrowheads="1"/>
+          </p:cNvSpPr>
           <p:nvPr/>
         </p:nvSpPr>
-        <p:spPr>
+        <p:spPr bwMode="auto">
           <a:xfrm>
-            <a:off x="6211545" y="27531157"/>
-            <a:ext cx="4249374" cy="3046988"/>
+            <a:off x="14793933" y="14959931"/>
+            <a:ext cx="14013566" cy="4850988"/>
+          </a:xfrm>
+          <a:prstGeom prst="rect">
+            <a:avLst/>
+          </a:prstGeom>
+          <a:solidFill>
+            <a:srgbClr val="FFFFFF"/>
+          </a:solidFill>
+          <a:ln w="9360" cap="sq">
+            <a:solidFill>
+              <a:srgbClr val="000000"/>
+            </a:solidFill>
+            <a:miter lim="800000"/>
+            <a:headEnd/>
+            <a:tailEnd/>
+          </a:ln>
+          <a:effectLst>
+            <a:outerShdw dist="153010" dir="2906018" algn="ctr" rotWithShape="0">
+              <a:srgbClr val="292929">
+                <a:alpha val="50027"/>
+              </a:srgbClr>
+            </a:outerShdw>
+          </a:effectLst>
+        </p:spPr>
+        <p:txBody>
+          <a:bodyPr wrap="none" lIns="90000" tIns="46800" rIns="90000" bIns="46800" anchor="ctr"/>
+          <a:lstStyle>
+            <a:lvl1pPr>
+              <a:tabLst>
+                <a:tab pos="0" algn="l"/>
+                <a:tab pos="447675" algn="l"/>
+                <a:tab pos="896938" algn="l"/>
+                <a:tab pos="1346200" algn="l"/>
+                <a:tab pos="1795463" algn="l"/>
+                <a:tab pos="2244725" algn="l"/>
+                <a:tab pos="2693988" algn="l"/>
+                <a:tab pos="3143250" algn="l"/>
+                <a:tab pos="3592513" algn="l"/>
+                <a:tab pos="4041775" algn="l"/>
+                <a:tab pos="4491038" algn="l"/>
+                <a:tab pos="4940300" algn="l"/>
+                <a:tab pos="5389563" algn="l"/>
+                <a:tab pos="5838825" algn="l"/>
+                <a:tab pos="6288088" algn="l"/>
+                <a:tab pos="6737350" algn="l"/>
+                <a:tab pos="7186613" algn="l"/>
+                <a:tab pos="7635875" algn="l"/>
+                <a:tab pos="8085138" algn="l"/>
+                <a:tab pos="8534400" algn="l"/>
+                <a:tab pos="8983663" algn="l"/>
+                <a:tab pos="8985250" algn="l"/>
+                <a:tab pos="9434513" algn="l"/>
+                <a:tab pos="9883775" algn="l"/>
+              </a:tabLst>
+              <a:defRPr>
+                <a:solidFill>
+                  <a:srgbClr val="FFFFFF"/>
+                </a:solidFill>
+                <a:latin typeface="Arial" panose="020B0604020202020204" pitchFamily="34" charset="0"/>
+                <a:cs typeface="Arial" panose="020B0604020202020204" pitchFamily="34" charset="0"/>
+              </a:defRPr>
+            </a:lvl1pPr>
+            <a:lvl2pPr>
+              <a:tabLst>
+                <a:tab pos="0" algn="l"/>
+                <a:tab pos="447675" algn="l"/>
+                <a:tab pos="896938" algn="l"/>
+                <a:tab pos="1346200" algn="l"/>
+                <a:tab pos="1795463" algn="l"/>
+                <a:tab pos="2244725" algn="l"/>
+                <a:tab pos="2693988" algn="l"/>
+                <a:tab pos="3143250" algn="l"/>
+                <a:tab pos="3592513" algn="l"/>
+                <a:tab pos="4041775" algn="l"/>
+                <a:tab pos="4491038" algn="l"/>
+                <a:tab pos="4940300" algn="l"/>
+                <a:tab pos="5389563" algn="l"/>
+                <a:tab pos="5838825" algn="l"/>
+                <a:tab pos="6288088" algn="l"/>
+                <a:tab pos="6737350" algn="l"/>
+                <a:tab pos="7186613" algn="l"/>
+                <a:tab pos="7635875" algn="l"/>
+                <a:tab pos="8085138" algn="l"/>
+                <a:tab pos="8534400" algn="l"/>
+                <a:tab pos="8983663" algn="l"/>
+                <a:tab pos="8985250" algn="l"/>
+                <a:tab pos="9434513" algn="l"/>
+                <a:tab pos="9883775" algn="l"/>
+              </a:tabLst>
+              <a:defRPr>
+                <a:solidFill>
+                  <a:srgbClr val="FFFFFF"/>
+                </a:solidFill>
+                <a:latin typeface="Arial" panose="020B0604020202020204" pitchFamily="34" charset="0"/>
+                <a:cs typeface="Arial" panose="020B0604020202020204" pitchFamily="34" charset="0"/>
+              </a:defRPr>
+            </a:lvl2pPr>
+            <a:lvl3pPr>
+              <a:tabLst>
+                <a:tab pos="0" algn="l"/>
+                <a:tab pos="447675" algn="l"/>
+                <a:tab pos="896938" algn="l"/>
+                <a:tab pos="1346200" algn="l"/>
+                <a:tab pos="1795463" algn="l"/>
+                <a:tab pos="2244725" algn="l"/>
+                <a:tab pos="2693988" algn="l"/>
+                <a:tab pos="3143250" algn="l"/>
+                <a:tab pos="3592513" algn="l"/>
+                <a:tab pos="4041775" algn="l"/>
+                <a:tab pos="4491038" algn="l"/>
+                <a:tab pos="4940300" algn="l"/>
+                <a:tab pos="5389563" algn="l"/>
+                <a:tab pos="5838825" algn="l"/>
+                <a:tab pos="6288088" algn="l"/>
+                <a:tab pos="6737350" algn="l"/>
+                <a:tab pos="7186613" algn="l"/>
+                <a:tab pos="7635875" algn="l"/>
+                <a:tab pos="8085138" algn="l"/>
+                <a:tab pos="8534400" algn="l"/>
+                <a:tab pos="8983663" algn="l"/>
+                <a:tab pos="8985250" algn="l"/>
+                <a:tab pos="9434513" algn="l"/>
+                <a:tab pos="9883775" algn="l"/>
+              </a:tabLst>
+              <a:defRPr>
+                <a:solidFill>
+                  <a:srgbClr val="FFFFFF"/>
+                </a:solidFill>
+                <a:latin typeface="Arial" panose="020B0604020202020204" pitchFamily="34" charset="0"/>
+                <a:cs typeface="Arial" panose="020B0604020202020204" pitchFamily="34" charset="0"/>
+              </a:defRPr>
+            </a:lvl3pPr>
+            <a:lvl4pPr>
+              <a:tabLst>
+                <a:tab pos="0" algn="l"/>
+                <a:tab pos="447675" algn="l"/>
+                <a:tab pos="896938" algn="l"/>
+                <a:tab pos="1346200" algn="l"/>
+                <a:tab pos="1795463" algn="l"/>
+                <a:tab pos="2244725" algn="l"/>
+                <a:tab pos="2693988" algn="l"/>
+                <a:tab pos="3143250" algn="l"/>
+                <a:tab pos="3592513" algn="l"/>
+                <a:tab pos="4041775" algn="l"/>
+                <a:tab pos="4491038" algn="l"/>
+                <a:tab pos="4940300" algn="l"/>
+                <a:tab pos="5389563" algn="l"/>
+                <a:tab pos="5838825" algn="l"/>
+                <a:tab pos="6288088" algn="l"/>
+                <a:tab pos="6737350" algn="l"/>
+                <a:tab pos="7186613" algn="l"/>
+                <a:tab pos="7635875" algn="l"/>
+                <a:tab pos="8085138" algn="l"/>
+                <a:tab pos="8534400" algn="l"/>
+                <a:tab pos="8983663" algn="l"/>
+                <a:tab pos="8985250" algn="l"/>
+                <a:tab pos="9434513" algn="l"/>
+                <a:tab pos="9883775" algn="l"/>
+              </a:tabLst>
+              <a:defRPr>
+                <a:solidFill>
+                  <a:srgbClr val="FFFFFF"/>
+                </a:solidFill>
+                <a:latin typeface="Arial" panose="020B0604020202020204" pitchFamily="34" charset="0"/>
+                <a:cs typeface="Arial" panose="020B0604020202020204" pitchFamily="34" charset="0"/>
+              </a:defRPr>
+            </a:lvl4pPr>
+            <a:lvl5pPr>
+              <a:tabLst>
+                <a:tab pos="0" algn="l"/>
+                <a:tab pos="447675" algn="l"/>
+                <a:tab pos="896938" algn="l"/>
+                <a:tab pos="1346200" algn="l"/>
+                <a:tab pos="1795463" algn="l"/>
+                <a:tab pos="2244725" algn="l"/>
+                <a:tab pos="2693988" algn="l"/>
+                <a:tab pos="3143250" algn="l"/>
+                <a:tab pos="3592513" algn="l"/>
+                <a:tab pos="4041775" algn="l"/>
+                <a:tab pos="4491038" algn="l"/>
+                <a:tab pos="4940300" algn="l"/>
+                <a:tab pos="5389563" algn="l"/>
+                <a:tab pos="5838825" algn="l"/>
+                <a:tab pos="6288088" algn="l"/>
+                <a:tab pos="6737350" algn="l"/>
+                <a:tab pos="7186613" algn="l"/>
+                <a:tab pos="7635875" algn="l"/>
+                <a:tab pos="8085138" algn="l"/>
+                <a:tab pos="8534400" algn="l"/>
+                <a:tab pos="8983663" algn="l"/>
+                <a:tab pos="8985250" algn="l"/>
+                <a:tab pos="9434513" algn="l"/>
+                <a:tab pos="9883775" algn="l"/>
+              </a:tabLst>
+              <a:defRPr>
+                <a:solidFill>
+                  <a:srgbClr val="FFFFFF"/>
+                </a:solidFill>
+                <a:latin typeface="Arial" panose="020B0604020202020204" pitchFamily="34" charset="0"/>
+                <a:cs typeface="Arial" panose="020B0604020202020204" pitchFamily="34" charset="0"/>
+              </a:defRPr>
+            </a:lvl5pPr>
+            <a:lvl6pPr marL="2514600" indent="-228600" defTabSz="449263" eaLnBrk="0" fontAlgn="base" hangingPunct="0">
+              <a:spcBef>
+                <a:spcPct val="0"/>
+              </a:spcBef>
+              <a:spcAft>
+                <a:spcPct val="0"/>
+              </a:spcAft>
+              <a:buClr>
+                <a:srgbClr val="000000"/>
+              </a:buClr>
+              <a:buSzPct val="100000"/>
+              <a:buFont typeface="Times New Roman" panose="02020603050405020304" pitchFamily="18" charset="0"/>
+              <a:tabLst>
+                <a:tab pos="0" algn="l"/>
+                <a:tab pos="447675" algn="l"/>
+                <a:tab pos="896938" algn="l"/>
+                <a:tab pos="1346200" algn="l"/>
+                <a:tab pos="1795463" algn="l"/>
+                <a:tab pos="2244725" algn="l"/>
+                <a:tab pos="2693988" algn="l"/>
+                <a:tab pos="3143250" algn="l"/>
+                <a:tab pos="3592513" algn="l"/>
+                <a:tab pos="4041775" algn="l"/>
+                <a:tab pos="4491038" algn="l"/>
+                <a:tab pos="4940300" algn="l"/>
+                <a:tab pos="5389563" algn="l"/>
+                <a:tab pos="5838825" algn="l"/>
+                <a:tab pos="6288088" algn="l"/>
+                <a:tab pos="6737350" algn="l"/>
+                <a:tab pos="7186613" algn="l"/>
+                <a:tab pos="7635875" algn="l"/>
+                <a:tab pos="8085138" algn="l"/>
+                <a:tab pos="8534400" algn="l"/>
+                <a:tab pos="8983663" algn="l"/>
+                <a:tab pos="8985250" algn="l"/>
+                <a:tab pos="9434513" algn="l"/>
+                <a:tab pos="9883775" algn="l"/>
+              </a:tabLst>
+              <a:defRPr>
+                <a:solidFill>
+                  <a:srgbClr val="FFFFFF"/>
+                </a:solidFill>
+                <a:latin typeface="Arial" panose="020B0604020202020204" pitchFamily="34" charset="0"/>
+                <a:cs typeface="Arial" panose="020B0604020202020204" pitchFamily="34" charset="0"/>
+              </a:defRPr>
+            </a:lvl6pPr>
+            <a:lvl7pPr marL="2971800" indent="-228600" defTabSz="449263" eaLnBrk="0" fontAlgn="base" hangingPunct="0">
+              <a:spcBef>
+                <a:spcPct val="0"/>
+              </a:spcBef>
+              <a:spcAft>
+                <a:spcPct val="0"/>
+              </a:spcAft>
+              <a:buClr>
+                <a:srgbClr val="000000"/>
+              </a:buClr>
+              <a:buSzPct val="100000"/>
+              <a:buFont typeface="Times New Roman" panose="02020603050405020304" pitchFamily="18" charset="0"/>
+              <a:tabLst>
+                <a:tab pos="0" algn="l"/>
+                <a:tab pos="447675" algn="l"/>
+                <a:tab pos="896938" algn="l"/>
+                <a:tab pos="1346200" algn="l"/>
+                <a:tab pos="1795463" algn="l"/>
+                <a:tab pos="2244725" algn="l"/>
+                <a:tab pos="2693988" algn="l"/>
+                <a:tab pos="3143250" algn="l"/>
+                <a:tab pos="3592513" algn="l"/>
+                <a:tab pos="4041775" algn="l"/>
+                <a:tab pos="4491038" algn="l"/>
+                <a:tab pos="4940300" algn="l"/>
+                <a:tab pos="5389563" algn="l"/>
+                <a:tab pos="5838825" algn="l"/>
+                <a:tab pos="6288088" algn="l"/>
+                <a:tab pos="6737350" algn="l"/>
+                <a:tab pos="7186613" algn="l"/>
+                <a:tab pos="7635875" algn="l"/>
+                <a:tab pos="8085138" algn="l"/>
+                <a:tab pos="8534400" algn="l"/>
+                <a:tab pos="8983663" algn="l"/>
+                <a:tab pos="8985250" algn="l"/>
+                <a:tab pos="9434513" algn="l"/>
+                <a:tab pos="9883775" algn="l"/>
+              </a:tabLst>
+              <a:defRPr>
+                <a:solidFill>
+                  <a:srgbClr val="FFFFFF"/>
+                </a:solidFill>
+                <a:latin typeface="Arial" panose="020B0604020202020204" pitchFamily="34" charset="0"/>
+                <a:cs typeface="Arial" panose="020B0604020202020204" pitchFamily="34" charset="0"/>
+              </a:defRPr>
+            </a:lvl7pPr>
+            <a:lvl8pPr marL="3429000" indent="-228600" defTabSz="449263" eaLnBrk="0" fontAlgn="base" hangingPunct="0">
+              <a:spcBef>
+                <a:spcPct val="0"/>
+              </a:spcBef>
+              <a:spcAft>
+                <a:spcPct val="0"/>
+              </a:spcAft>
+              <a:buClr>
+                <a:srgbClr val="000000"/>
+              </a:buClr>
+              <a:buSzPct val="100000"/>
+              <a:buFont typeface="Times New Roman" panose="02020603050405020304" pitchFamily="18" charset="0"/>
+              <a:tabLst>
+                <a:tab pos="0" algn="l"/>
+                <a:tab pos="447675" algn="l"/>
+                <a:tab pos="896938" algn="l"/>
+                <a:tab pos="1346200" algn="l"/>
+                <a:tab pos="1795463" algn="l"/>
+                <a:tab pos="2244725" algn="l"/>
+                <a:tab pos="2693988" algn="l"/>
+                <a:tab pos="3143250" algn="l"/>
+                <a:tab pos="3592513" algn="l"/>
+                <a:tab pos="4041775" algn="l"/>
+                <a:tab pos="4491038" algn="l"/>
+                <a:tab pos="4940300" algn="l"/>
+                <a:tab pos="5389563" algn="l"/>
+                <a:tab pos="5838825" algn="l"/>
+                <a:tab pos="6288088" algn="l"/>
+                <a:tab pos="6737350" algn="l"/>
+                <a:tab pos="7186613" algn="l"/>
+                <a:tab pos="7635875" algn="l"/>
+                <a:tab pos="8085138" algn="l"/>
+                <a:tab pos="8534400" algn="l"/>
+                <a:tab pos="8983663" algn="l"/>
+                <a:tab pos="8985250" algn="l"/>
+                <a:tab pos="9434513" algn="l"/>
+                <a:tab pos="9883775" algn="l"/>
+              </a:tabLst>
+              <a:defRPr>
+                <a:solidFill>
+                  <a:srgbClr val="FFFFFF"/>
+                </a:solidFill>
+                <a:latin typeface="Arial" panose="020B0604020202020204" pitchFamily="34" charset="0"/>
+                <a:cs typeface="Arial" panose="020B0604020202020204" pitchFamily="34" charset="0"/>
+              </a:defRPr>
+            </a:lvl8pPr>
+            <a:lvl9pPr marL="3886200" indent="-228600" defTabSz="449263" eaLnBrk="0" fontAlgn="base" hangingPunct="0">
+              <a:spcBef>
+                <a:spcPct val="0"/>
+              </a:spcBef>
+              <a:spcAft>
+                <a:spcPct val="0"/>
+              </a:spcAft>
+              <a:buClr>
+                <a:srgbClr val="000000"/>
+              </a:buClr>
+              <a:buSzPct val="100000"/>
+              <a:buFont typeface="Times New Roman" panose="02020603050405020304" pitchFamily="18" charset="0"/>
+              <a:tabLst>
+                <a:tab pos="0" algn="l"/>
+                <a:tab pos="447675" algn="l"/>
+                <a:tab pos="896938" algn="l"/>
+                <a:tab pos="1346200" algn="l"/>
+                <a:tab pos="1795463" algn="l"/>
+                <a:tab pos="2244725" algn="l"/>
+                <a:tab pos="2693988" algn="l"/>
+                <a:tab pos="3143250" algn="l"/>
+                <a:tab pos="3592513" algn="l"/>
+                <a:tab pos="4041775" algn="l"/>
+                <a:tab pos="4491038" algn="l"/>
+                <a:tab pos="4940300" algn="l"/>
+                <a:tab pos="5389563" algn="l"/>
+                <a:tab pos="5838825" algn="l"/>
+                <a:tab pos="6288088" algn="l"/>
+                <a:tab pos="6737350" algn="l"/>
+                <a:tab pos="7186613" algn="l"/>
+                <a:tab pos="7635875" algn="l"/>
+                <a:tab pos="8085138" algn="l"/>
+                <a:tab pos="8534400" algn="l"/>
+                <a:tab pos="8983663" algn="l"/>
+                <a:tab pos="8985250" algn="l"/>
+                <a:tab pos="9434513" algn="l"/>
+                <a:tab pos="9883775" algn="l"/>
+              </a:tabLst>
+              <a:defRPr>
+                <a:solidFill>
+                  <a:srgbClr val="FFFFFF"/>
+                </a:solidFill>
+                <a:latin typeface="Arial" panose="020B0604020202020204" pitchFamily="34" charset="0"/>
+                <a:cs typeface="Arial" panose="020B0604020202020204" pitchFamily="34" charset="0"/>
+              </a:defRPr>
+            </a:lvl9pPr>
+          </a:lstStyle>
+          <a:p>
+            <a:pPr algn="just" eaLnBrk="1" hangingPunct="1">
+              <a:buClrTx/>
+              <a:buFontTx/>
+              <a:buNone/>
+            </a:pPr>
+            <a:r>
+              <a:rPr lang="es-ES" altLang="es-MX">
+                <a:solidFill>
+                  <a:srgbClr val="000000"/>
+                </a:solidFill>
+              </a:rPr>
+              <a:t>.</a:t>
+            </a:r>
+            <a:endParaRPr lang="es-ES" altLang="es-MX" dirty="0">
+              <a:solidFill>
+                <a:srgbClr val="000000"/>
+              </a:solidFill>
+            </a:endParaRPr>
+          </a:p>
+        </p:txBody>
+      </p:sp>
+      <p:sp>
+        <p:nvSpPr>
+          <p:cNvPr id="78" name="Rectangle 12">
+            <a:extLst>
+              <a:ext uri="{FF2B5EF4-FFF2-40B4-BE49-F238E27FC236}">
+                <a16:creationId xmlns:a16="http://schemas.microsoft.com/office/drawing/2014/main" id="{F8C9B14A-85E1-475E-875D-022B9DA47A3F}"/>
+              </a:ext>
+            </a:extLst>
+          </p:cNvPr>
+          <p:cNvSpPr>
+            <a:spLocks noChangeArrowheads="1"/>
+          </p:cNvSpPr>
+          <p:nvPr/>
+        </p:nvSpPr>
+        <p:spPr bwMode="auto">
+          <a:xfrm>
+            <a:off x="14782360" y="13915356"/>
+            <a:ext cx="14020936" cy="1044575"/>
+          </a:xfrm>
+          <a:prstGeom prst="rect">
+            <a:avLst/>
+          </a:prstGeom>
+          <a:solidFill>
+            <a:srgbClr val="0F355A"/>
+          </a:solidFill>
+          <a:ln w="9360" cap="sq">
+            <a:solidFill>
+              <a:srgbClr val="000000"/>
+            </a:solidFill>
+            <a:miter lim="800000"/>
+            <a:headEnd/>
+            <a:tailEnd/>
+          </a:ln>
+          <a:effectLst/>
+          <a:extLst>
+            <a:ext uri="{AF507438-7753-43E0-B8FC-AC1667EBCBE1}">
+              <a14:hiddenEffects xmlns:a14="http://schemas.microsoft.com/office/drawing/2010/main">
+                <a:effectLst>
+                  <a:outerShdw dist="35921" dir="2700000" algn="ctr" rotWithShape="0">
+                    <a:srgbClr val="808080"/>
+                  </a:outerShdw>
+                </a:effectLst>
+              </a14:hiddenEffects>
+            </a:ext>
+          </a:extLst>
+        </p:spPr>
+        <p:txBody>
+          <a:bodyPr wrap="none" anchor="ctr"/>
+          <a:lstStyle/>
+          <a:p>
+            <a:endParaRPr lang="es-MX"/>
+          </a:p>
+        </p:txBody>
+      </p:sp>
+      <p:sp>
+        <p:nvSpPr>
+          <p:cNvPr id="79" name="Text Box 13">
+            <a:extLst>
+              <a:ext uri="{FF2B5EF4-FFF2-40B4-BE49-F238E27FC236}">
+                <a16:creationId xmlns:a16="http://schemas.microsoft.com/office/drawing/2014/main" id="{ABEC8CFB-32B9-40A6-B6E8-396CFFE8AF08}"/>
+              </a:ext>
+            </a:extLst>
+          </p:cNvPr>
+          <p:cNvSpPr txBox="1">
+            <a:spLocks noChangeArrowheads="1"/>
+          </p:cNvSpPr>
+          <p:nvPr/>
+        </p:nvSpPr>
+        <p:spPr bwMode="auto">
+          <a:xfrm>
+            <a:off x="14868455" y="14043161"/>
+            <a:ext cx="13859832" cy="710067"/>
           </a:xfrm>
           <a:prstGeom prst="rect">
             <a:avLst/>
           </a:prstGeom>
           <a:noFill/>
+          <a:ln>
+            <a:noFill/>
+          </a:ln>
+          <a:effectLst/>
+          <a:extLst>
+            <a:ext uri="{909E8E84-426E-40DD-AFC4-6F175D3DCCD1}">
+              <a14:hiddenFill xmlns:a14="http://schemas.microsoft.com/office/drawing/2010/main">
+                <a:solidFill>
+                  <a:srgbClr val="FFFFFF"/>
+                </a:solidFill>
+              </a14:hiddenFill>
+            </a:ext>
+            <a:ext uri="{91240B29-F687-4F45-9708-019B960494DF}">
+              <a14:hiddenLine xmlns:a14="http://schemas.microsoft.com/office/drawing/2010/main" w="9525" cap="flat">
+                <a:solidFill>
+                  <a:srgbClr val="3465A4"/>
+                </a:solidFill>
+                <a:round/>
+                <a:headEnd/>
+                <a:tailEnd/>
+              </a14:hiddenLine>
+            </a:ext>
+            <a:ext uri="{AF507438-7753-43E0-B8FC-AC1667EBCBE1}">
+              <a14:hiddenEffects xmlns:a14="http://schemas.microsoft.com/office/drawing/2010/main">
+                <a:effectLst>
+                  <a:outerShdw dist="35921" dir="2700000" algn="ctr" rotWithShape="0">
+                    <a:srgbClr val="808080"/>
+                  </a:outerShdw>
+                </a:effectLst>
+              </a14:hiddenEffects>
+            </a:ext>
+          </a:extLst>
         </p:spPr>
         <p:txBody>
-          <a:bodyPr wrap="square" rtlCol="0">
+          <a:bodyPr wrap="square" lIns="90000" tIns="46800" rIns="90000" bIns="46800">
             <a:spAutoFit/>
           </a:bodyPr>
-          <a:lstStyle/>
+          <a:lstStyle>
+            <a:lvl1pPr>
+              <a:tabLst>
+                <a:tab pos="0" algn="l"/>
+                <a:tab pos="447675" algn="l"/>
+                <a:tab pos="896938" algn="l"/>
+                <a:tab pos="1346200" algn="l"/>
+                <a:tab pos="1795463" algn="l"/>
+                <a:tab pos="2244725" algn="l"/>
+                <a:tab pos="2693988" algn="l"/>
+                <a:tab pos="3143250" algn="l"/>
+                <a:tab pos="3592513" algn="l"/>
+                <a:tab pos="4041775" algn="l"/>
+                <a:tab pos="4491038" algn="l"/>
+                <a:tab pos="4940300" algn="l"/>
+                <a:tab pos="5389563" algn="l"/>
+                <a:tab pos="5838825" algn="l"/>
+                <a:tab pos="6288088" algn="l"/>
+                <a:tab pos="6737350" algn="l"/>
+                <a:tab pos="7186613" algn="l"/>
+                <a:tab pos="7635875" algn="l"/>
+                <a:tab pos="8085138" algn="l"/>
+                <a:tab pos="8534400" algn="l"/>
+                <a:tab pos="8983663" algn="l"/>
+                <a:tab pos="8985250" algn="l"/>
+                <a:tab pos="9434513" algn="l"/>
+                <a:tab pos="9883775" algn="l"/>
+              </a:tabLst>
+              <a:defRPr>
+                <a:solidFill>
+                  <a:srgbClr val="FFFFFF"/>
+                </a:solidFill>
+                <a:latin typeface="Arial" panose="020B0604020202020204" pitchFamily="34" charset="0"/>
+                <a:cs typeface="Arial" panose="020B0604020202020204" pitchFamily="34" charset="0"/>
+              </a:defRPr>
+            </a:lvl1pPr>
+            <a:lvl2pPr>
+              <a:tabLst>
+                <a:tab pos="0" algn="l"/>
+                <a:tab pos="447675" algn="l"/>
+                <a:tab pos="896938" algn="l"/>
+                <a:tab pos="1346200" algn="l"/>
+                <a:tab pos="1795463" algn="l"/>
+                <a:tab pos="2244725" algn="l"/>
+                <a:tab pos="2693988" algn="l"/>
+                <a:tab pos="3143250" algn="l"/>
+                <a:tab pos="3592513" algn="l"/>
+                <a:tab pos="4041775" algn="l"/>
+                <a:tab pos="4491038" algn="l"/>
+                <a:tab pos="4940300" algn="l"/>
+                <a:tab pos="5389563" algn="l"/>
+                <a:tab pos="5838825" algn="l"/>
+                <a:tab pos="6288088" algn="l"/>
+                <a:tab pos="6737350" algn="l"/>
+                <a:tab pos="7186613" algn="l"/>
+                <a:tab pos="7635875" algn="l"/>
+                <a:tab pos="8085138" algn="l"/>
+                <a:tab pos="8534400" algn="l"/>
+                <a:tab pos="8983663" algn="l"/>
+                <a:tab pos="8985250" algn="l"/>
+                <a:tab pos="9434513" algn="l"/>
+                <a:tab pos="9883775" algn="l"/>
+              </a:tabLst>
+              <a:defRPr>
+                <a:solidFill>
+                  <a:srgbClr val="FFFFFF"/>
+                </a:solidFill>
+                <a:latin typeface="Arial" panose="020B0604020202020204" pitchFamily="34" charset="0"/>
+                <a:cs typeface="Arial" panose="020B0604020202020204" pitchFamily="34" charset="0"/>
+              </a:defRPr>
+            </a:lvl2pPr>
+            <a:lvl3pPr>
+              <a:tabLst>
+                <a:tab pos="0" algn="l"/>
+                <a:tab pos="447675" algn="l"/>
+                <a:tab pos="896938" algn="l"/>
+                <a:tab pos="1346200" algn="l"/>
+                <a:tab pos="1795463" algn="l"/>
+                <a:tab pos="2244725" algn="l"/>
+                <a:tab pos="2693988" algn="l"/>
+                <a:tab pos="3143250" algn="l"/>
+                <a:tab pos="3592513" algn="l"/>
+                <a:tab pos="4041775" algn="l"/>
+                <a:tab pos="4491038" algn="l"/>
+                <a:tab pos="4940300" algn="l"/>
+                <a:tab pos="5389563" algn="l"/>
+                <a:tab pos="5838825" algn="l"/>
+                <a:tab pos="6288088" algn="l"/>
+                <a:tab pos="6737350" algn="l"/>
+                <a:tab pos="7186613" algn="l"/>
+                <a:tab pos="7635875" algn="l"/>
+                <a:tab pos="8085138" algn="l"/>
+                <a:tab pos="8534400" algn="l"/>
+                <a:tab pos="8983663" algn="l"/>
+                <a:tab pos="8985250" algn="l"/>
+                <a:tab pos="9434513" algn="l"/>
+                <a:tab pos="9883775" algn="l"/>
+              </a:tabLst>
+              <a:defRPr>
+                <a:solidFill>
+                  <a:srgbClr val="FFFFFF"/>
+                </a:solidFill>
+                <a:latin typeface="Arial" panose="020B0604020202020204" pitchFamily="34" charset="0"/>
+                <a:cs typeface="Arial" panose="020B0604020202020204" pitchFamily="34" charset="0"/>
+              </a:defRPr>
+            </a:lvl3pPr>
+            <a:lvl4pPr>
+              <a:tabLst>
+                <a:tab pos="0" algn="l"/>
+                <a:tab pos="447675" algn="l"/>
+                <a:tab pos="896938" algn="l"/>
+                <a:tab pos="1346200" algn="l"/>
+                <a:tab pos="1795463" algn="l"/>
+                <a:tab pos="2244725" algn="l"/>
+                <a:tab pos="2693988" algn="l"/>
+                <a:tab pos="3143250" algn="l"/>
+                <a:tab pos="3592513" algn="l"/>
+                <a:tab pos="4041775" algn="l"/>
+                <a:tab pos="4491038" algn="l"/>
+                <a:tab pos="4940300" algn="l"/>
+                <a:tab pos="5389563" algn="l"/>
+                <a:tab pos="5838825" algn="l"/>
+                <a:tab pos="6288088" algn="l"/>
+                <a:tab pos="6737350" algn="l"/>
+                <a:tab pos="7186613" algn="l"/>
+                <a:tab pos="7635875" algn="l"/>
+                <a:tab pos="8085138" algn="l"/>
+                <a:tab pos="8534400" algn="l"/>
+                <a:tab pos="8983663" algn="l"/>
+                <a:tab pos="8985250" algn="l"/>
+                <a:tab pos="9434513" algn="l"/>
+                <a:tab pos="9883775" algn="l"/>
+              </a:tabLst>
+              <a:defRPr>
+                <a:solidFill>
+                  <a:srgbClr val="FFFFFF"/>
+                </a:solidFill>
+                <a:latin typeface="Arial" panose="020B0604020202020204" pitchFamily="34" charset="0"/>
+                <a:cs typeface="Arial" panose="020B0604020202020204" pitchFamily="34" charset="0"/>
+              </a:defRPr>
+            </a:lvl4pPr>
+            <a:lvl5pPr>
+              <a:tabLst>
+                <a:tab pos="0" algn="l"/>
+                <a:tab pos="447675" algn="l"/>
+                <a:tab pos="896938" algn="l"/>
+                <a:tab pos="1346200" algn="l"/>
+                <a:tab pos="1795463" algn="l"/>
+                <a:tab pos="2244725" algn="l"/>
+                <a:tab pos="2693988" algn="l"/>
+                <a:tab pos="3143250" algn="l"/>
+                <a:tab pos="3592513" algn="l"/>
+                <a:tab pos="4041775" algn="l"/>
+                <a:tab pos="4491038" algn="l"/>
+                <a:tab pos="4940300" algn="l"/>
+                <a:tab pos="5389563" algn="l"/>
+                <a:tab pos="5838825" algn="l"/>
+                <a:tab pos="6288088" algn="l"/>
+                <a:tab pos="6737350" algn="l"/>
+                <a:tab pos="7186613" algn="l"/>
+                <a:tab pos="7635875" algn="l"/>
+                <a:tab pos="8085138" algn="l"/>
+                <a:tab pos="8534400" algn="l"/>
+                <a:tab pos="8983663" algn="l"/>
+                <a:tab pos="8985250" algn="l"/>
+                <a:tab pos="9434513" algn="l"/>
+                <a:tab pos="9883775" algn="l"/>
+              </a:tabLst>
+              <a:defRPr>
+                <a:solidFill>
+                  <a:srgbClr val="FFFFFF"/>
+                </a:solidFill>
+                <a:latin typeface="Arial" panose="020B0604020202020204" pitchFamily="34" charset="0"/>
+                <a:cs typeface="Arial" panose="020B0604020202020204" pitchFamily="34" charset="0"/>
+              </a:defRPr>
+            </a:lvl5pPr>
+            <a:lvl6pPr marL="2514600" indent="-228600" defTabSz="449263" eaLnBrk="0" fontAlgn="base" hangingPunct="0">
+              <a:spcBef>
+                <a:spcPct val="0"/>
+              </a:spcBef>
+              <a:spcAft>
+                <a:spcPct val="0"/>
+              </a:spcAft>
+              <a:buClr>
+                <a:srgbClr val="000000"/>
+              </a:buClr>
+              <a:buSzPct val="100000"/>
+              <a:buFont typeface="Times New Roman" panose="02020603050405020304" pitchFamily="18" charset="0"/>
+              <a:tabLst>
+                <a:tab pos="0" algn="l"/>
+                <a:tab pos="447675" algn="l"/>
+                <a:tab pos="896938" algn="l"/>
+                <a:tab pos="1346200" algn="l"/>
+                <a:tab pos="1795463" algn="l"/>
+                <a:tab pos="2244725" algn="l"/>
+                <a:tab pos="2693988" algn="l"/>
+                <a:tab pos="3143250" algn="l"/>
+                <a:tab pos="3592513" algn="l"/>
+                <a:tab pos="4041775" algn="l"/>
+                <a:tab pos="4491038" algn="l"/>
+                <a:tab pos="4940300" algn="l"/>
+                <a:tab pos="5389563" algn="l"/>
+                <a:tab pos="5838825" algn="l"/>
+                <a:tab pos="6288088" algn="l"/>
+                <a:tab pos="6737350" algn="l"/>
+                <a:tab pos="7186613" algn="l"/>
+                <a:tab pos="7635875" algn="l"/>
+                <a:tab pos="8085138" algn="l"/>
+                <a:tab pos="8534400" algn="l"/>
+                <a:tab pos="8983663" algn="l"/>
+                <a:tab pos="8985250" algn="l"/>
+                <a:tab pos="9434513" algn="l"/>
+                <a:tab pos="9883775" algn="l"/>
+              </a:tabLst>
+              <a:defRPr>
+                <a:solidFill>
+                  <a:srgbClr val="FFFFFF"/>
+                </a:solidFill>
+                <a:latin typeface="Arial" panose="020B0604020202020204" pitchFamily="34" charset="0"/>
+                <a:cs typeface="Arial" panose="020B0604020202020204" pitchFamily="34" charset="0"/>
+              </a:defRPr>
+            </a:lvl6pPr>
+            <a:lvl7pPr marL="2971800" indent="-228600" defTabSz="449263" eaLnBrk="0" fontAlgn="base" hangingPunct="0">
+              <a:spcBef>
+                <a:spcPct val="0"/>
+              </a:spcBef>
+              <a:spcAft>
+                <a:spcPct val="0"/>
+              </a:spcAft>
+              <a:buClr>
+                <a:srgbClr val="000000"/>
+              </a:buClr>
+              <a:buSzPct val="100000"/>
+              <a:buFont typeface="Times New Roman" panose="02020603050405020304" pitchFamily="18" charset="0"/>
+              <a:tabLst>
+                <a:tab pos="0" algn="l"/>
+                <a:tab pos="447675" algn="l"/>
+                <a:tab pos="896938" algn="l"/>
+                <a:tab pos="1346200" algn="l"/>
+                <a:tab pos="1795463" algn="l"/>
+                <a:tab pos="2244725" algn="l"/>
+                <a:tab pos="2693988" algn="l"/>
+                <a:tab pos="3143250" algn="l"/>
+                <a:tab pos="3592513" algn="l"/>
+                <a:tab pos="4041775" algn="l"/>
+                <a:tab pos="4491038" algn="l"/>
+                <a:tab pos="4940300" algn="l"/>
+                <a:tab pos="5389563" algn="l"/>
+                <a:tab pos="5838825" algn="l"/>
+                <a:tab pos="6288088" algn="l"/>
+                <a:tab pos="6737350" algn="l"/>
+                <a:tab pos="7186613" algn="l"/>
+                <a:tab pos="7635875" algn="l"/>
+                <a:tab pos="8085138" algn="l"/>
+                <a:tab pos="8534400" algn="l"/>
+                <a:tab pos="8983663" algn="l"/>
+                <a:tab pos="8985250" algn="l"/>
+                <a:tab pos="9434513" algn="l"/>
+                <a:tab pos="9883775" algn="l"/>
+              </a:tabLst>
+              <a:defRPr>
+                <a:solidFill>
+                  <a:srgbClr val="FFFFFF"/>
+                </a:solidFill>
+                <a:latin typeface="Arial" panose="020B0604020202020204" pitchFamily="34" charset="0"/>
+                <a:cs typeface="Arial" panose="020B0604020202020204" pitchFamily="34" charset="0"/>
+              </a:defRPr>
+            </a:lvl7pPr>
+            <a:lvl8pPr marL="3429000" indent="-228600" defTabSz="449263" eaLnBrk="0" fontAlgn="base" hangingPunct="0">
+              <a:spcBef>
+                <a:spcPct val="0"/>
+              </a:spcBef>
+              <a:spcAft>
+                <a:spcPct val="0"/>
+              </a:spcAft>
+              <a:buClr>
+                <a:srgbClr val="000000"/>
+              </a:buClr>
+              <a:buSzPct val="100000"/>
+              <a:buFont typeface="Times New Roman" panose="02020603050405020304" pitchFamily="18" charset="0"/>
+              <a:tabLst>
+                <a:tab pos="0" algn="l"/>
+                <a:tab pos="447675" algn="l"/>
+                <a:tab pos="896938" algn="l"/>
+                <a:tab pos="1346200" algn="l"/>
+                <a:tab pos="1795463" algn="l"/>
+                <a:tab pos="2244725" algn="l"/>
+                <a:tab pos="2693988" algn="l"/>
+                <a:tab pos="3143250" algn="l"/>
+                <a:tab pos="3592513" algn="l"/>
+                <a:tab pos="4041775" algn="l"/>
+                <a:tab pos="4491038" algn="l"/>
+                <a:tab pos="4940300" algn="l"/>
+                <a:tab pos="5389563" algn="l"/>
+                <a:tab pos="5838825" algn="l"/>
+                <a:tab pos="6288088" algn="l"/>
+                <a:tab pos="6737350" algn="l"/>
+                <a:tab pos="7186613" algn="l"/>
+                <a:tab pos="7635875" algn="l"/>
+                <a:tab pos="8085138" algn="l"/>
+                <a:tab pos="8534400" algn="l"/>
+                <a:tab pos="8983663" algn="l"/>
+                <a:tab pos="8985250" algn="l"/>
+                <a:tab pos="9434513" algn="l"/>
+                <a:tab pos="9883775" algn="l"/>
+              </a:tabLst>
+              <a:defRPr>
+                <a:solidFill>
+                  <a:srgbClr val="FFFFFF"/>
+                </a:solidFill>
+                <a:latin typeface="Arial" panose="020B0604020202020204" pitchFamily="34" charset="0"/>
+                <a:cs typeface="Arial" panose="020B0604020202020204" pitchFamily="34" charset="0"/>
+              </a:defRPr>
+            </a:lvl8pPr>
+            <a:lvl9pPr marL="3886200" indent="-228600" defTabSz="449263" eaLnBrk="0" fontAlgn="base" hangingPunct="0">
+              <a:spcBef>
+                <a:spcPct val="0"/>
+              </a:spcBef>
+              <a:spcAft>
+                <a:spcPct val="0"/>
+              </a:spcAft>
+              <a:buClr>
+                <a:srgbClr val="000000"/>
+              </a:buClr>
+              <a:buSzPct val="100000"/>
+              <a:buFont typeface="Times New Roman" panose="02020603050405020304" pitchFamily="18" charset="0"/>
+              <a:tabLst>
+                <a:tab pos="0" algn="l"/>
+                <a:tab pos="447675" algn="l"/>
+                <a:tab pos="896938" algn="l"/>
+                <a:tab pos="1346200" algn="l"/>
+                <a:tab pos="1795463" algn="l"/>
+                <a:tab pos="2244725" algn="l"/>
+                <a:tab pos="2693988" algn="l"/>
+                <a:tab pos="3143250" algn="l"/>
+                <a:tab pos="3592513" algn="l"/>
+                <a:tab pos="4041775" algn="l"/>
+                <a:tab pos="4491038" algn="l"/>
+                <a:tab pos="4940300" algn="l"/>
+                <a:tab pos="5389563" algn="l"/>
+                <a:tab pos="5838825" algn="l"/>
+                <a:tab pos="6288088" algn="l"/>
+                <a:tab pos="6737350" algn="l"/>
+                <a:tab pos="7186613" algn="l"/>
+                <a:tab pos="7635875" algn="l"/>
+                <a:tab pos="8085138" algn="l"/>
+                <a:tab pos="8534400" algn="l"/>
+                <a:tab pos="8983663" algn="l"/>
+                <a:tab pos="8985250" algn="l"/>
+                <a:tab pos="9434513" algn="l"/>
+                <a:tab pos="9883775" algn="l"/>
+              </a:tabLst>
+              <a:defRPr>
+                <a:solidFill>
+                  <a:srgbClr val="FFFFFF"/>
+                </a:solidFill>
+                <a:latin typeface="Arial" panose="020B0604020202020204" pitchFamily="34" charset="0"/>
+                <a:cs typeface="Arial" panose="020B0604020202020204" pitchFamily="34" charset="0"/>
+              </a:defRPr>
+            </a:lvl9pPr>
+          </a:lstStyle>
           <a:p>
-            <a:pPr algn="just"/>
-            <a:r>
-              <a:rPr lang="es-MX" sz="3200" dirty="0">
-                <a:solidFill>
-                  <a:srgbClr val="000000"/>
-                </a:solidFill>
-                <a:latin typeface="Calibri" panose="020F0502020204030204" pitchFamily="34" charset="0"/>
-                <a:cs typeface="Calibri" panose="020F0502020204030204" pitchFamily="34" charset="0"/>
-              </a:rPr>
-              <a:t>Métricas de Calidad:</a:t>
-            </a:r>
-          </a:p>
-          <a:p>
-            <a:pPr marL="457200" indent="-457200" algn="just">
-              <a:buFont typeface="Arial" panose="020B0604020202020204" pitchFamily="34" charset="0"/>
-              <a:buChar char="•"/>
+            <a:pPr eaLnBrk="1" hangingPunct="1">
+              <a:spcBef>
+                <a:spcPts val="2250"/>
+              </a:spcBef>
+              <a:buClrTx/>
             </a:pPr>
             <a:r>
-              <a:rPr lang="es-MX" sz="3200" dirty="0">
-                <a:solidFill>
-                  <a:srgbClr val="000000"/>
-                </a:solidFill>
-                <a:latin typeface="Calibri" panose="020F0502020204030204" pitchFamily="34" charset="0"/>
-                <a:cs typeface="Calibri" panose="020F0502020204030204" pitchFamily="34" charset="0"/>
+              <a:rPr lang="es-ES" altLang="es-MX" sz="4000" b="1" dirty="0">
+                <a:latin typeface="Myriad Pro" pitchFamily="32" charset="0"/>
               </a:rPr>
-              <a:t>Confiabilidad</a:t>
-            </a:r>
-          </a:p>
-          <a:p>
-            <a:pPr marL="457200" indent="-457200" algn="just">
-              <a:buFont typeface="Arial" panose="020B0604020202020204" pitchFamily="34" charset="0"/>
-              <a:buChar char="•"/>
-            </a:pPr>
-            <a:r>
-              <a:rPr lang="es-MX" sz="3200" dirty="0">
-                <a:solidFill>
-                  <a:srgbClr val="000000"/>
-                </a:solidFill>
-                <a:latin typeface="Calibri" panose="020F0502020204030204" pitchFamily="34" charset="0"/>
-                <a:cs typeface="Calibri" panose="020F0502020204030204" pitchFamily="34" charset="0"/>
-              </a:rPr>
-              <a:t>Capacidad de Mantenimiento</a:t>
-            </a:r>
-          </a:p>
-          <a:p>
-            <a:pPr marL="457200" indent="-457200" algn="just">
-              <a:buFont typeface="Arial" panose="020B0604020202020204" pitchFamily="34" charset="0"/>
-              <a:buChar char="•"/>
-            </a:pPr>
-            <a:r>
-              <a:rPr lang="es-MX" sz="3200" dirty="0">
-                <a:solidFill>
-                  <a:srgbClr val="000000"/>
-                </a:solidFill>
-                <a:latin typeface="Calibri" panose="020F0502020204030204" pitchFamily="34" charset="0"/>
-                <a:cs typeface="Calibri" panose="020F0502020204030204" pitchFamily="34" charset="0"/>
-              </a:rPr>
-              <a:t>Funcionabilidad</a:t>
-            </a:r>
-          </a:p>
-          <a:p>
-            <a:pPr marL="457200" indent="-457200" algn="just">
-              <a:buFont typeface="Arial" panose="020B0604020202020204" pitchFamily="34" charset="0"/>
-              <a:buChar char="•"/>
-            </a:pPr>
-            <a:r>
-              <a:rPr lang="es-MX" sz="3200" dirty="0">
-                <a:solidFill>
-                  <a:srgbClr val="000000"/>
-                </a:solidFill>
-                <a:latin typeface="Calibri" panose="020F0502020204030204" pitchFamily="34" charset="0"/>
-                <a:cs typeface="Calibri" panose="020F0502020204030204" pitchFamily="34" charset="0"/>
-              </a:rPr>
-              <a:t>Usabilidad</a:t>
+              <a:t>Dashboard</a:t>
             </a:r>
           </a:p>
         </p:txBody>
@@ -14359,57 +14824,117 @@
 <file path=ppt/theme/theme1.xml><?xml version="1.0" encoding="utf-8"?>
 <a:theme xmlns:a="http://schemas.openxmlformats.org/drawingml/2006/main" name="Tema de Office">
   <a:themeElements>
-    <a:clrScheme name="Tema de Office 1">
+    <a:clrScheme name="Tema de Office">
       <a:dk1>
-        <a:srgbClr val="000000"/>
+        <a:sysClr val="windowText" lastClr="000000"/>
       </a:dk1>
       <a:lt1>
-        <a:srgbClr val="FFFFFF"/>
+        <a:sysClr val="window" lastClr="FFFFFF"/>
       </a:lt1>
       <a:dk2>
-        <a:srgbClr val="000000"/>
+        <a:srgbClr val="44546A"/>
       </a:dk2>
       <a:lt2>
-        <a:srgbClr val="808080"/>
+        <a:srgbClr val="E7E6E6"/>
       </a:lt2>
       <a:accent1>
-        <a:srgbClr val="00CC99"/>
+        <a:srgbClr val="4472C4"/>
       </a:accent1>
       <a:accent2>
-        <a:srgbClr val="3333CC"/>
+        <a:srgbClr val="ED7D31"/>
       </a:accent2>
       <a:accent3>
-        <a:srgbClr val="FFFFFF"/>
+        <a:srgbClr val="A5A5A5"/>
       </a:accent3>
       <a:accent4>
-        <a:srgbClr val="000000"/>
+        <a:srgbClr val="FFC000"/>
       </a:accent4>
       <a:accent5>
-        <a:srgbClr val="AAE2CA"/>
+        <a:srgbClr val="5B9BD5"/>
       </a:accent5>
       <a:accent6>
-        <a:srgbClr val="2D2DB9"/>
+        <a:srgbClr val="70AD47"/>
       </a:accent6>
       <a:hlink>
-        <a:srgbClr val="CCCCFF"/>
+        <a:srgbClr val="0563C1"/>
       </a:hlink>
       <a:folHlink>
-        <a:srgbClr val="B2B2B2"/>
+        <a:srgbClr val="954F72"/>
       </a:folHlink>
     </a:clrScheme>
     <a:fontScheme name="Tema de Office">
       <a:majorFont>
-        <a:latin typeface="Arial"/>
+        <a:latin typeface="Calibri Light" panose="020F0302020204030204"/>
         <a:ea typeface=""/>
-        <a:cs typeface="Arial"/>
+        <a:cs typeface=""/>
+        <a:font script="Jpan" typeface="游ゴシック Light"/>
+        <a:font script="Hang" typeface="맑은 고딕"/>
+        <a:font script="Hans" typeface="等线 Light"/>
+        <a:font script="Hant" typeface="新細明體"/>
+        <a:font script="Arab" typeface="Times New Roman"/>
+        <a:font script="Hebr" typeface="Times New Roman"/>
+        <a:font script="Thai" typeface="Angsana New"/>
+        <a:font script="Ethi" typeface="Nyala"/>
+        <a:font script="Beng" typeface="Vrinda"/>
+        <a:font script="Gujr" typeface="Shruti"/>
+        <a:font script="Khmr" typeface="MoolBoran"/>
+        <a:font script="Knda" typeface="Tunga"/>
+        <a:font script="Guru" typeface="Raavi"/>
+        <a:font script="Cans" typeface="Euphemia"/>
+        <a:font script="Cher" typeface="Plantagenet Cherokee"/>
+        <a:font script="Yiii" typeface="Microsoft Yi Baiti"/>
+        <a:font script="Tibt" typeface="Microsoft Himalaya"/>
+        <a:font script="Thaa" typeface="MV Boli"/>
+        <a:font script="Deva" typeface="Mangal"/>
+        <a:font script="Telu" typeface="Gautami"/>
+        <a:font script="Taml" typeface="Latha"/>
+        <a:font script="Syrc" typeface="Estrangelo Edessa"/>
+        <a:font script="Orya" typeface="Kalinga"/>
+        <a:font script="Mlym" typeface="Kartika"/>
+        <a:font script="Laoo" typeface="DokChampa"/>
+        <a:font script="Sinh" typeface="Iskoola Pota"/>
+        <a:font script="Mong" typeface="Mongolian Baiti"/>
+        <a:font script="Viet" typeface="Times New Roman"/>
+        <a:font script="Uigh" typeface="Microsoft Uighur"/>
+        <a:font script="Geor" typeface="Sylfaen"/>
       </a:majorFont>
       <a:minorFont>
-        <a:latin typeface="Arial"/>
+        <a:latin typeface="Calibri" panose="020F0502020204030204"/>
         <a:ea typeface=""/>
-        <a:cs typeface="Arial"/>
+        <a:cs typeface=""/>
+        <a:font script="Jpan" typeface="游ゴシック"/>
+        <a:font script="Hang" typeface="맑은 고딕"/>
+        <a:font script="Hans" typeface="等线"/>
+        <a:font script="Hant" typeface="新細明體"/>
+        <a:font script="Arab" typeface="Arial"/>
+        <a:font script="Hebr" typeface="Arial"/>
+        <a:font script="Thai" typeface="Cordia New"/>
+        <a:font script="Ethi" typeface="Nyala"/>
+        <a:font script="Beng" typeface="Vrinda"/>
+        <a:font script="Gujr" typeface="Shruti"/>
+        <a:font script="Khmr" typeface="DaunPenh"/>
+        <a:font script="Knda" typeface="Tunga"/>
+        <a:font script="Guru" typeface="Raavi"/>
+        <a:font script="Cans" typeface="Euphemia"/>
+        <a:font script="Cher" typeface="Plantagenet Cherokee"/>
+        <a:font script="Yiii" typeface="Microsoft Yi Baiti"/>
+        <a:font script="Tibt" typeface="Microsoft Himalaya"/>
+        <a:font script="Thaa" typeface="MV Boli"/>
+        <a:font script="Deva" typeface="Mangal"/>
+        <a:font script="Telu" typeface="Gautami"/>
+        <a:font script="Taml" typeface="Latha"/>
+        <a:font script="Syrc" typeface="Estrangelo Edessa"/>
+        <a:font script="Orya" typeface="Kalinga"/>
+        <a:font script="Mlym" typeface="Kartika"/>
+        <a:font script="Laoo" typeface="DokChampa"/>
+        <a:font script="Sinh" typeface="Iskoola Pota"/>
+        <a:font script="Mong" typeface="Mongolian Baiti"/>
+        <a:font script="Viet" typeface="Arial"/>
+        <a:font script="Uigh" typeface="Microsoft Uighur"/>
+        <a:font script="Geor" typeface="Sylfaen"/>
       </a:minorFont>
     </a:fontScheme>
-    <a:fmtScheme name="Office">
+    <a:fmtScheme name="Tema de Office">
       <a:fillStyleLst>
         <a:solidFill>
           <a:schemeClr val="phClr"/>
@@ -14547,449 +15072,8 @@
       </a:bgFillStyleLst>
     </a:fmtScheme>
   </a:themeElements>
-  <a:objectDefaults>
-    <a:spDef>
-      <a:spPr bwMode="auto">
-        <a:xfrm>
-          <a:off x="0" y="0"/>
-          <a:ext cx="1" cy="1"/>
-        </a:xfrm>
-        <a:custGeom>
-          <a:avLst/>
-          <a:gdLst/>
-          <a:ahLst/>
-          <a:cxnLst/>
-          <a:rect l="0" t="0" r="0" b="0"/>
-          <a:pathLst/>
-        </a:custGeom>
-        <a:solidFill>
-          <a:srgbClr val="00B8FF"/>
-        </a:solidFill>
-        <a:ln w="9525" cap="flat" cmpd="sng" algn="ctr">
-          <a:solidFill>
-            <a:schemeClr val="tx1"/>
-          </a:solidFill>
-          <a:prstDash val="solid"/>
-          <a:round/>
-          <a:headEnd type="none" w="med" len="med"/>
-          <a:tailEnd type="none" w="med" len="med"/>
-        </a:ln>
-        <a:effectLst/>
-        <a:extLst>
-          <a:ext uri="{AF507438-7753-43E0-B8FC-AC1667EBCBE1}">
-            <a14:hiddenEffects xmlns:a14="http://schemas.microsoft.com/office/drawing/2010/main">
-              <a:effectLst>
-                <a:outerShdw dist="35921" dir="2700000" algn="ctr" rotWithShape="0">
-                  <a:schemeClr val="bg2"/>
-                </a:outerShdw>
-              </a:effectLst>
-            </a14:hiddenEffects>
-          </a:ext>
-        </a:extLst>
-      </a:spPr>
-      <a:bodyPr vert="horz" wrap="square" lIns="91440" tIns="45720" rIns="91440" bIns="45720" numCol="1" anchor="t" anchorCtr="0" compatLnSpc="1">
-        <a:prstTxWarp prst="textNoShape">
-          <a:avLst/>
-        </a:prstTxWarp>
-      </a:bodyPr>
-      <a:lstStyle>
-        <a:defPPr marL="0" marR="0" indent="0" algn="l" defTabSz="449263" rtl="0" eaLnBrk="0" fontAlgn="base" latinLnBrk="0" hangingPunct="0">
-          <a:lnSpc>
-            <a:spcPct val="100000"/>
-          </a:lnSpc>
-          <a:spcBef>
-            <a:spcPct val="0"/>
-          </a:spcBef>
-          <a:spcAft>
-            <a:spcPct val="0"/>
-          </a:spcAft>
-          <a:buClr>
-            <a:srgbClr val="000000"/>
-          </a:buClr>
-          <a:buSzPct val="100000"/>
-          <a:buFont typeface="Times New Roman" panose="02020603050405020304" pitchFamily="18" charset="0"/>
-          <a:buNone/>
-          <a:tabLst/>
-          <a:defRPr kumimoji="0" lang="en-GB" altLang="es-MX" sz="1800" b="0" i="0" u="none" strike="noStrike" cap="none" normalizeH="0" baseline="0" smtClean="0">
-            <a:ln>
-              <a:noFill/>
-            </a:ln>
-            <a:solidFill>
-              <a:schemeClr val="bg1"/>
-            </a:solidFill>
-            <a:effectLst/>
-            <a:latin typeface="Arial" panose="020B0604020202020204" pitchFamily="34" charset="0"/>
-            <a:cs typeface="Arial" panose="020B0604020202020204" pitchFamily="34" charset="0"/>
-          </a:defRPr>
-        </a:defPPr>
-      </a:lstStyle>
-    </a:spDef>
-    <a:lnDef>
-      <a:spPr bwMode="auto">
-        <a:xfrm>
-          <a:off x="0" y="0"/>
-          <a:ext cx="1" cy="1"/>
-        </a:xfrm>
-        <a:custGeom>
-          <a:avLst/>
-          <a:gdLst/>
-          <a:ahLst/>
-          <a:cxnLst/>
-          <a:rect l="0" t="0" r="0" b="0"/>
-          <a:pathLst/>
-        </a:custGeom>
-        <a:solidFill>
-          <a:srgbClr val="00B8FF"/>
-        </a:solidFill>
-        <a:ln w="9525" cap="flat" cmpd="sng" algn="ctr">
-          <a:solidFill>
-            <a:schemeClr val="tx1"/>
-          </a:solidFill>
-          <a:prstDash val="solid"/>
-          <a:round/>
-          <a:headEnd type="none" w="med" len="med"/>
-          <a:tailEnd type="none" w="med" len="med"/>
-        </a:ln>
-        <a:effectLst/>
-        <a:extLst>
-          <a:ext uri="{AF507438-7753-43E0-B8FC-AC1667EBCBE1}">
-            <a14:hiddenEffects xmlns:a14="http://schemas.microsoft.com/office/drawing/2010/main">
-              <a:effectLst>
-                <a:outerShdw dist="35921" dir="2700000" algn="ctr" rotWithShape="0">
-                  <a:schemeClr val="bg2"/>
-                </a:outerShdw>
-              </a:effectLst>
-            </a14:hiddenEffects>
-          </a:ext>
-        </a:extLst>
-      </a:spPr>
-      <a:bodyPr vert="horz" wrap="square" lIns="91440" tIns="45720" rIns="91440" bIns="45720" numCol="1" anchor="t" anchorCtr="0" compatLnSpc="1">
-        <a:prstTxWarp prst="textNoShape">
-          <a:avLst/>
-        </a:prstTxWarp>
-      </a:bodyPr>
-      <a:lstStyle>
-        <a:defPPr marL="0" marR="0" indent="0" algn="l" defTabSz="449263" rtl="0" eaLnBrk="0" fontAlgn="base" latinLnBrk="0" hangingPunct="0">
-          <a:lnSpc>
-            <a:spcPct val="100000"/>
-          </a:lnSpc>
-          <a:spcBef>
-            <a:spcPct val="0"/>
-          </a:spcBef>
-          <a:spcAft>
-            <a:spcPct val="0"/>
-          </a:spcAft>
-          <a:buClr>
-            <a:srgbClr val="000000"/>
-          </a:buClr>
-          <a:buSzPct val="100000"/>
-          <a:buFont typeface="Times New Roman" panose="02020603050405020304" pitchFamily="18" charset="0"/>
-          <a:buNone/>
-          <a:tabLst/>
-          <a:defRPr kumimoji="0" lang="en-GB" altLang="es-MX" sz="1800" b="0" i="0" u="none" strike="noStrike" cap="none" normalizeH="0" baseline="0" smtClean="0">
-            <a:ln>
-              <a:noFill/>
-            </a:ln>
-            <a:solidFill>
-              <a:schemeClr val="bg1"/>
-            </a:solidFill>
-            <a:effectLst/>
-            <a:latin typeface="Arial" panose="020B0604020202020204" pitchFamily="34" charset="0"/>
-            <a:cs typeface="Arial" panose="020B0604020202020204" pitchFamily="34" charset="0"/>
-          </a:defRPr>
-        </a:defPPr>
-      </a:lstStyle>
-    </a:lnDef>
-  </a:objectDefaults>
-  <a:extraClrSchemeLst>
-    <a:extraClrScheme>
-      <a:clrScheme name="Tema de Office 1">
-        <a:dk1>
-          <a:srgbClr val="000000"/>
-        </a:dk1>
-        <a:lt1>
-          <a:srgbClr val="FFFFFF"/>
-        </a:lt1>
-        <a:dk2>
-          <a:srgbClr val="000000"/>
-        </a:dk2>
-        <a:lt2>
-          <a:srgbClr val="808080"/>
-        </a:lt2>
-        <a:accent1>
-          <a:srgbClr val="00CC99"/>
-        </a:accent1>
-        <a:accent2>
-          <a:srgbClr val="3333CC"/>
-        </a:accent2>
-        <a:accent3>
-          <a:srgbClr val="FFFFFF"/>
-        </a:accent3>
-        <a:accent4>
-          <a:srgbClr val="000000"/>
-        </a:accent4>
-        <a:accent5>
-          <a:srgbClr val="AAE2CA"/>
-        </a:accent5>
-        <a:accent6>
-          <a:srgbClr val="2D2DB9"/>
-        </a:accent6>
-        <a:hlink>
-          <a:srgbClr val="CCCCFF"/>
-        </a:hlink>
-        <a:folHlink>
-          <a:srgbClr val="B2B2B2"/>
-        </a:folHlink>
-      </a:clrScheme>
-      <a:clrMap bg1="lt1" tx1="dk1" bg2="lt2" tx2="dk2" accent1="accent1" accent2="accent2" accent3="accent3" accent4="accent4" accent5="accent5" accent6="accent6" hlink="hlink" folHlink="folHlink"/>
-    </a:extraClrScheme>
-    <a:extraClrScheme>
-      <a:clrScheme name="Tema de Office 2">
-        <a:dk1>
-          <a:srgbClr val="000000"/>
-        </a:dk1>
-        <a:lt1>
-          <a:srgbClr val="FFFFFF"/>
-        </a:lt1>
-        <a:dk2>
-          <a:srgbClr val="0000FF"/>
-        </a:dk2>
-        <a:lt2>
-          <a:srgbClr val="FFFF00"/>
-        </a:lt2>
-        <a:accent1>
-          <a:srgbClr val="FF9900"/>
-        </a:accent1>
-        <a:accent2>
-          <a:srgbClr val="00FFFF"/>
-        </a:accent2>
-        <a:accent3>
-          <a:srgbClr val="AAAAFF"/>
-        </a:accent3>
-        <a:accent4>
-          <a:srgbClr val="DADADA"/>
-        </a:accent4>
-        <a:accent5>
-          <a:srgbClr val="FFCAAA"/>
-        </a:accent5>
-        <a:accent6>
-          <a:srgbClr val="00E7E7"/>
-        </a:accent6>
-        <a:hlink>
-          <a:srgbClr val="FF0000"/>
-        </a:hlink>
-        <a:folHlink>
-          <a:srgbClr val="969696"/>
-        </a:folHlink>
-      </a:clrScheme>
-      <a:clrMap bg1="dk2" tx1="lt1" bg2="dk1" tx2="lt2" accent1="accent1" accent2="accent2" accent3="accent3" accent4="accent4" accent5="accent5" accent6="accent6" hlink="hlink" folHlink="folHlink"/>
-    </a:extraClrScheme>
-    <a:extraClrScheme>
-      <a:clrScheme name="Tema de Office 3">
-        <a:dk1>
-          <a:srgbClr val="000000"/>
-        </a:dk1>
-        <a:lt1>
-          <a:srgbClr val="FFFFCC"/>
-        </a:lt1>
-        <a:dk2>
-          <a:srgbClr val="808000"/>
-        </a:dk2>
-        <a:lt2>
-          <a:srgbClr val="666633"/>
-        </a:lt2>
-        <a:accent1>
-          <a:srgbClr val="339933"/>
-        </a:accent1>
-        <a:accent2>
-          <a:srgbClr val="800000"/>
-        </a:accent2>
-        <a:accent3>
-          <a:srgbClr val="FFFFE2"/>
-        </a:accent3>
-        <a:accent4>
-          <a:srgbClr val="000000"/>
-        </a:accent4>
-        <a:accent5>
-          <a:srgbClr val="ADCAAD"/>
-        </a:accent5>
-        <a:accent6>
-          <a:srgbClr val="730000"/>
-        </a:accent6>
-        <a:hlink>
-          <a:srgbClr val="0033CC"/>
-        </a:hlink>
-        <a:folHlink>
-          <a:srgbClr val="FFCC66"/>
-        </a:folHlink>
-      </a:clrScheme>
-      <a:clrMap bg1="lt1" tx1="dk1" bg2="lt2" tx2="dk2" accent1="accent1" accent2="accent2" accent3="accent3" accent4="accent4" accent5="accent5" accent6="accent6" hlink="hlink" folHlink="folHlink"/>
-    </a:extraClrScheme>
-    <a:extraClrScheme>
-      <a:clrScheme name="Tema de Office 4">
-        <a:dk1>
-          <a:srgbClr val="000000"/>
-        </a:dk1>
-        <a:lt1>
-          <a:srgbClr val="FFFFFF"/>
-        </a:lt1>
-        <a:dk2>
-          <a:srgbClr val="000000"/>
-        </a:dk2>
-        <a:lt2>
-          <a:srgbClr val="333333"/>
-        </a:lt2>
-        <a:accent1>
-          <a:srgbClr val="DDDDDD"/>
-        </a:accent1>
-        <a:accent2>
-          <a:srgbClr val="808080"/>
-        </a:accent2>
-        <a:accent3>
-          <a:srgbClr val="FFFFFF"/>
-        </a:accent3>
-        <a:accent4>
-          <a:srgbClr val="000000"/>
-        </a:accent4>
-        <a:accent5>
-          <a:srgbClr val="EBEBEB"/>
-        </a:accent5>
-        <a:accent6>
-          <a:srgbClr val="737373"/>
-        </a:accent6>
-        <a:hlink>
-          <a:srgbClr val="4D4D4D"/>
-        </a:hlink>
-        <a:folHlink>
-          <a:srgbClr val="EAEAEA"/>
-        </a:folHlink>
-      </a:clrScheme>
-      <a:clrMap bg1="lt1" tx1="dk1" bg2="lt2" tx2="dk2" accent1="accent1" accent2="accent2" accent3="accent3" accent4="accent4" accent5="accent5" accent6="accent6" hlink="hlink" folHlink="folHlink"/>
-    </a:extraClrScheme>
-    <a:extraClrScheme>
-      <a:clrScheme name="Tema de Office 5">
-        <a:dk1>
-          <a:srgbClr val="000000"/>
-        </a:dk1>
-        <a:lt1>
-          <a:srgbClr val="FFFFFF"/>
-        </a:lt1>
-        <a:dk2>
-          <a:srgbClr val="000000"/>
-        </a:dk2>
-        <a:lt2>
-          <a:srgbClr val="808080"/>
-        </a:lt2>
-        <a:accent1>
-          <a:srgbClr val="FFCC66"/>
-        </a:accent1>
-        <a:accent2>
-          <a:srgbClr val="0000FF"/>
-        </a:accent2>
-        <a:accent3>
-          <a:srgbClr val="FFFFFF"/>
-        </a:accent3>
-        <a:accent4>
-          <a:srgbClr val="000000"/>
-        </a:accent4>
-        <a:accent5>
-          <a:srgbClr val="FFE2B8"/>
-        </a:accent5>
-        <a:accent6>
-          <a:srgbClr val="0000E7"/>
-        </a:accent6>
-        <a:hlink>
-          <a:srgbClr val="CC00CC"/>
-        </a:hlink>
-        <a:folHlink>
-          <a:srgbClr val="C0C0C0"/>
-        </a:folHlink>
-      </a:clrScheme>
-      <a:clrMap bg1="lt1" tx1="dk1" bg2="lt2" tx2="dk2" accent1="accent1" accent2="accent2" accent3="accent3" accent4="accent4" accent5="accent5" accent6="accent6" hlink="hlink" folHlink="folHlink"/>
-    </a:extraClrScheme>
-    <a:extraClrScheme>
-      <a:clrScheme name="Tema de Office 6">
-        <a:dk1>
-          <a:srgbClr val="000000"/>
-        </a:dk1>
-        <a:lt1>
-          <a:srgbClr val="FFFFFF"/>
-        </a:lt1>
-        <a:dk2>
-          <a:srgbClr val="000000"/>
-        </a:dk2>
-        <a:lt2>
-          <a:srgbClr val="808080"/>
-        </a:lt2>
-        <a:accent1>
-          <a:srgbClr val="C0C0C0"/>
-        </a:accent1>
-        <a:accent2>
-          <a:srgbClr val="0066FF"/>
-        </a:accent2>
-        <a:accent3>
-          <a:srgbClr val="FFFFFF"/>
-        </a:accent3>
-        <a:accent4>
-          <a:srgbClr val="000000"/>
-        </a:accent4>
-        <a:accent5>
-          <a:srgbClr val="DCDCDC"/>
-        </a:accent5>
-        <a:accent6>
-          <a:srgbClr val="005CE7"/>
-        </a:accent6>
-        <a:hlink>
-          <a:srgbClr val="FF0000"/>
-        </a:hlink>
-        <a:folHlink>
-          <a:srgbClr val="009900"/>
-        </a:folHlink>
-      </a:clrScheme>
-      <a:clrMap bg1="lt1" tx1="dk1" bg2="lt2" tx2="dk2" accent1="accent1" accent2="accent2" accent3="accent3" accent4="accent4" accent5="accent5" accent6="accent6" hlink="hlink" folHlink="folHlink"/>
-    </a:extraClrScheme>
-    <a:extraClrScheme>
-      <a:clrScheme name="Tema de Office 7">
-        <a:dk1>
-          <a:srgbClr val="000000"/>
-        </a:dk1>
-        <a:lt1>
-          <a:srgbClr val="FFFFFF"/>
-        </a:lt1>
-        <a:dk2>
-          <a:srgbClr val="000000"/>
-        </a:dk2>
-        <a:lt2>
-          <a:srgbClr val="808080"/>
-        </a:lt2>
-        <a:accent1>
-          <a:srgbClr val="3399FF"/>
-        </a:accent1>
-        <a:accent2>
-          <a:srgbClr val="99FFCC"/>
-        </a:accent2>
-        <a:accent3>
-          <a:srgbClr val="FFFFFF"/>
-        </a:accent3>
-        <a:accent4>
-          <a:srgbClr val="000000"/>
-        </a:accent4>
-        <a:accent5>
-          <a:srgbClr val="ADCAFF"/>
-        </a:accent5>
-        <a:accent6>
-          <a:srgbClr val="8AE7B9"/>
-        </a:accent6>
-        <a:hlink>
-          <a:srgbClr val="CC00CC"/>
-        </a:hlink>
-        <a:folHlink>
-          <a:srgbClr val="B2B2B2"/>
-        </a:folHlink>
-      </a:clrScheme>
-      <a:clrMap bg1="lt1" tx1="dk1" bg2="lt2" tx2="dk2" accent1="accent1" accent2="accent2" accent3="accent3" accent4="accent4" accent5="accent5" accent6="accent6" hlink="hlink" folHlink="folHlink"/>
-    </a:extraClrScheme>
-  </a:extraClrSchemeLst>
+  <a:objectDefaults/>
+  <a:extraClrSchemeLst/>
   <a:extLst>
     <a:ext uri="{05A4C25C-085E-4340-85A3-A5531E510DB2}">
       <thm15:themeFamily xmlns:thm15="http://schemas.microsoft.com/office/thememl/2012/main" name="Office Theme" id="{62F939B6-93AF-4DB8-9C6B-D6C7DFDC589F}" vid="{4A3C46E8-61CC-4603-A589-7422A47A8E4A}"/>

--- a/Cartel.pptx
+++ b/Cartel.pptx
@@ -143,7 +143,7 @@
 <file path=ppt/revisionInfo.xml><?xml version="1.0" encoding="utf-8"?>
 <p1510:revInfo xmlns:a="http://schemas.openxmlformats.org/drawingml/2006/main" xmlns:r="http://schemas.openxmlformats.org/officeDocument/2006/relationships" xmlns:p1510="http://schemas.microsoft.com/office/powerpoint/2015/10/main">
   <p1510:revLst>
-    <p1510:client id="{92E67234-618A-4926-B56E-B721E5CE024C}" v="1486" dt="2019-05-13T13:49:40.567"/>
+    <p1510:client id="{76E6DFC8-0C56-445B-92F9-6634E7FDFD1C}" v="372" dt="2019-05-15T15:49:31.170"/>
   </p1510:revLst>
 </p1510:revInfo>
 </file>
@@ -574,7 +574,5396 @@
       </pc:sldChg>
     </pc:docChg>
   </pc:docChgLst>
+  <pc:docChgLst>
+    <pc:chgData name="Mariam Rodriguez" userId="c09470932690718e" providerId="LiveId" clId="{76E6DFC8-0C56-445B-92F9-6634E7FDFD1C}"/>
+    <pc:docChg chg="undo custSel modSld">
+      <pc:chgData name="Mariam Rodriguez" userId="c09470932690718e" providerId="LiveId" clId="{76E6DFC8-0C56-445B-92F9-6634E7FDFD1C}" dt="2019-05-15T15:49:31.169" v="353"/>
+      <pc:docMkLst>
+        <pc:docMk/>
+      </pc:docMkLst>
+      <pc:sldChg chg="addSp delSp modSp mod">
+        <pc:chgData name="Mariam Rodriguez" userId="c09470932690718e" providerId="LiveId" clId="{76E6DFC8-0C56-445B-92F9-6634E7FDFD1C}" dt="2019-05-15T15:49:31.169" v="353"/>
+        <pc:sldMkLst>
+          <pc:docMk/>
+          <pc:sldMk cId="0" sldId="256"/>
+        </pc:sldMkLst>
+        <pc:spChg chg="mod">
+          <ac:chgData name="Mariam Rodriguez" userId="c09470932690718e" providerId="LiveId" clId="{76E6DFC8-0C56-445B-92F9-6634E7FDFD1C}" dt="2019-05-15T15:08:49.293" v="56" actId="1076"/>
+          <ac:spMkLst>
+            <pc:docMk/>
+            <pc:sldMk cId="0" sldId="256"/>
+            <ac:spMk id="2" creationId="{9728DB76-82C8-4B46-9064-5668887502C5}"/>
+          </ac:spMkLst>
+        </pc:spChg>
+        <pc:spChg chg="mod">
+          <ac:chgData name="Mariam Rodriguez" userId="c09470932690718e" providerId="LiveId" clId="{76E6DFC8-0C56-445B-92F9-6634E7FDFD1C}" dt="2019-05-15T15:11:33.076" v="97" actId="1038"/>
+          <ac:spMkLst>
+            <pc:docMk/>
+            <pc:sldMk cId="0" sldId="256"/>
+            <ac:spMk id="35" creationId="{9DC5CFE4-0048-48F5-B076-1509D3D1B97B}"/>
+          </ac:spMkLst>
+        </pc:spChg>
+        <pc:spChg chg="mod">
+          <ac:chgData name="Mariam Rodriguez" userId="c09470932690718e" providerId="LiveId" clId="{76E6DFC8-0C56-445B-92F9-6634E7FDFD1C}" dt="2019-05-15T15:45:28.541" v="311" actId="1076"/>
+          <ac:spMkLst>
+            <pc:docMk/>
+            <pc:sldMk cId="0" sldId="256"/>
+            <ac:spMk id="40" creationId="{B086BEB9-538E-4287-812F-736F388B5EA6}"/>
+          </ac:spMkLst>
+        </pc:spChg>
+        <pc:spChg chg="mod">
+          <ac:chgData name="Mariam Rodriguez" userId="c09470932690718e" providerId="LiveId" clId="{76E6DFC8-0C56-445B-92F9-6634E7FDFD1C}" dt="2019-05-15T15:11:33.076" v="97" actId="1038"/>
+          <ac:spMkLst>
+            <pc:docMk/>
+            <pc:sldMk cId="0" sldId="256"/>
+            <ac:spMk id="41" creationId="{EC5740EC-249A-4E5B-B18F-D829F98D4C41}"/>
+          </ac:spMkLst>
+        </pc:spChg>
+        <pc:spChg chg="mod">
+          <ac:chgData name="Mariam Rodriguez" userId="c09470932690718e" providerId="LiveId" clId="{76E6DFC8-0C56-445B-92F9-6634E7FDFD1C}" dt="2019-05-15T15:11:33.076" v="97" actId="1038"/>
+          <ac:spMkLst>
+            <pc:docMk/>
+            <pc:sldMk cId="0" sldId="256"/>
+            <ac:spMk id="42" creationId="{161F8EE5-A5CC-458C-8F37-7B2BB19AB344}"/>
+          </ac:spMkLst>
+        </pc:spChg>
+        <pc:spChg chg="mod">
+          <ac:chgData name="Mariam Rodriguez" userId="c09470932690718e" providerId="LiveId" clId="{76E6DFC8-0C56-445B-92F9-6634E7FDFD1C}" dt="2019-05-15T15:43:21.205" v="302" actId="1076"/>
+          <ac:spMkLst>
+            <pc:docMk/>
+            <pc:sldMk cId="0" sldId="256"/>
+            <ac:spMk id="43" creationId="{B32FB1F6-6F24-40BE-A4EE-50D46C5F857A}"/>
+          </ac:spMkLst>
+        </pc:spChg>
+        <pc:spChg chg="mod">
+          <ac:chgData name="Mariam Rodriguez" userId="c09470932690718e" providerId="LiveId" clId="{76E6DFC8-0C56-445B-92F9-6634E7FDFD1C}" dt="2019-05-15T15:43:21.205" v="302" actId="1076"/>
+          <ac:spMkLst>
+            <pc:docMk/>
+            <pc:sldMk cId="0" sldId="256"/>
+            <ac:spMk id="44" creationId="{EFBC4037-6067-4824-AC68-9733786CE250}"/>
+          </ac:spMkLst>
+        </pc:spChg>
+        <pc:spChg chg="mod">
+          <ac:chgData name="Mariam Rodriguez" userId="c09470932690718e" providerId="LiveId" clId="{76E6DFC8-0C56-445B-92F9-6634E7FDFD1C}" dt="2019-05-15T15:37:30.854" v="244" actId="14100"/>
+          <ac:spMkLst>
+            <pc:docMk/>
+            <pc:sldMk cId="0" sldId="256"/>
+            <ac:spMk id="45" creationId="{9D338671-1A2A-4D3F-B40C-AA22C0705BC1}"/>
+          </ac:spMkLst>
+        </pc:spChg>
+        <pc:spChg chg="mod">
+          <ac:chgData name="Mariam Rodriguez" userId="c09470932690718e" providerId="LiveId" clId="{76E6DFC8-0C56-445B-92F9-6634E7FDFD1C}" dt="2019-05-15T15:43:21.205" v="302" actId="1076"/>
+          <ac:spMkLst>
+            <pc:docMk/>
+            <pc:sldMk cId="0" sldId="256"/>
+            <ac:spMk id="46" creationId="{914C3AD4-A9CD-4EEC-94DD-D5A3E2D4061C}"/>
+          </ac:spMkLst>
+        </pc:spChg>
+        <pc:spChg chg="mod">
+          <ac:chgData name="Mariam Rodriguez" userId="c09470932690718e" providerId="LiveId" clId="{76E6DFC8-0C56-445B-92F9-6634E7FDFD1C}" dt="2019-05-15T15:37:33.622" v="245" actId="1076"/>
+          <ac:spMkLst>
+            <pc:docMk/>
+            <pc:sldMk cId="0" sldId="256"/>
+            <ac:spMk id="47" creationId="{3913B90B-B1E8-4F3E-9C68-F20E453D885C}"/>
+          </ac:spMkLst>
+        </pc:spChg>
+        <pc:spChg chg="mod">
+          <ac:chgData name="Mariam Rodriguez" userId="c09470932690718e" providerId="LiveId" clId="{76E6DFC8-0C56-445B-92F9-6634E7FDFD1C}" dt="2019-05-15T15:37:19.726" v="242" actId="14100"/>
+          <ac:spMkLst>
+            <pc:docMk/>
+            <pc:sldMk cId="0" sldId="256"/>
+            <ac:spMk id="49" creationId="{F2AC18CD-E87F-4904-A63E-AB5E7648897A}"/>
+          </ac:spMkLst>
+        </pc:spChg>
+        <pc:spChg chg="mod">
+          <ac:chgData name="Mariam Rodriguez" userId="c09470932690718e" providerId="LiveId" clId="{76E6DFC8-0C56-445B-92F9-6634E7FDFD1C}" dt="2019-05-15T15:38:07.949" v="247" actId="1076"/>
+          <ac:spMkLst>
+            <pc:docMk/>
+            <pc:sldMk cId="0" sldId="256"/>
+            <ac:spMk id="50" creationId="{B31FDD89-95C9-4890-B3FD-EDC50FB2EFA4}"/>
+          </ac:spMkLst>
+        </pc:spChg>
+        <pc:spChg chg="add mod">
+          <ac:chgData name="Mariam Rodriguez" userId="c09470932690718e" providerId="LiveId" clId="{76E6DFC8-0C56-445B-92F9-6634E7FDFD1C}" dt="2019-05-15T15:15:26.640" v="121" actId="571"/>
+          <ac:spMkLst>
+            <pc:docMk/>
+            <pc:sldMk cId="0" sldId="256"/>
+            <ac:spMk id="51" creationId="{F2729268-E63C-468B-9D13-66A4DCEC4D8C}"/>
+          </ac:spMkLst>
+        </pc:spChg>
+        <pc:spChg chg="add mod">
+          <ac:chgData name="Mariam Rodriguez" userId="c09470932690718e" providerId="LiveId" clId="{76E6DFC8-0C56-445B-92F9-6634E7FDFD1C}" dt="2019-05-15T15:15:26.640" v="121" actId="571"/>
+          <ac:spMkLst>
+            <pc:docMk/>
+            <pc:sldMk cId="0" sldId="256"/>
+            <ac:spMk id="54" creationId="{59C0EBE1-C28E-40F5-A37B-CD603EE3FEE7}"/>
+          </ac:spMkLst>
+        </pc:spChg>
+        <pc:spChg chg="mod">
+          <ac:chgData name="Mariam Rodriguez" userId="c09470932690718e" providerId="LiveId" clId="{76E6DFC8-0C56-445B-92F9-6634E7FDFD1C}" dt="2019-05-15T15:43:39.701" v="303" actId="1076"/>
+          <ac:spMkLst>
+            <pc:docMk/>
+            <pc:sldMk cId="0" sldId="256"/>
+            <ac:spMk id="56" creationId="{08386481-5C24-4CB5-995B-CFD5ACA6037C}"/>
+          </ac:spMkLst>
+        </pc:spChg>
+        <pc:spChg chg="mod">
+          <ac:chgData name="Mariam Rodriguez" userId="c09470932690718e" providerId="LiveId" clId="{76E6DFC8-0C56-445B-92F9-6634E7FDFD1C}" dt="2019-05-15T15:43:44.182" v="304" actId="14100"/>
+          <ac:spMkLst>
+            <pc:docMk/>
+            <pc:sldMk cId="0" sldId="256"/>
+            <ac:spMk id="57" creationId="{DC1A17CE-A063-4189-926C-0612DB57E211}"/>
+          </ac:spMkLst>
+        </pc:spChg>
+        <pc:spChg chg="mod">
+          <ac:chgData name="Mariam Rodriguez" userId="c09470932690718e" providerId="LiveId" clId="{76E6DFC8-0C56-445B-92F9-6634E7FDFD1C}" dt="2019-05-15T15:39:46.261" v="254" actId="1076"/>
+          <ac:spMkLst>
+            <pc:docMk/>
+            <pc:sldMk cId="0" sldId="256"/>
+            <ac:spMk id="60" creationId="{F22BC1B7-3489-400F-B4C5-6E2A8D645D4B}"/>
+          </ac:spMkLst>
+        </pc:spChg>
+        <pc:spChg chg="mod">
+          <ac:chgData name="Mariam Rodriguez" userId="c09470932690718e" providerId="LiveId" clId="{76E6DFC8-0C56-445B-92F9-6634E7FDFD1C}" dt="2019-05-15T15:43:39.701" v="303" actId="1076"/>
+          <ac:spMkLst>
+            <pc:docMk/>
+            <pc:sldMk cId="0" sldId="256"/>
+            <ac:spMk id="61" creationId="{E36FC201-14E0-4EFB-B8B7-2F2C3EFF4D02}"/>
+          </ac:spMkLst>
+        </pc:spChg>
+        <pc:spChg chg="mod">
+          <ac:chgData name="Mariam Rodriguez" userId="c09470932690718e" providerId="LiveId" clId="{76E6DFC8-0C56-445B-92F9-6634E7FDFD1C}" dt="2019-05-15T15:38:35.662" v="250" actId="1076"/>
+          <ac:spMkLst>
+            <pc:docMk/>
+            <pc:sldMk cId="0" sldId="256"/>
+            <ac:spMk id="62" creationId="{F5E9A025-A723-40C3-9CB2-05A965875BFE}"/>
+          </ac:spMkLst>
+        </pc:spChg>
+        <pc:spChg chg="mod">
+          <ac:chgData name="Mariam Rodriguez" userId="c09470932690718e" providerId="LiveId" clId="{76E6DFC8-0C56-445B-92F9-6634E7FDFD1C}" dt="2019-05-15T15:38:35.662" v="250" actId="1076"/>
+          <ac:spMkLst>
+            <pc:docMk/>
+            <pc:sldMk cId="0" sldId="256"/>
+            <ac:spMk id="63" creationId="{D379C046-9A5F-498B-B8BA-3354502C8BED}"/>
+          </ac:spMkLst>
+        </pc:spChg>
+        <pc:spChg chg="mod">
+          <ac:chgData name="Mariam Rodriguez" userId="c09470932690718e" providerId="LiveId" clId="{76E6DFC8-0C56-445B-92F9-6634E7FDFD1C}" dt="2019-05-15T15:45:42.693" v="312" actId="14100"/>
+          <ac:spMkLst>
+            <pc:docMk/>
+            <pc:sldMk cId="0" sldId="256"/>
+            <ac:spMk id="64" creationId="{8561955E-3F3B-42FF-B45A-2D7DDD34F97F}"/>
+          </ac:spMkLst>
+        </pc:spChg>
+        <pc:spChg chg="del mod">
+          <ac:chgData name="Mariam Rodriguez" userId="c09470932690718e" providerId="LiveId" clId="{76E6DFC8-0C56-445B-92F9-6634E7FDFD1C}" dt="2019-05-15T15:46:08.666" v="315" actId="478"/>
+          <ac:spMkLst>
+            <pc:docMk/>
+            <pc:sldMk cId="0" sldId="256"/>
+            <ac:spMk id="65" creationId="{4B5F695F-2FDB-4332-874C-6B5E9BF5D063}"/>
+          </ac:spMkLst>
+        </pc:spChg>
+        <pc:spChg chg="del mod">
+          <ac:chgData name="Mariam Rodriguez" userId="c09470932690718e" providerId="LiveId" clId="{76E6DFC8-0C56-445B-92F9-6634E7FDFD1C}" dt="2019-05-15T15:46:10.039" v="316" actId="478"/>
+          <ac:spMkLst>
+            <pc:docMk/>
+            <pc:sldMk cId="0" sldId="256"/>
+            <ac:spMk id="66" creationId="{C91F29E3-FDA3-450A-A6FF-9A77B7FF6333}"/>
+          </ac:spMkLst>
+        </pc:spChg>
+        <pc:spChg chg="del mod">
+          <ac:chgData name="Mariam Rodriguez" userId="c09470932690718e" providerId="LiveId" clId="{76E6DFC8-0C56-445B-92F9-6634E7FDFD1C}" dt="2019-05-15T15:46:08.666" v="315" actId="478"/>
+          <ac:spMkLst>
+            <pc:docMk/>
+            <pc:sldMk cId="0" sldId="256"/>
+            <ac:spMk id="67" creationId="{1C8F20C7-4AA1-4F68-BF7A-1EBB42F12D2F}"/>
+          </ac:spMkLst>
+        </pc:spChg>
+        <pc:spChg chg="mod">
+          <ac:chgData name="Mariam Rodriguez" userId="c09470932690718e" providerId="LiveId" clId="{76E6DFC8-0C56-445B-92F9-6634E7FDFD1C}" dt="2019-05-15T15:10:44.840" v="93" actId="1076"/>
+          <ac:spMkLst>
+            <pc:docMk/>
+            <pc:sldMk cId="0" sldId="256"/>
+            <ac:spMk id="68" creationId="{FB743777-E4BA-4809-834B-4AF3E8893C05}"/>
+          </ac:spMkLst>
+        </pc:spChg>
+        <pc:spChg chg="mod">
+          <ac:chgData name="Mariam Rodriguez" userId="c09470932690718e" providerId="LiveId" clId="{76E6DFC8-0C56-445B-92F9-6634E7FDFD1C}" dt="2019-05-15T15:11:40.029" v="99" actId="1037"/>
+          <ac:spMkLst>
+            <pc:docMk/>
+            <pc:sldMk cId="0" sldId="256"/>
+            <ac:spMk id="69" creationId="{6C5B1A62-295C-4085-8F61-87C2498D3A52}"/>
+          </ac:spMkLst>
+        </pc:spChg>
+        <pc:spChg chg="mod">
+          <ac:chgData name="Mariam Rodriguez" userId="c09470932690718e" providerId="LiveId" clId="{76E6DFC8-0C56-445B-92F9-6634E7FDFD1C}" dt="2019-05-15T15:11:47.745" v="100" actId="1076"/>
+          <ac:spMkLst>
+            <pc:docMk/>
+            <pc:sldMk cId="0" sldId="256"/>
+            <ac:spMk id="70" creationId="{1E5494CE-72A8-41A1-877D-C54F691BF676}"/>
+          </ac:spMkLst>
+        </pc:spChg>
+        <pc:spChg chg="mod">
+          <ac:chgData name="Mariam Rodriguez" userId="c09470932690718e" providerId="LiveId" clId="{76E6DFC8-0C56-445B-92F9-6634E7FDFD1C}" dt="2019-05-15T15:11:40.029" v="99" actId="1037"/>
+          <ac:spMkLst>
+            <pc:docMk/>
+            <pc:sldMk cId="0" sldId="256"/>
+            <ac:spMk id="71" creationId="{51587575-1A00-4292-A3C6-61ACA41138B2}"/>
+          </ac:spMkLst>
+        </pc:spChg>
+        <pc:spChg chg="mod">
+          <ac:chgData name="Mariam Rodriguez" userId="c09470932690718e" providerId="LiveId" clId="{76E6DFC8-0C56-445B-92F9-6634E7FDFD1C}" dt="2019-05-15T15:36:54.107" v="236" actId="1035"/>
+          <ac:spMkLst>
+            <pc:docMk/>
+            <pc:sldMk cId="0" sldId="256"/>
+            <ac:spMk id="77" creationId="{542124DF-9E9B-49E3-9B8D-72D4676176EE}"/>
+          </ac:spMkLst>
+        </pc:spChg>
+        <pc:spChg chg="mod">
+          <ac:chgData name="Mariam Rodriguez" userId="c09470932690718e" providerId="LiveId" clId="{76E6DFC8-0C56-445B-92F9-6634E7FDFD1C}" dt="2019-05-15T15:37:07.710" v="239" actId="14100"/>
+          <ac:spMkLst>
+            <pc:docMk/>
+            <pc:sldMk cId="0" sldId="256"/>
+            <ac:spMk id="78" creationId="{F8C9B14A-85E1-475E-875D-022B9DA47A3F}"/>
+          </ac:spMkLst>
+        </pc:spChg>
+        <pc:spChg chg="mod">
+          <ac:chgData name="Mariam Rodriguez" userId="c09470932690718e" providerId="LiveId" clId="{76E6DFC8-0C56-445B-92F9-6634E7FDFD1C}" dt="2019-05-15T15:37:04.167" v="238" actId="14100"/>
+          <ac:spMkLst>
+            <pc:docMk/>
+            <pc:sldMk cId="0" sldId="256"/>
+            <ac:spMk id="79" creationId="{ABEC8CFB-32B9-40A6-B6E8-396CFFE8AF08}"/>
+          </ac:spMkLst>
+        </pc:spChg>
+        <pc:spChg chg="mod">
+          <ac:chgData name="Mariam Rodriguez" userId="c09470932690718e" providerId="LiveId" clId="{76E6DFC8-0C56-445B-92F9-6634E7FDFD1C}" dt="2019-05-15T15:44:43.288" v="306" actId="14100"/>
+          <ac:spMkLst>
+            <pc:docMk/>
+            <pc:sldMk cId="0" sldId="256"/>
+            <ac:spMk id="3075" creationId="{3BE0C4DF-8B8C-4E55-BD3D-AD23BEEB949A}"/>
+          </ac:spMkLst>
+        </pc:spChg>
+        <pc:spChg chg="mod">
+          <ac:chgData name="Mariam Rodriguez" userId="c09470932690718e" providerId="LiveId" clId="{76E6DFC8-0C56-445B-92F9-6634E7FDFD1C}" dt="2019-05-15T15:44:43.288" v="306" actId="14100"/>
+          <ac:spMkLst>
+            <pc:docMk/>
+            <pc:sldMk cId="0" sldId="256"/>
+            <ac:spMk id="3076" creationId="{FA8F4F64-5094-48E9-919D-DB4AD3F28161}"/>
+          </ac:spMkLst>
+        </pc:spChg>
+        <pc:spChg chg="mod">
+          <ac:chgData name="Mariam Rodriguez" userId="c09470932690718e" providerId="LiveId" clId="{76E6DFC8-0C56-445B-92F9-6634E7FDFD1C}" dt="2019-05-15T15:11:33.076" v="97" actId="1038"/>
+          <ac:spMkLst>
+            <pc:docMk/>
+            <pc:sldMk cId="0" sldId="256"/>
+            <ac:spMk id="3078" creationId="{FBD784B3-1072-4087-B64B-7C029B5C1870}"/>
+          </ac:spMkLst>
+        </pc:spChg>
+        <pc:grpChg chg="mod">
+          <ac:chgData name="Mariam Rodriguez" userId="c09470932690718e" providerId="LiveId" clId="{76E6DFC8-0C56-445B-92F9-6634E7FDFD1C}" dt="2019-05-15T15:43:21.205" v="302" actId="1076"/>
+          <ac:grpSpMkLst>
+            <pc:docMk/>
+            <pc:sldMk cId="0" sldId="256"/>
+            <ac:grpSpMk id="58" creationId="{27C1E778-56F1-4E1D-9E97-292397A238D2}"/>
+          </ac:grpSpMkLst>
+        </pc:grpChg>
+        <pc:graphicFrameChg chg="add del mod">
+          <ac:chgData name="Mariam Rodriguez" userId="c09470932690718e" providerId="LiveId" clId="{76E6DFC8-0C56-445B-92F9-6634E7FDFD1C}" dt="2019-05-15T15:31:11.050" v="177" actId="478"/>
+          <ac:graphicFrameMkLst>
+            <pc:docMk/>
+            <pc:sldMk cId="0" sldId="256"/>
+            <ac:graphicFrameMk id="55" creationId="{B6E97ABA-2859-4E85-A385-00E67598D023}"/>
+          </ac:graphicFrameMkLst>
+        </pc:graphicFrameChg>
+        <pc:graphicFrameChg chg="add mod">
+          <ac:chgData name="Mariam Rodriguez" userId="c09470932690718e" providerId="LiveId" clId="{76E6DFC8-0C56-445B-92F9-6634E7FDFD1C}" dt="2019-05-15T15:49:31.169" v="353"/>
+          <ac:graphicFrameMkLst>
+            <pc:docMk/>
+            <pc:sldMk cId="0" sldId="256"/>
+            <ac:graphicFrameMk id="73" creationId="{52F2FAA3-6EC5-4029-867F-7FDD1D2C1609}"/>
+          </ac:graphicFrameMkLst>
+        </pc:graphicFrameChg>
+        <pc:graphicFrameChg chg="add mod">
+          <ac:chgData name="Mariam Rodriguez" userId="c09470932690718e" providerId="LiveId" clId="{76E6DFC8-0C56-445B-92F9-6634E7FDFD1C}" dt="2019-05-15T15:49:23.990" v="351"/>
+          <ac:graphicFrameMkLst>
+            <pc:docMk/>
+            <pc:sldMk cId="0" sldId="256"/>
+            <ac:graphicFrameMk id="74" creationId="{7A305884-E25B-4EF6-B0C9-591130C4F88B}"/>
+          </ac:graphicFrameMkLst>
+        </pc:graphicFrameChg>
+        <pc:graphicFrameChg chg="add del mod">
+          <ac:chgData name="Mariam Rodriguez" userId="c09470932690718e" providerId="LiveId" clId="{76E6DFC8-0C56-445B-92F9-6634E7FDFD1C}" dt="2019-05-15T15:31:04.305" v="176" actId="478"/>
+          <ac:graphicFrameMkLst>
+            <pc:docMk/>
+            <pc:sldMk cId="0" sldId="256"/>
+            <ac:graphicFrameMk id="75" creationId="{3920C79B-6A15-43BD-9FD8-C78D4E86152C}"/>
+          </ac:graphicFrameMkLst>
+        </pc:graphicFrameChg>
+        <pc:graphicFrameChg chg="add mod">
+          <ac:chgData name="Mariam Rodriguez" userId="c09470932690718e" providerId="LiveId" clId="{76E6DFC8-0C56-445B-92F9-6634E7FDFD1C}" dt="2019-05-15T15:47:17.021" v="327" actId="14100"/>
+          <ac:graphicFrameMkLst>
+            <pc:docMk/>
+            <pc:sldMk cId="0" sldId="256"/>
+            <ac:graphicFrameMk id="76" creationId="{FB3B4AB0-F085-4DC6-BBB8-AFE13D890D2B}"/>
+          </ac:graphicFrameMkLst>
+        </pc:graphicFrameChg>
+        <pc:picChg chg="mod">
+          <ac:chgData name="Mariam Rodriguez" userId="c09470932690718e" providerId="LiveId" clId="{76E6DFC8-0C56-445B-92F9-6634E7FDFD1C}" dt="2019-05-15T15:11:55.160" v="105" actId="1076"/>
+          <ac:picMkLst>
+            <pc:docMk/>
+            <pc:sldMk cId="0" sldId="256"/>
+            <ac:picMk id="9" creationId="{F7CA1EDE-24E2-40D0-93C0-5675A8EC37BD}"/>
+          </ac:picMkLst>
+        </pc:picChg>
+        <pc:picChg chg="mod modCrop">
+          <ac:chgData name="Mariam Rodriguez" userId="c09470932690718e" providerId="LiveId" clId="{76E6DFC8-0C56-445B-92F9-6634E7FDFD1C}" dt="2019-05-15T15:43:39.701" v="303" actId="1076"/>
+          <ac:picMkLst>
+            <pc:docMk/>
+            <pc:sldMk cId="0" sldId="256"/>
+            <ac:picMk id="12" creationId="{171FB81C-B528-4D9C-A7F0-B3E3C49377A6}"/>
+          </ac:picMkLst>
+        </pc:picChg>
+        <pc:picChg chg="mod">
+          <ac:chgData name="Mariam Rodriguez" userId="c09470932690718e" providerId="LiveId" clId="{76E6DFC8-0C56-445B-92F9-6634E7FDFD1C}" dt="2019-05-15T15:46:02.893" v="314" actId="1076"/>
+          <ac:picMkLst>
+            <pc:docMk/>
+            <pc:sldMk cId="0" sldId="256"/>
+            <ac:picMk id="16" creationId="{C643B774-ABED-4517-8B20-F4EA551022BC}"/>
+          </ac:picMkLst>
+        </pc:picChg>
+        <pc:picChg chg="mod">
+          <ac:chgData name="Mariam Rodriguez" userId="c09470932690718e" providerId="LiveId" clId="{76E6DFC8-0C56-445B-92F9-6634E7FDFD1C}" dt="2019-05-15T15:46:02.893" v="314" actId="1076"/>
+          <ac:picMkLst>
+            <pc:docMk/>
+            <pc:sldMk cId="0" sldId="256"/>
+            <ac:picMk id="18" creationId="{D6369CC1-8688-45D7-9468-853034EAA4A2}"/>
+          </ac:picMkLst>
+        </pc:picChg>
+        <pc:picChg chg="mod">
+          <ac:chgData name="Mariam Rodriguez" userId="c09470932690718e" providerId="LiveId" clId="{76E6DFC8-0C56-445B-92F9-6634E7FDFD1C}" dt="2019-05-15T15:46:02.893" v="314" actId="1076"/>
+          <ac:picMkLst>
+            <pc:docMk/>
+            <pc:sldMk cId="0" sldId="256"/>
+            <ac:picMk id="20" creationId="{B4386303-69C0-4AEE-80E1-D8195E1635CB}"/>
+          </ac:picMkLst>
+        </pc:picChg>
+        <pc:picChg chg="mod">
+          <ac:chgData name="Mariam Rodriguez" userId="c09470932690718e" providerId="LiveId" clId="{76E6DFC8-0C56-445B-92F9-6634E7FDFD1C}" dt="2019-05-15T15:46:02.893" v="314" actId="1076"/>
+          <ac:picMkLst>
+            <pc:docMk/>
+            <pc:sldMk cId="0" sldId="256"/>
+            <ac:picMk id="26" creationId="{631816E2-73C9-4D35-B5A9-3905A2A608D4}"/>
+          </ac:picMkLst>
+        </pc:picChg>
+        <pc:picChg chg="mod">
+          <ac:chgData name="Mariam Rodriguez" userId="c09470932690718e" providerId="LiveId" clId="{76E6DFC8-0C56-445B-92F9-6634E7FDFD1C}" dt="2019-05-15T15:46:02.893" v="314" actId="1076"/>
+          <ac:picMkLst>
+            <pc:docMk/>
+            <pc:sldMk cId="0" sldId="256"/>
+            <ac:picMk id="28" creationId="{9F558F55-5FD7-4176-B7E1-7353D77FCBF5}"/>
+          </ac:picMkLst>
+        </pc:picChg>
+        <pc:picChg chg="mod">
+          <ac:chgData name="Mariam Rodriguez" userId="c09470932690718e" providerId="LiveId" clId="{76E6DFC8-0C56-445B-92F9-6634E7FDFD1C}" dt="2019-05-15T15:11:50.266" v="103" actId="1037"/>
+          <ac:picMkLst>
+            <pc:docMk/>
+            <pc:sldMk cId="0" sldId="256"/>
+            <ac:picMk id="72" creationId="{B2DFEAF3-D590-47FF-97CC-03F0CD0AE63A}"/>
+          </ac:picMkLst>
+        </pc:picChg>
+        <pc:picChg chg="mod">
+          <ac:chgData name="Mariam Rodriguez" userId="c09470932690718e" providerId="LiveId" clId="{76E6DFC8-0C56-445B-92F9-6634E7FDFD1C}" dt="2019-05-15T15:08:09.453" v="53" actId="208"/>
+          <ac:picMkLst>
+            <pc:docMk/>
+            <pc:sldMk cId="0" sldId="256"/>
+            <ac:picMk id="3073" creationId="{95CE6401-D2EA-471F-B834-BE558BD19265}"/>
+          </ac:picMkLst>
+        </pc:picChg>
+        <pc:picChg chg="mod">
+          <ac:chgData name="Mariam Rodriguez" userId="c09470932690718e" providerId="LiveId" clId="{76E6DFC8-0C56-445B-92F9-6634E7FDFD1C}" dt="2019-05-15T15:38:10.585" v="248" actId="1076"/>
+          <ac:picMkLst>
+            <pc:docMk/>
+            <pc:sldMk cId="0" sldId="256"/>
+            <ac:picMk id="3103" creationId="{CB75E84D-C5D7-46D1-A536-F99B159E286B}"/>
+          </ac:picMkLst>
+        </pc:picChg>
+      </pc:sldChg>
+    </pc:docChg>
+  </pc:docChgLst>
 </pc:chgInfo>
+</file>
+
+<file path=ppt/charts/chart1.xml><?xml version="1.0" encoding="utf-8"?>
+<c:chartSpace xmlns:c="http://schemas.openxmlformats.org/drawingml/2006/chart" xmlns:a="http://schemas.openxmlformats.org/drawingml/2006/main" xmlns:r="http://schemas.openxmlformats.org/officeDocument/2006/relationships" xmlns:c16r2="http://schemas.microsoft.com/office/drawing/2015/06/chart">
+  <c:date1904 val="0"/>
+  <c:lang val="es-ES"/>
+  <c:roundedCorners val="0"/>
+  <mc:AlternateContent xmlns:mc="http://schemas.openxmlformats.org/markup-compatibility/2006">
+    <mc:Choice xmlns:c14="http://schemas.microsoft.com/office/drawing/2007/8/2/chart" Requires="c14">
+      <c14:style val="102"/>
+    </mc:Choice>
+    <mc:Fallback>
+      <c:style val="2"/>
+    </mc:Fallback>
+  </mc:AlternateContent>
+  <c:chart>
+    <c:title>
+      <c:tx>
+        <c:rich>
+          <a:bodyPr rot="0" spcFirstLastPara="1" vertOverflow="ellipsis" vert="horz" wrap="square" anchor="ctr" anchorCtr="1"/>
+          <a:lstStyle/>
+          <a:p>
+            <a:pPr>
+              <a:defRPr sz="1800" b="1" i="0" u="none" strike="noStrike" kern="1200" baseline="0">
+                <a:solidFill>
+                  <a:schemeClr val="dk1">
+                    <a:lumMod val="75000"/>
+                    <a:lumOff val="25000"/>
+                  </a:schemeClr>
+                </a:solidFill>
+                <a:latin typeface="+mn-lt"/>
+                <a:ea typeface="+mn-ea"/>
+                <a:cs typeface="+mn-cs"/>
+              </a:defRPr>
+            </a:pPr>
+            <a:r>
+              <a:rPr lang="es-MX"/>
+              <a:t>VENTAS POR</a:t>
+            </a:r>
+            <a:r>
+              <a:rPr lang="es-MX" baseline="0"/>
+              <a:t> MES</a:t>
+            </a:r>
+            <a:endParaRPr lang="es-MX"/>
+          </a:p>
+        </c:rich>
+      </c:tx>
+      <c:overlay val="0"/>
+      <c:spPr>
+        <a:noFill/>
+        <a:ln>
+          <a:noFill/>
+        </a:ln>
+        <a:effectLst/>
+      </c:spPr>
+      <c:txPr>
+        <a:bodyPr rot="0" spcFirstLastPara="1" vertOverflow="ellipsis" vert="horz" wrap="square" anchor="ctr" anchorCtr="1"/>
+        <a:lstStyle/>
+        <a:p>
+          <a:pPr>
+            <a:defRPr sz="1800" b="1" i="0" u="none" strike="noStrike" kern="1200" baseline="0">
+              <a:solidFill>
+                <a:schemeClr val="dk1">
+                  <a:lumMod val="75000"/>
+                  <a:lumOff val="25000"/>
+                </a:schemeClr>
+              </a:solidFill>
+              <a:latin typeface="+mn-lt"/>
+              <a:ea typeface="+mn-ea"/>
+              <a:cs typeface="+mn-cs"/>
+            </a:defRPr>
+          </a:pPr>
+          <a:endParaRPr lang="es-MX"/>
+        </a:p>
+      </c:txPr>
+    </c:title>
+    <c:autoTitleDeleted val="0"/>
+    <c:view3D>
+      <c:rotX val="0"/>
+      <c:rotY val="0"/>
+      <c:depthPercent val="60"/>
+      <c:rAngAx val="0"/>
+      <c:perspective val="100"/>
+    </c:view3D>
+    <c:floor>
+      <c:thickness val="0"/>
+      <c:spPr>
+        <a:solidFill>
+          <a:schemeClr val="lt1">
+            <a:lumMod val="95000"/>
+          </a:schemeClr>
+        </a:solidFill>
+        <a:ln>
+          <a:noFill/>
+        </a:ln>
+        <a:effectLst/>
+        <a:sp3d/>
+      </c:spPr>
+    </c:floor>
+    <c:sideWall>
+      <c:thickness val="0"/>
+      <c:spPr>
+        <a:noFill/>
+        <a:ln>
+          <a:noFill/>
+        </a:ln>
+        <a:effectLst/>
+        <a:sp3d/>
+      </c:spPr>
+    </c:sideWall>
+    <c:backWall>
+      <c:thickness val="0"/>
+      <c:spPr>
+        <a:noFill/>
+        <a:ln>
+          <a:noFill/>
+        </a:ln>
+        <a:effectLst/>
+        <a:sp3d/>
+      </c:spPr>
+    </c:backWall>
+    <c:plotArea>
+      <c:layout/>
+      <c:bar3DChart>
+        <c:barDir val="col"/>
+        <c:grouping val="clustered"/>
+        <c:varyColors val="0"/>
+        <c:ser>
+          <c:idx val="0"/>
+          <c:order val="0"/>
+          <c:tx>
+            <c:strRef>
+              <c:f>Hoja1!$B$1</c:f>
+              <c:strCache>
+                <c:ptCount val="1"/>
+                <c:pt idx="0">
+                  <c:v>Linea</c:v>
+                </c:pt>
+              </c:strCache>
+            </c:strRef>
+          </c:tx>
+          <c:spPr>
+            <a:solidFill>
+              <a:schemeClr val="accent1">
+                <a:alpha val="85000"/>
+              </a:schemeClr>
+            </a:solidFill>
+            <a:ln w="9525" cap="flat" cmpd="sng" algn="ctr">
+              <a:solidFill>
+                <a:schemeClr val="accent1">
+                  <a:lumMod val="75000"/>
+                </a:schemeClr>
+              </a:solidFill>
+              <a:round/>
+            </a:ln>
+            <a:effectLst/>
+            <a:sp3d contourW="9525">
+              <a:contourClr>
+                <a:schemeClr val="accent1">
+                  <a:lumMod val="75000"/>
+                </a:schemeClr>
+              </a:contourClr>
+            </a:sp3d>
+          </c:spPr>
+          <c:invertIfNegative val="0"/>
+          <c:dLbls>
+            <c:dLbl>
+              <c:idx val="0"/>
+              <c:layout>
+                <c:manualLayout>
+                  <c:x val="-2.1137180300148154E-3"/>
+                  <c:y val="0.63676341248900603"/>
+                </c:manualLayout>
+              </c:layout>
+              <c:tx>
+                <c:rich>
+                  <a:bodyPr rot="0" spcFirstLastPara="1" vertOverflow="clip" horzOverflow="clip" vert="horz" wrap="square" lIns="38100" tIns="19050" rIns="38100" bIns="19050" anchor="ctr" anchorCtr="1">
+                    <a:spAutoFit/>
+                  </a:bodyPr>
+                  <a:lstStyle/>
+                  <a:p>
+                    <a:pPr>
+                      <a:defRPr sz="900" b="1" i="0" u="none" strike="noStrike" kern="1200" baseline="0">
+                        <a:solidFill>
+                          <a:schemeClr val="lt1"/>
+                        </a:solidFill>
+                        <a:latin typeface="+mn-lt"/>
+                        <a:ea typeface="+mn-ea"/>
+                        <a:cs typeface="+mn-cs"/>
+                      </a:defRPr>
+                    </a:pPr>
+                    <a:r>
+                      <a:rPr lang="en-US" baseline="0"/>
+                      <a:t>40%</a:t>
+                    </a:r>
+                    <a:endParaRPr lang="en-US"/>
+                  </a:p>
+                </c:rich>
+              </c:tx>
+              <c:spPr>
+                <a:noFill/>
+                <a:ln>
+                  <a:noFill/>
+                </a:ln>
+                <a:effectLst/>
+              </c:spPr>
+              <c:txPr>
+                <a:bodyPr rot="0" spcFirstLastPara="1" vertOverflow="clip" horzOverflow="clip" vert="horz" wrap="square" lIns="38100" tIns="19050" rIns="38100" bIns="19050" anchor="ctr" anchorCtr="1">
+                  <a:spAutoFit/>
+                </a:bodyPr>
+                <a:lstStyle/>
+                <a:p>
+                  <a:pPr>
+                    <a:defRPr sz="900" b="1" i="0" u="none" strike="noStrike" kern="1200" baseline="0">
+                      <a:solidFill>
+                        <a:schemeClr val="lt1"/>
+                      </a:solidFill>
+                      <a:latin typeface="+mn-lt"/>
+                      <a:ea typeface="+mn-ea"/>
+                      <a:cs typeface="+mn-cs"/>
+                    </a:defRPr>
+                  </a:pPr>
+                  <a:endParaRPr lang="es-MX"/>
+                </a:p>
+              </c:txPr>
+              <c:showLegendKey val="0"/>
+              <c:showVal val="1"/>
+              <c:showCatName val="1"/>
+              <c:showSerName val="0"/>
+              <c:showPercent val="0"/>
+              <c:showBubbleSize val="0"/>
+              <c:extLst>
+                <c:ext xmlns:c15="http://schemas.microsoft.com/office/drawing/2012/chart" uri="{CE6537A1-D6FC-4f65-9D91-7224C49458BB}">
+                  <c15:spPr xmlns:c15="http://schemas.microsoft.com/office/drawing/2012/chart">
+                    <a:prstGeom prst="wedgeRectCallout">
+                      <a:avLst>
+                        <a:gd name="adj1" fmla="val -6852"/>
+                        <a:gd name="adj2" fmla="val 6804"/>
+                      </a:avLst>
+                    </a:prstGeom>
+                    <a:noFill/>
+                    <a:ln>
+                      <a:noFill/>
+                    </a:ln>
+                  </c15:spPr>
+                </c:ext>
+                <c:ext xmlns:c16="http://schemas.microsoft.com/office/drawing/2014/chart" uri="{C3380CC4-5D6E-409C-BE32-E72D297353CC}">
+                  <c16:uniqueId val="{00000000-5F11-4536-A0A0-1B251239458A}"/>
+                </c:ext>
+              </c:extLst>
+            </c:dLbl>
+            <c:dLbl>
+              <c:idx val="1"/>
+              <c:layout>
+                <c:manualLayout>
+                  <c:x val="0"/>
+                  <c:y val="0.60861917326297277"/>
+                </c:manualLayout>
+              </c:layout>
+              <c:tx>
+                <c:rich>
+                  <a:bodyPr rot="0" spcFirstLastPara="1" vertOverflow="clip" horzOverflow="clip" vert="horz" wrap="square" lIns="38100" tIns="19050" rIns="38100" bIns="19050" anchor="ctr" anchorCtr="1">
+                    <a:spAutoFit/>
+                  </a:bodyPr>
+                  <a:lstStyle/>
+                  <a:p>
+                    <a:pPr>
+                      <a:defRPr sz="900" b="1" i="0" u="none" strike="noStrike" kern="1200" baseline="0">
+                        <a:solidFill>
+                          <a:schemeClr val="lt1"/>
+                        </a:solidFill>
+                        <a:latin typeface="+mn-lt"/>
+                        <a:ea typeface="+mn-ea"/>
+                        <a:cs typeface="+mn-cs"/>
+                      </a:defRPr>
+                    </a:pPr>
+                    <a:fld id="{FF864FB8-8D82-4960-84BB-49CFDC2CE334}" type="VALUE">
+                      <a:rPr lang="en-US" baseline="0"/>
+                      <a:pPr>
+                        <a:defRPr/>
+                      </a:pPr>
+                      <a:t>[VALOR]</a:t>
+                    </a:fld>
+                    <a:r>
+                      <a:rPr lang="en-US" baseline="0"/>
+                      <a:t>%</a:t>
+                    </a:r>
+                  </a:p>
+                </c:rich>
+              </c:tx>
+              <c:spPr>
+                <a:noFill/>
+                <a:ln>
+                  <a:noFill/>
+                </a:ln>
+                <a:effectLst/>
+              </c:spPr>
+              <c:txPr>
+                <a:bodyPr rot="0" spcFirstLastPara="1" vertOverflow="clip" horzOverflow="clip" vert="horz" wrap="square" lIns="38100" tIns="19050" rIns="38100" bIns="19050" anchor="ctr" anchorCtr="1">
+                  <a:spAutoFit/>
+                </a:bodyPr>
+                <a:lstStyle/>
+                <a:p>
+                  <a:pPr>
+                    <a:defRPr sz="900" b="1" i="0" u="none" strike="noStrike" kern="1200" baseline="0">
+                      <a:solidFill>
+                        <a:schemeClr val="lt1"/>
+                      </a:solidFill>
+                      <a:latin typeface="+mn-lt"/>
+                      <a:ea typeface="+mn-ea"/>
+                      <a:cs typeface="+mn-cs"/>
+                    </a:defRPr>
+                  </a:pPr>
+                  <a:endParaRPr lang="es-MX"/>
+                </a:p>
+              </c:txPr>
+              <c:showLegendKey val="0"/>
+              <c:showVal val="1"/>
+              <c:showCatName val="1"/>
+              <c:showSerName val="0"/>
+              <c:showPercent val="0"/>
+              <c:showBubbleSize val="0"/>
+              <c:extLst>
+                <c:ext xmlns:c15="http://schemas.microsoft.com/office/drawing/2012/chart" uri="{CE6537A1-D6FC-4f65-9D91-7224C49458BB}">
+                  <c15:spPr xmlns:c15="http://schemas.microsoft.com/office/drawing/2012/chart">
+                    <a:prstGeom prst="wedgeRectCallout">
+                      <a:avLst>
+                        <a:gd name="adj1" fmla="val -6852"/>
+                        <a:gd name="adj2" fmla="val 10345"/>
+                      </a:avLst>
+                    </a:prstGeom>
+                    <a:noFill/>
+                    <a:ln>
+                      <a:noFill/>
+                    </a:ln>
+                  </c15:spPr>
+                  <c15:dlblFieldTable/>
+                  <c15:showDataLabelsRange val="0"/>
+                </c:ext>
+                <c:ext xmlns:c16="http://schemas.microsoft.com/office/drawing/2014/chart" uri="{C3380CC4-5D6E-409C-BE32-E72D297353CC}">
+                  <c16:uniqueId val="{00000001-5F11-4536-A0A0-1B251239458A}"/>
+                </c:ext>
+              </c:extLst>
+            </c:dLbl>
+            <c:dLbl>
+              <c:idx val="2"/>
+              <c:layout>
+                <c:manualLayout>
+                  <c:x val="-2.1137180300148735E-3"/>
+                  <c:y val="0.5523306948109058"/>
+                </c:manualLayout>
+              </c:layout>
+              <c:tx>
+                <c:rich>
+                  <a:bodyPr rot="0" spcFirstLastPara="1" vertOverflow="clip" horzOverflow="clip" vert="horz" wrap="square" lIns="38100" tIns="19050" rIns="38100" bIns="19050" anchor="ctr" anchorCtr="1">
+                    <a:spAutoFit/>
+                  </a:bodyPr>
+                  <a:lstStyle/>
+                  <a:p>
+                    <a:pPr>
+                      <a:defRPr sz="900" b="1" i="0" u="none" strike="noStrike" kern="1200" baseline="0">
+                        <a:solidFill>
+                          <a:schemeClr val="lt1"/>
+                        </a:solidFill>
+                        <a:latin typeface="+mn-lt"/>
+                        <a:ea typeface="+mn-ea"/>
+                        <a:cs typeface="+mn-cs"/>
+                      </a:defRPr>
+                    </a:pPr>
+                    <a:fld id="{C9457ED1-36EB-4CA8-8252-E88C113212AD}" type="VALUE">
+                      <a:rPr lang="en-US" baseline="0"/>
+                      <a:pPr>
+                        <a:defRPr/>
+                      </a:pPr>
+                      <a:t>[VALOR]</a:t>
+                    </a:fld>
+                    <a:r>
+                      <a:rPr lang="en-US" baseline="0"/>
+                      <a:t>%</a:t>
+                    </a:r>
+                  </a:p>
+                </c:rich>
+              </c:tx>
+              <c:spPr>
+                <a:noFill/>
+                <a:ln>
+                  <a:noFill/>
+                </a:ln>
+                <a:effectLst/>
+              </c:spPr>
+              <c:txPr>
+                <a:bodyPr rot="0" spcFirstLastPara="1" vertOverflow="clip" horzOverflow="clip" vert="horz" wrap="square" lIns="38100" tIns="19050" rIns="38100" bIns="19050" anchor="ctr" anchorCtr="1">
+                  <a:spAutoFit/>
+                </a:bodyPr>
+                <a:lstStyle/>
+                <a:p>
+                  <a:pPr>
+                    <a:defRPr sz="900" b="1" i="0" u="none" strike="noStrike" kern="1200" baseline="0">
+                      <a:solidFill>
+                        <a:schemeClr val="lt1"/>
+                      </a:solidFill>
+                      <a:latin typeface="+mn-lt"/>
+                      <a:ea typeface="+mn-ea"/>
+                      <a:cs typeface="+mn-cs"/>
+                    </a:defRPr>
+                  </a:pPr>
+                  <a:endParaRPr lang="es-MX"/>
+                </a:p>
+              </c:txPr>
+              <c:showLegendKey val="0"/>
+              <c:showVal val="1"/>
+              <c:showCatName val="1"/>
+              <c:showSerName val="0"/>
+              <c:showPercent val="0"/>
+              <c:showBubbleSize val="0"/>
+              <c:extLst>
+                <c:ext xmlns:c15="http://schemas.microsoft.com/office/drawing/2012/chart" uri="{CE6537A1-D6FC-4f65-9D91-7224C49458BB}">
+                  <c15:spPr xmlns:c15="http://schemas.microsoft.com/office/drawing/2012/chart">
+                    <a:prstGeom prst="wedgeRectCallout">
+                      <a:avLst>
+                        <a:gd name="adj1" fmla="val -2284"/>
+                        <a:gd name="adj2" fmla="val 31589"/>
+                      </a:avLst>
+                    </a:prstGeom>
+                    <a:noFill/>
+                    <a:ln>
+                      <a:noFill/>
+                    </a:ln>
+                  </c15:spPr>
+                  <c15:dlblFieldTable/>
+                  <c15:showDataLabelsRange val="0"/>
+                </c:ext>
+                <c:ext xmlns:c16="http://schemas.microsoft.com/office/drawing/2014/chart" uri="{C3380CC4-5D6E-409C-BE32-E72D297353CC}">
+                  <c16:uniqueId val="{00000002-5F11-4536-A0A0-1B251239458A}"/>
+                </c:ext>
+              </c:extLst>
+            </c:dLbl>
+            <c:dLbl>
+              <c:idx val="3"/>
+              <c:layout>
+                <c:manualLayout>
+                  <c:x val="0"/>
+                  <c:y val="0.46437994722955145"/>
+                </c:manualLayout>
+              </c:layout>
+              <c:tx>
+                <c:rich>
+                  <a:bodyPr rot="0" spcFirstLastPara="1" vertOverflow="clip" horzOverflow="clip" vert="horz" wrap="square" lIns="38100" tIns="19050" rIns="38100" bIns="19050" anchor="ctr" anchorCtr="1">
+                    <a:spAutoFit/>
+                  </a:bodyPr>
+                  <a:lstStyle/>
+                  <a:p>
+                    <a:pPr>
+                      <a:defRPr sz="900" b="1" i="0" u="none" strike="noStrike" kern="1200" baseline="0">
+                        <a:solidFill>
+                          <a:schemeClr val="lt1"/>
+                        </a:solidFill>
+                        <a:latin typeface="+mn-lt"/>
+                        <a:ea typeface="+mn-ea"/>
+                        <a:cs typeface="+mn-cs"/>
+                      </a:defRPr>
+                    </a:pPr>
+                    <a:fld id="{2A543C3B-C503-426E-B8A3-757DB3132F72}" type="VALUE">
+                      <a:rPr lang="en-US" baseline="0"/>
+                      <a:pPr>
+                        <a:defRPr/>
+                      </a:pPr>
+                      <a:t>[VALOR]</a:t>
+                    </a:fld>
+                    <a:r>
+                      <a:rPr lang="en-US" baseline="0"/>
+                      <a:t>%</a:t>
+                    </a:r>
+                  </a:p>
+                </c:rich>
+              </c:tx>
+              <c:spPr>
+                <a:noFill/>
+                <a:ln>
+                  <a:noFill/>
+                </a:ln>
+                <a:effectLst/>
+              </c:spPr>
+              <c:txPr>
+                <a:bodyPr rot="0" spcFirstLastPara="1" vertOverflow="clip" horzOverflow="clip" vert="horz" wrap="square" lIns="38100" tIns="19050" rIns="38100" bIns="19050" anchor="ctr" anchorCtr="1">
+                  <a:spAutoFit/>
+                </a:bodyPr>
+                <a:lstStyle/>
+                <a:p>
+                  <a:pPr>
+                    <a:defRPr sz="900" b="1" i="0" u="none" strike="noStrike" kern="1200" baseline="0">
+                      <a:solidFill>
+                        <a:schemeClr val="lt1"/>
+                      </a:solidFill>
+                      <a:latin typeface="+mn-lt"/>
+                      <a:ea typeface="+mn-ea"/>
+                      <a:cs typeface="+mn-cs"/>
+                    </a:defRPr>
+                  </a:pPr>
+                  <a:endParaRPr lang="es-MX"/>
+                </a:p>
+              </c:txPr>
+              <c:showLegendKey val="0"/>
+              <c:showVal val="1"/>
+              <c:showCatName val="1"/>
+              <c:showSerName val="0"/>
+              <c:showPercent val="0"/>
+              <c:showBubbleSize val="0"/>
+              <c:extLst>
+                <c:ext xmlns:c15="http://schemas.microsoft.com/office/drawing/2012/chart" uri="{CE6537A1-D6FC-4f65-9D91-7224C49458BB}">
+                  <c15:spPr xmlns:c15="http://schemas.microsoft.com/office/drawing/2012/chart">
+                    <a:prstGeom prst="wedgeRectCallout">
+                      <a:avLst>
+                        <a:gd name="adj1" fmla="val 2284"/>
+                        <a:gd name="adj2" fmla="val -277"/>
+                      </a:avLst>
+                    </a:prstGeom>
+                    <a:noFill/>
+                    <a:ln>
+                      <a:noFill/>
+                    </a:ln>
+                  </c15:spPr>
+                  <c15:dlblFieldTable/>
+                  <c15:showDataLabelsRange val="0"/>
+                </c:ext>
+                <c:ext xmlns:c16="http://schemas.microsoft.com/office/drawing/2014/chart" uri="{C3380CC4-5D6E-409C-BE32-E72D297353CC}">
+                  <c16:uniqueId val="{00000003-5F11-4536-A0A0-1B251239458A}"/>
+                </c:ext>
+              </c:extLst>
+            </c:dLbl>
+            <c:dLbl>
+              <c:idx val="4"/>
+              <c:layout>
+                <c:manualLayout>
+                  <c:x val="-1.5500419824602653E-16"/>
+                  <c:y val="0.42919964819700968"/>
+                </c:manualLayout>
+              </c:layout>
+              <c:tx>
+                <c:rich>
+                  <a:bodyPr rot="0" spcFirstLastPara="1" vertOverflow="clip" horzOverflow="clip" vert="horz" wrap="square" lIns="38100" tIns="19050" rIns="38100" bIns="19050" anchor="ctr" anchorCtr="1">
+                    <a:spAutoFit/>
+                  </a:bodyPr>
+                  <a:lstStyle/>
+                  <a:p>
+                    <a:pPr>
+                      <a:defRPr sz="900" b="1" i="0" u="none" strike="noStrike" kern="1200" baseline="0">
+                        <a:solidFill>
+                          <a:schemeClr val="lt1"/>
+                        </a:solidFill>
+                        <a:latin typeface="+mn-lt"/>
+                        <a:ea typeface="+mn-ea"/>
+                        <a:cs typeface="+mn-cs"/>
+                      </a:defRPr>
+                    </a:pPr>
+                    <a:fld id="{EC9FF4FF-F0A6-4119-AF15-8FF24B9747E8}" type="VALUE">
+                      <a:rPr lang="en-US" baseline="0"/>
+                      <a:pPr>
+                        <a:defRPr/>
+                      </a:pPr>
+                      <a:t>[VALOR]</a:t>
+                    </a:fld>
+                    <a:r>
+                      <a:rPr lang="en-US" baseline="0"/>
+                      <a:t>%</a:t>
+                    </a:r>
+                  </a:p>
+                </c:rich>
+              </c:tx>
+              <c:spPr>
+                <a:noFill/>
+                <a:ln>
+                  <a:noFill/>
+                </a:ln>
+                <a:effectLst/>
+              </c:spPr>
+              <c:txPr>
+                <a:bodyPr rot="0" spcFirstLastPara="1" vertOverflow="clip" horzOverflow="clip" vert="horz" wrap="square" lIns="38100" tIns="19050" rIns="38100" bIns="19050" anchor="ctr" anchorCtr="1">
+                  <a:spAutoFit/>
+                </a:bodyPr>
+                <a:lstStyle/>
+                <a:p>
+                  <a:pPr>
+                    <a:defRPr sz="900" b="1" i="0" u="none" strike="noStrike" kern="1200" baseline="0">
+                      <a:solidFill>
+                        <a:schemeClr val="lt1"/>
+                      </a:solidFill>
+                      <a:latin typeface="+mn-lt"/>
+                      <a:ea typeface="+mn-ea"/>
+                      <a:cs typeface="+mn-cs"/>
+                    </a:defRPr>
+                  </a:pPr>
+                  <a:endParaRPr lang="es-MX"/>
+                </a:p>
+              </c:txPr>
+              <c:showLegendKey val="0"/>
+              <c:showVal val="1"/>
+              <c:showCatName val="1"/>
+              <c:showSerName val="0"/>
+              <c:showPercent val="0"/>
+              <c:showBubbleSize val="0"/>
+              <c:extLst>
+                <c:ext xmlns:c15="http://schemas.microsoft.com/office/drawing/2012/chart" uri="{CE6537A1-D6FC-4f65-9D91-7224C49458BB}">
+                  <c15:spPr xmlns:c15="http://schemas.microsoft.com/office/drawing/2012/chart">
+                    <a:prstGeom prst="wedgeRectCallout">
+                      <a:avLst>
+                        <a:gd name="adj1" fmla="val -2284"/>
+                        <a:gd name="adj2" fmla="val -14440"/>
+                      </a:avLst>
+                    </a:prstGeom>
+                    <a:noFill/>
+                    <a:ln>
+                      <a:noFill/>
+                    </a:ln>
+                  </c15:spPr>
+                  <c15:dlblFieldTable/>
+                  <c15:showDataLabelsRange val="0"/>
+                </c:ext>
+                <c:ext xmlns:c16="http://schemas.microsoft.com/office/drawing/2014/chart" uri="{C3380CC4-5D6E-409C-BE32-E72D297353CC}">
+                  <c16:uniqueId val="{00000004-5F11-4536-A0A0-1B251239458A}"/>
+                </c:ext>
+              </c:extLst>
+            </c:dLbl>
+            <c:spPr>
+              <a:noFill/>
+              <a:ln>
+                <a:noFill/>
+              </a:ln>
+              <a:effectLst/>
+            </c:spPr>
+            <c:txPr>
+              <a:bodyPr rot="0" spcFirstLastPara="1" vertOverflow="clip" horzOverflow="clip" vert="horz" wrap="square" lIns="38100" tIns="19050" rIns="38100" bIns="19050" anchor="ctr" anchorCtr="1">
+                <a:spAutoFit/>
+              </a:bodyPr>
+              <a:lstStyle/>
+              <a:p>
+                <a:pPr>
+                  <a:defRPr sz="900" b="1" i="0" u="none" strike="noStrike" kern="1200" baseline="0">
+                    <a:solidFill>
+                      <a:schemeClr val="lt1"/>
+                    </a:solidFill>
+                    <a:latin typeface="+mn-lt"/>
+                    <a:ea typeface="+mn-ea"/>
+                    <a:cs typeface="+mn-cs"/>
+                  </a:defRPr>
+                </a:pPr>
+                <a:endParaRPr lang="es-MX"/>
+              </a:p>
+            </c:txPr>
+            <c:showLegendKey val="0"/>
+            <c:showVal val="1"/>
+            <c:showCatName val="1"/>
+            <c:showSerName val="0"/>
+            <c:showPercent val="0"/>
+            <c:showBubbleSize val="0"/>
+            <c:showLeaderLines val="0"/>
+            <c:extLst>
+              <c:ext xmlns:c15="http://schemas.microsoft.com/office/drawing/2012/chart" uri="{CE6537A1-D6FC-4f65-9D91-7224C49458BB}">
+                <c15:spPr xmlns:c15="http://schemas.microsoft.com/office/drawing/2012/chart">
+                  <a:prstGeom prst="wedgeRectCallout">
+                    <a:avLst/>
+                  </a:prstGeom>
+                  <a:noFill/>
+                  <a:ln>
+                    <a:noFill/>
+                  </a:ln>
+                </c15:spPr>
+                <c15:showLeaderLines val="0"/>
+              </c:ext>
+            </c:extLst>
+          </c:dLbls>
+          <c:cat>
+            <c:strRef>
+              <c:f>Hoja1!$A$2:$A$6</c:f>
+              <c:strCache>
+                <c:ptCount val="5"/>
+                <c:pt idx="0">
+                  <c:v>MARZO</c:v>
+                </c:pt>
+                <c:pt idx="1">
+                  <c:v>ABRIL</c:v>
+                </c:pt>
+                <c:pt idx="2">
+                  <c:v>MAYO</c:v>
+                </c:pt>
+                <c:pt idx="3">
+                  <c:v>JUNIO</c:v>
+                </c:pt>
+                <c:pt idx="4">
+                  <c:v>JULIO</c:v>
+                </c:pt>
+              </c:strCache>
+            </c:strRef>
+          </c:cat>
+          <c:val>
+            <c:numRef>
+              <c:f>Hoja1!$C$2:$C$6</c:f>
+              <c:numCache>
+                <c:formatCode>General</c:formatCode>
+                <c:ptCount val="5"/>
+                <c:pt idx="0">
+                  <c:v>40</c:v>
+                </c:pt>
+                <c:pt idx="1">
+                  <c:v>38</c:v>
+                </c:pt>
+                <c:pt idx="2">
+                  <c:v>35</c:v>
+                </c:pt>
+                <c:pt idx="3">
+                  <c:v>30</c:v>
+                </c:pt>
+                <c:pt idx="4">
+                  <c:v>28</c:v>
+                </c:pt>
+              </c:numCache>
+            </c:numRef>
+          </c:val>
+          <c:extLst>
+            <c:ext xmlns:c16="http://schemas.microsoft.com/office/drawing/2014/chart" uri="{C3380CC4-5D6E-409C-BE32-E72D297353CC}">
+              <c16:uniqueId val="{00000005-5F11-4536-A0A0-1B251239458A}"/>
+            </c:ext>
+          </c:extLst>
+        </c:ser>
+        <c:ser>
+          <c:idx val="1"/>
+          <c:order val="1"/>
+          <c:tx>
+            <c:strRef>
+              <c:f>Hoja1!$C$1</c:f>
+              <c:strCache>
+                <c:ptCount val="1"/>
+                <c:pt idx="0">
+                  <c:v>Local</c:v>
+                </c:pt>
+              </c:strCache>
+            </c:strRef>
+          </c:tx>
+          <c:spPr>
+            <a:solidFill>
+              <a:schemeClr val="accent2">
+                <a:alpha val="85000"/>
+              </a:schemeClr>
+            </a:solidFill>
+            <a:ln w="9525" cap="flat" cmpd="sng" algn="ctr">
+              <a:solidFill>
+                <a:schemeClr val="accent2">
+                  <a:lumMod val="75000"/>
+                </a:schemeClr>
+              </a:solidFill>
+              <a:round/>
+            </a:ln>
+            <a:effectLst/>
+            <a:sp3d contourW="9525">
+              <a:contourClr>
+                <a:schemeClr val="accent2">
+                  <a:lumMod val="75000"/>
+                </a:schemeClr>
+              </a:contourClr>
+            </a:sp3d>
+          </c:spPr>
+          <c:invertIfNegative val="0"/>
+          <c:dLbls>
+            <c:dLbl>
+              <c:idx val="0"/>
+              <c:layout>
+                <c:manualLayout>
+                  <c:x val="2.1137180300147768E-3"/>
+                  <c:y val="0.15127528583992952"/>
+                </c:manualLayout>
+              </c:layout>
+              <c:tx>
+                <c:rich>
+                  <a:bodyPr rot="0" spcFirstLastPara="1" vertOverflow="clip" horzOverflow="clip" vert="horz" wrap="square" lIns="38100" tIns="19050" rIns="38100" bIns="19050" anchor="ctr" anchorCtr="1">
+                    <a:spAutoFit/>
+                  </a:bodyPr>
+                  <a:lstStyle/>
+                  <a:p>
+                    <a:pPr>
+                      <a:defRPr sz="900" b="1" i="0" u="none" strike="noStrike" kern="1200" baseline="0">
+                        <a:solidFill>
+                          <a:schemeClr val="lt1"/>
+                        </a:solidFill>
+                        <a:latin typeface="+mn-lt"/>
+                        <a:ea typeface="+mn-ea"/>
+                        <a:cs typeface="+mn-cs"/>
+                      </a:defRPr>
+                    </a:pPr>
+                    <a:fld id="{DCEECEC9-DF66-42A4-B3B3-7EF9E9432A9A}" type="VALUE">
+                      <a:rPr lang="en-US" baseline="0"/>
+                      <a:pPr>
+                        <a:defRPr/>
+                      </a:pPr>
+                      <a:t>[VALOR]</a:t>
+                    </a:fld>
+                    <a:r>
+                      <a:rPr lang="en-US" baseline="0"/>
+                      <a:t>%</a:t>
+                    </a:r>
+                  </a:p>
+                </c:rich>
+              </c:tx>
+              <c:spPr>
+                <a:noFill/>
+                <a:ln>
+                  <a:noFill/>
+                </a:ln>
+                <a:effectLst/>
+              </c:spPr>
+              <c:txPr>
+                <a:bodyPr rot="0" spcFirstLastPara="1" vertOverflow="clip" horzOverflow="clip" vert="horz" wrap="square" lIns="38100" tIns="19050" rIns="38100" bIns="19050" anchor="ctr" anchorCtr="1">
+                  <a:spAutoFit/>
+                </a:bodyPr>
+                <a:lstStyle/>
+                <a:p>
+                  <a:pPr>
+                    <a:defRPr sz="900" b="1" i="0" u="none" strike="noStrike" kern="1200" baseline="0">
+                      <a:solidFill>
+                        <a:schemeClr val="lt1"/>
+                      </a:solidFill>
+                      <a:latin typeface="+mn-lt"/>
+                      <a:ea typeface="+mn-ea"/>
+                      <a:cs typeface="+mn-cs"/>
+                    </a:defRPr>
+                  </a:pPr>
+                  <a:endParaRPr lang="es-MX"/>
+                </a:p>
+              </c:txPr>
+              <c:showLegendKey val="0"/>
+              <c:showVal val="1"/>
+              <c:showCatName val="1"/>
+              <c:showSerName val="0"/>
+              <c:showPercent val="0"/>
+              <c:showBubbleSize val="0"/>
+              <c:extLst>
+                <c:ext xmlns:c15="http://schemas.microsoft.com/office/drawing/2012/chart" uri="{CE6537A1-D6FC-4f65-9D91-7224C49458BB}">
+                  <c15:spPr xmlns:c15="http://schemas.microsoft.com/office/drawing/2012/chart">
+                    <a:prstGeom prst="wedgeRectCallout">
+                      <a:avLst>
+                        <a:gd name="adj1" fmla="val 11420"/>
+                        <a:gd name="adj2" fmla="val 13886"/>
+                      </a:avLst>
+                    </a:prstGeom>
+                    <a:noFill/>
+                    <a:ln>
+                      <a:noFill/>
+                    </a:ln>
+                  </c15:spPr>
+                  <c15:dlblFieldTable/>
+                  <c15:showDataLabelsRange val="0"/>
+                </c:ext>
+                <c:ext xmlns:c16="http://schemas.microsoft.com/office/drawing/2014/chart" uri="{C3380CC4-5D6E-409C-BE32-E72D297353CC}">
+                  <c16:uniqueId val="{00000006-5F11-4536-A0A0-1B251239458A}"/>
+                </c:ext>
+              </c:extLst>
+            </c:dLbl>
+            <c:dLbl>
+              <c:idx val="1"/>
+              <c:layout>
+                <c:manualLayout>
+                  <c:x val="-3.8751049561506634E-17"/>
+                  <c:y val="0.18645558487247141"/>
+                </c:manualLayout>
+              </c:layout>
+              <c:tx>
+                <c:rich>
+                  <a:bodyPr rot="0" spcFirstLastPara="1" vertOverflow="clip" horzOverflow="clip" vert="horz" wrap="square" lIns="38100" tIns="19050" rIns="38100" bIns="19050" anchor="ctr" anchorCtr="1">
+                    <a:spAutoFit/>
+                  </a:bodyPr>
+                  <a:lstStyle/>
+                  <a:p>
+                    <a:pPr>
+                      <a:defRPr sz="900" b="1" i="0" u="none" strike="noStrike" kern="1200" baseline="0">
+                        <a:solidFill>
+                          <a:schemeClr val="lt1"/>
+                        </a:solidFill>
+                        <a:latin typeface="+mn-lt"/>
+                        <a:ea typeface="+mn-ea"/>
+                        <a:cs typeface="+mn-cs"/>
+                      </a:defRPr>
+                    </a:pPr>
+                    <a:fld id="{9BF0B74B-D7C0-4C77-A2C8-A214B959E4C0}" type="VALUE">
+                      <a:rPr lang="en-US" baseline="0"/>
+                      <a:pPr>
+                        <a:defRPr/>
+                      </a:pPr>
+                      <a:t>[VALOR]</a:t>
+                    </a:fld>
+                    <a:r>
+                      <a:rPr lang="en-US" baseline="0"/>
+                      <a:t>%</a:t>
+                    </a:r>
+                  </a:p>
+                </c:rich>
+              </c:tx>
+              <c:spPr>
+                <a:noFill/>
+                <a:ln>
+                  <a:noFill/>
+                </a:ln>
+                <a:effectLst/>
+              </c:spPr>
+              <c:txPr>
+                <a:bodyPr rot="0" spcFirstLastPara="1" vertOverflow="clip" horzOverflow="clip" vert="horz" wrap="square" lIns="38100" tIns="19050" rIns="38100" bIns="19050" anchor="ctr" anchorCtr="1">
+                  <a:spAutoFit/>
+                </a:bodyPr>
+                <a:lstStyle/>
+                <a:p>
+                  <a:pPr>
+                    <a:defRPr sz="900" b="1" i="0" u="none" strike="noStrike" kern="1200" baseline="0">
+                      <a:solidFill>
+                        <a:schemeClr val="lt1"/>
+                      </a:solidFill>
+                      <a:latin typeface="+mn-lt"/>
+                      <a:ea typeface="+mn-ea"/>
+                      <a:cs typeface="+mn-cs"/>
+                    </a:defRPr>
+                  </a:pPr>
+                  <a:endParaRPr lang="es-MX"/>
+                </a:p>
+              </c:txPr>
+              <c:showLegendKey val="0"/>
+              <c:showVal val="1"/>
+              <c:showCatName val="1"/>
+              <c:showSerName val="0"/>
+              <c:showPercent val="0"/>
+              <c:showBubbleSize val="0"/>
+              <c:extLst>
+                <c:ext xmlns:c15="http://schemas.microsoft.com/office/drawing/2012/chart" uri="{CE6537A1-D6FC-4f65-9D91-7224C49458BB}">
+                  <c15:spPr xmlns:c15="http://schemas.microsoft.com/office/drawing/2012/chart">
+                    <a:prstGeom prst="wedgeRectCallout">
+                      <a:avLst>
+                        <a:gd name="adj1" fmla="val 9136"/>
+                        <a:gd name="adj2" fmla="val -277"/>
+                      </a:avLst>
+                    </a:prstGeom>
+                    <a:noFill/>
+                    <a:ln>
+                      <a:noFill/>
+                    </a:ln>
+                  </c15:spPr>
+                  <c15:dlblFieldTable/>
+                  <c15:showDataLabelsRange val="0"/>
+                </c:ext>
+                <c:ext xmlns:c16="http://schemas.microsoft.com/office/drawing/2014/chart" uri="{C3380CC4-5D6E-409C-BE32-E72D297353CC}">
+                  <c16:uniqueId val="{00000007-5F11-4536-A0A0-1B251239458A}"/>
+                </c:ext>
+              </c:extLst>
+            </c:dLbl>
+            <c:dLbl>
+              <c:idx val="2"/>
+              <c:layout>
+                <c:manualLayout>
+                  <c:x val="-7.7502099123013267E-17"/>
+                  <c:y val="0.22867194371152155"/>
+                </c:manualLayout>
+              </c:layout>
+              <c:tx>
+                <c:rich>
+                  <a:bodyPr rot="0" spcFirstLastPara="1" vertOverflow="clip" horzOverflow="clip" vert="horz" wrap="square" lIns="38100" tIns="19050" rIns="38100" bIns="19050" anchor="ctr" anchorCtr="1">
+                    <a:spAutoFit/>
+                  </a:bodyPr>
+                  <a:lstStyle/>
+                  <a:p>
+                    <a:pPr>
+                      <a:defRPr sz="900" b="1" i="0" u="none" strike="noStrike" kern="1200" baseline="0">
+                        <a:solidFill>
+                          <a:schemeClr val="lt1"/>
+                        </a:solidFill>
+                        <a:latin typeface="+mn-lt"/>
+                        <a:ea typeface="+mn-ea"/>
+                        <a:cs typeface="+mn-cs"/>
+                      </a:defRPr>
+                    </a:pPr>
+                    <a:fld id="{B4616126-2631-4175-9307-93875A0EE1CD}" type="VALUE">
+                      <a:rPr lang="en-US" baseline="0"/>
+                      <a:pPr>
+                        <a:defRPr/>
+                      </a:pPr>
+                      <a:t>[VALOR]</a:t>
+                    </a:fld>
+                    <a:r>
+                      <a:rPr lang="en-US" baseline="0"/>
+                      <a:t>%</a:t>
+                    </a:r>
+                  </a:p>
+                </c:rich>
+              </c:tx>
+              <c:spPr>
+                <a:noFill/>
+                <a:ln>
+                  <a:noFill/>
+                </a:ln>
+                <a:effectLst/>
+              </c:spPr>
+              <c:txPr>
+                <a:bodyPr rot="0" spcFirstLastPara="1" vertOverflow="clip" horzOverflow="clip" vert="horz" wrap="square" lIns="38100" tIns="19050" rIns="38100" bIns="19050" anchor="ctr" anchorCtr="1">
+                  <a:spAutoFit/>
+                </a:bodyPr>
+                <a:lstStyle/>
+                <a:p>
+                  <a:pPr>
+                    <a:defRPr sz="900" b="1" i="0" u="none" strike="noStrike" kern="1200" baseline="0">
+                      <a:solidFill>
+                        <a:schemeClr val="lt1"/>
+                      </a:solidFill>
+                      <a:latin typeface="+mn-lt"/>
+                      <a:ea typeface="+mn-ea"/>
+                      <a:cs typeface="+mn-cs"/>
+                    </a:defRPr>
+                  </a:pPr>
+                  <a:endParaRPr lang="es-MX"/>
+                </a:p>
+              </c:txPr>
+              <c:showLegendKey val="0"/>
+              <c:showVal val="1"/>
+              <c:showCatName val="1"/>
+              <c:showSerName val="0"/>
+              <c:showPercent val="0"/>
+              <c:showBubbleSize val="0"/>
+              <c:extLst>
+                <c:ext xmlns:c15="http://schemas.microsoft.com/office/drawing/2012/chart" uri="{CE6537A1-D6FC-4f65-9D91-7224C49458BB}">
+                  <c15:spPr xmlns:c15="http://schemas.microsoft.com/office/drawing/2012/chart">
+                    <a:prstGeom prst="wedgeRectCallout">
+                      <a:avLst>
+                        <a:gd name="adj1" fmla="val 9136"/>
+                        <a:gd name="adj2" fmla="val -3818"/>
+                      </a:avLst>
+                    </a:prstGeom>
+                    <a:noFill/>
+                    <a:ln>
+                      <a:noFill/>
+                    </a:ln>
+                  </c15:spPr>
+                  <c15:dlblFieldTable/>
+                  <c15:showDataLabelsRange val="0"/>
+                </c:ext>
+                <c:ext xmlns:c16="http://schemas.microsoft.com/office/drawing/2014/chart" uri="{C3380CC4-5D6E-409C-BE32-E72D297353CC}">
+                  <c16:uniqueId val="{00000008-5F11-4536-A0A0-1B251239458A}"/>
+                </c:ext>
+              </c:extLst>
+            </c:dLbl>
+            <c:dLbl>
+              <c:idx val="3"/>
+              <c:layout>
+                <c:manualLayout>
+                  <c:x val="-7.7502099123013267E-17"/>
+                  <c:y val="0.30255057167985927"/>
+                </c:manualLayout>
+              </c:layout>
+              <c:tx>
+                <c:rich>
+                  <a:bodyPr rot="0" spcFirstLastPara="1" vertOverflow="clip" horzOverflow="clip" vert="horz" wrap="square" lIns="38100" tIns="19050" rIns="38100" bIns="19050" anchor="ctr" anchorCtr="1">
+                    <a:spAutoFit/>
+                  </a:bodyPr>
+                  <a:lstStyle/>
+                  <a:p>
+                    <a:pPr>
+                      <a:defRPr sz="900" b="1" i="0" u="none" strike="noStrike" kern="1200" baseline="0">
+                        <a:solidFill>
+                          <a:schemeClr val="lt1"/>
+                        </a:solidFill>
+                        <a:latin typeface="+mn-lt"/>
+                        <a:ea typeface="+mn-ea"/>
+                        <a:cs typeface="+mn-cs"/>
+                      </a:defRPr>
+                    </a:pPr>
+                    <a:fld id="{7AB91A8F-CCE7-4F57-9793-956204F775B3}" type="VALUE">
+                      <a:rPr lang="en-US" baseline="0"/>
+                      <a:pPr>
+                        <a:defRPr/>
+                      </a:pPr>
+                      <a:t>[VALOR]</a:t>
+                    </a:fld>
+                    <a:r>
+                      <a:rPr lang="en-US" baseline="0"/>
+                      <a:t>%</a:t>
+                    </a:r>
+                  </a:p>
+                </c:rich>
+              </c:tx>
+              <c:spPr>
+                <a:noFill/>
+                <a:ln>
+                  <a:noFill/>
+                </a:ln>
+                <a:effectLst/>
+              </c:spPr>
+              <c:txPr>
+                <a:bodyPr rot="0" spcFirstLastPara="1" vertOverflow="clip" horzOverflow="clip" vert="horz" wrap="square" lIns="38100" tIns="19050" rIns="38100" bIns="19050" anchor="ctr" anchorCtr="1">
+                  <a:spAutoFit/>
+                </a:bodyPr>
+                <a:lstStyle/>
+                <a:p>
+                  <a:pPr>
+                    <a:defRPr sz="900" b="1" i="0" u="none" strike="noStrike" kern="1200" baseline="0">
+                      <a:solidFill>
+                        <a:schemeClr val="lt1"/>
+                      </a:solidFill>
+                      <a:latin typeface="+mn-lt"/>
+                      <a:ea typeface="+mn-ea"/>
+                      <a:cs typeface="+mn-cs"/>
+                    </a:defRPr>
+                  </a:pPr>
+                  <a:endParaRPr lang="es-MX"/>
+                </a:p>
+              </c:txPr>
+              <c:showLegendKey val="0"/>
+              <c:showVal val="1"/>
+              <c:showCatName val="1"/>
+              <c:showSerName val="0"/>
+              <c:showPercent val="0"/>
+              <c:showBubbleSize val="0"/>
+              <c:extLst>
+                <c:ext xmlns:c15="http://schemas.microsoft.com/office/drawing/2012/chart" uri="{CE6537A1-D6FC-4f65-9D91-7224C49458BB}">
+                  <c15:spPr xmlns:c15="http://schemas.microsoft.com/office/drawing/2012/chart">
+                    <a:prstGeom prst="wedgeRectCallout">
+                      <a:avLst>
+                        <a:gd name="adj1" fmla="val 1"/>
+                        <a:gd name="adj2" fmla="val 6804"/>
+                      </a:avLst>
+                    </a:prstGeom>
+                    <a:noFill/>
+                    <a:ln>
+                      <a:noFill/>
+                    </a:ln>
+                  </c15:spPr>
+                  <c15:dlblFieldTable/>
+                  <c15:showDataLabelsRange val="0"/>
+                </c:ext>
+                <c:ext xmlns:c16="http://schemas.microsoft.com/office/drawing/2014/chart" uri="{C3380CC4-5D6E-409C-BE32-E72D297353CC}">
+                  <c16:uniqueId val="{00000009-5F11-4536-A0A0-1B251239458A}"/>
+                </c:ext>
+              </c:extLst>
+            </c:dLbl>
+            <c:dLbl>
+              <c:idx val="4"/>
+              <c:layout>
+                <c:manualLayout>
+                  <c:x val="2.1137180300146411E-3"/>
+                  <c:y val="0.3306948109058927"/>
+                </c:manualLayout>
+              </c:layout>
+              <c:tx>
+                <c:rich>
+                  <a:bodyPr rot="0" spcFirstLastPara="1" vertOverflow="clip" horzOverflow="clip" vert="horz" wrap="square" lIns="38100" tIns="19050" rIns="38100" bIns="19050" anchor="ctr" anchorCtr="1">
+                    <a:spAutoFit/>
+                  </a:bodyPr>
+                  <a:lstStyle/>
+                  <a:p>
+                    <a:pPr>
+                      <a:defRPr sz="900" b="1" i="0" u="none" strike="noStrike" kern="1200" baseline="0">
+                        <a:solidFill>
+                          <a:schemeClr val="lt1"/>
+                        </a:solidFill>
+                        <a:latin typeface="+mn-lt"/>
+                        <a:ea typeface="+mn-ea"/>
+                        <a:cs typeface="+mn-cs"/>
+                      </a:defRPr>
+                    </a:pPr>
+                    <a:fld id="{011ECE42-CE67-4EF8-B151-4C0CB033B035}" type="VALUE">
+                      <a:rPr lang="en-US" baseline="0"/>
+                      <a:pPr>
+                        <a:defRPr/>
+                      </a:pPr>
+                      <a:t>[VALOR]</a:t>
+                    </a:fld>
+                    <a:r>
+                      <a:rPr lang="en-US" baseline="0"/>
+                      <a:t>%</a:t>
+                    </a:r>
+                  </a:p>
+                </c:rich>
+              </c:tx>
+              <c:spPr>
+                <a:noFill/>
+                <a:ln>
+                  <a:noFill/>
+                </a:ln>
+                <a:effectLst/>
+              </c:spPr>
+              <c:txPr>
+                <a:bodyPr rot="0" spcFirstLastPara="1" vertOverflow="clip" horzOverflow="clip" vert="horz" wrap="square" lIns="38100" tIns="19050" rIns="38100" bIns="19050" anchor="ctr" anchorCtr="1">
+                  <a:spAutoFit/>
+                </a:bodyPr>
+                <a:lstStyle/>
+                <a:p>
+                  <a:pPr>
+                    <a:defRPr sz="900" b="1" i="0" u="none" strike="noStrike" kern="1200" baseline="0">
+                      <a:solidFill>
+                        <a:schemeClr val="lt1"/>
+                      </a:solidFill>
+                      <a:latin typeface="+mn-lt"/>
+                      <a:ea typeface="+mn-ea"/>
+                      <a:cs typeface="+mn-cs"/>
+                    </a:defRPr>
+                  </a:pPr>
+                  <a:endParaRPr lang="es-MX"/>
+                </a:p>
+              </c:txPr>
+              <c:showLegendKey val="0"/>
+              <c:showVal val="1"/>
+              <c:showCatName val="1"/>
+              <c:showSerName val="0"/>
+              <c:showPercent val="0"/>
+              <c:showBubbleSize val="0"/>
+              <c:extLst>
+                <c:ext xmlns:c15="http://schemas.microsoft.com/office/drawing/2012/chart" uri="{CE6537A1-D6FC-4f65-9D91-7224C49458BB}">
+                  <c15:spPr xmlns:c15="http://schemas.microsoft.com/office/drawing/2012/chart">
+                    <a:prstGeom prst="wedgeRectCallout">
+                      <a:avLst>
+                        <a:gd name="adj1" fmla="val 9136"/>
+                        <a:gd name="adj2" fmla="val 6804"/>
+                      </a:avLst>
+                    </a:prstGeom>
+                    <a:noFill/>
+                    <a:ln>
+                      <a:noFill/>
+                    </a:ln>
+                  </c15:spPr>
+                  <c15:dlblFieldTable/>
+                  <c15:showDataLabelsRange val="0"/>
+                </c:ext>
+                <c:ext xmlns:c16="http://schemas.microsoft.com/office/drawing/2014/chart" uri="{C3380CC4-5D6E-409C-BE32-E72D297353CC}">
+                  <c16:uniqueId val="{0000000A-5F11-4536-A0A0-1B251239458A}"/>
+                </c:ext>
+              </c:extLst>
+            </c:dLbl>
+            <c:spPr>
+              <a:noFill/>
+              <a:ln>
+                <a:noFill/>
+              </a:ln>
+              <a:effectLst/>
+            </c:spPr>
+            <c:txPr>
+              <a:bodyPr rot="0" spcFirstLastPara="1" vertOverflow="clip" horzOverflow="clip" vert="horz" wrap="square" lIns="38100" tIns="19050" rIns="38100" bIns="19050" anchor="ctr" anchorCtr="1">
+                <a:spAutoFit/>
+              </a:bodyPr>
+              <a:lstStyle/>
+              <a:p>
+                <a:pPr>
+                  <a:defRPr sz="900" b="1" i="0" u="none" strike="noStrike" kern="1200" baseline="0">
+                    <a:solidFill>
+                      <a:schemeClr val="lt1"/>
+                    </a:solidFill>
+                    <a:latin typeface="+mn-lt"/>
+                    <a:ea typeface="+mn-ea"/>
+                    <a:cs typeface="+mn-cs"/>
+                  </a:defRPr>
+                </a:pPr>
+                <a:endParaRPr lang="es-MX"/>
+              </a:p>
+            </c:txPr>
+            <c:showLegendKey val="0"/>
+            <c:showVal val="1"/>
+            <c:showCatName val="1"/>
+            <c:showSerName val="0"/>
+            <c:showPercent val="0"/>
+            <c:showBubbleSize val="0"/>
+            <c:showLeaderLines val="0"/>
+            <c:extLst>
+              <c:ext xmlns:c15="http://schemas.microsoft.com/office/drawing/2012/chart" uri="{CE6537A1-D6FC-4f65-9D91-7224C49458BB}">
+                <c15:spPr xmlns:c15="http://schemas.microsoft.com/office/drawing/2012/chart">
+                  <a:prstGeom prst="wedgeRectCallout">
+                    <a:avLst/>
+                  </a:prstGeom>
+                  <a:noFill/>
+                  <a:ln>
+                    <a:noFill/>
+                  </a:ln>
+                </c15:spPr>
+                <c15:showLeaderLines val="0"/>
+              </c:ext>
+            </c:extLst>
+          </c:dLbls>
+          <c:cat>
+            <c:strRef>
+              <c:f>Hoja1!$A$2:$A$6</c:f>
+              <c:strCache>
+                <c:ptCount val="5"/>
+                <c:pt idx="0">
+                  <c:v>MARZO</c:v>
+                </c:pt>
+                <c:pt idx="1">
+                  <c:v>ABRIL</c:v>
+                </c:pt>
+                <c:pt idx="2">
+                  <c:v>MAYO</c:v>
+                </c:pt>
+                <c:pt idx="3">
+                  <c:v>JUNIO</c:v>
+                </c:pt>
+                <c:pt idx="4">
+                  <c:v>JULIO</c:v>
+                </c:pt>
+              </c:strCache>
+            </c:strRef>
+          </c:cat>
+          <c:val>
+            <c:numRef>
+              <c:f>Hoja1!$B$2:$B$6</c:f>
+              <c:numCache>
+                <c:formatCode>General</c:formatCode>
+                <c:ptCount val="5"/>
+                <c:pt idx="0">
+                  <c:v>10</c:v>
+                </c:pt>
+                <c:pt idx="1">
+                  <c:v>12</c:v>
+                </c:pt>
+                <c:pt idx="2">
+                  <c:v>15</c:v>
+                </c:pt>
+                <c:pt idx="3">
+                  <c:v>20</c:v>
+                </c:pt>
+                <c:pt idx="4">
+                  <c:v>22</c:v>
+                </c:pt>
+              </c:numCache>
+            </c:numRef>
+          </c:val>
+          <c:extLst>
+            <c:ext xmlns:c16="http://schemas.microsoft.com/office/drawing/2014/chart" uri="{C3380CC4-5D6E-409C-BE32-E72D297353CC}">
+              <c16:uniqueId val="{0000000B-5F11-4536-A0A0-1B251239458A}"/>
+            </c:ext>
+          </c:extLst>
+        </c:ser>
+        <c:dLbls>
+          <c:showLegendKey val="0"/>
+          <c:showVal val="0"/>
+          <c:showCatName val="0"/>
+          <c:showSerName val="0"/>
+          <c:showPercent val="0"/>
+          <c:showBubbleSize val="0"/>
+        </c:dLbls>
+        <c:gapWidth val="150"/>
+        <c:shape val="box"/>
+        <c:axId val="443159120"/>
+        <c:axId val="443155840"/>
+        <c:axId val="0"/>
+      </c:bar3DChart>
+      <c:catAx>
+        <c:axId val="443159120"/>
+        <c:scaling>
+          <c:orientation val="minMax"/>
+        </c:scaling>
+        <c:delete val="0"/>
+        <c:axPos val="b"/>
+        <c:title>
+          <c:tx>
+            <c:rich>
+              <a:bodyPr rot="0" spcFirstLastPara="1" vertOverflow="ellipsis" vert="horz" wrap="square" anchor="ctr" anchorCtr="1"/>
+              <a:lstStyle/>
+              <a:p>
+                <a:pPr>
+                  <a:defRPr sz="900" b="1" i="0" u="none" strike="noStrike" kern="1200" baseline="0">
+                    <a:solidFill>
+                      <a:sysClr val="windowText" lastClr="000000"/>
+                    </a:solidFill>
+                    <a:latin typeface="+mn-lt"/>
+                    <a:ea typeface="+mn-ea"/>
+                    <a:cs typeface="+mn-cs"/>
+                  </a:defRPr>
+                </a:pPr>
+                <a:r>
+                  <a:rPr lang="es-MX">
+                    <a:solidFill>
+                      <a:sysClr val="windowText" lastClr="000000"/>
+                    </a:solidFill>
+                  </a:rPr>
+                  <a:t>Mes</a:t>
+                </a:r>
+              </a:p>
+            </c:rich>
+          </c:tx>
+          <c:layout>
+            <c:manualLayout>
+              <c:xMode val="edge"/>
+              <c:yMode val="edge"/>
+              <c:x val="0.47508325885389879"/>
+              <c:y val="0.91593376685434114"/>
+            </c:manualLayout>
+          </c:layout>
+          <c:overlay val="0"/>
+          <c:spPr>
+            <a:noFill/>
+            <a:ln>
+              <a:noFill/>
+            </a:ln>
+            <a:effectLst/>
+          </c:spPr>
+          <c:txPr>
+            <a:bodyPr rot="0" spcFirstLastPara="1" vertOverflow="ellipsis" vert="horz" wrap="square" anchor="ctr" anchorCtr="1"/>
+            <a:lstStyle/>
+            <a:p>
+              <a:pPr>
+                <a:defRPr sz="900" b="1" i="0" u="none" strike="noStrike" kern="1200" baseline="0">
+                  <a:solidFill>
+                    <a:sysClr val="windowText" lastClr="000000"/>
+                  </a:solidFill>
+                  <a:latin typeface="+mn-lt"/>
+                  <a:ea typeface="+mn-ea"/>
+                  <a:cs typeface="+mn-cs"/>
+                </a:defRPr>
+              </a:pPr>
+              <a:endParaRPr lang="es-MX"/>
+            </a:p>
+          </c:txPr>
+        </c:title>
+        <c:numFmt formatCode="General" sourceLinked="1"/>
+        <c:majorTickMark val="none"/>
+        <c:minorTickMark val="none"/>
+        <c:tickLblPos val="nextTo"/>
+        <c:spPr>
+          <a:noFill/>
+          <a:ln w="19050" cap="flat" cmpd="sng" algn="ctr">
+            <a:solidFill>
+              <a:schemeClr val="dk1">
+                <a:lumMod val="75000"/>
+                <a:lumOff val="25000"/>
+              </a:schemeClr>
+            </a:solidFill>
+            <a:round/>
+          </a:ln>
+          <a:effectLst/>
+        </c:spPr>
+        <c:txPr>
+          <a:bodyPr rot="-60000000" spcFirstLastPara="1" vertOverflow="ellipsis" vert="horz" wrap="square" anchor="ctr" anchorCtr="1"/>
+          <a:lstStyle/>
+          <a:p>
+            <a:pPr>
+              <a:defRPr sz="900" b="0" i="0" u="none" strike="noStrike" kern="1200" cap="all" baseline="0">
+                <a:solidFill>
+                  <a:schemeClr val="dk1">
+                    <a:lumMod val="75000"/>
+                    <a:lumOff val="25000"/>
+                  </a:schemeClr>
+                </a:solidFill>
+                <a:latin typeface="+mn-lt"/>
+                <a:ea typeface="+mn-ea"/>
+                <a:cs typeface="+mn-cs"/>
+              </a:defRPr>
+            </a:pPr>
+            <a:endParaRPr lang="es-MX"/>
+          </a:p>
+        </c:txPr>
+        <c:crossAx val="443155840"/>
+        <c:crosses val="autoZero"/>
+        <c:auto val="1"/>
+        <c:lblAlgn val="ctr"/>
+        <c:lblOffset val="100"/>
+        <c:noMultiLvlLbl val="0"/>
+      </c:catAx>
+      <c:valAx>
+        <c:axId val="443155840"/>
+        <c:scaling>
+          <c:orientation val="minMax"/>
+        </c:scaling>
+        <c:delete val="1"/>
+        <c:axPos val="l"/>
+        <c:majorGridlines>
+          <c:spPr>
+            <a:ln w="9525" cap="flat" cmpd="sng" algn="ctr">
+              <a:solidFill>
+                <a:schemeClr val="dk1">
+                  <a:lumMod val="15000"/>
+                  <a:lumOff val="85000"/>
+                </a:schemeClr>
+              </a:solidFill>
+              <a:round/>
+            </a:ln>
+            <a:effectLst/>
+          </c:spPr>
+        </c:majorGridlines>
+        <c:title>
+          <c:tx>
+            <c:rich>
+              <a:bodyPr rot="-5400000" spcFirstLastPara="1" vertOverflow="ellipsis" vert="horz" wrap="square" anchor="ctr" anchorCtr="1"/>
+              <a:lstStyle/>
+              <a:p>
+                <a:pPr>
+                  <a:defRPr sz="900" b="1" i="0" u="none" strike="noStrike" kern="1200" baseline="0">
+                    <a:solidFill>
+                      <a:sysClr val="windowText" lastClr="000000"/>
+                    </a:solidFill>
+                    <a:latin typeface="+mn-lt"/>
+                    <a:ea typeface="+mn-ea"/>
+                    <a:cs typeface="+mn-cs"/>
+                  </a:defRPr>
+                </a:pPr>
+                <a:r>
+                  <a:rPr lang="es-MX">
+                    <a:solidFill>
+                      <a:sysClr val="windowText" lastClr="000000"/>
+                    </a:solidFill>
+                  </a:rPr>
+                  <a:t>Ventas $</a:t>
+                </a:r>
+              </a:p>
+            </c:rich>
+          </c:tx>
+          <c:layout>
+            <c:manualLayout>
+              <c:xMode val="edge"/>
+              <c:yMode val="edge"/>
+              <c:x val="3.2853336262580364E-2"/>
+              <c:y val="0.36631555620191275"/>
+            </c:manualLayout>
+          </c:layout>
+          <c:overlay val="0"/>
+          <c:spPr>
+            <a:noFill/>
+            <a:ln>
+              <a:noFill/>
+            </a:ln>
+            <a:effectLst/>
+          </c:spPr>
+          <c:txPr>
+            <a:bodyPr rot="-5400000" spcFirstLastPara="1" vertOverflow="ellipsis" vert="horz" wrap="square" anchor="ctr" anchorCtr="1"/>
+            <a:lstStyle/>
+            <a:p>
+              <a:pPr>
+                <a:defRPr sz="900" b="1" i="0" u="none" strike="noStrike" kern="1200" baseline="0">
+                  <a:solidFill>
+                    <a:sysClr val="windowText" lastClr="000000"/>
+                  </a:solidFill>
+                  <a:latin typeface="+mn-lt"/>
+                  <a:ea typeface="+mn-ea"/>
+                  <a:cs typeface="+mn-cs"/>
+                </a:defRPr>
+              </a:pPr>
+              <a:endParaRPr lang="es-MX"/>
+            </a:p>
+          </c:txPr>
+        </c:title>
+        <c:numFmt formatCode="General" sourceLinked="1"/>
+        <c:majorTickMark val="out"/>
+        <c:minorTickMark val="none"/>
+        <c:tickLblPos val="nextTo"/>
+        <c:crossAx val="443159120"/>
+        <c:crosses val="autoZero"/>
+        <c:crossBetween val="between"/>
+      </c:valAx>
+      <c:spPr>
+        <a:noFill/>
+        <a:ln>
+          <a:noFill/>
+        </a:ln>
+        <a:effectLst/>
+      </c:spPr>
+    </c:plotArea>
+    <c:legend>
+      <c:legendPos val="r"/>
+      <c:layout>
+        <c:manualLayout>
+          <c:xMode val="edge"/>
+          <c:yMode val="edge"/>
+          <c:x val="0.88897882172914378"/>
+          <c:y val="0.10159095246963332"/>
+          <c:w val="9.0729225228581192E-2"/>
+          <c:h val="0.14168699612626237"/>
+        </c:manualLayout>
+      </c:layout>
+      <c:overlay val="0"/>
+      <c:spPr>
+        <a:solidFill>
+          <a:schemeClr val="lt1">
+            <a:lumMod val="95000"/>
+            <a:alpha val="39000"/>
+          </a:schemeClr>
+        </a:solidFill>
+        <a:ln>
+          <a:noFill/>
+        </a:ln>
+        <a:effectLst/>
+      </c:spPr>
+      <c:txPr>
+        <a:bodyPr rot="0" spcFirstLastPara="1" vertOverflow="ellipsis" vert="horz" wrap="square" anchor="ctr" anchorCtr="1"/>
+        <a:lstStyle/>
+        <a:p>
+          <a:pPr>
+            <a:defRPr sz="1100" b="0" i="0" u="none" strike="noStrike" kern="1200" baseline="0">
+              <a:solidFill>
+                <a:schemeClr val="dk1">
+                  <a:lumMod val="75000"/>
+                  <a:lumOff val="25000"/>
+                </a:schemeClr>
+              </a:solidFill>
+              <a:latin typeface="+mn-lt"/>
+              <a:ea typeface="+mn-ea"/>
+              <a:cs typeface="+mn-cs"/>
+            </a:defRPr>
+          </a:pPr>
+          <a:endParaRPr lang="es-MX"/>
+        </a:p>
+      </c:txPr>
+    </c:legend>
+    <c:plotVisOnly val="1"/>
+    <c:dispBlanksAs val="gap"/>
+    <c:extLst>
+      <c:ext xmlns:c16r3="http://schemas.microsoft.com/office/drawing/2017/03/chart" uri="{56B9EC1D-385E-4148-901F-78D8002777C0}">
+        <c16r3:dataDisplayOptions16>
+          <c16r3:dispNaAsBlank val="1"/>
+        </c16r3:dataDisplayOptions16>
+      </c:ext>
+    </c:extLst>
+    <c:showDLblsOverMax val="0"/>
+  </c:chart>
+  <c:spPr>
+    <a:gradFill flip="none" rotWithShape="1">
+      <a:gsLst>
+        <a:gs pos="0">
+          <a:schemeClr val="lt1"/>
+        </a:gs>
+        <a:gs pos="39000">
+          <a:schemeClr val="lt1"/>
+        </a:gs>
+        <a:gs pos="100000">
+          <a:schemeClr val="lt1">
+            <a:lumMod val="75000"/>
+          </a:schemeClr>
+        </a:gs>
+      </a:gsLst>
+      <a:path path="circle">
+        <a:fillToRect l="50000" t="-80000" r="50000" b="180000"/>
+      </a:path>
+      <a:tileRect/>
+    </a:gradFill>
+    <a:ln w="9525" cap="flat" cmpd="sng" algn="ctr">
+      <a:solidFill>
+        <a:schemeClr val="dk1">
+          <a:lumMod val="25000"/>
+          <a:lumOff val="75000"/>
+        </a:schemeClr>
+      </a:solidFill>
+      <a:round/>
+    </a:ln>
+    <a:effectLst/>
+  </c:spPr>
+  <c:txPr>
+    <a:bodyPr/>
+    <a:lstStyle/>
+    <a:p>
+      <a:pPr>
+        <a:defRPr/>
+      </a:pPr>
+      <a:endParaRPr lang="es-MX"/>
+    </a:p>
+  </c:txPr>
+  <c:externalData r:id="rId3">
+    <c:autoUpdate val="0"/>
+  </c:externalData>
+</c:chartSpace>
+</file>
+
+<file path=ppt/charts/chart2.xml><?xml version="1.0" encoding="utf-8"?>
+<c:chartSpace xmlns:c="http://schemas.openxmlformats.org/drawingml/2006/chart" xmlns:a="http://schemas.openxmlformats.org/drawingml/2006/main" xmlns:r="http://schemas.openxmlformats.org/officeDocument/2006/relationships" xmlns:c16r2="http://schemas.microsoft.com/office/drawing/2015/06/chart">
+  <c:date1904 val="0"/>
+  <c:lang val="es-ES"/>
+  <c:roundedCorners val="0"/>
+  <mc:AlternateContent xmlns:mc="http://schemas.openxmlformats.org/markup-compatibility/2006">
+    <mc:Choice xmlns:c14="http://schemas.microsoft.com/office/drawing/2007/8/2/chart" Requires="c14">
+      <c14:style val="102"/>
+    </mc:Choice>
+    <mc:Fallback>
+      <c:style val="2"/>
+    </mc:Fallback>
+  </mc:AlternateContent>
+  <c:chart>
+    <c:title>
+      <c:tx>
+        <c:rich>
+          <a:bodyPr rot="0" spcFirstLastPara="1" vertOverflow="ellipsis" vert="horz" wrap="square" anchor="ctr" anchorCtr="1"/>
+          <a:lstStyle/>
+          <a:p>
+            <a:pPr>
+              <a:defRPr sz="1800" b="1" i="0" u="none" strike="noStrike" kern="1200" baseline="0">
+                <a:solidFill>
+                  <a:schemeClr val="dk1">
+                    <a:lumMod val="75000"/>
+                    <a:lumOff val="25000"/>
+                  </a:schemeClr>
+                </a:solidFill>
+                <a:latin typeface="+mn-lt"/>
+                <a:ea typeface="+mn-ea"/>
+                <a:cs typeface="+mn-cs"/>
+              </a:defRPr>
+            </a:pPr>
+            <a:r>
+              <a:rPr lang="es-MX"/>
+              <a:t>ENCUESTA</a:t>
+            </a:r>
+            <a:r>
+              <a:rPr lang="es-MX" baseline="0"/>
+              <a:t> DE PREFERENCIA DE USUARIOS HACIA EL LUGAR DE COMPRA</a:t>
+            </a:r>
+            <a:endParaRPr lang="es-MX"/>
+          </a:p>
+        </c:rich>
+      </c:tx>
+      <c:layout>
+        <c:manualLayout>
+          <c:xMode val="edge"/>
+          <c:yMode val="edge"/>
+          <c:x val="0.10627366502079288"/>
+          <c:y val="2.3506366307541625E-2"/>
+        </c:manualLayout>
+      </c:layout>
+      <c:overlay val="0"/>
+      <c:spPr>
+        <a:noFill/>
+        <a:ln>
+          <a:noFill/>
+        </a:ln>
+        <a:effectLst/>
+      </c:spPr>
+      <c:txPr>
+        <a:bodyPr rot="0" spcFirstLastPara="1" vertOverflow="ellipsis" vert="horz" wrap="square" anchor="ctr" anchorCtr="1"/>
+        <a:lstStyle/>
+        <a:p>
+          <a:pPr>
+            <a:defRPr sz="1800" b="1" i="0" u="none" strike="noStrike" kern="1200" baseline="0">
+              <a:solidFill>
+                <a:schemeClr val="dk1">
+                  <a:lumMod val="75000"/>
+                  <a:lumOff val="25000"/>
+                </a:schemeClr>
+              </a:solidFill>
+              <a:latin typeface="+mn-lt"/>
+              <a:ea typeface="+mn-ea"/>
+              <a:cs typeface="+mn-cs"/>
+            </a:defRPr>
+          </a:pPr>
+          <a:endParaRPr lang="es-MX"/>
+        </a:p>
+      </c:txPr>
+    </c:title>
+    <c:autoTitleDeleted val="0"/>
+    <c:view3D>
+      <c:rotX val="0"/>
+      <c:rotY val="0"/>
+      <c:depthPercent val="60"/>
+      <c:rAngAx val="0"/>
+      <c:perspective val="100"/>
+    </c:view3D>
+    <c:floor>
+      <c:thickness val="0"/>
+      <c:spPr>
+        <a:solidFill>
+          <a:schemeClr val="lt1">
+            <a:lumMod val="95000"/>
+          </a:schemeClr>
+        </a:solidFill>
+        <a:ln>
+          <a:noFill/>
+        </a:ln>
+        <a:effectLst/>
+        <a:sp3d/>
+      </c:spPr>
+    </c:floor>
+    <c:sideWall>
+      <c:thickness val="0"/>
+      <c:spPr>
+        <a:noFill/>
+        <a:ln>
+          <a:noFill/>
+        </a:ln>
+        <a:effectLst/>
+        <a:sp3d/>
+      </c:spPr>
+    </c:sideWall>
+    <c:backWall>
+      <c:thickness val="0"/>
+      <c:spPr>
+        <a:noFill/>
+        <a:ln>
+          <a:noFill/>
+        </a:ln>
+        <a:effectLst/>
+        <a:sp3d/>
+      </c:spPr>
+    </c:backWall>
+    <c:plotArea>
+      <c:layout/>
+      <c:bar3DChart>
+        <c:barDir val="col"/>
+        <c:grouping val="clustered"/>
+        <c:varyColors val="0"/>
+        <c:ser>
+          <c:idx val="0"/>
+          <c:order val="0"/>
+          <c:tx>
+            <c:strRef>
+              <c:f>Hoja1!$B$1</c:f>
+              <c:strCache>
+                <c:ptCount val="1"/>
+                <c:pt idx="0">
+                  <c:v>Local</c:v>
+                </c:pt>
+              </c:strCache>
+            </c:strRef>
+          </c:tx>
+          <c:spPr>
+            <a:solidFill>
+              <a:schemeClr val="accent1">
+                <a:alpha val="85000"/>
+              </a:schemeClr>
+            </a:solidFill>
+            <a:ln w="9525" cap="flat" cmpd="sng" algn="ctr">
+              <a:solidFill>
+                <a:schemeClr val="accent1">
+                  <a:lumMod val="75000"/>
+                </a:schemeClr>
+              </a:solidFill>
+              <a:round/>
+            </a:ln>
+            <a:effectLst/>
+            <a:sp3d contourW="9525">
+              <a:contourClr>
+                <a:schemeClr val="accent1">
+                  <a:lumMod val="75000"/>
+                </a:schemeClr>
+              </a:contourClr>
+            </a:sp3d>
+          </c:spPr>
+          <c:invertIfNegative val="0"/>
+          <c:dLbls>
+            <c:dLbl>
+              <c:idx val="0"/>
+              <c:layout>
+                <c:manualLayout>
+                  <c:x val="1.4019627478469821E-2"/>
+                  <c:y val="0.23506366307541626"/>
+                </c:manualLayout>
+              </c:layout>
+              <c:tx>
+                <c:rich>
+                  <a:bodyPr rot="0" spcFirstLastPara="1" vertOverflow="clip" horzOverflow="clip" vert="horz" wrap="square" lIns="38100" tIns="19050" rIns="38100" bIns="19050" anchor="ctr" anchorCtr="1">
+                    <a:spAutoFit/>
+                  </a:bodyPr>
+                  <a:lstStyle/>
+                  <a:p>
+                    <a:pPr>
+                      <a:defRPr sz="900" b="1" i="0" u="none" strike="noStrike" kern="1200" baseline="0">
+                        <a:solidFill>
+                          <a:schemeClr val="lt1"/>
+                        </a:solidFill>
+                        <a:latin typeface="+mn-lt"/>
+                        <a:ea typeface="+mn-ea"/>
+                        <a:cs typeface="+mn-cs"/>
+                      </a:defRPr>
+                    </a:pPr>
+                    <a:fld id="{4B69AB10-5BDC-493A-94AE-59365022EDF2}" type="VALUE">
+                      <a:rPr lang="en-US" baseline="0"/>
+                      <a:pPr>
+                        <a:defRPr/>
+                      </a:pPr>
+                      <a:t>[VALOR]</a:t>
+                    </a:fld>
+                    <a:r>
+                      <a:rPr lang="en-US" baseline="0"/>
+                      <a:t>%</a:t>
+                    </a:r>
+                  </a:p>
+                </c:rich>
+              </c:tx>
+              <c:spPr>
+                <a:solidFill>
+                  <a:sysClr val="windowText" lastClr="000000">
+                    <a:lumMod val="65000"/>
+                    <a:lumOff val="35000"/>
+                    <a:alpha val="75000"/>
+                  </a:sysClr>
+                </a:solidFill>
+                <a:ln>
+                  <a:noFill/>
+                </a:ln>
+                <a:effectLst/>
+              </c:spPr>
+              <c:txPr>
+                <a:bodyPr rot="0" spcFirstLastPara="1" vertOverflow="clip" horzOverflow="clip" vert="horz" wrap="square" lIns="38100" tIns="19050" rIns="38100" bIns="19050" anchor="ctr" anchorCtr="1">
+                  <a:spAutoFit/>
+                </a:bodyPr>
+                <a:lstStyle/>
+                <a:p>
+                  <a:pPr>
+                    <a:defRPr sz="900" b="1" i="0" u="none" strike="noStrike" kern="1200" baseline="0">
+                      <a:solidFill>
+                        <a:schemeClr val="lt1"/>
+                      </a:solidFill>
+                      <a:latin typeface="+mn-lt"/>
+                      <a:ea typeface="+mn-ea"/>
+                      <a:cs typeface="+mn-cs"/>
+                    </a:defRPr>
+                  </a:pPr>
+                  <a:endParaRPr lang="es-MX"/>
+                </a:p>
+              </c:txPr>
+              <c:showLegendKey val="0"/>
+              <c:showVal val="1"/>
+              <c:showCatName val="1"/>
+              <c:showSerName val="0"/>
+              <c:showPercent val="0"/>
+              <c:showBubbleSize val="0"/>
+              <c:extLst>
+                <c:ext xmlns:c15="http://schemas.microsoft.com/office/drawing/2012/chart" uri="{CE6537A1-D6FC-4f65-9D91-7224C49458BB}">
+                  <c15:spPr xmlns:c15="http://schemas.microsoft.com/office/drawing/2012/chart">
+                    <a:prstGeom prst="wedgeRectCallout">
+                      <a:avLst>
+                        <a:gd name="adj1" fmla="val 18272"/>
+                        <a:gd name="adj2" fmla="val 35130"/>
+                      </a:avLst>
+                    </a:prstGeom>
+                    <a:noFill/>
+                    <a:ln>
+                      <a:noFill/>
+                    </a:ln>
+                  </c15:spPr>
+                  <c15:dlblFieldTable/>
+                  <c15:showDataLabelsRange val="0"/>
+                </c:ext>
+                <c:ext xmlns:c16="http://schemas.microsoft.com/office/drawing/2014/chart" uri="{C3380CC4-5D6E-409C-BE32-E72D297353CC}">
+                  <c16:uniqueId val="{00000000-9E94-47AF-B7C1-1771894BA78D}"/>
+                </c:ext>
+              </c:extLst>
+            </c:dLbl>
+            <c:dLbl>
+              <c:idx val="1"/>
+              <c:layout>
+                <c:manualLayout>
+                  <c:x val="-8.0112157019828489E-3"/>
+                  <c:y val="0.18413320274240941"/>
+                </c:manualLayout>
+              </c:layout>
+              <c:tx>
+                <c:rich>
+                  <a:bodyPr rot="0" spcFirstLastPara="1" vertOverflow="clip" horzOverflow="clip" vert="horz" wrap="square" lIns="38100" tIns="19050" rIns="38100" bIns="19050" anchor="ctr" anchorCtr="1">
+                    <a:spAutoFit/>
+                  </a:bodyPr>
+                  <a:lstStyle/>
+                  <a:p>
+                    <a:pPr>
+                      <a:defRPr sz="900" b="1" i="0" u="none" strike="noStrike" kern="1200" baseline="0">
+                        <a:solidFill>
+                          <a:schemeClr val="lt1"/>
+                        </a:solidFill>
+                        <a:latin typeface="+mn-lt"/>
+                        <a:ea typeface="+mn-ea"/>
+                        <a:cs typeface="+mn-cs"/>
+                      </a:defRPr>
+                    </a:pPr>
+                    <a:r>
+                      <a:rPr lang="en-US" baseline="0"/>
+                      <a:t> </a:t>
+                    </a:r>
+                    <a:fld id="{418A4C55-B732-45F5-885A-03DA39DC728F}" type="VALUE">
+                      <a:rPr lang="en-US" baseline="0"/>
+                      <a:pPr>
+                        <a:defRPr/>
+                      </a:pPr>
+                      <a:t>[VALOR]</a:t>
+                    </a:fld>
+                    <a:r>
+                      <a:rPr lang="en-US" baseline="0"/>
+                      <a:t>%</a:t>
+                    </a:r>
+                  </a:p>
+                </c:rich>
+              </c:tx>
+              <c:spPr>
+                <a:solidFill>
+                  <a:sysClr val="windowText" lastClr="000000">
+                    <a:lumMod val="65000"/>
+                    <a:lumOff val="35000"/>
+                    <a:alpha val="75000"/>
+                  </a:sysClr>
+                </a:solidFill>
+                <a:ln>
+                  <a:noFill/>
+                </a:ln>
+                <a:effectLst/>
+              </c:spPr>
+              <c:txPr>
+                <a:bodyPr rot="0" spcFirstLastPara="1" vertOverflow="clip" horzOverflow="clip" vert="horz" wrap="square" lIns="38100" tIns="19050" rIns="38100" bIns="19050" anchor="ctr" anchorCtr="1">
+                  <a:spAutoFit/>
+                </a:bodyPr>
+                <a:lstStyle/>
+                <a:p>
+                  <a:pPr>
+                    <a:defRPr sz="900" b="1" i="0" u="none" strike="noStrike" kern="1200" baseline="0">
+                      <a:solidFill>
+                        <a:schemeClr val="lt1"/>
+                      </a:solidFill>
+                      <a:latin typeface="+mn-lt"/>
+                      <a:ea typeface="+mn-ea"/>
+                      <a:cs typeface="+mn-cs"/>
+                    </a:defRPr>
+                  </a:pPr>
+                  <a:endParaRPr lang="es-MX"/>
+                </a:p>
+              </c:txPr>
+              <c:showLegendKey val="0"/>
+              <c:showVal val="1"/>
+              <c:showCatName val="1"/>
+              <c:showSerName val="0"/>
+              <c:showPercent val="0"/>
+              <c:showBubbleSize val="0"/>
+              <c:extLst>
+                <c:ext xmlns:c15="http://schemas.microsoft.com/office/drawing/2012/chart" uri="{CE6537A1-D6FC-4f65-9D91-7224C49458BB}">
+                  <c15:spPr xmlns:c15="http://schemas.microsoft.com/office/drawing/2012/chart">
+                    <a:prstGeom prst="wedgeRectCallout">
+                      <a:avLst>
+                        <a:gd name="adj1" fmla="val 6264"/>
+                        <a:gd name="adj2" fmla="val 10345"/>
+                      </a:avLst>
+                    </a:prstGeom>
+                    <a:noFill/>
+                    <a:ln>
+                      <a:noFill/>
+                    </a:ln>
+                  </c15:spPr>
+                  <c15:dlblFieldTable/>
+                  <c15:showDataLabelsRange val="0"/>
+                </c:ext>
+                <c:ext xmlns:c16="http://schemas.microsoft.com/office/drawing/2014/chart" uri="{C3380CC4-5D6E-409C-BE32-E72D297353CC}">
+                  <c16:uniqueId val="{00000001-9E94-47AF-B7C1-1771894BA78D}"/>
+                </c:ext>
+              </c:extLst>
+            </c:dLbl>
+            <c:spPr>
+              <a:solidFill>
+                <a:sysClr val="windowText" lastClr="000000">
+                  <a:lumMod val="65000"/>
+                  <a:lumOff val="35000"/>
+                  <a:alpha val="75000"/>
+                </a:sysClr>
+              </a:solidFill>
+              <a:ln>
+                <a:noFill/>
+              </a:ln>
+              <a:effectLst/>
+            </c:spPr>
+            <c:txPr>
+              <a:bodyPr rot="0" spcFirstLastPara="1" vertOverflow="clip" horzOverflow="clip" vert="horz" wrap="square" lIns="38100" tIns="19050" rIns="38100" bIns="19050" anchor="ctr" anchorCtr="1">
+                <a:spAutoFit/>
+              </a:bodyPr>
+              <a:lstStyle/>
+              <a:p>
+                <a:pPr>
+                  <a:defRPr sz="900" b="1" i="0" u="none" strike="noStrike" kern="1200" baseline="0">
+                    <a:solidFill>
+                      <a:schemeClr val="lt1"/>
+                    </a:solidFill>
+                    <a:latin typeface="+mn-lt"/>
+                    <a:ea typeface="+mn-ea"/>
+                    <a:cs typeface="+mn-cs"/>
+                  </a:defRPr>
+                </a:pPr>
+                <a:endParaRPr lang="es-MX"/>
+              </a:p>
+            </c:txPr>
+            <c:showLegendKey val="0"/>
+            <c:showVal val="1"/>
+            <c:showCatName val="1"/>
+            <c:showSerName val="0"/>
+            <c:showPercent val="0"/>
+            <c:showBubbleSize val="0"/>
+            <c:showLeaderLines val="0"/>
+            <c:extLst>
+              <c:ext xmlns:c15="http://schemas.microsoft.com/office/drawing/2012/chart" uri="{CE6537A1-D6FC-4f65-9D91-7224C49458BB}">
+                <c15:spPr xmlns:c15="http://schemas.microsoft.com/office/drawing/2012/chart">
+                  <a:prstGeom prst="wedgeRectCallout">
+                    <a:avLst/>
+                  </a:prstGeom>
+                  <a:noFill/>
+                  <a:ln>
+                    <a:noFill/>
+                  </a:ln>
+                </c15:spPr>
+                <c15:showLeaderLines val="0"/>
+              </c:ext>
+            </c:extLst>
+          </c:dLbls>
+          <c:cat>
+            <c:strRef>
+              <c:f>Hoja1!$A$2:$A$3</c:f>
+              <c:strCache>
+                <c:ptCount val="2"/>
+                <c:pt idx="0">
+                  <c:v>MARZO</c:v>
+                </c:pt>
+                <c:pt idx="1">
+                  <c:v>AGOSTO</c:v>
+                </c:pt>
+              </c:strCache>
+            </c:strRef>
+          </c:cat>
+          <c:val>
+            <c:numRef>
+              <c:f>Hoja1!$B$2:$B$3</c:f>
+              <c:numCache>
+                <c:formatCode>General</c:formatCode>
+                <c:ptCount val="2"/>
+                <c:pt idx="0">
+                  <c:v>75</c:v>
+                </c:pt>
+                <c:pt idx="1">
+                  <c:v>54</c:v>
+                </c:pt>
+              </c:numCache>
+            </c:numRef>
+          </c:val>
+          <c:shape val="cylinder"/>
+          <c:extLst>
+            <c:ext xmlns:c16="http://schemas.microsoft.com/office/drawing/2014/chart" uri="{C3380CC4-5D6E-409C-BE32-E72D297353CC}">
+              <c16:uniqueId val="{00000002-9E94-47AF-B7C1-1771894BA78D}"/>
+            </c:ext>
+          </c:extLst>
+        </c:ser>
+        <c:ser>
+          <c:idx val="1"/>
+          <c:order val="1"/>
+          <c:tx>
+            <c:strRef>
+              <c:f>Hoja1!$C$1</c:f>
+              <c:strCache>
+                <c:ptCount val="1"/>
+                <c:pt idx="0">
+                  <c:v>Linea</c:v>
+                </c:pt>
+              </c:strCache>
+            </c:strRef>
+          </c:tx>
+          <c:spPr>
+            <a:solidFill>
+              <a:schemeClr val="accent2">
+                <a:alpha val="85000"/>
+              </a:schemeClr>
+            </a:solidFill>
+            <a:ln w="9525" cap="flat" cmpd="sng" algn="ctr">
+              <a:solidFill>
+                <a:schemeClr val="accent2">
+                  <a:lumMod val="75000"/>
+                </a:schemeClr>
+              </a:solidFill>
+              <a:round/>
+            </a:ln>
+            <a:effectLst/>
+            <a:sp3d contourW="9525">
+              <a:contourClr>
+                <a:schemeClr val="accent2">
+                  <a:lumMod val="75000"/>
+                </a:schemeClr>
+              </a:contourClr>
+            </a:sp3d>
+          </c:spPr>
+          <c:invertIfNegative val="0"/>
+          <c:dLbls>
+            <c:dLbl>
+              <c:idx val="0"/>
+              <c:layout>
+                <c:manualLayout>
+                  <c:x val="6.0084117764870083E-3"/>
+                  <c:y val="0.10969637610186092"/>
+                </c:manualLayout>
+              </c:layout>
+              <c:tx>
+                <c:rich>
+                  <a:bodyPr rot="0" spcFirstLastPara="1" vertOverflow="clip" horzOverflow="clip" vert="horz" wrap="square" lIns="38100" tIns="19050" rIns="38100" bIns="19050" anchor="ctr" anchorCtr="1">
+                    <a:spAutoFit/>
+                  </a:bodyPr>
+                  <a:lstStyle/>
+                  <a:p>
+                    <a:pPr>
+                      <a:defRPr sz="900" b="1" i="0" u="none" strike="noStrike" kern="1200" baseline="0">
+                        <a:solidFill>
+                          <a:schemeClr val="lt1"/>
+                        </a:solidFill>
+                        <a:latin typeface="+mn-lt"/>
+                        <a:ea typeface="+mn-ea"/>
+                        <a:cs typeface="+mn-cs"/>
+                      </a:defRPr>
+                    </a:pPr>
+                    <a:r>
+                      <a:rPr lang="en-US" baseline="0"/>
+                      <a:t> </a:t>
+                    </a:r>
+                    <a:fld id="{B18B6A30-4258-4514-B2FE-1151F94BF168}" type="VALUE">
+                      <a:rPr lang="en-US" baseline="0"/>
+                      <a:pPr>
+                        <a:defRPr/>
+                      </a:pPr>
+                      <a:t>[VALOR]</a:t>
+                    </a:fld>
+                    <a:r>
+                      <a:rPr lang="en-US" baseline="0"/>
+                      <a:t>%</a:t>
+                    </a:r>
+                  </a:p>
+                </c:rich>
+              </c:tx>
+              <c:spPr>
+                <a:solidFill>
+                  <a:sysClr val="windowText" lastClr="000000">
+                    <a:lumMod val="65000"/>
+                    <a:lumOff val="35000"/>
+                    <a:alpha val="75000"/>
+                  </a:sysClr>
+                </a:solidFill>
+                <a:ln>
+                  <a:noFill/>
+                </a:ln>
+                <a:effectLst/>
+              </c:spPr>
+              <c:txPr>
+                <a:bodyPr rot="0" spcFirstLastPara="1" vertOverflow="clip" horzOverflow="clip" vert="horz" wrap="square" lIns="38100" tIns="19050" rIns="38100" bIns="19050" anchor="ctr" anchorCtr="1">
+                  <a:spAutoFit/>
+                </a:bodyPr>
+                <a:lstStyle/>
+                <a:p>
+                  <a:pPr>
+                    <a:defRPr sz="900" b="1" i="0" u="none" strike="noStrike" kern="1200" baseline="0">
+                      <a:solidFill>
+                        <a:schemeClr val="lt1"/>
+                      </a:solidFill>
+                      <a:latin typeface="+mn-lt"/>
+                      <a:ea typeface="+mn-ea"/>
+                      <a:cs typeface="+mn-cs"/>
+                    </a:defRPr>
+                  </a:pPr>
+                  <a:endParaRPr lang="es-MX"/>
+                </a:p>
+              </c:txPr>
+              <c:showLegendKey val="0"/>
+              <c:showVal val="1"/>
+              <c:showCatName val="1"/>
+              <c:showSerName val="0"/>
+              <c:showPercent val="0"/>
+              <c:showBubbleSize val="0"/>
+              <c:extLst>
+                <c:ext xmlns:c15="http://schemas.microsoft.com/office/drawing/2012/chart" uri="{CE6537A1-D6FC-4f65-9D91-7224C49458BB}">
+                  <c15:spPr xmlns:c15="http://schemas.microsoft.com/office/drawing/2012/chart">
+                    <a:prstGeom prst="wedgeRectCallout">
+                      <a:avLst>
+                        <a:gd name="adj1" fmla="val 10440"/>
+                        <a:gd name="adj2" fmla="val 6804"/>
+                      </a:avLst>
+                    </a:prstGeom>
+                    <a:noFill/>
+                    <a:ln>
+                      <a:noFill/>
+                    </a:ln>
+                  </c15:spPr>
+                  <c15:dlblFieldTable/>
+                  <c15:showDataLabelsRange val="0"/>
+                </c:ext>
+                <c:ext xmlns:c16="http://schemas.microsoft.com/office/drawing/2014/chart" uri="{C3380CC4-5D6E-409C-BE32-E72D297353CC}">
+                  <c16:uniqueId val="{00000003-9E94-47AF-B7C1-1771894BA78D}"/>
+                </c:ext>
+              </c:extLst>
+            </c:dLbl>
+            <c:dLbl>
+              <c:idx val="1"/>
+              <c:layout>
+                <c:manualLayout>
+                  <c:x val="-1.0014019627478469E-2"/>
+                  <c:y val="0.16062683643486786"/>
+                </c:manualLayout>
+              </c:layout>
+              <c:tx>
+                <c:rich>
+                  <a:bodyPr rot="0" spcFirstLastPara="1" vertOverflow="clip" horzOverflow="clip" vert="horz" wrap="square" lIns="38100" tIns="19050" rIns="38100" bIns="19050" anchor="ctr" anchorCtr="1">
+                    <a:spAutoFit/>
+                  </a:bodyPr>
+                  <a:lstStyle/>
+                  <a:p>
+                    <a:pPr>
+                      <a:defRPr sz="900" b="1" i="0" u="none" strike="noStrike" kern="1200" baseline="0">
+                        <a:solidFill>
+                          <a:schemeClr val="lt1"/>
+                        </a:solidFill>
+                        <a:latin typeface="+mn-lt"/>
+                        <a:ea typeface="+mn-ea"/>
+                        <a:cs typeface="+mn-cs"/>
+                      </a:defRPr>
+                    </a:pPr>
+                    <a:r>
+                      <a:rPr lang="en-US" baseline="0"/>
+                      <a:t> </a:t>
+                    </a:r>
+                    <a:fld id="{57DDFF41-D6DD-4739-829C-9373A026D320}" type="VALUE">
+                      <a:rPr lang="en-US" baseline="0"/>
+                      <a:pPr>
+                        <a:defRPr/>
+                      </a:pPr>
+                      <a:t>[VALOR]</a:t>
+                    </a:fld>
+                    <a:r>
+                      <a:rPr lang="en-US" baseline="0"/>
+                      <a:t>%</a:t>
+                    </a:r>
+                  </a:p>
+                </c:rich>
+              </c:tx>
+              <c:spPr>
+                <a:solidFill>
+                  <a:sysClr val="windowText" lastClr="000000">
+                    <a:lumMod val="65000"/>
+                    <a:lumOff val="35000"/>
+                    <a:alpha val="75000"/>
+                  </a:sysClr>
+                </a:solidFill>
+                <a:ln>
+                  <a:noFill/>
+                </a:ln>
+                <a:effectLst/>
+              </c:spPr>
+              <c:txPr>
+                <a:bodyPr rot="0" spcFirstLastPara="1" vertOverflow="clip" horzOverflow="clip" vert="horz" wrap="square" lIns="38100" tIns="19050" rIns="38100" bIns="19050" anchor="ctr" anchorCtr="1">
+                  <a:spAutoFit/>
+                </a:bodyPr>
+                <a:lstStyle/>
+                <a:p>
+                  <a:pPr>
+                    <a:defRPr sz="900" b="1" i="0" u="none" strike="noStrike" kern="1200" baseline="0">
+                      <a:solidFill>
+                        <a:schemeClr val="lt1"/>
+                      </a:solidFill>
+                      <a:latin typeface="+mn-lt"/>
+                      <a:ea typeface="+mn-ea"/>
+                      <a:cs typeface="+mn-cs"/>
+                    </a:defRPr>
+                  </a:pPr>
+                  <a:endParaRPr lang="es-MX"/>
+                </a:p>
+              </c:txPr>
+              <c:showLegendKey val="0"/>
+              <c:showVal val="1"/>
+              <c:showCatName val="1"/>
+              <c:showSerName val="0"/>
+              <c:showPercent val="0"/>
+              <c:showBubbleSize val="0"/>
+              <c:extLst>
+                <c:ext xmlns:c15="http://schemas.microsoft.com/office/drawing/2012/chart" uri="{CE6537A1-D6FC-4f65-9D91-7224C49458BB}">
+                  <c15:spPr xmlns:c15="http://schemas.microsoft.com/office/drawing/2012/chart">
+                    <a:prstGeom prst="wedgeRectCallout">
+                      <a:avLst>
+                        <a:gd name="adj1" fmla="val 12528"/>
+                        <a:gd name="adj2" fmla="val 38670"/>
+                      </a:avLst>
+                    </a:prstGeom>
+                    <a:noFill/>
+                    <a:ln>
+                      <a:noFill/>
+                    </a:ln>
+                  </c15:spPr>
+                  <c15:dlblFieldTable/>
+                  <c15:showDataLabelsRange val="0"/>
+                </c:ext>
+                <c:ext xmlns:c16="http://schemas.microsoft.com/office/drawing/2014/chart" uri="{C3380CC4-5D6E-409C-BE32-E72D297353CC}">
+                  <c16:uniqueId val="{00000004-9E94-47AF-B7C1-1771894BA78D}"/>
+                </c:ext>
+              </c:extLst>
+            </c:dLbl>
+            <c:spPr>
+              <a:solidFill>
+                <a:sysClr val="windowText" lastClr="000000">
+                  <a:lumMod val="65000"/>
+                  <a:lumOff val="35000"/>
+                  <a:alpha val="75000"/>
+                </a:sysClr>
+              </a:solidFill>
+              <a:ln>
+                <a:noFill/>
+              </a:ln>
+              <a:effectLst/>
+            </c:spPr>
+            <c:txPr>
+              <a:bodyPr rot="0" spcFirstLastPara="1" vertOverflow="clip" horzOverflow="clip" vert="horz" wrap="square" lIns="38100" tIns="19050" rIns="38100" bIns="19050" anchor="ctr" anchorCtr="1">
+                <a:spAutoFit/>
+              </a:bodyPr>
+              <a:lstStyle/>
+              <a:p>
+                <a:pPr>
+                  <a:defRPr sz="900" b="1" i="0" u="none" strike="noStrike" kern="1200" baseline="0">
+                    <a:solidFill>
+                      <a:schemeClr val="lt1"/>
+                    </a:solidFill>
+                    <a:latin typeface="+mn-lt"/>
+                    <a:ea typeface="+mn-ea"/>
+                    <a:cs typeface="+mn-cs"/>
+                  </a:defRPr>
+                </a:pPr>
+                <a:endParaRPr lang="es-MX"/>
+              </a:p>
+            </c:txPr>
+            <c:showLegendKey val="0"/>
+            <c:showVal val="1"/>
+            <c:showCatName val="1"/>
+            <c:showSerName val="0"/>
+            <c:showPercent val="0"/>
+            <c:showBubbleSize val="0"/>
+            <c:showLeaderLines val="0"/>
+            <c:extLst>
+              <c:ext xmlns:c15="http://schemas.microsoft.com/office/drawing/2012/chart" uri="{CE6537A1-D6FC-4f65-9D91-7224C49458BB}">
+                <c15:spPr xmlns:c15="http://schemas.microsoft.com/office/drawing/2012/chart">
+                  <a:prstGeom prst="wedgeRectCallout">
+                    <a:avLst/>
+                  </a:prstGeom>
+                  <a:noFill/>
+                  <a:ln>
+                    <a:noFill/>
+                  </a:ln>
+                </c15:spPr>
+                <c15:showLeaderLines val="0"/>
+              </c:ext>
+            </c:extLst>
+          </c:dLbls>
+          <c:cat>
+            <c:strRef>
+              <c:f>Hoja1!$A$2:$A$3</c:f>
+              <c:strCache>
+                <c:ptCount val="2"/>
+                <c:pt idx="0">
+                  <c:v>MARZO</c:v>
+                </c:pt>
+                <c:pt idx="1">
+                  <c:v>AGOSTO</c:v>
+                </c:pt>
+              </c:strCache>
+            </c:strRef>
+          </c:cat>
+          <c:val>
+            <c:numRef>
+              <c:f>Hoja1!$C$2:$C$3</c:f>
+              <c:numCache>
+                <c:formatCode>General</c:formatCode>
+                <c:ptCount val="2"/>
+                <c:pt idx="0">
+                  <c:v>25</c:v>
+                </c:pt>
+                <c:pt idx="1">
+                  <c:v>46</c:v>
+                </c:pt>
+              </c:numCache>
+            </c:numRef>
+          </c:val>
+          <c:shape val="cylinder"/>
+          <c:extLst>
+            <c:ext xmlns:c16="http://schemas.microsoft.com/office/drawing/2014/chart" uri="{C3380CC4-5D6E-409C-BE32-E72D297353CC}">
+              <c16:uniqueId val="{00000005-9E94-47AF-B7C1-1771894BA78D}"/>
+            </c:ext>
+          </c:extLst>
+        </c:ser>
+        <c:dLbls>
+          <c:showLegendKey val="0"/>
+          <c:showVal val="0"/>
+          <c:showCatName val="0"/>
+          <c:showSerName val="0"/>
+          <c:showPercent val="0"/>
+          <c:showBubbleSize val="0"/>
+        </c:dLbls>
+        <c:gapWidth val="150"/>
+        <c:shape val="box"/>
+        <c:axId val="443159120"/>
+        <c:axId val="443155840"/>
+        <c:axId val="0"/>
+      </c:bar3DChart>
+      <c:catAx>
+        <c:axId val="443159120"/>
+        <c:scaling>
+          <c:orientation val="minMax"/>
+        </c:scaling>
+        <c:delete val="0"/>
+        <c:axPos val="b"/>
+        <c:title>
+          <c:tx>
+            <c:rich>
+              <a:bodyPr rot="0" spcFirstLastPara="1" vertOverflow="ellipsis" vert="horz" wrap="square" anchor="ctr" anchorCtr="1"/>
+              <a:lstStyle/>
+              <a:p>
+                <a:pPr>
+                  <a:defRPr sz="900" b="1" i="0" u="none" strike="noStrike" kern="1200" baseline="0">
+                    <a:solidFill>
+                      <a:sysClr val="windowText" lastClr="000000"/>
+                    </a:solidFill>
+                    <a:latin typeface="+mn-lt"/>
+                    <a:ea typeface="+mn-ea"/>
+                    <a:cs typeface="+mn-cs"/>
+                  </a:defRPr>
+                </a:pPr>
+                <a:r>
+                  <a:rPr lang="es-MX">
+                    <a:solidFill>
+                      <a:sysClr val="windowText" lastClr="000000"/>
+                    </a:solidFill>
+                  </a:rPr>
+                  <a:t>Mes</a:t>
+                </a:r>
+              </a:p>
+            </c:rich>
+          </c:tx>
+          <c:overlay val="0"/>
+          <c:spPr>
+            <a:noFill/>
+            <a:ln>
+              <a:noFill/>
+            </a:ln>
+            <a:effectLst/>
+          </c:spPr>
+          <c:txPr>
+            <a:bodyPr rot="0" spcFirstLastPara="1" vertOverflow="ellipsis" vert="horz" wrap="square" anchor="ctr" anchorCtr="1"/>
+            <a:lstStyle/>
+            <a:p>
+              <a:pPr>
+                <a:defRPr sz="900" b="1" i="0" u="none" strike="noStrike" kern="1200" baseline="0">
+                  <a:solidFill>
+                    <a:sysClr val="windowText" lastClr="000000"/>
+                  </a:solidFill>
+                  <a:latin typeface="+mn-lt"/>
+                  <a:ea typeface="+mn-ea"/>
+                  <a:cs typeface="+mn-cs"/>
+                </a:defRPr>
+              </a:pPr>
+              <a:endParaRPr lang="es-MX"/>
+            </a:p>
+          </c:txPr>
+        </c:title>
+        <c:numFmt formatCode="General" sourceLinked="1"/>
+        <c:majorTickMark val="none"/>
+        <c:minorTickMark val="none"/>
+        <c:tickLblPos val="nextTo"/>
+        <c:spPr>
+          <a:noFill/>
+          <a:ln w="19050" cap="flat" cmpd="sng" algn="ctr">
+            <a:solidFill>
+              <a:schemeClr val="dk1">
+                <a:lumMod val="75000"/>
+                <a:lumOff val="25000"/>
+              </a:schemeClr>
+            </a:solidFill>
+            <a:round/>
+          </a:ln>
+          <a:effectLst/>
+        </c:spPr>
+        <c:txPr>
+          <a:bodyPr rot="-60000000" spcFirstLastPara="1" vertOverflow="ellipsis" vert="horz" wrap="square" anchor="ctr" anchorCtr="1"/>
+          <a:lstStyle/>
+          <a:p>
+            <a:pPr>
+              <a:defRPr sz="900" b="0" i="0" u="none" strike="noStrike" kern="1200" cap="all" baseline="0">
+                <a:solidFill>
+                  <a:sysClr val="windowText" lastClr="000000"/>
+                </a:solidFill>
+                <a:latin typeface="+mn-lt"/>
+                <a:ea typeface="+mn-ea"/>
+                <a:cs typeface="+mn-cs"/>
+              </a:defRPr>
+            </a:pPr>
+            <a:endParaRPr lang="es-MX"/>
+          </a:p>
+        </c:txPr>
+        <c:crossAx val="443155840"/>
+        <c:crosses val="autoZero"/>
+        <c:auto val="1"/>
+        <c:lblAlgn val="ctr"/>
+        <c:lblOffset val="100"/>
+        <c:noMultiLvlLbl val="0"/>
+      </c:catAx>
+      <c:valAx>
+        <c:axId val="443155840"/>
+        <c:scaling>
+          <c:orientation val="minMax"/>
+          <c:max val="50"/>
+        </c:scaling>
+        <c:delete val="1"/>
+        <c:axPos val="l"/>
+        <c:majorGridlines>
+          <c:spPr>
+            <a:ln w="9525" cap="flat" cmpd="sng" algn="ctr">
+              <a:solidFill>
+                <a:schemeClr val="dk1">
+                  <a:lumMod val="15000"/>
+                  <a:lumOff val="85000"/>
+                </a:schemeClr>
+              </a:solidFill>
+              <a:round/>
+            </a:ln>
+            <a:effectLst/>
+          </c:spPr>
+        </c:majorGridlines>
+        <c:title>
+          <c:tx>
+            <c:rich>
+              <a:bodyPr rot="-5400000" spcFirstLastPara="1" vertOverflow="ellipsis" vert="horz" wrap="square" anchor="ctr" anchorCtr="1"/>
+              <a:lstStyle/>
+              <a:p>
+                <a:pPr>
+                  <a:defRPr sz="900" b="1" i="0" u="none" strike="noStrike" kern="1200" baseline="0">
+                    <a:solidFill>
+                      <a:sysClr val="windowText" lastClr="000000"/>
+                    </a:solidFill>
+                    <a:latin typeface="+mn-lt"/>
+                    <a:ea typeface="+mn-ea"/>
+                    <a:cs typeface="+mn-cs"/>
+                  </a:defRPr>
+                </a:pPr>
+                <a:r>
+                  <a:rPr lang="es-MX">
+                    <a:solidFill>
+                      <a:sysClr val="windowText" lastClr="000000"/>
+                    </a:solidFill>
+                  </a:rPr>
+                  <a:t>Usuarios</a:t>
+                </a:r>
+              </a:p>
+            </c:rich>
+          </c:tx>
+          <c:layout>
+            <c:manualLayout>
+              <c:xMode val="edge"/>
+              <c:yMode val="edge"/>
+              <c:x val="3.6365084346431466E-2"/>
+              <c:y val="0.418035429214835"/>
+            </c:manualLayout>
+          </c:layout>
+          <c:overlay val="0"/>
+          <c:spPr>
+            <a:noFill/>
+            <a:ln>
+              <a:noFill/>
+            </a:ln>
+            <a:effectLst/>
+          </c:spPr>
+          <c:txPr>
+            <a:bodyPr rot="-5400000" spcFirstLastPara="1" vertOverflow="ellipsis" vert="horz" wrap="square" anchor="ctr" anchorCtr="1"/>
+            <a:lstStyle/>
+            <a:p>
+              <a:pPr>
+                <a:defRPr sz="900" b="1" i="0" u="none" strike="noStrike" kern="1200" baseline="0">
+                  <a:solidFill>
+                    <a:sysClr val="windowText" lastClr="000000"/>
+                  </a:solidFill>
+                  <a:latin typeface="+mn-lt"/>
+                  <a:ea typeface="+mn-ea"/>
+                  <a:cs typeface="+mn-cs"/>
+                </a:defRPr>
+              </a:pPr>
+              <a:endParaRPr lang="es-MX"/>
+            </a:p>
+          </c:txPr>
+        </c:title>
+        <c:numFmt formatCode="General" sourceLinked="1"/>
+        <c:majorTickMark val="out"/>
+        <c:minorTickMark val="none"/>
+        <c:tickLblPos val="nextTo"/>
+        <c:crossAx val="443159120"/>
+        <c:crosses val="autoZero"/>
+        <c:crossBetween val="between"/>
+      </c:valAx>
+      <c:spPr>
+        <a:noFill/>
+        <a:ln>
+          <a:noFill/>
+        </a:ln>
+        <a:effectLst/>
+      </c:spPr>
+    </c:plotArea>
+    <c:legend>
+      <c:legendPos val="r"/>
+      <c:layout>
+        <c:manualLayout>
+          <c:xMode val="edge"/>
+          <c:yMode val="edge"/>
+          <c:x val="0.88891514425848117"/>
+          <c:y val="0.44023955111129276"/>
+          <c:w val="7.061208526582885E-2"/>
+          <c:h val="0.13222423592741409"/>
+        </c:manualLayout>
+      </c:layout>
+      <c:overlay val="0"/>
+      <c:spPr>
+        <a:solidFill>
+          <a:schemeClr val="lt1">
+            <a:lumMod val="95000"/>
+            <a:alpha val="39000"/>
+          </a:schemeClr>
+        </a:solidFill>
+        <a:ln>
+          <a:noFill/>
+        </a:ln>
+        <a:effectLst/>
+      </c:spPr>
+      <c:txPr>
+        <a:bodyPr rot="0" spcFirstLastPara="1" vertOverflow="ellipsis" vert="horz" wrap="square" anchor="ctr" anchorCtr="1"/>
+        <a:lstStyle/>
+        <a:p>
+          <a:pPr>
+            <a:defRPr lang="es-MX" sz="1100" b="0" i="0" u="none" strike="noStrike" kern="1200" baseline="0">
+              <a:solidFill>
+                <a:schemeClr val="dk1">
+                  <a:lumMod val="75000"/>
+                  <a:lumOff val="25000"/>
+                </a:schemeClr>
+              </a:solidFill>
+              <a:latin typeface="+mn-lt"/>
+              <a:ea typeface="+mn-ea"/>
+              <a:cs typeface="+mn-cs"/>
+            </a:defRPr>
+          </a:pPr>
+          <a:endParaRPr lang="es-MX"/>
+        </a:p>
+      </c:txPr>
+    </c:legend>
+    <c:plotVisOnly val="1"/>
+    <c:dispBlanksAs val="gap"/>
+    <c:extLst>
+      <c:ext xmlns:c16r3="http://schemas.microsoft.com/office/drawing/2017/03/chart" uri="{56B9EC1D-385E-4148-901F-78D8002777C0}">
+        <c16r3:dataDisplayOptions16>
+          <c16r3:dispNaAsBlank val="1"/>
+        </c16r3:dataDisplayOptions16>
+      </c:ext>
+    </c:extLst>
+    <c:showDLblsOverMax val="0"/>
+  </c:chart>
+  <c:spPr>
+    <a:gradFill flip="none" rotWithShape="1">
+      <a:gsLst>
+        <a:gs pos="0">
+          <a:schemeClr val="lt1"/>
+        </a:gs>
+        <a:gs pos="39000">
+          <a:schemeClr val="lt1"/>
+        </a:gs>
+        <a:gs pos="100000">
+          <a:schemeClr val="lt1">
+            <a:lumMod val="75000"/>
+          </a:schemeClr>
+        </a:gs>
+      </a:gsLst>
+      <a:path path="circle">
+        <a:fillToRect l="50000" t="-80000" r="50000" b="180000"/>
+      </a:path>
+      <a:tileRect/>
+    </a:gradFill>
+    <a:ln w="9525" cap="flat" cmpd="sng" algn="ctr">
+      <a:solidFill>
+        <a:schemeClr val="dk1">
+          <a:lumMod val="25000"/>
+          <a:lumOff val="75000"/>
+        </a:schemeClr>
+      </a:solidFill>
+      <a:round/>
+    </a:ln>
+    <a:effectLst/>
+  </c:spPr>
+  <c:txPr>
+    <a:bodyPr/>
+    <a:lstStyle/>
+    <a:p>
+      <a:pPr>
+        <a:defRPr/>
+      </a:pPr>
+      <a:endParaRPr lang="es-MX"/>
+    </a:p>
+  </c:txPr>
+  <c:externalData r:id="rId3">
+    <c:autoUpdate val="0"/>
+  </c:externalData>
+</c:chartSpace>
+</file>
+
+<file path=ppt/charts/chart3.xml><?xml version="1.0" encoding="utf-8"?>
+<c:chartSpace xmlns:c="http://schemas.openxmlformats.org/drawingml/2006/chart" xmlns:a="http://schemas.openxmlformats.org/drawingml/2006/main" xmlns:r="http://schemas.openxmlformats.org/officeDocument/2006/relationships" xmlns:c16r2="http://schemas.microsoft.com/office/drawing/2015/06/chart">
+  <c:date1904 val="0"/>
+  <c:lang val="es-ES"/>
+  <c:roundedCorners val="0"/>
+  <mc:AlternateContent xmlns:mc="http://schemas.openxmlformats.org/markup-compatibility/2006">
+    <mc:Choice xmlns:c14="http://schemas.microsoft.com/office/drawing/2007/8/2/chart" Requires="c14">
+      <c14:style val="102"/>
+    </mc:Choice>
+    <mc:Fallback>
+      <c:style val="2"/>
+    </mc:Fallback>
+  </mc:AlternateContent>
+  <c:chart>
+    <c:title>
+      <c:overlay val="0"/>
+      <c:spPr>
+        <a:noFill/>
+        <a:ln>
+          <a:noFill/>
+        </a:ln>
+        <a:effectLst/>
+      </c:spPr>
+      <c:txPr>
+        <a:bodyPr rot="0" spcFirstLastPara="1" vertOverflow="ellipsis" vert="horz" wrap="square" anchor="ctr" anchorCtr="1"/>
+        <a:lstStyle/>
+        <a:p>
+          <a:pPr>
+            <a:defRPr sz="1800" b="1" i="0" u="none" strike="noStrike" kern="1200" baseline="0">
+              <a:solidFill>
+                <a:schemeClr val="dk1">
+                  <a:lumMod val="75000"/>
+                  <a:lumOff val="25000"/>
+                </a:schemeClr>
+              </a:solidFill>
+              <a:latin typeface="+mn-lt"/>
+              <a:ea typeface="+mn-ea"/>
+              <a:cs typeface="+mn-cs"/>
+            </a:defRPr>
+          </a:pPr>
+          <a:endParaRPr lang="es-MX"/>
+        </a:p>
+      </c:txPr>
+    </c:title>
+    <c:autoTitleDeleted val="0"/>
+    <c:view3D>
+      <c:rotX val="50"/>
+      <c:rotY val="0"/>
+      <c:depthPercent val="100"/>
+      <c:rAngAx val="0"/>
+    </c:view3D>
+    <c:floor>
+      <c:thickness val="0"/>
+      <c:spPr>
+        <a:noFill/>
+        <a:ln>
+          <a:noFill/>
+        </a:ln>
+        <a:effectLst/>
+        <a:sp3d/>
+      </c:spPr>
+    </c:floor>
+    <c:sideWall>
+      <c:thickness val="0"/>
+      <c:spPr>
+        <a:noFill/>
+        <a:ln>
+          <a:noFill/>
+        </a:ln>
+        <a:effectLst/>
+        <a:sp3d/>
+      </c:spPr>
+    </c:sideWall>
+    <c:backWall>
+      <c:thickness val="0"/>
+      <c:spPr>
+        <a:noFill/>
+        <a:ln>
+          <a:noFill/>
+        </a:ln>
+        <a:effectLst/>
+        <a:sp3d/>
+      </c:spPr>
+    </c:backWall>
+    <c:plotArea>
+      <c:layout>
+        <c:manualLayout>
+          <c:layoutTarget val="inner"/>
+          <c:xMode val="edge"/>
+          <c:yMode val="edge"/>
+          <c:x val="0.12105073982595244"/>
+          <c:y val="0.11623411607584747"/>
+          <c:w val="0.82729215419934787"/>
+          <c:h val="0.74958989928525732"/>
+        </c:manualLayout>
+      </c:layout>
+      <c:pie3DChart>
+        <c:varyColors val="1"/>
+        <c:ser>
+          <c:idx val="0"/>
+          <c:order val="0"/>
+          <c:tx>
+            <c:strRef>
+              <c:f>Hoja1!$B$1</c:f>
+              <c:strCache>
+                <c:ptCount val="1"/>
+                <c:pt idx="0">
+                  <c:v>Ventas</c:v>
+                </c:pt>
+              </c:strCache>
+            </c:strRef>
+          </c:tx>
+          <c:dPt>
+            <c:idx val="0"/>
+            <c:bubble3D val="0"/>
+            <c:spPr>
+              <a:solidFill>
+                <a:schemeClr val="accent1"/>
+              </a:solidFill>
+              <a:ln>
+                <a:noFill/>
+              </a:ln>
+              <a:effectLst>
+                <a:outerShdw blurRad="254000" sx="102000" sy="102000" algn="ctr" rotWithShape="0">
+                  <a:prstClr val="black">
+                    <a:alpha val="20000"/>
+                  </a:prstClr>
+                </a:outerShdw>
+              </a:effectLst>
+              <a:sp3d/>
+            </c:spPr>
+            <c:extLst>
+              <c:ext xmlns:c16="http://schemas.microsoft.com/office/drawing/2014/chart" uri="{C3380CC4-5D6E-409C-BE32-E72D297353CC}">
+                <c16:uniqueId val="{00000001-29C1-468E-B57D-E81005B94091}"/>
+              </c:ext>
+            </c:extLst>
+          </c:dPt>
+          <c:dPt>
+            <c:idx val="1"/>
+            <c:bubble3D val="0"/>
+            <c:spPr>
+              <a:solidFill>
+                <a:schemeClr val="accent2"/>
+              </a:solidFill>
+              <a:ln>
+                <a:noFill/>
+              </a:ln>
+              <a:effectLst>
+                <a:outerShdw blurRad="254000" sx="102000" sy="102000" algn="ctr" rotWithShape="0">
+                  <a:prstClr val="black">
+                    <a:alpha val="20000"/>
+                  </a:prstClr>
+                </a:outerShdw>
+              </a:effectLst>
+              <a:sp3d/>
+            </c:spPr>
+            <c:extLst>
+              <c:ext xmlns:c16="http://schemas.microsoft.com/office/drawing/2014/chart" uri="{C3380CC4-5D6E-409C-BE32-E72D297353CC}">
+                <c16:uniqueId val="{00000003-29C1-468E-B57D-E81005B94091}"/>
+              </c:ext>
+            </c:extLst>
+          </c:dPt>
+          <c:dLbls>
+            <c:dLbl>
+              <c:idx val="0"/>
+              <c:layout>
+                <c:manualLayout>
+                  <c:x val="-0.19128547602477616"/>
+                  <c:y val="-0.20830917803494509"/>
+                </c:manualLayout>
+              </c:layout>
+              <c:showLegendKey val="0"/>
+              <c:showVal val="0"/>
+              <c:showCatName val="1"/>
+              <c:showSerName val="0"/>
+              <c:showPercent val="1"/>
+              <c:showBubbleSize val="0"/>
+              <c:extLst>
+                <c:ext xmlns:c15="http://schemas.microsoft.com/office/drawing/2012/chart" uri="{CE6537A1-D6FC-4f65-9D91-7224C49458BB}"/>
+                <c:ext xmlns:c16="http://schemas.microsoft.com/office/drawing/2014/chart" uri="{C3380CC4-5D6E-409C-BE32-E72D297353CC}">
+                  <c16:uniqueId val="{00000001-29C1-468E-B57D-E81005B94091}"/>
+                </c:ext>
+              </c:extLst>
+            </c:dLbl>
+            <c:dLbl>
+              <c:idx val="1"/>
+              <c:layout>
+                <c:manualLayout>
+                  <c:x val="0.20839241303785672"/>
+                  <c:y val="0.10197364075995627"/>
+                </c:manualLayout>
+              </c:layout>
+              <c:showLegendKey val="0"/>
+              <c:showVal val="0"/>
+              <c:showCatName val="1"/>
+              <c:showSerName val="0"/>
+              <c:showPercent val="1"/>
+              <c:showBubbleSize val="0"/>
+              <c:extLst>
+                <c:ext xmlns:c15="http://schemas.microsoft.com/office/drawing/2012/chart" uri="{CE6537A1-D6FC-4f65-9D91-7224C49458BB}"/>
+                <c:ext xmlns:c16="http://schemas.microsoft.com/office/drawing/2014/chart" uri="{C3380CC4-5D6E-409C-BE32-E72D297353CC}">
+                  <c16:uniqueId val="{00000003-29C1-468E-B57D-E81005B94091}"/>
+                </c:ext>
+              </c:extLst>
+            </c:dLbl>
+            <c:spPr>
+              <a:noFill/>
+              <a:ln>
+                <a:noFill/>
+              </a:ln>
+              <a:effectLst>
+                <a:outerShdw blurRad="50800" dist="38100" dir="2700000" algn="tl" rotWithShape="0">
+                  <a:prstClr val="black">
+                    <a:alpha val="40000"/>
+                  </a:prstClr>
+                </a:outerShdw>
+              </a:effectLst>
+            </c:spPr>
+            <c:txPr>
+              <a:bodyPr rot="0" spcFirstLastPara="1" vertOverflow="ellipsis" vert="horz" wrap="square" lIns="38100" tIns="19050" rIns="38100" bIns="19050" anchor="ctr" anchorCtr="1">
+                <a:spAutoFit/>
+              </a:bodyPr>
+              <a:lstStyle/>
+              <a:p>
+                <a:pPr>
+                  <a:defRPr sz="1000" b="1" i="0" u="none" strike="noStrike" kern="1200" baseline="0">
+                    <a:solidFill>
+                      <a:schemeClr val="lt1"/>
+                    </a:solidFill>
+                    <a:latin typeface="+mn-lt"/>
+                    <a:ea typeface="+mn-ea"/>
+                    <a:cs typeface="+mn-cs"/>
+                  </a:defRPr>
+                </a:pPr>
+                <a:endParaRPr lang="es-MX"/>
+              </a:p>
+            </c:txPr>
+            <c:showLegendKey val="0"/>
+            <c:showVal val="0"/>
+            <c:showCatName val="1"/>
+            <c:showSerName val="0"/>
+            <c:showPercent val="1"/>
+            <c:showBubbleSize val="0"/>
+            <c:showLeaderLines val="1"/>
+            <c:leaderLines>
+              <c:spPr>
+                <a:ln w="9525">
+                  <a:solidFill>
+                    <a:schemeClr val="dk1">
+                      <a:lumMod val="50000"/>
+                      <a:lumOff val="50000"/>
+                    </a:schemeClr>
+                  </a:solidFill>
+                </a:ln>
+                <a:effectLst/>
+              </c:spPr>
+            </c:leaderLines>
+            <c:extLst>
+              <c:ext xmlns:c15="http://schemas.microsoft.com/office/drawing/2012/chart" uri="{CE6537A1-D6FC-4f65-9D91-7224C49458BB}"/>
+            </c:extLst>
+          </c:dLbls>
+          <c:cat>
+            <c:strRef>
+              <c:f>Hoja1!$A$2:$A$3</c:f>
+              <c:strCache>
+                <c:ptCount val="2"/>
+                <c:pt idx="0">
+                  <c:v>Local</c:v>
+                </c:pt>
+                <c:pt idx="1">
+                  <c:v>Linea</c:v>
+                </c:pt>
+              </c:strCache>
+            </c:strRef>
+          </c:cat>
+          <c:val>
+            <c:numRef>
+              <c:f>Hoja1!$B$2:$B$3</c:f>
+              <c:numCache>
+                <c:formatCode>General</c:formatCode>
+                <c:ptCount val="2"/>
+                <c:pt idx="0">
+                  <c:v>73</c:v>
+                </c:pt>
+                <c:pt idx="1">
+                  <c:v>27</c:v>
+                </c:pt>
+              </c:numCache>
+            </c:numRef>
+          </c:val>
+          <c:extLst>
+            <c:ext xmlns:c16="http://schemas.microsoft.com/office/drawing/2014/chart" uri="{C3380CC4-5D6E-409C-BE32-E72D297353CC}">
+              <c16:uniqueId val="{00000004-29C1-468E-B57D-E81005B94091}"/>
+            </c:ext>
+          </c:extLst>
+        </c:ser>
+        <c:dLbls>
+          <c:showLegendKey val="0"/>
+          <c:showVal val="0"/>
+          <c:showCatName val="1"/>
+          <c:showSerName val="0"/>
+          <c:showPercent val="1"/>
+          <c:showBubbleSize val="0"/>
+          <c:showLeaderLines val="1"/>
+        </c:dLbls>
+      </c:pie3DChart>
+      <c:spPr>
+        <a:noFill/>
+        <a:ln>
+          <a:noFill/>
+        </a:ln>
+        <a:effectLst/>
+      </c:spPr>
+    </c:plotArea>
+    <c:plotVisOnly val="1"/>
+    <c:dispBlanksAs val="gap"/>
+    <c:extLst>
+      <c:ext xmlns:c16r3="http://schemas.microsoft.com/office/drawing/2017/03/chart" uri="{56B9EC1D-385E-4148-901F-78D8002777C0}">
+        <c16r3:dataDisplayOptions16>
+          <c16r3:dispNaAsBlank val="1"/>
+        </c16r3:dataDisplayOptions16>
+      </c:ext>
+    </c:extLst>
+    <c:showDLblsOverMax val="0"/>
+  </c:chart>
+  <c:spPr>
+    <a:gradFill flip="none" rotWithShape="1">
+      <a:gsLst>
+        <a:gs pos="0">
+          <a:schemeClr val="lt1"/>
+        </a:gs>
+        <a:gs pos="39000">
+          <a:schemeClr val="lt1"/>
+        </a:gs>
+        <a:gs pos="100000">
+          <a:schemeClr val="lt1">
+            <a:lumMod val="75000"/>
+          </a:schemeClr>
+        </a:gs>
+      </a:gsLst>
+      <a:path path="circle">
+        <a:fillToRect l="50000" t="-80000" r="50000" b="180000"/>
+      </a:path>
+      <a:tileRect/>
+    </a:gradFill>
+    <a:ln w="9525" cap="flat" cmpd="sng" algn="ctr">
+      <a:solidFill>
+        <a:schemeClr val="dk1">
+          <a:lumMod val="25000"/>
+          <a:lumOff val="75000"/>
+        </a:schemeClr>
+      </a:solidFill>
+      <a:round/>
+    </a:ln>
+    <a:effectLst/>
+  </c:spPr>
+  <c:txPr>
+    <a:bodyPr/>
+    <a:lstStyle/>
+    <a:p>
+      <a:pPr>
+        <a:defRPr/>
+      </a:pPr>
+      <a:endParaRPr lang="es-MX"/>
+    </a:p>
+  </c:txPr>
+  <c:externalData r:id="rId3">
+    <c:autoUpdate val="0"/>
+  </c:externalData>
+</c:chartSpace>
+</file>
+
+<file path=ppt/charts/colors1.xml><?xml version="1.0" encoding="utf-8"?>
+<cs:colorStyle xmlns:cs="http://schemas.microsoft.com/office/drawing/2012/chartStyle" xmlns:a="http://schemas.openxmlformats.org/drawingml/2006/main" meth="cycle" id="10">
+  <a:schemeClr val="accent1"/>
+  <a:schemeClr val="accent2"/>
+  <a:schemeClr val="accent3"/>
+  <a:schemeClr val="accent4"/>
+  <a:schemeClr val="accent5"/>
+  <a:schemeClr val="accent6"/>
+  <cs:variation/>
+  <cs:variation>
+    <a:lumMod val="60000"/>
+  </cs:variation>
+  <cs:variation>
+    <a:lumMod val="80000"/>
+    <a:lumOff val="20000"/>
+  </cs:variation>
+  <cs:variation>
+    <a:lumMod val="80000"/>
+  </cs:variation>
+  <cs:variation>
+    <a:lumMod val="60000"/>
+    <a:lumOff val="40000"/>
+  </cs:variation>
+  <cs:variation>
+    <a:lumMod val="50000"/>
+  </cs:variation>
+  <cs:variation>
+    <a:lumMod val="70000"/>
+    <a:lumOff val="30000"/>
+  </cs:variation>
+  <cs:variation>
+    <a:lumMod val="70000"/>
+  </cs:variation>
+  <cs:variation>
+    <a:lumMod val="50000"/>
+    <a:lumOff val="50000"/>
+  </cs:variation>
+</cs:colorStyle>
+</file>
+
+<file path=ppt/charts/colors2.xml><?xml version="1.0" encoding="utf-8"?>
+<cs:colorStyle xmlns:cs="http://schemas.microsoft.com/office/drawing/2012/chartStyle" xmlns:a="http://schemas.openxmlformats.org/drawingml/2006/main" meth="cycle" id="10">
+  <a:schemeClr val="accent1"/>
+  <a:schemeClr val="accent2"/>
+  <a:schemeClr val="accent3"/>
+  <a:schemeClr val="accent4"/>
+  <a:schemeClr val="accent5"/>
+  <a:schemeClr val="accent6"/>
+  <cs:variation/>
+  <cs:variation>
+    <a:lumMod val="60000"/>
+  </cs:variation>
+  <cs:variation>
+    <a:lumMod val="80000"/>
+    <a:lumOff val="20000"/>
+  </cs:variation>
+  <cs:variation>
+    <a:lumMod val="80000"/>
+  </cs:variation>
+  <cs:variation>
+    <a:lumMod val="60000"/>
+    <a:lumOff val="40000"/>
+  </cs:variation>
+  <cs:variation>
+    <a:lumMod val="50000"/>
+  </cs:variation>
+  <cs:variation>
+    <a:lumMod val="70000"/>
+    <a:lumOff val="30000"/>
+  </cs:variation>
+  <cs:variation>
+    <a:lumMod val="70000"/>
+  </cs:variation>
+  <cs:variation>
+    <a:lumMod val="50000"/>
+    <a:lumOff val="50000"/>
+  </cs:variation>
+</cs:colorStyle>
+</file>
+
+<file path=ppt/charts/colors3.xml><?xml version="1.0" encoding="utf-8"?>
+<cs:colorStyle xmlns:cs="http://schemas.microsoft.com/office/drawing/2012/chartStyle" xmlns:a="http://schemas.openxmlformats.org/drawingml/2006/main" meth="cycle" id="10">
+  <a:schemeClr val="accent1"/>
+  <a:schemeClr val="accent2"/>
+  <a:schemeClr val="accent3"/>
+  <a:schemeClr val="accent4"/>
+  <a:schemeClr val="accent5"/>
+  <a:schemeClr val="accent6"/>
+  <cs:variation/>
+  <cs:variation>
+    <a:lumMod val="60000"/>
+  </cs:variation>
+  <cs:variation>
+    <a:lumMod val="80000"/>
+    <a:lumOff val="20000"/>
+  </cs:variation>
+  <cs:variation>
+    <a:lumMod val="80000"/>
+  </cs:variation>
+  <cs:variation>
+    <a:lumMod val="60000"/>
+    <a:lumOff val="40000"/>
+  </cs:variation>
+  <cs:variation>
+    <a:lumMod val="50000"/>
+  </cs:variation>
+  <cs:variation>
+    <a:lumMod val="70000"/>
+    <a:lumOff val="30000"/>
+  </cs:variation>
+  <cs:variation>
+    <a:lumMod val="70000"/>
+  </cs:variation>
+  <cs:variation>
+    <a:lumMod val="50000"/>
+    <a:lumOff val="50000"/>
+  </cs:variation>
+</cs:colorStyle>
+</file>
+
+<file path=ppt/charts/style1.xml><?xml version="1.0" encoding="utf-8"?>
+<cs:chartStyle xmlns:cs="http://schemas.microsoft.com/office/drawing/2012/chartStyle" xmlns:a="http://schemas.openxmlformats.org/drawingml/2006/main" id="288">
+  <cs:axisTitle>
+    <cs:lnRef idx="0"/>
+    <cs:fillRef idx="0"/>
+    <cs:effectRef idx="0"/>
+    <cs:fontRef idx="minor">
+      <a:schemeClr val="dk1">
+        <a:lumMod val="75000"/>
+        <a:lumOff val="25000"/>
+      </a:schemeClr>
+    </cs:fontRef>
+    <cs:defRPr sz="900" b="1" kern="1200"/>
+  </cs:axisTitle>
+  <cs:categoryAxis>
+    <cs:lnRef idx="0"/>
+    <cs:fillRef idx="0"/>
+    <cs:effectRef idx="0"/>
+    <cs:fontRef idx="minor">
+      <a:schemeClr val="dk1">
+        <a:lumMod val="75000"/>
+        <a:lumOff val="25000"/>
+      </a:schemeClr>
+    </cs:fontRef>
+    <cs:spPr>
+      <a:ln w="19050" cap="flat" cmpd="sng" algn="ctr">
+        <a:solidFill>
+          <a:schemeClr val="dk1">
+            <a:lumMod val="75000"/>
+            <a:lumOff val="25000"/>
+          </a:schemeClr>
+        </a:solidFill>
+        <a:round/>
+      </a:ln>
+    </cs:spPr>
+    <cs:defRPr sz="900" kern="1200" cap="all" baseline="0"/>
+  </cs:categoryAxis>
+  <cs:chartArea>
+    <cs:lnRef idx="0"/>
+    <cs:fillRef idx="0"/>
+    <cs:effectRef idx="0"/>
+    <cs:fontRef idx="minor">
+      <a:schemeClr val="dk1"/>
+    </cs:fontRef>
+    <cs:spPr>
+      <a:gradFill flip="none" rotWithShape="1">
+        <a:gsLst>
+          <a:gs pos="0">
+            <a:schemeClr val="lt1"/>
+          </a:gs>
+          <a:gs pos="39000">
+            <a:schemeClr val="lt1"/>
+          </a:gs>
+          <a:gs pos="100000">
+            <a:schemeClr val="lt1">
+              <a:lumMod val="75000"/>
+            </a:schemeClr>
+          </a:gs>
+        </a:gsLst>
+        <a:path path="circle">
+          <a:fillToRect l="50000" t="-80000" r="50000" b="180000"/>
+        </a:path>
+        <a:tileRect/>
+      </a:gradFill>
+      <a:ln w="9525" cap="flat" cmpd="sng" algn="ctr">
+        <a:solidFill>
+          <a:schemeClr val="dk1">
+            <a:lumMod val="25000"/>
+            <a:lumOff val="75000"/>
+          </a:schemeClr>
+        </a:solidFill>
+        <a:round/>
+      </a:ln>
+    </cs:spPr>
+    <cs:defRPr sz="900" kern="1200"/>
+  </cs:chartArea>
+  <cs:dataLabel>
+    <cs:lnRef idx="0"/>
+    <cs:fillRef idx="0"/>
+    <cs:effectRef idx="0"/>
+    <cs:fontRef idx="minor">
+      <a:schemeClr val="dk1">
+        <a:lumMod val="75000"/>
+        <a:lumOff val="25000"/>
+      </a:schemeClr>
+    </cs:fontRef>
+    <cs:defRPr sz="900" kern="1200"/>
+  </cs:dataLabel>
+  <cs:dataLabelCallout>
+    <cs:lnRef idx="0"/>
+    <cs:fillRef idx="0"/>
+    <cs:effectRef idx="0"/>
+    <cs:fontRef idx="minor">
+      <a:schemeClr val="lt1"/>
+    </cs:fontRef>
+    <cs:spPr>
+      <a:solidFill>
+        <a:schemeClr val="dk1">
+          <a:lumMod val="65000"/>
+          <a:lumOff val="35000"/>
+          <a:alpha val="75000"/>
+        </a:schemeClr>
+      </a:solidFill>
+    </cs:spPr>
+    <cs:defRPr sz="900" b="1" kern="1200"/>
+    <cs:bodyPr rot="0" spcFirstLastPara="1" vertOverflow="clip" horzOverflow="clip" vert="horz" wrap="square" lIns="36576" tIns="18288" rIns="36576" bIns="18288" anchor="ctr" anchorCtr="1">
+      <a:spAutoFit/>
+    </cs:bodyPr>
+  </cs:dataLabelCallout>
+  <cs:dataPoint>
+    <cs:lnRef idx="0">
+      <cs:styleClr val="auto"/>
+    </cs:lnRef>
+    <cs:fillRef idx="0">
+      <cs:styleClr val="auto"/>
+    </cs:fillRef>
+    <cs:effectRef idx="0"/>
+    <cs:fontRef idx="minor">
+      <a:schemeClr val="dk1"/>
+    </cs:fontRef>
+    <cs:spPr>
+      <a:solidFill>
+        <a:schemeClr val="phClr">
+          <a:alpha val="85000"/>
+        </a:schemeClr>
+      </a:solidFill>
+      <a:ln w="9525" cap="flat" cmpd="sng" algn="ctr">
+        <a:solidFill>
+          <a:schemeClr val="phClr">
+            <a:lumMod val="75000"/>
+          </a:schemeClr>
+        </a:solidFill>
+        <a:round/>
+      </a:ln>
+    </cs:spPr>
+  </cs:dataPoint>
+  <cs:dataPoint3D>
+    <cs:lnRef idx="0">
+      <cs:styleClr val="auto"/>
+    </cs:lnRef>
+    <cs:fillRef idx="0">
+      <cs:styleClr val="auto"/>
+    </cs:fillRef>
+    <cs:effectRef idx="0">
+      <cs:styleClr val="auto"/>
+    </cs:effectRef>
+    <cs:fontRef idx="minor">
+      <a:schemeClr val="dk1"/>
+    </cs:fontRef>
+    <cs:spPr>
+      <a:solidFill>
+        <a:schemeClr val="phClr">
+          <a:alpha val="85000"/>
+        </a:schemeClr>
+      </a:solidFill>
+      <a:ln w="9525" cap="flat" cmpd="sng" algn="ctr">
+        <a:solidFill>
+          <a:schemeClr val="phClr">
+            <a:lumMod val="75000"/>
+          </a:schemeClr>
+        </a:solidFill>
+        <a:round/>
+      </a:ln>
+    </cs:spPr>
+  </cs:dataPoint3D>
+  <cs:dataPointLine>
+    <cs:lnRef idx="0">
+      <cs:styleClr val="auto"/>
+    </cs:lnRef>
+    <cs:fillRef idx="0"/>
+    <cs:effectRef idx="0"/>
+    <cs:fontRef idx="minor">
+      <a:schemeClr val="dk1"/>
+    </cs:fontRef>
+    <cs:spPr>
+      <a:ln w="31750" cap="rnd">
+        <a:solidFill>
+          <a:schemeClr val="phClr">
+            <a:alpha val="85000"/>
+          </a:schemeClr>
+        </a:solidFill>
+        <a:round/>
+      </a:ln>
+    </cs:spPr>
+  </cs:dataPointLine>
+  <cs:dataPointMarker>
+    <cs:lnRef idx="0"/>
+    <cs:fillRef idx="0">
+      <cs:styleClr val="auto"/>
+    </cs:fillRef>
+    <cs:effectRef idx="0"/>
+    <cs:fontRef idx="minor">
+      <a:schemeClr val="dk1"/>
+    </cs:fontRef>
+    <cs:spPr>
+      <a:solidFill>
+        <a:schemeClr val="phClr">
+          <a:alpha val="85000"/>
+        </a:schemeClr>
+      </a:solidFill>
+    </cs:spPr>
+  </cs:dataPointMarker>
+  <cs:dataPointMarkerLayout symbol="circle" size="6"/>
+  <cs:dataPointWireframe>
+    <cs:lnRef idx="0">
+      <cs:styleClr val="auto"/>
+    </cs:lnRef>
+    <cs:fillRef idx="0"/>
+    <cs:effectRef idx="0"/>
+    <cs:fontRef idx="minor">
+      <a:schemeClr val="dk1"/>
+    </cs:fontRef>
+    <cs:spPr>
+      <a:ln w="9525" cap="rnd">
+        <a:solidFill>
+          <a:schemeClr val="phClr"/>
+        </a:solidFill>
+        <a:round/>
+      </a:ln>
+    </cs:spPr>
+  </cs:dataPointWireframe>
+  <cs:dataTable>
+    <cs:lnRef idx="0"/>
+    <cs:fillRef idx="0"/>
+    <cs:effectRef idx="0"/>
+    <cs:fontRef idx="minor">
+      <a:schemeClr val="dk1">
+        <a:lumMod val="75000"/>
+        <a:lumOff val="25000"/>
+      </a:schemeClr>
+    </cs:fontRef>
+    <cs:spPr>
+      <a:ln w="9525">
+        <a:solidFill>
+          <a:schemeClr val="dk1">
+            <a:lumMod val="35000"/>
+            <a:lumOff val="65000"/>
+          </a:schemeClr>
+        </a:solidFill>
+      </a:ln>
+    </cs:spPr>
+    <cs:defRPr sz="900" kern="1200"/>
+  </cs:dataTable>
+  <cs:downBar>
+    <cs:lnRef idx="0"/>
+    <cs:fillRef idx="0"/>
+    <cs:effectRef idx="0"/>
+    <cs:fontRef idx="minor">
+      <a:schemeClr val="dk1"/>
+    </cs:fontRef>
+    <cs:spPr>
+      <a:solidFill>
+        <a:schemeClr val="dk1">
+          <a:lumMod val="50000"/>
+          <a:lumOff val="50000"/>
+        </a:schemeClr>
+      </a:solidFill>
+      <a:ln w="9525">
+        <a:solidFill>
+          <a:schemeClr val="dk1">
+            <a:lumMod val="65000"/>
+            <a:lumOff val="35000"/>
+          </a:schemeClr>
+        </a:solidFill>
+      </a:ln>
+    </cs:spPr>
+  </cs:downBar>
+  <cs:dropLine>
+    <cs:lnRef idx="0"/>
+    <cs:fillRef idx="0"/>
+    <cs:effectRef idx="0"/>
+    <cs:fontRef idx="minor">
+      <a:schemeClr val="dk1"/>
+    </cs:fontRef>
+    <cs:spPr>
+      <a:ln w="9525">
+        <a:solidFill>
+          <a:schemeClr val="dk1">
+            <a:lumMod val="35000"/>
+            <a:lumOff val="65000"/>
+          </a:schemeClr>
+        </a:solidFill>
+        <a:prstDash val="dash"/>
+      </a:ln>
+    </cs:spPr>
+  </cs:dropLine>
+  <cs:errorBar>
+    <cs:lnRef idx="0"/>
+    <cs:fillRef idx="0"/>
+    <cs:effectRef idx="0"/>
+    <cs:fontRef idx="minor">
+      <a:schemeClr val="dk1"/>
+    </cs:fontRef>
+    <cs:spPr>
+      <a:ln w="9525">
+        <a:solidFill>
+          <a:schemeClr val="dk1">
+            <a:lumMod val="65000"/>
+            <a:lumOff val="35000"/>
+          </a:schemeClr>
+        </a:solidFill>
+        <a:round/>
+      </a:ln>
+    </cs:spPr>
+  </cs:errorBar>
+  <cs:floor>
+    <cs:lnRef idx="0"/>
+    <cs:fillRef idx="0"/>
+    <cs:effectRef idx="0"/>
+    <cs:fontRef idx="minor">
+      <a:schemeClr val="dk1"/>
+    </cs:fontRef>
+    <cs:spPr>
+      <a:solidFill>
+        <a:schemeClr val="lt1">
+          <a:lumMod val="95000"/>
+        </a:schemeClr>
+      </a:solidFill>
+      <a:sp3d/>
+    </cs:spPr>
+  </cs:floor>
+  <cs:gridlineMajor>
+    <cs:lnRef idx="0"/>
+    <cs:fillRef idx="0"/>
+    <cs:effectRef idx="0"/>
+    <cs:fontRef idx="minor">
+      <a:schemeClr val="dk1"/>
+    </cs:fontRef>
+    <cs:spPr>
+      <a:ln w="9525" cap="flat" cmpd="sng" algn="ctr">
+        <a:solidFill>
+          <a:schemeClr val="dk1">
+            <a:lumMod val="15000"/>
+            <a:lumOff val="85000"/>
+          </a:schemeClr>
+        </a:solidFill>
+        <a:round/>
+      </a:ln>
+    </cs:spPr>
+  </cs:gridlineMajor>
+  <cs:gridlineMinor>
+    <cs:lnRef idx="0"/>
+    <cs:fillRef idx="0"/>
+    <cs:effectRef idx="0"/>
+    <cs:fontRef idx="minor">
+      <a:schemeClr val="dk1"/>
+    </cs:fontRef>
+    <cs:spPr>
+      <a:ln w="9525" cap="flat" cmpd="sng" algn="ctr">
+        <a:solidFill>
+          <a:schemeClr val="dk1">
+            <a:lumMod val="5000"/>
+            <a:lumOff val="95000"/>
+          </a:schemeClr>
+        </a:solidFill>
+        <a:round/>
+      </a:ln>
+    </cs:spPr>
+  </cs:gridlineMinor>
+  <cs:hiLoLine>
+    <cs:lnRef idx="0"/>
+    <cs:fillRef idx="0"/>
+    <cs:effectRef idx="0"/>
+    <cs:fontRef idx="minor">
+      <a:schemeClr val="dk1"/>
+    </cs:fontRef>
+    <cs:spPr>
+      <a:ln w="9525">
+        <a:solidFill>
+          <a:schemeClr val="dk1">
+            <a:lumMod val="35000"/>
+            <a:lumOff val="65000"/>
+          </a:schemeClr>
+        </a:solidFill>
+        <a:prstDash val="dash"/>
+      </a:ln>
+    </cs:spPr>
+  </cs:hiLoLine>
+  <cs:leaderLine>
+    <cs:lnRef idx="0"/>
+    <cs:fillRef idx="0"/>
+    <cs:effectRef idx="0"/>
+    <cs:fontRef idx="minor">
+      <a:schemeClr val="dk1"/>
+    </cs:fontRef>
+    <cs:spPr>
+      <a:ln w="9525">
+        <a:solidFill>
+          <a:schemeClr val="dk1">
+            <a:lumMod val="50000"/>
+            <a:lumOff val="50000"/>
+          </a:schemeClr>
+        </a:solidFill>
+      </a:ln>
+    </cs:spPr>
+  </cs:leaderLine>
+  <cs:legend>
+    <cs:lnRef idx="0"/>
+    <cs:fillRef idx="0"/>
+    <cs:effectRef idx="0"/>
+    <cs:fontRef idx="minor">
+      <a:schemeClr val="dk1">
+        <a:lumMod val="75000"/>
+        <a:lumOff val="25000"/>
+      </a:schemeClr>
+    </cs:fontRef>
+    <cs:spPr>
+      <a:solidFill>
+        <a:schemeClr val="lt1">
+          <a:lumMod val="95000"/>
+          <a:alpha val="39000"/>
+        </a:schemeClr>
+      </a:solidFill>
+    </cs:spPr>
+    <cs:defRPr sz="900" kern="1200"/>
+  </cs:legend>
+  <cs:plotArea>
+    <cs:lnRef idx="0"/>
+    <cs:fillRef idx="0"/>
+    <cs:effectRef idx="0"/>
+    <cs:fontRef idx="minor">
+      <a:schemeClr val="dk1"/>
+    </cs:fontRef>
+  </cs:plotArea>
+  <cs:plotArea3D>
+    <cs:lnRef idx="0"/>
+    <cs:fillRef idx="0"/>
+    <cs:effectRef idx="0"/>
+    <cs:fontRef idx="minor">
+      <a:schemeClr val="dk1"/>
+    </cs:fontRef>
+  </cs:plotArea3D>
+  <cs:seriesAxis>
+    <cs:lnRef idx="0"/>
+    <cs:fillRef idx="0"/>
+    <cs:effectRef idx="0"/>
+    <cs:fontRef idx="minor">
+      <a:schemeClr val="dk1">
+        <a:lumMod val="75000"/>
+        <a:lumOff val="25000"/>
+      </a:schemeClr>
+    </cs:fontRef>
+    <cs:spPr/>
+    <cs:defRPr sz="900" kern="1200"/>
+  </cs:seriesAxis>
+  <cs:seriesLine>
+    <cs:lnRef idx="0"/>
+    <cs:fillRef idx="0"/>
+    <cs:effectRef idx="0"/>
+    <cs:fontRef idx="minor">
+      <a:schemeClr val="dk1"/>
+    </cs:fontRef>
+    <cs:spPr>
+      <a:ln w="9525">
+        <a:solidFill>
+          <a:schemeClr val="dk1">
+            <a:lumMod val="50000"/>
+            <a:lumOff val="50000"/>
+          </a:schemeClr>
+        </a:solidFill>
+        <a:round/>
+      </a:ln>
+    </cs:spPr>
+  </cs:seriesLine>
+  <cs:title>
+    <cs:lnRef idx="0"/>
+    <cs:fillRef idx="0"/>
+    <cs:effectRef idx="0"/>
+    <cs:fontRef idx="minor">
+      <a:schemeClr val="dk1">
+        <a:lumMod val="75000"/>
+        <a:lumOff val="25000"/>
+      </a:schemeClr>
+    </cs:fontRef>
+    <cs:defRPr sz="1800" b="1" kern="1200" baseline="0"/>
+  </cs:title>
+  <cs:trendline>
+    <cs:lnRef idx="0">
+      <cs:styleClr val="auto"/>
+    </cs:lnRef>
+    <cs:fillRef idx="0"/>
+    <cs:effectRef idx="0"/>
+    <cs:fontRef idx="minor">
+      <a:schemeClr val="dk1"/>
+    </cs:fontRef>
+    <cs:spPr>
+      <a:ln w="19050" cap="rnd">
+        <a:solidFill>
+          <a:schemeClr val="phClr"/>
+        </a:solidFill>
+      </a:ln>
+    </cs:spPr>
+  </cs:trendline>
+  <cs:trendlineLabel>
+    <cs:lnRef idx="0"/>
+    <cs:fillRef idx="0"/>
+    <cs:effectRef idx="0"/>
+    <cs:fontRef idx="minor">
+      <a:schemeClr val="dk1">
+        <a:lumMod val="75000"/>
+        <a:lumOff val="25000"/>
+      </a:schemeClr>
+    </cs:fontRef>
+    <cs:defRPr sz="900" kern="1200"/>
+  </cs:trendlineLabel>
+  <cs:upBar>
+    <cs:lnRef idx="0"/>
+    <cs:fillRef idx="0"/>
+    <cs:effectRef idx="0"/>
+    <cs:fontRef idx="minor">
+      <a:schemeClr val="dk1"/>
+    </cs:fontRef>
+    <cs:spPr>
+      <a:solidFill>
+        <a:schemeClr val="lt1"/>
+      </a:solidFill>
+      <a:ln w="9525">
+        <a:solidFill>
+          <a:schemeClr val="dk1">
+            <a:lumMod val="65000"/>
+            <a:lumOff val="35000"/>
+          </a:schemeClr>
+        </a:solidFill>
+      </a:ln>
+    </cs:spPr>
+  </cs:upBar>
+  <cs:valueAxis>
+    <cs:lnRef idx="0"/>
+    <cs:fillRef idx="0"/>
+    <cs:effectRef idx="0"/>
+    <cs:fontRef idx="minor">
+      <a:schemeClr val="dk1">
+        <a:lumMod val="75000"/>
+        <a:lumOff val="25000"/>
+      </a:schemeClr>
+    </cs:fontRef>
+    <cs:spPr>
+      <a:ln>
+        <a:noFill/>
+      </a:ln>
+    </cs:spPr>
+    <cs:defRPr sz="900" kern="1200"/>
+  </cs:valueAxis>
+  <cs:wall>
+    <cs:lnRef idx="0"/>
+    <cs:fillRef idx="0"/>
+    <cs:effectRef idx="0"/>
+    <cs:fontRef idx="minor">
+      <a:schemeClr val="dk1"/>
+    </cs:fontRef>
+  </cs:wall>
+</cs:chartStyle>
+</file>
+
+<file path=ppt/charts/style2.xml><?xml version="1.0" encoding="utf-8"?>
+<cs:chartStyle xmlns:cs="http://schemas.microsoft.com/office/drawing/2012/chartStyle" xmlns:a="http://schemas.openxmlformats.org/drawingml/2006/main" id="288">
+  <cs:axisTitle>
+    <cs:lnRef idx="0"/>
+    <cs:fillRef idx="0"/>
+    <cs:effectRef idx="0"/>
+    <cs:fontRef idx="minor">
+      <a:schemeClr val="dk1">
+        <a:lumMod val="75000"/>
+        <a:lumOff val="25000"/>
+      </a:schemeClr>
+    </cs:fontRef>
+    <cs:defRPr sz="900" b="1" kern="1200"/>
+  </cs:axisTitle>
+  <cs:categoryAxis>
+    <cs:lnRef idx="0"/>
+    <cs:fillRef idx="0"/>
+    <cs:effectRef idx="0"/>
+    <cs:fontRef idx="minor">
+      <a:schemeClr val="dk1">
+        <a:lumMod val="75000"/>
+        <a:lumOff val="25000"/>
+      </a:schemeClr>
+    </cs:fontRef>
+    <cs:spPr>
+      <a:ln w="19050" cap="flat" cmpd="sng" algn="ctr">
+        <a:solidFill>
+          <a:schemeClr val="dk1">
+            <a:lumMod val="75000"/>
+            <a:lumOff val="25000"/>
+          </a:schemeClr>
+        </a:solidFill>
+        <a:round/>
+      </a:ln>
+    </cs:spPr>
+    <cs:defRPr sz="900" kern="1200" cap="all" baseline="0"/>
+  </cs:categoryAxis>
+  <cs:chartArea>
+    <cs:lnRef idx="0"/>
+    <cs:fillRef idx="0"/>
+    <cs:effectRef idx="0"/>
+    <cs:fontRef idx="minor">
+      <a:schemeClr val="dk1"/>
+    </cs:fontRef>
+    <cs:spPr>
+      <a:gradFill flip="none" rotWithShape="1">
+        <a:gsLst>
+          <a:gs pos="0">
+            <a:schemeClr val="lt1"/>
+          </a:gs>
+          <a:gs pos="39000">
+            <a:schemeClr val="lt1"/>
+          </a:gs>
+          <a:gs pos="100000">
+            <a:schemeClr val="lt1">
+              <a:lumMod val="75000"/>
+            </a:schemeClr>
+          </a:gs>
+        </a:gsLst>
+        <a:path path="circle">
+          <a:fillToRect l="50000" t="-80000" r="50000" b="180000"/>
+        </a:path>
+        <a:tileRect/>
+      </a:gradFill>
+      <a:ln w="9525" cap="flat" cmpd="sng" algn="ctr">
+        <a:solidFill>
+          <a:schemeClr val="dk1">
+            <a:lumMod val="25000"/>
+            <a:lumOff val="75000"/>
+          </a:schemeClr>
+        </a:solidFill>
+        <a:round/>
+      </a:ln>
+    </cs:spPr>
+    <cs:defRPr sz="900" kern="1200"/>
+  </cs:chartArea>
+  <cs:dataLabel>
+    <cs:lnRef idx="0"/>
+    <cs:fillRef idx="0"/>
+    <cs:effectRef idx="0"/>
+    <cs:fontRef idx="minor">
+      <a:schemeClr val="dk1">
+        <a:lumMod val="75000"/>
+        <a:lumOff val="25000"/>
+      </a:schemeClr>
+    </cs:fontRef>
+    <cs:defRPr sz="900" kern="1200"/>
+  </cs:dataLabel>
+  <cs:dataLabelCallout>
+    <cs:lnRef idx="0"/>
+    <cs:fillRef idx="0"/>
+    <cs:effectRef idx="0"/>
+    <cs:fontRef idx="minor">
+      <a:schemeClr val="lt1"/>
+    </cs:fontRef>
+    <cs:spPr>
+      <a:solidFill>
+        <a:schemeClr val="dk1">
+          <a:lumMod val="65000"/>
+          <a:lumOff val="35000"/>
+          <a:alpha val="75000"/>
+        </a:schemeClr>
+      </a:solidFill>
+    </cs:spPr>
+    <cs:defRPr sz="900" b="1" kern="1200"/>
+    <cs:bodyPr rot="0" spcFirstLastPara="1" vertOverflow="clip" horzOverflow="clip" vert="horz" wrap="square" lIns="36576" tIns="18288" rIns="36576" bIns="18288" anchor="ctr" anchorCtr="1">
+      <a:spAutoFit/>
+    </cs:bodyPr>
+  </cs:dataLabelCallout>
+  <cs:dataPoint>
+    <cs:lnRef idx="0">
+      <cs:styleClr val="auto"/>
+    </cs:lnRef>
+    <cs:fillRef idx="0">
+      <cs:styleClr val="auto"/>
+    </cs:fillRef>
+    <cs:effectRef idx="0"/>
+    <cs:fontRef idx="minor">
+      <a:schemeClr val="dk1"/>
+    </cs:fontRef>
+    <cs:spPr>
+      <a:solidFill>
+        <a:schemeClr val="phClr">
+          <a:alpha val="85000"/>
+        </a:schemeClr>
+      </a:solidFill>
+      <a:ln w="9525" cap="flat" cmpd="sng" algn="ctr">
+        <a:solidFill>
+          <a:schemeClr val="phClr">
+            <a:lumMod val="75000"/>
+          </a:schemeClr>
+        </a:solidFill>
+        <a:round/>
+      </a:ln>
+    </cs:spPr>
+  </cs:dataPoint>
+  <cs:dataPoint3D>
+    <cs:lnRef idx="0">
+      <cs:styleClr val="auto"/>
+    </cs:lnRef>
+    <cs:fillRef idx="0">
+      <cs:styleClr val="auto"/>
+    </cs:fillRef>
+    <cs:effectRef idx="0">
+      <cs:styleClr val="auto"/>
+    </cs:effectRef>
+    <cs:fontRef idx="minor">
+      <a:schemeClr val="dk1"/>
+    </cs:fontRef>
+    <cs:spPr>
+      <a:solidFill>
+        <a:schemeClr val="phClr">
+          <a:alpha val="85000"/>
+        </a:schemeClr>
+      </a:solidFill>
+      <a:ln w="9525" cap="flat" cmpd="sng" algn="ctr">
+        <a:solidFill>
+          <a:schemeClr val="phClr">
+            <a:lumMod val="75000"/>
+          </a:schemeClr>
+        </a:solidFill>
+        <a:round/>
+      </a:ln>
+    </cs:spPr>
+  </cs:dataPoint3D>
+  <cs:dataPointLine>
+    <cs:lnRef idx="0">
+      <cs:styleClr val="auto"/>
+    </cs:lnRef>
+    <cs:fillRef idx="0"/>
+    <cs:effectRef idx="0"/>
+    <cs:fontRef idx="minor">
+      <a:schemeClr val="dk1"/>
+    </cs:fontRef>
+    <cs:spPr>
+      <a:ln w="31750" cap="rnd">
+        <a:solidFill>
+          <a:schemeClr val="phClr">
+            <a:alpha val="85000"/>
+          </a:schemeClr>
+        </a:solidFill>
+        <a:round/>
+      </a:ln>
+    </cs:spPr>
+  </cs:dataPointLine>
+  <cs:dataPointMarker>
+    <cs:lnRef idx="0"/>
+    <cs:fillRef idx="0">
+      <cs:styleClr val="auto"/>
+    </cs:fillRef>
+    <cs:effectRef idx="0"/>
+    <cs:fontRef idx="minor">
+      <a:schemeClr val="dk1"/>
+    </cs:fontRef>
+    <cs:spPr>
+      <a:solidFill>
+        <a:schemeClr val="phClr">
+          <a:alpha val="85000"/>
+        </a:schemeClr>
+      </a:solidFill>
+    </cs:spPr>
+  </cs:dataPointMarker>
+  <cs:dataPointMarkerLayout symbol="circle" size="6"/>
+  <cs:dataPointWireframe>
+    <cs:lnRef idx="0">
+      <cs:styleClr val="auto"/>
+    </cs:lnRef>
+    <cs:fillRef idx="0"/>
+    <cs:effectRef idx="0"/>
+    <cs:fontRef idx="minor">
+      <a:schemeClr val="dk1"/>
+    </cs:fontRef>
+    <cs:spPr>
+      <a:ln w="9525" cap="rnd">
+        <a:solidFill>
+          <a:schemeClr val="phClr"/>
+        </a:solidFill>
+        <a:round/>
+      </a:ln>
+    </cs:spPr>
+  </cs:dataPointWireframe>
+  <cs:dataTable>
+    <cs:lnRef idx="0"/>
+    <cs:fillRef idx="0"/>
+    <cs:effectRef idx="0"/>
+    <cs:fontRef idx="minor">
+      <a:schemeClr val="dk1">
+        <a:lumMod val="75000"/>
+        <a:lumOff val="25000"/>
+      </a:schemeClr>
+    </cs:fontRef>
+    <cs:spPr>
+      <a:ln w="9525">
+        <a:solidFill>
+          <a:schemeClr val="dk1">
+            <a:lumMod val="35000"/>
+            <a:lumOff val="65000"/>
+          </a:schemeClr>
+        </a:solidFill>
+      </a:ln>
+    </cs:spPr>
+    <cs:defRPr sz="900" kern="1200"/>
+  </cs:dataTable>
+  <cs:downBar>
+    <cs:lnRef idx="0"/>
+    <cs:fillRef idx="0"/>
+    <cs:effectRef idx="0"/>
+    <cs:fontRef idx="minor">
+      <a:schemeClr val="dk1"/>
+    </cs:fontRef>
+    <cs:spPr>
+      <a:solidFill>
+        <a:schemeClr val="dk1">
+          <a:lumMod val="50000"/>
+          <a:lumOff val="50000"/>
+        </a:schemeClr>
+      </a:solidFill>
+      <a:ln w="9525">
+        <a:solidFill>
+          <a:schemeClr val="dk1">
+            <a:lumMod val="65000"/>
+            <a:lumOff val="35000"/>
+          </a:schemeClr>
+        </a:solidFill>
+      </a:ln>
+    </cs:spPr>
+  </cs:downBar>
+  <cs:dropLine>
+    <cs:lnRef idx="0"/>
+    <cs:fillRef idx="0"/>
+    <cs:effectRef idx="0"/>
+    <cs:fontRef idx="minor">
+      <a:schemeClr val="dk1"/>
+    </cs:fontRef>
+    <cs:spPr>
+      <a:ln w="9525">
+        <a:solidFill>
+          <a:schemeClr val="dk1">
+            <a:lumMod val="35000"/>
+            <a:lumOff val="65000"/>
+          </a:schemeClr>
+        </a:solidFill>
+        <a:prstDash val="dash"/>
+      </a:ln>
+    </cs:spPr>
+  </cs:dropLine>
+  <cs:errorBar>
+    <cs:lnRef idx="0"/>
+    <cs:fillRef idx="0"/>
+    <cs:effectRef idx="0"/>
+    <cs:fontRef idx="minor">
+      <a:schemeClr val="dk1"/>
+    </cs:fontRef>
+    <cs:spPr>
+      <a:ln w="9525">
+        <a:solidFill>
+          <a:schemeClr val="dk1">
+            <a:lumMod val="65000"/>
+            <a:lumOff val="35000"/>
+          </a:schemeClr>
+        </a:solidFill>
+        <a:round/>
+      </a:ln>
+    </cs:spPr>
+  </cs:errorBar>
+  <cs:floor>
+    <cs:lnRef idx="0"/>
+    <cs:fillRef idx="0"/>
+    <cs:effectRef idx="0"/>
+    <cs:fontRef idx="minor">
+      <a:schemeClr val="dk1"/>
+    </cs:fontRef>
+    <cs:spPr>
+      <a:solidFill>
+        <a:schemeClr val="lt1">
+          <a:lumMod val="95000"/>
+        </a:schemeClr>
+      </a:solidFill>
+      <a:sp3d/>
+    </cs:spPr>
+  </cs:floor>
+  <cs:gridlineMajor>
+    <cs:lnRef idx="0"/>
+    <cs:fillRef idx="0"/>
+    <cs:effectRef idx="0"/>
+    <cs:fontRef idx="minor">
+      <a:schemeClr val="dk1"/>
+    </cs:fontRef>
+    <cs:spPr>
+      <a:ln w="9525" cap="flat" cmpd="sng" algn="ctr">
+        <a:solidFill>
+          <a:schemeClr val="dk1">
+            <a:lumMod val="15000"/>
+            <a:lumOff val="85000"/>
+          </a:schemeClr>
+        </a:solidFill>
+        <a:round/>
+      </a:ln>
+    </cs:spPr>
+  </cs:gridlineMajor>
+  <cs:gridlineMinor>
+    <cs:lnRef idx="0"/>
+    <cs:fillRef idx="0"/>
+    <cs:effectRef idx="0"/>
+    <cs:fontRef idx="minor">
+      <a:schemeClr val="dk1"/>
+    </cs:fontRef>
+    <cs:spPr>
+      <a:ln w="9525" cap="flat" cmpd="sng" algn="ctr">
+        <a:solidFill>
+          <a:schemeClr val="dk1">
+            <a:lumMod val="5000"/>
+            <a:lumOff val="95000"/>
+          </a:schemeClr>
+        </a:solidFill>
+        <a:round/>
+      </a:ln>
+    </cs:spPr>
+  </cs:gridlineMinor>
+  <cs:hiLoLine>
+    <cs:lnRef idx="0"/>
+    <cs:fillRef idx="0"/>
+    <cs:effectRef idx="0"/>
+    <cs:fontRef idx="minor">
+      <a:schemeClr val="dk1"/>
+    </cs:fontRef>
+    <cs:spPr>
+      <a:ln w="9525">
+        <a:solidFill>
+          <a:schemeClr val="dk1">
+            <a:lumMod val="35000"/>
+            <a:lumOff val="65000"/>
+          </a:schemeClr>
+        </a:solidFill>
+        <a:prstDash val="dash"/>
+      </a:ln>
+    </cs:spPr>
+  </cs:hiLoLine>
+  <cs:leaderLine>
+    <cs:lnRef idx="0"/>
+    <cs:fillRef idx="0"/>
+    <cs:effectRef idx="0"/>
+    <cs:fontRef idx="minor">
+      <a:schemeClr val="dk1"/>
+    </cs:fontRef>
+    <cs:spPr>
+      <a:ln w="9525">
+        <a:solidFill>
+          <a:schemeClr val="dk1">
+            <a:lumMod val="50000"/>
+            <a:lumOff val="50000"/>
+          </a:schemeClr>
+        </a:solidFill>
+      </a:ln>
+    </cs:spPr>
+  </cs:leaderLine>
+  <cs:legend>
+    <cs:lnRef idx="0"/>
+    <cs:fillRef idx="0"/>
+    <cs:effectRef idx="0"/>
+    <cs:fontRef idx="minor">
+      <a:schemeClr val="dk1">
+        <a:lumMod val="75000"/>
+        <a:lumOff val="25000"/>
+      </a:schemeClr>
+    </cs:fontRef>
+    <cs:spPr>
+      <a:solidFill>
+        <a:schemeClr val="lt1">
+          <a:lumMod val="95000"/>
+          <a:alpha val="39000"/>
+        </a:schemeClr>
+      </a:solidFill>
+    </cs:spPr>
+    <cs:defRPr sz="900" kern="1200"/>
+  </cs:legend>
+  <cs:plotArea>
+    <cs:lnRef idx="0"/>
+    <cs:fillRef idx="0"/>
+    <cs:effectRef idx="0"/>
+    <cs:fontRef idx="minor">
+      <a:schemeClr val="dk1"/>
+    </cs:fontRef>
+  </cs:plotArea>
+  <cs:plotArea3D>
+    <cs:lnRef idx="0"/>
+    <cs:fillRef idx="0"/>
+    <cs:effectRef idx="0"/>
+    <cs:fontRef idx="minor">
+      <a:schemeClr val="dk1"/>
+    </cs:fontRef>
+  </cs:plotArea3D>
+  <cs:seriesAxis>
+    <cs:lnRef idx="0"/>
+    <cs:fillRef idx="0"/>
+    <cs:effectRef idx="0"/>
+    <cs:fontRef idx="minor">
+      <a:schemeClr val="dk1">
+        <a:lumMod val="75000"/>
+        <a:lumOff val="25000"/>
+      </a:schemeClr>
+    </cs:fontRef>
+    <cs:spPr/>
+    <cs:defRPr sz="900" kern="1200"/>
+  </cs:seriesAxis>
+  <cs:seriesLine>
+    <cs:lnRef idx="0"/>
+    <cs:fillRef idx="0"/>
+    <cs:effectRef idx="0"/>
+    <cs:fontRef idx="minor">
+      <a:schemeClr val="dk1"/>
+    </cs:fontRef>
+    <cs:spPr>
+      <a:ln w="9525">
+        <a:solidFill>
+          <a:schemeClr val="dk1">
+            <a:lumMod val="50000"/>
+            <a:lumOff val="50000"/>
+          </a:schemeClr>
+        </a:solidFill>
+        <a:round/>
+      </a:ln>
+    </cs:spPr>
+  </cs:seriesLine>
+  <cs:title>
+    <cs:lnRef idx="0"/>
+    <cs:fillRef idx="0"/>
+    <cs:effectRef idx="0"/>
+    <cs:fontRef idx="minor">
+      <a:schemeClr val="dk1">
+        <a:lumMod val="75000"/>
+        <a:lumOff val="25000"/>
+      </a:schemeClr>
+    </cs:fontRef>
+    <cs:defRPr sz="1800" b="1" kern="1200" baseline="0"/>
+  </cs:title>
+  <cs:trendline>
+    <cs:lnRef idx="0">
+      <cs:styleClr val="auto"/>
+    </cs:lnRef>
+    <cs:fillRef idx="0"/>
+    <cs:effectRef idx="0"/>
+    <cs:fontRef idx="minor">
+      <a:schemeClr val="dk1"/>
+    </cs:fontRef>
+    <cs:spPr>
+      <a:ln w="19050" cap="rnd">
+        <a:solidFill>
+          <a:schemeClr val="phClr"/>
+        </a:solidFill>
+      </a:ln>
+    </cs:spPr>
+  </cs:trendline>
+  <cs:trendlineLabel>
+    <cs:lnRef idx="0"/>
+    <cs:fillRef idx="0"/>
+    <cs:effectRef idx="0"/>
+    <cs:fontRef idx="minor">
+      <a:schemeClr val="dk1">
+        <a:lumMod val="75000"/>
+        <a:lumOff val="25000"/>
+      </a:schemeClr>
+    </cs:fontRef>
+    <cs:defRPr sz="900" kern="1200"/>
+  </cs:trendlineLabel>
+  <cs:upBar>
+    <cs:lnRef idx="0"/>
+    <cs:fillRef idx="0"/>
+    <cs:effectRef idx="0"/>
+    <cs:fontRef idx="minor">
+      <a:schemeClr val="dk1"/>
+    </cs:fontRef>
+    <cs:spPr>
+      <a:solidFill>
+        <a:schemeClr val="lt1"/>
+      </a:solidFill>
+      <a:ln w="9525">
+        <a:solidFill>
+          <a:schemeClr val="dk1">
+            <a:lumMod val="65000"/>
+            <a:lumOff val="35000"/>
+          </a:schemeClr>
+        </a:solidFill>
+      </a:ln>
+    </cs:spPr>
+  </cs:upBar>
+  <cs:valueAxis>
+    <cs:lnRef idx="0"/>
+    <cs:fillRef idx="0"/>
+    <cs:effectRef idx="0"/>
+    <cs:fontRef idx="minor">
+      <a:schemeClr val="dk1">
+        <a:lumMod val="75000"/>
+        <a:lumOff val="25000"/>
+      </a:schemeClr>
+    </cs:fontRef>
+    <cs:spPr>
+      <a:ln>
+        <a:noFill/>
+      </a:ln>
+    </cs:spPr>
+    <cs:defRPr sz="900" kern="1200"/>
+  </cs:valueAxis>
+  <cs:wall>
+    <cs:lnRef idx="0"/>
+    <cs:fillRef idx="0"/>
+    <cs:effectRef idx="0"/>
+    <cs:fontRef idx="minor">
+      <a:schemeClr val="dk1"/>
+    </cs:fontRef>
+  </cs:wall>
+</cs:chartStyle>
+</file>
+
+<file path=ppt/charts/style3.xml><?xml version="1.0" encoding="utf-8"?>
+<cs:chartStyle xmlns:cs="http://schemas.microsoft.com/office/drawing/2012/chartStyle" xmlns:a="http://schemas.openxmlformats.org/drawingml/2006/main" id="264">
+  <cs:axisTitle>
+    <cs:lnRef idx="0"/>
+    <cs:fillRef idx="0"/>
+    <cs:effectRef idx="0"/>
+    <cs:fontRef idx="minor">
+      <a:schemeClr val="dk1">
+        <a:lumMod val="75000"/>
+        <a:lumOff val="25000"/>
+      </a:schemeClr>
+    </cs:fontRef>
+    <cs:defRPr sz="900" b="1" kern="1200"/>
+  </cs:axisTitle>
+  <cs:categoryAxis>
+    <cs:lnRef idx="0"/>
+    <cs:fillRef idx="0"/>
+    <cs:effectRef idx="0"/>
+    <cs:fontRef idx="minor">
+      <a:schemeClr val="dk1">
+        <a:lumMod val="75000"/>
+        <a:lumOff val="25000"/>
+      </a:schemeClr>
+    </cs:fontRef>
+    <cs:spPr>
+      <a:ln w="19050" cap="flat" cmpd="sng" algn="ctr">
+        <a:solidFill>
+          <a:schemeClr val="dk1">
+            <a:lumMod val="75000"/>
+            <a:lumOff val="25000"/>
+          </a:schemeClr>
+        </a:solidFill>
+        <a:round/>
+      </a:ln>
+    </cs:spPr>
+    <cs:defRPr sz="900" kern="1200" cap="all" baseline="0"/>
+  </cs:categoryAxis>
+  <cs:chartArea>
+    <cs:lnRef idx="0"/>
+    <cs:fillRef idx="0"/>
+    <cs:effectRef idx="0"/>
+    <cs:fontRef idx="minor">
+      <a:schemeClr val="dk1"/>
+    </cs:fontRef>
+    <cs:spPr>
+      <a:gradFill flip="none" rotWithShape="1">
+        <a:gsLst>
+          <a:gs pos="0">
+            <a:schemeClr val="lt1"/>
+          </a:gs>
+          <a:gs pos="39000">
+            <a:schemeClr val="lt1"/>
+          </a:gs>
+          <a:gs pos="100000">
+            <a:schemeClr val="lt1">
+              <a:lumMod val="75000"/>
+            </a:schemeClr>
+          </a:gs>
+        </a:gsLst>
+        <a:path path="circle">
+          <a:fillToRect l="50000" t="-80000" r="50000" b="180000"/>
+        </a:path>
+        <a:tileRect/>
+      </a:gradFill>
+      <a:ln w="9525" cap="flat" cmpd="sng" algn="ctr">
+        <a:solidFill>
+          <a:schemeClr val="dk1">
+            <a:lumMod val="25000"/>
+            <a:lumOff val="75000"/>
+          </a:schemeClr>
+        </a:solidFill>
+        <a:round/>
+      </a:ln>
+    </cs:spPr>
+    <cs:defRPr sz="900" kern="1200"/>
+  </cs:chartArea>
+  <cs:dataLabel>
+    <cs:lnRef idx="0"/>
+    <cs:fillRef idx="0"/>
+    <cs:effectRef idx="0"/>
+    <cs:fontRef idx="minor">
+      <a:schemeClr val="lt1"/>
+    </cs:fontRef>
+    <cs:spPr>
+      <a:pattFill prst="pct75">
+        <a:fgClr>
+          <a:schemeClr val="dk1">
+            <a:lumMod val="75000"/>
+            <a:lumOff val="25000"/>
+          </a:schemeClr>
+        </a:fgClr>
+        <a:bgClr>
+          <a:schemeClr val="dk1">
+            <a:lumMod val="65000"/>
+            <a:lumOff val="35000"/>
+          </a:schemeClr>
+        </a:bgClr>
+      </a:pattFill>
+      <a:effectLst>
+        <a:outerShdw blurRad="50800" dist="38100" dir="2700000" algn="tl" rotWithShape="0">
+          <a:prstClr val="black">
+            <a:alpha val="40000"/>
+          </a:prstClr>
+        </a:outerShdw>
+      </a:effectLst>
+    </cs:spPr>
+    <cs:defRPr sz="1000" b="1" i="0" u="none" strike="noStrike" kern="1200" baseline="0"/>
+  </cs:dataLabel>
+  <cs:dataLabelCallout>
+    <cs:lnRef idx="0"/>
+    <cs:fillRef idx="0"/>
+    <cs:effectRef idx="0"/>
+    <cs:fontRef idx="minor">
+      <a:schemeClr val="lt1"/>
+    </cs:fontRef>
+    <cs:spPr>
+      <a:pattFill prst="pct75">
+        <a:fgClr>
+          <a:schemeClr val="dk1">
+            <a:lumMod val="75000"/>
+            <a:lumOff val="25000"/>
+          </a:schemeClr>
+        </a:fgClr>
+        <a:bgClr>
+          <a:schemeClr val="dk1">
+            <a:lumMod val="65000"/>
+            <a:lumOff val="35000"/>
+          </a:schemeClr>
+        </a:bgClr>
+      </a:pattFill>
+      <a:effectLst>
+        <a:outerShdw blurRad="50800" dist="38100" dir="2700000" algn="tl" rotWithShape="0">
+          <a:prstClr val="black">
+            <a:alpha val="40000"/>
+          </a:prstClr>
+        </a:outerShdw>
+      </a:effectLst>
+    </cs:spPr>
+    <cs:defRPr sz="1000" b="1" i="0" u="none" strike="noStrike" kern="1200" baseline="0"/>
+    <cs:bodyPr rot="0" spcFirstLastPara="1" vertOverflow="clip" horzOverflow="clip" vert="horz" wrap="square" lIns="36576" tIns="18288" rIns="36576" bIns="18288" anchor="ctr" anchorCtr="1">
+      <a:spAutoFit/>
+    </cs:bodyPr>
+  </cs:dataLabelCallout>
+  <cs:dataPoint>
+    <cs:lnRef idx="0"/>
+    <cs:fillRef idx="0">
+      <cs:styleClr val="auto"/>
+    </cs:fillRef>
+    <cs:effectRef idx="0"/>
+    <cs:fontRef idx="minor">
+      <a:schemeClr val="dk1"/>
+    </cs:fontRef>
+    <cs:spPr>
+      <a:solidFill>
+        <a:schemeClr val="phClr"/>
+      </a:solidFill>
+      <a:effectLst>
+        <a:outerShdw blurRad="254000" sx="102000" sy="102000" algn="ctr" rotWithShape="0">
+          <a:prstClr val="black">
+            <a:alpha val="20000"/>
+          </a:prstClr>
+        </a:outerShdw>
+      </a:effectLst>
+    </cs:spPr>
+  </cs:dataPoint>
+  <cs:dataPoint3D>
+    <cs:lnRef idx="0"/>
+    <cs:fillRef idx="0">
+      <cs:styleClr val="auto"/>
+    </cs:fillRef>
+    <cs:effectRef idx="0"/>
+    <cs:fontRef idx="minor">
+      <a:schemeClr val="dk1"/>
+    </cs:fontRef>
+    <cs:spPr>
+      <a:solidFill>
+        <a:schemeClr val="phClr"/>
+      </a:solidFill>
+      <a:effectLst>
+        <a:outerShdw blurRad="254000" sx="102000" sy="102000" algn="ctr" rotWithShape="0">
+          <a:prstClr val="black">
+            <a:alpha val="20000"/>
+          </a:prstClr>
+        </a:outerShdw>
+      </a:effectLst>
+    </cs:spPr>
+  </cs:dataPoint3D>
+  <cs:dataPointLine>
+    <cs:lnRef idx="0">
+      <cs:styleClr val="auto"/>
+    </cs:lnRef>
+    <cs:fillRef idx="0"/>
+    <cs:effectRef idx="0"/>
+    <cs:fontRef idx="minor">
+      <a:schemeClr val="dk1"/>
+    </cs:fontRef>
+    <cs:spPr>
+      <a:ln w="31750" cap="rnd">
+        <a:solidFill>
+          <a:schemeClr val="phClr">
+            <a:alpha val="85000"/>
+          </a:schemeClr>
+        </a:solidFill>
+        <a:round/>
+      </a:ln>
+    </cs:spPr>
+  </cs:dataPointLine>
+  <cs:dataPointMarker>
+    <cs:lnRef idx="0"/>
+    <cs:fillRef idx="0">
+      <cs:styleClr val="auto"/>
+    </cs:fillRef>
+    <cs:effectRef idx="0"/>
+    <cs:fontRef idx="minor">
+      <a:schemeClr val="dk1"/>
+    </cs:fontRef>
+    <cs:spPr>
+      <a:solidFill>
+        <a:schemeClr val="phClr">
+          <a:alpha val="85000"/>
+        </a:schemeClr>
+      </a:solidFill>
+    </cs:spPr>
+  </cs:dataPointMarker>
+  <cs:dataPointMarkerLayout symbol="circle" size="6"/>
+  <cs:dataPointWireframe>
+    <cs:lnRef idx="0">
+      <cs:styleClr val="auto"/>
+    </cs:lnRef>
+    <cs:fillRef idx="0"/>
+    <cs:effectRef idx="0"/>
+    <cs:fontRef idx="minor">
+      <a:schemeClr val="dk1"/>
+    </cs:fontRef>
+    <cs:spPr>
+      <a:ln w="9525" cap="rnd">
+        <a:solidFill>
+          <a:schemeClr val="phClr"/>
+        </a:solidFill>
+        <a:round/>
+      </a:ln>
+    </cs:spPr>
+  </cs:dataPointWireframe>
+  <cs:dataTable>
+    <cs:lnRef idx="0"/>
+    <cs:fillRef idx="0"/>
+    <cs:effectRef idx="0"/>
+    <cs:fontRef idx="minor">
+      <a:schemeClr val="dk1">
+        <a:lumMod val="75000"/>
+        <a:lumOff val="25000"/>
+      </a:schemeClr>
+    </cs:fontRef>
+    <cs:spPr>
+      <a:ln w="9525">
+        <a:solidFill>
+          <a:schemeClr val="dk1">
+            <a:lumMod val="35000"/>
+            <a:lumOff val="65000"/>
+          </a:schemeClr>
+        </a:solidFill>
+      </a:ln>
+    </cs:spPr>
+    <cs:defRPr sz="900" kern="1200"/>
+  </cs:dataTable>
+  <cs:downBar>
+    <cs:lnRef idx="0"/>
+    <cs:fillRef idx="0"/>
+    <cs:effectRef idx="0"/>
+    <cs:fontRef idx="minor">
+      <a:schemeClr val="dk1"/>
+    </cs:fontRef>
+    <cs:spPr>
+      <a:solidFill>
+        <a:schemeClr val="dk1">
+          <a:lumMod val="50000"/>
+          <a:lumOff val="50000"/>
+        </a:schemeClr>
+      </a:solidFill>
+      <a:ln w="9525">
+        <a:solidFill>
+          <a:schemeClr val="dk1">
+            <a:lumMod val="65000"/>
+            <a:lumOff val="35000"/>
+          </a:schemeClr>
+        </a:solidFill>
+      </a:ln>
+    </cs:spPr>
+  </cs:downBar>
+  <cs:dropLine>
+    <cs:lnRef idx="0"/>
+    <cs:fillRef idx="0"/>
+    <cs:effectRef idx="0"/>
+    <cs:fontRef idx="minor">
+      <a:schemeClr val="dk1"/>
+    </cs:fontRef>
+    <cs:spPr>
+      <a:ln w="9525">
+        <a:solidFill>
+          <a:schemeClr val="dk1">
+            <a:lumMod val="35000"/>
+            <a:lumOff val="65000"/>
+          </a:schemeClr>
+        </a:solidFill>
+        <a:prstDash val="dash"/>
+      </a:ln>
+    </cs:spPr>
+  </cs:dropLine>
+  <cs:errorBar>
+    <cs:lnRef idx="0"/>
+    <cs:fillRef idx="0"/>
+    <cs:effectRef idx="0"/>
+    <cs:fontRef idx="minor">
+      <a:schemeClr val="dk1"/>
+    </cs:fontRef>
+    <cs:spPr>
+      <a:ln w="9525">
+        <a:solidFill>
+          <a:schemeClr val="dk1">
+            <a:lumMod val="65000"/>
+            <a:lumOff val="35000"/>
+          </a:schemeClr>
+        </a:solidFill>
+        <a:round/>
+      </a:ln>
+    </cs:spPr>
+  </cs:errorBar>
+  <cs:floor>
+    <cs:lnRef idx="0"/>
+    <cs:fillRef idx="0"/>
+    <cs:effectRef idx="0"/>
+    <cs:fontRef idx="minor">
+      <a:schemeClr val="dk1"/>
+    </cs:fontRef>
+  </cs:floor>
+  <cs:gridlineMajor>
+    <cs:lnRef idx="0"/>
+    <cs:fillRef idx="0"/>
+    <cs:effectRef idx="0"/>
+    <cs:fontRef idx="minor">
+      <a:schemeClr val="dk1"/>
+    </cs:fontRef>
+    <cs:spPr>
+      <a:ln w="9525" cap="flat" cmpd="sng" algn="ctr">
+        <a:gradFill>
+          <a:gsLst>
+            <a:gs pos="100000">
+              <a:schemeClr val="dk1">
+                <a:lumMod val="95000"/>
+                <a:lumOff val="5000"/>
+                <a:alpha val="42000"/>
+              </a:schemeClr>
+            </a:gs>
+            <a:gs pos="0">
+              <a:schemeClr val="lt1">
+                <a:lumMod val="75000"/>
+                <a:alpha val="36000"/>
+              </a:schemeClr>
+            </a:gs>
+          </a:gsLst>
+          <a:lin ang="5400000" scaled="0"/>
+        </a:gradFill>
+        <a:round/>
+      </a:ln>
+    </cs:spPr>
+  </cs:gridlineMajor>
+  <cs:gridlineMinor>
+    <cs:lnRef idx="0"/>
+    <cs:fillRef idx="0"/>
+    <cs:effectRef idx="0"/>
+    <cs:fontRef idx="minor">
+      <a:schemeClr val="dk1"/>
+    </cs:fontRef>
+    <cs:spPr>
+      <a:ln>
+        <a:gradFill>
+          <a:gsLst>
+            <a:gs pos="100000">
+              <a:schemeClr val="dk1">
+                <a:lumMod val="95000"/>
+                <a:lumOff val="5000"/>
+                <a:alpha val="42000"/>
+              </a:schemeClr>
+            </a:gs>
+            <a:gs pos="0">
+              <a:schemeClr val="lt1">
+                <a:lumMod val="75000"/>
+                <a:alpha val="36000"/>
+              </a:schemeClr>
+            </a:gs>
+          </a:gsLst>
+          <a:lin ang="5400000" scaled="0"/>
+        </a:gradFill>
+      </a:ln>
+    </cs:spPr>
+  </cs:gridlineMinor>
+  <cs:hiLoLine>
+    <cs:lnRef idx="0"/>
+    <cs:fillRef idx="0"/>
+    <cs:effectRef idx="0"/>
+    <cs:fontRef idx="minor">
+      <a:schemeClr val="dk1"/>
+    </cs:fontRef>
+    <cs:spPr>
+      <a:ln w="9525">
+        <a:solidFill>
+          <a:schemeClr val="dk1">
+            <a:lumMod val="35000"/>
+            <a:lumOff val="65000"/>
+          </a:schemeClr>
+        </a:solidFill>
+        <a:prstDash val="dash"/>
+      </a:ln>
+    </cs:spPr>
+  </cs:hiLoLine>
+  <cs:leaderLine>
+    <cs:lnRef idx="0"/>
+    <cs:fillRef idx="0"/>
+    <cs:effectRef idx="0"/>
+    <cs:fontRef idx="minor">
+      <a:schemeClr val="dk1"/>
+    </cs:fontRef>
+    <cs:spPr>
+      <a:ln w="9525">
+        <a:solidFill>
+          <a:schemeClr val="dk1">
+            <a:lumMod val="50000"/>
+            <a:lumOff val="50000"/>
+          </a:schemeClr>
+        </a:solidFill>
+      </a:ln>
+    </cs:spPr>
+  </cs:leaderLine>
+  <cs:legend>
+    <cs:lnRef idx="0"/>
+    <cs:fillRef idx="0"/>
+    <cs:effectRef idx="0"/>
+    <cs:fontRef idx="minor">
+      <a:schemeClr val="dk1">
+        <a:lumMod val="75000"/>
+        <a:lumOff val="25000"/>
+      </a:schemeClr>
+    </cs:fontRef>
+    <cs:spPr>
+      <a:solidFill>
+        <a:schemeClr val="lt1">
+          <a:lumMod val="95000"/>
+          <a:alpha val="39000"/>
+        </a:schemeClr>
+      </a:solidFill>
+    </cs:spPr>
+    <cs:defRPr sz="900" kern="1200"/>
+  </cs:legend>
+  <cs:plotArea>
+    <cs:lnRef idx="0"/>
+    <cs:fillRef idx="0"/>
+    <cs:effectRef idx="0"/>
+    <cs:fontRef idx="minor">
+      <a:schemeClr val="dk1"/>
+    </cs:fontRef>
+  </cs:plotArea>
+  <cs:plotArea3D>
+    <cs:lnRef idx="0"/>
+    <cs:fillRef idx="0"/>
+    <cs:effectRef idx="0"/>
+    <cs:fontRef idx="minor">
+      <a:schemeClr val="dk1"/>
+    </cs:fontRef>
+  </cs:plotArea3D>
+  <cs:seriesAxis>
+    <cs:lnRef idx="0"/>
+    <cs:fillRef idx="0"/>
+    <cs:effectRef idx="0"/>
+    <cs:fontRef idx="minor">
+      <a:schemeClr val="dk1">
+        <a:lumMod val="75000"/>
+        <a:lumOff val="25000"/>
+      </a:schemeClr>
+    </cs:fontRef>
+    <cs:spPr>
+      <a:ln w="31750" cap="flat" cmpd="sng" algn="ctr">
+        <a:solidFill>
+          <a:schemeClr val="dk1">
+            <a:lumMod val="75000"/>
+            <a:lumOff val="25000"/>
+          </a:schemeClr>
+        </a:solidFill>
+        <a:round/>
+      </a:ln>
+    </cs:spPr>
+    <cs:defRPr sz="900" kern="1200"/>
+  </cs:seriesAxis>
+  <cs:seriesLine>
+    <cs:lnRef idx="0"/>
+    <cs:fillRef idx="0"/>
+    <cs:effectRef idx="0"/>
+    <cs:fontRef idx="minor">
+      <a:schemeClr val="dk1"/>
+    </cs:fontRef>
+    <cs:spPr>
+      <a:ln w="9525">
+        <a:solidFill>
+          <a:schemeClr val="dk1">
+            <a:lumMod val="50000"/>
+            <a:lumOff val="50000"/>
+          </a:schemeClr>
+        </a:solidFill>
+        <a:round/>
+      </a:ln>
+    </cs:spPr>
+  </cs:seriesLine>
+  <cs:title>
+    <cs:lnRef idx="0"/>
+    <cs:fillRef idx="0"/>
+    <cs:effectRef idx="0"/>
+    <cs:fontRef idx="minor">
+      <a:schemeClr val="dk1">
+        <a:lumMod val="75000"/>
+        <a:lumOff val="25000"/>
+      </a:schemeClr>
+    </cs:fontRef>
+    <cs:defRPr sz="1800" b="1" kern="1200" baseline="0"/>
+  </cs:title>
+  <cs:trendline>
+    <cs:lnRef idx="0">
+      <cs:styleClr val="auto"/>
+    </cs:lnRef>
+    <cs:fillRef idx="0"/>
+    <cs:effectRef idx="0"/>
+    <cs:fontRef idx="minor">
+      <a:schemeClr val="dk1"/>
+    </cs:fontRef>
+    <cs:spPr>
+      <a:ln w="19050" cap="rnd">
+        <a:solidFill>
+          <a:schemeClr val="phClr"/>
+        </a:solidFill>
+      </a:ln>
+    </cs:spPr>
+  </cs:trendline>
+  <cs:trendlineLabel>
+    <cs:lnRef idx="0"/>
+    <cs:fillRef idx="0"/>
+    <cs:effectRef idx="0"/>
+    <cs:fontRef idx="minor">
+      <a:schemeClr val="dk1">
+        <a:lumMod val="75000"/>
+        <a:lumOff val="25000"/>
+      </a:schemeClr>
+    </cs:fontRef>
+    <cs:defRPr sz="900" kern="1200"/>
+  </cs:trendlineLabel>
+  <cs:upBar>
+    <cs:lnRef idx="0"/>
+    <cs:fillRef idx="0"/>
+    <cs:effectRef idx="0"/>
+    <cs:fontRef idx="minor">
+      <a:schemeClr val="dk1"/>
+    </cs:fontRef>
+    <cs:spPr>
+      <a:solidFill>
+        <a:schemeClr val="lt1"/>
+      </a:solidFill>
+      <a:ln w="9525">
+        <a:solidFill>
+          <a:schemeClr val="dk1">
+            <a:lumMod val="65000"/>
+            <a:lumOff val="35000"/>
+          </a:schemeClr>
+        </a:solidFill>
+      </a:ln>
+    </cs:spPr>
+  </cs:upBar>
+  <cs:valueAxis>
+    <cs:lnRef idx="0"/>
+    <cs:fillRef idx="0"/>
+    <cs:effectRef idx="0"/>
+    <cs:fontRef idx="minor">
+      <a:schemeClr val="dk1">
+        <a:lumMod val="75000"/>
+        <a:lumOff val="25000"/>
+      </a:schemeClr>
+    </cs:fontRef>
+    <cs:spPr>
+      <a:ln>
+        <a:noFill/>
+      </a:ln>
+    </cs:spPr>
+    <cs:defRPr sz="900" kern="1200"/>
+  </cs:valueAxis>
+  <cs:wall>
+    <cs:lnRef idx="0"/>
+    <cs:fillRef idx="0"/>
+    <cs:effectRef idx="0"/>
+    <cs:fontRef idx="minor">
+      <a:schemeClr val="dk1"/>
+    </cs:fontRef>
+  </cs:wall>
+</cs:chartStyle>
 </file>
 
 <file path=ppt/notesMasters/notesMaster1.xml><?xml version="1.0" encoding="utf-8"?>
@@ -1221,7 +6610,7 @@
           <a:p>
             <a:fld id="{C764DE79-268F-4C1A-8933-263129D2AF90}" type="datetimeFigureOut">
               <a:rPr lang="en-US" dirty="0"/>
-              <a:t>5/13/2019</a:t>
+              <a:t>5/15/2019</a:t>
             </a:fld>
             <a:endParaRPr lang="en-US" dirty="0"/>
           </a:p>
@@ -1392,7 +6781,7 @@
           <a:p>
             <a:fld id="{C764DE79-268F-4C1A-8933-263129D2AF90}" type="datetimeFigureOut">
               <a:rPr lang="en-US" dirty="0"/>
-              <a:t>5/13/2019</a:t>
+              <a:t>5/15/2019</a:t>
             </a:fld>
             <a:endParaRPr lang="en-US" dirty="0"/>
           </a:p>
@@ -1573,7 +6962,7 @@
           <a:p>
             <a:fld id="{C764DE79-268F-4C1A-8933-263129D2AF90}" type="datetimeFigureOut">
               <a:rPr lang="en-US" dirty="0"/>
-              <a:t>5/13/2019</a:t>
+              <a:t>5/15/2019</a:t>
             </a:fld>
             <a:endParaRPr lang="en-US" dirty="0"/>
           </a:p>
@@ -1744,7 +7133,7 @@
           <a:p>
             <a:fld id="{C764DE79-268F-4C1A-8933-263129D2AF90}" type="datetimeFigureOut">
               <a:rPr lang="en-US" dirty="0"/>
-              <a:t>5/13/2019</a:t>
+              <a:t>5/15/2019</a:t>
             </a:fld>
             <a:endParaRPr lang="en-US" dirty="0"/>
           </a:p>
@@ -1989,7 +7378,7 @@
           <a:p>
             <a:fld id="{C764DE79-268F-4C1A-8933-263129D2AF90}" type="datetimeFigureOut">
               <a:rPr lang="en-US" dirty="0"/>
-              <a:t>5/13/2019</a:t>
+              <a:t>5/15/2019</a:t>
             </a:fld>
             <a:endParaRPr lang="en-US" dirty="0"/>
           </a:p>
@@ -2222,7 +7611,7 @@
           <a:p>
             <a:fld id="{C764DE79-268F-4C1A-8933-263129D2AF90}" type="datetimeFigureOut">
               <a:rPr lang="en-US" dirty="0"/>
-              <a:t>5/13/2019</a:t>
+              <a:t>5/15/2019</a:t>
             </a:fld>
             <a:endParaRPr lang="en-US" dirty="0"/>
           </a:p>
@@ -2590,7 +7979,7 @@
           <a:p>
             <a:fld id="{C764DE79-268F-4C1A-8933-263129D2AF90}" type="datetimeFigureOut">
               <a:rPr lang="en-US" dirty="0"/>
-              <a:t>5/13/2019</a:t>
+              <a:t>5/15/2019</a:t>
             </a:fld>
             <a:endParaRPr lang="en-US" dirty="0"/>
           </a:p>
@@ -2709,7 +8098,7 @@
           <a:p>
             <a:fld id="{C764DE79-268F-4C1A-8933-263129D2AF90}" type="datetimeFigureOut">
               <a:rPr lang="en-US" dirty="0"/>
-              <a:t>5/13/2019</a:t>
+              <a:t>5/15/2019</a:t>
             </a:fld>
             <a:endParaRPr lang="en-US" dirty="0"/>
           </a:p>
@@ -2805,7 +8194,7 @@
           <a:p>
             <a:fld id="{C764DE79-268F-4C1A-8933-263129D2AF90}" type="datetimeFigureOut">
               <a:rPr lang="en-US" dirty="0"/>
-              <a:t>5/13/2019</a:t>
+              <a:t>5/15/2019</a:t>
             </a:fld>
             <a:endParaRPr lang="en-US" dirty="0"/>
           </a:p>
@@ -3083,7 +8472,7 @@
           <a:p>
             <a:fld id="{C764DE79-268F-4C1A-8933-263129D2AF90}" type="datetimeFigureOut">
               <a:rPr lang="en-US" dirty="0"/>
-              <a:t>5/13/2019</a:t>
+              <a:t>5/15/2019</a:t>
             </a:fld>
             <a:endParaRPr lang="en-US" dirty="0"/>
           </a:p>
@@ -3341,7 +8730,7 @@
           <a:p>
             <a:fld id="{C764DE79-268F-4C1A-8933-263129D2AF90}" type="datetimeFigureOut">
               <a:rPr lang="en-US" dirty="0"/>
-              <a:t>5/13/2019</a:t>
+              <a:t>5/15/2019</a:t>
             </a:fld>
             <a:endParaRPr lang="en-US" dirty="0"/>
           </a:p>
@@ -3555,7 +8944,7 @@
           <a:p>
             <a:fld id="{C764DE79-268F-4C1A-8933-263129D2AF90}" type="datetimeFigureOut">
               <a:rPr lang="en-US" dirty="0"/>
-              <a:t>5/13/2019</a:t>
+              <a:t>5/15/2019</a:t>
             </a:fld>
             <a:endParaRPr lang="en-US" dirty="0"/>
           </a:p>
@@ -3985,8 +9374,8 @@
         </p:nvSpPr>
         <p:spPr bwMode="auto">
           <a:xfrm>
-            <a:off x="14585083" y="3947971"/>
-            <a:ext cx="13913468" cy="12704232"/>
+            <a:off x="14545817" y="7675391"/>
+            <a:ext cx="13913468" cy="12196736"/>
           </a:xfrm>
           <a:prstGeom prst="rect">
             <a:avLst/>
@@ -4411,7 +9800,7 @@
         </p:nvSpPr>
         <p:spPr bwMode="auto">
           <a:xfrm>
-            <a:off x="14583494" y="2939452"/>
+            <a:off x="14544228" y="6673450"/>
             <a:ext cx="13915057" cy="1044575"/>
           </a:xfrm>
           <a:prstGeom prst="rect">
@@ -4465,7 +9854,7 @@
         </p:nvSpPr>
         <p:spPr bwMode="auto">
           <a:xfrm>
-            <a:off x="14721615" y="3125697"/>
+            <a:off x="14682349" y="6853117"/>
             <a:ext cx="10088562" cy="710067"/>
           </a:xfrm>
           <a:prstGeom prst="rect">
@@ -4914,8 +10303,8 @@
         </p:blipFill>
         <p:spPr>
           <a:xfrm>
-            <a:off x="14690571" y="4087983"/>
-            <a:ext cx="13079750" cy="4455449"/>
+            <a:off x="14760252" y="7963474"/>
+            <a:ext cx="13425270" cy="4573146"/>
           </a:xfrm>
           <a:prstGeom prst="rect">
             <a:avLst/>
@@ -4938,8 +10327,8 @@
         </p:nvSpPr>
         <p:spPr bwMode="auto">
           <a:xfrm>
-            <a:off x="14821644" y="20913620"/>
-            <a:ext cx="13961321" cy="5234245"/>
+            <a:off x="438216" y="28349297"/>
+            <a:ext cx="28015619" cy="5575498"/>
           </a:xfrm>
           <a:prstGeom prst="rect">
             <a:avLst/>
@@ -5364,8 +10753,8 @@
         </p:nvSpPr>
         <p:spPr bwMode="auto">
           <a:xfrm>
-            <a:off x="401015" y="29176670"/>
-            <a:ext cx="13901893" cy="6784945"/>
+            <a:off x="14627445" y="21261881"/>
+            <a:ext cx="13901893" cy="5510685"/>
           </a:xfrm>
           <a:prstGeom prst="rect">
             <a:avLst/>
@@ -5790,8 +11179,8 @@
         </p:nvSpPr>
         <p:spPr bwMode="auto">
           <a:xfrm>
-            <a:off x="297312" y="4103961"/>
-            <a:ext cx="13918029" cy="6477150"/>
+            <a:off x="350677" y="4180273"/>
+            <a:ext cx="13794699" cy="7614205"/>
           </a:xfrm>
           <a:prstGeom prst="rect">
             <a:avLst/>
@@ -6216,8 +11605,8 @@
         </p:nvSpPr>
         <p:spPr bwMode="auto">
           <a:xfrm>
-            <a:off x="364776" y="21823526"/>
-            <a:ext cx="13967937" cy="5923625"/>
+            <a:off x="300283" y="20864599"/>
+            <a:ext cx="13755161" cy="5923625"/>
           </a:xfrm>
           <a:prstGeom prst="rect">
             <a:avLst/>
@@ -6642,8 +12031,8 @@
         </p:nvSpPr>
         <p:spPr bwMode="auto">
           <a:xfrm>
-            <a:off x="333992" y="15266727"/>
-            <a:ext cx="13977559" cy="5378621"/>
+            <a:off x="300283" y="13098492"/>
+            <a:ext cx="13802695" cy="6367504"/>
           </a:xfrm>
           <a:prstGeom prst="rect">
             <a:avLst/>
@@ -7036,14 +12425,6 @@
               <a:buFontTx/>
               <a:buNone/>
             </a:pPr>
-            <a:r>
-              <a:rPr lang="es-ES" altLang="es-MX">
-                <a:solidFill>
-                  <a:srgbClr val="000000"/>
-                </a:solidFill>
-              </a:rPr>
-              <a:t>.</a:t>
-            </a:r>
             <a:endParaRPr lang="es-ES" altLang="es-MX" dirty="0">
               <a:solidFill>
                 <a:srgbClr val="000000"/>
@@ -7090,7 +12471,7 @@
           <a:noFill/>
           <a:ln w="9525" cap="flat">
             <a:solidFill>
-              <a:srgbClr val="3465A4"/>
+              <a:schemeClr val="bg1"/>
             </a:solidFill>
             <a:round/>
             <a:headEnd/>
@@ -7137,8 +12518,8 @@
         </p:nvSpPr>
         <p:spPr bwMode="auto">
           <a:xfrm>
-            <a:off x="300283" y="3057970"/>
-            <a:ext cx="13915058" cy="1026120"/>
+            <a:off x="358651" y="3150260"/>
+            <a:ext cx="13794699" cy="1079798"/>
           </a:xfrm>
           <a:prstGeom prst="rect">
             <a:avLst/>
@@ -7708,8 +13089,8 @@
         </p:nvSpPr>
         <p:spPr bwMode="auto">
           <a:xfrm>
-            <a:off x="455857" y="3235770"/>
-            <a:ext cx="9789309" cy="710067"/>
+            <a:off x="514226" y="3328060"/>
+            <a:ext cx="9816652" cy="710067"/>
           </a:xfrm>
           <a:prstGeom prst="rect">
             <a:avLst/>
@@ -8148,7 +13529,7 @@
         </p:nvSpPr>
         <p:spPr bwMode="auto">
           <a:xfrm>
-            <a:off x="324816" y="10799119"/>
+            <a:off x="14551246" y="3113838"/>
             <a:ext cx="13890526" cy="1058099"/>
           </a:xfrm>
           <a:prstGeom prst="rect">
@@ -9117,7 +14498,7 @@
         </p:nvSpPr>
         <p:spPr bwMode="auto">
           <a:xfrm>
-            <a:off x="401015" y="10989096"/>
+            <a:off x="14627445" y="3303815"/>
             <a:ext cx="13804402" cy="710067"/>
           </a:xfrm>
           <a:prstGeom prst="rect">
@@ -9552,8 +14933,8 @@
         </p:nvSpPr>
         <p:spPr>
           <a:xfrm>
-            <a:off x="309003" y="4159695"/>
-            <a:ext cx="13691567" cy="6924973"/>
+            <a:off x="535289" y="4521666"/>
+            <a:ext cx="13224244" cy="6924973"/>
           </a:xfrm>
           <a:prstGeom prst="rect">
             <a:avLst/>
@@ -9650,19 +15031,6 @@
           </a:p>
           <a:p>
             <a:pPr algn="just"/>
-            <a:r>
-              <a:rPr lang="es-ES" altLang="es-MX" sz="3600" dirty="0">
-                <a:solidFill>
-                  <a:srgbClr val="000000"/>
-                </a:solidFill>
-                <a:latin typeface="Calibri" panose="020F0502020204030204" pitchFamily="34" charset="0"/>
-                <a:cs typeface="Calibri" panose="020F0502020204030204" pitchFamily="34" charset="0"/>
-              </a:rPr>
-              <a:t>El sistema funge como una herramienta que va a facilitar y aumentar la venta de productos, alcanzando a mas clientes y facilitando su interacción con la tienda.</a:t>
-            </a:r>
-          </a:p>
-          <a:p>
-            <a:pPr algn="just"/>
             <a:endParaRPr lang="es-ES" altLang="es-MX" sz="3200" dirty="0">
               <a:solidFill>
                 <a:srgbClr val="000000"/>
@@ -9670,6 +15038,19 @@
               <a:latin typeface="Calibri" panose="020F0502020204030204" pitchFamily="34" charset="0"/>
               <a:cs typeface="Calibri" panose="020F0502020204030204" pitchFamily="34" charset="0"/>
             </a:endParaRPr>
+          </a:p>
+          <a:p>
+            <a:pPr algn="just"/>
+            <a:r>
+              <a:rPr lang="es-ES" altLang="es-MX" sz="3600" dirty="0">
+                <a:solidFill>
+                  <a:srgbClr val="000000"/>
+                </a:solidFill>
+                <a:latin typeface="Calibri" panose="020F0502020204030204" pitchFamily="34" charset="0"/>
+                <a:cs typeface="Calibri" panose="020F0502020204030204" pitchFamily="34" charset="0"/>
+              </a:rPr>
+              <a:t>El sistema funge como una herramienta que va a facilitar y aumentar la venta de productos, alcanzando a mas clientes y facilitando su interacción con la tienda.</a:t>
+            </a:r>
           </a:p>
         </p:txBody>
       </p:sp>
@@ -9689,8 +15070,8 @@
         </p:nvSpPr>
         <p:spPr bwMode="auto">
           <a:xfrm>
-            <a:off x="306671" y="11851064"/>
-            <a:ext cx="13908670" cy="2147948"/>
+            <a:off x="14548024" y="4165783"/>
+            <a:ext cx="13893747" cy="2147948"/>
           </a:xfrm>
           <a:prstGeom prst="rect">
             <a:avLst/>
@@ -10113,7 +15494,7 @@
         </p:nvSpPr>
         <p:spPr>
           <a:xfrm>
-            <a:off x="407404" y="11966112"/>
+            <a:off x="14632762" y="4340532"/>
             <a:ext cx="13773144" cy="1754326"/>
           </a:xfrm>
           <a:prstGeom prst="rect">
@@ -10157,8 +15538,8 @@
         </p:nvSpPr>
         <p:spPr bwMode="auto">
           <a:xfrm>
-            <a:off x="324816" y="14335361"/>
-            <a:ext cx="14007897" cy="933604"/>
+            <a:off x="300283" y="12164888"/>
+            <a:ext cx="13802695" cy="933604"/>
           </a:xfrm>
           <a:prstGeom prst="rect">
             <a:avLst/>
@@ -10211,8 +15592,8 @@
         </p:nvSpPr>
         <p:spPr bwMode="auto">
           <a:xfrm>
-            <a:off x="658213" y="14471527"/>
-            <a:ext cx="13902885" cy="710067"/>
+            <a:off x="517800" y="12239982"/>
+            <a:ext cx="12560680" cy="710067"/>
           </a:xfrm>
           <a:prstGeom prst="rect">
             <a:avLst/>
@@ -10661,7 +16042,7 @@
         </p:blipFill>
         <p:spPr bwMode="auto">
           <a:xfrm>
-            <a:off x="590346" y="29305175"/>
+            <a:off x="14711279" y="21772892"/>
             <a:ext cx="13410224" cy="4811103"/>
           </a:xfrm>
           <a:prstGeom prst="rect">
@@ -10695,8 +16076,8 @@
         </p:nvSpPr>
         <p:spPr bwMode="auto">
           <a:xfrm>
-            <a:off x="366744" y="20868178"/>
-            <a:ext cx="13970118" cy="1044575"/>
+            <a:off x="295961" y="19799556"/>
+            <a:ext cx="13759484" cy="1044575"/>
           </a:xfrm>
           <a:prstGeom prst="rect">
             <a:avLst/>
@@ -10749,8 +16130,8 @@
         </p:nvSpPr>
         <p:spPr bwMode="auto">
           <a:xfrm>
-            <a:off x="440976" y="21027403"/>
-            <a:ext cx="13863225" cy="710067"/>
+            <a:off x="370192" y="19958781"/>
+            <a:ext cx="13156663" cy="710067"/>
           </a:xfrm>
           <a:prstGeom prst="rect">
             <a:avLst/>
@@ -11190,7 +16571,7 @@
           </p:cNvPicPr>
           <p:nvPr/>
         </p:nvPicPr>
-        <p:blipFill>
+        <p:blipFill rotWithShape="1">
           <a:blip r:embed="rId6">
             <a:extLst>
               <a:ext uri="{28A0092B-C50C-407E-A947-70E740481C1C}">
@@ -11198,937 +16579,19 @@
               </a:ext>
             </a:extLst>
           </a:blip>
-          <a:stretch>
-            <a:fillRect/>
-          </a:stretch>
+          <a:srcRect t="3346"/>
+          <a:stretch/>
         </p:blipFill>
         <p:spPr>
           <a:xfrm>
-            <a:off x="2467117" y="21989497"/>
-            <a:ext cx="9903521" cy="5514333"/>
+            <a:off x="1609782" y="20977289"/>
+            <a:ext cx="10751959" cy="5786476"/>
           </a:xfrm>
           <a:prstGeom prst="rect">
             <a:avLst/>
           </a:prstGeom>
         </p:spPr>
       </p:pic>
-      <p:sp>
-        <p:nvSpPr>
-          <p:cNvPr id="65" name="Rectangle 23">
-            <a:extLst>
-              <a:ext uri="{FF2B5EF4-FFF2-40B4-BE49-F238E27FC236}">
-                <a16:creationId xmlns:a16="http://schemas.microsoft.com/office/drawing/2014/main" id="{4B5F695F-2FDB-4332-874C-6B5E9BF5D063}"/>
-              </a:ext>
-            </a:extLst>
-          </p:cNvPr>
-          <p:cNvSpPr>
-            <a:spLocks noChangeArrowheads="1"/>
-          </p:cNvSpPr>
-          <p:nvPr/>
-        </p:nvSpPr>
-        <p:spPr bwMode="auto">
-          <a:xfrm>
-            <a:off x="14793933" y="35044268"/>
-            <a:ext cx="11593288" cy="4850988"/>
-          </a:xfrm>
-          <a:prstGeom prst="rect">
-            <a:avLst/>
-          </a:prstGeom>
-          <a:solidFill>
-            <a:srgbClr val="FFFFFF"/>
-          </a:solidFill>
-          <a:ln w="9360" cap="sq">
-            <a:solidFill>
-              <a:srgbClr val="000000"/>
-            </a:solidFill>
-            <a:miter lim="800000"/>
-            <a:headEnd/>
-            <a:tailEnd/>
-          </a:ln>
-          <a:effectLst>
-            <a:outerShdw dist="153010" dir="2906018" algn="ctr" rotWithShape="0">
-              <a:srgbClr val="292929">
-                <a:alpha val="50027"/>
-              </a:srgbClr>
-            </a:outerShdw>
-          </a:effectLst>
-        </p:spPr>
-        <p:txBody>
-          <a:bodyPr wrap="none" lIns="90000" tIns="46800" rIns="90000" bIns="46800" anchor="ctr"/>
-          <a:lstStyle>
-            <a:lvl1pPr>
-              <a:tabLst>
-                <a:tab pos="0" algn="l"/>
-                <a:tab pos="447675" algn="l"/>
-                <a:tab pos="896938" algn="l"/>
-                <a:tab pos="1346200" algn="l"/>
-                <a:tab pos="1795463" algn="l"/>
-                <a:tab pos="2244725" algn="l"/>
-                <a:tab pos="2693988" algn="l"/>
-                <a:tab pos="3143250" algn="l"/>
-                <a:tab pos="3592513" algn="l"/>
-                <a:tab pos="4041775" algn="l"/>
-                <a:tab pos="4491038" algn="l"/>
-                <a:tab pos="4940300" algn="l"/>
-                <a:tab pos="5389563" algn="l"/>
-                <a:tab pos="5838825" algn="l"/>
-                <a:tab pos="6288088" algn="l"/>
-                <a:tab pos="6737350" algn="l"/>
-                <a:tab pos="7186613" algn="l"/>
-                <a:tab pos="7635875" algn="l"/>
-                <a:tab pos="8085138" algn="l"/>
-                <a:tab pos="8534400" algn="l"/>
-                <a:tab pos="8983663" algn="l"/>
-                <a:tab pos="8985250" algn="l"/>
-                <a:tab pos="9434513" algn="l"/>
-                <a:tab pos="9883775" algn="l"/>
-              </a:tabLst>
-              <a:defRPr>
-                <a:solidFill>
-                  <a:srgbClr val="FFFFFF"/>
-                </a:solidFill>
-                <a:latin typeface="Arial" panose="020B0604020202020204" pitchFamily="34" charset="0"/>
-                <a:cs typeface="Arial" panose="020B0604020202020204" pitchFamily="34" charset="0"/>
-              </a:defRPr>
-            </a:lvl1pPr>
-            <a:lvl2pPr>
-              <a:tabLst>
-                <a:tab pos="0" algn="l"/>
-                <a:tab pos="447675" algn="l"/>
-                <a:tab pos="896938" algn="l"/>
-                <a:tab pos="1346200" algn="l"/>
-                <a:tab pos="1795463" algn="l"/>
-                <a:tab pos="2244725" algn="l"/>
-                <a:tab pos="2693988" algn="l"/>
-                <a:tab pos="3143250" algn="l"/>
-                <a:tab pos="3592513" algn="l"/>
-                <a:tab pos="4041775" algn="l"/>
-                <a:tab pos="4491038" algn="l"/>
-                <a:tab pos="4940300" algn="l"/>
-                <a:tab pos="5389563" algn="l"/>
-                <a:tab pos="5838825" algn="l"/>
-                <a:tab pos="6288088" algn="l"/>
-                <a:tab pos="6737350" algn="l"/>
-                <a:tab pos="7186613" algn="l"/>
-                <a:tab pos="7635875" algn="l"/>
-                <a:tab pos="8085138" algn="l"/>
-                <a:tab pos="8534400" algn="l"/>
-                <a:tab pos="8983663" algn="l"/>
-                <a:tab pos="8985250" algn="l"/>
-                <a:tab pos="9434513" algn="l"/>
-                <a:tab pos="9883775" algn="l"/>
-              </a:tabLst>
-              <a:defRPr>
-                <a:solidFill>
-                  <a:srgbClr val="FFFFFF"/>
-                </a:solidFill>
-                <a:latin typeface="Arial" panose="020B0604020202020204" pitchFamily="34" charset="0"/>
-                <a:cs typeface="Arial" panose="020B0604020202020204" pitchFamily="34" charset="0"/>
-              </a:defRPr>
-            </a:lvl2pPr>
-            <a:lvl3pPr>
-              <a:tabLst>
-                <a:tab pos="0" algn="l"/>
-                <a:tab pos="447675" algn="l"/>
-                <a:tab pos="896938" algn="l"/>
-                <a:tab pos="1346200" algn="l"/>
-                <a:tab pos="1795463" algn="l"/>
-                <a:tab pos="2244725" algn="l"/>
-                <a:tab pos="2693988" algn="l"/>
-                <a:tab pos="3143250" algn="l"/>
-                <a:tab pos="3592513" algn="l"/>
-                <a:tab pos="4041775" algn="l"/>
-                <a:tab pos="4491038" algn="l"/>
-                <a:tab pos="4940300" algn="l"/>
-                <a:tab pos="5389563" algn="l"/>
-                <a:tab pos="5838825" algn="l"/>
-                <a:tab pos="6288088" algn="l"/>
-                <a:tab pos="6737350" algn="l"/>
-                <a:tab pos="7186613" algn="l"/>
-                <a:tab pos="7635875" algn="l"/>
-                <a:tab pos="8085138" algn="l"/>
-                <a:tab pos="8534400" algn="l"/>
-                <a:tab pos="8983663" algn="l"/>
-                <a:tab pos="8985250" algn="l"/>
-                <a:tab pos="9434513" algn="l"/>
-                <a:tab pos="9883775" algn="l"/>
-              </a:tabLst>
-              <a:defRPr>
-                <a:solidFill>
-                  <a:srgbClr val="FFFFFF"/>
-                </a:solidFill>
-                <a:latin typeface="Arial" panose="020B0604020202020204" pitchFamily="34" charset="0"/>
-                <a:cs typeface="Arial" panose="020B0604020202020204" pitchFamily="34" charset="0"/>
-              </a:defRPr>
-            </a:lvl3pPr>
-            <a:lvl4pPr>
-              <a:tabLst>
-                <a:tab pos="0" algn="l"/>
-                <a:tab pos="447675" algn="l"/>
-                <a:tab pos="896938" algn="l"/>
-                <a:tab pos="1346200" algn="l"/>
-                <a:tab pos="1795463" algn="l"/>
-                <a:tab pos="2244725" algn="l"/>
-                <a:tab pos="2693988" algn="l"/>
-                <a:tab pos="3143250" algn="l"/>
-                <a:tab pos="3592513" algn="l"/>
-                <a:tab pos="4041775" algn="l"/>
-                <a:tab pos="4491038" algn="l"/>
-                <a:tab pos="4940300" algn="l"/>
-                <a:tab pos="5389563" algn="l"/>
-                <a:tab pos="5838825" algn="l"/>
-                <a:tab pos="6288088" algn="l"/>
-                <a:tab pos="6737350" algn="l"/>
-                <a:tab pos="7186613" algn="l"/>
-                <a:tab pos="7635875" algn="l"/>
-                <a:tab pos="8085138" algn="l"/>
-                <a:tab pos="8534400" algn="l"/>
-                <a:tab pos="8983663" algn="l"/>
-                <a:tab pos="8985250" algn="l"/>
-                <a:tab pos="9434513" algn="l"/>
-                <a:tab pos="9883775" algn="l"/>
-              </a:tabLst>
-              <a:defRPr>
-                <a:solidFill>
-                  <a:srgbClr val="FFFFFF"/>
-                </a:solidFill>
-                <a:latin typeface="Arial" panose="020B0604020202020204" pitchFamily="34" charset="0"/>
-                <a:cs typeface="Arial" panose="020B0604020202020204" pitchFamily="34" charset="0"/>
-              </a:defRPr>
-            </a:lvl4pPr>
-            <a:lvl5pPr>
-              <a:tabLst>
-                <a:tab pos="0" algn="l"/>
-                <a:tab pos="447675" algn="l"/>
-                <a:tab pos="896938" algn="l"/>
-                <a:tab pos="1346200" algn="l"/>
-                <a:tab pos="1795463" algn="l"/>
-                <a:tab pos="2244725" algn="l"/>
-                <a:tab pos="2693988" algn="l"/>
-                <a:tab pos="3143250" algn="l"/>
-                <a:tab pos="3592513" algn="l"/>
-                <a:tab pos="4041775" algn="l"/>
-                <a:tab pos="4491038" algn="l"/>
-                <a:tab pos="4940300" algn="l"/>
-                <a:tab pos="5389563" algn="l"/>
-                <a:tab pos="5838825" algn="l"/>
-                <a:tab pos="6288088" algn="l"/>
-                <a:tab pos="6737350" algn="l"/>
-                <a:tab pos="7186613" algn="l"/>
-                <a:tab pos="7635875" algn="l"/>
-                <a:tab pos="8085138" algn="l"/>
-                <a:tab pos="8534400" algn="l"/>
-                <a:tab pos="8983663" algn="l"/>
-                <a:tab pos="8985250" algn="l"/>
-                <a:tab pos="9434513" algn="l"/>
-                <a:tab pos="9883775" algn="l"/>
-              </a:tabLst>
-              <a:defRPr>
-                <a:solidFill>
-                  <a:srgbClr val="FFFFFF"/>
-                </a:solidFill>
-                <a:latin typeface="Arial" panose="020B0604020202020204" pitchFamily="34" charset="0"/>
-                <a:cs typeface="Arial" panose="020B0604020202020204" pitchFamily="34" charset="0"/>
-              </a:defRPr>
-            </a:lvl5pPr>
-            <a:lvl6pPr marL="2514600" indent="-228600" defTabSz="449263" eaLnBrk="0" fontAlgn="base" hangingPunct="0">
-              <a:spcBef>
-                <a:spcPct val="0"/>
-              </a:spcBef>
-              <a:spcAft>
-                <a:spcPct val="0"/>
-              </a:spcAft>
-              <a:buClr>
-                <a:srgbClr val="000000"/>
-              </a:buClr>
-              <a:buSzPct val="100000"/>
-              <a:buFont typeface="Times New Roman" panose="02020603050405020304" pitchFamily="18" charset="0"/>
-              <a:tabLst>
-                <a:tab pos="0" algn="l"/>
-                <a:tab pos="447675" algn="l"/>
-                <a:tab pos="896938" algn="l"/>
-                <a:tab pos="1346200" algn="l"/>
-                <a:tab pos="1795463" algn="l"/>
-                <a:tab pos="2244725" algn="l"/>
-                <a:tab pos="2693988" algn="l"/>
-                <a:tab pos="3143250" algn="l"/>
-                <a:tab pos="3592513" algn="l"/>
-                <a:tab pos="4041775" algn="l"/>
-                <a:tab pos="4491038" algn="l"/>
-                <a:tab pos="4940300" algn="l"/>
-                <a:tab pos="5389563" algn="l"/>
-                <a:tab pos="5838825" algn="l"/>
-                <a:tab pos="6288088" algn="l"/>
-                <a:tab pos="6737350" algn="l"/>
-                <a:tab pos="7186613" algn="l"/>
-                <a:tab pos="7635875" algn="l"/>
-                <a:tab pos="8085138" algn="l"/>
-                <a:tab pos="8534400" algn="l"/>
-                <a:tab pos="8983663" algn="l"/>
-                <a:tab pos="8985250" algn="l"/>
-                <a:tab pos="9434513" algn="l"/>
-                <a:tab pos="9883775" algn="l"/>
-              </a:tabLst>
-              <a:defRPr>
-                <a:solidFill>
-                  <a:srgbClr val="FFFFFF"/>
-                </a:solidFill>
-                <a:latin typeface="Arial" panose="020B0604020202020204" pitchFamily="34" charset="0"/>
-                <a:cs typeface="Arial" panose="020B0604020202020204" pitchFamily="34" charset="0"/>
-              </a:defRPr>
-            </a:lvl6pPr>
-            <a:lvl7pPr marL="2971800" indent="-228600" defTabSz="449263" eaLnBrk="0" fontAlgn="base" hangingPunct="0">
-              <a:spcBef>
-                <a:spcPct val="0"/>
-              </a:spcBef>
-              <a:spcAft>
-                <a:spcPct val="0"/>
-              </a:spcAft>
-              <a:buClr>
-                <a:srgbClr val="000000"/>
-              </a:buClr>
-              <a:buSzPct val="100000"/>
-              <a:buFont typeface="Times New Roman" panose="02020603050405020304" pitchFamily="18" charset="0"/>
-              <a:tabLst>
-                <a:tab pos="0" algn="l"/>
-                <a:tab pos="447675" algn="l"/>
-                <a:tab pos="896938" algn="l"/>
-                <a:tab pos="1346200" algn="l"/>
-                <a:tab pos="1795463" algn="l"/>
-                <a:tab pos="2244725" algn="l"/>
-                <a:tab pos="2693988" algn="l"/>
-                <a:tab pos="3143250" algn="l"/>
-                <a:tab pos="3592513" algn="l"/>
-                <a:tab pos="4041775" algn="l"/>
-                <a:tab pos="4491038" algn="l"/>
-                <a:tab pos="4940300" algn="l"/>
-                <a:tab pos="5389563" algn="l"/>
-                <a:tab pos="5838825" algn="l"/>
-                <a:tab pos="6288088" algn="l"/>
-                <a:tab pos="6737350" algn="l"/>
-                <a:tab pos="7186613" algn="l"/>
-                <a:tab pos="7635875" algn="l"/>
-                <a:tab pos="8085138" algn="l"/>
-                <a:tab pos="8534400" algn="l"/>
-                <a:tab pos="8983663" algn="l"/>
-                <a:tab pos="8985250" algn="l"/>
-                <a:tab pos="9434513" algn="l"/>
-                <a:tab pos="9883775" algn="l"/>
-              </a:tabLst>
-              <a:defRPr>
-                <a:solidFill>
-                  <a:srgbClr val="FFFFFF"/>
-                </a:solidFill>
-                <a:latin typeface="Arial" panose="020B0604020202020204" pitchFamily="34" charset="0"/>
-                <a:cs typeface="Arial" panose="020B0604020202020204" pitchFamily="34" charset="0"/>
-              </a:defRPr>
-            </a:lvl7pPr>
-            <a:lvl8pPr marL="3429000" indent="-228600" defTabSz="449263" eaLnBrk="0" fontAlgn="base" hangingPunct="0">
-              <a:spcBef>
-                <a:spcPct val="0"/>
-              </a:spcBef>
-              <a:spcAft>
-                <a:spcPct val="0"/>
-              </a:spcAft>
-              <a:buClr>
-                <a:srgbClr val="000000"/>
-              </a:buClr>
-              <a:buSzPct val="100000"/>
-              <a:buFont typeface="Times New Roman" panose="02020603050405020304" pitchFamily="18" charset="0"/>
-              <a:tabLst>
-                <a:tab pos="0" algn="l"/>
-                <a:tab pos="447675" algn="l"/>
-                <a:tab pos="896938" algn="l"/>
-                <a:tab pos="1346200" algn="l"/>
-                <a:tab pos="1795463" algn="l"/>
-                <a:tab pos="2244725" algn="l"/>
-                <a:tab pos="2693988" algn="l"/>
-                <a:tab pos="3143250" algn="l"/>
-                <a:tab pos="3592513" algn="l"/>
-                <a:tab pos="4041775" algn="l"/>
-                <a:tab pos="4491038" algn="l"/>
-                <a:tab pos="4940300" algn="l"/>
-                <a:tab pos="5389563" algn="l"/>
-                <a:tab pos="5838825" algn="l"/>
-                <a:tab pos="6288088" algn="l"/>
-                <a:tab pos="6737350" algn="l"/>
-                <a:tab pos="7186613" algn="l"/>
-                <a:tab pos="7635875" algn="l"/>
-                <a:tab pos="8085138" algn="l"/>
-                <a:tab pos="8534400" algn="l"/>
-                <a:tab pos="8983663" algn="l"/>
-                <a:tab pos="8985250" algn="l"/>
-                <a:tab pos="9434513" algn="l"/>
-                <a:tab pos="9883775" algn="l"/>
-              </a:tabLst>
-              <a:defRPr>
-                <a:solidFill>
-                  <a:srgbClr val="FFFFFF"/>
-                </a:solidFill>
-                <a:latin typeface="Arial" panose="020B0604020202020204" pitchFamily="34" charset="0"/>
-                <a:cs typeface="Arial" panose="020B0604020202020204" pitchFamily="34" charset="0"/>
-              </a:defRPr>
-            </a:lvl8pPr>
-            <a:lvl9pPr marL="3886200" indent="-228600" defTabSz="449263" eaLnBrk="0" fontAlgn="base" hangingPunct="0">
-              <a:spcBef>
-                <a:spcPct val="0"/>
-              </a:spcBef>
-              <a:spcAft>
-                <a:spcPct val="0"/>
-              </a:spcAft>
-              <a:buClr>
-                <a:srgbClr val="000000"/>
-              </a:buClr>
-              <a:buSzPct val="100000"/>
-              <a:buFont typeface="Times New Roman" panose="02020603050405020304" pitchFamily="18" charset="0"/>
-              <a:tabLst>
-                <a:tab pos="0" algn="l"/>
-                <a:tab pos="447675" algn="l"/>
-                <a:tab pos="896938" algn="l"/>
-                <a:tab pos="1346200" algn="l"/>
-                <a:tab pos="1795463" algn="l"/>
-                <a:tab pos="2244725" algn="l"/>
-                <a:tab pos="2693988" algn="l"/>
-                <a:tab pos="3143250" algn="l"/>
-                <a:tab pos="3592513" algn="l"/>
-                <a:tab pos="4041775" algn="l"/>
-                <a:tab pos="4491038" algn="l"/>
-                <a:tab pos="4940300" algn="l"/>
-                <a:tab pos="5389563" algn="l"/>
-                <a:tab pos="5838825" algn="l"/>
-                <a:tab pos="6288088" algn="l"/>
-                <a:tab pos="6737350" algn="l"/>
-                <a:tab pos="7186613" algn="l"/>
-                <a:tab pos="7635875" algn="l"/>
-                <a:tab pos="8085138" algn="l"/>
-                <a:tab pos="8534400" algn="l"/>
-                <a:tab pos="8983663" algn="l"/>
-                <a:tab pos="8985250" algn="l"/>
-                <a:tab pos="9434513" algn="l"/>
-                <a:tab pos="9883775" algn="l"/>
-              </a:tabLst>
-              <a:defRPr>
-                <a:solidFill>
-                  <a:srgbClr val="FFFFFF"/>
-                </a:solidFill>
-                <a:latin typeface="Arial" panose="020B0604020202020204" pitchFamily="34" charset="0"/>
-                <a:cs typeface="Arial" panose="020B0604020202020204" pitchFamily="34" charset="0"/>
-              </a:defRPr>
-            </a:lvl9pPr>
-          </a:lstStyle>
-          <a:p>
-            <a:pPr algn="just" eaLnBrk="1" hangingPunct="1">
-              <a:buClrTx/>
-              <a:buFontTx/>
-              <a:buNone/>
-            </a:pPr>
-            <a:r>
-              <a:rPr lang="es-ES" altLang="es-MX">
-                <a:solidFill>
-                  <a:srgbClr val="000000"/>
-                </a:solidFill>
-              </a:rPr>
-              <a:t>.</a:t>
-            </a:r>
-            <a:endParaRPr lang="es-ES" altLang="es-MX" dirty="0">
-              <a:solidFill>
-                <a:srgbClr val="000000"/>
-              </a:solidFill>
-            </a:endParaRPr>
-          </a:p>
-        </p:txBody>
-      </p:sp>
-      <p:sp>
-        <p:nvSpPr>
-          <p:cNvPr id="66" name="Rectangle 12">
-            <a:extLst>
-              <a:ext uri="{FF2B5EF4-FFF2-40B4-BE49-F238E27FC236}">
-                <a16:creationId xmlns:a16="http://schemas.microsoft.com/office/drawing/2014/main" id="{C91F29E3-FDA3-450A-A6FF-9A77B7FF6333}"/>
-              </a:ext>
-            </a:extLst>
-          </p:cNvPr>
-          <p:cNvSpPr>
-            <a:spLocks noChangeArrowheads="1"/>
-          </p:cNvSpPr>
-          <p:nvPr/>
-        </p:nvSpPr>
-        <p:spPr bwMode="auto">
-          <a:xfrm>
-            <a:off x="14782360" y="33999693"/>
-            <a:ext cx="11599385" cy="1044575"/>
-          </a:xfrm>
-          <a:prstGeom prst="rect">
-            <a:avLst/>
-          </a:prstGeom>
-          <a:solidFill>
-            <a:srgbClr val="0F355A"/>
-          </a:solidFill>
-          <a:ln w="9360" cap="sq">
-            <a:solidFill>
-              <a:srgbClr val="000000"/>
-            </a:solidFill>
-            <a:miter lim="800000"/>
-            <a:headEnd/>
-            <a:tailEnd/>
-          </a:ln>
-          <a:effectLst/>
-          <a:extLst>
-            <a:ext uri="{AF507438-7753-43E0-B8FC-AC1667EBCBE1}">
-              <a14:hiddenEffects xmlns:a14="http://schemas.microsoft.com/office/drawing/2010/main">
-                <a:effectLst>
-                  <a:outerShdw dist="35921" dir="2700000" algn="ctr" rotWithShape="0">
-                    <a:srgbClr val="808080"/>
-                  </a:outerShdw>
-                </a:effectLst>
-              </a14:hiddenEffects>
-            </a:ext>
-          </a:extLst>
-        </p:spPr>
-        <p:txBody>
-          <a:bodyPr wrap="none" anchor="ctr"/>
-          <a:lstStyle/>
-          <a:p>
-            <a:endParaRPr lang="es-MX"/>
-          </a:p>
-        </p:txBody>
-      </p:sp>
-      <p:sp>
-        <p:nvSpPr>
-          <p:cNvPr id="67" name="Text Box 13">
-            <a:extLst>
-              <a:ext uri="{FF2B5EF4-FFF2-40B4-BE49-F238E27FC236}">
-                <a16:creationId xmlns:a16="http://schemas.microsoft.com/office/drawing/2014/main" id="{1C8F20C7-4AA1-4F68-BF7A-1EBB42F12D2F}"/>
-              </a:ext>
-            </a:extLst>
-          </p:cNvPr>
-          <p:cNvSpPr txBox="1">
-            <a:spLocks noChangeArrowheads="1"/>
-          </p:cNvSpPr>
-          <p:nvPr/>
-        </p:nvSpPr>
-        <p:spPr bwMode="auto">
-          <a:xfrm>
-            <a:off x="14868455" y="34127498"/>
-            <a:ext cx="11466105" cy="648512"/>
-          </a:xfrm>
-          <a:prstGeom prst="rect">
-            <a:avLst/>
-          </a:prstGeom>
-          <a:noFill/>
-          <a:ln>
-            <a:noFill/>
-          </a:ln>
-          <a:effectLst/>
-          <a:extLst>
-            <a:ext uri="{909E8E84-426E-40DD-AFC4-6F175D3DCCD1}">
-              <a14:hiddenFill xmlns:a14="http://schemas.microsoft.com/office/drawing/2010/main">
-                <a:solidFill>
-                  <a:srgbClr val="FFFFFF"/>
-                </a:solidFill>
-              </a14:hiddenFill>
-            </a:ext>
-            <a:ext uri="{91240B29-F687-4F45-9708-019B960494DF}">
-              <a14:hiddenLine xmlns:a14="http://schemas.microsoft.com/office/drawing/2010/main" w="9525" cap="flat">
-                <a:solidFill>
-                  <a:srgbClr val="3465A4"/>
-                </a:solidFill>
-                <a:round/>
-                <a:headEnd/>
-                <a:tailEnd/>
-              </a14:hiddenLine>
-            </a:ext>
-            <a:ext uri="{AF507438-7753-43E0-B8FC-AC1667EBCBE1}">
-              <a14:hiddenEffects xmlns:a14="http://schemas.microsoft.com/office/drawing/2010/main">
-                <a:effectLst>
-                  <a:outerShdw dist="35921" dir="2700000" algn="ctr" rotWithShape="0">
-                    <a:srgbClr val="808080"/>
-                  </a:outerShdw>
-                </a:effectLst>
-              </a14:hiddenEffects>
-            </a:ext>
-          </a:extLst>
-        </p:spPr>
-        <p:txBody>
-          <a:bodyPr wrap="square" lIns="90000" tIns="46800" rIns="90000" bIns="46800">
-            <a:spAutoFit/>
-          </a:bodyPr>
-          <a:lstStyle>
-            <a:lvl1pPr>
-              <a:tabLst>
-                <a:tab pos="0" algn="l"/>
-                <a:tab pos="447675" algn="l"/>
-                <a:tab pos="896938" algn="l"/>
-                <a:tab pos="1346200" algn="l"/>
-                <a:tab pos="1795463" algn="l"/>
-                <a:tab pos="2244725" algn="l"/>
-                <a:tab pos="2693988" algn="l"/>
-                <a:tab pos="3143250" algn="l"/>
-                <a:tab pos="3592513" algn="l"/>
-                <a:tab pos="4041775" algn="l"/>
-                <a:tab pos="4491038" algn="l"/>
-                <a:tab pos="4940300" algn="l"/>
-                <a:tab pos="5389563" algn="l"/>
-                <a:tab pos="5838825" algn="l"/>
-                <a:tab pos="6288088" algn="l"/>
-                <a:tab pos="6737350" algn="l"/>
-                <a:tab pos="7186613" algn="l"/>
-                <a:tab pos="7635875" algn="l"/>
-                <a:tab pos="8085138" algn="l"/>
-                <a:tab pos="8534400" algn="l"/>
-                <a:tab pos="8983663" algn="l"/>
-                <a:tab pos="8985250" algn="l"/>
-                <a:tab pos="9434513" algn="l"/>
-                <a:tab pos="9883775" algn="l"/>
-              </a:tabLst>
-              <a:defRPr>
-                <a:solidFill>
-                  <a:srgbClr val="FFFFFF"/>
-                </a:solidFill>
-                <a:latin typeface="Arial" panose="020B0604020202020204" pitchFamily="34" charset="0"/>
-                <a:cs typeface="Arial" panose="020B0604020202020204" pitchFamily="34" charset="0"/>
-              </a:defRPr>
-            </a:lvl1pPr>
-            <a:lvl2pPr>
-              <a:tabLst>
-                <a:tab pos="0" algn="l"/>
-                <a:tab pos="447675" algn="l"/>
-                <a:tab pos="896938" algn="l"/>
-                <a:tab pos="1346200" algn="l"/>
-                <a:tab pos="1795463" algn="l"/>
-                <a:tab pos="2244725" algn="l"/>
-                <a:tab pos="2693988" algn="l"/>
-                <a:tab pos="3143250" algn="l"/>
-                <a:tab pos="3592513" algn="l"/>
-                <a:tab pos="4041775" algn="l"/>
-                <a:tab pos="4491038" algn="l"/>
-                <a:tab pos="4940300" algn="l"/>
-                <a:tab pos="5389563" algn="l"/>
-                <a:tab pos="5838825" algn="l"/>
-                <a:tab pos="6288088" algn="l"/>
-                <a:tab pos="6737350" algn="l"/>
-                <a:tab pos="7186613" algn="l"/>
-                <a:tab pos="7635875" algn="l"/>
-                <a:tab pos="8085138" algn="l"/>
-                <a:tab pos="8534400" algn="l"/>
-                <a:tab pos="8983663" algn="l"/>
-                <a:tab pos="8985250" algn="l"/>
-                <a:tab pos="9434513" algn="l"/>
-                <a:tab pos="9883775" algn="l"/>
-              </a:tabLst>
-              <a:defRPr>
-                <a:solidFill>
-                  <a:srgbClr val="FFFFFF"/>
-                </a:solidFill>
-                <a:latin typeface="Arial" panose="020B0604020202020204" pitchFamily="34" charset="0"/>
-                <a:cs typeface="Arial" panose="020B0604020202020204" pitchFamily="34" charset="0"/>
-              </a:defRPr>
-            </a:lvl2pPr>
-            <a:lvl3pPr>
-              <a:tabLst>
-                <a:tab pos="0" algn="l"/>
-                <a:tab pos="447675" algn="l"/>
-                <a:tab pos="896938" algn="l"/>
-                <a:tab pos="1346200" algn="l"/>
-                <a:tab pos="1795463" algn="l"/>
-                <a:tab pos="2244725" algn="l"/>
-                <a:tab pos="2693988" algn="l"/>
-                <a:tab pos="3143250" algn="l"/>
-                <a:tab pos="3592513" algn="l"/>
-                <a:tab pos="4041775" algn="l"/>
-                <a:tab pos="4491038" algn="l"/>
-                <a:tab pos="4940300" algn="l"/>
-                <a:tab pos="5389563" algn="l"/>
-                <a:tab pos="5838825" algn="l"/>
-                <a:tab pos="6288088" algn="l"/>
-                <a:tab pos="6737350" algn="l"/>
-                <a:tab pos="7186613" algn="l"/>
-                <a:tab pos="7635875" algn="l"/>
-                <a:tab pos="8085138" algn="l"/>
-                <a:tab pos="8534400" algn="l"/>
-                <a:tab pos="8983663" algn="l"/>
-                <a:tab pos="8985250" algn="l"/>
-                <a:tab pos="9434513" algn="l"/>
-                <a:tab pos="9883775" algn="l"/>
-              </a:tabLst>
-              <a:defRPr>
-                <a:solidFill>
-                  <a:srgbClr val="FFFFFF"/>
-                </a:solidFill>
-                <a:latin typeface="Arial" panose="020B0604020202020204" pitchFamily="34" charset="0"/>
-                <a:cs typeface="Arial" panose="020B0604020202020204" pitchFamily="34" charset="0"/>
-              </a:defRPr>
-            </a:lvl3pPr>
-            <a:lvl4pPr>
-              <a:tabLst>
-                <a:tab pos="0" algn="l"/>
-                <a:tab pos="447675" algn="l"/>
-                <a:tab pos="896938" algn="l"/>
-                <a:tab pos="1346200" algn="l"/>
-                <a:tab pos="1795463" algn="l"/>
-                <a:tab pos="2244725" algn="l"/>
-                <a:tab pos="2693988" algn="l"/>
-                <a:tab pos="3143250" algn="l"/>
-                <a:tab pos="3592513" algn="l"/>
-                <a:tab pos="4041775" algn="l"/>
-                <a:tab pos="4491038" algn="l"/>
-                <a:tab pos="4940300" algn="l"/>
-                <a:tab pos="5389563" algn="l"/>
-                <a:tab pos="5838825" algn="l"/>
-                <a:tab pos="6288088" algn="l"/>
-                <a:tab pos="6737350" algn="l"/>
-                <a:tab pos="7186613" algn="l"/>
-                <a:tab pos="7635875" algn="l"/>
-                <a:tab pos="8085138" algn="l"/>
-                <a:tab pos="8534400" algn="l"/>
-                <a:tab pos="8983663" algn="l"/>
-                <a:tab pos="8985250" algn="l"/>
-                <a:tab pos="9434513" algn="l"/>
-                <a:tab pos="9883775" algn="l"/>
-              </a:tabLst>
-              <a:defRPr>
-                <a:solidFill>
-                  <a:srgbClr val="FFFFFF"/>
-                </a:solidFill>
-                <a:latin typeface="Arial" panose="020B0604020202020204" pitchFamily="34" charset="0"/>
-                <a:cs typeface="Arial" panose="020B0604020202020204" pitchFamily="34" charset="0"/>
-              </a:defRPr>
-            </a:lvl4pPr>
-            <a:lvl5pPr>
-              <a:tabLst>
-                <a:tab pos="0" algn="l"/>
-                <a:tab pos="447675" algn="l"/>
-                <a:tab pos="896938" algn="l"/>
-                <a:tab pos="1346200" algn="l"/>
-                <a:tab pos="1795463" algn="l"/>
-                <a:tab pos="2244725" algn="l"/>
-                <a:tab pos="2693988" algn="l"/>
-                <a:tab pos="3143250" algn="l"/>
-                <a:tab pos="3592513" algn="l"/>
-                <a:tab pos="4041775" algn="l"/>
-                <a:tab pos="4491038" algn="l"/>
-                <a:tab pos="4940300" algn="l"/>
-                <a:tab pos="5389563" algn="l"/>
-                <a:tab pos="5838825" algn="l"/>
-                <a:tab pos="6288088" algn="l"/>
-                <a:tab pos="6737350" algn="l"/>
-                <a:tab pos="7186613" algn="l"/>
-                <a:tab pos="7635875" algn="l"/>
-                <a:tab pos="8085138" algn="l"/>
-                <a:tab pos="8534400" algn="l"/>
-                <a:tab pos="8983663" algn="l"/>
-                <a:tab pos="8985250" algn="l"/>
-                <a:tab pos="9434513" algn="l"/>
-                <a:tab pos="9883775" algn="l"/>
-              </a:tabLst>
-              <a:defRPr>
-                <a:solidFill>
-                  <a:srgbClr val="FFFFFF"/>
-                </a:solidFill>
-                <a:latin typeface="Arial" panose="020B0604020202020204" pitchFamily="34" charset="0"/>
-                <a:cs typeface="Arial" panose="020B0604020202020204" pitchFamily="34" charset="0"/>
-              </a:defRPr>
-            </a:lvl5pPr>
-            <a:lvl6pPr marL="2514600" indent="-228600" defTabSz="449263" eaLnBrk="0" fontAlgn="base" hangingPunct="0">
-              <a:spcBef>
-                <a:spcPct val="0"/>
-              </a:spcBef>
-              <a:spcAft>
-                <a:spcPct val="0"/>
-              </a:spcAft>
-              <a:buClr>
-                <a:srgbClr val="000000"/>
-              </a:buClr>
-              <a:buSzPct val="100000"/>
-              <a:buFont typeface="Times New Roman" panose="02020603050405020304" pitchFamily="18" charset="0"/>
-              <a:tabLst>
-                <a:tab pos="0" algn="l"/>
-                <a:tab pos="447675" algn="l"/>
-                <a:tab pos="896938" algn="l"/>
-                <a:tab pos="1346200" algn="l"/>
-                <a:tab pos="1795463" algn="l"/>
-                <a:tab pos="2244725" algn="l"/>
-                <a:tab pos="2693988" algn="l"/>
-                <a:tab pos="3143250" algn="l"/>
-                <a:tab pos="3592513" algn="l"/>
-                <a:tab pos="4041775" algn="l"/>
-                <a:tab pos="4491038" algn="l"/>
-                <a:tab pos="4940300" algn="l"/>
-                <a:tab pos="5389563" algn="l"/>
-                <a:tab pos="5838825" algn="l"/>
-                <a:tab pos="6288088" algn="l"/>
-                <a:tab pos="6737350" algn="l"/>
-                <a:tab pos="7186613" algn="l"/>
-                <a:tab pos="7635875" algn="l"/>
-                <a:tab pos="8085138" algn="l"/>
-                <a:tab pos="8534400" algn="l"/>
-                <a:tab pos="8983663" algn="l"/>
-                <a:tab pos="8985250" algn="l"/>
-                <a:tab pos="9434513" algn="l"/>
-                <a:tab pos="9883775" algn="l"/>
-              </a:tabLst>
-              <a:defRPr>
-                <a:solidFill>
-                  <a:srgbClr val="FFFFFF"/>
-                </a:solidFill>
-                <a:latin typeface="Arial" panose="020B0604020202020204" pitchFamily="34" charset="0"/>
-                <a:cs typeface="Arial" panose="020B0604020202020204" pitchFamily="34" charset="0"/>
-              </a:defRPr>
-            </a:lvl6pPr>
-            <a:lvl7pPr marL="2971800" indent="-228600" defTabSz="449263" eaLnBrk="0" fontAlgn="base" hangingPunct="0">
-              <a:spcBef>
-                <a:spcPct val="0"/>
-              </a:spcBef>
-              <a:spcAft>
-                <a:spcPct val="0"/>
-              </a:spcAft>
-              <a:buClr>
-                <a:srgbClr val="000000"/>
-              </a:buClr>
-              <a:buSzPct val="100000"/>
-              <a:buFont typeface="Times New Roman" panose="02020603050405020304" pitchFamily="18" charset="0"/>
-              <a:tabLst>
-                <a:tab pos="0" algn="l"/>
-                <a:tab pos="447675" algn="l"/>
-                <a:tab pos="896938" algn="l"/>
-                <a:tab pos="1346200" algn="l"/>
-                <a:tab pos="1795463" algn="l"/>
-                <a:tab pos="2244725" algn="l"/>
-                <a:tab pos="2693988" algn="l"/>
-                <a:tab pos="3143250" algn="l"/>
-                <a:tab pos="3592513" algn="l"/>
-                <a:tab pos="4041775" algn="l"/>
-                <a:tab pos="4491038" algn="l"/>
-                <a:tab pos="4940300" algn="l"/>
-                <a:tab pos="5389563" algn="l"/>
-                <a:tab pos="5838825" algn="l"/>
-                <a:tab pos="6288088" algn="l"/>
-                <a:tab pos="6737350" algn="l"/>
-                <a:tab pos="7186613" algn="l"/>
-                <a:tab pos="7635875" algn="l"/>
-                <a:tab pos="8085138" algn="l"/>
-                <a:tab pos="8534400" algn="l"/>
-                <a:tab pos="8983663" algn="l"/>
-                <a:tab pos="8985250" algn="l"/>
-                <a:tab pos="9434513" algn="l"/>
-                <a:tab pos="9883775" algn="l"/>
-              </a:tabLst>
-              <a:defRPr>
-                <a:solidFill>
-                  <a:srgbClr val="FFFFFF"/>
-                </a:solidFill>
-                <a:latin typeface="Arial" panose="020B0604020202020204" pitchFamily="34" charset="0"/>
-                <a:cs typeface="Arial" panose="020B0604020202020204" pitchFamily="34" charset="0"/>
-              </a:defRPr>
-            </a:lvl7pPr>
-            <a:lvl8pPr marL="3429000" indent="-228600" defTabSz="449263" eaLnBrk="0" fontAlgn="base" hangingPunct="0">
-              <a:spcBef>
-                <a:spcPct val="0"/>
-              </a:spcBef>
-              <a:spcAft>
-                <a:spcPct val="0"/>
-              </a:spcAft>
-              <a:buClr>
-                <a:srgbClr val="000000"/>
-              </a:buClr>
-              <a:buSzPct val="100000"/>
-              <a:buFont typeface="Times New Roman" panose="02020603050405020304" pitchFamily="18" charset="0"/>
-              <a:tabLst>
-                <a:tab pos="0" algn="l"/>
-                <a:tab pos="447675" algn="l"/>
-                <a:tab pos="896938" algn="l"/>
-                <a:tab pos="1346200" algn="l"/>
-                <a:tab pos="1795463" algn="l"/>
-                <a:tab pos="2244725" algn="l"/>
-                <a:tab pos="2693988" algn="l"/>
-                <a:tab pos="3143250" algn="l"/>
-                <a:tab pos="3592513" algn="l"/>
-                <a:tab pos="4041775" algn="l"/>
-                <a:tab pos="4491038" algn="l"/>
-                <a:tab pos="4940300" algn="l"/>
-                <a:tab pos="5389563" algn="l"/>
-                <a:tab pos="5838825" algn="l"/>
-                <a:tab pos="6288088" algn="l"/>
-                <a:tab pos="6737350" algn="l"/>
-                <a:tab pos="7186613" algn="l"/>
-                <a:tab pos="7635875" algn="l"/>
-                <a:tab pos="8085138" algn="l"/>
-                <a:tab pos="8534400" algn="l"/>
-                <a:tab pos="8983663" algn="l"/>
-                <a:tab pos="8985250" algn="l"/>
-                <a:tab pos="9434513" algn="l"/>
-                <a:tab pos="9883775" algn="l"/>
-              </a:tabLst>
-              <a:defRPr>
-                <a:solidFill>
-                  <a:srgbClr val="FFFFFF"/>
-                </a:solidFill>
-                <a:latin typeface="Arial" panose="020B0604020202020204" pitchFamily="34" charset="0"/>
-                <a:cs typeface="Arial" panose="020B0604020202020204" pitchFamily="34" charset="0"/>
-              </a:defRPr>
-            </a:lvl8pPr>
-            <a:lvl9pPr marL="3886200" indent="-228600" defTabSz="449263" eaLnBrk="0" fontAlgn="base" hangingPunct="0">
-              <a:spcBef>
-                <a:spcPct val="0"/>
-              </a:spcBef>
-              <a:spcAft>
-                <a:spcPct val="0"/>
-              </a:spcAft>
-              <a:buClr>
-                <a:srgbClr val="000000"/>
-              </a:buClr>
-              <a:buSzPct val="100000"/>
-              <a:buFont typeface="Times New Roman" panose="02020603050405020304" pitchFamily="18" charset="0"/>
-              <a:tabLst>
-                <a:tab pos="0" algn="l"/>
-                <a:tab pos="447675" algn="l"/>
-                <a:tab pos="896938" algn="l"/>
-                <a:tab pos="1346200" algn="l"/>
-                <a:tab pos="1795463" algn="l"/>
-                <a:tab pos="2244725" algn="l"/>
-                <a:tab pos="2693988" algn="l"/>
-                <a:tab pos="3143250" algn="l"/>
-                <a:tab pos="3592513" algn="l"/>
-                <a:tab pos="4041775" algn="l"/>
-                <a:tab pos="4491038" algn="l"/>
-                <a:tab pos="4940300" algn="l"/>
-                <a:tab pos="5389563" algn="l"/>
-                <a:tab pos="5838825" algn="l"/>
-                <a:tab pos="6288088" algn="l"/>
-                <a:tab pos="6737350" algn="l"/>
-                <a:tab pos="7186613" algn="l"/>
-                <a:tab pos="7635875" algn="l"/>
-                <a:tab pos="8085138" algn="l"/>
-                <a:tab pos="8534400" algn="l"/>
-                <a:tab pos="8983663" algn="l"/>
-                <a:tab pos="8985250" algn="l"/>
-                <a:tab pos="9434513" algn="l"/>
-                <a:tab pos="9883775" algn="l"/>
-              </a:tabLst>
-              <a:defRPr>
-                <a:solidFill>
-                  <a:srgbClr val="FFFFFF"/>
-                </a:solidFill>
-                <a:latin typeface="Arial" panose="020B0604020202020204" pitchFamily="34" charset="0"/>
-                <a:cs typeface="Arial" panose="020B0604020202020204" pitchFamily="34" charset="0"/>
-              </a:defRPr>
-            </a:lvl9pPr>
-          </a:lstStyle>
-          <a:p>
-            <a:pPr algn="ctr" eaLnBrk="1" hangingPunct="1">
-              <a:spcBef>
-                <a:spcPts val="2250"/>
-              </a:spcBef>
-              <a:buClrTx/>
-            </a:pPr>
-            <a:r>
-              <a:rPr lang="es-ES" altLang="es-MX" sz="3600" b="1" dirty="0">
-                <a:latin typeface="Myriad Pro" pitchFamily="32" charset="0"/>
-              </a:rPr>
-              <a:t>Dashboard</a:t>
-            </a:r>
-          </a:p>
-        </p:txBody>
-      </p:sp>
       <p:sp>
         <p:nvSpPr>
           <p:cNvPr id="45" name="Rectangle 12">
@@ -12145,8 +16608,8 @@
         </p:nvSpPr>
         <p:spPr bwMode="auto">
           <a:xfrm>
-            <a:off x="14837171" y="19987509"/>
-            <a:ext cx="13940032" cy="998140"/>
+            <a:off x="455857" y="27344784"/>
+            <a:ext cx="27997978" cy="998140"/>
           </a:xfrm>
           <a:prstGeom prst="rect">
             <a:avLst/>
@@ -12199,8 +16662,8 @@
         </p:nvSpPr>
         <p:spPr bwMode="auto">
           <a:xfrm>
-            <a:off x="14966615" y="20146643"/>
-            <a:ext cx="13833369" cy="710067"/>
+            <a:off x="707196" y="27508252"/>
+            <a:ext cx="26733664" cy="710067"/>
           </a:xfrm>
           <a:prstGeom prst="rect">
             <a:avLst/>
@@ -12648,7 +17111,7 @@
         </p:blipFill>
         <p:spPr>
           <a:xfrm>
-            <a:off x="5751520" y="6459160"/>
+            <a:off x="5833855" y="7463492"/>
             <a:ext cx="1667358" cy="1667358"/>
           </a:xfrm>
           <a:prstGeom prst="rect">
@@ -12684,7 +17147,7 @@
         </p:blipFill>
         <p:spPr>
           <a:xfrm>
-            <a:off x="1030104" y="6278748"/>
+            <a:off x="1192590" y="7457336"/>
             <a:ext cx="2002951" cy="2002951"/>
           </a:xfrm>
           <a:prstGeom prst="rect">
@@ -12720,7 +17183,7 @@
         </p:blipFill>
         <p:spPr>
           <a:xfrm>
-            <a:off x="3842544" y="6446824"/>
+            <a:off x="3923634" y="7513101"/>
             <a:ext cx="1182128" cy="1666800"/>
           </a:xfrm>
           <a:prstGeom prst="rect">
@@ -12756,7 +17219,7 @@
         </p:blipFill>
         <p:spPr>
           <a:xfrm>
-            <a:off x="7988108" y="6459718"/>
+            <a:off x="8024594" y="7481166"/>
             <a:ext cx="1183428" cy="1666800"/>
           </a:xfrm>
           <a:prstGeom prst="rect">
@@ -12792,7 +17255,7 @@
         </p:blipFill>
         <p:spPr>
           <a:xfrm>
-            <a:off x="10008395" y="6694663"/>
+            <a:off x="9954207" y="7698716"/>
             <a:ext cx="3599729" cy="1196910"/>
           </a:xfrm>
           <a:prstGeom prst="rect">
@@ -12944,7 +17407,7 @@
         </p:nvSpPr>
         <p:spPr>
           <a:xfrm>
-            <a:off x="19941970" y="9498335"/>
+            <a:off x="20024449" y="13225755"/>
             <a:ext cx="7705673" cy="2308324"/>
           </a:xfrm>
           <a:prstGeom prst="rect">
@@ -13001,7 +17464,7 @@
         </p:blipFill>
         <p:spPr bwMode="auto">
           <a:xfrm>
-            <a:off x="14793933" y="8875562"/>
+            <a:off x="15162776" y="12676320"/>
             <a:ext cx="4728218" cy="3614688"/>
           </a:xfrm>
           <a:prstGeom prst="rect">
@@ -13033,10 +17496,10 @@
         </p:nvGrpSpPr>
         <p:grpSpPr>
           <a:xfrm>
-            <a:off x="784911" y="15500348"/>
-            <a:ext cx="12823213" cy="4901451"/>
-            <a:chOff x="5453027" y="-79165"/>
-            <a:chExt cx="4736708" cy="4508192"/>
+            <a:off x="835603" y="13779707"/>
+            <a:ext cx="12902867" cy="4968040"/>
+            <a:chOff x="5453027" y="0"/>
+            <a:chExt cx="4766131" cy="4569438"/>
           </a:xfrm>
         </p:grpSpPr>
         <p:sp>
@@ -13115,7 +17578,7 @@
           </p:nvSpPr>
           <p:spPr>
             <a:xfrm>
-              <a:off x="5483841" y="-79165"/>
+              <a:off x="5513264" y="61246"/>
               <a:ext cx="4705894" cy="4508192"/>
             </a:xfrm>
             <a:prstGeom prst="rect">
@@ -13273,8 +17736,8 @@
         </p:nvSpPr>
         <p:spPr>
           <a:xfrm>
-            <a:off x="15153043" y="12871808"/>
-            <a:ext cx="12617278" cy="2862322"/>
+            <a:off x="21984185" y="16430708"/>
+            <a:ext cx="6365490" cy="2862322"/>
           </a:xfrm>
           <a:prstGeom prst="rect">
             <a:avLst/>
@@ -13282,7 +17745,7 @@
           <a:noFill/>
         </p:spPr>
         <p:txBody>
-          <a:bodyPr wrap="square" rtlCol="0">
+          <a:bodyPr wrap="square" numCol="1" rtlCol="0">
             <a:spAutoFit/>
           </a:bodyPr>
           <a:lstStyle/>
@@ -13381,7 +17844,7 @@
         </p:nvSpPr>
         <p:spPr bwMode="auto">
           <a:xfrm>
-            <a:off x="402307" y="28147053"/>
+            <a:off x="14627445" y="20241385"/>
             <a:ext cx="13901893" cy="1044575"/>
           </a:xfrm>
           <a:prstGeom prst="rect">
@@ -13435,7 +17898,7 @@
         </p:nvSpPr>
         <p:spPr bwMode="auto">
           <a:xfrm>
-            <a:off x="430059" y="28317485"/>
+            <a:off x="14655197" y="20411817"/>
             <a:ext cx="10088562" cy="710067"/>
           </a:xfrm>
           <a:prstGeom prst="rect">
@@ -13884,8 +18347,8 @@
         </p:nvSpPr>
         <p:spPr bwMode="auto">
           <a:xfrm>
-            <a:off x="14793933" y="14959931"/>
-            <a:ext cx="14013566" cy="4850988"/>
+            <a:off x="421403" y="35326675"/>
+            <a:ext cx="28010444" cy="6335622"/>
           </a:xfrm>
           <a:prstGeom prst="rect">
             <a:avLst/>
@@ -14310,8 +18773,8 @@
         </p:nvSpPr>
         <p:spPr bwMode="auto">
           <a:xfrm>
-            <a:off x="14782360" y="13915356"/>
-            <a:ext cx="14020936" cy="1044575"/>
+            <a:off x="421403" y="34273727"/>
+            <a:ext cx="28016912" cy="1058099"/>
           </a:xfrm>
           <a:prstGeom prst="rect">
             <a:avLst/>
@@ -14364,8 +18827,8 @@
         </p:nvSpPr>
         <p:spPr bwMode="auto">
           <a:xfrm>
-            <a:off x="14868455" y="14043161"/>
-            <a:ext cx="13859832" cy="710067"/>
+            <a:off x="525297" y="34417743"/>
+            <a:ext cx="26332299" cy="710067"/>
           </a:xfrm>
           <a:prstGeom prst="rect">
             <a:avLst/>
@@ -14785,6 +19248,90 @@
           </a:p>
         </p:txBody>
       </p:sp>
+      <p:graphicFrame>
+        <p:nvGraphicFramePr>
+          <p:cNvPr id="73" name="Gráfico 72">
+            <a:extLst>
+              <a:ext uri="{FF2B5EF4-FFF2-40B4-BE49-F238E27FC236}">
+                <a16:creationId xmlns:a16="http://schemas.microsoft.com/office/drawing/2014/main" id="{52F2FAA3-6EC5-4029-867F-7FDD1D2C1609}"/>
+              </a:ext>
+            </a:extLst>
+          </p:cNvPr>
+          <p:cNvGraphicFramePr/>
+          <p:nvPr>
+            <p:extLst>
+              <p:ext uri="{D42A27DB-BD31-4B8C-83A1-F6EECF244321}">
+                <p14:modId xmlns:p14="http://schemas.microsoft.com/office/powerpoint/2010/main" val="369751564"/>
+              </p:ext>
+            </p:extLst>
+          </p:nvPr>
+        </p:nvGraphicFramePr>
+        <p:xfrm>
+          <a:off x="9310526" y="35850099"/>
+          <a:ext cx="8762094" cy="5176396"/>
+        </p:xfrm>
+        <a:graphic>
+          <a:graphicData uri="http://schemas.openxmlformats.org/drawingml/2006/chart">
+            <c:chart xmlns:c="http://schemas.openxmlformats.org/drawingml/2006/chart" xmlns:r="http://schemas.openxmlformats.org/officeDocument/2006/relationships" r:id="rId13"/>
+          </a:graphicData>
+        </a:graphic>
+      </p:graphicFrame>
+      <p:graphicFrame>
+        <p:nvGraphicFramePr>
+          <p:cNvPr id="74" name="Gráfico 73">
+            <a:extLst>
+              <a:ext uri="{FF2B5EF4-FFF2-40B4-BE49-F238E27FC236}">
+                <a16:creationId xmlns:a16="http://schemas.microsoft.com/office/drawing/2014/main" id="{7A305884-E25B-4EF6-B0C9-591130C4F88B}"/>
+              </a:ext>
+            </a:extLst>
+          </p:cNvPr>
+          <p:cNvGraphicFramePr/>
+          <p:nvPr>
+            <p:extLst>
+              <p:ext uri="{D42A27DB-BD31-4B8C-83A1-F6EECF244321}">
+                <p14:modId xmlns:p14="http://schemas.microsoft.com/office/powerpoint/2010/main" val="788208785"/>
+              </p:ext>
+            </p:extLst>
+          </p:nvPr>
+        </p:nvGraphicFramePr>
+        <p:xfrm>
+          <a:off x="19080732" y="35815581"/>
+          <a:ext cx="8197265" cy="5210913"/>
+        </p:xfrm>
+        <a:graphic>
+          <a:graphicData uri="http://schemas.openxmlformats.org/drawingml/2006/chart">
+            <c:chart xmlns:c="http://schemas.openxmlformats.org/drawingml/2006/chart" xmlns:r="http://schemas.openxmlformats.org/officeDocument/2006/relationships" r:id="rId14"/>
+          </a:graphicData>
+        </a:graphic>
+      </p:graphicFrame>
+      <p:graphicFrame>
+        <p:nvGraphicFramePr>
+          <p:cNvPr id="76" name="Gráfico 75">
+            <a:extLst>
+              <a:ext uri="{FF2B5EF4-FFF2-40B4-BE49-F238E27FC236}">
+                <a16:creationId xmlns:a16="http://schemas.microsoft.com/office/drawing/2014/main" id="{FB3B4AB0-F085-4DC6-BBB8-AFE13D890D2B}"/>
+              </a:ext>
+            </a:extLst>
+          </p:cNvPr>
+          <p:cNvGraphicFramePr/>
+          <p:nvPr>
+            <p:extLst>
+              <p:ext uri="{D42A27DB-BD31-4B8C-83A1-F6EECF244321}">
+                <p14:modId xmlns:p14="http://schemas.microsoft.com/office/powerpoint/2010/main" val="277680751"/>
+              </p:ext>
+            </p:extLst>
+          </p:nvPr>
+        </p:nvGraphicFramePr>
+        <p:xfrm>
+          <a:off x="1192590" y="35850098"/>
+          <a:ext cx="6832004" cy="5159959"/>
+        </p:xfrm>
+        <a:graphic>
+          <a:graphicData uri="http://schemas.openxmlformats.org/drawingml/2006/chart">
+            <c:chart xmlns:c="http://schemas.openxmlformats.org/drawingml/2006/chart" xmlns:r="http://schemas.openxmlformats.org/officeDocument/2006/relationships" r:id="rId15"/>
+          </a:graphicData>
+        </a:graphic>
+      </p:graphicFrame>
     </p:spTree>
   </p:cSld>
   <p:clrMapOvr>

--- a/Cartel.pptx
+++ b/Cartel.pptx
@@ -143,7 +143,7 @@
 <file path=ppt/revisionInfo.xml><?xml version="1.0" encoding="utf-8"?>
 <p1510:revInfo xmlns:a="http://schemas.openxmlformats.org/drawingml/2006/main" xmlns:r="http://schemas.openxmlformats.org/officeDocument/2006/relationships" xmlns:p1510="http://schemas.microsoft.com/office/powerpoint/2015/10/main">
   <p1510:revLst>
-    <p1510:client id="{76E6DFC8-0C56-445B-92F9-6634E7FDFD1C}" v="372" dt="2019-05-15T15:49:31.170"/>
+    <p1510:client id="{76E6DFC8-0C56-445B-92F9-6634E7FDFD1C}" v="381" dt="2019-05-15T15:54:26.396"/>
   </p1510:revLst>
 </p1510:revInfo>
 </file>
@@ -577,12 +577,12 @@
   <pc:docChgLst>
     <pc:chgData name="Mariam Rodriguez" userId="c09470932690718e" providerId="LiveId" clId="{76E6DFC8-0C56-445B-92F9-6634E7FDFD1C}"/>
     <pc:docChg chg="undo custSel modSld">
-      <pc:chgData name="Mariam Rodriguez" userId="c09470932690718e" providerId="LiveId" clId="{76E6DFC8-0C56-445B-92F9-6634E7FDFD1C}" dt="2019-05-15T15:49:31.169" v="353"/>
+      <pc:chgData name="Mariam Rodriguez" userId="c09470932690718e" providerId="LiveId" clId="{76E6DFC8-0C56-445B-92F9-6634E7FDFD1C}" dt="2019-05-15T15:54:26.396" v="362" actId="1076"/>
       <pc:docMkLst>
         <pc:docMk/>
       </pc:docMkLst>
       <pc:sldChg chg="addSp delSp modSp mod">
-        <pc:chgData name="Mariam Rodriguez" userId="c09470932690718e" providerId="LiveId" clId="{76E6DFC8-0C56-445B-92F9-6634E7FDFD1C}" dt="2019-05-15T15:49:31.169" v="353"/>
+        <pc:chgData name="Mariam Rodriguez" userId="c09470932690718e" providerId="LiveId" clId="{76E6DFC8-0C56-445B-92F9-6634E7FDFD1C}" dt="2019-05-15T15:54:26.396" v="362" actId="1076"/>
         <pc:sldMkLst>
           <pc:docMk/>
           <pc:sldMk cId="0" sldId="256"/>
@@ -961,6 +961,38 @@
             <pc:docMk/>
             <pc:sldMk cId="0" sldId="256"/>
             <ac:picMk id="28" creationId="{9F558F55-5FD7-4176-B7E1-7353D77FCBF5}"/>
+          </ac:picMkLst>
+        </pc:picChg>
+        <pc:picChg chg="add mod">
+          <ac:chgData name="Mariam Rodriguez" userId="c09470932690718e" providerId="LiveId" clId="{76E6DFC8-0C56-445B-92F9-6634E7FDFD1C}" dt="2019-05-15T15:54:16.404" v="356" actId="1076"/>
+          <ac:picMkLst>
+            <pc:docMk/>
+            <pc:sldMk cId="0" sldId="256"/>
+            <ac:picMk id="51" creationId="{24F648BC-4F5F-47EA-A53D-C1D71DD2E9FC}"/>
+          </ac:picMkLst>
+        </pc:picChg>
+        <pc:picChg chg="add mod">
+          <ac:chgData name="Mariam Rodriguez" userId="c09470932690718e" providerId="LiveId" clId="{76E6DFC8-0C56-445B-92F9-6634E7FDFD1C}" dt="2019-05-15T15:54:18.772" v="357" actId="1076"/>
+          <ac:picMkLst>
+            <pc:docMk/>
+            <pc:sldMk cId="0" sldId="256"/>
+            <ac:picMk id="54" creationId="{B304A6CD-E0E4-4F9A-B2E9-8A1FBFC1AF8A}"/>
+          </ac:picMkLst>
+        </pc:picChg>
+        <pc:picChg chg="add mod">
+          <ac:chgData name="Mariam Rodriguez" userId="c09470932690718e" providerId="LiveId" clId="{76E6DFC8-0C56-445B-92F9-6634E7FDFD1C}" dt="2019-05-15T15:54:26.396" v="362" actId="1076"/>
+          <ac:picMkLst>
+            <pc:docMk/>
+            <pc:sldMk cId="0" sldId="256"/>
+            <ac:picMk id="55" creationId="{B850D39F-85C4-43E2-A80B-4CDA4B05A1A3}"/>
+          </ac:picMkLst>
+        </pc:picChg>
+        <pc:picChg chg="add mod">
+          <ac:chgData name="Mariam Rodriguez" userId="c09470932690718e" providerId="LiveId" clId="{76E6DFC8-0C56-445B-92F9-6634E7FDFD1C}" dt="2019-05-15T15:54:24.388" v="361" actId="1076"/>
+          <ac:picMkLst>
+            <pc:docMk/>
+            <pc:sldMk cId="0" sldId="256"/>
+            <ac:picMk id="65" creationId="{3871349E-BDA8-4E94-B87A-63A4984EF764}"/>
           </ac:picMkLst>
         </pc:picChg>
         <pc:picChg chg="mod">
@@ -19332,6 +19364,194 @@
           </a:graphicData>
         </a:graphic>
       </p:graphicFrame>
+      <p:pic>
+        <p:nvPicPr>
+          <p:cNvPr id="51" name="Picture 2" descr="https://lh5.googleusercontent.com/bq4Tv0AjBhppA1lNvuA7INmefR9lyfBSyo8ANWK6HllsevLiP2jm-uoyY_F0qZBoXsOSCwP2P8MDDVxkkuXRJxaODhJDwGU2NLTVqxuCQG_jwGRNxI8NOQyMurSfW1AqnnMN9RD8">
+            <a:extLst>
+              <a:ext uri="{FF2B5EF4-FFF2-40B4-BE49-F238E27FC236}">
+                <a16:creationId xmlns:a16="http://schemas.microsoft.com/office/drawing/2014/main" id="{24F648BC-4F5F-47EA-A53D-C1D71DD2E9FC}"/>
+              </a:ext>
+            </a:extLst>
+          </p:cNvPr>
+          <p:cNvPicPr>
+            <a:picLocks noChangeAspect="1" noChangeArrowheads="1"/>
+          </p:cNvPicPr>
+          <p:nvPr/>
+        </p:nvPicPr>
+        <p:blipFill>
+          <a:blip r:embed="rId16">
+            <a:extLst>
+              <a:ext uri="{28A0092B-C50C-407E-A947-70E740481C1C}">
+                <a14:useLocalDpi xmlns:a14="http://schemas.microsoft.com/office/drawing/2010/main" val="0"/>
+              </a:ext>
+            </a:extLst>
+          </a:blip>
+          <a:srcRect/>
+          <a:stretch>
+            <a:fillRect/>
+          </a:stretch>
+        </p:blipFill>
+        <p:spPr bwMode="auto">
+          <a:xfrm>
+            <a:off x="1088010" y="28752719"/>
+            <a:ext cx="4215062" cy="2520000"/>
+          </a:xfrm>
+          <a:prstGeom prst="rect">
+            <a:avLst/>
+          </a:prstGeom>
+          <a:noFill/>
+          <a:extLst>
+            <a:ext uri="{909E8E84-426E-40DD-AFC4-6F175D3DCCD1}">
+              <a14:hiddenFill xmlns:a14="http://schemas.microsoft.com/office/drawing/2010/main">
+                <a:solidFill>
+                  <a:srgbClr val="FFFFFF"/>
+                </a:solidFill>
+              </a14:hiddenFill>
+            </a:ext>
+          </a:extLst>
+        </p:spPr>
+      </p:pic>
+      <p:pic>
+        <p:nvPicPr>
+          <p:cNvPr id="54" name="Picture 6" descr="https://lh6.googleusercontent.com/jBOA9bmR5b0G3f2Gt8kk_v0Do-A9fA98nE0yeY5-IVraHTiQ9mZfiSGfIq4rV2eKyua8QUmY2UBJoDUqkBm8Z_eYyQW5NJu43IcZfruNn_MzU9W8ZfsxfAwC7AGRt-ObH2w8ELJE">
+            <a:extLst>
+              <a:ext uri="{FF2B5EF4-FFF2-40B4-BE49-F238E27FC236}">
+                <a16:creationId xmlns:a16="http://schemas.microsoft.com/office/drawing/2014/main" id="{B304A6CD-E0E4-4F9A-B2E9-8A1FBFC1AF8A}"/>
+              </a:ext>
+            </a:extLst>
+          </p:cNvPr>
+          <p:cNvPicPr>
+            <a:picLocks noChangeAspect="1" noChangeArrowheads="1"/>
+          </p:cNvPicPr>
+          <p:nvPr/>
+        </p:nvPicPr>
+        <p:blipFill>
+          <a:blip r:embed="rId17">
+            <a:extLst>
+              <a:ext uri="{28A0092B-C50C-407E-A947-70E740481C1C}">
+                <a14:useLocalDpi xmlns:a14="http://schemas.microsoft.com/office/drawing/2010/main" val="0"/>
+              </a:ext>
+            </a:extLst>
+          </a:blip>
+          <a:srcRect/>
+          <a:stretch>
+            <a:fillRect/>
+          </a:stretch>
+        </p:blipFill>
+        <p:spPr bwMode="auto">
+          <a:xfrm>
+            <a:off x="6101172" y="31002692"/>
+            <a:ext cx="5030271" cy="2520000"/>
+          </a:xfrm>
+          <a:prstGeom prst="rect">
+            <a:avLst/>
+          </a:prstGeom>
+          <a:noFill/>
+          <a:extLst>
+            <a:ext uri="{909E8E84-426E-40DD-AFC4-6F175D3DCCD1}">
+              <a14:hiddenFill xmlns:a14="http://schemas.microsoft.com/office/drawing/2010/main">
+                <a:solidFill>
+                  <a:srgbClr val="FFFFFF"/>
+                </a:solidFill>
+              </a14:hiddenFill>
+            </a:ext>
+          </a:extLst>
+        </p:spPr>
+      </p:pic>
+      <p:pic>
+        <p:nvPicPr>
+          <p:cNvPr id="55" name="Picture 10" descr="https://lh5.googleusercontent.com/e7hV6Jlb2KSf-Mg0oiuqFaQFEvzpiZnblQoDpU1pXVxnlHJ7Jzmu-K70bsUaJvhYmjAB6pCTLuX7FyfjXeiJyTcv1UI6ah1462No_xHp_6uUeEmwstuK4_7aSg-gy0K1zSpXJDfy">
+            <a:extLst>
+              <a:ext uri="{FF2B5EF4-FFF2-40B4-BE49-F238E27FC236}">
+                <a16:creationId xmlns:a16="http://schemas.microsoft.com/office/drawing/2014/main" id="{B850D39F-85C4-43E2-A80B-4CDA4B05A1A3}"/>
+              </a:ext>
+            </a:extLst>
+          </p:cNvPr>
+          <p:cNvPicPr>
+            <a:picLocks noChangeAspect="1" noChangeArrowheads="1"/>
+          </p:cNvPicPr>
+          <p:nvPr/>
+        </p:nvPicPr>
+        <p:blipFill>
+          <a:blip r:embed="rId18">
+            <a:extLst>
+              <a:ext uri="{28A0092B-C50C-407E-A947-70E740481C1C}">
+                <a14:useLocalDpi xmlns:a14="http://schemas.microsoft.com/office/drawing/2010/main" val="0"/>
+              </a:ext>
+            </a:extLst>
+          </a:blip>
+          <a:srcRect/>
+          <a:stretch>
+            <a:fillRect/>
+          </a:stretch>
+        </p:blipFill>
+        <p:spPr bwMode="auto">
+          <a:xfrm>
+            <a:off x="17920454" y="31002632"/>
+            <a:ext cx="4680000" cy="2344526"/>
+          </a:xfrm>
+          <a:prstGeom prst="rect">
+            <a:avLst/>
+          </a:prstGeom>
+          <a:noFill/>
+          <a:extLst>
+            <a:ext uri="{909E8E84-426E-40DD-AFC4-6F175D3DCCD1}">
+              <a14:hiddenFill xmlns:a14="http://schemas.microsoft.com/office/drawing/2010/main">
+                <a:solidFill>
+                  <a:srgbClr val="FFFFFF"/>
+                </a:solidFill>
+              </a14:hiddenFill>
+            </a:ext>
+          </a:extLst>
+        </p:spPr>
+      </p:pic>
+      <p:pic>
+        <p:nvPicPr>
+          <p:cNvPr id="65" name="Picture 2" descr="https://lh6.googleusercontent.com/f5yahBwFo3UM3fUsOqv72boL5pgGB59Wc1wqb9JryLpdxdiiYgUVpDCwvRbWOpOiORq8sAYBqxEEJvH_Fg71gxblsbEYwHCGoxXGyFwmaTrGPbnku2_oke-kmII60krI7qxYbJrg">
+            <a:extLst>
+              <a:ext uri="{FF2B5EF4-FFF2-40B4-BE49-F238E27FC236}">
+                <a16:creationId xmlns:a16="http://schemas.microsoft.com/office/drawing/2014/main" id="{3871349E-BDA8-4E94-B87A-63A4984EF764}"/>
+              </a:ext>
+            </a:extLst>
+          </p:cNvPr>
+          <p:cNvPicPr>
+            <a:picLocks noChangeAspect="1" noChangeArrowheads="1"/>
+          </p:cNvPicPr>
+          <p:nvPr/>
+        </p:nvPicPr>
+        <p:blipFill>
+          <a:blip r:embed="rId19">
+            <a:extLst>
+              <a:ext uri="{28A0092B-C50C-407E-A947-70E740481C1C}">
+                <a14:useLocalDpi xmlns:a14="http://schemas.microsoft.com/office/drawing/2010/main" val="0"/>
+              </a:ext>
+            </a:extLst>
+          </a:blip>
+          <a:srcRect/>
+          <a:stretch>
+            <a:fillRect/>
+          </a:stretch>
+        </p:blipFill>
+        <p:spPr bwMode="auto">
+          <a:xfrm>
+            <a:off x="11419533" y="28703531"/>
+            <a:ext cx="4680000" cy="2032500"/>
+          </a:xfrm>
+          <a:prstGeom prst="rect">
+            <a:avLst/>
+          </a:prstGeom>
+          <a:noFill/>
+          <a:extLst>
+            <a:ext uri="{909E8E84-426E-40DD-AFC4-6F175D3DCCD1}">
+              <a14:hiddenFill xmlns:a14="http://schemas.microsoft.com/office/drawing/2010/main">
+                <a:solidFill>
+                  <a:srgbClr val="FFFFFF"/>
+                </a:solidFill>
+              </a14:hiddenFill>
+            </a:ext>
+          </a:extLst>
+        </p:spPr>
+      </p:pic>
     </p:spTree>
   </p:cSld>
   <p:clrMapOvr>
